--- a/Наработки/диздоки/Сиам/Сиам.pptx
+++ b/Наработки/диздоки/Сиам/Сиам.pptx
@@ -209,7 +209,7 @@
             <a:fld id="{33E3D7F9-E251-484C-A6FF-FA958879DF69}" type="datetimeFigureOut">
               <a:rPr lang="ru-RU" smtClean="0"/>
               <a:pPr/>
-              <a:t>15.06.2021</a:t>
+              <a:t>21.06.2021</a:t>
             </a:fld>
             <a:endParaRPr lang="ru-RU"/>
           </a:p>
@@ -700,7 +700,7 @@
             <a:fld id="{85A5DE44-605B-4D3B-B2B7-94543DF81A36}" type="datetimeFigureOut">
               <a:rPr lang="ru-RU" smtClean="0"/>
               <a:pPr/>
-              <a:t>15.06.2021</a:t>
+              <a:t>21.06.2021</a:t>
             </a:fld>
             <a:endParaRPr lang="ru-RU"/>
           </a:p>
@@ -872,7 +872,7 @@
             <a:fld id="{85A5DE44-605B-4D3B-B2B7-94543DF81A36}" type="datetimeFigureOut">
               <a:rPr lang="ru-RU" smtClean="0"/>
               <a:pPr/>
-              <a:t>15.06.2021</a:t>
+              <a:t>21.06.2021</a:t>
             </a:fld>
             <a:endParaRPr lang="ru-RU"/>
           </a:p>
@@ -1054,7 +1054,7 @@
             <a:fld id="{85A5DE44-605B-4D3B-B2B7-94543DF81A36}" type="datetimeFigureOut">
               <a:rPr lang="ru-RU" smtClean="0"/>
               <a:pPr/>
-              <a:t>15.06.2021</a:t>
+              <a:t>21.06.2021</a:t>
             </a:fld>
             <a:endParaRPr lang="ru-RU"/>
           </a:p>
@@ -1226,7 +1226,7 @@
             <a:fld id="{85A5DE44-605B-4D3B-B2B7-94543DF81A36}" type="datetimeFigureOut">
               <a:rPr lang="ru-RU" smtClean="0"/>
               <a:pPr/>
-              <a:t>15.06.2021</a:t>
+              <a:t>21.06.2021</a:t>
             </a:fld>
             <a:endParaRPr lang="ru-RU"/>
           </a:p>
@@ -1474,7 +1474,7 @@
             <a:fld id="{85A5DE44-605B-4D3B-B2B7-94543DF81A36}" type="datetimeFigureOut">
               <a:rPr lang="ru-RU" smtClean="0"/>
               <a:pPr/>
-              <a:t>15.06.2021</a:t>
+              <a:t>21.06.2021</a:t>
             </a:fld>
             <a:endParaRPr lang="ru-RU"/>
           </a:p>
@@ -1708,7 +1708,7 @@
             <a:fld id="{85A5DE44-605B-4D3B-B2B7-94543DF81A36}" type="datetimeFigureOut">
               <a:rPr lang="ru-RU" smtClean="0"/>
               <a:pPr/>
-              <a:t>15.06.2021</a:t>
+              <a:t>21.06.2021</a:t>
             </a:fld>
             <a:endParaRPr lang="ru-RU"/>
           </a:p>
@@ -2077,7 +2077,7 @@
             <a:fld id="{85A5DE44-605B-4D3B-B2B7-94543DF81A36}" type="datetimeFigureOut">
               <a:rPr lang="ru-RU" smtClean="0"/>
               <a:pPr/>
-              <a:t>15.06.2021</a:t>
+              <a:t>21.06.2021</a:t>
             </a:fld>
             <a:endParaRPr lang="ru-RU"/>
           </a:p>
@@ -2197,7 +2197,7 @@
             <a:fld id="{85A5DE44-605B-4D3B-B2B7-94543DF81A36}" type="datetimeFigureOut">
               <a:rPr lang="ru-RU" smtClean="0"/>
               <a:pPr/>
-              <a:t>15.06.2021</a:t>
+              <a:t>21.06.2021</a:t>
             </a:fld>
             <a:endParaRPr lang="ru-RU"/>
           </a:p>
@@ -2294,7 +2294,7 @@
             <a:fld id="{85A5DE44-605B-4D3B-B2B7-94543DF81A36}" type="datetimeFigureOut">
               <a:rPr lang="ru-RU" smtClean="0"/>
               <a:pPr/>
-              <a:t>15.06.2021</a:t>
+              <a:t>21.06.2021</a:t>
             </a:fld>
             <a:endParaRPr lang="ru-RU"/>
           </a:p>
@@ -2573,7 +2573,7 @@
             <a:fld id="{85A5DE44-605B-4D3B-B2B7-94543DF81A36}" type="datetimeFigureOut">
               <a:rPr lang="ru-RU" smtClean="0"/>
               <a:pPr/>
-              <a:t>15.06.2021</a:t>
+              <a:t>21.06.2021</a:t>
             </a:fld>
             <a:endParaRPr lang="ru-RU"/>
           </a:p>
@@ -2832,7 +2832,7 @@
             <a:fld id="{85A5DE44-605B-4D3B-B2B7-94543DF81A36}" type="datetimeFigureOut">
               <a:rPr lang="ru-RU" smtClean="0"/>
               <a:pPr/>
-              <a:t>15.06.2021</a:t>
+              <a:t>21.06.2021</a:t>
             </a:fld>
             <a:endParaRPr lang="ru-RU"/>
           </a:p>
@@ -3047,7 +3047,7 @@
             <a:fld id="{85A5DE44-605B-4D3B-B2B7-94543DF81A36}" type="datetimeFigureOut">
               <a:rPr lang="ru-RU" smtClean="0"/>
               <a:pPr/>
-              <a:t>15.06.2021</a:t>
+              <a:t>21.06.2021</a:t>
             </a:fld>
             <a:endParaRPr lang="ru-RU"/>
           </a:p>
@@ -17794,13 +17794,13 @@
       </p:cxnSp>
       <p:sp>
         <p:nvSpPr>
-          <p:cNvPr id="322" name="Прямоугольник 321"/>
+          <p:cNvPr id="329" name="Прямоугольник 328"/>
           <p:cNvSpPr/>
           <p:nvPr/>
         </p:nvSpPr>
         <p:spPr>
           <a:xfrm>
-            <a:off x="178351" y="412357"/>
+            <a:off x="24431305" y="173291"/>
             <a:ext cx="2115918" cy="1080000"/>
           </a:xfrm>
           <a:prstGeom prst="rect">
@@ -17829,11 +17829,11 @@
             <a:pPr algn="ctr"/>
             <a:r>
               <a:rPr lang="ru-RU" sz="1400" dirty="0" smtClean="0"/>
-              <a:t>1936 г. модифицировать14 октября - Открытие монумента восстания или монумента защиты конституции в районе </a:t>
+              <a:t>1938 11 сентября - </a:t>
             </a:r>
             <a:r>
               <a:rPr lang="ru-RU" sz="1400" dirty="0" err="1" smtClean="0"/>
-              <a:t>Банг</a:t>
+              <a:t>Прайя</a:t>
             </a:r>
             <a:r>
               <a:rPr lang="ru-RU" sz="1400" dirty="0" smtClean="0"/>
@@ -17841,11 +17841,27 @@
             </a:r>
             <a:r>
               <a:rPr lang="ru-RU" sz="1400" dirty="0" err="1" smtClean="0"/>
-              <a:t>Кхен</a:t>
+              <a:t>Пахонфонпхайухасена</a:t>
             </a:r>
             <a:r>
               <a:rPr lang="ru-RU" sz="1400" dirty="0" smtClean="0"/>
-              <a:t> (теперь называется просто « Монумент Лак Си »)</a:t>
+              <a:t> распускает парламент, поскольку правительство теряет голоса по предложенному правительством объяснению расходов 1938 16 декабря - полковник </a:t>
+            </a:r>
+            <a:r>
+              <a:rPr lang="ru-RU" sz="1400" dirty="0" err="1" smtClean="0"/>
+              <a:t>Луанг</a:t>
+            </a:r>
+            <a:r>
+              <a:rPr lang="ru-RU" sz="1400" dirty="0" smtClean="0"/>
+              <a:t> </a:t>
+            </a:r>
+            <a:r>
+              <a:rPr lang="ru-RU" sz="1400" dirty="0" err="1" smtClean="0"/>
+              <a:t>Пхибунсонгкхрам</a:t>
+            </a:r>
+            <a:r>
+              <a:rPr lang="ru-RU" sz="1400" dirty="0" smtClean="0"/>
+              <a:t>. занял пост премьер-министра</a:t>
             </a:r>
             <a:endParaRPr lang="ru-RU" sz="1400" dirty="0"/>
           </a:p>
@@ -17853,13 +17869,13 @@
       </p:sp>
       <p:sp>
         <p:nvSpPr>
-          <p:cNvPr id="323" name="Прямоугольник 322"/>
+          <p:cNvPr id="332" name="Прямоугольник 331"/>
           <p:cNvSpPr/>
           <p:nvPr/>
         </p:nvSpPr>
         <p:spPr>
           <a:xfrm>
-            <a:off x="26984506" y="173291"/>
+            <a:off x="2544325" y="380011"/>
             <a:ext cx="2115918" cy="1080000"/>
           </a:xfrm>
           <a:prstGeom prst="rect">
@@ -17885,309 +17901,6 @@
           <a:bodyPr lIns="124733" tIns="62367" rIns="124733" bIns="62367" rtlCol="0" anchor="ctr"/>
           <a:lstStyle/>
           <a:p>
-            <a:pPr fontAlgn="base"/>
-            <a:r>
-              <a:rPr lang="ru-RU" sz="1400" dirty="0" smtClean="0"/>
-              <a:t>1936 10 декабря - Церемония захоронения </a:t>
-            </a:r>
-            <a:r>
-              <a:rPr lang="ru-RU" sz="1400" dirty="0" smtClean="0">
-                <a:hlinkClick r:id="rId3"/>
-              </a:rPr>
-              <a:t>мемориальной доски Народной партии.</a:t>
-            </a:r>
-            <a:r>
-              <a:rPr lang="ru-RU" sz="1400" dirty="0" smtClean="0"/>
-              <a:t> </a:t>
-            </a:r>
-            <a:r>
-              <a:rPr lang="ru-RU" sz="300" dirty="0" smtClean="0"/>
-              <a:t>(Конституционный колышек [1] , обычно называемый колышком Народной партии , представляет собой латунную заклепку, встроенную в дорожное покрытие. Внутренний двор королевской статуи на стороне стадиона </a:t>
-            </a:r>
-            <a:r>
-              <a:rPr lang="ru-RU" sz="300" dirty="0" err="1" smtClean="0"/>
-              <a:t>Suea</a:t>
-            </a:r>
-            <a:r>
-              <a:rPr lang="ru-RU" sz="300" dirty="0" smtClean="0"/>
-              <a:t> </a:t>
-            </a:r>
-            <a:r>
-              <a:rPr lang="ru-RU" sz="300" dirty="0" err="1" smtClean="0"/>
-              <a:t>Pa</a:t>
-            </a:r>
-            <a:r>
-              <a:rPr lang="ru-RU" sz="300" dirty="0" smtClean="0"/>
-              <a:t> в том месте, где </a:t>
-            </a:r>
-            <a:r>
-              <a:rPr lang="ru-RU" sz="300" dirty="0" err="1" smtClean="0"/>
-              <a:t>Прайя</a:t>
-            </a:r>
-            <a:r>
-              <a:rPr lang="ru-RU" sz="300" dirty="0" smtClean="0"/>
-              <a:t> </a:t>
-            </a:r>
-            <a:r>
-              <a:rPr lang="ru-RU" sz="300" dirty="0" err="1" smtClean="0"/>
-              <a:t>Пахон</a:t>
-            </a:r>
-            <a:r>
-              <a:rPr lang="ru-RU" sz="300" dirty="0" smtClean="0"/>
-              <a:t> Фон </a:t>
-            </a:r>
-            <a:r>
-              <a:rPr lang="ru-RU" sz="300" dirty="0" err="1" smtClean="0"/>
-              <a:t>Пхаюхасена</a:t>
-            </a:r>
-            <a:r>
-              <a:rPr lang="ru-RU" sz="300" dirty="0" smtClean="0"/>
-              <a:t> (</a:t>
-            </a:r>
-            <a:r>
-              <a:rPr lang="ru-RU" sz="300" dirty="0" err="1" smtClean="0"/>
-              <a:t>Poj</a:t>
-            </a:r>
-            <a:r>
-              <a:rPr lang="ru-RU" sz="300" dirty="0" smtClean="0"/>
-              <a:t> </a:t>
-            </a:r>
-            <a:r>
-              <a:rPr lang="ru-RU" sz="300" dirty="0" err="1" smtClean="0"/>
-              <a:t>Phaholyothin</a:t>
-            </a:r>
-            <a:r>
-              <a:rPr lang="ru-RU" sz="300" dirty="0" smtClean="0"/>
-              <a:t>) зачитал объявление Народной партии в Сиамская революция 1932 года. Мемориальная доска гласит : «Здесь, 24 июня 1932 года, на рассвете Народная партия приняла конституцию для процветания нации». Министерство внутренних дел провело церемонию </a:t>
-            </a:r>
-            <a:r>
-              <a:rPr lang="ru-RU" sz="300" dirty="0" err="1" smtClean="0"/>
-              <a:t>закопания</a:t>
-            </a:r>
-            <a:r>
-              <a:rPr lang="ru-RU" sz="300" dirty="0" smtClean="0"/>
-              <a:t> мемориальной доски. 10 декабря 1936 года, автор: </a:t>
-            </a:r>
-            <a:r>
-              <a:rPr lang="ru-RU" sz="300" dirty="0" err="1" smtClean="0"/>
-              <a:t>There</a:t>
-            </a:r>
-            <a:r>
-              <a:rPr lang="ru-RU" sz="300" dirty="0" smtClean="0"/>
-              <a:t> </a:t>
-            </a:r>
-            <a:r>
-              <a:rPr lang="ru-RU" sz="300" dirty="0" err="1" smtClean="0"/>
-              <a:t>is</a:t>
-            </a:r>
-            <a:r>
-              <a:rPr lang="ru-RU" sz="300" dirty="0" smtClean="0"/>
-              <a:t> </a:t>
-            </a:r>
-            <a:r>
-              <a:rPr lang="ru-RU" sz="300" dirty="0" err="1" smtClean="0"/>
-              <a:t>Phraya</a:t>
-            </a:r>
-            <a:r>
-              <a:rPr lang="ru-RU" sz="300" dirty="0" smtClean="0"/>
-              <a:t> </a:t>
-            </a:r>
-            <a:r>
-              <a:rPr lang="ru-RU" sz="300" dirty="0" err="1" smtClean="0"/>
-              <a:t>Phahon</a:t>
-            </a:r>
-            <a:r>
-              <a:rPr lang="ru-RU" sz="300" dirty="0" smtClean="0"/>
-              <a:t> </a:t>
-            </a:r>
-            <a:r>
-              <a:rPr lang="ru-RU" sz="300" dirty="0" err="1" smtClean="0"/>
-              <a:t>Phon</a:t>
-            </a:r>
-            <a:r>
-              <a:rPr lang="ru-RU" sz="300" dirty="0" smtClean="0"/>
-              <a:t> </a:t>
-            </a:r>
-            <a:r>
-              <a:rPr lang="ru-RU" sz="300" dirty="0" err="1" smtClean="0"/>
-              <a:t>Phayuhasena</a:t>
-            </a:r>
-            <a:r>
-              <a:rPr lang="ru-RU" sz="300" dirty="0" smtClean="0"/>
-              <a:t> Тогдашний премьер-министр и глава Народной партии были похоронены.)</a:t>
-            </a:r>
-            <a:endParaRPr lang="ru-RU" sz="1400" dirty="0"/>
-          </a:p>
-        </p:txBody>
-      </p:sp>
-      <p:sp>
-        <p:nvSpPr>
-          <p:cNvPr id="326" name="Прямоугольник 325"/>
-          <p:cNvSpPr/>
-          <p:nvPr/>
-        </p:nvSpPr>
-        <p:spPr>
-          <a:xfrm>
-            <a:off x="19604344" y="206034"/>
-            <a:ext cx="2115918" cy="1080000"/>
-          </a:xfrm>
-          <a:prstGeom prst="rect">
-            <a:avLst/>
-          </a:prstGeom>
-          <a:ln w="28575"/>
-        </p:spPr>
-        <p:style>
-          <a:lnRef idx="2">
-            <a:schemeClr val="accent1"/>
-          </a:lnRef>
-          <a:fillRef idx="1">
-            <a:schemeClr val="lt1"/>
-          </a:fillRef>
-          <a:effectRef idx="0">
-            <a:schemeClr val="accent1"/>
-          </a:effectRef>
-          <a:fontRef idx="minor">
-            <a:schemeClr val="dk1"/>
-          </a:fontRef>
-        </p:style>
-        <p:txBody>
-          <a:bodyPr lIns="124733" tIns="62367" rIns="124733" bIns="62367" rtlCol="0" anchor="ctr"/>
-          <a:lstStyle/>
-          <a:p>
-            <a:pPr algn="ctr"/>
-            <a:r>
-              <a:rPr lang="ru-RU" sz="1050" dirty="0" smtClean="0"/>
-              <a:t>1937 27 июля - </a:t>
-            </a:r>
-            <a:r>
-              <a:rPr lang="ru-RU" sz="1050" dirty="0" err="1" smtClean="0"/>
-              <a:t>Прайя</a:t>
-            </a:r>
-            <a:r>
-              <a:rPr lang="ru-RU" sz="1050" dirty="0" smtClean="0"/>
-              <a:t> </a:t>
-            </a:r>
-            <a:r>
-              <a:rPr lang="ru-RU" sz="1050" dirty="0" err="1" smtClean="0"/>
-              <a:t>Пахонфонпхайухасена</a:t>
-            </a:r>
-            <a:r>
-              <a:rPr lang="ru-RU" sz="1050" dirty="0" smtClean="0"/>
-              <a:t> уходит с поста премьер-министра. от скандала с вопросом о привлечении земли сокровищница рядом Приходите торговать по особенно низкой цене. Чтобы показать чистоту и показать, что они не имеют отношения к продаже такой земли [2]</a:t>
-            </a:r>
-            <a:endParaRPr lang="ru-RU" sz="1050" dirty="0"/>
-          </a:p>
-        </p:txBody>
-      </p:sp>
-      <p:sp>
-        <p:nvSpPr>
-          <p:cNvPr id="329" name="Прямоугольник 328"/>
-          <p:cNvSpPr/>
-          <p:nvPr/>
-        </p:nvSpPr>
-        <p:spPr>
-          <a:xfrm>
-            <a:off x="24431305" y="173291"/>
-            <a:ext cx="2115918" cy="1080000"/>
-          </a:xfrm>
-          <a:prstGeom prst="rect">
-            <a:avLst/>
-          </a:prstGeom>
-          <a:ln w="28575"/>
-        </p:spPr>
-        <p:style>
-          <a:lnRef idx="2">
-            <a:schemeClr val="accent1"/>
-          </a:lnRef>
-          <a:fillRef idx="1">
-            <a:schemeClr val="lt1"/>
-          </a:fillRef>
-          <a:effectRef idx="0">
-            <a:schemeClr val="accent1"/>
-          </a:effectRef>
-          <a:fontRef idx="minor">
-            <a:schemeClr val="dk1"/>
-          </a:fontRef>
-        </p:style>
-        <p:txBody>
-          <a:bodyPr lIns="124733" tIns="62367" rIns="124733" bIns="62367" rtlCol="0" anchor="ctr"/>
-          <a:lstStyle/>
-          <a:p>
-            <a:pPr algn="ctr"/>
-            <a:r>
-              <a:rPr lang="ru-RU" sz="1400" dirty="0" smtClean="0"/>
-              <a:t>1938 11 сентября - </a:t>
-            </a:r>
-            <a:r>
-              <a:rPr lang="ru-RU" sz="1400" dirty="0" err="1" smtClean="0"/>
-              <a:t>Прайя</a:t>
-            </a:r>
-            <a:r>
-              <a:rPr lang="ru-RU" sz="1400" dirty="0" smtClean="0"/>
-              <a:t> </a:t>
-            </a:r>
-            <a:r>
-              <a:rPr lang="ru-RU" sz="1400" dirty="0" err="1" smtClean="0"/>
-              <a:t>Пахонфонпхайухасена</a:t>
-            </a:r>
-            <a:r>
-              <a:rPr lang="ru-RU" sz="1400" dirty="0" smtClean="0"/>
-              <a:t> распускает парламент, поскольку правительство теряет голоса по предложенному правительством объяснению расходов 1938 16 декабря - полковник </a:t>
-            </a:r>
-            <a:r>
-              <a:rPr lang="ru-RU" sz="1400" dirty="0" err="1" smtClean="0"/>
-              <a:t>Луанг</a:t>
-            </a:r>
-            <a:r>
-              <a:rPr lang="ru-RU" sz="1400" dirty="0" smtClean="0"/>
-              <a:t> </a:t>
-            </a:r>
-            <a:r>
-              <a:rPr lang="ru-RU" sz="1400" dirty="0" err="1" smtClean="0"/>
-              <a:t>Пхибунсонгкхрам</a:t>
-            </a:r>
-            <a:r>
-              <a:rPr lang="ru-RU" sz="1400" dirty="0" smtClean="0"/>
-              <a:t>. занял пост премьер-министра</a:t>
-            </a:r>
-            <a:endParaRPr lang="ru-RU" sz="1400" dirty="0"/>
-          </a:p>
-        </p:txBody>
-      </p:sp>
-      <p:sp>
-        <p:nvSpPr>
-          <p:cNvPr id="332" name="Прямоугольник 331"/>
-          <p:cNvSpPr/>
-          <p:nvPr/>
-        </p:nvSpPr>
-        <p:spPr>
-          <a:xfrm>
-            <a:off x="2544325" y="380011"/>
-            <a:ext cx="2115918" cy="1080000"/>
-          </a:xfrm>
-          <a:prstGeom prst="rect">
-            <a:avLst/>
-          </a:prstGeom>
-          <a:ln w="28575"/>
-        </p:spPr>
-        <p:style>
-          <a:lnRef idx="2">
-            <a:schemeClr val="accent1"/>
-          </a:lnRef>
-          <a:fillRef idx="1">
-            <a:schemeClr val="lt1"/>
-          </a:fillRef>
-          <a:effectRef idx="0">
-            <a:schemeClr val="accent1"/>
-          </a:effectRef>
-          <a:fontRef idx="minor">
-            <a:schemeClr val="dk1"/>
-          </a:fontRef>
-        </p:style>
-        <p:txBody>
-          <a:bodyPr lIns="124733" tIns="62367" rIns="124733" bIns="62367" rtlCol="0" anchor="ctr"/>
-          <a:lstStyle/>
-          <a:p>
             <a:pPr algn="ctr"/>
             <a:r>
               <a:rPr lang="ru-RU" sz="1400" dirty="0" smtClean="0"/>
@@ -18210,73 +17923,6 @@
               <a:t>?)</a:t>
             </a:r>
             <a:endParaRPr lang="ru-RU" sz="1400" dirty="0"/>
-          </a:p>
-        </p:txBody>
-      </p:sp>
-      <p:sp>
-        <p:nvSpPr>
-          <p:cNvPr id="336" name="Прямоугольник 335"/>
-          <p:cNvSpPr/>
-          <p:nvPr/>
-        </p:nvSpPr>
-        <p:spPr>
-          <a:xfrm>
-            <a:off x="22125965" y="206034"/>
-            <a:ext cx="2115918" cy="1080000"/>
-          </a:xfrm>
-          <a:prstGeom prst="rect">
-            <a:avLst/>
-          </a:prstGeom>
-          <a:ln w="28575"/>
-        </p:spPr>
-        <p:style>
-          <a:lnRef idx="2">
-            <a:schemeClr val="accent1"/>
-          </a:lnRef>
-          <a:fillRef idx="1">
-            <a:schemeClr val="lt1"/>
-          </a:fillRef>
-          <a:effectRef idx="0">
-            <a:schemeClr val="accent1"/>
-          </a:effectRef>
-          <a:fontRef idx="minor">
-            <a:schemeClr val="dk1"/>
-          </a:fontRef>
-        </p:style>
-        <p:txBody>
-          <a:bodyPr lIns="124733" tIns="62367" rIns="124733" bIns="62367" rtlCol="0" anchor="ctr"/>
-          <a:lstStyle/>
-          <a:p>
-            <a:pPr algn="ctr"/>
-            <a:r>
-              <a:rPr lang="ru-RU" sz="1050" dirty="0" smtClean="0"/>
-              <a:t>1938 г. модифицировать18 июля - Правительство </a:t>
-            </a:r>
-            <a:r>
-              <a:rPr lang="ru-RU" sz="1050" dirty="0" err="1" smtClean="0"/>
-              <a:t>Пхрая</a:t>
-            </a:r>
-            <a:r>
-              <a:rPr lang="ru-RU" sz="1050" dirty="0" smtClean="0"/>
-              <a:t> </a:t>
-            </a:r>
-            <a:r>
-              <a:rPr lang="ru-RU" sz="1050" dirty="0" err="1" smtClean="0"/>
-              <a:t>Пахон</a:t>
-            </a:r>
-            <a:r>
-              <a:rPr lang="ru-RU" sz="1050" dirty="0" smtClean="0"/>
-              <a:t> Фон </a:t>
-            </a:r>
-            <a:r>
-              <a:rPr lang="ru-RU" sz="1050" dirty="0" err="1" smtClean="0"/>
-              <a:t>Пхаюхасена</a:t>
-            </a:r>
-            <a:r>
-              <a:rPr lang="ru-RU" sz="1050" dirty="0" smtClean="0"/>
-              <a:t> опубликовало объявление канцелярии премьер-министра о «Национальном дне», объявив 24 июня Национальным днем, что соответствует Дню революции</a:t>
-            </a:r>
-            <a:endParaRPr lang="ru-RU" sz="1050" dirty="0"/>
           </a:p>
         </p:txBody>
       </p:sp>
@@ -19231,8 +18877,8 @@
         </p:nvSpPr>
         <p:spPr>
           <a:xfrm>
-            <a:off x="34768847" y="222505"/>
-            <a:ext cx="2115918" cy="1080000"/>
+            <a:off x="19674190" y="216639"/>
+            <a:ext cx="4476816" cy="3226200"/>
           </a:xfrm>
           <a:prstGeom prst="rect">
             <a:avLst/>
@@ -19264,41 +18910,45 @@
             </a:r>
             <a:r>
               <a:rPr lang="ru-RU" sz="500" dirty="0" smtClean="0"/>
-              <a:t>(Когда </a:t>
-            </a:r>
-            <a:r>
-              <a:rPr lang="ru-RU" sz="500" dirty="0" err="1" smtClean="0"/>
+              <a:t>(</a:t>
+            </a:r>
+            <a:r>
+              <a:rPr lang="ru-RU" sz="1600" dirty="0" smtClean="0"/>
+              <a:t>Когда </a:t>
+            </a:r>
+            <a:r>
+              <a:rPr lang="ru-RU" sz="1600" dirty="0" err="1" smtClean="0"/>
               <a:t>Пхрая</a:t>
             </a:r>
             <a:r>
-              <a:rPr lang="ru-RU" sz="500" dirty="0" smtClean="0"/>
+              <a:rPr lang="ru-RU" sz="1600" dirty="0" smtClean="0"/>
               <a:t> </a:t>
             </a:r>
             <a:r>
-              <a:rPr lang="ru-RU" sz="500" dirty="0" err="1" smtClean="0"/>
+              <a:rPr lang="ru-RU" sz="1600" dirty="0" err="1" smtClean="0"/>
               <a:t>Пахонпхаюхасена</a:t>
             </a:r>
             <a:r>
-              <a:rPr lang="ru-RU" sz="500" dirty="0" smtClean="0"/>
+              <a:rPr lang="ru-RU" sz="1600" dirty="0" smtClean="0"/>
               <a:t> ушел с поста премьер-министра и больше не подавал заявку на эту должность в 1938 году, Народная партия выдвинула четырех человек на пост премьер-министра, включая Приди. Но результат оказался побежденным </a:t>
             </a:r>
             <a:r>
-              <a:rPr lang="ru-RU" sz="500" dirty="0" err="1" smtClean="0"/>
+              <a:rPr lang="ru-RU" sz="1600" dirty="0" err="1" smtClean="0"/>
               <a:t>Луанг</a:t>
             </a:r>
             <a:r>
-              <a:rPr lang="ru-RU" sz="500" dirty="0" smtClean="0"/>
+              <a:rPr lang="ru-RU" sz="1600" dirty="0" smtClean="0"/>
               <a:t> </a:t>
             </a:r>
             <a:r>
-              <a:rPr lang="ru-RU" sz="500" dirty="0" err="1" smtClean="0"/>
+              <a:rPr lang="ru-RU" sz="1600" dirty="0" err="1" smtClean="0"/>
               <a:t>Фибунсонгкхрамом</a:t>
             </a:r>
             <a:r>
-              <a:rPr lang="ru-RU" sz="500" dirty="0" smtClean="0"/>
+              <a:rPr lang="ru-RU" sz="1600" dirty="0" smtClean="0"/>
               <a:t>. Считается, что отчасти потому, что Приди является прогрессивным и рассматривается как республиканская система [13] : 70-1, а отчасти потому, что необходимо подготовиться к защите страны в условиях нестабильной глобальной ситуации [11] : 124.)</a:t>
             </a:r>
-            <a:endParaRPr lang="ru-RU" sz="500" dirty="0"/>
+            <a:endParaRPr lang="ru-RU" sz="1600" dirty="0"/>
           </a:p>
         </p:txBody>
       </p:sp>
@@ -22475,7 +22125,7 @@
           </a:xfrm>
           <a:prstGeom prst="bentConnector3">
             <a:avLst>
-              <a:gd name="adj1" fmla="val 7260"/>
+              <a:gd name="adj1" fmla="val 9877"/>
             </a:avLst>
           </a:prstGeom>
           <a:ln w="28575">
@@ -25523,7 +25173,7 @@
         </p:nvSpPr>
         <p:spPr>
           <a:xfrm>
-            <a:off x="32145972" y="211391"/>
+            <a:off x="29450397" y="211391"/>
             <a:ext cx="2115918" cy="1080000"/>
           </a:xfrm>
           <a:prstGeom prst="rect">
@@ -25587,7 +25237,7 @@
             </a:r>
             <a:r>
               <a:rPr lang="ru-RU" sz="500" dirty="0" err="1" smtClean="0">
-                <a:hlinkClick r:id="rId4" tooltip="Чулачакрапонгсе (страница отсутствует)"/>
+                <a:hlinkClick r:id="rId3" tooltip="Чулачакрапонгсе (страница отсутствует)"/>
               </a:rPr>
               <a:t>Чулачакрапонгсе</a:t>
             </a:r>
@@ -25613,13 +25263,13 @@
             </a:r>
             <a:r>
               <a:rPr lang="en-US" sz="500" dirty="0" smtClean="0">
-                <a:hlinkClick r:id="rId5"/>
+                <a:hlinkClick r:id="rId4"/>
               </a:rPr>
               <a:t>https://ru.wikipedia.org/wiki/</a:t>
             </a:r>
             <a:r>
               <a:rPr lang="ru-RU" sz="500" dirty="0" err="1" smtClean="0">
-                <a:hlinkClick r:id="rId5"/>
+                <a:hlinkClick r:id="rId4"/>
               </a:rPr>
               <a:t>Чула_Чакрабон</a:t>
             </a:r>
@@ -25639,7 +25289,7 @@
         </p:nvSpPr>
         <p:spPr>
           <a:xfrm>
-            <a:off x="29523097" y="173291"/>
+            <a:off x="26827522" y="173291"/>
             <a:ext cx="2115918" cy="1080000"/>
           </a:xfrm>
           <a:prstGeom prst="rect">

--- a/Наработки/диздоки/Сиам/Сиам.pptx
+++ b/Наработки/диздоки/Сиам/Сиам.pptx
@@ -209,7 +209,7 @@
             <a:fld id="{33E3D7F9-E251-484C-A6FF-FA958879DF69}" type="datetimeFigureOut">
               <a:rPr lang="ru-RU" smtClean="0"/>
               <a:pPr/>
-              <a:t>21.06.2021</a:t>
+              <a:t>24.06.2021</a:t>
             </a:fld>
             <a:endParaRPr lang="ru-RU"/>
           </a:p>
@@ -700,7 +700,7 @@
             <a:fld id="{85A5DE44-605B-4D3B-B2B7-94543DF81A36}" type="datetimeFigureOut">
               <a:rPr lang="ru-RU" smtClean="0"/>
               <a:pPr/>
-              <a:t>21.06.2021</a:t>
+              <a:t>24.06.2021</a:t>
             </a:fld>
             <a:endParaRPr lang="ru-RU"/>
           </a:p>
@@ -872,7 +872,7 @@
             <a:fld id="{85A5DE44-605B-4D3B-B2B7-94543DF81A36}" type="datetimeFigureOut">
               <a:rPr lang="ru-RU" smtClean="0"/>
               <a:pPr/>
-              <a:t>21.06.2021</a:t>
+              <a:t>24.06.2021</a:t>
             </a:fld>
             <a:endParaRPr lang="ru-RU"/>
           </a:p>
@@ -1054,7 +1054,7 @@
             <a:fld id="{85A5DE44-605B-4D3B-B2B7-94543DF81A36}" type="datetimeFigureOut">
               <a:rPr lang="ru-RU" smtClean="0"/>
               <a:pPr/>
-              <a:t>21.06.2021</a:t>
+              <a:t>24.06.2021</a:t>
             </a:fld>
             <a:endParaRPr lang="ru-RU"/>
           </a:p>
@@ -1226,7 +1226,7 @@
             <a:fld id="{85A5DE44-605B-4D3B-B2B7-94543DF81A36}" type="datetimeFigureOut">
               <a:rPr lang="ru-RU" smtClean="0"/>
               <a:pPr/>
-              <a:t>21.06.2021</a:t>
+              <a:t>24.06.2021</a:t>
             </a:fld>
             <a:endParaRPr lang="ru-RU"/>
           </a:p>
@@ -1474,7 +1474,7 @@
             <a:fld id="{85A5DE44-605B-4D3B-B2B7-94543DF81A36}" type="datetimeFigureOut">
               <a:rPr lang="ru-RU" smtClean="0"/>
               <a:pPr/>
-              <a:t>21.06.2021</a:t>
+              <a:t>24.06.2021</a:t>
             </a:fld>
             <a:endParaRPr lang="ru-RU"/>
           </a:p>
@@ -1708,7 +1708,7 @@
             <a:fld id="{85A5DE44-605B-4D3B-B2B7-94543DF81A36}" type="datetimeFigureOut">
               <a:rPr lang="ru-RU" smtClean="0"/>
               <a:pPr/>
-              <a:t>21.06.2021</a:t>
+              <a:t>24.06.2021</a:t>
             </a:fld>
             <a:endParaRPr lang="ru-RU"/>
           </a:p>
@@ -2077,7 +2077,7 @@
             <a:fld id="{85A5DE44-605B-4D3B-B2B7-94543DF81A36}" type="datetimeFigureOut">
               <a:rPr lang="ru-RU" smtClean="0"/>
               <a:pPr/>
-              <a:t>21.06.2021</a:t>
+              <a:t>24.06.2021</a:t>
             </a:fld>
             <a:endParaRPr lang="ru-RU"/>
           </a:p>
@@ -2197,7 +2197,7 @@
             <a:fld id="{85A5DE44-605B-4D3B-B2B7-94543DF81A36}" type="datetimeFigureOut">
               <a:rPr lang="ru-RU" smtClean="0"/>
               <a:pPr/>
-              <a:t>21.06.2021</a:t>
+              <a:t>24.06.2021</a:t>
             </a:fld>
             <a:endParaRPr lang="ru-RU"/>
           </a:p>
@@ -2294,7 +2294,7 @@
             <a:fld id="{85A5DE44-605B-4D3B-B2B7-94543DF81A36}" type="datetimeFigureOut">
               <a:rPr lang="ru-RU" smtClean="0"/>
               <a:pPr/>
-              <a:t>21.06.2021</a:t>
+              <a:t>24.06.2021</a:t>
             </a:fld>
             <a:endParaRPr lang="ru-RU"/>
           </a:p>
@@ -2573,7 +2573,7 @@
             <a:fld id="{85A5DE44-605B-4D3B-B2B7-94543DF81A36}" type="datetimeFigureOut">
               <a:rPr lang="ru-RU" smtClean="0"/>
               <a:pPr/>
-              <a:t>21.06.2021</a:t>
+              <a:t>24.06.2021</a:t>
             </a:fld>
             <a:endParaRPr lang="ru-RU"/>
           </a:p>
@@ -2832,7 +2832,7 @@
             <a:fld id="{85A5DE44-605B-4D3B-B2B7-94543DF81A36}" type="datetimeFigureOut">
               <a:rPr lang="ru-RU" smtClean="0"/>
               <a:pPr/>
-              <a:t>21.06.2021</a:t>
+              <a:t>24.06.2021</a:t>
             </a:fld>
             <a:endParaRPr lang="ru-RU"/>
           </a:p>
@@ -3047,7 +3047,7 @@
             <a:fld id="{85A5DE44-605B-4D3B-B2B7-94543DF81A36}" type="datetimeFigureOut">
               <a:rPr lang="ru-RU" smtClean="0"/>
               <a:pPr/>
-              <a:t>21.06.2021</a:t>
+              <a:t>24.06.2021</a:t>
             </a:fld>
             <a:endParaRPr lang="ru-RU"/>
           </a:p>

--- a/Наработки/диздоки/Сиам/Сиам.pptx
+++ b/Наработки/диздоки/Сиам/Сиам.pptx
@@ -5297,7 +5297,7 @@
           </a:xfrm>
           <a:prstGeom prst="bentConnector3">
             <a:avLst>
-              <a:gd name="adj1" fmla="val 50000"/>
+              <a:gd name="adj1" fmla="val 53241"/>
             </a:avLst>
           </a:prstGeom>
           <a:ln w="28575">
@@ -6513,7 +6513,11 @@
             </a:r>
             <a:r>
               <a:rPr lang="ru-RU" sz="1400" dirty="0" smtClean="0"/>
-              <a:t> 1939) (+ военные заводы, +% к синтетической резине)</a:t>
+              <a:t> 1939</a:t>
+            </a:r>
+            <a:r>
+              <a:rPr lang="ru-RU" sz="1400" dirty="0" smtClean="0"/>
+              <a:t>)</a:t>
             </a:r>
             <a:endParaRPr lang="ru-RU" sz="1400" dirty="0"/>
           </a:p>
@@ -6568,11 +6572,7 @@
             </a:r>
             <a:r>
               <a:rPr lang="ru-RU" sz="1100" dirty="0" smtClean="0"/>
-              <a:t> 1939) (+ военные заводы, +% к </a:t>
-            </a:r>
-            <a:r>
-              <a:rPr lang="ru-RU" sz="1100" dirty="0" err="1" smtClean="0"/>
-              <a:t>бронетранспорту</a:t>
+              <a:t> 1939</a:t>
             </a:r>
             <a:r>
               <a:rPr lang="ru-RU" sz="1100" dirty="0" smtClean="0"/>
@@ -6619,62 +6619,16 @@
             <a:pPr algn="ctr"/>
             <a:r>
               <a:rPr lang="ru-RU" sz="1400" dirty="0" smtClean="0"/>
-              <a:t>Модернизация рельсовых систем </a:t>
-            </a:r>
-            <a:r>
-              <a:rPr lang="ru-RU" sz="1000" dirty="0" smtClean="0"/>
-              <a:t>(</a:t>
-            </a:r>
-            <a:r>
-              <a:rPr lang="ru-RU" sz="1000" dirty="0" err="1" smtClean="0"/>
-              <a:t>Чайзери</a:t>
-            </a:r>
-            <a:r>
-              <a:rPr lang="ru-RU" sz="1000" dirty="0" smtClean="0"/>
-              <a:t> является специалистом по рельсовым системам и участвовал в проектировании многих современных рельсовых систем.)</a:t>
+              <a:t>Модернизация рельсовых </a:t>
+            </a:r>
+            <a:r>
+              <a:rPr lang="ru-RU" sz="1400" dirty="0" smtClean="0"/>
+              <a:t>систем</a:t>
             </a:r>
             <a:endParaRPr lang="ru-RU" sz="1000" dirty="0"/>
           </a:p>
         </p:txBody>
       </p:sp>
-      <p:cxnSp>
-        <p:nvCxnSpPr>
-          <p:cNvPr id="144" name="Shape 248"/>
-          <p:cNvCxnSpPr>
-            <a:stCxn id="127" idx="2"/>
-            <a:endCxn id="141" idx="0"/>
-          </p:cNvCxnSpPr>
-          <p:nvPr/>
-        </p:nvCxnSpPr>
-        <p:spPr>
-          <a:xfrm rot="5400000">
-            <a:off x="2737319" y="12441935"/>
-            <a:ext cx="382585" cy="1226024"/>
-          </a:xfrm>
-          <a:prstGeom prst="bentConnector3">
-            <a:avLst>
-              <a:gd name="adj1" fmla="val 50000"/>
-            </a:avLst>
-          </a:prstGeom>
-          <a:ln w="28575">
-            <a:tailEnd type="arrow"/>
-          </a:ln>
-        </p:spPr>
-        <p:style>
-          <a:lnRef idx="1">
-            <a:schemeClr val="accent1"/>
-          </a:lnRef>
-          <a:fillRef idx="0">
-            <a:schemeClr val="accent1"/>
-          </a:fillRef>
-          <a:effectRef idx="0">
-            <a:schemeClr val="accent1"/>
-          </a:effectRef>
-          <a:fontRef idx="minor">
-            <a:schemeClr val="tx1"/>
-          </a:fontRef>
-        </p:style>
-      </p:cxnSp>
       <p:cxnSp>
         <p:nvCxnSpPr>
           <p:cNvPr id="147" name="Shape 248"/>

--- a/Наработки/диздоки/Сиам/Сиам.pptx
+++ b/Наработки/диздоки/Сиам/Сиам.pptx
@@ -209,7 +209,7 @@
             <a:fld id="{33E3D7F9-E251-484C-A6FF-FA958879DF69}" type="datetimeFigureOut">
               <a:rPr lang="ru-RU" smtClean="0"/>
               <a:pPr/>
-              <a:t>24.06.2021</a:t>
+              <a:t>28.06.2021</a:t>
             </a:fld>
             <a:endParaRPr lang="ru-RU"/>
           </a:p>
@@ -700,7 +700,7 @@
             <a:fld id="{85A5DE44-605B-4D3B-B2B7-94543DF81A36}" type="datetimeFigureOut">
               <a:rPr lang="ru-RU" smtClean="0"/>
               <a:pPr/>
-              <a:t>24.06.2021</a:t>
+              <a:t>28.06.2021</a:t>
             </a:fld>
             <a:endParaRPr lang="ru-RU"/>
           </a:p>
@@ -872,7 +872,7 @@
             <a:fld id="{85A5DE44-605B-4D3B-B2B7-94543DF81A36}" type="datetimeFigureOut">
               <a:rPr lang="ru-RU" smtClean="0"/>
               <a:pPr/>
-              <a:t>24.06.2021</a:t>
+              <a:t>28.06.2021</a:t>
             </a:fld>
             <a:endParaRPr lang="ru-RU"/>
           </a:p>
@@ -1054,7 +1054,7 @@
             <a:fld id="{85A5DE44-605B-4D3B-B2B7-94543DF81A36}" type="datetimeFigureOut">
               <a:rPr lang="ru-RU" smtClean="0"/>
               <a:pPr/>
-              <a:t>24.06.2021</a:t>
+              <a:t>28.06.2021</a:t>
             </a:fld>
             <a:endParaRPr lang="ru-RU"/>
           </a:p>
@@ -1226,7 +1226,7 @@
             <a:fld id="{85A5DE44-605B-4D3B-B2B7-94543DF81A36}" type="datetimeFigureOut">
               <a:rPr lang="ru-RU" smtClean="0"/>
               <a:pPr/>
-              <a:t>24.06.2021</a:t>
+              <a:t>28.06.2021</a:t>
             </a:fld>
             <a:endParaRPr lang="ru-RU"/>
           </a:p>
@@ -1474,7 +1474,7 @@
             <a:fld id="{85A5DE44-605B-4D3B-B2B7-94543DF81A36}" type="datetimeFigureOut">
               <a:rPr lang="ru-RU" smtClean="0"/>
               <a:pPr/>
-              <a:t>24.06.2021</a:t>
+              <a:t>28.06.2021</a:t>
             </a:fld>
             <a:endParaRPr lang="ru-RU"/>
           </a:p>
@@ -1708,7 +1708,7 @@
             <a:fld id="{85A5DE44-605B-4D3B-B2B7-94543DF81A36}" type="datetimeFigureOut">
               <a:rPr lang="ru-RU" smtClean="0"/>
               <a:pPr/>
-              <a:t>24.06.2021</a:t>
+              <a:t>28.06.2021</a:t>
             </a:fld>
             <a:endParaRPr lang="ru-RU"/>
           </a:p>
@@ -2077,7 +2077,7 @@
             <a:fld id="{85A5DE44-605B-4D3B-B2B7-94543DF81A36}" type="datetimeFigureOut">
               <a:rPr lang="ru-RU" smtClean="0"/>
               <a:pPr/>
-              <a:t>24.06.2021</a:t>
+              <a:t>28.06.2021</a:t>
             </a:fld>
             <a:endParaRPr lang="ru-RU"/>
           </a:p>
@@ -2197,7 +2197,7 @@
             <a:fld id="{85A5DE44-605B-4D3B-B2B7-94543DF81A36}" type="datetimeFigureOut">
               <a:rPr lang="ru-RU" smtClean="0"/>
               <a:pPr/>
-              <a:t>24.06.2021</a:t>
+              <a:t>28.06.2021</a:t>
             </a:fld>
             <a:endParaRPr lang="ru-RU"/>
           </a:p>
@@ -2294,7 +2294,7 @@
             <a:fld id="{85A5DE44-605B-4D3B-B2B7-94543DF81A36}" type="datetimeFigureOut">
               <a:rPr lang="ru-RU" smtClean="0"/>
               <a:pPr/>
-              <a:t>24.06.2021</a:t>
+              <a:t>28.06.2021</a:t>
             </a:fld>
             <a:endParaRPr lang="ru-RU"/>
           </a:p>
@@ -2573,7 +2573,7 @@
             <a:fld id="{85A5DE44-605B-4D3B-B2B7-94543DF81A36}" type="datetimeFigureOut">
               <a:rPr lang="ru-RU" smtClean="0"/>
               <a:pPr/>
-              <a:t>24.06.2021</a:t>
+              <a:t>28.06.2021</a:t>
             </a:fld>
             <a:endParaRPr lang="ru-RU"/>
           </a:p>
@@ -2832,7 +2832,7 @@
             <a:fld id="{85A5DE44-605B-4D3B-B2B7-94543DF81A36}" type="datetimeFigureOut">
               <a:rPr lang="ru-RU" smtClean="0"/>
               <a:pPr/>
-              <a:t>24.06.2021</a:t>
+              <a:t>28.06.2021</a:t>
             </a:fld>
             <a:endParaRPr lang="ru-RU"/>
           </a:p>
@@ -3047,7 +3047,7 @@
             <a:fld id="{85A5DE44-605B-4D3B-B2B7-94543DF81A36}" type="datetimeFigureOut">
               <a:rPr lang="ru-RU" smtClean="0"/>
               <a:pPr/>
-              <a:t>24.06.2021</a:t>
+              <a:t>28.06.2021</a:t>
             </a:fld>
             <a:endParaRPr lang="ru-RU"/>
           </a:p>
@@ -6513,11 +6513,7 @@
             </a:r>
             <a:r>
               <a:rPr lang="ru-RU" sz="1400" dirty="0" smtClean="0"/>
-              <a:t> 1939</a:t>
-            </a:r>
-            <a:r>
-              <a:rPr lang="ru-RU" sz="1400" dirty="0" smtClean="0"/>
-              <a:t>)</a:t>
+              <a:t> 1939)</a:t>
             </a:r>
             <a:endParaRPr lang="ru-RU" sz="1400" dirty="0"/>
           </a:p>
@@ -6572,11 +6568,7 @@
             </a:r>
             <a:r>
               <a:rPr lang="ru-RU" sz="1100" dirty="0" smtClean="0"/>
-              <a:t> 1939</a:t>
-            </a:r>
-            <a:r>
-              <a:rPr lang="ru-RU" sz="1100" dirty="0" smtClean="0"/>
-              <a:t>)</a:t>
+              <a:t> 1939)</a:t>
             </a:r>
             <a:endParaRPr lang="ru-RU" sz="1400" dirty="0"/>
           </a:p>
@@ -6619,11 +6611,7 @@
             <a:pPr algn="ctr"/>
             <a:r>
               <a:rPr lang="ru-RU" sz="1400" dirty="0" smtClean="0"/>
-              <a:t>Модернизация рельсовых </a:t>
-            </a:r>
-            <a:r>
-              <a:rPr lang="ru-RU" sz="1400" dirty="0" smtClean="0"/>
-              <a:t>систем</a:t>
+              <a:t>Модернизация рельсовых систем</a:t>
             </a:r>
             <a:endParaRPr lang="ru-RU" sz="1000" dirty="0"/>
           </a:p>
@@ -7315,7 +7303,7 @@
             <a:pPr algn="ctr"/>
             <a:r>
               <a:rPr lang="ru-RU" sz="1400" dirty="0" smtClean="0"/>
-              <a:t>Королевские ВВС </a:t>
+              <a:t>Создание королевских ВВС </a:t>
             </a:r>
             <a:r>
               <a:rPr lang="ru-RU" sz="900" dirty="0" smtClean="0"/>
@@ -7555,15 +7543,19 @@
             <a:pPr algn="ctr"/>
             <a:r>
               <a:rPr lang="ru-RU" sz="1400" dirty="0"/>
-              <a:t>Командование сил безопасности ВВС </a:t>
-            </a:r>
-            <a:r>
-              <a:rPr lang="ru-RU" sz="600" dirty="0"/>
-              <a:t>(Командование сил безопасности RTAF - это основные наземные силы, которые предоставляют пехоту для защиты авиабаз и ценных активов, силы специального назначения , боевой диспетчер (CCT), боевого спасателя (CRO), парашютно-спасательные операции, тактическую группу управления воздушным движением и средства защиты от угона</a:t>
+              <a:t>Командование сил безопасности </a:t>
+            </a:r>
+            <a:r>
+              <a:rPr lang="ru-RU" sz="1400" dirty="0" smtClean="0"/>
+              <a:t>ВВС</a:t>
             </a:r>
             <a:r>
               <a:rPr lang="ru-RU" sz="600" dirty="0" smtClean="0"/>
-              <a:t>.) (конец 1937) (пять касок в </a:t>
+              <a:t> </a:t>
+            </a:r>
+            <a:r>
+              <a:rPr lang="ru-RU" sz="600" dirty="0" smtClean="0"/>
+              <a:t>(конец 1937) (пять касок в </a:t>
             </a:r>
             <a:r>
               <a:rPr lang="ru-RU" sz="600" dirty="0" err="1" smtClean="0"/>
@@ -7770,19 +7762,149 @@
           </a:fontRef>
         </p:style>
       </p:cxnSp>
-      <p:cxnSp>
-        <p:nvCxnSpPr>
-          <p:cNvPr id="120" name="Shape 248"/>
-          <p:cNvCxnSpPr>
-            <a:stCxn id="146" idx="2"/>
-            <a:endCxn id="102" idx="0"/>
+      <p:sp>
+        <p:nvSpPr>
+          <p:cNvPr id="125" name="Прямоугольник 124"/>
+          <p:cNvSpPr/>
+          <p:nvPr/>
+        </p:nvSpPr>
+        <p:spPr>
+          <a:xfrm>
+            <a:off x="13034434" y="13259887"/>
+            <a:ext cx="2115918" cy="1080000"/>
+          </a:xfrm>
+          <a:prstGeom prst="rect">
+            <a:avLst/>
+          </a:prstGeom>
+          <a:ln w="28575"/>
+        </p:spPr>
+        <p:style>
+          <a:lnRef idx="2">
+            <a:schemeClr val="accent1"/>
+          </a:lnRef>
+          <a:fillRef idx="1">
+            <a:schemeClr val="lt1"/>
+          </a:fillRef>
+          <a:effectRef idx="0">
+            <a:schemeClr val="accent1"/>
+          </a:effectRef>
+          <a:fontRef idx="minor">
+            <a:schemeClr val="dk1"/>
+          </a:fontRef>
+        </p:style>
+        <p:txBody>
+          <a:bodyPr lIns="124733" tIns="62367" rIns="124733" bIns="62367" rtlCol="0" anchor="ctr"/>
+          <a:lstStyle/>
+          <a:p>
+            <a:pPr algn="ctr"/>
+            <a:r>
+              <a:rPr lang="ru-RU" sz="1400" dirty="0"/>
+              <a:t>Больница </a:t>
+            </a:r>
+            <a:r>
+              <a:rPr lang="ru-RU" sz="1400" dirty="0" err="1"/>
+              <a:t>Пхумипона</a:t>
+            </a:r>
+            <a:r>
+              <a:rPr lang="ru-RU" sz="1400" dirty="0"/>
+              <a:t> </a:t>
+            </a:r>
+            <a:r>
+              <a:rPr lang="ru-RU" sz="1400" dirty="0" err="1" smtClean="0"/>
+              <a:t>Адульядета</a:t>
+            </a:r>
+            <a:r>
+              <a:rPr lang="ru-RU" sz="1400" dirty="0"/>
+              <a:t> </a:t>
+            </a:r>
+            <a:r>
+              <a:rPr lang="ru-RU" sz="700" dirty="0"/>
+              <a:t>(то больница, расположенная в районе </a:t>
+            </a:r>
+            <a:r>
+              <a:rPr lang="ru-RU" sz="700" dirty="0" err="1"/>
+              <a:t>Сай</a:t>
+            </a:r>
+            <a:r>
+              <a:rPr lang="ru-RU" sz="700" dirty="0"/>
+              <a:t> Май , Бангкок , Таиланд . Это военный госпиталь, управляемый Управлением медицинских служб Королевских ВВС Таиланда, в частности, для персонала Королевских ВВС Таиланда , а также для населения</a:t>
+            </a:r>
+            <a:r>
+              <a:rPr lang="ru-RU" sz="700" dirty="0" smtClean="0"/>
+              <a:t>.) (1949)</a:t>
+            </a:r>
+            <a:endParaRPr lang="ru-RU" sz="700" dirty="0"/>
+          </a:p>
+        </p:txBody>
+      </p:sp>
+      <p:sp>
+        <p:nvSpPr>
+          <p:cNvPr id="126" name="Прямоугольник 125"/>
+          <p:cNvSpPr/>
+          <p:nvPr/>
+        </p:nvSpPr>
+        <p:spPr>
+          <a:xfrm>
+            <a:off x="11860680" y="11778477"/>
+            <a:ext cx="2115918" cy="1080000"/>
+          </a:xfrm>
+          <a:prstGeom prst="rect">
+            <a:avLst/>
+          </a:prstGeom>
+          <a:ln w="28575"/>
+        </p:spPr>
+        <p:style>
+          <a:lnRef idx="2">
+            <a:schemeClr val="accent1"/>
+          </a:lnRef>
+          <a:fillRef idx="1">
+            <a:schemeClr val="lt1"/>
+          </a:fillRef>
+          <a:effectRef idx="0">
+            <a:schemeClr val="accent1"/>
+          </a:effectRef>
+          <a:fontRef idx="minor">
+            <a:schemeClr val="dk1"/>
+          </a:fontRef>
+        </p:style>
+        <p:txBody>
+          <a:bodyPr lIns="124733" tIns="62367" rIns="124733" bIns="62367" rtlCol="0" anchor="ctr"/>
+          <a:lstStyle/>
+          <a:p>
+            <a:pPr algn="ctr"/>
+            <a:r>
+              <a:rPr lang="ru-RU" sz="1400" dirty="0"/>
+              <a:t>Медицинский факультет </a:t>
+            </a:r>
+            <a:r>
+              <a:rPr lang="ru-RU" sz="1400" dirty="0" err="1"/>
+              <a:t>Чулалонгкорнского</a:t>
+            </a:r>
+            <a:r>
+              <a:rPr lang="ru-RU" sz="1400" dirty="0"/>
+              <a:t> </a:t>
+            </a:r>
+            <a:r>
+              <a:rPr lang="ru-RU" sz="1400" dirty="0" smtClean="0"/>
+              <a:t>университета (1947)</a:t>
+            </a:r>
+            <a:endParaRPr lang="ru-RU" sz="1400" dirty="0"/>
+          </a:p>
+        </p:txBody>
+      </p:sp>
+      <p:cxnSp>
+        <p:nvCxnSpPr>
+          <p:cNvPr id="129" name="Shape 248"/>
+          <p:cNvCxnSpPr>
+            <a:stCxn id="58" idx="2"/>
+            <a:endCxn id="126" idx="0"/>
           </p:cNvCxnSpPr>
           <p:nvPr/>
         </p:nvCxnSpPr>
         <p:spPr>
           <a:xfrm rot="16200000" flipH="1">
-            <a:off x="15609619" y="6550946"/>
-            <a:ext cx="480393" cy="1167339"/>
+            <a:off x="9218548" y="8078385"/>
+            <a:ext cx="393329" cy="7006854"/>
           </a:xfrm>
           <a:prstGeom prst="bentConnector3">
             <a:avLst>
@@ -7810,17 +7932,17 @@
       </p:cxnSp>
       <p:cxnSp>
         <p:nvCxnSpPr>
-          <p:cNvPr id="121" name="Shape 248"/>
-          <p:cNvCxnSpPr>
-            <a:stCxn id="146" idx="2"/>
-            <a:endCxn id="113" idx="0"/>
-          </p:cNvCxnSpPr>
-          <p:nvPr/>
-        </p:nvCxnSpPr>
-        <p:spPr>
-          <a:xfrm rot="5400000">
-            <a:off x="14439074" y="6547740"/>
-            <a:ext cx="480393" cy="1173753"/>
+          <p:cNvPr id="134" name="Shape 248"/>
+          <p:cNvCxnSpPr>
+            <a:stCxn id="126" idx="2"/>
+            <a:endCxn id="125" idx="0"/>
+          </p:cNvCxnSpPr>
+          <p:nvPr/>
+        </p:nvCxnSpPr>
+        <p:spPr>
+          <a:xfrm rot="16200000" flipH="1">
+            <a:off x="13304811" y="12472305"/>
+            <a:ext cx="401410" cy="1173754"/>
           </a:xfrm>
           <a:prstGeom prst="bentConnector3">
             <a:avLst>
@@ -7846,15 +7968,51 @@
           </a:fontRef>
         </p:style>
       </p:cxnSp>
-      <p:sp>
-        <p:nvSpPr>
-          <p:cNvPr id="125" name="Прямоугольник 124"/>
+      <p:cxnSp>
+        <p:nvCxnSpPr>
+          <p:cNvPr id="135" name="Прямая со стрелкой 134"/>
+          <p:cNvCxnSpPr>
+            <a:stCxn id="130" idx="2"/>
+            <a:endCxn id="146" idx="0"/>
+          </p:cNvCxnSpPr>
+          <p:nvPr/>
+        </p:nvCxnSpPr>
+        <p:spPr>
+          <a:xfrm>
+            <a:off x="15259738" y="5502940"/>
+            <a:ext cx="6408" cy="311480"/>
+          </a:xfrm>
+          <a:prstGeom prst="straightConnector1">
+            <a:avLst/>
+          </a:prstGeom>
+          <a:ln w="28575">
+            <a:tailEnd type="arrow"/>
+          </a:ln>
+        </p:spPr>
+        <p:style>
+          <a:lnRef idx="1">
+            <a:schemeClr val="accent1"/>
+          </a:lnRef>
+          <a:fillRef idx="0">
+            <a:schemeClr val="accent1"/>
+          </a:fillRef>
+          <a:effectRef idx="0">
+            <a:schemeClr val="accent1"/>
+          </a:effectRef>
+          <a:fontRef idx="minor">
+            <a:schemeClr val="tx1"/>
+          </a:fontRef>
+        </p:style>
+      </p:cxnSp>
+      <p:sp>
+        <p:nvSpPr>
+          <p:cNvPr id="148" name="Прямоугольник 147"/>
           <p:cNvSpPr/>
           <p:nvPr/>
         </p:nvSpPr>
         <p:spPr>
           <a:xfrm>
-            <a:off x="13034434" y="13259887"/>
+            <a:off x="16555694" y="5814419"/>
             <a:ext cx="2115918" cy="1080000"/>
           </a:xfrm>
           <a:prstGeom prst="rect">
@@ -7882,95 +8040,8 @@
           <a:p>
             <a:pPr algn="ctr"/>
             <a:r>
-              <a:rPr lang="ru-RU" sz="1400" dirty="0"/>
-              <a:t>Больница </a:t>
-            </a:r>
-            <a:r>
-              <a:rPr lang="ru-RU" sz="1400" dirty="0" err="1"/>
-              <a:t>Пхумипона</a:t>
-            </a:r>
-            <a:r>
-              <a:rPr lang="ru-RU" sz="1400" dirty="0"/>
-              <a:t> </a:t>
-            </a:r>
-            <a:r>
-              <a:rPr lang="ru-RU" sz="1400" dirty="0" err="1" smtClean="0"/>
-              <a:t>Адульядета</a:t>
-            </a:r>
-            <a:r>
-              <a:rPr lang="ru-RU" sz="1400" dirty="0"/>
-              <a:t> </a:t>
-            </a:r>
-            <a:r>
-              <a:rPr lang="ru-RU" sz="700" dirty="0"/>
-              <a:t>(то больница, расположенная в районе </a:t>
-            </a:r>
-            <a:r>
-              <a:rPr lang="ru-RU" sz="700" dirty="0" err="1"/>
-              <a:t>Сай</a:t>
-            </a:r>
-            <a:r>
-              <a:rPr lang="ru-RU" sz="700" dirty="0"/>
-              <a:t> Май , Бангкок , Таиланд . Это военный госпиталь, управляемый Управлением медицинских служб Королевских ВВС Таиланда, в частности, для персонала Королевских ВВС Таиланда , а также для населения</a:t>
-            </a:r>
-            <a:r>
-              <a:rPr lang="ru-RU" sz="700" dirty="0" smtClean="0"/>
-              <a:t>.) (1949)</a:t>
-            </a:r>
-            <a:endParaRPr lang="ru-RU" sz="700" dirty="0"/>
-          </a:p>
-        </p:txBody>
-      </p:sp>
-      <p:sp>
-        <p:nvSpPr>
-          <p:cNvPr id="126" name="Прямоугольник 125"/>
-          <p:cNvSpPr/>
-          <p:nvPr/>
-        </p:nvSpPr>
-        <p:spPr>
-          <a:xfrm>
-            <a:off x="11860680" y="11778477"/>
-            <a:ext cx="2115918" cy="1080000"/>
-          </a:xfrm>
-          <a:prstGeom prst="rect">
-            <a:avLst/>
-          </a:prstGeom>
-          <a:ln w="28575"/>
-        </p:spPr>
-        <p:style>
-          <a:lnRef idx="2">
-            <a:schemeClr val="accent1"/>
-          </a:lnRef>
-          <a:fillRef idx="1">
-            <a:schemeClr val="lt1"/>
-          </a:fillRef>
-          <a:effectRef idx="0">
-            <a:schemeClr val="accent1"/>
-          </a:effectRef>
-          <a:fontRef idx="minor">
-            <a:schemeClr val="dk1"/>
-          </a:fontRef>
-        </p:style>
-        <p:txBody>
-          <a:bodyPr lIns="124733" tIns="62367" rIns="124733" bIns="62367" rtlCol="0" anchor="ctr"/>
-          <a:lstStyle/>
-          <a:p>
-            <a:pPr algn="ctr"/>
-            <a:r>
-              <a:rPr lang="ru-RU" sz="1400" dirty="0"/>
-              <a:t>Медицинский факультет </a:t>
-            </a:r>
-            <a:r>
-              <a:rPr lang="ru-RU" sz="1400" dirty="0" err="1"/>
-              <a:t>Чулалонгкорнского</a:t>
-            </a:r>
-            <a:r>
-              <a:rPr lang="ru-RU" sz="1400" dirty="0"/>
-              <a:t> </a:t>
-            </a:r>
-            <a:r>
               <a:rPr lang="ru-RU" sz="1400" dirty="0" smtClean="0"/>
-              <a:t>университета (1947)</a:t>
+              <a:t>Оборудование новых авиабаз</a:t>
             </a:r>
             <a:endParaRPr lang="ru-RU" sz="1400" dirty="0"/>
           </a:p>
@@ -7978,17 +8049,17 @@
       </p:sp>
       <p:cxnSp>
         <p:nvCxnSpPr>
-          <p:cNvPr id="129" name="Shape 248"/>
-          <p:cNvCxnSpPr>
-            <a:stCxn id="58" idx="2"/>
-            <a:endCxn id="126" idx="0"/>
-          </p:cNvCxnSpPr>
-          <p:nvPr/>
-        </p:nvCxnSpPr>
-        <p:spPr>
-          <a:xfrm rot="16200000" flipH="1">
-            <a:off x="9218548" y="8078385"/>
-            <a:ext cx="393329" cy="7006854"/>
+          <p:cNvPr id="149" name="Shape 248"/>
+          <p:cNvCxnSpPr>
+            <a:stCxn id="113" idx="2"/>
+            <a:endCxn id="137" idx="0"/>
+          </p:cNvCxnSpPr>
+          <p:nvPr/>
+        </p:nvCxnSpPr>
+        <p:spPr>
+          <a:xfrm rot="5400000">
+            <a:off x="13286177" y="8087275"/>
+            <a:ext cx="438678" cy="1173754"/>
           </a:xfrm>
           <a:prstGeom prst="bentConnector3">
             <a:avLst>
@@ -7996,6 +8067,7 @@
             </a:avLst>
           </a:prstGeom>
           <a:ln w="28575">
+            <a:prstDash val="dash"/>
             <a:tailEnd type="arrow"/>
           </a:ln>
         </p:spPr>
@@ -8016,17 +8088,17 @@
       </p:cxnSp>
       <p:cxnSp>
         <p:nvCxnSpPr>
-          <p:cNvPr id="134" name="Shape 248"/>
-          <p:cNvCxnSpPr>
-            <a:stCxn id="126" idx="2"/>
-            <a:endCxn id="125" idx="0"/>
+          <p:cNvPr id="151" name="Shape 248"/>
+          <p:cNvCxnSpPr>
+            <a:stCxn id="113" idx="2"/>
+            <a:endCxn id="138" idx="0"/>
           </p:cNvCxnSpPr>
           <p:nvPr/>
         </p:nvCxnSpPr>
         <p:spPr>
           <a:xfrm rot="16200000" flipH="1">
-            <a:off x="13304811" y="12472305"/>
-            <a:ext cx="401410" cy="1173754"/>
+            <a:off x="14456767" y="8090439"/>
+            <a:ext cx="436413" cy="1165160"/>
           </a:xfrm>
           <a:prstGeom prst="bentConnector3">
             <a:avLst>
@@ -8034,6 +8106,7 @@
             </a:avLst>
           </a:prstGeom>
           <a:ln w="28575">
+            <a:prstDash val="dash"/>
             <a:tailEnd type="arrow"/>
           </a:ln>
         </p:spPr>
@@ -8054,96 +8127,17 @@
       </p:cxnSp>
       <p:cxnSp>
         <p:nvCxnSpPr>
-          <p:cNvPr id="135" name="Прямая со стрелкой 134"/>
-          <p:cNvCxnSpPr>
-            <a:stCxn id="130" idx="2"/>
-            <a:endCxn id="146" idx="0"/>
-          </p:cNvCxnSpPr>
-          <p:nvPr/>
-        </p:nvCxnSpPr>
-        <p:spPr>
-          <a:xfrm>
-            <a:off x="15259738" y="5502940"/>
-            <a:ext cx="6408" cy="311480"/>
-          </a:xfrm>
-          <a:prstGeom prst="straightConnector1">
-            <a:avLst/>
-          </a:prstGeom>
-          <a:ln w="28575">
-            <a:tailEnd type="arrow"/>
-          </a:ln>
-        </p:spPr>
-        <p:style>
-          <a:lnRef idx="1">
-            <a:schemeClr val="accent1"/>
-          </a:lnRef>
-          <a:fillRef idx="0">
-            <a:schemeClr val="accent1"/>
-          </a:fillRef>
-          <a:effectRef idx="0">
-            <a:schemeClr val="accent1"/>
-          </a:effectRef>
-          <a:fontRef idx="minor">
-            <a:schemeClr val="tx1"/>
-          </a:fontRef>
-        </p:style>
-      </p:cxnSp>
-      <p:sp>
-        <p:nvSpPr>
-          <p:cNvPr id="148" name="Прямоугольник 147"/>
-          <p:cNvSpPr/>
-          <p:nvPr/>
-        </p:nvSpPr>
-        <p:spPr>
-          <a:xfrm>
-            <a:off x="16555694" y="5814419"/>
-            <a:ext cx="2115918" cy="1080000"/>
-          </a:xfrm>
-          <a:prstGeom prst="rect">
-            <a:avLst/>
-          </a:prstGeom>
-          <a:ln w="28575"/>
-        </p:spPr>
-        <p:style>
-          <a:lnRef idx="2">
-            <a:schemeClr val="accent1"/>
-          </a:lnRef>
-          <a:fillRef idx="1">
-            <a:schemeClr val="lt1"/>
-          </a:fillRef>
-          <a:effectRef idx="0">
-            <a:schemeClr val="accent1"/>
-          </a:effectRef>
-          <a:fontRef idx="minor">
-            <a:schemeClr val="dk1"/>
-          </a:fontRef>
-        </p:style>
-        <p:txBody>
-          <a:bodyPr lIns="124733" tIns="62367" rIns="124733" bIns="62367" rtlCol="0" anchor="ctr"/>
-          <a:lstStyle/>
-          <a:p>
-            <a:pPr algn="ctr"/>
-            <a:r>
-              <a:rPr lang="ru-RU" sz="1400" dirty="0" smtClean="0"/>
-              <a:t>Оборудование новых авиабаз</a:t>
-            </a:r>
-            <a:endParaRPr lang="ru-RU" sz="1400" dirty="0"/>
-          </a:p>
-        </p:txBody>
-      </p:sp>
-      <p:cxnSp>
-        <p:nvCxnSpPr>
-          <p:cNvPr id="149" name="Shape 248"/>
+          <p:cNvPr id="152" name="Shape 248"/>
           <p:cNvCxnSpPr>
             <a:stCxn id="113" idx="2"/>
-            <a:endCxn id="137" idx="0"/>
-          </p:cNvCxnSpPr>
-          <p:nvPr/>
-        </p:nvCxnSpPr>
-        <p:spPr>
-          <a:xfrm rot="5400000">
-            <a:off x="13286177" y="8087275"/>
-            <a:ext cx="438678" cy="1173754"/>
+            <a:endCxn id="145" idx="0"/>
+          </p:cNvCxnSpPr>
+          <p:nvPr/>
+        </p:nvCxnSpPr>
+        <p:spPr>
+          <a:xfrm rot="16200000" flipH="1">
+            <a:off x="15637073" y="6910132"/>
+            <a:ext cx="436413" cy="3525773"/>
           </a:xfrm>
           <a:prstGeom prst="bentConnector3">
             <a:avLst>
@@ -8172,17 +8166,17 @@
       </p:cxnSp>
       <p:cxnSp>
         <p:nvCxnSpPr>
-          <p:cNvPr id="151" name="Shape 248"/>
-          <p:cNvCxnSpPr>
-            <a:stCxn id="113" idx="2"/>
-            <a:endCxn id="138" idx="0"/>
-          </p:cNvCxnSpPr>
-          <p:nvPr/>
-        </p:nvCxnSpPr>
-        <p:spPr>
-          <a:xfrm rot="16200000" flipH="1">
-            <a:off x="14456767" y="8090439"/>
-            <a:ext cx="436413" cy="1165160"/>
+          <p:cNvPr id="154" name="Shape 248"/>
+          <p:cNvCxnSpPr>
+            <a:stCxn id="102" idx="2"/>
+            <a:endCxn id="137" idx="0"/>
+          </p:cNvCxnSpPr>
+          <p:nvPr/>
+        </p:nvCxnSpPr>
+        <p:spPr>
+          <a:xfrm rot="5400000">
+            <a:off x="14456723" y="6916729"/>
+            <a:ext cx="438678" cy="3514846"/>
           </a:xfrm>
           <a:prstGeom prst="bentConnector3">
             <a:avLst>
@@ -8211,17 +8205,17 @@
       </p:cxnSp>
       <p:cxnSp>
         <p:nvCxnSpPr>
-          <p:cNvPr id="152" name="Shape 248"/>
-          <p:cNvCxnSpPr>
-            <a:stCxn id="113" idx="2"/>
-            <a:endCxn id="145" idx="0"/>
-          </p:cNvCxnSpPr>
-          <p:nvPr/>
-        </p:nvCxnSpPr>
-        <p:spPr>
-          <a:xfrm rot="16200000" flipH="1">
-            <a:off x="15637073" y="6910132"/>
-            <a:ext cx="436413" cy="3525773"/>
+          <p:cNvPr id="155" name="Shape 248"/>
+          <p:cNvCxnSpPr>
+            <a:stCxn id="102" idx="2"/>
+            <a:endCxn id="138" idx="0"/>
+          </p:cNvCxnSpPr>
+          <p:nvPr/>
+        </p:nvCxnSpPr>
+        <p:spPr>
+          <a:xfrm rot="5400000">
+            <a:off x="15627313" y="8085053"/>
+            <a:ext cx="436413" cy="1175932"/>
           </a:xfrm>
           <a:prstGeom prst="bentConnector3">
             <a:avLst>
@@ -8250,17 +8244,17 @@
       </p:cxnSp>
       <p:cxnSp>
         <p:nvCxnSpPr>
-          <p:cNvPr id="154" name="Shape 248"/>
+          <p:cNvPr id="157" name="Shape 248"/>
           <p:cNvCxnSpPr>
             <a:stCxn id="102" idx="2"/>
-            <a:endCxn id="137" idx="0"/>
-          </p:cNvCxnSpPr>
-          <p:nvPr/>
-        </p:nvCxnSpPr>
-        <p:spPr>
-          <a:xfrm rot="5400000">
-            <a:off x="14456723" y="6916729"/>
-            <a:ext cx="438678" cy="3514846"/>
+            <a:endCxn id="145" idx="0"/>
+          </p:cNvCxnSpPr>
+          <p:nvPr/>
+        </p:nvCxnSpPr>
+        <p:spPr>
+          <a:xfrm rot="16200000" flipH="1">
+            <a:off x="16807619" y="8080678"/>
+            <a:ext cx="436413" cy="1184681"/>
           </a:xfrm>
           <a:prstGeom prst="bentConnector3">
             <a:avLst>
@@ -8289,84 +8283,6 @@
       </p:cxnSp>
       <p:cxnSp>
         <p:nvCxnSpPr>
-          <p:cNvPr id="155" name="Shape 248"/>
-          <p:cNvCxnSpPr>
-            <a:stCxn id="102" idx="2"/>
-            <a:endCxn id="138" idx="0"/>
-          </p:cNvCxnSpPr>
-          <p:nvPr/>
-        </p:nvCxnSpPr>
-        <p:spPr>
-          <a:xfrm rot="5400000">
-            <a:off x="15627313" y="8085053"/>
-            <a:ext cx="436413" cy="1175932"/>
-          </a:xfrm>
-          <a:prstGeom prst="bentConnector3">
-            <a:avLst>
-              <a:gd name="adj1" fmla="val 50000"/>
-            </a:avLst>
-          </a:prstGeom>
-          <a:ln w="28575">
-            <a:prstDash val="dash"/>
-            <a:tailEnd type="arrow"/>
-          </a:ln>
-        </p:spPr>
-        <p:style>
-          <a:lnRef idx="1">
-            <a:schemeClr val="accent1"/>
-          </a:lnRef>
-          <a:fillRef idx="0">
-            <a:schemeClr val="accent1"/>
-          </a:fillRef>
-          <a:effectRef idx="0">
-            <a:schemeClr val="accent1"/>
-          </a:effectRef>
-          <a:fontRef idx="minor">
-            <a:schemeClr val="tx1"/>
-          </a:fontRef>
-        </p:style>
-      </p:cxnSp>
-      <p:cxnSp>
-        <p:nvCxnSpPr>
-          <p:cNvPr id="157" name="Shape 248"/>
-          <p:cNvCxnSpPr>
-            <a:stCxn id="102" idx="2"/>
-            <a:endCxn id="145" idx="0"/>
-          </p:cNvCxnSpPr>
-          <p:nvPr/>
-        </p:nvCxnSpPr>
-        <p:spPr>
-          <a:xfrm rot="16200000" flipH="1">
-            <a:off x="16807619" y="8080678"/>
-            <a:ext cx="436413" cy="1184681"/>
-          </a:xfrm>
-          <a:prstGeom prst="bentConnector3">
-            <a:avLst>
-              <a:gd name="adj1" fmla="val 50000"/>
-            </a:avLst>
-          </a:prstGeom>
-          <a:ln w="28575">
-            <a:prstDash val="dash"/>
-            <a:tailEnd type="arrow"/>
-          </a:ln>
-        </p:spPr>
-        <p:style>
-          <a:lnRef idx="1">
-            <a:schemeClr val="accent1"/>
-          </a:lnRef>
-          <a:fillRef idx="0">
-            <a:schemeClr val="accent1"/>
-          </a:fillRef>
-          <a:effectRef idx="0">
-            <a:schemeClr val="accent1"/>
-          </a:effectRef>
-          <a:fontRef idx="minor">
-            <a:schemeClr val="tx1"/>
-          </a:fontRef>
-        </p:style>
-      </p:cxnSp>
-      <p:cxnSp>
-        <p:nvCxnSpPr>
           <p:cNvPr id="158" name="Прямая соединительная линия 157"/>
           <p:cNvCxnSpPr>
             <a:stCxn id="137" idx="3"/>
@@ -8521,7 +8437,11 @@
             <a:pPr algn="ctr"/>
             <a:r>
               <a:rPr lang="ru-RU" sz="1400" dirty="0" smtClean="0"/>
-              <a:t>Японская тактика</a:t>
+              <a:t>Перенять я</a:t>
+            </a:r>
+            <a:r>
+              <a:rPr lang="ru-RU" sz="1400" dirty="0" smtClean="0"/>
+              <a:t>понскую тактику</a:t>
             </a:r>
             <a:endParaRPr lang="ru-RU" sz="1400" dirty="0"/>
           </a:p>
@@ -26727,6 +26647,162 @@
           </a:xfrm>
           <a:prstGeom prst="straightConnector1">
             <a:avLst/>
+          </a:prstGeom>
+          <a:ln w="28575">
+            <a:prstDash val="dash"/>
+            <a:tailEnd type="arrow"/>
+          </a:ln>
+        </p:spPr>
+        <p:style>
+          <a:lnRef idx="1">
+            <a:schemeClr val="accent1"/>
+          </a:lnRef>
+          <a:fillRef idx="0">
+            <a:schemeClr val="accent1"/>
+          </a:fillRef>
+          <a:effectRef idx="0">
+            <a:schemeClr val="accent1"/>
+          </a:effectRef>
+          <a:fontRef idx="minor">
+            <a:schemeClr val="tx1"/>
+          </a:fontRef>
+        </p:style>
+      </p:cxnSp>
+      <p:cxnSp>
+        <p:nvCxnSpPr>
+          <p:cNvPr id="577" name="Shape 248"/>
+          <p:cNvCxnSpPr>
+            <a:stCxn id="117" idx="2"/>
+            <a:endCxn id="113" idx="0"/>
+          </p:cNvCxnSpPr>
+          <p:nvPr/>
+        </p:nvCxnSpPr>
+        <p:spPr>
+          <a:xfrm rot="16200000" flipH="1">
+            <a:off x="13265320" y="6547739"/>
+            <a:ext cx="480393" cy="1173754"/>
+          </a:xfrm>
+          <a:prstGeom prst="bentConnector3">
+            <a:avLst>
+              <a:gd name="adj1" fmla="val 50000"/>
+            </a:avLst>
+          </a:prstGeom>
+          <a:ln w="28575">
+            <a:prstDash val="dash"/>
+            <a:tailEnd type="arrow"/>
+          </a:ln>
+        </p:spPr>
+        <p:style>
+          <a:lnRef idx="1">
+            <a:schemeClr val="accent1"/>
+          </a:lnRef>
+          <a:fillRef idx="0">
+            <a:schemeClr val="accent1"/>
+          </a:fillRef>
+          <a:effectRef idx="0">
+            <a:schemeClr val="accent1"/>
+          </a:effectRef>
+          <a:fontRef idx="minor">
+            <a:schemeClr val="tx1"/>
+          </a:fontRef>
+        </p:style>
+      </p:cxnSp>
+      <p:cxnSp>
+        <p:nvCxnSpPr>
+          <p:cNvPr id="582" name="Shape 248"/>
+          <p:cNvCxnSpPr>
+            <a:stCxn id="146" idx="2"/>
+            <a:endCxn id="113" idx="0"/>
+          </p:cNvCxnSpPr>
+          <p:nvPr/>
+        </p:nvCxnSpPr>
+        <p:spPr>
+          <a:xfrm rot="5400000">
+            <a:off x="14439074" y="6547740"/>
+            <a:ext cx="480393" cy="1173753"/>
+          </a:xfrm>
+          <a:prstGeom prst="bentConnector3">
+            <a:avLst>
+              <a:gd name="adj1" fmla="val 50000"/>
+            </a:avLst>
+          </a:prstGeom>
+          <a:ln w="28575">
+            <a:prstDash val="dash"/>
+            <a:tailEnd type="arrow"/>
+          </a:ln>
+        </p:spPr>
+        <p:style>
+          <a:lnRef idx="1">
+            <a:schemeClr val="accent1"/>
+          </a:lnRef>
+          <a:fillRef idx="0">
+            <a:schemeClr val="accent1"/>
+          </a:fillRef>
+          <a:effectRef idx="0">
+            <a:schemeClr val="accent1"/>
+          </a:effectRef>
+          <a:fontRef idx="minor">
+            <a:schemeClr val="tx1"/>
+          </a:fontRef>
+        </p:style>
+      </p:cxnSp>
+      <p:cxnSp>
+        <p:nvCxnSpPr>
+          <p:cNvPr id="583" name="Shape 248"/>
+          <p:cNvCxnSpPr>
+            <a:stCxn id="148" idx="2"/>
+            <a:endCxn id="102" idx="0"/>
+          </p:cNvCxnSpPr>
+          <p:nvPr/>
+        </p:nvCxnSpPr>
+        <p:spPr>
+          <a:xfrm rot="5400000">
+            <a:off x="16783372" y="6544532"/>
+            <a:ext cx="480394" cy="1180168"/>
+          </a:xfrm>
+          <a:prstGeom prst="bentConnector3">
+            <a:avLst>
+              <a:gd name="adj1" fmla="val 50000"/>
+            </a:avLst>
+          </a:prstGeom>
+          <a:ln w="28575">
+            <a:prstDash val="dash"/>
+            <a:tailEnd type="arrow"/>
+          </a:ln>
+        </p:spPr>
+        <p:style>
+          <a:lnRef idx="1">
+            <a:schemeClr val="accent1"/>
+          </a:lnRef>
+          <a:fillRef idx="0">
+            <a:schemeClr val="accent1"/>
+          </a:fillRef>
+          <a:effectRef idx="0">
+            <a:schemeClr val="accent1"/>
+          </a:effectRef>
+          <a:fontRef idx="minor">
+            <a:schemeClr val="tx1"/>
+          </a:fontRef>
+        </p:style>
+      </p:cxnSp>
+      <p:cxnSp>
+        <p:nvCxnSpPr>
+          <p:cNvPr id="586" name="Shape 248"/>
+          <p:cNvCxnSpPr>
+            <a:stCxn id="146" idx="2"/>
+            <a:endCxn id="102" idx="0"/>
+          </p:cNvCxnSpPr>
+          <p:nvPr/>
+        </p:nvCxnSpPr>
+        <p:spPr>
+          <a:xfrm rot="16200000" flipH="1">
+            <a:off x="15609619" y="6550946"/>
+            <a:ext cx="480393" cy="1167339"/>
+          </a:xfrm>
+          <a:prstGeom prst="bentConnector3">
+            <a:avLst>
+              <a:gd name="adj1" fmla="val 50000"/>
+            </a:avLst>
           </a:prstGeom>
           <a:ln w="28575">
             <a:prstDash val="dash"/>

--- a/Наработки/диздоки/Сиам/Сиам.pptx
+++ b/Наработки/диздоки/Сиам/Сиам.pptx
@@ -7551,11 +7551,7 @@
             </a:r>
             <a:r>
               <a:rPr lang="ru-RU" sz="600" dirty="0" smtClean="0"/>
-              <a:t> </a:t>
-            </a:r>
-            <a:r>
-              <a:rPr lang="ru-RU" sz="600" dirty="0" smtClean="0"/>
-              <a:t>(конец 1937) (пять касок в </a:t>
+              <a:t> (конец 1937) (пять касок в </a:t>
             </a:r>
             <a:r>
               <a:rPr lang="ru-RU" sz="600" dirty="0" err="1" smtClean="0"/>
@@ -7609,29 +7605,10 @@
               <a:t>Батальон специальных </a:t>
             </a:r>
             <a:r>
-              <a:rPr lang="ru-RU" sz="1400" dirty="0"/>
-              <a:t>операций </a:t>
-            </a:r>
-            <a:r>
-              <a:rPr lang="ru-RU" sz="700" dirty="0"/>
-              <a:t>(RTAF: 1-й батальон специальных операций (коммандос)RTAF: 2-й батальон специальных операций (коммандос)RTAF: 3-й батальон специальных операций (коммандос)RTAF: Компания воздушной </a:t>
-            </a:r>
-            <a:r>
-              <a:rPr lang="ru-RU" sz="700" dirty="0" err="1"/>
-              <a:t>поддержкиRTAF</a:t>
-            </a:r>
-            <a:r>
-              <a:rPr lang="ru-RU" sz="700" dirty="0"/>
-              <a:t>: Боевой поисково-спасательный центр (CSAR) (</a:t>
-            </a:r>
-            <a:r>
-              <a:rPr lang="ru-RU" sz="700" dirty="0" err="1"/>
-              <a:t>Pararescuemen</a:t>
-            </a:r>
-            <a:r>
-              <a:rPr lang="ru-RU" sz="700" dirty="0"/>
-              <a:t>))</a:t>
-            </a:r>
+              <a:rPr lang="ru-RU" sz="1400" dirty="0" smtClean="0"/>
+              <a:t>операций</a:t>
+            </a:r>
+            <a:endParaRPr lang="ru-RU" sz="700" dirty="0"/>
           </a:p>
         </p:txBody>
       </p:sp>
@@ -7814,24 +7791,8 @@
               <a:t>Адульядета</a:t>
             </a:r>
             <a:r>
-              <a:rPr lang="ru-RU" sz="1400" dirty="0"/>
-              <a:t> </a:t>
-            </a:r>
-            <a:r>
-              <a:rPr lang="ru-RU" sz="700" dirty="0"/>
-              <a:t>(то больница, расположенная в районе </a:t>
-            </a:r>
-            <a:r>
-              <a:rPr lang="ru-RU" sz="700" dirty="0" err="1"/>
-              <a:t>Сай</a:t>
-            </a:r>
-            <a:r>
-              <a:rPr lang="ru-RU" sz="700" dirty="0"/>
-              <a:t> Май , Бангкок , Таиланд . Это военный госпиталь, управляемый Управлением медицинских служб Королевских ВВС Таиланда, в частности, для персонала Королевских ВВС Таиланда , а также для населения</a:t>
-            </a:r>
-            <a:r>
               <a:rPr lang="ru-RU" sz="700" dirty="0" smtClean="0"/>
-              <a:t>.) (1949)</a:t>
+              <a:t> (1949)</a:t>
             </a:r>
             <a:endParaRPr lang="ru-RU" sz="700" dirty="0"/>
           </a:p>
@@ -8394,7 +8355,11 @@
             <a:pPr algn="ctr"/>
             <a:r>
               <a:rPr lang="ru-RU" sz="1400" dirty="0" smtClean="0"/>
-              <a:t>Американские базы (+авиабазы, но представится их использование)</a:t>
+              <a:t>Американские </a:t>
+            </a:r>
+            <a:r>
+              <a:rPr lang="ru-RU" sz="1400" dirty="0" smtClean="0"/>
+              <a:t>базы</a:t>
             </a:r>
             <a:endParaRPr lang="ru-RU" sz="1400" dirty="0"/>
           </a:p>
@@ -8437,11 +8402,7 @@
             <a:pPr algn="ctr"/>
             <a:r>
               <a:rPr lang="ru-RU" sz="1400" dirty="0" smtClean="0"/>
-              <a:t>Перенять я</a:t>
-            </a:r>
-            <a:r>
-              <a:rPr lang="ru-RU" sz="1400" dirty="0" smtClean="0"/>
-              <a:t>понскую тактику</a:t>
+              <a:t>Перенять японскую тактику</a:t>
             </a:r>
             <a:endParaRPr lang="ru-RU" sz="1400" dirty="0"/>
           </a:p>
@@ -8484,7 +8445,7 @@
             <a:pPr algn="ctr"/>
             <a:r>
               <a:rPr lang="ru-RU" sz="1400" dirty="0" smtClean="0"/>
-              <a:t>Изучение французских двигателей (+ к скорости самолётов и автотранспорта)</a:t>
+              <a:t>Изучение французских двигателей</a:t>
             </a:r>
             <a:endParaRPr lang="ru-RU" sz="1400" dirty="0"/>
           </a:p>
@@ -9445,20 +9406,12 @@
           <a:p>
             <a:pPr algn="ctr"/>
             <a:r>
-              <a:rPr lang="ru-RU" sz="1400" dirty="0"/>
+              <a:rPr lang="ru-RU" sz="1400" dirty="0" smtClean="0"/>
               <a:t>Подразделение воздушного усиления </a:t>
             </a:r>
             <a:r>
               <a:rPr lang="ru-RU" sz="400" dirty="0" smtClean="0"/>
-              <a:t>(подразделение </a:t>
-            </a:r>
-            <a:r>
-              <a:rPr lang="ru-RU" sz="400" dirty="0"/>
-              <a:t>парашютного снабжения пограничной полиции с воздуха (BPP PARU или PARU) - это подразделение специального назначения BPP, отвечающее за обучение и поддержку воздушно-десантных операций, воздушное подкрепление, спасение при бедствиях и авариях, а также поддержку специальных миссий под командованием BPP. Все члены ПАРУ проходят подготовку к действиям в воздухе, включая прыжки в свободном падении. PARU может оказать поддержку штаб-квартире BPP в течение двух часов. PARU в 1950-х и 1960-х годах был небольшим подразделением, используемым для тайных миссий за пределами Таиланда</a:t>
-            </a:r>
-            <a:r>
-              <a:rPr lang="ru-RU" sz="400" dirty="0" smtClean="0"/>
-              <a:t>.)</a:t>
+              <a:t>(</a:t>
             </a:r>
             <a:endParaRPr lang="ru-RU" sz="400" dirty="0"/>
           </a:p>
@@ -9950,11 +9903,15 @@
             <a:pPr algn="ctr"/>
             <a:r>
               <a:rPr lang="ru-RU" sz="1400" dirty="0"/>
-              <a:t>Батальон связи Королевских ВВС </a:t>
+              <a:t>Батальон связи Королевских </a:t>
             </a:r>
             <a:r>
               <a:rPr lang="ru-RU" sz="1400" dirty="0" smtClean="0"/>
-              <a:t>Таиланда (1948)</a:t>
+              <a:t>ВВС (1948</a:t>
+            </a:r>
+            <a:r>
+              <a:rPr lang="ru-RU" sz="1400" dirty="0" smtClean="0"/>
+              <a:t>)</a:t>
             </a:r>
             <a:endParaRPr lang="ru-RU" sz="1400" dirty="0"/>
           </a:p>
@@ -12189,9 +12146,18 @@
               <a:t>Аккумуляторный </a:t>
             </a:r>
             <a:r>
+              <a:rPr lang="ru-RU" sz="1400" dirty="0" smtClean="0"/>
+              <a:t>завод для </a:t>
+            </a:r>
+            <a:r>
               <a:rPr lang="ru-RU" sz="1400" dirty="0"/>
-              <a:t>завод Королевского военно-морского флота Таиланда</a:t>
-            </a:r>
+              <a:t>Королевского </a:t>
+            </a:r>
+            <a:r>
+              <a:rPr lang="ru-RU" sz="1400" dirty="0" smtClean="0"/>
+              <a:t>ВМФ</a:t>
+            </a:r>
+            <a:endParaRPr lang="ru-RU" sz="1400" dirty="0"/>
           </a:p>
         </p:txBody>
       </p:sp>
@@ -12240,24 +12206,13 @@
             </a:r>
             <a:r>
               <a:rPr lang="ru-RU" sz="1400" dirty="0" smtClean="0"/>
-              <a:t> (4 штуки, </a:t>
-            </a:r>
-            <a:r>
-              <a:rPr lang="en-US" sz="1400" dirty="0" err="1"/>
-              <a:t>Matchanu</a:t>
-            </a:r>
-            <a:r>
-              <a:rPr lang="en-US" sz="1400" dirty="0"/>
-              <a:t>-class submarine</a:t>
-            </a:r>
-            <a:r>
-              <a:rPr lang="ru-RU" sz="1400" dirty="0"/>
-              <a:t>) </a:t>
-            </a:r>
-            <a:r>
-              <a:rPr lang="ru-RU" sz="400" dirty="0"/>
-              <a:t>(Подводные лодки были построены в Кобе , первые две заложены 6 мая 1936 года. Строительство остальных началось 1 октября. [2] Первая группа была спущена на воду 24 декабря 1936 года, а вторая - 14 мая 1937 года. Первые две подводные лодки были построены и доставлены Королевскому сиамскому флоту 4 сентября 1937 года, дата, которую тайский флот до сих пор отмечает как День подводной лодки. . Остальные были доставлены 30 апреля 1938 г.)</a:t>
-            </a:r>
+              <a:t> </a:t>
+            </a:r>
+            <a:r>
+              <a:rPr lang="ru-RU" sz="1400" dirty="0" smtClean="0"/>
+              <a:t>(Май 1936)</a:t>
+            </a:r>
+            <a:endParaRPr lang="ru-RU" sz="400" dirty="0"/>
           </a:p>
         </p:txBody>
       </p:sp>
@@ -12341,7 +12296,11 @@
             <a:pPr algn="ctr"/>
             <a:r>
               <a:rPr lang="ru-RU" sz="1400" dirty="0" smtClean="0"/>
-              <a:t>Учебные патрули (доктрина выслеживания или сопровождения)</a:t>
+              <a:t>Учебные </a:t>
+            </a:r>
+            <a:r>
+              <a:rPr lang="ru-RU" sz="1400" dirty="0" smtClean="0"/>
+              <a:t>патрули</a:t>
             </a:r>
             <a:endParaRPr lang="ru-RU" sz="1400" dirty="0"/>
           </a:p>
@@ -12581,11 +12540,11 @@
             <a:pPr algn="ctr"/>
             <a:r>
               <a:rPr lang="ru-RU" sz="1400" dirty="0"/>
-              <a:t>Королевская военно-морская верфь </a:t>
+              <a:t>Королевская военно-морская </a:t>
             </a:r>
             <a:r>
               <a:rPr lang="ru-RU" sz="1400" dirty="0" smtClean="0"/>
-              <a:t>Таиланда (</a:t>
+              <a:t>верфь (</a:t>
             </a:r>
             <a:r>
               <a:rPr lang="ru-RU" sz="1400" dirty="0" err="1" smtClean="0"/>
@@ -12784,11 +12743,15 @@
             <a:pPr algn="ctr"/>
             <a:r>
               <a:rPr lang="ru-RU" sz="1400" dirty="0"/>
-              <a:t>Королевская военно-воздушная дивизия </a:t>
+              <a:t>Королевская военно-воздушная </a:t>
             </a:r>
             <a:r>
               <a:rPr lang="ru-RU" sz="1400" dirty="0" smtClean="0"/>
-              <a:t>Таиланда (+ к гидросамолётом, со старта их 2)</a:t>
+              <a:t>дивизия(+ </a:t>
+            </a:r>
+            <a:r>
+              <a:rPr lang="ru-RU" sz="1400" dirty="0" smtClean="0"/>
+              <a:t>к гидросамолётом, со старта их 2)</a:t>
             </a:r>
             <a:endParaRPr lang="ru-RU" sz="1400" dirty="0"/>
           </a:p>
@@ -26798,6 +26761,84 @@
           <a:xfrm rot="16200000" flipH="1">
             <a:off x="15609619" y="6550946"/>
             <a:ext cx="480393" cy="1167339"/>
+          </a:xfrm>
+          <a:prstGeom prst="bentConnector3">
+            <a:avLst>
+              <a:gd name="adj1" fmla="val 50000"/>
+            </a:avLst>
+          </a:prstGeom>
+          <a:ln w="28575">
+            <a:prstDash val="dash"/>
+            <a:tailEnd type="arrow"/>
+          </a:ln>
+        </p:spPr>
+        <p:style>
+          <a:lnRef idx="1">
+            <a:schemeClr val="accent1"/>
+          </a:lnRef>
+          <a:fillRef idx="0">
+            <a:schemeClr val="accent1"/>
+          </a:fillRef>
+          <a:effectRef idx="0">
+            <a:schemeClr val="accent1"/>
+          </a:effectRef>
+          <a:fontRef idx="minor">
+            <a:schemeClr val="tx1"/>
+          </a:fontRef>
+        </p:style>
+      </p:cxnSp>
+      <p:cxnSp>
+        <p:nvCxnSpPr>
+          <p:cNvPr id="589" name="Shape 248"/>
+          <p:cNvCxnSpPr>
+            <a:stCxn id="166" idx="2"/>
+            <a:endCxn id="233" idx="0"/>
+          </p:cNvCxnSpPr>
+          <p:nvPr/>
+        </p:nvCxnSpPr>
+        <p:spPr>
+          <a:xfrm rot="16200000" flipH="1">
+            <a:off x="16855885" y="9802715"/>
+            <a:ext cx="385444" cy="3582108"/>
+          </a:xfrm>
+          <a:prstGeom prst="bentConnector3">
+            <a:avLst>
+              <a:gd name="adj1" fmla="val 50000"/>
+            </a:avLst>
+          </a:prstGeom>
+          <a:ln w="28575">
+            <a:prstDash val="dash"/>
+            <a:tailEnd type="arrow"/>
+          </a:ln>
+        </p:spPr>
+        <p:style>
+          <a:lnRef idx="1">
+            <a:schemeClr val="accent1"/>
+          </a:lnRef>
+          <a:fillRef idx="0">
+            <a:schemeClr val="accent1"/>
+          </a:fillRef>
+          <a:effectRef idx="0">
+            <a:schemeClr val="accent1"/>
+          </a:effectRef>
+          <a:fontRef idx="minor">
+            <a:schemeClr val="tx1"/>
+          </a:fontRef>
+        </p:style>
+      </p:cxnSp>
+      <p:cxnSp>
+        <p:nvCxnSpPr>
+          <p:cNvPr id="592" name="Shape 248"/>
+          <p:cNvCxnSpPr>
+            <a:stCxn id="167" idx="2"/>
+            <a:endCxn id="233" idx="0"/>
+          </p:cNvCxnSpPr>
+          <p:nvPr/>
+        </p:nvCxnSpPr>
+        <p:spPr>
+          <a:xfrm rot="16200000" flipH="1">
+            <a:off x="15682453" y="8629283"/>
+            <a:ext cx="393394" cy="5921022"/>
           </a:xfrm>
           <a:prstGeom prst="bentConnector3">
             <a:avLst>

--- a/Наработки/диздоки/Сиам/Сиам.pptx
+++ b/Наработки/диздоки/Сиам/Сиам.pptx
@@ -7602,11 +7602,7 @@
             <a:pPr algn="ctr"/>
             <a:r>
               <a:rPr lang="ru-RU" sz="1400" dirty="0" smtClean="0"/>
-              <a:t>Батальон специальных </a:t>
-            </a:r>
-            <a:r>
-              <a:rPr lang="ru-RU" sz="1400" dirty="0" smtClean="0"/>
-              <a:t>операций</a:t>
+              <a:t>Батальон специальных операций</a:t>
             </a:r>
             <a:endParaRPr lang="ru-RU" sz="700" dirty="0"/>
           </a:p>
@@ -8355,11 +8351,7 @@
             <a:pPr algn="ctr"/>
             <a:r>
               <a:rPr lang="ru-RU" sz="1400" dirty="0" smtClean="0"/>
-              <a:t>Американские </a:t>
-            </a:r>
-            <a:r>
-              <a:rPr lang="ru-RU" sz="1400" dirty="0" smtClean="0"/>
-              <a:t>базы</a:t>
+              <a:t>Американские базы</a:t>
             </a:r>
             <a:endParaRPr lang="ru-RU" sz="1400" dirty="0"/>
           </a:p>
@@ -8810,43 +8802,11 @@
             <a:pPr algn="ctr"/>
             <a:r>
               <a:rPr lang="ru-RU" sz="1400" dirty="0" smtClean="0"/>
-              <a:t>Ставка на силы полиции (+генералы </a:t>
-            </a:r>
-            <a:r>
-              <a:rPr lang="th-TH" sz="1400" dirty="0"/>
-              <a:t>หลวงชาติตระการโกศล (เจียม ลิมปิชาติ</a:t>
-            </a:r>
-            <a:r>
-              <a:rPr lang="th-TH" sz="1400" dirty="0" smtClean="0"/>
-              <a:t>)</a:t>
+              <a:t>Ставка на силы полиции </a:t>
             </a:r>
             <a:r>
               <a:rPr lang="ru-RU" sz="1400" dirty="0" smtClean="0"/>
-              <a:t>, </a:t>
-            </a:r>
-            <a:r>
-              <a:rPr lang="th-TH" sz="1400" dirty="0"/>
-              <a:t>เผ่า ศรียา</a:t>
-            </a:r>
-            <a:r>
-              <a:rPr lang="th-TH" sz="1400" dirty="0" smtClean="0"/>
-              <a:t>นนท์</a:t>
-            </a:r>
-            <a:r>
-              <a:rPr lang="ru-RU" sz="1400" dirty="0" smtClean="0"/>
-              <a:t>, </a:t>
-            </a:r>
-            <a:r>
-              <a:rPr lang="th-TH" sz="1400" dirty="0"/>
-              <a:t>อดุล อดุลเดช</a:t>
-            </a:r>
-            <a:r>
-              <a:rPr lang="th-TH" sz="1400" dirty="0" smtClean="0"/>
-              <a:t>จรัส</a:t>
-            </a:r>
-            <a:r>
-              <a:rPr lang="ru-RU" sz="1400" dirty="0" smtClean="0"/>
-              <a:t>, </a:t>
+              <a:t>(, </a:t>
             </a:r>
             <a:r>
               <a:rPr lang="th-TH" sz="1400" dirty="0"/>
@@ -9907,11 +9867,7 @@
             </a:r>
             <a:r>
               <a:rPr lang="ru-RU" sz="1400" dirty="0" smtClean="0"/>
-              <a:t>ВВС (1948</a:t>
-            </a:r>
-            <a:r>
-              <a:rPr lang="ru-RU" sz="1400" dirty="0" smtClean="0"/>
-              <a:t>)</a:t>
+              <a:t>ВВС (1948)</a:t>
             </a:r>
             <a:endParaRPr lang="ru-RU" sz="1400" dirty="0"/>
           </a:p>
@@ -12143,11 +12099,7 @@
             <a:pPr algn="ctr"/>
             <a:r>
               <a:rPr lang="ru-RU" sz="1400" dirty="0" smtClean="0"/>
-              <a:t>Аккумуляторный </a:t>
-            </a:r>
-            <a:r>
-              <a:rPr lang="ru-RU" sz="1400" dirty="0" smtClean="0"/>
-              <a:t>завод для </a:t>
+              <a:t>Аккумуляторный завод для </a:t>
             </a:r>
             <a:r>
               <a:rPr lang="ru-RU" sz="1400" dirty="0"/>
@@ -12206,11 +12158,7 @@
             </a:r>
             <a:r>
               <a:rPr lang="ru-RU" sz="1400" dirty="0" smtClean="0"/>
-              <a:t> </a:t>
-            </a:r>
-            <a:r>
-              <a:rPr lang="ru-RU" sz="1400" dirty="0" smtClean="0"/>
-              <a:t>(Май 1936)</a:t>
+              <a:t> (Май 1936)</a:t>
             </a:r>
             <a:endParaRPr lang="ru-RU" sz="400" dirty="0"/>
           </a:p>
@@ -12296,11 +12244,7 @@
             <a:pPr algn="ctr"/>
             <a:r>
               <a:rPr lang="ru-RU" sz="1400" dirty="0" smtClean="0"/>
-              <a:t>Учебные </a:t>
-            </a:r>
-            <a:r>
-              <a:rPr lang="ru-RU" sz="1400" dirty="0" smtClean="0"/>
-              <a:t>патрули</a:t>
+              <a:t>Учебные патрули</a:t>
             </a:r>
             <a:endParaRPr lang="ru-RU" sz="1400" dirty="0"/>
           </a:p>
@@ -12404,26 +12348,6 @@
               <a:rPr lang="ru-RU" sz="1400" dirty="0" err="1" smtClean="0"/>
               <a:t>Саттахип</a:t>
             </a:r>
-            <a:r>
-              <a:rPr lang="ru-RU" sz="1400" dirty="0" smtClean="0"/>
-              <a:t> </a:t>
-            </a:r>
-            <a:r>
-              <a:rPr lang="ru-RU" sz="800" dirty="0" smtClean="0"/>
-              <a:t>(</a:t>
-            </a:r>
-            <a:r>
-              <a:rPr lang="en-US" sz="800" dirty="0"/>
-              <a:t>https://erzujwbfd4rgq4e3an7p3uskl4-ac4c6men2g7xr2a-en-m-wikipedia-org.translate.goog/wiki/Chonburi_Province#/</a:t>
-            </a:r>
-            <a:r>
-              <a:rPr lang="en-US" sz="800" dirty="0" smtClean="0"/>
-              <a:t>media/File%3AThailand_Chonburi_locator_map.svg</a:t>
-            </a:r>
-            <a:r>
-              <a:rPr lang="ru-RU" sz="800" dirty="0" smtClean="0"/>
-              <a:t>)</a:t>
-            </a:r>
             <a:endParaRPr lang="ru-RU" sz="800" dirty="0"/>
           </a:p>
         </p:txBody>
@@ -12544,15 +12468,7 @@
             </a:r>
             <a:r>
               <a:rPr lang="ru-RU" sz="1400" dirty="0" smtClean="0"/>
-              <a:t>верфь (</a:t>
-            </a:r>
-            <a:r>
-              <a:rPr lang="ru-RU" sz="1400" dirty="0" err="1" smtClean="0"/>
-              <a:t>Саттахип</a:t>
-            </a:r>
-            <a:r>
-              <a:rPr lang="ru-RU" sz="1400" dirty="0" smtClean="0"/>
-              <a:t>)</a:t>
+              <a:t>верфь</a:t>
             </a:r>
             <a:endParaRPr lang="ru-RU" sz="1400" dirty="0"/>
           </a:p>
@@ -12594,24 +12510,8 @@
           <a:p>
             <a:pPr algn="ctr"/>
             <a:r>
-              <a:rPr lang="ru-RU" sz="1400" dirty="0" smtClean="0"/>
-              <a:t>Расшить королевский корпус морской </a:t>
-            </a:r>
-            <a:r>
-              <a:rPr lang="ru-RU" sz="1400" dirty="0"/>
-              <a:t>пехоты (В </a:t>
-            </a:r>
-            <a:r>
-              <a:rPr lang="ru-RU" sz="1400" dirty="0" smtClean="0"/>
-              <a:t>1937 </a:t>
-            </a:r>
-            <a:r>
-              <a:rPr lang="ru-RU" sz="1400" dirty="0"/>
-              <a:t>году его расширили до </a:t>
-            </a:r>
-            <a:r>
-              <a:rPr lang="ru-RU" sz="1400" dirty="0" smtClean="0"/>
-              <a:t>полка)</a:t>
+              <a:rPr lang="ru-RU" sz="1400"/>
+              <a:t>Сотрудничество с США для обучения морской пехоты</a:t>
             </a:r>
             <a:endParaRPr lang="ru-RU" sz="1400" dirty="0"/>
           </a:p>
@@ -12653,8 +12553,12 @@
           <a:p>
             <a:pPr algn="ctr"/>
             <a:r>
+              <a:rPr lang="ru-RU" sz="1400" dirty="0"/>
+              <a:t>Расшить королевский корпус морской пехоты (В </a:t>
+            </a:r>
+            <a:r>
               <a:rPr lang="ru-RU" sz="1400" dirty="0" smtClean="0"/>
-              <a:t>Сотрудничество с США для обучения морской пехоты</a:t>
+              <a:t>1937)</a:t>
             </a:r>
             <a:endParaRPr lang="ru-RU" sz="1400" dirty="0"/>
           </a:p>
@@ -12747,11 +12651,7 @@
             </a:r>
             <a:r>
               <a:rPr lang="ru-RU" sz="1400" dirty="0" smtClean="0"/>
-              <a:t>дивизия(+ </a:t>
-            </a:r>
-            <a:r>
-              <a:rPr lang="ru-RU" sz="1400" dirty="0" smtClean="0"/>
-              <a:t>к гидросамолётом, со старта их 2)</a:t>
+              <a:t>дивизия</a:t>
             </a:r>
             <a:endParaRPr lang="ru-RU" sz="1400" dirty="0"/>
           </a:p>

--- a/Наработки/диздоки/Сиам/Сиам.pptx
+++ b/Наработки/диздоки/Сиам/Сиам.pptx
@@ -209,7 +209,7 @@
             <a:fld id="{33E3D7F9-E251-484C-A6FF-FA958879DF69}" type="datetimeFigureOut">
               <a:rPr lang="ru-RU" smtClean="0"/>
               <a:pPr/>
-              <a:t>28.06.2021</a:t>
+              <a:t>09.07.2021</a:t>
             </a:fld>
             <a:endParaRPr lang="ru-RU"/>
           </a:p>
@@ -700,7 +700,7 @@
             <a:fld id="{85A5DE44-605B-4D3B-B2B7-94543DF81A36}" type="datetimeFigureOut">
               <a:rPr lang="ru-RU" smtClean="0"/>
               <a:pPr/>
-              <a:t>28.06.2021</a:t>
+              <a:t>09.07.2021</a:t>
             </a:fld>
             <a:endParaRPr lang="ru-RU"/>
           </a:p>
@@ -872,7 +872,7 @@
             <a:fld id="{85A5DE44-605B-4D3B-B2B7-94543DF81A36}" type="datetimeFigureOut">
               <a:rPr lang="ru-RU" smtClean="0"/>
               <a:pPr/>
-              <a:t>28.06.2021</a:t>
+              <a:t>09.07.2021</a:t>
             </a:fld>
             <a:endParaRPr lang="ru-RU"/>
           </a:p>
@@ -1054,7 +1054,7 @@
             <a:fld id="{85A5DE44-605B-4D3B-B2B7-94543DF81A36}" type="datetimeFigureOut">
               <a:rPr lang="ru-RU" smtClean="0"/>
               <a:pPr/>
-              <a:t>28.06.2021</a:t>
+              <a:t>09.07.2021</a:t>
             </a:fld>
             <a:endParaRPr lang="ru-RU"/>
           </a:p>
@@ -1226,7 +1226,7 @@
             <a:fld id="{85A5DE44-605B-4D3B-B2B7-94543DF81A36}" type="datetimeFigureOut">
               <a:rPr lang="ru-RU" smtClean="0"/>
               <a:pPr/>
-              <a:t>28.06.2021</a:t>
+              <a:t>09.07.2021</a:t>
             </a:fld>
             <a:endParaRPr lang="ru-RU"/>
           </a:p>
@@ -1474,7 +1474,7 @@
             <a:fld id="{85A5DE44-605B-4D3B-B2B7-94543DF81A36}" type="datetimeFigureOut">
               <a:rPr lang="ru-RU" smtClean="0"/>
               <a:pPr/>
-              <a:t>28.06.2021</a:t>
+              <a:t>09.07.2021</a:t>
             </a:fld>
             <a:endParaRPr lang="ru-RU"/>
           </a:p>
@@ -1708,7 +1708,7 @@
             <a:fld id="{85A5DE44-605B-4D3B-B2B7-94543DF81A36}" type="datetimeFigureOut">
               <a:rPr lang="ru-RU" smtClean="0"/>
               <a:pPr/>
-              <a:t>28.06.2021</a:t>
+              <a:t>09.07.2021</a:t>
             </a:fld>
             <a:endParaRPr lang="ru-RU"/>
           </a:p>
@@ -2077,7 +2077,7 @@
             <a:fld id="{85A5DE44-605B-4D3B-B2B7-94543DF81A36}" type="datetimeFigureOut">
               <a:rPr lang="ru-RU" smtClean="0"/>
               <a:pPr/>
-              <a:t>28.06.2021</a:t>
+              <a:t>09.07.2021</a:t>
             </a:fld>
             <a:endParaRPr lang="ru-RU"/>
           </a:p>
@@ -2197,7 +2197,7 @@
             <a:fld id="{85A5DE44-605B-4D3B-B2B7-94543DF81A36}" type="datetimeFigureOut">
               <a:rPr lang="ru-RU" smtClean="0"/>
               <a:pPr/>
-              <a:t>28.06.2021</a:t>
+              <a:t>09.07.2021</a:t>
             </a:fld>
             <a:endParaRPr lang="ru-RU"/>
           </a:p>
@@ -2294,7 +2294,7 @@
             <a:fld id="{85A5DE44-605B-4D3B-B2B7-94543DF81A36}" type="datetimeFigureOut">
               <a:rPr lang="ru-RU" smtClean="0"/>
               <a:pPr/>
-              <a:t>28.06.2021</a:t>
+              <a:t>09.07.2021</a:t>
             </a:fld>
             <a:endParaRPr lang="ru-RU"/>
           </a:p>
@@ -2573,7 +2573,7 @@
             <a:fld id="{85A5DE44-605B-4D3B-B2B7-94543DF81A36}" type="datetimeFigureOut">
               <a:rPr lang="ru-RU" smtClean="0"/>
               <a:pPr/>
-              <a:t>28.06.2021</a:t>
+              <a:t>09.07.2021</a:t>
             </a:fld>
             <a:endParaRPr lang="ru-RU"/>
           </a:p>
@@ -2832,7 +2832,7 @@
             <a:fld id="{85A5DE44-605B-4D3B-B2B7-94543DF81A36}" type="datetimeFigureOut">
               <a:rPr lang="ru-RU" smtClean="0"/>
               <a:pPr/>
-              <a:t>28.06.2021</a:t>
+              <a:t>09.07.2021</a:t>
             </a:fld>
             <a:endParaRPr lang="ru-RU"/>
           </a:p>
@@ -3047,7 +3047,7 @@
             <a:fld id="{85A5DE44-605B-4D3B-B2B7-94543DF81A36}" type="datetimeFigureOut">
               <a:rPr lang="ru-RU" smtClean="0"/>
               <a:pPr/>
-              <a:t>28.06.2021</a:t>
+              <a:t>09.07.2021</a:t>
             </a:fld>
             <a:endParaRPr lang="ru-RU"/>
           </a:p>
@@ -3644,51 +3644,11 @@
             </a:r>
             <a:r>
               <a:rPr lang="ru-RU" sz="1400" dirty="0" smtClean="0"/>
-              <a:t> 1936) </a:t>
-            </a:r>
-            <a:r>
-              <a:rPr lang="ru-RU" sz="300" dirty="0" smtClean="0"/>
-              <a:t>(Однажды на заседании кабинета министров выяснилось, что бывшее правительство абсолютной монархии взяло займы из-за границы под очень высокие процентные ставки. Приди согласился договориться о снижении процентной ставки по ссуде, а также наладить дружеские отношения с зарубежными странами. [9] : 442–4 Он уехал в Триест, Королевство Италия. В октябре 1936 года с генеральным секретарем Муссолини Муссолини пообещал как можно скорее расторгнуть несправедливый контракт [9] : 446–447 для переговоров с Французской Республикой, нацистской Германией и Соединенным Королевством. договор несправедлив, но сэр </a:t>
-            </a:r>
-            <a:r>
-              <a:rPr lang="ru-RU" sz="300" dirty="0" err="1" smtClean="0"/>
-              <a:t>Сэмюэл</a:t>
-            </a:r>
-            <a:r>
-              <a:rPr lang="ru-RU" sz="300" dirty="0" smtClean="0"/>
-              <a:t> Хорн (</a:t>
-            </a:r>
-            <a:r>
-              <a:rPr lang="ru-RU" sz="300" dirty="0" err="1" smtClean="0"/>
-              <a:t>Samuel</a:t>
-            </a:r>
-            <a:r>
-              <a:rPr lang="ru-RU" sz="300" dirty="0" smtClean="0"/>
-              <a:t> </a:t>
-            </a:r>
-            <a:r>
-              <a:rPr lang="ru-RU" sz="300" dirty="0" err="1" smtClean="0"/>
-              <a:t>Hoare</a:t>
-            </a:r>
-            <a:r>
-              <a:rPr lang="ru-RU" sz="300" dirty="0" smtClean="0"/>
-              <a:t>) согласился снизить процент по ссуде [9] : 447-9.снижается с 6% до 4%, что экономит бюджет 600 000–700 000 Бат в год в течение 30 лет [11] : 127 Конгресс поблагодарил Приди за предоставленную возможность [11] : 127 Позже Приди встретился с госсекретарем США </a:t>
-            </a:r>
-            <a:r>
-              <a:rPr lang="ru-RU" sz="300" dirty="0" err="1" smtClean="0"/>
-              <a:t>Кордалом</a:t>
-            </a:r>
-            <a:r>
-              <a:rPr lang="ru-RU" sz="300" dirty="0" smtClean="0"/>
-              <a:t> </a:t>
-            </a:r>
-            <a:r>
-              <a:rPr lang="ru-RU" sz="300" dirty="0" err="1" smtClean="0"/>
-              <a:t>Халом</a:t>
-            </a:r>
-            <a:r>
-              <a:rPr lang="ru-RU" sz="300" dirty="0" smtClean="0"/>
-              <a:t> в Вашингтоне. и получил ответ, что расторжение договора несправедливо, как только Наконец, он посетил Император Хирохито Японии и премьер-министр Японии Он отверг политику желто-белой кожи. Но что касается несправедливого договора, Япония отказалась [9] : 449–51.))</a:t>
+              <a:t> 1936</a:t>
+            </a:r>
+            <a:r>
+              <a:rPr lang="ru-RU" sz="1400" dirty="0" smtClean="0"/>
+              <a:t>)</a:t>
             </a:r>
             <a:endParaRPr lang="ru-RU" sz="300" dirty="0"/>
           </a:p>
@@ -6125,15 +6085,11 @@
             </a:r>
             <a:r>
               <a:rPr lang="ru-RU" sz="1400" dirty="0" smtClean="0"/>
-              <a:t>» (Объединит </a:t>
-            </a:r>
-            <a:r>
-              <a:rPr lang="ru-RU" sz="1400" dirty="0" err="1" smtClean="0"/>
-              <a:t>лесо</a:t>
+              <a:t>» </a:t>
             </a:r>
             <a:r>
               <a:rPr lang="ru-RU" sz="1400" dirty="0" smtClean="0"/>
-              <a:t> и оловодобывающие предприятия) (</a:t>
+              <a:t>(</a:t>
             </a:r>
             <a:r>
               <a:rPr lang="ru-RU" sz="1400" dirty="0" err="1" smtClean="0"/>
@@ -8802,11 +8758,7 @@
             <a:pPr algn="ctr"/>
             <a:r>
               <a:rPr lang="ru-RU" sz="1400" dirty="0" smtClean="0"/>
-              <a:t>Ставка на силы полиции </a:t>
-            </a:r>
-            <a:r>
-              <a:rPr lang="ru-RU" sz="1400" dirty="0" smtClean="0"/>
-              <a:t>(, </a:t>
+              <a:t>Ставка на силы полиции (, </a:t>
             </a:r>
             <a:r>
               <a:rPr lang="th-TH" sz="1400" dirty="0"/>

--- a/Наработки/диздоки/Сиам/Сиам.pptx
+++ b/Наработки/диздоки/Сиам/Сиам.pptx
@@ -209,7 +209,7 @@
             <a:fld id="{33E3D7F9-E251-484C-A6FF-FA958879DF69}" type="datetimeFigureOut">
               <a:rPr lang="ru-RU" smtClean="0"/>
               <a:pPr/>
-              <a:t>09.07.2021</a:t>
+              <a:t>12.07.2021</a:t>
             </a:fld>
             <a:endParaRPr lang="ru-RU"/>
           </a:p>
@@ -700,7 +700,7 @@
             <a:fld id="{85A5DE44-605B-4D3B-B2B7-94543DF81A36}" type="datetimeFigureOut">
               <a:rPr lang="ru-RU" smtClean="0"/>
               <a:pPr/>
-              <a:t>09.07.2021</a:t>
+              <a:t>12.07.2021</a:t>
             </a:fld>
             <a:endParaRPr lang="ru-RU"/>
           </a:p>
@@ -872,7 +872,7 @@
             <a:fld id="{85A5DE44-605B-4D3B-B2B7-94543DF81A36}" type="datetimeFigureOut">
               <a:rPr lang="ru-RU" smtClean="0"/>
               <a:pPr/>
-              <a:t>09.07.2021</a:t>
+              <a:t>12.07.2021</a:t>
             </a:fld>
             <a:endParaRPr lang="ru-RU"/>
           </a:p>
@@ -1054,7 +1054,7 @@
             <a:fld id="{85A5DE44-605B-4D3B-B2B7-94543DF81A36}" type="datetimeFigureOut">
               <a:rPr lang="ru-RU" smtClean="0"/>
               <a:pPr/>
-              <a:t>09.07.2021</a:t>
+              <a:t>12.07.2021</a:t>
             </a:fld>
             <a:endParaRPr lang="ru-RU"/>
           </a:p>
@@ -1226,7 +1226,7 @@
             <a:fld id="{85A5DE44-605B-4D3B-B2B7-94543DF81A36}" type="datetimeFigureOut">
               <a:rPr lang="ru-RU" smtClean="0"/>
               <a:pPr/>
-              <a:t>09.07.2021</a:t>
+              <a:t>12.07.2021</a:t>
             </a:fld>
             <a:endParaRPr lang="ru-RU"/>
           </a:p>
@@ -1474,7 +1474,7 @@
             <a:fld id="{85A5DE44-605B-4D3B-B2B7-94543DF81A36}" type="datetimeFigureOut">
               <a:rPr lang="ru-RU" smtClean="0"/>
               <a:pPr/>
-              <a:t>09.07.2021</a:t>
+              <a:t>12.07.2021</a:t>
             </a:fld>
             <a:endParaRPr lang="ru-RU"/>
           </a:p>
@@ -1708,7 +1708,7 @@
             <a:fld id="{85A5DE44-605B-4D3B-B2B7-94543DF81A36}" type="datetimeFigureOut">
               <a:rPr lang="ru-RU" smtClean="0"/>
               <a:pPr/>
-              <a:t>09.07.2021</a:t>
+              <a:t>12.07.2021</a:t>
             </a:fld>
             <a:endParaRPr lang="ru-RU"/>
           </a:p>
@@ -2077,7 +2077,7 @@
             <a:fld id="{85A5DE44-605B-4D3B-B2B7-94543DF81A36}" type="datetimeFigureOut">
               <a:rPr lang="ru-RU" smtClean="0"/>
               <a:pPr/>
-              <a:t>09.07.2021</a:t>
+              <a:t>12.07.2021</a:t>
             </a:fld>
             <a:endParaRPr lang="ru-RU"/>
           </a:p>
@@ -2197,7 +2197,7 @@
             <a:fld id="{85A5DE44-605B-4D3B-B2B7-94543DF81A36}" type="datetimeFigureOut">
               <a:rPr lang="ru-RU" smtClean="0"/>
               <a:pPr/>
-              <a:t>09.07.2021</a:t>
+              <a:t>12.07.2021</a:t>
             </a:fld>
             <a:endParaRPr lang="ru-RU"/>
           </a:p>
@@ -2294,7 +2294,7 @@
             <a:fld id="{85A5DE44-605B-4D3B-B2B7-94543DF81A36}" type="datetimeFigureOut">
               <a:rPr lang="ru-RU" smtClean="0"/>
               <a:pPr/>
-              <a:t>09.07.2021</a:t>
+              <a:t>12.07.2021</a:t>
             </a:fld>
             <a:endParaRPr lang="ru-RU"/>
           </a:p>
@@ -2573,7 +2573,7 @@
             <a:fld id="{85A5DE44-605B-4D3B-B2B7-94543DF81A36}" type="datetimeFigureOut">
               <a:rPr lang="ru-RU" smtClean="0"/>
               <a:pPr/>
-              <a:t>09.07.2021</a:t>
+              <a:t>12.07.2021</a:t>
             </a:fld>
             <a:endParaRPr lang="ru-RU"/>
           </a:p>
@@ -2832,7 +2832,7 @@
             <a:fld id="{85A5DE44-605B-4D3B-B2B7-94543DF81A36}" type="datetimeFigureOut">
               <a:rPr lang="ru-RU" smtClean="0"/>
               <a:pPr/>
-              <a:t>09.07.2021</a:t>
+              <a:t>12.07.2021</a:t>
             </a:fld>
             <a:endParaRPr lang="ru-RU"/>
           </a:p>
@@ -3047,7 +3047,7 @@
             <a:fld id="{85A5DE44-605B-4D3B-B2B7-94543DF81A36}" type="datetimeFigureOut">
               <a:rPr lang="ru-RU" smtClean="0"/>
               <a:pPr/>
-              <a:t>09.07.2021</a:t>
+              <a:t>12.07.2021</a:t>
             </a:fld>
             <a:endParaRPr lang="ru-RU"/>
           </a:p>
@@ -3644,11 +3644,7 @@
             </a:r>
             <a:r>
               <a:rPr lang="ru-RU" sz="1400" dirty="0" smtClean="0"/>
-              <a:t> 1936</a:t>
-            </a:r>
-            <a:r>
-              <a:rPr lang="ru-RU" sz="1400" dirty="0" smtClean="0"/>
-              <a:t>)</a:t>
+              <a:t> 1936)</a:t>
             </a:r>
             <a:endParaRPr lang="ru-RU" sz="300" dirty="0"/>
           </a:p>
@@ -3881,7 +3877,7 @@
         </p:nvSpPr>
         <p:spPr>
           <a:xfrm>
-            <a:off x="44409035" y="20122745"/>
+            <a:off x="44409035" y="20034740"/>
             <a:ext cx="2115918" cy="1080000"/>
           </a:xfrm>
           <a:prstGeom prst="rect">
@@ -6085,11 +6081,7 @@
             </a:r>
             <a:r>
               <a:rPr lang="ru-RU" sz="1400" dirty="0" smtClean="0"/>
-              <a:t>» </a:t>
-            </a:r>
-            <a:r>
-              <a:rPr lang="ru-RU" sz="1400" dirty="0" smtClean="0"/>
-              <a:t>(</a:t>
+              <a:t>» (</a:t>
             </a:r>
             <a:r>
               <a:rPr lang="ru-RU" sz="1400" dirty="0" err="1" smtClean="0"/>
@@ -7507,15 +7499,7 @@
             </a:r>
             <a:r>
               <a:rPr lang="ru-RU" sz="600" dirty="0" smtClean="0"/>
-              <a:t> (конец 1937) (пять касок в </a:t>
-            </a:r>
-            <a:r>
-              <a:rPr lang="ru-RU" sz="600" dirty="0" err="1" smtClean="0"/>
-              <a:t>дивке</a:t>
-            </a:r>
-            <a:r>
-              <a:rPr lang="ru-RU" sz="600" dirty="0" smtClean="0"/>
-              <a:t>)</a:t>
+              <a:t> (конец 1937)</a:t>
             </a:r>
             <a:endParaRPr lang="ru-RU" sz="600" dirty="0"/>
           </a:p>
@@ -8661,23 +8645,11 @@
             <a:pPr algn="ctr"/>
             <a:r>
               <a:rPr lang="ru-RU" sz="1400" dirty="0"/>
-              <a:t>Королевская полиция </a:t>
-            </a:r>
-            <a:r>
-              <a:rPr lang="ru-RU" sz="500" dirty="0"/>
-              <a:t>(RTP часто признается четвертой вооруженной силой Таиланда, поскольку их традиции, концепция, культура, навыки и подготовка относительно похожи на армейские, и большинство их курсантов-офицеров должны закончить академии вооруженных сил. Подготовительная </a:t>
-            </a:r>
-            <a:r>
-              <a:rPr lang="ru-RU" sz="500" dirty="0" err="1"/>
-              <a:t>школаперед</a:t>
-            </a:r>
-            <a:r>
-              <a:rPr lang="ru-RU" sz="500" dirty="0"/>
-              <a:t> поступлением в Кадетскую академию Королевской полиции Таиланда. Офицеры также проходят военизированную подготовку, аналогичную армейской, но с дополнительным упором на правоохранительную деятельность</a:t>
-            </a:r>
-            <a:r>
-              <a:rPr lang="ru-RU" sz="500" dirty="0" smtClean="0"/>
-              <a:t>.)</a:t>
+              <a:t>Королевская </a:t>
+            </a:r>
+            <a:r>
+              <a:rPr lang="ru-RU" sz="1400" dirty="0" smtClean="0"/>
+              <a:t>полиция</a:t>
             </a:r>
             <a:endParaRPr lang="ru-RU" sz="500" dirty="0"/>
           </a:p>
@@ -8758,19 +8730,11 @@
             <a:pPr algn="ctr"/>
             <a:r>
               <a:rPr lang="ru-RU" sz="1400" dirty="0" smtClean="0"/>
-              <a:t>Ставка на силы полиции (, </a:t>
-            </a:r>
-            <a:r>
-              <a:rPr lang="th-TH" sz="1400" dirty="0"/>
-              <a:t>พระรามอินทรา (ดวง จุลัยยานนท์</a:t>
-            </a:r>
-            <a:r>
-              <a:rPr lang="th-TH" sz="1400" dirty="0" smtClean="0"/>
-              <a:t>)</a:t>
+              <a:t>Ставка на силы </a:t>
             </a:r>
             <a:r>
               <a:rPr lang="ru-RU" sz="1400" dirty="0" smtClean="0"/>
-              <a:t>)</a:t>
+              <a:t>полиции</a:t>
             </a:r>
             <a:endParaRPr lang="ru-RU" sz="1400" dirty="0"/>
           </a:p>
@@ -8813,19 +8777,7 @@
             <a:pPr algn="ctr"/>
             <a:r>
               <a:rPr lang="ru-RU" sz="1400" dirty="0" smtClean="0"/>
-              <a:t>Бюро особого отделения (+ разведка) (</a:t>
-            </a:r>
-            <a:r>
-              <a:rPr lang="th-TH" sz="1400" dirty="0"/>
-              <a:t>อดุล อดุลเดช</a:t>
-            </a:r>
-            <a:r>
-              <a:rPr lang="th-TH" sz="1400" dirty="0" smtClean="0"/>
-              <a:t>จรัส</a:t>
-            </a:r>
-            <a:r>
-              <a:rPr lang="ru-RU" sz="1400" dirty="0" smtClean="0"/>
-              <a:t> – действующий глава полиции)</a:t>
+              <a:t>Бюро особого отделения</a:t>
             </a:r>
             <a:endParaRPr lang="ru-RU" sz="1400" dirty="0"/>
           </a:p>
@@ -8867,16 +8819,8 @@
           <a:p>
             <a:pPr algn="ctr"/>
             <a:r>
-              <a:rPr lang="ru-RU" sz="1400" dirty="0"/>
-              <a:t>Политическая полиция </a:t>
-            </a:r>
-            <a:r>
-              <a:rPr lang="ru-RU" sz="800" dirty="0"/>
-              <a:t>(Их продвигали как средство подавления политической оппозиции правительству. также воздействует на разведывательные данные человека или группы, которые представляют собой угрозу национальной безопасности. Иногда критики называют ее «политической </a:t>
-            </a:r>
-            <a:r>
-              <a:rPr lang="ru-RU" sz="800" dirty="0" smtClean="0"/>
-              <a:t>полицией».)</a:t>
+              <a:rPr lang="ru-RU" sz="1400" dirty="0" smtClean="0"/>
+              <a:t>Политическая полиция</a:t>
             </a:r>
             <a:endParaRPr lang="ru-RU" sz="800" dirty="0"/>
           </a:p>
@@ -9639,23 +9583,11 @@
             <a:pPr algn="ctr"/>
             <a:r>
               <a:rPr lang="ru-RU" sz="1400" dirty="0"/>
-              <a:t>Специализированные подразделения бюро </a:t>
-            </a:r>
-            <a:r>
-              <a:rPr lang="ru-RU" sz="600" dirty="0"/>
-              <a:t>(включая железнодорожную, морскую , шоссейную, технологическую полицию, экономическую </a:t>
-            </a:r>
-            <a:r>
-              <a:rPr lang="ru-RU" sz="600" dirty="0" smtClean="0"/>
-              <a:t>полицию, </a:t>
-            </a:r>
-            <a:r>
-              <a:rPr lang="ru-RU" sz="600" dirty="0"/>
-              <a:t>которые используют современное техническое оборудование, правоохранительные методы и обучение</a:t>
-            </a:r>
-            <a:r>
-              <a:rPr lang="ru-RU" sz="600" dirty="0" smtClean="0"/>
-              <a:t>.)</a:t>
+              <a:t>Специализированные подразделения </a:t>
+            </a:r>
+            <a:r>
+              <a:rPr lang="ru-RU" sz="1400" dirty="0" smtClean="0"/>
+              <a:t>бюро</a:t>
             </a:r>
             <a:endParaRPr lang="ru-RU" sz="600" dirty="0"/>
           </a:p>
@@ -10904,14 +10836,14 @@
           <p:cNvPr id="229" name="Прямая со стрелкой 228"/>
           <p:cNvCxnSpPr>
             <a:stCxn id="225" idx="2"/>
-            <a:endCxn id="228" idx="0"/>
-          </p:cNvCxnSpPr>
-          <p:nvPr/>
-        </p:nvCxnSpPr>
-        <p:spPr>
-          <a:xfrm>
-            <a:off x="33034342" y="6901311"/>
-            <a:ext cx="0" cy="3403813"/>
+            <a:endCxn id="593" idx="0"/>
+          </p:cNvCxnSpPr>
+          <p:nvPr/>
+        </p:nvCxnSpPr>
+        <p:spPr>
+          <a:xfrm flipH="1">
+            <a:off x="33030995" y="6901311"/>
+            <a:ext cx="3347" cy="467306"/>
           </a:xfrm>
           <a:prstGeom prst="straightConnector1">
             <a:avLst/>
@@ -13098,7 +13030,7 @@
             <a:pPr algn="ctr"/>
             <a:r>
               <a:rPr lang="ru-RU" sz="3200" dirty="0" smtClean="0"/>
-              <a:t>82 фокуса</a:t>
+              <a:t>83 фокуса</a:t>
             </a:r>
             <a:endParaRPr lang="ru-RU" sz="3200" dirty="0"/>
           </a:p>
@@ -19145,8 +19077,8 @@
         </p:nvCxnSpPr>
         <p:spPr>
           <a:xfrm rot="5400000">
-            <a:off x="44166649" y="20216746"/>
-            <a:ext cx="314346" cy="2286344"/>
+            <a:off x="44122647" y="20172743"/>
+            <a:ext cx="402351" cy="2286344"/>
           </a:xfrm>
           <a:prstGeom prst="bentConnector3">
             <a:avLst>
@@ -19183,8 +19115,8 @@
         </p:nvCxnSpPr>
         <p:spPr>
           <a:xfrm rot="16200000" flipH="1">
-            <a:off x="46450191" y="20219548"/>
-            <a:ext cx="314346" cy="2280740"/>
+            <a:off x="46406189" y="20175545"/>
+            <a:ext cx="402351" cy="2280740"/>
           </a:xfrm>
           <a:prstGeom prst="bentConnector3">
             <a:avLst>
@@ -19568,7 +19500,7 @@
         <p:spPr>
           <a:xfrm>
             <a:off x="45466994" y="19531440"/>
-            <a:ext cx="0" cy="591305"/>
+            <a:ext cx="0" cy="503300"/>
           </a:xfrm>
           <a:prstGeom prst="straightConnector1">
             <a:avLst/>
@@ -19603,8 +19535,8 @@
         </p:nvCxnSpPr>
         <p:spPr>
           <a:xfrm>
-            <a:off x="45466994" y="21202745"/>
-            <a:ext cx="0" cy="314346"/>
+            <a:off x="45466994" y="21114740"/>
+            <a:ext cx="0" cy="402351"/>
           </a:xfrm>
           <a:prstGeom prst="straightConnector1">
             <a:avLst/>
@@ -26717,6 +26649,494 @@
           </a:fontRef>
         </p:style>
       </p:cxnSp>
+      <p:sp>
+        <p:nvSpPr>
+          <p:cNvPr id="593" name="Прямоугольник 592"/>
+          <p:cNvSpPr/>
+          <p:nvPr/>
+        </p:nvSpPr>
+        <p:spPr>
+          <a:xfrm>
+            <a:off x="31973036" y="7368617"/>
+            <a:ext cx="2115918" cy="1080000"/>
+          </a:xfrm>
+          <a:prstGeom prst="rect">
+            <a:avLst/>
+          </a:prstGeom>
+          <a:ln w="28575"/>
+        </p:spPr>
+        <p:style>
+          <a:lnRef idx="2">
+            <a:schemeClr val="accent1"/>
+          </a:lnRef>
+          <a:fillRef idx="1">
+            <a:schemeClr val="lt1"/>
+          </a:fillRef>
+          <a:effectRef idx="0">
+            <a:schemeClr val="accent1"/>
+          </a:effectRef>
+          <a:fontRef idx="minor">
+            <a:schemeClr val="dk1"/>
+          </a:fontRef>
+        </p:style>
+        <p:txBody>
+          <a:bodyPr lIns="124733" tIns="62367" rIns="124733" bIns="62367" rtlCol="0" anchor="ctr"/>
+          <a:lstStyle/>
+          <a:p>
+            <a:pPr algn="ctr"/>
+            <a:r>
+              <a:rPr lang="ru-RU" sz="1400" dirty="0" smtClean="0"/>
+              <a:t>Переобучение артиллерийских офицеров</a:t>
+            </a:r>
+            <a:endParaRPr lang="ru-RU" sz="1400" dirty="0"/>
+          </a:p>
+        </p:txBody>
+      </p:sp>
+      <p:cxnSp>
+        <p:nvCxnSpPr>
+          <p:cNvPr id="597" name="Прямая со стрелкой 596"/>
+          <p:cNvCxnSpPr>
+            <a:stCxn id="593" idx="2"/>
+            <a:endCxn id="228" idx="0"/>
+          </p:cNvCxnSpPr>
+          <p:nvPr/>
+        </p:nvCxnSpPr>
+        <p:spPr>
+          <a:xfrm>
+            <a:off x="33030995" y="8448617"/>
+            <a:ext cx="3347" cy="1856507"/>
+          </a:xfrm>
+          <a:prstGeom prst="straightConnector1">
+            <a:avLst/>
+          </a:prstGeom>
+          <a:ln w="28575">
+            <a:tailEnd type="arrow"/>
+          </a:ln>
+        </p:spPr>
+        <p:style>
+          <a:lnRef idx="1">
+            <a:schemeClr val="accent1"/>
+          </a:lnRef>
+          <a:fillRef idx="0">
+            <a:schemeClr val="accent1"/>
+          </a:fillRef>
+          <a:effectRef idx="0">
+            <a:schemeClr val="accent1"/>
+          </a:effectRef>
+          <a:fontRef idx="minor">
+            <a:schemeClr val="tx1"/>
+          </a:fontRef>
+        </p:style>
+      </p:cxnSp>
+      <p:sp>
+        <p:nvSpPr>
+          <p:cNvPr id="600" name="Прямоугольник 599"/>
+          <p:cNvSpPr/>
+          <p:nvPr/>
+        </p:nvSpPr>
+        <p:spPr>
+          <a:xfrm>
+            <a:off x="57547042" y="18452089"/>
+            <a:ext cx="2115918" cy="1080000"/>
+          </a:xfrm>
+          <a:prstGeom prst="rect">
+            <a:avLst/>
+          </a:prstGeom>
+          <a:solidFill>
+            <a:schemeClr val="bg1">
+              <a:lumMod val="50000"/>
+            </a:schemeClr>
+          </a:solidFill>
+          <a:ln w="28575"/>
+        </p:spPr>
+        <p:style>
+          <a:lnRef idx="2">
+            <a:schemeClr val="accent1"/>
+          </a:lnRef>
+          <a:fillRef idx="1">
+            <a:schemeClr val="lt1"/>
+          </a:fillRef>
+          <a:effectRef idx="0">
+            <a:schemeClr val="accent1"/>
+          </a:effectRef>
+          <a:fontRef idx="minor">
+            <a:schemeClr val="dk1"/>
+          </a:fontRef>
+        </p:style>
+        <p:txBody>
+          <a:bodyPr lIns="124733" tIns="62367" rIns="124733" bIns="62367" rtlCol="0" anchor="ctr"/>
+          <a:lstStyle/>
+          <a:p>
+            <a:pPr algn="ctr"/>
+            <a:r>
+              <a:rPr lang="ru-RU" sz="1400" dirty="0"/>
+              <a:t>Военное правительство </a:t>
+            </a:r>
+            <a:r>
+              <a:rPr lang="ru-RU" sz="1400" dirty="0" err="1" smtClean="0"/>
+              <a:t>Прайи</a:t>
+            </a:r>
+            <a:r>
+              <a:rPr lang="ru-RU" sz="1400" dirty="0" smtClean="0"/>
+              <a:t> </a:t>
+            </a:r>
+            <a:r>
+              <a:rPr lang="ru-RU" sz="1400" dirty="0" err="1" smtClean="0"/>
+              <a:t>Сонгсурадета</a:t>
+            </a:r>
+            <a:endParaRPr lang="ru-RU" sz="1400" dirty="0"/>
+          </a:p>
+        </p:txBody>
+      </p:sp>
+      <p:cxnSp>
+        <p:nvCxnSpPr>
+          <p:cNvPr id="601" name="Прямая соединительная линия 600"/>
+          <p:cNvCxnSpPr>
+            <a:stCxn id="600" idx="1"/>
+            <a:endCxn id="227" idx="3"/>
+          </p:cNvCxnSpPr>
+          <p:nvPr/>
+        </p:nvCxnSpPr>
+        <p:spPr>
+          <a:xfrm flipH="1" flipV="1">
+            <a:off x="46524953" y="18991440"/>
+            <a:ext cx="11022089" cy="649"/>
+          </a:xfrm>
+          <a:prstGeom prst="line">
+            <a:avLst/>
+          </a:prstGeom>
+          <a:ln w="38100">
+            <a:solidFill>
+              <a:srgbClr val="FF0000"/>
+            </a:solidFill>
+          </a:ln>
+        </p:spPr>
+        <p:style>
+          <a:lnRef idx="1">
+            <a:schemeClr val="accent2"/>
+          </a:lnRef>
+          <a:fillRef idx="0">
+            <a:schemeClr val="accent2"/>
+          </a:fillRef>
+          <a:effectRef idx="0">
+            <a:schemeClr val="accent2"/>
+          </a:effectRef>
+          <a:fontRef idx="minor">
+            <a:schemeClr val="tx1"/>
+          </a:fontRef>
+        </p:style>
+      </p:cxnSp>
+      <p:sp>
+        <p:nvSpPr>
+          <p:cNvPr id="602" name="Прямоугольник 601"/>
+          <p:cNvSpPr/>
+          <p:nvPr/>
+        </p:nvSpPr>
+        <p:spPr>
+          <a:xfrm>
+            <a:off x="57547042" y="20052553"/>
+            <a:ext cx="2115918" cy="1080000"/>
+          </a:xfrm>
+          <a:prstGeom prst="rect">
+            <a:avLst/>
+          </a:prstGeom>
+          <a:solidFill>
+            <a:schemeClr val="bg1">
+              <a:lumMod val="50000"/>
+            </a:schemeClr>
+          </a:solidFill>
+          <a:ln w="28575"/>
+        </p:spPr>
+        <p:style>
+          <a:lnRef idx="2">
+            <a:schemeClr val="accent1"/>
+          </a:lnRef>
+          <a:fillRef idx="1">
+            <a:schemeClr val="lt1"/>
+          </a:fillRef>
+          <a:effectRef idx="0">
+            <a:schemeClr val="accent1"/>
+          </a:effectRef>
+          <a:fontRef idx="minor">
+            <a:schemeClr val="dk1"/>
+          </a:fontRef>
+        </p:style>
+        <p:txBody>
+          <a:bodyPr lIns="124733" tIns="62367" rIns="124733" bIns="62367" rtlCol="0" anchor="ctr"/>
+          <a:lstStyle/>
+          <a:p>
+            <a:pPr algn="ctr"/>
+            <a:r>
+              <a:rPr lang="ru-RU" sz="1400" dirty="0" smtClean="0"/>
+              <a:t>Расширение железнодорожных путей</a:t>
+            </a:r>
+            <a:endParaRPr lang="ru-RU" sz="1400" dirty="0"/>
+          </a:p>
+        </p:txBody>
+      </p:sp>
+      <p:sp>
+        <p:nvSpPr>
+          <p:cNvPr id="603" name="Прямоугольник 602"/>
+          <p:cNvSpPr/>
+          <p:nvPr/>
+        </p:nvSpPr>
+        <p:spPr>
+          <a:xfrm>
+            <a:off x="55100621" y="20060384"/>
+            <a:ext cx="2115918" cy="1080000"/>
+          </a:xfrm>
+          <a:prstGeom prst="rect">
+            <a:avLst/>
+          </a:prstGeom>
+          <a:solidFill>
+            <a:schemeClr val="bg1">
+              <a:lumMod val="50000"/>
+            </a:schemeClr>
+          </a:solidFill>
+          <a:ln w="28575"/>
+        </p:spPr>
+        <p:style>
+          <a:lnRef idx="2">
+            <a:schemeClr val="accent1"/>
+          </a:lnRef>
+          <a:fillRef idx="1">
+            <a:schemeClr val="lt1"/>
+          </a:fillRef>
+          <a:effectRef idx="0">
+            <a:schemeClr val="accent1"/>
+          </a:effectRef>
+          <a:fontRef idx="minor">
+            <a:schemeClr val="dk1"/>
+          </a:fontRef>
+        </p:style>
+        <p:txBody>
+          <a:bodyPr lIns="124733" tIns="62367" rIns="124733" bIns="62367" rtlCol="0" anchor="ctr"/>
+          <a:lstStyle/>
+          <a:p>
+            <a:pPr algn="ctr"/>
+            <a:r>
+              <a:rPr lang="ru-RU" sz="1400" dirty="0" smtClean="0"/>
+              <a:t>Проведение </a:t>
+            </a:r>
+            <a:r>
+              <a:rPr lang="ru-RU" sz="1400" dirty="0"/>
+              <a:t>военных реформ (чтобы они были равны цивилизованным странам)</a:t>
+            </a:r>
+          </a:p>
+        </p:txBody>
+      </p:sp>
+      <p:sp>
+        <p:nvSpPr>
+          <p:cNvPr id="604" name="Прямоугольник 603"/>
+          <p:cNvSpPr/>
+          <p:nvPr/>
+        </p:nvSpPr>
+        <p:spPr>
+          <a:xfrm>
+            <a:off x="55100621" y="21463522"/>
+            <a:ext cx="2115918" cy="1080000"/>
+          </a:xfrm>
+          <a:prstGeom prst="rect">
+            <a:avLst/>
+          </a:prstGeom>
+          <a:solidFill>
+            <a:schemeClr val="bg1">
+              <a:lumMod val="50000"/>
+            </a:schemeClr>
+          </a:solidFill>
+          <a:ln w="28575"/>
+        </p:spPr>
+        <p:style>
+          <a:lnRef idx="2">
+            <a:schemeClr val="accent1"/>
+          </a:lnRef>
+          <a:fillRef idx="1">
+            <a:schemeClr val="lt1"/>
+          </a:fillRef>
+          <a:effectRef idx="0">
+            <a:schemeClr val="accent1"/>
+          </a:effectRef>
+          <a:fontRef idx="minor">
+            <a:schemeClr val="dk1"/>
+          </a:fontRef>
+        </p:style>
+        <p:txBody>
+          <a:bodyPr lIns="124733" tIns="62367" rIns="124733" bIns="62367" rtlCol="0" anchor="ctr"/>
+          <a:lstStyle/>
+          <a:p>
+            <a:pPr algn="ctr"/>
+            <a:r>
+              <a:rPr lang="ru-RU" sz="1400" dirty="0" smtClean="0"/>
+              <a:t>Новые военные школы</a:t>
+            </a:r>
+            <a:endParaRPr lang="ru-RU" sz="1400" dirty="0"/>
+          </a:p>
+        </p:txBody>
+      </p:sp>
+      <p:sp>
+        <p:nvSpPr>
+          <p:cNvPr id="606" name="Прямоугольник 605"/>
+          <p:cNvSpPr/>
+          <p:nvPr/>
+        </p:nvSpPr>
+        <p:spPr>
+          <a:xfrm>
+            <a:off x="52642169" y="21463522"/>
+            <a:ext cx="2115918" cy="1080000"/>
+          </a:xfrm>
+          <a:prstGeom prst="rect">
+            <a:avLst/>
+          </a:prstGeom>
+          <a:solidFill>
+            <a:schemeClr val="bg1">
+              <a:lumMod val="50000"/>
+            </a:schemeClr>
+          </a:solidFill>
+          <a:ln w="28575"/>
+        </p:spPr>
+        <p:style>
+          <a:lnRef idx="2">
+            <a:schemeClr val="accent1"/>
+          </a:lnRef>
+          <a:fillRef idx="1">
+            <a:schemeClr val="lt1"/>
+          </a:fillRef>
+          <a:effectRef idx="0">
+            <a:schemeClr val="accent1"/>
+          </a:effectRef>
+          <a:fontRef idx="minor">
+            <a:schemeClr val="dk1"/>
+          </a:fontRef>
+        </p:style>
+        <p:txBody>
+          <a:bodyPr lIns="124733" tIns="62367" rIns="124733" bIns="62367" rtlCol="0" anchor="ctr"/>
+          <a:lstStyle/>
+          <a:p>
+            <a:pPr algn="ctr"/>
+            <a:r>
+              <a:rPr lang="ru-RU" sz="1400" dirty="0" smtClean="0"/>
+              <a:t>Развитие тайской бронетехники</a:t>
+            </a:r>
+            <a:endParaRPr lang="ru-RU" sz="1400" dirty="0"/>
+          </a:p>
+        </p:txBody>
+      </p:sp>
+      <p:sp>
+        <p:nvSpPr>
+          <p:cNvPr id="607" name="Прямоугольник 606"/>
+          <p:cNvSpPr/>
+          <p:nvPr/>
+        </p:nvSpPr>
+        <p:spPr>
+          <a:xfrm>
+            <a:off x="53929550" y="24300945"/>
+            <a:ext cx="2115918" cy="1080000"/>
+          </a:xfrm>
+          <a:prstGeom prst="rect">
+            <a:avLst/>
+          </a:prstGeom>
+          <a:solidFill>
+            <a:schemeClr val="bg1">
+              <a:lumMod val="50000"/>
+            </a:schemeClr>
+          </a:solidFill>
+          <a:ln w="28575"/>
+        </p:spPr>
+        <p:style>
+          <a:lnRef idx="2">
+            <a:schemeClr val="accent1"/>
+          </a:lnRef>
+          <a:fillRef idx="1">
+            <a:schemeClr val="lt1"/>
+          </a:fillRef>
+          <a:effectRef idx="0">
+            <a:schemeClr val="accent1"/>
+          </a:effectRef>
+          <a:fontRef idx="minor">
+            <a:schemeClr val="dk1"/>
+          </a:fontRef>
+        </p:style>
+        <p:txBody>
+          <a:bodyPr lIns="124733" tIns="62367" rIns="124733" bIns="62367" rtlCol="0" anchor="ctr"/>
+          <a:lstStyle/>
+          <a:p>
+            <a:pPr algn="ctr"/>
+            <a:r>
+              <a:rPr lang="ru-RU" sz="1400" dirty="0" smtClean="0"/>
+              <a:t>Профессиональная </a:t>
+            </a:r>
+            <a:r>
+              <a:rPr lang="ru-RU" sz="1400" dirty="0"/>
+              <a:t>армия </a:t>
+            </a:r>
+            <a:r>
+              <a:rPr lang="ru-RU" sz="900" dirty="0"/>
+              <a:t>(сокращение многих частей бюджета в армии, уменьшение размера армии до меньшего размера без военного присутствия</a:t>
+            </a:r>
+            <a:r>
+              <a:rPr lang="ru-RU" sz="900" dirty="0" smtClean="0"/>
+              <a:t>.)</a:t>
+            </a:r>
+            <a:endParaRPr lang="ru-RU" sz="900" dirty="0"/>
+          </a:p>
+        </p:txBody>
+      </p:sp>
+      <p:sp>
+        <p:nvSpPr>
+          <p:cNvPr id="609" name="Прямоугольник 608"/>
+          <p:cNvSpPr/>
+          <p:nvPr/>
+        </p:nvSpPr>
+        <p:spPr>
+          <a:xfrm>
+            <a:off x="55100621" y="22892246"/>
+            <a:ext cx="2115918" cy="1080000"/>
+          </a:xfrm>
+          <a:prstGeom prst="rect">
+            <a:avLst/>
+          </a:prstGeom>
+          <a:solidFill>
+            <a:schemeClr val="bg1">
+              <a:lumMod val="50000"/>
+            </a:schemeClr>
+          </a:solidFill>
+          <a:ln w="28575"/>
+        </p:spPr>
+        <p:style>
+          <a:lnRef idx="2">
+            <a:schemeClr val="accent1"/>
+          </a:lnRef>
+          <a:fillRef idx="1">
+            <a:schemeClr val="lt1"/>
+          </a:fillRef>
+          <a:effectRef idx="0">
+            <a:schemeClr val="accent1"/>
+          </a:effectRef>
+          <a:fontRef idx="minor">
+            <a:schemeClr val="dk1"/>
+          </a:fontRef>
+        </p:style>
+        <p:txBody>
+          <a:bodyPr lIns="124733" tIns="62367" rIns="124733" bIns="62367" rtlCol="0" anchor="ctr"/>
+          <a:lstStyle/>
+          <a:p>
+            <a:pPr algn="ctr"/>
+            <a:r>
+              <a:rPr lang="ru-RU" sz="1400" dirty="0" smtClean="0"/>
+              <a:t>Боевая школа </a:t>
+            </a:r>
+            <a:r>
+              <a:rPr lang="ru-RU" sz="1400" dirty="0" err="1" smtClean="0"/>
+              <a:t>Чангмая</a:t>
+            </a:r>
+            <a:r>
+              <a:rPr lang="ru-RU" sz="1400" dirty="0" smtClean="0"/>
+              <a:t> (там обучались элитные солдаты)</a:t>
+            </a:r>
+            <a:endParaRPr lang="ru-RU" sz="1400" dirty="0"/>
+          </a:p>
+        </p:txBody>
+      </p:sp>
     </p:spTree>
     <p:extLst>
       <p:ext uri="{BB962C8B-B14F-4D97-AF65-F5344CB8AC3E}">

--- a/Наработки/диздоки/Сиам/Сиам.pptx
+++ b/Наработки/диздоки/Сиам/Сиам.pptx
@@ -8730,11 +8730,7 @@
             <a:pPr algn="ctr"/>
             <a:r>
               <a:rPr lang="ru-RU" sz="1400" dirty="0" smtClean="0"/>
-              <a:t>Ставка на силы </a:t>
-            </a:r>
-            <a:r>
-              <a:rPr lang="ru-RU" sz="1400" dirty="0" smtClean="0"/>
-              <a:t>полиции</a:t>
+              <a:t>Ставка на силы полиции</a:t>
             </a:r>
             <a:endParaRPr lang="ru-RU" sz="1400" dirty="0"/>
           </a:p>
@@ -8944,11 +8940,11 @@
             <a:pPr algn="ctr"/>
             <a:r>
               <a:rPr lang="ru-RU" sz="1400" dirty="0" smtClean="0"/>
-              <a:t>Пограничная полиция </a:t>
-            </a:r>
-            <a:r>
-              <a:rPr lang="ru-RU" sz="900" dirty="0" smtClean="0"/>
-              <a:t>(это тайская военизированная полиция, находящаяся под юрисдикцией Королевской полиции Таиланда , отвечающая за безопасность границ и борьбу с повстанцами.)</a:t>
+              <a:t>Пограничная </a:t>
+            </a:r>
+            <a:r>
+              <a:rPr lang="ru-RU" sz="1400" dirty="0" smtClean="0"/>
+              <a:t>полиция</a:t>
             </a:r>
             <a:endParaRPr lang="ru-RU" sz="900" dirty="0"/>
           </a:p>
@@ -9392,155 +9388,7 @@
             </a:r>
             <a:r>
               <a:rPr lang="ru-RU" sz="1400" dirty="0" smtClean="0"/>
-              <a:t>спокойствия </a:t>
-            </a:r>
-            <a:r>
-              <a:rPr lang="ru-RU" sz="300" dirty="0" smtClean="0"/>
-              <a:t>(+поддержка войны и </a:t>
-            </a:r>
-            <a:r>
-              <a:rPr lang="ru-RU" sz="300" dirty="0" err="1" smtClean="0"/>
-              <a:t>стаба</a:t>
-            </a:r>
-            <a:r>
-              <a:rPr lang="ru-RU" sz="300" dirty="0"/>
-              <a:t>) </a:t>
-            </a:r>
-            <a:r>
-              <a:rPr lang="ru-RU" sz="200" dirty="0"/>
-              <a:t>(От его первого куплета, также называемого «Маршем королевской полиции Таиланда» ( тайский : </a:t>
-            </a:r>
-            <a:r>
-              <a:rPr lang="en-US" sz="200" dirty="0"/>
-              <a:t>Thai Police March ; RTGS : Mat </a:t>
-            </a:r>
-            <a:r>
-              <a:rPr lang="en-US" sz="200" dirty="0" err="1"/>
-              <a:t>Tamruat</a:t>
-            </a:r>
-            <a:r>
-              <a:rPr lang="en-US" sz="200" dirty="0"/>
-              <a:t> Thai ) </a:t>
-            </a:r>
-            <a:r>
-              <a:rPr lang="ru-RU" sz="200" dirty="0"/>
-              <a:t>или просто «</a:t>
-            </a:r>
-            <a:r>
-              <a:rPr lang="en-US" sz="200" dirty="0"/>
-              <a:t>Police March» ( </a:t>
-            </a:r>
-            <a:r>
-              <a:rPr lang="ru-RU" sz="200" dirty="0"/>
-              <a:t>тайский : </a:t>
-            </a:r>
-            <a:r>
-              <a:rPr lang="en-US" sz="200" dirty="0"/>
-              <a:t>Police March ;RTGS : Mat </a:t>
-            </a:r>
-            <a:r>
-              <a:rPr lang="en-US" sz="200" dirty="0" err="1"/>
-              <a:t>Tamruat</a:t>
-            </a:r>
-            <a:r>
-              <a:rPr lang="en-US" sz="200" dirty="0"/>
-              <a:t> ) - </a:t>
-            </a:r>
-            <a:r>
-              <a:rPr lang="ru-RU" sz="200" dirty="0"/>
-              <a:t>известная тайская патриотическая песня и марш Королевской полиции Таиланда . Музыка была написана </a:t>
-            </a:r>
-            <a:r>
-              <a:rPr lang="ru-RU" sz="200" dirty="0" err="1"/>
-              <a:t>Натом</a:t>
-            </a:r>
-            <a:r>
-              <a:rPr lang="ru-RU" sz="200" dirty="0"/>
-              <a:t> </a:t>
-            </a:r>
-            <a:r>
-              <a:rPr lang="ru-RU" sz="200" dirty="0" err="1"/>
-              <a:t>Тхаварабутом</a:t>
-            </a:r>
-            <a:r>
-              <a:rPr lang="ru-RU" sz="200" dirty="0"/>
-              <a:t> ( </a:t>
-            </a:r>
-            <a:r>
-              <a:rPr lang="ru-RU" sz="200" dirty="0" err="1"/>
-              <a:t>Нарат</a:t>
-            </a:r>
-            <a:r>
-              <a:rPr lang="ru-RU" sz="200" dirty="0"/>
-              <a:t> </a:t>
-            </a:r>
-            <a:r>
-              <a:rPr lang="ru-RU" sz="200" dirty="0" err="1"/>
-              <a:t>Тхаварабут</a:t>
-            </a:r>
-            <a:r>
-              <a:rPr lang="ru-RU" sz="200" dirty="0"/>
-              <a:t> ), а слова - </a:t>
-            </a:r>
-            <a:r>
-              <a:rPr lang="ru-RU" sz="200" dirty="0" err="1"/>
-              <a:t>Каео</a:t>
-            </a:r>
-            <a:r>
-              <a:rPr lang="ru-RU" sz="200" dirty="0"/>
-              <a:t> </a:t>
-            </a:r>
-            <a:r>
-              <a:rPr lang="ru-RU" sz="200" dirty="0" err="1"/>
-              <a:t>Атчариякуном</a:t>
-            </a:r>
-            <a:r>
-              <a:rPr lang="ru-RU" sz="200" dirty="0"/>
-              <a:t> (</a:t>
-            </a:r>
-            <a:r>
-              <a:rPr lang="en-US" sz="200" dirty="0" err="1"/>
-              <a:t>Kaew</a:t>
-            </a:r>
-            <a:r>
-              <a:rPr lang="en-US" sz="200" dirty="0"/>
-              <a:t> </a:t>
-            </a:r>
-            <a:r>
-              <a:rPr lang="en-US" sz="200" dirty="0" err="1"/>
-              <a:t>Atchariyakul</a:t>
-            </a:r>
-            <a:r>
-              <a:rPr lang="en-US" sz="200" dirty="0"/>
-              <a:t>), </a:t>
-            </a:r>
-            <a:r>
-              <a:rPr lang="ru-RU" sz="200" dirty="0"/>
-              <a:t>оба из правительственной музыкальной группы. сеть </a:t>
-            </a:r>
-            <a:r>
-              <a:rPr lang="ru-RU" sz="200" dirty="0" err="1"/>
-              <a:t>Сунтарафон</a:t>
-            </a:r>
-            <a:r>
-              <a:rPr lang="ru-RU" sz="200" dirty="0"/>
-              <a:t> (</a:t>
-            </a:r>
-            <a:r>
-              <a:rPr lang="en-US" sz="200" dirty="0" err="1"/>
-              <a:t>Soontranu</a:t>
-            </a:r>
-            <a:r>
-              <a:rPr lang="en-US" sz="200" dirty="0"/>
-              <a:t> Porn</a:t>
-            </a:r>
-            <a:r>
-              <a:rPr lang="en-US" sz="200" dirty="0" smtClean="0"/>
-              <a:t>)</a:t>
-            </a:r>
-            <a:r>
-              <a:rPr lang="ru-RU" sz="200" dirty="0" smtClean="0"/>
-              <a:t>)</a:t>
+              <a:t>спокойствия</a:t>
             </a:r>
             <a:endParaRPr lang="ru-RU" sz="200" dirty="0"/>
           </a:p>
@@ -9668,7 +9516,11 @@
             <a:pPr algn="ctr"/>
             <a:r>
               <a:rPr lang="ru-RU" sz="1400" dirty="0" smtClean="0"/>
-              <a:t>Создание подразделений рейнджеров (Лесная полиция) </a:t>
+              <a:t>Создание подразделений </a:t>
+            </a:r>
+            <a:r>
+              <a:rPr lang="ru-RU" sz="1400" dirty="0" smtClean="0"/>
+              <a:t>рейнджеров</a:t>
             </a:r>
             <a:endParaRPr lang="ru-RU" sz="1400" dirty="0"/>
           </a:p>

--- a/Наработки/диздоки/Сиам/Сиам.pptx
+++ b/Наработки/диздоки/Сиам/Сиам.pptx
@@ -209,7 +209,7 @@
             <a:fld id="{33E3D7F9-E251-484C-A6FF-FA958879DF69}" type="datetimeFigureOut">
               <a:rPr lang="ru-RU" smtClean="0"/>
               <a:pPr/>
-              <a:t>12.07.2021</a:t>
+              <a:t>02.08.2021</a:t>
             </a:fld>
             <a:endParaRPr lang="ru-RU"/>
           </a:p>
@@ -700,7 +700,7 @@
             <a:fld id="{85A5DE44-605B-4D3B-B2B7-94543DF81A36}" type="datetimeFigureOut">
               <a:rPr lang="ru-RU" smtClean="0"/>
               <a:pPr/>
-              <a:t>12.07.2021</a:t>
+              <a:t>02.08.2021</a:t>
             </a:fld>
             <a:endParaRPr lang="ru-RU"/>
           </a:p>
@@ -872,7 +872,7 @@
             <a:fld id="{85A5DE44-605B-4D3B-B2B7-94543DF81A36}" type="datetimeFigureOut">
               <a:rPr lang="ru-RU" smtClean="0"/>
               <a:pPr/>
-              <a:t>12.07.2021</a:t>
+              <a:t>02.08.2021</a:t>
             </a:fld>
             <a:endParaRPr lang="ru-RU"/>
           </a:p>
@@ -1054,7 +1054,7 @@
             <a:fld id="{85A5DE44-605B-4D3B-B2B7-94543DF81A36}" type="datetimeFigureOut">
               <a:rPr lang="ru-RU" smtClean="0"/>
               <a:pPr/>
-              <a:t>12.07.2021</a:t>
+              <a:t>02.08.2021</a:t>
             </a:fld>
             <a:endParaRPr lang="ru-RU"/>
           </a:p>
@@ -1226,7 +1226,7 @@
             <a:fld id="{85A5DE44-605B-4D3B-B2B7-94543DF81A36}" type="datetimeFigureOut">
               <a:rPr lang="ru-RU" smtClean="0"/>
               <a:pPr/>
-              <a:t>12.07.2021</a:t>
+              <a:t>02.08.2021</a:t>
             </a:fld>
             <a:endParaRPr lang="ru-RU"/>
           </a:p>
@@ -1474,7 +1474,7 @@
             <a:fld id="{85A5DE44-605B-4D3B-B2B7-94543DF81A36}" type="datetimeFigureOut">
               <a:rPr lang="ru-RU" smtClean="0"/>
               <a:pPr/>
-              <a:t>12.07.2021</a:t>
+              <a:t>02.08.2021</a:t>
             </a:fld>
             <a:endParaRPr lang="ru-RU"/>
           </a:p>
@@ -1708,7 +1708,7 @@
             <a:fld id="{85A5DE44-605B-4D3B-B2B7-94543DF81A36}" type="datetimeFigureOut">
               <a:rPr lang="ru-RU" smtClean="0"/>
               <a:pPr/>
-              <a:t>12.07.2021</a:t>
+              <a:t>02.08.2021</a:t>
             </a:fld>
             <a:endParaRPr lang="ru-RU"/>
           </a:p>
@@ -2077,7 +2077,7 @@
             <a:fld id="{85A5DE44-605B-4D3B-B2B7-94543DF81A36}" type="datetimeFigureOut">
               <a:rPr lang="ru-RU" smtClean="0"/>
               <a:pPr/>
-              <a:t>12.07.2021</a:t>
+              <a:t>02.08.2021</a:t>
             </a:fld>
             <a:endParaRPr lang="ru-RU"/>
           </a:p>
@@ -2197,7 +2197,7 @@
             <a:fld id="{85A5DE44-605B-4D3B-B2B7-94543DF81A36}" type="datetimeFigureOut">
               <a:rPr lang="ru-RU" smtClean="0"/>
               <a:pPr/>
-              <a:t>12.07.2021</a:t>
+              <a:t>02.08.2021</a:t>
             </a:fld>
             <a:endParaRPr lang="ru-RU"/>
           </a:p>
@@ -2294,7 +2294,7 @@
             <a:fld id="{85A5DE44-605B-4D3B-B2B7-94543DF81A36}" type="datetimeFigureOut">
               <a:rPr lang="ru-RU" smtClean="0"/>
               <a:pPr/>
-              <a:t>12.07.2021</a:t>
+              <a:t>02.08.2021</a:t>
             </a:fld>
             <a:endParaRPr lang="ru-RU"/>
           </a:p>
@@ -2573,7 +2573,7 @@
             <a:fld id="{85A5DE44-605B-4D3B-B2B7-94543DF81A36}" type="datetimeFigureOut">
               <a:rPr lang="ru-RU" smtClean="0"/>
               <a:pPr/>
-              <a:t>12.07.2021</a:t>
+              <a:t>02.08.2021</a:t>
             </a:fld>
             <a:endParaRPr lang="ru-RU"/>
           </a:p>
@@ -2832,7 +2832,7 @@
             <a:fld id="{85A5DE44-605B-4D3B-B2B7-94543DF81A36}" type="datetimeFigureOut">
               <a:rPr lang="ru-RU" smtClean="0"/>
               <a:pPr/>
-              <a:t>12.07.2021</a:t>
+              <a:t>02.08.2021</a:t>
             </a:fld>
             <a:endParaRPr lang="ru-RU"/>
           </a:p>
@@ -3047,7 +3047,7 @@
             <a:fld id="{85A5DE44-605B-4D3B-B2B7-94543DF81A36}" type="datetimeFigureOut">
               <a:rPr lang="ru-RU" smtClean="0"/>
               <a:pPr/>
-              <a:t>12.07.2021</a:t>
+              <a:t>02.08.2021</a:t>
             </a:fld>
             <a:endParaRPr lang="ru-RU"/>
           </a:p>
@@ -8940,11 +8940,7 @@
             <a:pPr algn="ctr"/>
             <a:r>
               <a:rPr lang="ru-RU" sz="1400" dirty="0" smtClean="0"/>
-              <a:t>Пограничная </a:t>
-            </a:r>
-            <a:r>
-              <a:rPr lang="ru-RU" sz="1400" dirty="0" smtClean="0"/>
-              <a:t>полиция</a:t>
+              <a:t>Пограничная полиция</a:t>
             </a:r>
             <a:endParaRPr lang="ru-RU" sz="900" dirty="0"/>
           </a:p>
@@ -9516,11 +9512,7 @@
             <a:pPr algn="ctr"/>
             <a:r>
               <a:rPr lang="ru-RU" sz="1400" dirty="0" smtClean="0"/>
-              <a:t>Создание подразделений </a:t>
-            </a:r>
-            <a:r>
-              <a:rPr lang="ru-RU" sz="1400" dirty="0" smtClean="0"/>
-              <a:t>рейнджеров</a:t>
+              <a:t>Создание подразделений рейнджеров</a:t>
             </a:r>
             <a:endParaRPr lang="ru-RU" sz="1400" dirty="0"/>
           </a:p>
@@ -10465,7 +10457,7 @@
         </p:nvSpPr>
         <p:spPr>
           <a:xfrm>
-            <a:off x="29633598" y="5821311"/>
+            <a:off x="29652648" y="5821311"/>
             <a:ext cx="2115918" cy="1080000"/>
           </a:xfrm>
           <a:prstGeom prst="rect">
@@ -10512,7 +10504,7 @@
         <p:spPr>
           <a:xfrm>
             <a:off x="29406731" y="6361311"/>
-            <a:ext cx="226867" cy="0"/>
+            <a:ext cx="245917" cy="0"/>
           </a:xfrm>
           <a:prstGeom prst="line">
             <a:avLst/>
@@ -10844,8 +10836,8 @@
         </p:nvCxnSpPr>
         <p:spPr>
           <a:xfrm rot="16200000" flipH="1">
-            <a:off x="29946312" y="5076066"/>
-            <a:ext cx="318372" cy="1172118"/>
+            <a:off x="29955837" y="5066541"/>
+            <a:ext cx="318372" cy="1191168"/>
           </a:xfrm>
           <a:prstGeom prst="bentConnector3">
             <a:avLst>
@@ -10960,8 +10952,8 @@
         </p:nvCxnSpPr>
         <p:spPr>
           <a:xfrm rot="5400000">
-            <a:off x="28091115" y="4785745"/>
-            <a:ext cx="484876" cy="4716009"/>
+            <a:off x="28100640" y="4776220"/>
+            <a:ext cx="484876" cy="4735059"/>
           </a:xfrm>
           <a:prstGeom prst="bentConnector3">
             <a:avLst>
@@ -10999,8 +10991,8 @@
         </p:nvCxnSpPr>
         <p:spPr>
           <a:xfrm rot="5400000">
-            <a:off x="29275738" y="5970368"/>
-            <a:ext cx="484876" cy="2346762"/>
+            <a:off x="29285263" y="5960843"/>
+            <a:ext cx="484876" cy="2365812"/>
           </a:xfrm>
           <a:prstGeom prst="bentConnector3">
             <a:avLst>
@@ -11077,8 +11069,8 @@
         </p:nvCxnSpPr>
         <p:spPr>
           <a:xfrm rot="16200000" flipH="1">
-            <a:off x="30460361" y="7132506"/>
-            <a:ext cx="484876" cy="22485"/>
+            <a:off x="30469886" y="7142031"/>
+            <a:ext cx="484876" cy="3435"/>
           </a:xfrm>
           <a:prstGeom prst="bentConnector3">
             <a:avLst>
@@ -11340,15 +11332,11 @@
             <a:pPr algn="ctr"/>
             <a:r>
               <a:rPr lang="ru-RU" sz="1400" dirty="0"/>
-              <a:t>Студенты территориальной обороны </a:t>
-            </a:r>
-            <a:r>
-              <a:rPr lang="ru-RU" sz="600" dirty="0"/>
-              <a:t>(это военная молодежная организация в Таиланде, находящаяся под контролем Королевской армии Таиланда , а недавно - Королевского военно-морского флота Таиланда и Королевских ВВС Таиланда </a:t>
-            </a:r>
-            <a:r>
-              <a:rPr lang="ru-RU" sz="600" dirty="0" smtClean="0"/>
-              <a:t>.)</a:t>
+              <a:t>Студенты территориальной </a:t>
+            </a:r>
+            <a:r>
+              <a:rPr lang="ru-RU" sz="1400" dirty="0" smtClean="0"/>
+              <a:t>обороны</a:t>
             </a:r>
             <a:endParaRPr lang="ru-RU" sz="600" dirty="0"/>
           </a:p>
@@ -26588,7 +26576,7 @@
         </p:nvSpPr>
         <p:spPr>
           <a:xfrm>
-            <a:off x="57547042" y="18452089"/>
+            <a:off x="-7175906" y="18452089"/>
             <a:ext cx="2115918" cy="1080000"/>
           </a:xfrm>
           <a:prstGeom prst="rect">
@@ -26644,15 +26632,15 @@
         <p:nvCxnSpPr>
           <p:cNvPr id="601" name="Прямая соединительная линия 600"/>
           <p:cNvCxnSpPr>
-            <a:stCxn id="600" idx="1"/>
-            <a:endCxn id="227" idx="3"/>
-          </p:cNvCxnSpPr>
-          <p:nvPr/>
-        </p:nvCxnSpPr>
-        <p:spPr>
-          <a:xfrm flipH="1" flipV="1">
-            <a:off x="46524953" y="18991440"/>
-            <a:ext cx="11022089" cy="649"/>
+            <a:stCxn id="600" idx="3"/>
+            <a:endCxn id="478" idx="1"/>
+          </p:cNvCxnSpPr>
+          <p:nvPr/>
+        </p:nvCxnSpPr>
+        <p:spPr>
+          <a:xfrm flipV="1">
+            <a:off x="-5059988" y="18985162"/>
+            <a:ext cx="11218983" cy="6927"/>
           </a:xfrm>
           <a:prstGeom prst="line">
             <a:avLst/>
@@ -26686,7 +26674,7 @@
         </p:nvSpPr>
         <p:spPr>
           <a:xfrm>
-            <a:off x="57547042" y="20052553"/>
+            <a:off x="-7175906" y="20052553"/>
             <a:ext cx="2115918" cy="1080000"/>
           </a:xfrm>
           <a:prstGeom prst="rect">
@@ -26734,7 +26722,7 @@
         </p:nvSpPr>
         <p:spPr>
           <a:xfrm>
-            <a:off x="55100621" y="20060384"/>
+            <a:off x="-9622327" y="20060384"/>
             <a:ext cx="2115918" cy="1080000"/>
           </a:xfrm>
           <a:prstGeom prst="rect">
@@ -26785,7 +26773,7 @@
         </p:nvSpPr>
         <p:spPr>
           <a:xfrm>
-            <a:off x="55100621" y="21463522"/>
+            <a:off x="-9622327" y="21463522"/>
             <a:ext cx="2115918" cy="1080000"/>
           </a:xfrm>
           <a:prstGeom prst="rect">
@@ -26833,7 +26821,7 @@
         </p:nvSpPr>
         <p:spPr>
           <a:xfrm>
-            <a:off x="52642169" y="21463522"/>
+            <a:off x="-12080779" y="21463522"/>
             <a:ext cx="2115918" cy="1080000"/>
           </a:xfrm>
           <a:prstGeom prst="rect">
@@ -26881,7 +26869,7 @@
         </p:nvSpPr>
         <p:spPr>
           <a:xfrm>
-            <a:off x="53929550" y="24300945"/>
+            <a:off x="-10793398" y="24300945"/>
             <a:ext cx="2115918" cy="1080000"/>
           </a:xfrm>
           <a:prstGeom prst="rect">
@@ -26941,7 +26929,7 @@
         </p:nvSpPr>
         <p:spPr>
           <a:xfrm>
-            <a:off x="55100621" y="22892246"/>
+            <a:off x="-9622327" y="22892246"/>
             <a:ext cx="2115918" cy="1080000"/>
           </a:xfrm>
           <a:prstGeom prst="rect">

--- a/Наработки/диздоки/Сиам/Сиам.pptx
+++ b/Наработки/диздоки/Сиам/Сиам.pptx
@@ -209,7 +209,7 @@
             <a:fld id="{33E3D7F9-E251-484C-A6FF-FA958879DF69}" type="datetimeFigureOut">
               <a:rPr lang="ru-RU" smtClean="0"/>
               <a:pPr/>
-              <a:t>02.08.2021</a:t>
+              <a:t>03.08.2021</a:t>
             </a:fld>
             <a:endParaRPr lang="ru-RU"/>
           </a:p>
@@ -700,7 +700,7 @@
             <a:fld id="{85A5DE44-605B-4D3B-B2B7-94543DF81A36}" type="datetimeFigureOut">
               <a:rPr lang="ru-RU" smtClean="0"/>
               <a:pPr/>
-              <a:t>02.08.2021</a:t>
+              <a:t>03.08.2021</a:t>
             </a:fld>
             <a:endParaRPr lang="ru-RU"/>
           </a:p>
@@ -872,7 +872,7 @@
             <a:fld id="{85A5DE44-605B-4D3B-B2B7-94543DF81A36}" type="datetimeFigureOut">
               <a:rPr lang="ru-RU" smtClean="0"/>
               <a:pPr/>
-              <a:t>02.08.2021</a:t>
+              <a:t>03.08.2021</a:t>
             </a:fld>
             <a:endParaRPr lang="ru-RU"/>
           </a:p>
@@ -1054,7 +1054,7 @@
             <a:fld id="{85A5DE44-605B-4D3B-B2B7-94543DF81A36}" type="datetimeFigureOut">
               <a:rPr lang="ru-RU" smtClean="0"/>
               <a:pPr/>
-              <a:t>02.08.2021</a:t>
+              <a:t>03.08.2021</a:t>
             </a:fld>
             <a:endParaRPr lang="ru-RU"/>
           </a:p>
@@ -1226,7 +1226,7 @@
             <a:fld id="{85A5DE44-605B-4D3B-B2B7-94543DF81A36}" type="datetimeFigureOut">
               <a:rPr lang="ru-RU" smtClean="0"/>
               <a:pPr/>
-              <a:t>02.08.2021</a:t>
+              <a:t>03.08.2021</a:t>
             </a:fld>
             <a:endParaRPr lang="ru-RU"/>
           </a:p>
@@ -1474,7 +1474,7 @@
             <a:fld id="{85A5DE44-605B-4D3B-B2B7-94543DF81A36}" type="datetimeFigureOut">
               <a:rPr lang="ru-RU" smtClean="0"/>
               <a:pPr/>
-              <a:t>02.08.2021</a:t>
+              <a:t>03.08.2021</a:t>
             </a:fld>
             <a:endParaRPr lang="ru-RU"/>
           </a:p>
@@ -1708,7 +1708,7 @@
             <a:fld id="{85A5DE44-605B-4D3B-B2B7-94543DF81A36}" type="datetimeFigureOut">
               <a:rPr lang="ru-RU" smtClean="0"/>
               <a:pPr/>
-              <a:t>02.08.2021</a:t>
+              <a:t>03.08.2021</a:t>
             </a:fld>
             <a:endParaRPr lang="ru-RU"/>
           </a:p>
@@ -2077,7 +2077,7 @@
             <a:fld id="{85A5DE44-605B-4D3B-B2B7-94543DF81A36}" type="datetimeFigureOut">
               <a:rPr lang="ru-RU" smtClean="0"/>
               <a:pPr/>
-              <a:t>02.08.2021</a:t>
+              <a:t>03.08.2021</a:t>
             </a:fld>
             <a:endParaRPr lang="ru-RU"/>
           </a:p>
@@ -2197,7 +2197,7 @@
             <a:fld id="{85A5DE44-605B-4D3B-B2B7-94543DF81A36}" type="datetimeFigureOut">
               <a:rPr lang="ru-RU" smtClean="0"/>
               <a:pPr/>
-              <a:t>02.08.2021</a:t>
+              <a:t>03.08.2021</a:t>
             </a:fld>
             <a:endParaRPr lang="ru-RU"/>
           </a:p>
@@ -2294,7 +2294,7 @@
             <a:fld id="{85A5DE44-605B-4D3B-B2B7-94543DF81A36}" type="datetimeFigureOut">
               <a:rPr lang="ru-RU" smtClean="0"/>
               <a:pPr/>
-              <a:t>02.08.2021</a:t>
+              <a:t>03.08.2021</a:t>
             </a:fld>
             <a:endParaRPr lang="ru-RU"/>
           </a:p>
@@ -2573,7 +2573,7 @@
             <a:fld id="{85A5DE44-605B-4D3B-B2B7-94543DF81A36}" type="datetimeFigureOut">
               <a:rPr lang="ru-RU" smtClean="0"/>
               <a:pPr/>
-              <a:t>02.08.2021</a:t>
+              <a:t>03.08.2021</a:t>
             </a:fld>
             <a:endParaRPr lang="ru-RU"/>
           </a:p>
@@ -2832,7 +2832,7 @@
             <a:fld id="{85A5DE44-605B-4D3B-B2B7-94543DF81A36}" type="datetimeFigureOut">
               <a:rPr lang="ru-RU" smtClean="0"/>
               <a:pPr/>
-              <a:t>02.08.2021</a:t>
+              <a:t>03.08.2021</a:t>
             </a:fld>
             <a:endParaRPr lang="ru-RU"/>
           </a:p>
@@ -3047,7 +3047,7 @@
             <a:fld id="{85A5DE44-605B-4D3B-B2B7-94543DF81A36}" type="datetimeFigureOut">
               <a:rPr lang="ru-RU" smtClean="0"/>
               <a:pPr/>
-              <a:t>02.08.2021</a:t>
+              <a:t>03.08.2021</a:t>
             </a:fld>
             <a:endParaRPr lang="ru-RU"/>
           </a:p>
@@ -10657,19 +10657,7 @@
             <a:pPr algn="ctr"/>
             <a:r>
               <a:rPr lang="ru-RU" sz="1400" dirty="0" smtClean="0"/>
-              <a:t>Усовершенствование учебной программы (1946</a:t>
-            </a:r>
-            <a:r>
-              <a:rPr lang="ru-RU" sz="1400" dirty="0"/>
-              <a:t>) </a:t>
-            </a:r>
-            <a:r>
-              <a:rPr lang="ru-RU" sz="700" dirty="0"/>
-              <a:t>(Минобороны усовершенствовало учебную программу кадетского училища. Это пятилетняя академическая программа, созданная по образцу Кадетского корпуса армии США</a:t>
-            </a:r>
-            <a:r>
-              <a:rPr lang="ru-RU" sz="700" dirty="0" smtClean="0"/>
-              <a:t>.)</a:t>
+              <a:t>Усовершенствование учебной программы (1946)</a:t>
             </a:r>
             <a:endParaRPr lang="ru-RU" sz="700" dirty="0"/>
           </a:p>
@@ -11379,15 +11367,11 @@
             <a:pPr algn="ctr"/>
             <a:r>
               <a:rPr lang="ru-RU" sz="1400" dirty="0"/>
-              <a:t>Командование территориальной обороны </a:t>
-            </a:r>
-            <a:r>
-              <a:rPr lang="ru-RU" sz="500" dirty="0"/>
-              <a:t>(Командование территориальной обороны или командование резервных сил Это агентство при Королевской армии Таиланда, ранее известное как Департамент территориальной обороны (РД) был создан в 1948 году с основной задачей подготовки резервов для армии. особенности обучения молодежи нации, в том числе курсантов-военнослужащих (НСТ) [1</a:t>
-            </a:r>
-            <a:r>
-              <a:rPr lang="ru-RU" sz="500" dirty="0" smtClean="0"/>
-              <a:t>].)</a:t>
+              <a:t>Командование территориальной </a:t>
+            </a:r>
+            <a:r>
+              <a:rPr lang="ru-RU" sz="1400" dirty="0" smtClean="0"/>
+              <a:t>обороны</a:t>
             </a:r>
             <a:endParaRPr lang="ru-RU" sz="500" dirty="0"/>
           </a:p>
@@ -11702,7 +11686,7 @@
             <a:pPr algn="ctr"/>
             <a:r>
               <a:rPr lang="ru-RU" sz="1400" dirty="0" smtClean="0"/>
-              <a:t>Организовать генеральный штаб на постоянной основе</a:t>
+              <a:t>Организовать генеральный штаб</a:t>
             </a:r>
             <a:endParaRPr lang="ru-RU" sz="1400" dirty="0"/>
           </a:p>
@@ -20396,7 +20380,7 @@
             <a:pPr algn="ctr"/>
             <a:r>
               <a:rPr lang="ru-RU" sz="1400" dirty="0" smtClean="0"/>
-              <a:t>Остановить империализм Японии</a:t>
+              <a:t>Лишить США колонии</a:t>
             </a:r>
             <a:endParaRPr lang="ru-RU" sz="1400" dirty="0"/>
           </a:p>
@@ -20705,43 +20689,6 @@
           </a:p>
         </p:txBody>
       </p:sp>
-      <p:cxnSp>
-        <p:nvCxnSpPr>
-          <p:cNvPr id="442" name="Прямая со стрелкой 441"/>
-          <p:cNvCxnSpPr>
-            <a:stCxn id="535" idx="2"/>
-            <a:endCxn id="393" idx="0"/>
-          </p:cNvCxnSpPr>
-          <p:nvPr/>
-        </p:nvCxnSpPr>
-        <p:spPr>
-          <a:xfrm flipH="1">
-            <a:off x="19473522" y="28286630"/>
-            <a:ext cx="792" cy="1882778"/>
-          </a:xfrm>
-          <a:prstGeom prst="straightConnector1">
-            <a:avLst/>
-          </a:prstGeom>
-          <a:ln w="28575">
-            <a:prstDash val="dash"/>
-            <a:tailEnd type="arrow"/>
-          </a:ln>
-        </p:spPr>
-        <p:style>
-          <a:lnRef idx="1">
-            <a:schemeClr val="accent1"/>
-          </a:lnRef>
-          <a:fillRef idx="0">
-            <a:schemeClr val="accent1"/>
-          </a:fillRef>
-          <a:effectRef idx="0">
-            <a:schemeClr val="accent1"/>
-          </a:effectRef>
-          <a:fontRef idx="minor">
-            <a:schemeClr val="tx1"/>
-          </a:fontRef>
-        </p:style>
-      </p:cxnSp>
       <p:sp>
         <p:nvSpPr>
           <p:cNvPr id="443" name="Прямоугольник 442"/>
@@ -22534,45 +22481,6 @@
           </a:fontRef>
         </p:style>
       </p:cxnSp>
-      <p:cxnSp>
-        <p:nvCxnSpPr>
-          <p:cNvPr id="499" name="Shape 248"/>
-          <p:cNvCxnSpPr>
-            <a:stCxn id="538" idx="2"/>
-            <a:endCxn id="393" idx="0"/>
-          </p:cNvCxnSpPr>
-          <p:nvPr/>
-        </p:nvCxnSpPr>
-        <p:spPr>
-          <a:xfrm rot="5400000">
-            <a:off x="19906572" y="29425793"/>
-            <a:ext cx="310566" cy="1176665"/>
-          </a:xfrm>
-          <a:prstGeom prst="bentConnector3">
-            <a:avLst>
-              <a:gd name="adj1" fmla="val 50000"/>
-            </a:avLst>
-          </a:prstGeom>
-          <a:ln w="28575">
-            <a:prstDash val="dash"/>
-            <a:tailEnd type="arrow"/>
-          </a:ln>
-        </p:spPr>
-        <p:style>
-          <a:lnRef idx="1">
-            <a:schemeClr val="accent1"/>
-          </a:lnRef>
-          <a:fillRef idx="0">
-            <a:schemeClr val="accent1"/>
-          </a:fillRef>
-          <a:effectRef idx="0">
-            <a:schemeClr val="accent1"/>
-          </a:effectRef>
-          <a:fontRef idx="minor">
-            <a:schemeClr val="tx1"/>
-          </a:fontRef>
-        </p:style>
-      </p:cxnSp>
       <p:sp>
         <p:nvSpPr>
           <p:cNvPr id="503" name="Прямоугольник 502"/>
@@ -26977,6 +26885,169 @@
           </a:p>
         </p:txBody>
       </p:sp>
+      <p:sp>
+        <p:nvSpPr>
+          <p:cNvPr id="610" name="Прямоугольник 609"/>
+          <p:cNvSpPr/>
+          <p:nvPr/>
+        </p:nvSpPr>
+        <p:spPr>
+          <a:xfrm>
+            <a:off x="19592228" y="31559974"/>
+            <a:ext cx="2115918" cy="1080000"/>
+          </a:xfrm>
+          <a:prstGeom prst="rect">
+            <a:avLst/>
+          </a:prstGeom>
+          <a:solidFill>
+            <a:schemeClr val="accent1">
+              <a:lumMod val="60000"/>
+              <a:lumOff val="40000"/>
+            </a:schemeClr>
+          </a:solidFill>
+          <a:ln w="28575"/>
+        </p:spPr>
+        <p:style>
+          <a:lnRef idx="2">
+            <a:schemeClr val="accent1"/>
+          </a:lnRef>
+          <a:fillRef idx="1">
+            <a:schemeClr val="lt1"/>
+          </a:fillRef>
+          <a:effectRef idx="0">
+            <a:schemeClr val="accent1"/>
+          </a:effectRef>
+          <a:fontRef idx="minor">
+            <a:schemeClr val="dk1"/>
+          </a:fontRef>
+        </p:style>
+        <p:txBody>
+          <a:bodyPr lIns="124733" tIns="62367" rIns="124733" bIns="62367" rtlCol="0" anchor="ctr"/>
+          <a:lstStyle/>
+          <a:p>
+            <a:pPr algn="ctr"/>
+            <a:r>
+              <a:rPr lang="ru-RU" sz="1400" dirty="0" smtClean="0"/>
+              <a:t>Остановить империализм Японии</a:t>
+            </a:r>
+            <a:endParaRPr lang="ru-RU" sz="1400" dirty="0"/>
+          </a:p>
+        </p:txBody>
+      </p:sp>
+      <p:cxnSp>
+        <p:nvCxnSpPr>
+          <p:cNvPr id="611" name="Shape 248"/>
+          <p:cNvCxnSpPr>
+            <a:stCxn id="538" idx="2"/>
+            <a:endCxn id="610" idx="0"/>
+          </p:cNvCxnSpPr>
+          <p:nvPr/>
+        </p:nvCxnSpPr>
+        <p:spPr>
+          <a:xfrm rot="5400000">
+            <a:off x="19799621" y="30709408"/>
+            <a:ext cx="1701132" cy="12700"/>
+          </a:xfrm>
+          <a:prstGeom prst="bentConnector3">
+            <a:avLst>
+              <a:gd name="adj1" fmla="val 50000"/>
+            </a:avLst>
+          </a:prstGeom>
+          <a:ln w="28575">
+            <a:prstDash val="dash"/>
+            <a:tailEnd type="arrow"/>
+          </a:ln>
+        </p:spPr>
+        <p:style>
+          <a:lnRef idx="1">
+            <a:schemeClr val="accent1"/>
+          </a:lnRef>
+          <a:fillRef idx="0">
+            <a:schemeClr val="accent1"/>
+          </a:fillRef>
+          <a:effectRef idx="0">
+            <a:schemeClr val="accent1"/>
+          </a:effectRef>
+          <a:fontRef idx="minor">
+            <a:schemeClr val="tx1"/>
+          </a:fontRef>
+        </p:style>
+      </p:cxnSp>
+      <p:cxnSp>
+        <p:nvCxnSpPr>
+          <p:cNvPr id="612" name="Shape 248"/>
+          <p:cNvCxnSpPr>
+            <a:stCxn id="393" idx="2"/>
+            <a:endCxn id="610" idx="0"/>
+          </p:cNvCxnSpPr>
+          <p:nvPr/>
+        </p:nvCxnSpPr>
+        <p:spPr>
+          <a:xfrm rot="16200000" flipH="1">
+            <a:off x="19906571" y="30816358"/>
+            <a:ext cx="310566" cy="1176665"/>
+          </a:xfrm>
+          <a:prstGeom prst="bentConnector3">
+            <a:avLst>
+              <a:gd name="adj1" fmla="val 50000"/>
+            </a:avLst>
+          </a:prstGeom>
+          <a:ln w="28575">
+            <a:prstDash val="dash"/>
+            <a:tailEnd type="arrow"/>
+          </a:ln>
+        </p:spPr>
+        <p:style>
+          <a:lnRef idx="1">
+            <a:schemeClr val="accent1"/>
+          </a:lnRef>
+          <a:fillRef idx="0">
+            <a:schemeClr val="accent1"/>
+          </a:fillRef>
+          <a:effectRef idx="0">
+            <a:schemeClr val="accent1"/>
+          </a:effectRef>
+          <a:fontRef idx="minor">
+            <a:schemeClr val="tx1"/>
+          </a:fontRef>
+        </p:style>
+      </p:cxnSp>
+      <p:cxnSp>
+        <p:nvCxnSpPr>
+          <p:cNvPr id="613" name="Прямая со стрелкой 612"/>
+          <p:cNvCxnSpPr>
+            <a:stCxn id="535" idx="2"/>
+            <a:endCxn id="393" idx="0"/>
+          </p:cNvCxnSpPr>
+          <p:nvPr/>
+        </p:nvCxnSpPr>
+        <p:spPr>
+          <a:xfrm flipH="1">
+            <a:off x="19473522" y="28286630"/>
+            <a:ext cx="792" cy="1882778"/>
+          </a:xfrm>
+          <a:prstGeom prst="straightConnector1">
+            <a:avLst/>
+          </a:prstGeom>
+          <a:ln w="28575">
+            <a:tailEnd type="arrow"/>
+          </a:ln>
+        </p:spPr>
+        <p:style>
+          <a:lnRef idx="1">
+            <a:schemeClr val="accent1"/>
+          </a:lnRef>
+          <a:fillRef idx="0">
+            <a:schemeClr val="accent1"/>
+          </a:fillRef>
+          <a:effectRef idx="0">
+            <a:schemeClr val="accent1"/>
+          </a:effectRef>
+          <a:fontRef idx="minor">
+            <a:schemeClr val="tx1"/>
+          </a:fontRef>
+        </p:style>
+      </p:cxnSp>
     </p:spTree>
     <p:extLst>
       <p:ext uri="{BB962C8B-B14F-4D97-AF65-F5344CB8AC3E}">

--- a/Наработки/диздоки/Сиам/Сиам.pptx
+++ b/Наработки/диздоки/Сиам/Сиам.pptx
@@ -209,7 +209,7 @@
             <a:fld id="{33E3D7F9-E251-484C-A6FF-FA958879DF69}" type="datetimeFigureOut">
               <a:rPr lang="ru-RU" smtClean="0"/>
               <a:pPr/>
-              <a:t>03.08.2021</a:t>
+              <a:t>05.08.2021</a:t>
             </a:fld>
             <a:endParaRPr lang="ru-RU"/>
           </a:p>
@@ -700,7 +700,7 @@
             <a:fld id="{85A5DE44-605B-4D3B-B2B7-94543DF81A36}" type="datetimeFigureOut">
               <a:rPr lang="ru-RU" smtClean="0"/>
               <a:pPr/>
-              <a:t>03.08.2021</a:t>
+              <a:t>05.08.2021</a:t>
             </a:fld>
             <a:endParaRPr lang="ru-RU"/>
           </a:p>
@@ -872,7 +872,7 @@
             <a:fld id="{85A5DE44-605B-4D3B-B2B7-94543DF81A36}" type="datetimeFigureOut">
               <a:rPr lang="ru-RU" smtClean="0"/>
               <a:pPr/>
-              <a:t>03.08.2021</a:t>
+              <a:t>05.08.2021</a:t>
             </a:fld>
             <a:endParaRPr lang="ru-RU"/>
           </a:p>
@@ -1054,7 +1054,7 @@
             <a:fld id="{85A5DE44-605B-4D3B-B2B7-94543DF81A36}" type="datetimeFigureOut">
               <a:rPr lang="ru-RU" smtClean="0"/>
               <a:pPr/>
-              <a:t>03.08.2021</a:t>
+              <a:t>05.08.2021</a:t>
             </a:fld>
             <a:endParaRPr lang="ru-RU"/>
           </a:p>
@@ -1226,7 +1226,7 @@
             <a:fld id="{85A5DE44-605B-4D3B-B2B7-94543DF81A36}" type="datetimeFigureOut">
               <a:rPr lang="ru-RU" smtClean="0"/>
               <a:pPr/>
-              <a:t>03.08.2021</a:t>
+              <a:t>05.08.2021</a:t>
             </a:fld>
             <a:endParaRPr lang="ru-RU"/>
           </a:p>
@@ -1474,7 +1474,7 @@
             <a:fld id="{85A5DE44-605B-4D3B-B2B7-94543DF81A36}" type="datetimeFigureOut">
               <a:rPr lang="ru-RU" smtClean="0"/>
               <a:pPr/>
-              <a:t>03.08.2021</a:t>
+              <a:t>05.08.2021</a:t>
             </a:fld>
             <a:endParaRPr lang="ru-RU"/>
           </a:p>
@@ -1708,7 +1708,7 @@
             <a:fld id="{85A5DE44-605B-4D3B-B2B7-94543DF81A36}" type="datetimeFigureOut">
               <a:rPr lang="ru-RU" smtClean="0"/>
               <a:pPr/>
-              <a:t>03.08.2021</a:t>
+              <a:t>05.08.2021</a:t>
             </a:fld>
             <a:endParaRPr lang="ru-RU"/>
           </a:p>
@@ -2077,7 +2077,7 @@
             <a:fld id="{85A5DE44-605B-4D3B-B2B7-94543DF81A36}" type="datetimeFigureOut">
               <a:rPr lang="ru-RU" smtClean="0"/>
               <a:pPr/>
-              <a:t>03.08.2021</a:t>
+              <a:t>05.08.2021</a:t>
             </a:fld>
             <a:endParaRPr lang="ru-RU"/>
           </a:p>
@@ -2197,7 +2197,7 @@
             <a:fld id="{85A5DE44-605B-4D3B-B2B7-94543DF81A36}" type="datetimeFigureOut">
               <a:rPr lang="ru-RU" smtClean="0"/>
               <a:pPr/>
-              <a:t>03.08.2021</a:t>
+              <a:t>05.08.2021</a:t>
             </a:fld>
             <a:endParaRPr lang="ru-RU"/>
           </a:p>
@@ -2294,7 +2294,7 @@
             <a:fld id="{85A5DE44-605B-4D3B-B2B7-94543DF81A36}" type="datetimeFigureOut">
               <a:rPr lang="ru-RU" smtClean="0"/>
               <a:pPr/>
-              <a:t>03.08.2021</a:t>
+              <a:t>05.08.2021</a:t>
             </a:fld>
             <a:endParaRPr lang="ru-RU"/>
           </a:p>
@@ -2573,7 +2573,7 @@
             <a:fld id="{85A5DE44-605B-4D3B-B2B7-94543DF81A36}" type="datetimeFigureOut">
               <a:rPr lang="ru-RU" smtClean="0"/>
               <a:pPr/>
-              <a:t>03.08.2021</a:t>
+              <a:t>05.08.2021</a:t>
             </a:fld>
             <a:endParaRPr lang="ru-RU"/>
           </a:p>
@@ -2832,7 +2832,7 @@
             <a:fld id="{85A5DE44-605B-4D3B-B2B7-94543DF81A36}" type="datetimeFigureOut">
               <a:rPr lang="ru-RU" smtClean="0"/>
               <a:pPr/>
-              <a:t>03.08.2021</a:t>
+              <a:t>05.08.2021</a:t>
             </a:fld>
             <a:endParaRPr lang="ru-RU"/>
           </a:p>
@@ -3047,7 +3047,7 @@
             <a:fld id="{85A5DE44-605B-4D3B-B2B7-94543DF81A36}" type="datetimeFigureOut">
               <a:rPr lang="ru-RU" smtClean="0"/>
               <a:pPr/>
-              <a:t>03.08.2021</a:t>
+              <a:t>05.08.2021</a:t>
             </a:fld>
             <a:endParaRPr lang="ru-RU"/>
           </a:p>
@@ -3862,8 +3862,20 @@
               <a:t>Военная бюрократия </a:t>
             </a:r>
             <a:r>
+              <a:rPr lang="ru-RU" sz="1400" dirty="0" err="1" smtClean="0"/>
+              <a:t>Пибуна</a:t>
+            </a:r>
+            <a:r>
+              <a:rPr lang="ru-RU" sz="1400" dirty="0" smtClean="0"/>
+              <a:t> </a:t>
+            </a:r>
+            <a:r>
               <a:rPr lang="ru-RU" sz="1400" dirty="0" err="1"/>
-              <a:t>Пибунсонграма</a:t>
+              <a:t>С</a:t>
+            </a:r>
+            <a:r>
+              <a:rPr lang="ru-RU" sz="1400" dirty="0" err="1" smtClean="0"/>
+              <a:t>онграма</a:t>
             </a:r>
             <a:endParaRPr lang="ru-RU" sz="1400" dirty="0"/>
           </a:p>
@@ -22570,7 +22582,7 @@
             <a:pPr algn="ctr"/>
             <a:r>
               <a:rPr lang="ru-RU" sz="2400" dirty="0" smtClean="0"/>
-              <a:t>42</a:t>
+              <a:t>43</a:t>
             </a:r>
             <a:endParaRPr lang="ru-RU" sz="2400" dirty="0"/>
           </a:p>
@@ -25849,7 +25861,11 @@
             <a:pPr algn="ctr"/>
             <a:r>
               <a:rPr lang="ru-RU" sz="3200" dirty="0" smtClean="0"/>
-              <a:t>121 фокус</a:t>
+              <a:t>122 </a:t>
+            </a:r>
+            <a:r>
+              <a:rPr lang="ru-RU" sz="3200" dirty="0" smtClean="0"/>
+              <a:t>фокус</a:t>
             </a:r>
             <a:endParaRPr lang="ru-RU" sz="3200" dirty="0"/>
           </a:p>

--- a/Наработки/диздоки/Сиам/Сиам.pptx
+++ b/Наработки/диздоки/Сиам/Сиам.pptx
@@ -209,7 +209,7 @@
             <a:fld id="{33E3D7F9-E251-484C-A6FF-FA958879DF69}" type="datetimeFigureOut">
               <a:rPr lang="ru-RU" smtClean="0"/>
               <a:pPr/>
-              <a:t>05.08.2021</a:t>
+              <a:t>06.08.2021</a:t>
             </a:fld>
             <a:endParaRPr lang="ru-RU"/>
           </a:p>
@@ -700,7 +700,7 @@
             <a:fld id="{85A5DE44-605B-4D3B-B2B7-94543DF81A36}" type="datetimeFigureOut">
               <a:rPr lang="ru-RU" smtClean="0"/>
               <a:pPr/>
-              <a:t>05.08.2021</a:t>
+              <a:t>06.08.2021</a:t>
             </a:fld>
             <a:endParaRPr lang="ru-RU"/>
           </a:p>
@@ -872,7 +872,7 @@
             <a:fld id="{85A5DE44-605B-4D3B-B2B7-94543DF81A36}" type="datetimeFigureOut">
               <a:rPr lang="ru-RU" smtClean="0"/>
               <a:pPr/>
-              <a:t>05.08.2021</a:t>
+              <a:t>06.08.2021</a:t>
             </a:fld>
             <a:endParaRPr lang="ru-RU"/>
           </a:p>
@@ -1054,7 +1054,7 @@
             <a:fld id="{85A5DE44-605B-4D3B-B2B7-94543DF81A36}" type="datetimeFigureOut">
               <a:rPr lang="ru-RU" smtClean="0"/>
               <a:pPr/>
-              <a:t>05.08.2021</a:t>
+              <a:t>06.08.2021</a:t>
             </a:fld>
             <a:endParaRPr lang="ru-RU"/>
           </a:p>
@@ -1226,7 +1226,7 @@
             <a:fld id="{85A5DE44-605B-4D3B-B2B7-94543DF81A36}" type="datetimeFigureOut">
               <a:rPr lang="ru-RU" smtClean="0"/>
               <a:pPr/>
-              <a:t>05.08.2021</a:t>
+              <a:t>06.08.2021</a:t>
             </a:fld>
             <a:endParaRPr lang="ru-RU"/>
           </a:p>
@@ -1474,7 +1474,7 @@
             <a:fld id="{85A5DE44-605B-4D3B-B2B7-94543DF81A36}" type="datetimeFigureOut">
               <a:rPr lang="ru-RU" smtClean="0"/>
               <a:pPr/>
-              <a:t>05.08.2021</a:t>
+              <a:t>06.08.2021</a:t>
             </a:fld>
             <a:endParaRPr lang="ru-RU"/>
           </a:p>
@@ -1708,7 +1708,7 @@
             <a:fld id="{85A5DE44-605B-4D3B-B2B7-94543DF81A36}" type="datetimeFigureOut">
               <a:rPr lang="ru-RU" smtClean="0"/>
               <a:pPr/>
-              <a:t>05.08.2021</a:t>
+              <a:t>06.08.2021</a:t>
             </a:fld>
             <a:endParaRPr lang="ru-RU"/>
           </a:p>
@@ -2077,7 +2077,7 @@
             <a:fld id="{85A5DE44-605B-4D3B-B2B7-94543DF81A36}" type="datetimeFigureOut">
               <a:rPr lang="ru-RU" smtClean="0"/>
               <a:pPr/>
-              <a:t>05.08.2021</a:t>
+              <a:t>06.08.2021</a:t>
             </a:fld>
             <a:endParaRPr lang="ru-RU"/>
           </a:p>
@@ -2197,7 +2197,7 @@
             <a:fld id="{85A5DE44-605B-4D3B-B2B7-94543DF81A36}" type="datetimeFigureOut">
               <a:rPr lang="ru-RU" smtClean="0"/>
               <a:pPr/>
-              <a:t>05.08.2021</a:t>
+              <a:t>06.08.2021</a:t>
             </a:fld>
             <a:endParaRPr lang="ru-RU"/>
           </a:p>
@@ -2294,7 +2294,7 @@
             <a:fld id="{85A5DE44-605B-4D3B-B2B7-94543DF81A36}" type="datetimeFigureOut">
               <a:rPr lang="ru-RU" smtClean="0"/>
               <a:pPr/>
-              <a:t>05.08.2021</a:t>
+              <a:t>06.08.2021</a:t>
             </a:fld>
             <a:endParaRPr lang="ru-RU"/>
           </a:p>
@@ -2573,7 +2573,7 @@
             <a:fld id="{85A5DE44-605B-4D3B-B2B7-94543DF81A36}" type="datetimeFigureOut">
               <a:rPr lang="ru-RU" smtClean="0"/>
               <a:pPr/>
-              <a:t>05.08.2021</a:t>
+              <a:t>06.08.2021</a:t>
             </a:fld>
             <a:endParaRPr lang="ru-RU"/>
           </a:p>
@@ -2832,7 +2832,7 @@
             <a:fld id="{85A5DE44-605B-4D3B-B2B7-94543DF81A36}" type="datetimeFigureOut">
               <a:rPr lang="ru-RU" smtClean="0"/>
               <a:pPr/>
-              <a:t>05.08.2021</a:t>
+              <a:t>06.08.2021</a:t>
             </a:fld>
             <a:endParaRPr lang="ru-RU"/>
           </a:p>
@@ -3047,7 +3047,7 @@
             <a:fld id="{85A5DE44-605B-4D3B-B2B7-94543DF81A36}" type="datetimeFigureOut">
               <a:rPr lang="ru-RU" smtClean="0"/>
               <a:pPr/>
-              <a:t>05.08.2021</a:t>
+              <a:t>06.08.2021</a:t>
             </a:fld>
             <a:endParaRPr lang="ru-RU"/>
           </a:p>
@@ -3697,6 +3697,10 @@
               <a:rPr lang="ru-RU" sz="1400" dirty="0" smtClean="0"/>
               <a:t> 1936) </a:t>
             </a:r>
+            <a:r>
+              <a:rPr lang="ru-RU" sz="1400" dirty="0" smtClean="0"/>
+              <a:t>50</a:t>
+            </a:r>
             <a:endParaRPr lang="ru-RU" sz="1400" dirty="0"/>
           </a:p>
         </p:txBody>
@@ -4234,6 +4238,10 @@
               <a:rPr lang="ru-RU" sz="1400" dirty="0" smtClean="0"/>
               <a:t> 1936) </a:t>
             </a:r>
+            <a:r>
+              <a:rPr lang="ru-RU" sz="1400" dirty="0" smtClean="0"/>
+              <a:t>100</a:t>
+            </a:r>
             <a:endParaRPr lang="ru-RU" sz="1400" dirty="0"/>
           </a:p>
         </p:txBody>
@@ -4423,6 +4431,10 @@
               <a:rPr lang="ru-RU" sz="1400" dirty="0" smtClean="0"/>
               <a:t> 1937) </a:t>
             </a:r>
+            <a:r>
+              <a:rPr lang="ru-RU" sz="1400" dirty="0" smtClean="0"/>
+              <a:t>50</a:t>
+            </a:r>
             <a:endParaRPr lang="ru-RU" sz="1400" dirty="0"/>
           </a:p>
         </p:txBody>
@@ -4474,6 +4486,10 @@
               <a:rPr lang="ru-RU" sz="1400" dirty="0" smtClean="0"/>
               <a:t> 1937) </a:t>
             </a:r>
+            <a:r>
+              <a:rPr lang="ru-RU" sz="1400" dirty="0" smtClean="0"/>
+              <a:t>100</a:t>
+            </a:r>
             <a:endParaRPr lang="ru-RU" sz="1400" dirty="0"/>
           </a:p>
         </p:txBody>
@@ -4525,6 +4541,10 @@
               <a:rPr lang="ru-RU" sz="1400" dirty="0" smtClean="0"/>
               <a:t> 1937) </a:t>
             </a:r>
+            <a:r>
+              <a:rPr lang="ru-RU" sz="1400" dirty="0" smtClean="0"/>
+              <a:t>100</a:t>
+            </a:r>
             <a:endParaRPr lang="ru-RU" sz="1400" dirty="0"/>
           </a:p>
         </p:txBody>
@@ -4575,6 +4595,10 @@
             <a:r>
               <a:rPr lang="ru-RU" sz="1400" dirty="0" smtClean="0"/>
               <a:t> 1937) </a:t>
+            </a:r>
+            <a:r>
+              <a:rPr lang="ru-RU" sz="1400" dirty="0" smtClean="0"/>
+              <a:t>100</a:t>
             </a:r>
             <a:endParaRPr lang="ru-RU" sz="1400" dirty="0"/>
           </a:p>
@@ -4888,7 +4912,11 @@
             </a:r>
             <a:r>
               <a:rPr lang="ru-RU" sz="1400" dirty="0" smtClean="0"/>
-              <a:t> 1937) </a:t>
+              <a:t> 1937</a:t>
+            </a:r>
+            <a:r>
+              <a:rPr lang="ru-RU" sz="1400" dirty="0" smtClean="0"/>
+              <a:t>) 50 </a:t>
             </a:r>
             <a:endParaRPr lang="ru-RU" sz="1400" dirty="0"/>
           </a:p>
@@ -4931,7 +4959,11 @@
             <a:pPr algn="ctr"/>
             <a:r>
               <a:rPr lang="ru-RU" sz="1400" dirty="0" smtClean="0"/>
-              <a:t>Пойти на компромисс Великобританией</a:t>
+              <a:t>Пойти на компромисс </a:t>
+            </a:r>
+            <a:r>
+              <a:rPr lang="ru-RU" sz="1400" dirty="0" smtClean="0"/>
+              <a:t>с Великобританией</a:t>
             </a:r>
             <a:endParaRPr lang="ru-RU" sz="1400" dirty="0"/>
           </a:p>
@@ -5373,6 +5405,10 @@
             <a:r>
               <a:rPr lang="ru-RU" sz="1400" dirty="0" smtClean="0"/>
               <a:t> 1938) </a:t>
+            </a:r>
+            <a:r>
+              <a:rPr lang="ru-RU" sz="1400" dirty="0" smtClean="0"/>
+              <a:t>100</a:t>
             </a:r>
             <a:endParaRPr lang="ru-RU" sz="1400" dirty="0"/>
           </a:p>
@@ -25861,11 +25897,7 @@
             <a:pPr algn="ctr"/>
             <a:r>
               <a:rPr lang="ru-RU" sz="3200" dirty="0" smtClean="0"/>
-              <a:t>122 </a:t>
-            </a:r>
-            <a:r>
-              <a:rPr lang="ru-RU" sz="3200" dirty="0" smtClean="0"/>
-              <a:t>фокус</a:t>
+              <a:t>122 фокус</a:t>
             </a:r>
             <a:endParaRPr lang="ru-RU" sz="3200" dirty="0"/>
           </a:p>

--- a/Наработки/диздоки/Сиам/Сиам.pptx
+++ b/Наработки/диздоки/Сиам/Сиам.pptx
@@ -3695,11 +3695,7 @@
             </a:r>
             <a:r>
               <a:rPr lang="ru-RU" sz="1400" dirty="0" smtClean="0"/>
-              <a:t> 1936) </a:t>
-            </a:r>
-            <a:r>
-              <a:rPr lang="ru-RU" sz="1400" dirty="0" smtClean="0"/>
-              <a:t>50</a:t>
+              <a:t> 1936) 50</a:t>
             </a:r>
             <a:endParaRPr lang="ru-RU" sz="1400" dirty="0"/>
           </a:p>
@@ -4236,11 +4232,7 @@
             </a:r>
             <a:r>
               <a:rPr lang="ru-RU" sz="1400" dirty="0" smtClean="0"/>
-              <a:t> 1936) </a:t>
-            </a:r>
-            <a:r>
-              <a:rPr lang="ru-RU" sz="1400" dirty="0" smtClean="0"/>
-              <a:t>100</a:t>
+              <a:t> 1936) 100</a:t>
             </a:r>
             <a:endParaRPr lang="ru-RU" sz="1400" dirty="0"/>
           </a:p>
@@ -4429,11 +4421,7 @@
             </a:r>
             <a:r>
               <a:rPr lang="ru-RU" sz="1400" dirty="0" smtClean="0"/>
-              <a:t> 1937) </a:t>
-            </a:r>
-            <a:r>
-              <a:rPr lang="ru-RU" sz="1400" dirty="0" smtClean="0"/>
-              <a:t>50</a:t>
+              <a:t> 1937) 50</a:t>
             </a:r>
             <a:endParaRPr lang="ru-RU" sz="1400" dirty="0"/>
           </a:p>
@@ -4484,11 +4472,7 @@
             </a:r>
             <a:r>
               <a:rPr lang="ru-RU" sz="1400" dirty="0" smtClean="0"/>
-              <a:t> 1937) </a:t>
-            </a:r>
-            <a:r>
-              <a:rPr lang="ru-RU" sz="1400" dirty="0" smtClean="0"/>
-              <a:t>100</a:t>
+              <a:t> 1937) 100</a:t>
             </a:r>
             <a:endParaRPr lang="ru-RU" sz="1400" dirty="0"/>
           </a:p>
@@ -4539,11 +4523,7 @@
             </a:r>
             <a:r>
               <a:rPr lang="ru-RU" sz="1400" dirty="0" smtClean="0"/>
-              <a:t> 1937) </a:t>
-            </a:r>
-            <a:r>
-              <a:rPr lang="ru-RU" sz="1400" dirty="0" smtClean="0"/>
-              <a:t>100</a:t>
+              <a:t> 1937) 100</a:t>
             </a:r>
             <a:endParaRPr lang="ru-RU" sz="1400" dirty="0"/>
           </a:p>
@@ -4594,11 +4574,7 @@
             </a:r>
             <a:r>
               <a:rPr lang="ru-RU" sz="1400" dirty="0" smtClean="0"/>
-              <a:t> 1937) </a:t>
-            </a:r>
-            <a:r>
-              <a:rPr lang="ru-RU" sz="1400" dirty="0" smtClean="0"/>
-              <a:t>100</a:t>
+              <a:t> 1937) 100</a:t>
             </a:r>
             <a:endParaRPr lang="ru-RU" sz="1400" dirty="0"/>
           </a:p>
@@ -4641,7 +4617,11 @@
             <a:pPr algn="ctr"/>
             <a:r>
               <a:rPr lang="ru-RU" sz="1400" dirty="0" smtClean="0"/>
-              <a:t>Закон о земельном максимуме (никто не мог получить более 8га земли) (</a:t>
+              <a:t>Закон о земельном максимуме </a:t>
+            </a:r>
+            <a:r>
+              <a:rPr lang="ru-RU" sz="1400" dirty="0" smtClean="0"/>
+              <a:t>(</a:t>
             </a:r>
             <a:r>
               <a:rPr lang="ru-RU" sz="1400" dirty="0" err="1" smtClean="0"/>
@@ -4912,11 +4892,7 @@
             </a:r>
             <a:r>
               <a:rPr lang="ru-RU" sz="1400" dirty="0" smtClean="0"/>
-              <a:t> 1937</a:t>
-            </a:r>
-            <a:r>
-              <a:rPr lang="ru-RU" sz="1400" dirty="0" smtClean="0"/>
-              <a:t>) 50 </a:t>
+              <a:t> 1937) 50 </a:t>
             </a:r>
             <a:endParaRPr lang="ru-RU" sz="1400" dirty="0"/>
           </a:p>
@@ -4959,11 +4935,7 @@
             <a:pPr algn="ctr"/>
             <a:r>
               <a:rPr lang="ru-RU" sz="1400" dirty="0" smtClean="0"/>
-              <a:t>Пойти на компромисс </a:t>
-            </a:r>
-            <a:r>
-              <a:rPr lang="ru-RU" sz="1400" dirty="0" smtClean="0"/>
-              <a:t>с Великобританией</a:t>
+              <a:t>Пойти на компромисс с Великобританией</a:t>
             </a:r>
             <a:endParaRPr lang="ru-RU" sz="1400" dirty="0"/>
           </a:p>
@@ -5404,11 +5376,7 @@
             </a:r>
             <a:r>
               <a:rPr lang="ru-RU" sz="1400" dirty="0" smtClean="0"/>
-              <a:t> 1938) </a:t>
-            </a:r>
-            <a:r>
-              <a:rPr lang="ru-RU" sz="1400" dirty="0" smtClean="0"/>
-              <a:t>100</a:t>
+              <a:t> 1938) 100</a:t>
             </a:r>
             <a:endParaRPr lang="ru-RU" sz="1400" dirty="0"/>
           </a:p>
@@ -18234,51 +18202,11 @@
             </a:r>
             <a:r>
               <a:rPr lang="ru-RU" sz="1400" dirty="0" smtClean="0"/>
-              <a:t> 1937) </a:t>
-            </a:r>
-            <a:r>
-              <a:rPr lang="ru-RU" sz="400" dirty="0" smtClean="0"/>
-              <a:t>(Он также участвовал в переговорах о новых границах с Великобританией. в результате чего Сиам получил больше территорий на реке Лай в провинции </a:t>
-            </a:r>
-            <a:r>
-              <a:rPr lang="ru-RU" sz="400" dirty="0" err="1" smtClean="0"/>
-              <a:t>Чианграй</a:t>
-            </a:r>
-            <a:r>
-              <a:rPr lang="ru-RU" sz="400" dirty="0" smtClean="0"/>
-              <a:t> и земли в бассейне реки Пак Чан в провинции </a:t>
-            </a:r>
-            <a:r>
-              <a:rPr lang="ru-RU" sz="400" dirty="0" err="1" smtClean="0"/>
-              <a:t>Ранонг</a:t>
-            </a:r>
-            <a:r>
-              <a:rPr lang="ru-RU" sz="400" dirty="0" smtClean="0"/>
-              <a:t> [17] : 173 Газета </a:t>
-            </a:r>
-            <a:r>
-              <a:rPr lang="ru-RU" sz="400" dirty="0" err="1" smtClean="0"/>
-              <a:t>Straits</a:t>
-            </a:r>
-            <a:r>
-              <a:rPr lang="ru-RU" sz="400" dirty="0" smtClean="0"/>
-              <a:t> </a:t>
-            </a:r>
-            <a:r>
-              <a:rPr lang="ru-RU" sz="400" dirty="0" err="1" smtClean="0"/>
-              <a:t>TimesСингапурское</a:t>
-            </a:r>
-            <a:r>
-              <a:rPr lang="ru-RU" sz="400" dirty="0" smtClean="0"/>
-              <a:t> гражданство похвалил Приди в редакционной поговорке: как будто </a:t>
-            </a:r>
-            <a:r>
-              <a:rPr lang="ru-RU" sz="400" dirty="0" err="1" smtClean="0"/>
-              <a:t>Энтони</a:t>
-            </a:r>
-            <a:r>
-              <a:rPr lang="ru-RU" sz="400" dirty="0" smtClean="0"/>
-              <a:t> Иден был министром иностранных дел. Великие люди правительства Великобритании)</a:t>
+              <a:t> 1937</a:t>
+            </a:r>
+            <a:r>
+              <a:rPr lang="ru-RU" sz="1400" dirty="0" smtClean="0"/>
+              <a:t>)</a:t>
             </a:r>
             <a:endParaRPr lang="ru-RU" sz="1400" dirty="0"/>
           </a:p>

--- a/Наработки/диздоки/Сиам/Сиам.pptx
+++ b/Наработки/диздоки/Сиам/Сиам.pptx
@@ -209,7 +209,7 @@
             <a:fld id="{33E3D7F9-E251-484C-A6FF-FA958879DF69}" type="datetimeFigureOut">
               <a:rPr lang="ru-RU" smtClean="0"/>
               <a:pPr/>
-              <a:t>12.08.2021</a:t>
+              <a:t>14.08.2021</a:t>
             </a:fld>
             <a:endParaRPr lang="ru-RU"/>
           </a:p>
@@ -700,7 +700,7 @@
             <a:fld id="{85A5DE44-605B-4D3B-B2B7-94543DF81A36}" type="datetimeFigureOut">
               <a:rPr lang="ru-RU" smtClean="0"/>
               <a:pPr/>
-              <a:t>12.08.2021</a:t>
+              <a:t>14.08.2021</a:t>
             </a:fld>
             <a:endParaRPr lang="ru-RU"/>
           </a:p>
@@ -872,7 +872,7 @@
             <a:fld id="{85A5DE44-605B-4D3B-B2B7-94543DF81A36}" type="datetimeFigureOut">
               <a:rPr lang="ru-RU" smtClean="0"/>
               <a:pPr/>
-              <a:t>12.08.2021</a:t>
+              <a:t>14.08.2021</a:t>
             </a:fld>
             <a:endParaRPr lang="ru-RU"/>
           </a:p>
@@ -1054,7 +1054,7 @@
             <a:fld id="{85A5DE44-605B-4D3B-B2B7-94543DF81A36}" type="datetimeFigureOut">
               <a:rPr lang="ru-RU" smtClean="0"/>
               <a:pPr/>
-              <a:t>12.08.2021</a:t>
+              <a:t>14.08.2021</a:t>
             </a:fld>
             <a:endParaRPr lang="ru-RU"/>
           </a:p>
@@ -1226,7 +1226,7 @@
             <a:fld id="{85A5DE44-605B-4D3B-B2B7-94543DF81A36}" type="datetimeFigureOut">
               <a:rPr lang="ru-RU" smtClean="0"/>
               <a:pPr/>
-              <a:t>12.08.2021</a:t>
+              <a:t>14.08.2021</a:t>
             </a:fld>
             <a:endParaRPr lang="ru-RU"/>
           </a:p>
@@ -1474,7 +1474,7 @@
             <a:fld id="{85A5DE44-605B-4D3B-B2B7-94543DF81A36}" type="datetimeFigureOut">
               <a:rPr lang="ru-RU" smtClean="0"/>
               <a:pPr/>
-              <a:t>12.08.2021</a:t>
+              <a:t>14.08.2021</a:t>
             </a:fld>
             <a:endParaRPr lang="ru-RU"/>
           </a:p>
@@ -1708,7 +1708,7 @@
             <a:fld id="{85A5DE44-605B-4D3B-B2B7-94543DF81A36}" type="datetimeFigureOut">
               <a:rPr lang="ru-RU" smtClean="0"/>
               <a:pPr/>
-              <a:t>12.08.2021</a:t>
+              <a:t>14.08.2021</a:t>
             </a:fld>
             <a:endParaRPr lang="ru-RU"/>
           </a:p>
@@ -2077,7 +2077,7 @@
             <a:fld id="{85A5DE44-605B-4D3B-B2B7-94543DF81A36}" type="datetimeFigureOut">
               <a:rPr lang="ru-RU" smtClean="0"/>
               <a:pPr/>
-              <a:t>12.08.2021</a:t>
+              <a:t>14.08.2021</a:t>
             </a:fld>
             <a:endParaRPr lang="ru-RU"/>
           </a:p>
@@ -2197,7 +2197,7 @@
             <a:fld id="{85A5DE44-605B-4D3B-B2B7-94543DF81A36}" type="datetimeFigureOut">
               <a:rPr lang="ru-RU" smtClean="0"/>
               <a:pPr/>
-              <a:t>12.08.2021</a:t>
+              <a:t>14.08.2021</a:t>
             </a:fld>
             <a:endParaRPr lang="ru-RU"/>
           </a:p>
@@ -2294,7 +2294,7 @@
             <a:fld id="{85A5DE44-605B-4D3B-B2B7-94543DF81A36}" type="datetimeFigureOut">
               <a:rPr lang="ru-RU" smtClean="0"/>
               <a:pPr/>
-              <a:t>12.08.2021</a:t>
+              <a:t>14.08.2021</a:t>
             </a:fld>
             <a:endParaRPr lang="ru-RU"/>
           </a:p>
@@ -2573,7 +2573,7 @@
             <a:fld id="{85A5DE44-605B-4D3B-B2B7-94543DF81A36}" type="datetimeFigureOut">
               <a:rPr lang="ru-RU" smtClean="0"/>
               <a:pPr/>
-              <a:t>12.08.2021</a:t>
+              <a:t>14.08.2021</a:t>
             </a:fld>
             <a:endParaRPr lang="ru-RU"/>
           </a:p>
@@ -2832,7 +2832,7 @@
             <a:fld id="{85A5DE44-605B-4D3B-B2B7-94543DF81A36}" type="datetimeFigureOut">
               <a:rPr lang="ru-RU" smtClean="0"/>
               <a:pPr/>
-              <a:t>12.08.2021</a:t>
+              <a:t>14.08.2021</a:t>
             </a:fld>
             <a:endParaRPr lang="ru-RU"/>
           </a:p>
@@ -3047,7 +3047,7 @@
             <a:fld id="{85A5DE44-605B-4D3B-B2B7-94543DF81A36}" type="datetimeFigureOut">
               <a:rPr lang="ru-RU" smtClean="0"/>
               <a:pPr/>
-              <a:t>12.08.2021</a:t>
+              <a:t>14.08.2021</a:t>
             </a:fld>
             <a:endParaRPr lang="ru-RU"/>
           </a:p>
@@ -3461,7 +3461,7 @@
         </p:nvSpPr>
         <p:spPr>
           <a:xfrm>
-            <a:off x="6158995" y="18445162"/>
+            <a:off x="6524755" y="18445162"/>
             <a:ext cx="2115918" cy="1080000"/>
           </a:xfrm>
           <a:prstGeom prst="rect">
@@ -3825,7 +3825,7 @@
         </p:nvSpPr>
         <p:spPr>
           <a:xfrm>
-            <a:off x="44409035" y="18451440"/>
+            <a:off x="43814675" y="18451440"/>
             <a:ext cx="2115918" cy="1080000"/>
           </a:xfrm>
           <a:prstGeom prst="rect">
@@ -3858,24 +3858,8 @@
           <a:p>
             <a:pPr algn="ctr"/>
             <a:r>
-              <a:rPr lang="ru-RU" sz="1400" dirty="0"/>
-              <a:t>Военная бюрократия </a:t>
-            </a:r>
-            <a:r>
-              <a:rPr lang="ru-RU" sz="1400" dirty="0" err="1" smtClean="0"/>
-              <a:t>Пибуна</a:t>
-            </a:r>
-            <a:r>
               <a:rPr lang="ru-RU" sz="1400" dirty="0" smtClean="0"/>
-              <a:t> </a:t>
-            </a:r>
-            <a:r>
-              <a:rPr lang="ru-RU" sz="1400" dirty="0" err="1"/>
-              <a:t>С</a:t>
-            </a:r>
-            <a:r>
-              <a:rPr lang="ru-RU" sz="1400" dirty="0" err="1" smtClean="0"/>
-              <a:t>онграма</a:t>
+              <a:t>Восстание 18 трупов</a:t>
             </a:r>
             <a:endParaRPr lang="ru-RU" sz="1400" dirty="0"/>
           </a:p>
@@ -3889,7 +3873,7 @@
         </p:nvSpPr>
         <p:spPr>
           <a:xfrm>
-            <a:off x="44409035" y="20034740"/>
+            <a:off x="43814675" y="20034740"/>
             <a:ext cx="2115918" cy="1080000"/>
           </a:xfrm>
           <a:prstGeom prst="rect">
@@ -3987,7 +3971,7 @@
         </p:nvSpPr>
         <p:spPr>
           <a:xfrm>
-            <a:off x="44409035" y="21517091"/>
+            <a:off x="43814675" y="21517091"/>
             <a:ext cx="2115918" cy="1080000"/>
           </a:xfrm>
           <a:prstGeom prst="rect">
@@ -4035,7 +4019,7 @@
         </p:nvSpPr>
         <p:spPr>
           <a:xfrm>
-            <a:off x="40994251" y="22925085"/>
+            <a:off x="40399891" y="22925085"/>
             <a:ext cx="2115918" cy="1080000"/>
           </a:xfrm>
           <a:prstGeom prst="rect">
@@ -4147,7 +4131,7 @@
         </p:nvSpPr>
         <p:spPr>
           <a:xfrm>
-            <a:off x="45552035" y="22925085"/>
+            <a:off x="44957675" y="22925085"/>
             <a:ext cx="2115918" cy="1080000"/>
           </a:xfrm>
           <a:prstGeom prst="rect">
@@ -4246,7 +4230,7 @@
         </p:nvSpPr>
         <p:spPr>
           <a:xfrm>
-            <a:off x="42122691" y="21517091"/>
+            <a:off x="41528331" y="21517091"/>
             <a:ext cx="2115918" cy="1080000"/>
           </a:xfrm>
           <a:prstGeom prst="rect">
@@ -4298,7 +4282,7 @@
         </p:nvSpPr>
         <p:spPr>
           <a:xfrm>
-            <a:off x="46689775" y="21517091"/>
+            <a:off x="46095415" y="21517091"/>
             <a:ext cx="2115918" cy="1080000"/>
           </a:xfrm>
           <a:prstGeom prst="rect">
@@ -5637,7 +5621,7 @@
         </p:nvSpPr>
         <p:spPr>
           <a:xfrm>
-            <a:off x="47813441" y="22923806"/>
+            <a:off x="47219081" y="22923806"/>
             <a:ext cx="2115918" cy="1080000"/>
           </a:xfrm>
           <a:prstGeom prst="rect">
@@ -12880,7 +12864,7 @@
         </p:nvSpPr>
         <p:spPr>
           <a:xfrm>
-            <a:off x="4944619" y="20036838"/>
+            <a:off x="5310379" y="20036838"/>
             <a:ext cx="2115918" cy="1080000"/>
           </a:xfrm>
           <a:prstGeom prst="rect">
@@ -12934,7 +12918,7 @@
         </p:nvSpPr>
         <p:spPr>
           <a:xfrm>
-            <a:off x="4992122" y="21540985"/>
+            <a:off x="5357882" y="21540985"/>
             <a:ext cx="2115918" cy="1080000"/>
           </a:xfrm>
           <a:prstGeom prst="rect">
@@ -13024,7 +13008,7 @@
         </p:nvSpPr>
         <p:spPr>
           <a:xfrm>
-            <a:off x="11049216" y="24370291"/>
+            <a:off x="11414976" y="24370291"/>
             <a:ext cx="2115918" cy="1080000"/>
           </a:xfrm>
           <a:prstGeom prst="rect">
@@ -13070,7 +13054,7 @@
         </p:nvSpPr>
         <p:spPr>
           <a:xfrm>
-            <a:off x="9856807" y="21540546"/>
+            <a:off x="10222567" y="21540546"/>
             <a:ext cx="2115918" cy="1080000"/>
           </a:xfrm>
           <a:prstGeom prst="rect">
@@ -13116,7 +13100,7 @@
         </p:nvSpPr>
         <p:spPr>
           <a:xfrm>
-            <a:off x="2409759" y="22952381"/>
+            <a:off x="2775519" y="22952381"/>
             <a:ext cx="2115918" cy="1080000"/>
           </a:xfrm>
           <a:prstGeom prst="rect">
@@ -13194,7 +13178,7 @@
         </p:nvSpPr>
         <p:spPr>
           <a:xfrm>
-            <a:off x="6158995" y="22921500"/>
+            <a:off x="6524755" y="22921500"/>
             <a:ext cx="2115918" cy="1080000"/>
           </a:xfrm>
           <a:prstGeom prst="rect">
@@ -13240,7 +13224,7 @@
         </p:nvSpPr>
         <p:spPr>
           <a:xfrm>
-            <a:off x="6153399" y="24368312"/>
+            <a:off x="6519159" y="24368312"/>
             <a:ext cx="2115918" cy="1080000"/>
           </a:xfrm>
           <a:prstGeom prst="rect">
@@ -13286,7 +13270,7 @@
         </p:nvSpPr>
         <p:spPr>
           <a:xfrm>
-            <a:off x="4989370" y="25767620"/>
+            <a:off x="5355130" y="25767620"/>
             <a:ext cx="2115918" cy="1080000"/>
           </a:xfrm>
           <a:prstGeom prst="rect">
@@ -13332,7 +13316,7 @@
         </p:nvSpPr>
         <p:spPr>
           <a:xfrm>
-            <a:off x="2541073" y="25765641"/>
+            <a:off x="2906833" y="25765641"/>
             <a:ext cx="2115918" cy="1080000"/>
           </a:xfrm>
           <a:prstGeom prst="rect">
@@ -13378,7 +13362,7 @@
         </p:nvSpPr>
         <p:spPr>
           <a:xfrm>
-            <a:off x="7347676" y="25761580"/>
+            <a:off x="7713436" y="25761580"/>
             <a:ext cx="2115918" cy="1080000"/>
           </a:xfrm>
           <a:prstGeom prst="rect">
@@ -13424,7 +13408,7 @@
         </p:nvSpPr>
         <p:spPr>
           <a:xfrm>
-            <a:off x="3772149" y="27234224"/>
+            <a:off x="4137909" y="27234224"/>
             <a:ext cx="2115918" cy="1080000"/>
           </a:xfrm>
           <a:prstGeom prst="rect">
@@ -13470,7 +13454,7 @@
         </p:nvSpPr>
         <p:spPr>
           <a:xfrm>
-            <a:off x="6158995" y="27210372"/>
+            <a:off x="6524755" y="27210372"/>
             <a:ext cx="2115918" cy="1080000"/>
           </a:xfrm>
           <a:prstGeom prst="rect">
@@ -13516,7 +13500,7 @@
         </p:nvSpPr>
         <p:spPr>
           <a:xfrm>
-            <a:off x="6153881" y="28704785"/>
+            <a:off x="6519641" y="28704785"/>
             <a:ext cx="2115918" cy="1080000"/>
           </a:xfrm>
           <a:prstGeom prst="rect">
@@ -13562,7 +13546,7 @@
         </p:nvSpPr>
         <p:spPr>
           <a:xfrm>
-            <a:off x="110589" y="24368316"/>
+            <a:off x="476349" y="24368316"/>
             <a:ext cx="2115918" cy="1080000"/>
           </a:xfrm>
           <a:prstGeom prst="rect">
@@ -13611,7 +13595,7 @@
         </p:nvCxnSpPr>
         <p:spPr>
           <a:xfrm rot="16200000" flipH="1">
-            <a:off x="7651862" y="25007807"/>
+            <a:off x="8017622" y="25007807"/>
             <a:ext cx="313268" cy="1194277"/>
           </a:xfrm>
           <a:prstGeom prst="bentConnector3">
@@ -13649,7 +13633,7 @@
         </p:nvCxnSpPr>
         <p:spPr>
           <a:xfrm flipV="1">
-            <a:off x="2226507" y="24908312"/>
+            <a:off x="2592267" y="24908312"/>
             <a:ext cx="3926892" cy="4"/>
           </a:xfrm>
           <a:prstGeom prst="line">
@@ -13687,7 +13671,7 @@
         </p:nvCxnSpPr>
         <p:spPr>
           <a:xfrm>
-            <a:off x="7211358" y="25448312"/>
+            <a:off x="7577118" y="25448312"/>
             <a:ext cx="5596" cy="1762060"/>
           </a:xfrm>
           <a:prstGeom prst="straightConnector1">
@@ -13723,7 +13707,7 @@
         </p:nvCxnSpPr>
         <p:spPr>
           <a:xfrm>
-            <a:off x="8269317" y="24908312"/>
+            <a:off x="8635077" y="24908312"/>
             <a:ext cx="2779899" cy="1979"/>
           </a:xfrm>
           <a:prstGeom prst="line">
@@ -13761,7 +13745,7 @@
         </p:nvCxnSpPr>
         <p:spPr>
           <a:xfrm flipH="1">
-            <a:off x="7211840" y="28290372"/>
+            <a:off x="7577600" y="28290372"/>
             <a:ext cx="5114" cy="414413"/>
           </a:xfrm>
           <a:prstGeom prst="straightConnector1">
@@ -13797,7 +13781,7 @@
         </p:nvCxnSpPr>
         <p:spPr>
           <a:xfrm rot="5400000">
-            <a:off x="5246531" y="23800813"/>
+            <a:off x="5612291" y="23800813"/>
             <a:ext cx="317329" cy="3612326"/>
           </a:xfrm>
           <a:prstGeom prst="bentConnector3">
@@ -13835,7 +13819,7 @@
         </p:nvCxnSpPr>
         <p:spPr>
           <a:xfrm rot="5400000">
-            <a:off x="5245417" y="26432312"/>
+            <a:off x="5611177" y="26432312"/>
             <a:ext cx="386604" cy="1217221"/>
           </a:xfrm>
           <a:prstGeom prst="bentConnector3">
@@ -13874,7 +13858,7 @@
         </p:nvCxnSpPr>
         <p:spPr>
           <a:xfrm rot="16200000" flipH="1">
-            <a:off x="4020279" y="26424394"/>
+            <a:off x="4386039" y="26424394"/>
             <a:ext cx="388583" cy="1231076"/>
           </a:xfrm>
           <a:prstGeom prst="bentConnector3">
@@ -13913,7 +13897,7 @@
         </p:nvCxnSpPr>
         <p:spPr>
           <a:xfrm rot="5400000">
-            <a:off x="6469690" y="25025952"/>
+            <a:off x="6835450" y="25025952"/>
             <a:ext cx="319308" cy="1164029"/>
           </a:xfrm>
           <a:prstGeom prst="bentConnector3">
@@ -13948,7 +13932,7 @@
         </p:nvSpPr>
         <p:spPr>
           <a:xfrm>
-            <a:off x="8653493" y="27205840"/>
+            <a:off x="9019253" y="27205840"/>
             <a:ext cx="2115918" cy="1080000"/>
           </a:xfrm>
           <a:prstGeom prst="rect">
@@ -13997,7 +13981,7 @@
         </p:nvCxnSpPr>
         <p:spPr>
           <a:xfrm rot="16200000" flipH="1">
-            <a:off x="8876413" y="26370801"/>
+            <a:off x="9242173" y="26370801"/>
             <a:ext cx="364260" cy="1305817"/>
           </a:xfrm>
           <a:prstGeom prst="bentConnector3">
@@ -14032,7 +14016,7 @@
         </p:nvSpPr>
         <p:spPr>
           <a:xfrm>
-            <a:off x="3770170" y="28704785"/>
+            <a:off x="4135930" y="28704785"/>
             <a:ext cx="2115918" cy="1080000"/>
           </a:xfrm>
           <a:prstGeom prst="rect">
@@ -14081,7 +14065,7 @@
         </p:nvCxnSpPr>
         <p:spPr>
           <a:xfrm flipH="1">
-            <a:off x="4828129" y="28314224"/>
+            <a:off x="5193889" y="28314224"/>
             <a:ext cx="1979" cy="390561"/>
           </a:xfrm>
           <a:prstGeom prst="straightConnector1">
@@ -14114,7 +14098,7 @@
         </p:nvSpPr>
         <p:spPr>
           <a:xfrm>
-            <a:off x="8658929" y="28704784"/>
+            <a:off x="9024689" y="28704784"/>
             <a:ext cx="2115918" cy="1080000"/>
           </a:xfrm>
           <a:prstGeom prst="rect">
@@ -14163,7 +14147,7 @@
         </p:nvCxnSpPr>
         <p:spPr>
           <a:xfrm rot="16200000" flipH="1">
-            <a:off x="8259715" y="27247611"/>
+            <a:off x="8625475" y="27247611"/>
             <a:ext cx="414412" cy="2499934"/>
           </a:xfrm>
           <a:prstGeom prst="bentConnector3">
@@ -14198,7 +14182,7 @@
         </p:nvSpPr>
         <p:spPr>
           <a:xfrm>
-            <a:off x="9856807" y="25757049"/>
+            <a:off x="10222567" y="25757049"/>
             <a:ext cx="2115918" cy="1080000"/>
           </a:xfrm>
           <a:prstGeom prst="rect">
@@ -14244,7 +14228,7 @@
         </p:nvSpPr>
         <p:spPr>
           <a:xfrm>
-            <a:off x="11049216" y="27205840"/>
+            <a:off x="11414976" y="27205840"/>
             <a:ext cx="2115918" cy="1080000"/>
           </a:xfrm>
           <a:prstGeom prst="rect">
@@ -14290,7 +14274,7 @@
         </p:nvSpPr>
         <p:spPr>
           <a:xfrm>
-            <a:off x="11047000" y="28704784"/>
+            <a:off x="11412760" y="28704784"/>
             <a:ext cx="2115918" cy="1080000"/>
           </a:xfrm>
           <a:prstGeom prst="rect">
@@ -14336,7 +14320,7 @@
         </p:nvSpPr>
         <p:spPr>
           <a:xfrm>
-            <a:off x="12277687" y="25745850"/>
+            <a:off x="12643447" y="25745850"/>
             <a:ext cx="2115918" cy="1080000"/>
           </a:xfrm>
           <a:prstGeom prst="rect">
@@ -14385,7 +14369,7 @@
         </p:nvCxnSpPr>
         <p:spPr>
           <a:xfrm rot="16200000" flipH="1">
-            <a:off x="12573631" y="24983834"/>
+            <a:off x="12939391" y="24983834"/>
             <a:ext cx="295559" cy="1228471"/>
           </a:xfrm>
           <a:prstGeom prst="bentConnector3">
@@ -14423,7 +14407,7 @@
         </p:nvCxnSpPr>
         <p:spPr>
           <a:xfrm rot="5400000">
-            <a:off x="11357592" y="25007466"/>
+            <a:off x="11723352" y="25007466"/>
             <a:ext cx="306758" cy="1192409"/>
           </a:xfrm>
           <a:prstGeom prst="bentConnector3">
@@ -14461,7 +14445,7 @@
         </p:nvCxnSpPr>
         <p:spPr>
           <a:xfrm>
-            <a:off x="12107175" y="25450291"/>
+            <a:off x="12472935" y="25450291"/>
             <a:ext cx="0" cy="1755549"/>
           </a:xfrm>
           <a:prstGeom prst="straightConnector1">
@@ -14497,7 +14481,7 @@
         </p:nvCxnSpPr>
         <p:spPr>
           <a:xfrm flipH="1">
-            <a:off x="12104959" y="28285840"/>
+            <a:off x="12470719" y="28285840"/>
             <a:ext cx="2216" cy="418944"/>
           </a:xfrm>
           <a:prstGeom prst="straightConnector1">
@@ -14530,7 +14514,7 @@
         </p:nvSpPr>
         <p:spPr>
           <a:xfrm>
-            <a:off x="6135459" y="30169408"/>
+            <a:off x="6501219" y="30169408"/>
             <a:ext cx="2115918" cy="1080000"/>
           </a:xfrm>
           <a:prstGeom prst="rect">
@@ -14579,7 +14563,7 @@
         </p:nvCxnSpPr>
         <p:spPr>
           <a:xfrm rot="5400000">
-            <a:off x="9456877" y="27521326"/>
+            <a:off x="9822637" y="27521326"/>
             <a:ext cx="384624" cy="4911541"/>
           </a:xfrm>
           <a:prstGeom prst="bentConnector3">
@@ -14615,7 +14599,7 @@
         </p:nvSpPr>
         <p:spPr>
           <a:xfrm>
-            <a:off x="1331773" y="27252037"/>
+            <a:off x="1697533" y="27252037"/>
             <a:ext cx="2115918" cy="1080000"/>
           </a:xfrm>
           <a:prstGeom prst="rect">
@@ -14661,7 +14645,7 @@
         </p:nvSpPr>
         <p:spPr>
           <a:xfrm>
-            <a:off x="1331773" y="28704785"/>
+            <a:off x="1697533" y="28704785"/>
             <a:ext cx="2115918" cy="1080000"/>
           </a:xfrm>
           <a:prstGeom prst="rect">
@@ -14711,7 +14695,7 @@
         </p:nvSpPr>
         <p:spPr>
           <a:xfrm>
-            <a:off x="106630" y="25777517"/>
+            <a:off x="472390" y="25777517"/>
             <a:ext cx="2115918" cy="1080000"/>
           </a:xfrm>
           <a:prstGeom prst="rect">
@@ -14757,7 +14741,7 @@
         </p:nvSpPr>
         <p:spPr>
           <a:xfrm>
-            <a:off x="104649" y="30121907"/>
+            <a:off x="470409" y="30121907"/>
             <a:ext cx="2115918" cy="1080000"/>
           </a:xfrm>
           <a:prstGeom prst="rect">
@@ -14806,7 +14790,7 @@
         </p:nvCxnSpPr>
         <p:spPr>
           <a:xfrm flipH="1">
-            <a:off x="1164589" y="25448316"/>
+            <a:off x="1530349" y="25448316"/>
             <a:ext cx="3959" cy="329201"/>
           </a:xfrm>
           <a:prstGeom prst="straightConnector1">
@@ -14842,7 +14826,7 @@
         </p:nvCxnSpPr>
         <p:spPr>
           <a:xfrm flipH="1">
-            <a:off x="1162608" y="26857517"/>
+            <a:off x="1528368" y="26857517"/>
             <a:ext cx="1981" cy="3264390"/>
           </a:xfrm>
           <a:prstGeom prst="straightConnector1">
@@ -14878,7 +14862,7 @@
         </p:nvCxnSpPr>
         <p:spPr>
           <a:xfrm>
-            <a:off x="2389732" y="28332037"/>
+            <a:off x="2755492" y="28332037"/>
             <a:ext cx="0" cy="372748"/>
           </a:xfrm>
           <a:prstGeom prst="straightConnector1">
@@ -14914,7 +14898,7 @@
         </p:nvCxnSpPr>
         <p:spPr>
           <a:xfrm rot="16200000" flipH="1">
-            <a:off x="4599264" y="27575253"/>
+            <a:off x="4965024" y="27575253"/>
             <a:ext cx="384623" cy="4803686"/>
           </a:xfrm>
           <a:prstGeom prst="bentConnector3">
@@ -14953,7 +14937,7 @@
         </p:nvCxnSpPr>
         <p:spPr>
           <a:xfrm rot="16200000" flipH="1">
-            <a:off x="877280" y="25739584"/>
+            <a:off x="1243040" y="25739584"/>
             <a:ext cx="1803721" cy="1221184"/>
           </a:xfrm>
           <a:prstGeom prst="bentConnector3">
@@ -15127,12 +15111,12 @@
         </p:nvCxnSpPr>
         <p:spPr>
           <a:xfrm rot="5400000">
-            <a:off x="12378692" y="11504139"/>
-            <a:ext cx="1779285" cy="12102760"/>
+            <a:off x="12561572" y="11687019"/>
+            <a:ext cx="1779285" cy="11737000"/>
           </a:xfrm>
           <a:prstGeom prst="bentConnector3">
             <a:avLst>
-              <a:gd name="adj1" fmla="val 6360"/>
+              <a:gd name="adj1" fmla="val 8887"/>
             </a:avLst>
           </a:prstGeom>
           <a:ln w="28575">
@@ -15166,8 +15150,8 @@
         </p:nvCxnSpPr>
         <p:spPr>
           <a:xfrm flipH="1" flipV="1">
-            <a:off x="8274913" y="18985162"/>
-            <a:ext cx="8932042" cy="6927"/>
+            <a:off x="8640673" y="18985162"/>
+            <a:ext cx="8566282" cy="6927"/>
           </a:xfrm>
           <a:prstGeom prst="line">
             <a:avLst/>
@@ -15243,7 +15227,7 @@
         <p:spPr>
           <a:xfrm flipH="1" flipV="1">
             <a:off x="36693298" y="18989109"/>
-            <a:ext cx="7715737" cy="2331"/>
+            <a:ext cx="7121377" cy="2331"/>
           </a:xfrm>
           <a:prstGeom prst="line">
             <a:avLst/>
@@ -15766,8 +15750,8 @@
         </p:nvCxnSpPr>
         <p:spPr>
           <a:xfrm rot="16200000" flipH="1">
-            <a:off x="31500573" y="4485018"/>
-            <a:ext cx="1785563" cy="26147280"/>
+            <a:off x="31203393" y="4782198"/>
+            <a:ext cx="1785563" cy="25552920"/>
           </a:xfrm>
           <a:prstGeom prst="bentConnector3">
             <a:avLst>
@@ -15805,8 +15789,8 @@
         </p:nvCxnSpPr>
         <p:spPr>
           <a:xfrm rot="16200000" flipH="1">
-            <a:off x="33959749" y="6944195"/>
-            <a:ext cx="1782634" cy="21231856"/>
+            <a:off x="33662569" y="7241375"/>
+            <a:ext cx="1782634" cy="20637496"/>
           </a:xfrm>
           <a:prstGeom prst="bentConnector3">
             <a:avLst>
@@ -15922,12 +15906,12 @@
         </p:nvCxnSpPr>
         <p:spPr>
           <a:xfrm rot="5400000">
-            <a:off x="14837868" y="9047892"/>
-            <a:ext cx="1776356" cy="17018184"/>
+            <a:off x="15020748" y="9230772"/>
+            <a:ext cx="1776356" cy="16652424"/>
           </a:xfrm>
           <a:prstGeom prst="bentConnector3">
             <a:avLst>
-              <a:gd name="adj1" fmla="val 6288"/>
+              <a:gd name="adj1" fmla="val 8819"/>
             </a:avLst>
           </a:prstGeom>
           <a:ln w="28575">
@@ -16262,7 +16246,7 @@
         </p:nvSpPr>
         <p:spPr>
           <a:xfrm>
-            <a:off x="2418183" y="17644812"/>
+            <a:off x="2783943" y="17644812"/>
             <a:ext cx="2115918" cy="1080000"/>
           </a:xfrm>
           <a:prstGeom prst="rect">
@@ -16356,7 +16340,7 @@
         </p:nvSpPr>
         <p:spPr>
           <a:xfrm>
-            <a:off x="7347676" y="21543607"/>
+            <a:off x="7713436" y="21543607"/>
             <a:ext cx="2115918" cy="1080000"/>
           </a:xfrm>
           <a:prstGeom prst="rect">
@@ -16473,7 +16457,7 @@
         </p:nvSpPr>
         <p:spPr>
           <a:xfrm>
-            <a:off x="7347676" y="20034741"/>
+            <a:off x="7713436" y="20034741"/>
             <a:ext cx="2115918" cy="1080000"/>
           </a:xfrm>
           <a:prstGeom prst="rect">
@@ -16519,7 +16503,7 @@
         </p:nvSpPr>
         <p:spPr>
           <a:xfrm>
-            <a:off x="9853698" y="22921498"/>
+            <a:off x="10219458" y="22921498"/>
             <a:ext cx="2115918" cy="1080000"/>
           </a:xfrm>
           <a:prstGeom prst="rect">
@@ -16565,7 +16549,7 @@
         </p:nvSpPr>
         <p:spPr>
           <a:xfrm>
-            <a:off x="2413633" y="21539870"/>
+            <a:off x="2779393" y="21539870"/>
             <a:ext cx="2115918" cy="1080000"/>
           </a:xfrm>
           <a:prstGeom prst="rect">
@@ -16614,7 +16598,7 @@
         </p:nvCxnSpPr>
         <p:spPr>
           <a:xfrm rot="5400000">
-            <a:off x="4525569" y="20062861"/>
+            <a:off x="4891329" y="20062861"/>
             <a:ext cx="423032" cy="2530986"/>
           </a:xfrm>
           <a:prstGeom prst="bentConnector3">
@@ -16652,7 +16636,7 @@
         </p:nvCxnSpPr>
         <p:spPr>
           <a:xfrm rot="16200000" flipH="1">
-            <a:off x="8246818" y="18872598"/>
+            <a:off x="8612578" y="18872598"/>
             <a:ext cx="423708" cy="4912188"/>
           </a:xfrm>
           <a:prstGeom prst="bentConnector3">
@@ -16690,7 +16674,7 @@
         </p:nvCxnSpPr>
         <p:spPr>
           <a:xfrm rot="16200000" flipH="1">
-            <a:off x="7556505" y="19185610"/>
+            <a:off x="7922265" y="19185610"/>
             <a:ext cx="509579" cy="1188681"/>
           </a:xfrm>
           <a:prstGeom prst="bentConnector3">
@@ -16728,7 +16712,7 @@
         </p:nvCxnSpPr>
         <p:spPr>
           <a:xfrm rot="5400000">
-            <a:off x="6353928" y="19173812"/>
+            <a:off x="6719688" y="19173812"/>
             <a:ext cx="511676" cy="1214376"/>
           </a:xfrm>
           <a:prstGeom prst="bentConnector3">
@@ -16766,7 +16750,7 @@
         </p:nvCxnSpPr>
         <p:spPr>
           <a:xfrm rot="16200000" flipH="1">
-            <a:off x="6990722" y="20128693"/>
+            <a:off x="7356482" y="20128693"/>
             <a:ext cx="426769" cy="2403057"/>
           </a:xfrm>
           <a:prstGeom prst="bentConnector3">
@@ -16804,7 +16788,7 @@
         </p:nvCxnSpPr>
         <p:spPr>
           <a:xfrm rot="16200000" flipH="1">
-            <a:off x="6483260" y="22187805"/>
+            <a:off x="6849020" y="22187805"/>
             <a:ext cx="300515" cy="1166873"/>
           </a:xfrm>
           <a:prstGeom prst="bentConnector3">
@@ -16842,7 +16826,7 @@
         </p:nvCxnSpPr>
         <p:spPr>
           <a:xfrm rot="5400000">
-            <a:off x="7662349" y="22178213"/>
+            <a:off x="8028109" y="22178213"/>
             <a:ext cx="297893" cy="1188681"/>
           </a:xfrm>
           <a:prstGeom prst="bentConnector3">
@@ -16880,7 +16864,7 @@
         </p:nvCxnSpPr>
         <p:spPr>
           <a:xfrm flipH="1">
-            <a:off x="3467718" y="22619870"/>
+            <a:off x="3833478" y="22619870"/>
             <a:ext cx="3874" cy="332511"/>
           </a:xfrm>
           <a:prstGeom prst="straightConnector1">
@@ -16916,7 +16900,7 @@
         </p:nvCxnSpPr>
         <p:spPr>
           <a:xfrm flipH="1">
-            <a:off x="10911657" y="22620546"/>
+            <a:off x="11277417" y="22620546"/>
             <a:ext cx="3109" cy="300952"/>
           </a:xfrm>
           <a:prstGeom prst="straightConnector1">
@@ -16952,7 +16936,7 @@
         </p:nvCxnSpPr>
         <p:spPr>
           <a:xfrm rot="5400000">
-            <a:off x="4009343" y="21160705"/>
+            <a:off x="4375103" y="21160705"/>
             <a:ext cx="366816" cy="6048406"/>
           </a:xfrm>
           <a:prstGeom prst="bentConnector3">
@@ -16990,7 +16974,7 @@
         </p:nvCxnSpPr>
         <p:spPr>
           <a:xfrm rot="5400000">
-            <a:off x="7030750" y="24182108"/>
+            <a:off x="7396510" y="24182108"/>
             <a:ext cx="366812" cy="5596"/>
           </a:xfrm>
           <a:prstGeom prst="bentConnector3">
@@ -17028,7 +17012,7 @@
         </p:nvCxnSpPr>
         <p:spPr>
           <a:xfrm rot="16200000" flipH="1">
-            <a:off x="9477669" y="21740784"/>
+            <a:off x="9843429" y="21740784"/>
             <a:ext cx="368791" cy="4890221"/>
           </a:xfrm>
           <a:prstGeom prst="bentConnector3">
@@ -17295,7 +17279,7 @@
         </p:nvSpPr>
         <p:spPr>
           <a:xfrm>
-            <a:off x="48986208" y="24300946"/>
+            <a:off x="48391848" y="24300946"/>
             <a:ext cx="2115918" cy="1080000"/>
           </a:xfrm>
           <a:prstGeom prst="rect">
@@ -17343,7 +17327,7 @@
         </p:nvSpPr>
         <p:spPr>
           <a:xfrm>
-            <a:off x="43275560" y="22925085"/>
+            <a:off x="42681200" y="22925085"/>
             <a:ext cx="2115918" cy="1080000"/>
           </a:xfrm>
           <a:prstGeom prst="rect">
@@ -17391,7 +17375,7 @@
         </p:nvSpPr>
         <p:spPr>
           <a:xfrm>
-            <a:off x="46690683" y="24300946"/>
+            <a:off x="46096323" y="24300946"/>
             <a:ext cx="2115918" cy="1080000"/>
           </a:xfrm>
           <a:prstGeom prst="rect">
@@ -17442,7 +17426,7 @@
         </p:nvCxnSpPr>
         <p:spPr>
           <a:xfrm flipH="1">
-            <a:off x="48806601" y="24840946"/>
+            <a:off x="48212241" y="24840946"/>
             <a:ext cx="179607" cy="0"/>
           </a:xfrm>
           <a:prstGeom prst="line">
@@ -18341,7 +18325,7 @@
         </p:nvSpPr>
         <p:spPr>
           <a:xfrm>
-            <a:off x="44421484" y="24310865"/>
+            <a:off x="43827124" y="24310865"/>
             <a:ext cx="2115918" cy="1080000"/>
           </a:xfrm>
           <a:prstGeom prst="rect">
@@ -18393,7 +18377,7 @@
         </p:nvSpPr>
         <p:spPr>
           <a:xfrm>
-            <a:off x="42139027" y="24303777"/>
+            <a:off x="41544667" y="24303777"/>
             <a:ext cx="2115918" cy="1080000"/>
           </a:xfrm>
           <a:prstGeom prst="rect">
@@ -18444,7 +18428,7 @@
         </p:nvSpPr>
         <p:spPr>
           <a:xfrm>
-            <a:off x="39857626" y="24310866"/>
+            <a:off x="39263266" y="24310866"/>
             <a:ext cx="2115918" cy="1080000"/>
           </a:xfrm>
           <a:prstGeom prst="rect">
@@ -18503,7 +18487,7 @@
         </p:nvCxnSpPr>
         <p:spPr>
           <a:xfrm flipH="1">
-            <a:off x="45391478" y="23465085"/>
+            <a:off x="44797118" y="23465085"/>
             <a:ext cx="160557" cy="0"/>
           </a:xfrm>
           <a:prstGeom prst="line">
@@ -18675,7 +18659,7 @@
         </p:nvCxnSpPr>
         <p:spPr>
           <a:xfrm rot="5400000">
-            <a:off x="44122647" y="20172743"/>
+            <a:off x="43528287" y="20172743"/>
             <a:ext cx="402351" cy="2286344"/>
           </a:xfrm>
           <a:prstGeom prst="bentConnector3">
@@ -18713,7 +18697,7 @@
         </p:nvCxnSpPr>
         <p:spPr>
           <a:xfrm rot="16200000" flipH="1">
-            <a:off x="46406189" y="20175545"/>
+            <a:off x="45811829" y="20175545"/>
             <a:ext cx="402351" cy="2280740"/>
           </a:xfrm>
           <a:prstGeom prst="bentConnector3">
@@ -18751,7 +18735,7 @@
         </p:nvCxnSpPr>
         <p:spPr>
           <a:xfrm rot="16200000" flipH="1">
-            <a:off x="48146210" y="22198615"/>
+            <a:off x="47551850" y="22198615"/>
             <a:ext cx="326715" cy="1123666"/>
           </a:xfrm>
           <a:prstGeom prst="bentConnector3">
@@ -18789,7 +18773,7 @@
         </p:nvCxnSpPr>
         <p:spPr>
           <a:xfrm rot="16200000" flipH="1">
-            <a:off x="45874497" y="22189588"/>
+            <a:off x="45280137" y="22189588"/>
             <a:ext cx="327994" cy="1143000"/>
           </a:xfrm>
           <a:prstGeom prst="bentConnector3">
@@ -18827,7 +18811,7 @@
         </p:nvCxnSpPr>
         <p:spPr>
           <a:xfrm rot="5400000">
-            <a:off x="44736260" y="22194351"/>
+            <a:off x="44141900" y="22194351"/>
             <a:ext cx="327994" cy="1133475"/>
           </a:xfrm>
           <a:prstGeom prst="bentConnector3">
@@ -18865,7 +18849,7 @@
         </p:nvCxnSpPr>
         <p:spPr>
           <a:xfrm rot="5400000">
-            <a:off x="42452433" y="22196868"/>
+            <a:off x="41858073" y="22196868"/>
             <a:ext cx="327994" cy="1128440"/>
           </a:xfrm>
           <a:prstGeom prst="bentConnector3">
@@ -18903,7 +18887,7 @@
         </p:nvCxnSpPr>
         <p:spPr>
           <a:xfrm rot="5400000">
-            <a:off x="41331008" y="23589663"/>
+            <a:off x="40736648" y="23589663"/>
             <a:ext cx="305781" cy="1136625"/>
           </a:xfrm>
           <a:prstGeom prst="bentConnector3">
@@ -18941,7 +18925,7 @@
         </p:nvCxnSpPr>
         <p:spPr>
           <a:xfrm rot="5400000">
-            <a:off x="43615907" y="23586165"/>
+            <a:off x="43021547" y="23586165"/>
             <a:ext cx="298692" cy="1136533"/>
           </a:xfrm>
           <a:prstGeom prst="bentConnector3">
@@ -18980,7 +18964,7 @@
         </p:nvCxnSpPr>
         <p:spPr>
           <a:xfrm rot="5400000">
-            <a:off x="44754144" y="22447927"/>
+            <a:off x="44159784" y="22447927"/>
             <a:ext cx="298692" cy="3413008"/>
           </a:xfrm>
           <a:prstGeom prst="bentConnector3">
@@ -19019,7 +19003,7 @@
         </p:nvCxnSpPr>
         <p:spPr>
           <a:xfrm rot="16200000" flipH="1">
-            <a:off x="44753591" y="23585013"/>
+            <a:off x="44159231" y="23585013"/>
             <a:ext cx="305780" cy="1145924"/>
           </a:xfrm>
           <a:prstGeom prst="bentConnector3">
@@ -19058,7 +19042,7 @@
         </p:nvCxnSpPr>
         <p:spPr>
           <a:xfrm rot="5400000">
-            <a:off x="45891829" y="23592700"/>
+            <a:off x="45297469" y="23592700"/>
             <a:ext cx="305780" cy="1130551"/>
           </a:xfrm>
           <a:prstGeom prst="bentConnector3">
@@ -19097,7 +19081,7 @@
         </p:nvCxnSpPr>
         <p:spPr>
           <a:xfrm>
-            <a:off x="45466994" y="19531440"/>
+            <a:off x="44872634" y="19531440"/>
             <a:ext cx="0" cy="503300"/>
           </a:xfrm>
           <a:prstGeom prst="straightConnector1">
@@ -19133,7 +19117,7 @@
         </p:nvCxnSpPr>
         <p:spPr>
           <a:xfrm>
-            <a:off x="45466994" y="21114740"/>
+            <a:off x="44872634" y="21114740"/>
             <a:ext cx="0" cy="402351"/>
           </a:xfrm>
           <a:prstGeom prst="straightConnector1">
@@ -19169,7 +19153,7 @@
         </p:nvCxnSpPr>
         <p:spPr>
           <a:xfrm rot="16200000" flipH="1">
-            <a:off x="47031388" y="23583691"/>
+            <a:off x="46437028" y="23583691"/>
             <a:ext cx="295861" cy="1138648"/>
           </a:xfrm>
           <a:prstGeom prst="bentConnector3">
@@ -19207,7 +19191,7 @@
         </p:nvCxnSpPr>
         <p:spPr>
           <a:xfrm rot="16200000" flipH="1">
-            <a:off x="48179150" y="22435928"/>
+            <a:off x="47584790" y="22435928"/>
             <a:ext cx="295861" cy="3434173"/>
           </a:xfrm>
           <a:prstGeom prst="bentConnector3">
@@ -22263,7 +22247,7 @@
         </p:nvSpPr>
         <p:spPr>
           <a:xfrm>
-            <a:off x="4347331" y="18865943"/>
+            <a:off x="4713091" y="18865943"/>
             <a:ext cx="616554" cy="597714"/>
           </a:xfrm>
           <a:prstGeom prst="rect">
@@ -22358,7 +22342,7 @@
         </p:nvSpPr>
         <p:spPr>
           <a:xfrm>
-            <a:off x="45569016" y="25762464"/>
+            <a:off x="44974656" y="25762464"/>
             <a:ext cx="2115918" cy="1080000"/>
           </a:xfrm>
           <a:prstGeom prst="rect">
@@ -22418,7 +22402,7 @@
         </p:nvSpPr>
         <p:spPr>
           <a:xfrm>
-            <a:off x="41004146" y="25749433"/>
+            <a:off x="40409786" y="25749433"/>
             <a:ext cx="2115918" cy="1080000"/>
           </a:xfrm>
           <a:prstGeom prst="rect">
@@ -22466,7 +22450,7 @@
         </p:nvSpPr>
         <p:spPr>
           <a:xfrm>
-            <a:off x="47835211" y="25748154"/>
+            <a:off x="47240851" y="25748154"/>
             <a:ext cx="2115918" cy="1080000"/>
           </a:xfrm>
           <a:prstGeom prst="rect">
@@ -22517,7 +22501,7 @@
         </p:nvCxnSpPr>
         <p:spPr>
           <a:xfrm>
-            <a:off x="48871400" y="24003806"/>
+            <a:off x="48277040" y="24003806"/>
             <a:ext cx="21770" cy="1744348"/>
           </a:xfrm>
           <a:prstGeom prst="straightConnector1">
@@ -22550,7 +22534,7 @@
         </p:nvSpPr>
         <p:spPr>
           <a:xfrm>
-            <a:off x="39867526" y="27147089"/>
+            <a:off x="39273166" y="27147089"/>
             <a:ext cx="2115918" cy="1080000"/>
           </a:xfrm>
           <a:prstGeom prst="rect">
@@ -22601,7 +22585,7 @@
         </p:nvCxnSpPr>
         <p:spPr>
           <a:xfrm rot="16200000" flipH="1">
-            <a:off x="41309562" y="24996889"/>
+            <a:off x="40715202" y="24996889"/>
             <a:ext cx="358567" cy="1146520"/>
           </a:xfrm>
           <a:prstGeom prst="bentConnector3">
@@ -22639,7 +22623,7 @@
         </p:nvCxnSpPr>
         <p:spPr>
           <a:xfrm rot="16200000" flipH="1">
-            <a:off x="44601558" y="23737046"/>
+            <a:off x="44007198" y="23737046"/>
             <a:ext cx="1757379" cy="2293456"/>
           </a:xfrm>
           <a:prstGeom prst="bentConnector3">
@@ -22678,7 +22662,7 @@
         </p:nvCxnSpPr>
         <p:spPr>
           <a:xfrm>
-            <a:off x="46609994" y="24005085"/>
+            <a:off x="46015634" y="24005085"/>
             <a:ext cx="16981" cy="1757379"/>
           </a:xfrm>
           <a:prstGeom prst="straightConnector1">
@@ -22712,7 +22696,7 @@
         </p:nvSpPr>
         <p:spPr>
           <a:xfrm>
-            <a:off x="43288954" y="25750588"/>
+            <a:off x="42694594" y="25750588"/>
             <a:ext cx="2115918" cy="1080000"/>
           </a:xfrm>
           <a:prstGeom prst="rect">
@@ -22760,7 +22744,7 @@
         </p:nvSpPr>
         <p:spPr>
           <a:xfrm>
-            <a:off x="44427006" y="27138021"/>
+            <a:off x="43832646" y="27138021"/>
             <a:ext cx="2115918" cy="1080000"/>
           </a:xfrm>
           <a:prstGeom prst="rect">
@@ -22819,7 +22803,7 @@
         </p:nvCxnSpPr>
         <p:spPr>
           <a:xfrm rot="16200000" flipH="1">
-            <a:off x="44762223" y="26415278"/>
+            <a:off x="44167863" y="26415278"/>
             <a:ext cx="307433" cy="1138052"/>
           </a:xfrm>
           <a:prstGeom prst="bentConnector3">
@@ -22854,7 +22838,7 @@
         </p:nvSpPr>
         <p:spPr>
           <a:xfrm>
-            <a:off x="42666693" y="19111126"/>
+            <a:off x="42072333" y="19052134"/>
             <a:ext cx="1640144" cy="696915"/>
           </a:xfrm>
           <a:prstGeom prst="rect">
@@ -22917,7 +22901,7 @@
         </p:nvCxnSpPr>
         <p:spPr>
           <a:xfrm rot="5400000">
-            <a:off x="45908192" y="26419237"/>
+            <a:off x="45313832" y="26419237"/>
             <a:ext cx="295557" cy="1142010"/>
           </a:xfrm>
           <a:prstGeom prst="bentConnector3">
@@ -22955,7 +22939,7 @@
         </p:nvCxnSpPr>
         <p:spPr>
           <a:xfrm rot="5400000">
-            <a:off x="44605703" y="23746296"/>
+            <a:off x="44011343" y="23746296"/>
             <a:ext cx="1745503" cy="2263081"/>
           </a:xfrm>
           <a:prstGeom prst="bentConnector3">
@@ -22994,7 +22978,7 @@
         </p:nvCxnSpPr>
         <p:spPr>
           <a:xfrm>
-            <a:off x="44333519" y="24005085"/>
+            <a:off x="43739159" y="24005085"/>
             <a:ext cx="13394" cy="1745503"/>
           </a:xfrm>
           <a:prstGeom prst="straightConnector1">
@@ -23028,7 +23012,7 @@
         </p:nvSpPr>
         <p:spPr>
           <a:xfrm>
-            <a:off x="43296870" y="28489829"/>
+            <a:off x="42702510" y="28489829"/>
             <a:ext cx="2115918" cy="1080000"/>
           </a:xfrm>
           <a:prstGeom prst="rect">
@@ -23076,7 +23060,7 @@
         </p:nvSpPr>
         <p:spPr>
           <a:xfrm>
-            <a:off x="45563082" y="28487851"/>
+            <a:off x="44968722" y="28487851"/>
             <a:ext cx="2115918" cy="1080000"/>
           </a:xfrm>
           <a:prstGeom prst="rect">
@@ -23147,7 +23131,7 @@
         </p:nvCxnSpPr>
         <p:spPr>
           <a:xfrm rot="5400000">
-            <a:off x="44783993" y="27788857"/>
+            <a:off x="44189633" y="27788857"/>
             <a:ext cx="271808" cy="1130136"/>
           </a:xfrm>
           <a:prstGeom prst="bentConnector3">
@@ -23185,7 +23169,7 @@
         </p:nvCxnSpPr>
         <p:spPr>
           <a:xfrm rot="16200000" flipH="1">
-            <a:off x="45918088" y="27784898"/>
+            <a:off x="45323728" y="27784898"/>
             <a:ext cx="269830" cy="1136076"/>
           </a:xfrm>
           <a:prstGeom prst="bentConnector3">
@@ -23220,7 +23204,7 @@
         </p:nvSpPr>
         <p:spPr>
           <a:xfrm>
-            <a:off x="44436904" y="29843616"/>
+            <a:off x="43842544" y="29843616"/>
             <a:ext cx="2115918" cy="1080000"/>
           </a:xfrm>
           <a:prstGeom prst="rect">
@@ -23279,7 +23263,7 @@
         </p:nvCxnSpPr>
         <p:spPr>
           <a:xfrm>
-            <a:off x="45484965" y="28218021"/>
+            <a:off x="44890605" y="28218021"/>
             <a:ext cx="9898" cy="1625595"/>
           </a:xfrm>
           <a:prstGeom prst="straightConnector1">
@@ -23315,7 +23299,7 @@
         </p:nvCxnSpPr>
         <p:spPr>
           <a:xfrm>
-            <a:off x="40915585" y="25390866"/>
+            <a:off x="40321225" y="25390866"/>
             <a:ext cx="9900" cy="1756223"/>
           </a:xfrm>
           <a:prstGeom prst="straightConnector1">
@@ -25546,7 +25530,7 @@
         </p:nvSpPr>
         <p:spPr>
           <a:xfrm>
-            <a:off x="43701228" y="18286328"/>
+            <a:off x="43106868" y="18286328"/>
             <a:ext cx="616554" cy="597714"/>
           </a:xfrm>
           <a:prstGeom prst="rect">
@@ -25580,7 +25564,7 @@
             <a:pPr algn="ctr"/>
             <a:r>
               <a:rPr lang="ru-RU" sz="2400" dirty="0" smtClean="0"/>
-              <a:t>23</a:t>
+              <a:t>24</a:t>
             </a:r>
             <a:endParaRPr lang="ru-RU" sz="2400" dirty="0"/>
           </a:p>
@@ -26258,7 +26242,7 @@
         </p:nvSpPr>
         <p:spPr>
           <a:xfrm>
-            <a:off x="-7175906" y="18452089"/>
+            <a:off x="-5667146" y="18452089"/>
             <a:ext cx="2115918" cy="1080000"/>
           </a:xfrm>
           <a:prstGeom prst="rect">
@@ -26321,8 +26305,8 @@
         </p:nvCxnSpPr>
         <p:spPr>
           <a:xfrm flipV="1">
-            <a:off x="-5059988" y="18985162"/>
-            <a:ext cx="11218983" cy="6927"/>
+            <a:off x="-3551228" y="18985162"/>
+            <a:ext cx="10075983" cy="6927"/>
           </a:xfrm>
           <a:prstGeom prst="line">
             <a:avLst/>
@@ -26356,7 +26340,7 @@
         </p:nvSpPr>
         <p:spPr>
           <a:xfrm>
-            <a:off x="-4766867" y="20033181"/>
+            <a:off x="-3258107" y="20033181"/>
             <a:ext cx="2115918" cy="1080000"/>
           </a:xfrm>
           <a:prstGeom prst="rect">
@@ -26404,7 +26388,7 @@
         </p:nvSpPr>
         <p:spPr>
           <a:xfrm>
-            <a:off x="-9623258" y="20033394"/>
+            <a:off x="-8114498" y="20033394"/>
             <a:ext cx="2115918" cy="1080000"/>
           </a:xfrm>
           <a:prstGeom prst="rect">
@@ -26455,7 +26439,7 @@
         </p:nvSpPr>
         <p:spPr>
           <a:xfrm>
-            <a:off x="-8391107" y="21462820"/>
+            <a:off x="-6882347" y="21462820"/>
             <a:ext cx="2115918" cy="1080000"/>
           </a:xfrm>
           <a:prstGeom prst="rect">
@@ -26503,7 +26487,7 @@
         </p:nvSpPr>
         <p:spPr>
           <a:xfrm>
-            <a:off x="-10842248" y="21462820"/>
+            <a:off x="-9333488" y="21462820"/>
             <a:ext cx="2115918" cy="1080000"/>
           </a:xfrm>
           <a:prstGeom prst="rect">
@@ -26551,7 +26535,7 @@
         </p:nvSpPr>
         <p:spPr>
           <a:xfrm>
-            <a:off x="-9623258" y="24310865"/>
+            <a:off x="-8114498" y="24310865"/>
             <a:ext cx="2115918" cy="1080000"/>
           </a:xfrm>
           <a:prstGeom prst="rect">
@@ -26611,7 +26595,7 @@
         </p:nvSpPr>
         <p:spPr>
           <a:xfrm>
-            <a:off x="-8391107" y="22911321"/>
+            <a:off x="-6882347" y="22911321"/>
             <a:ext cx="2115918" cy="1080000"/>
           </a:xfrm>
           <a:prstGeom prst="rect">
@@ -27254,7 +27238,7 @@
         </p:nvSpPr>
         <p:spPr>
           <a:xfrm rot="16200000">
-            <a:off x="5072303" y="18462221"/>
+            <a:off x="5438063" y="18462221"/>
             <a:ext cx="1080000" cy="1045882"/>
           </a:xfrm>
           <a:prstGeom prst="rect">
@@ -27645,7 +27629,7 @@
         </p:nvSpPr>
         <p:spPr>
           <a:xfrm>
-            <a:off x="-7175001" y="20042708"/>
+            <a:off x="-5666241" y="20042708"/>
             <a:ext cx="2115918" cy="1080000"/>
           </a:xfrm>
           <a:prstGeom prst="rect">
@@ -27693,7 +27677,7 @@
         </p:nvSpPr>
         <p:spPr>
           <a:xfrm>
-            <a:off x="-10837339" y="22911321"/>
+            <a:off x="-9328579" y="22911321"/>
             <a:ext cx="2115918" cy="1080000"/>
           </a:xfrm>
           <a:prstGeom prst="rect">
@@ -27779,7 +27763,7 @@
         </p:nvSpPr>
         <p:spPr>
           <a:xfrm>
-            <a:off x="-5972209" y="21462820"/>
+            <a:off x="-4463449" y="21462820"/>
             <a:ext cx="2115918" cy="1080000"/>
           </a:xfrm>
           <a:prstGeom prst="rect">
@@ -27827,7 +27811,7 @@
         </p:nvSpPr>
         <p:spPr>
           <a:xfrm>
-            <a:off x="-3549980" y="21462820"/>
+            <a:off x="-2041220" y="21462820"/>
             <a:ext cx="2115918" cy="1080000"/>
           </a:xfrm>
           <a:prstGeom prst="rect">
@@ -27875,7 +27859,7 @@
         </p:nvSpPr>
         <p:spPr>
           <a:xfrm>
-            <a:off x="-4766867" y="22918508"/>
+            <a:off x="-3258107" y="22918508"/>
             <a:ext cx="2115918" cy="1080000"/>
           </a:xfrm>
           <a:prstGeom prst="rect">
@@ -27926,7 +27910,7 @@
         </p:nvCxnSpPr>
         <p:spPr>
           <a:xfrm>
-            <a:off x="-3708908" y="21113181"/>
+            <a:off x="-2200148" y="21113181"/>
             <a:ext cx="0" cy="1805327"/>
           </a:xfrm>
           <a:prstGeom prst="straightConnector1">
@@ -27962,7 +27946,7 @@
         </p:nvCxnSpPr>
         <p:spPr>
           <a:xfrm rot="5400000">
-            <a:off x="-7592275" y="18559065"/>
+            <a:off x="-6083515" y="18559065"/>
             <a:ext cx="501305" cy="2447352"/>
           </a:xfrm>
           <a:prstGeom prst="bentConnector3">
@@ -28000,7 +27984,7 @@
         </p:nvCxnSpPr>
         <p:spPr>
           <a:xfrm rot="16200000" flipH="1">
-            <a:off x="-5163974" y="18578115"/>
+            <a:off x="-3655214" y="18578115"/>
             <a:ext cx="501092" cy="2409039"/>
           </a:xfrm>
           <a:prstGeom prst="bentConnector3">
@@ -28038,7 +28022,7 @@
         </p:nvCxnSpPr>
         <p:spPr>
           <a:xfrm>
-            <a:off x="-6117947" y="19532089"/>
+            <a:off x="-4609187" y="19532089"/>
             <a:ext cx="905" cy="510619"/>
           </a:xfrm>
           <a:prstGeom prst="straightConnector1">
@@ -28074,7 +28058,7 @@
         </p:nvCxnSpPr>
         <p:spPr>
           <a:xfrm rot="16200000" flipH="1">
-            <a:off x="-3275284" y="20679556"/>
+            <a:off x="-1766524" y="20679556"/>
             <a:ext cx="349639" cy="1216887"/>
           </a:xfrm>
           <a:prstGeom prst="bentConnector3">
@@ -28112,7 +28096,7 @@
         </p:nvCxnSpPr>
         <p:spPr>
           <a:xfrm rot="5400000">
-            <a:off x="-4486398" y="20685329"/>
+            <a:off x="-2977638" y="20685329"/>
             <a:ext cx="349639" cy="1205342"/>
           </a:xfrm>
           <a:prstGeom prst="bentConnector3">
@@ -28150,7 +28134,7 @@
         </p:nvCxnSpPr>
         <p:spPr>
           <a:xfrm rot="16200000" flipH="1">
-            <a:off x="-8123937" y="20672031"/>
+            <a:off x="-6615177" y="20672031"/>
             <a:ext cx="349426" cy="1232151"/>
           </a:xfrm>
           <a:prstGeom prst="bentConnector3">
@@ -28188,7 +28172,7 @@
         </p:nvCxnSpPr>
         <p:spPr>
           <a:xfrm rot="5400000">
-            <a:off x="-9349507" y="20678612"/>
+            <a:off x="-7840747" y="20678612"/>
             <a:ext cx="349426" cy="1218990"/>
           </a:xfrm>
           <a:prstGeom prst="bentConnector3">
@@ -28226,7 +28210,7 @@
         </p:nvCxnSpPr>
         <p:spPr>
           <a:xfrm rot="5400000">
-            <a:off x="-8108995" y="23535018"/>
+            <a:off x="-6600235" y="23535018"/>
             <a:ext cx="319544" cy="1232151"/>
           </a:xfrm>
           <a:prstGeom prst="bentConnector3">
@@ -28264,7 +28248,7 @@
         </p:nvCxnSpPr>
         <p:spPr>
           <a:xfrm rot="16200000" flipH="1">
-            <a:off x="-10058816" y="22817347"/>
+            <a:off x="-8550056" y="22817347"/>
             <a:ext cx="1768045" cy="1218990"/>
           </a:xfrm>
           <a:prstGeom prst="bentConnector3">
@@ -28302,7 +28286,7 @@
         </p:nvCxnSpPr>
         <p:spPr>
           <a:xfrm>
-            <a:off x="-9784289" y="22542820"/>
+            <a:off x="-8275529" y="22542820"/>
             <a:ext cx="4909" cy="368501"/>
           </a:xfrm>
           <a:prstGeom prst="straightConnector1">
@@ -28338,7 +28322,7 @@
         </p:nvCxnSpPr>
         <p:spPr>
           <a:xfrm>
-            <a:off x="-7333148" y="22542820"/>
+            <a:off x="-5824388" y="22542820"/>
             <a:ext cx="0" cy="368501"/>
           </a:xfrm>
           <a:prstGeom prst="straightConnector1">
@@ -28371,7 +28355,7 @@
         </p:nvSpPr>
         <p:spPr>
           <a:xfrm>
-            <a:off x="-7175837" y="24300945"/>
+            <a:off x="-5667077" y="24300945"/>
             <a:ext cx="2115918" cy="1080000"/>
           </a:xfrm>
           <a:prstGeom prst="rect">
@@ -28422,7 +28406,7 @@
         </p:nvCxnSpPr>
         <p:spPr>
           <a:xfrm flipH="1">
-            <a:off x="-6117878" y="21122708"/>
+            <a:off x="-4609118" y="21122708"/>
             <a:ext cx="836" cy="3178237"/>
           </a:xfrm>
           <a:prstGeom prst="straightConnector1">
@@ -28455,7 +28439,7 @@
         </p:nvSpPr>
         <p:spPr>
           <a:xfrm>
-            <a:off x="-4766867" y="25788065"/>
+            <a:off x="-3258107" y="25788065"/>
             <a:ext cx="2115918" cy="1080000"/>
           </a:xfrm>
           <a:prstGeom prst="rect">
@@ -28503,7 +28487,7 @@
         </p:nvSpPr>
         <p:spPr>
           <a:xfrm>
-            <a:off x="-9620780" y="25788065"/>
+            <a:off x="-8112020" y="25788065"/>
             <a:ext cx="2115918" cy="1080000"/>
           </a:xfrm>
           <a:prstGeom prst="rect">
@@ -28539,7 +28523,6 @@
               <a:rPr lang="ru-RU" sz="1400" dirty="0"/>
               <a:t>Создание Индокитайского блока поддержи</a:t>
             </a:r>
-            <a:endParaRPr lang="ru-RU" sz="1400" dirty="0"/>
           </a:p>
         </p:txBody>
       </p:sp>
@@ -28554,7 +28537,7 @@
         </p:nvCxnSpPr>
         <p:spPr>
           <a:xfrm>
-            <a:off x="-7504862" y="26328065"/>
+            <a:off x="-5996102" y="26328065"/>
             <a:ext cx="330921" cy="3061"/>
           </a:xfrm>
           <a:prstGeom prst="line">
@@ -28592,7 +28575,7 @@
         </p:nvCxnSpPr>
         <p:spPr>
           <a:xfrm rot="5400000">
-            <a:off x="-7543909" y="24362034"/>
+            <a:off x="-6035149" y="24362034"/>
             <a:ext cx="407120" cy="2444943"/>
           </a:xfrm>
           <a:prstGeom prst="bentConnector3">
@@ -28630,7 +28613,7 @@
         </p:nvCxnSpPr>
         <p:spPr>
           <a:xfrm rot="16200000" flipH="1">
-            <a:off x="-5116953" y="24380020"/>
+            <a:off x="-3608193" y="24380020"/>
             <a:ext cx="407120" cy="2408970"/>
           </a:xfrm>
           <a:prstGeom prst="bentConnector3">
@@ -28665,7 +28648,7 @@
         </p:nvSpPr>
         <p:spPr>
           <a:xfrm>
-            <a:off x="-7175907" y="28687624"/>
+            <a:off x="-5667147" y="28687624"/>
             <a:ext cx="2115918" cy="1080000"/>
           </a:xfrm>
           <a:prstGeom prst="rect">
@@ -28713,7 +28696,7 @@
         </p:nvSpPr>
         <p:spPr>
           <a:xfrm>
-            <a:off x="-7173941" y="25791126"/>
+            <a:off x="-5665181" y="25791126"/>
             <a:ext cx="2115918" cy="1080000"/>
           </a:xfrm>
           <a:prstGeom prst="rect">
@@ -28764,7 +28747,7 @@
         </p:nvCxnSpPr>
         <p:spPr>
           <a:xfrm flipV="1">
-            <a:off x="-5058023" y="26328065"/>
+            <a:off x="-3549263" y="26328065"/>
             <a:ext cx="291156" cy="3061"/>
           </a:xfrm>
           <a:prstGeom prst="line">
@@ -28802,7 +28785,7 @@
         </p:nvCxnSpPr>
         <p:spPr>
           <a:xfrm>
-            <a:off x="-6117878" y="25380945"/>
+            <a:off x="-4609118" y="25380945"/>
             <a:ext cx="1896" cy="410181"/>
           </a:xfrm>
           <a:prstGeom prst="straightConnector1">
@@ -28838,7 +28821,7 @@
         </p:nvCxnSpPr>
         <p:spPr>
           <a:xfrm rot="16200000" flipH="1">
-            <a:off x="-7520479" y="27285092"/>
+            <a:off x="-6011719" y="27285092"/>
             <a:ext cx="355587" cy="2449476"/>
           </a:xfrm>
           <a:prstGeom prst="bentConnector3">
@@ -28877,7 +28860,7 @@
         </p:nvCxnSpPr>
         <p:spPr>
           <a:xfrm rot="5400000">
-            <a:off x="-5079311" y="27314299"/>
+            <a:off x="-3570551" y="27314299"/>
             <a:ext cx="334689" cy="2411961"/>
           </a:xfrm>
           <a:prstGeom prst="bentConnector3">
@@ -28913,7 +28896,7 @@
         </p:nvSpPr>
         <p:spPr>
           <a:xfrm>
-            <a:off x="-4763946" y="27272935"/>
+            <a:off x="-3255186" y="27272935"/>
             <a:ext cx="2115918" cy="1080000"/>
           </a:xfrm>
           <a:prstGeom prst="rect">
@@ -28961,7 +28944,7 @@
         </p:nvSpPr>
         <p:spPr>
           <a:xfrm>
-            <a:off x="-9625383" y="27252037"/>
+            <a:off x="-8116623" y="27252037"/>
             <a:ext cx="2115918" cy="1080000"/>
           </a:xfrm>
           <a:prstGeom prst="rect">
@@ -29012,7 +28995,7 @@
         </p:nvCxnSpPr>
         <p:spPr>
           <a:xfrm flipH="1">
-            <a:off x="-8567424" y="26868065"/>
+            <a:off x="-7058664" y="26868065"/>
             <a:ext cx="4603" cy="383972"/>
           </a:xfrm>
           <a:prstGeom prst="straightConnector1">
@@ -29048,7 +29031,7 @@
         </p:nvCxnSpPr>
         <p:spPr>
           <a:xfrm>
-            <a:off x="-3708908" y="26868065"/>
+            <a:off x="-2200148" y="26868065"/>
             <a:ext cx="2921" cy="404870"/>
           </a:xfrm>
           <a:prstGeom prst="straightConnector1">
@@ -29081,7 +29064,7 @@
         </p:nvSpPr>
         <p:spPr>
           <a:xfrm>
-            <a:off x="-3528483" y="28687624"/>
+            <a:off x="-2019723" y="28687624"/>
             <a:ext cx="2115918" cy="1080000"/>
           </a:xfrm>
           <a:prstGeom prst="rect">
@@ -29132,7 +29115,7 @@
         </p:nvCxnSpPr>
         <p:spPr>
           <a:xfrm rot="16200000" flipH="1">
-            <a:off x="-3999495" y="27158652"/>
+            <a:off x="-2490735" y="27158652"/>
             <a:ext cx="1819559" cy="1238384"/>
           </a:xfrm>
           <a:prstGeom prst="bentConnector3">
@@ -29167,7 +29150,7 @@
         </p:nvSpPr>
         <p:spPr>
           <a:xfrm>
-            <a:off x="-9625010" y="28687624"/>
+            <a:off x="-8116250" y="28687624"/>
             <a:ext cx="2115918" cy="1080000"/>
           </a:xfrm>
           <a:prstGeom prst="rect">
@@ -29218,7 +29201,7 @@
         </p:nvCxnSpPr>
         <p:spPr>
           <a:xfrm>
-            <a:off x="-8567424" y="28332037"/>
+            <a:off x="-7058664" y="28332037"/>
             <a:ext cx="373" cy="355587"/>
           </a:xfrm>
           <a:prstGeom prst="straightConnector1">
@@ -29251,7 +29234,7 @@
         </p:nvSpPr>
         <p:spPr>
           <a:xfrm>
-            <a:off x="-2299927" y="27240307"/>
+            <a:off x="-791167" y="27240307"/>
             <a:ext cx="2115918" cy="1080000"/>
           </a:xfrm>
           <a:prstGeom prst="rect">
@@ -29302,7 +29285,7 @@
         </p:nvCxnSpPr>
         <p:spPr>
           <a:xfrm rot="16200000" flipH="1">
-            <a:off x="-2661559" y="25820716"/>
+            <a:off x="-1152799" y="25820716"/>
             <a:ext cx="372242" cy="2466940"/>
           </a:xfrm>
           <a:prstGeom prst="bentConnector3">
@@ -29337,7 +29320,7 @@
         </p:nvSpPr>
         <p:spPr>
           <a:xfrm>
-            <a:off x="-7154712" y="27272935"/>
+            <a:off x="-5645952" y="27272935"/>
             <a:ext cx="2115918" cy="1080000"/>
           </a:xfrm>
           <a:prstGeom prst="rect">
@@ -29388,7 +29371,7 @@
         </p:nvCxnSpPr>
         <p:spPr>
           <a:xfrm rot="16200000" flipH="1">
-            <a:off x="-7532222" y="25837466"/>
+            <a:off x="-6023462" y="25837466"/>
             <a:ext cx="404870" cy="2466068"/>
           </a:xfrm>
           <a:prstGeom prst="bentConnector3">
@@ -29423,7 +29406,7 @@
         </p:nvSpPr>
         <p:spPr>
           <a:xfrm>
-            <a:off x="-4766867" y="24278102"/>
+            <a:off x="-3258107" y="24278102"/>
             <a:ext cx="2115918" cy="1080000"/>
           </a:xfrm>
           <a:prstGeom prst="rect">
@@ -29474,8 +29457,220 @@
         </p:nvCxnSpPr>
         <p:spPr>
           <a:xfrm>
-            <a:off x="-3708908" y="23998508"/>
+            <a:off x="-2200148" y="23998508"/>
             <a:ext cx="0" cy="279594"/>
+          </a:xfrm>
+          <a:prstGeom prst="straightConnector1">
+            <a:avLst/>
+          </a:prstGeom>
+          <a:ln w="28575">
+            <a:tailEnd type="arrow"/>
+          </a:ln>
+        </p:spPr>
+        <p:style>
+          <a:lnRef idx="1">
+            <a:schemeClr val="accent1"/>
+          </a:lnRef>
+          <a:fillRef idx="0">
+            <a:schemeClr val="accent1"/>
+          </a:fillRef>
+          <a:effectRef idx="0">
+            <a:schemeClr val="accent1"/>
+          </a:effectRef>
+          <a:fontRef idx="minor">
+            <a:schemeClr val="tx1"/>
+          </a:fontRef>
+        </p:style>
+      </p:cxnSp>
+      <p:cxnSp>
+        <p:nvCxnSpPr>
+          <p:cNvPr id="640" name="Shape 248"/>
+          <p:cNvCxnSpPr>
+            <a:stCxn id="54" idx="2"/>
+            <a:endCxn id="600" idx="0"/>
+          </p:cNvCxnSpPr>
+          <p:nvPr/>
+        </p:nvCxnSpPr>
+        <p:spPr>
+          <a:xfrm rot="5400000">
+            <a:off x="6462158" y="5594533"/>
+            <a:ext cx="1786212" cy="23928901"/>
+          </a:xfrm>
+          <a:prstGeom prst="bentConnector3">
+            <a:avLst>
+              <a:gd name="adj1" fmla="val 9046"/>
+            </a:avLst>
+          </a:prstGeom>
+          <a:ln w="28575">
+            <a:prstDash val="dash"/>
+            <a:tailEnd type="arrow"/>
+          </a:ln>
+        </p:spPr>
+        <p:style>
+          <a:lnRef idx="1">
+            <a:schemeClr val="accent1"/>
+          </a:lnRef>
+          <a:fillRef idx="0">
+            <a:schemeClr val="accent1"/>
+          </a:fillRef>
+          <a:effectRef idx="0">
+            <a:schemeClr val="accent1"/>
+          </a:effectRef>
+          <a:fontRef idx="minor">
+            <a:schemeClr val="tx1"/>
+          </a:fontRef>
+        </p:style>
+      </p:cxnSp>
+      <p:cxnSp>
+        <p:nvCxnSpPr>
+          <p:cNvPr id="641" name="Shape 248"/>
+          <p:cNvCxnSpPr>
+            <a:stCxn id="55" idx="2"/>
+            <a:endCxn id="600" idx="0"/>
+          </p:cNvCxnSpPr>
+          <p:nvPr/>
+        </p:nvCxnSpPr>
+        <p:spPr>
+          <a:xfrm rot="5400000">
+            <a:off x="8921335" y="3138285"/>
+            <a:ext cx="1783283" cy="28844325"/>
+          </a:xfrm>
+          <a:prstGeom prst="bentConnector3">
+            <a:avLst>
+              <a:gd name="adj1" fmla="val 8979"/>
+            </a:avLst>
+          </a:prstGeom>
+          <a:ln w="28575">
+            <a:prstDash val="dash"/>
+            <a:tailEnd type="arrow"/>
+          </a:ln>
+        </p:spPr>
+        <p:style>
+          <a:lnRef idx="1">
+            <a:schemeClr val="accent1"/>
+          </a:lnRef>
+          <a:fillRef idx="0">
+            <a:schemeClr val="accent1"/>
+          </a:fillRef>
+          <a:effectRef idx="0">
+            <a:schemeClr val="accent1"/>
+          </a:effectRef>
+          <a:fontRef idx="minor">
+            <a:schemeClr val="tx1"/>
+          </a:fontRef>
+        </p:style>
+      </p:cxnSp>
+      <p:sp>
+        <p:nvSpPr>
+          <p:cNvPr id="675" name="Прямоугольник 674"/>
+          <p:cNvSpPr/>
+          <p:nvPr/>
+        </p:nvSpPr>
+        <p:spPr>
+          <a:xfrm>
+            <a:off x="41525617" y="20042706"/>
+            <a:ext cx="2115918" cy="1080000"/>
+          </a:xfrm>
+          <a:prstGeom prst="rect">
+            <a:avLst/>
+          </a:prstGeom>
+          <a:solidFill>
+            <a:schemeClr val="accent2">
+              <a:lumMod val="75000"/>
+            </a:schemeClr>
+          </a:solidFill>
+          <a:ln w="28575"/>
+        </p:spPr>
+        <p:style>
+          <a:lnRef idx="2">
+            <a:schemeClr val="accent1"/>
+          </a:lnRef>
+          <a:fillRef idx="1">
+            <a:schemeClr val="lt1"/>
+          </a:fillRef>
+          <a:effectRef idx="0">
+            <a:schemeClr val="accent1"/>
+          </a:effectRef>
+          <a:fontRef idx="minor">
+            <a:schemeClr val="dk1"/>
+          </a:fontRef>
+        </p:style>
+        <p:txBody>
+          <a:bodyPr lIns="124733" tIns="62367" rIns="124733" bIns="62367" rtlCol="0" anchor="ctr"/>
+          <a:lstStyle/>
+          <a:p>
+            <a:pPr algn="ctr"/>
+            <a:r>
+              <a:rPr lang="ru-RU" sz="1400" dirty="0"/>
+              <a:t>Военная бюрократия </a:t>
+            </a:r>
+            <a:r>
+              <a:rPr lang="ru-RU" sz="1400" dirty="0" err="1" smtClean="0"/>
+              <a:t>Пибуна</a:t>
+            </a:r>
+            <a:r>
+              <a:rPr lang="ru-RU" sz="1400" dirty="0" smtClean="0"/>
+              <a:t> </a:t>
+            </a:r>
+            <a:r>
+              <a:rPr lang="ru-RU" sz="1400" dirty="0" err="1" smtClean="0"/>
+              <a:t>Сонгкрама</a:t>
+            </a:r>
+            <a:endParaRPr lang="ru-RU" sz="1400" dirty="0"/>
+          </a:p>
+        </p:txBody>
+      </p:sp>
+      <p:cxnSp>
+        <p:nvCxnSpPr>
+          <p:cNvPr id="685" name="Shape 248"/>
+          <p:cNvCxnSpPr>
+            <a:stCxn id="227" idx="2"/>
+            <a:endCxn id="675" idx="0"/>
+          </p:cNvCxnSpPr>
+          <p:nvPr/>
+        </p:nvCxnSpPr>
+        <p:spPr>
+          <a:xfrm rot="5400000">
+            <a:off x="43472472" y="18642544"/>
+            <a:ext cx="511266" cy="2289058"/>
+          </a:xfrm>
+          <a:prstGeom prst="bentConnector3">
+            <a:avLst>
+              <a:gd name="adj1" fmla="val 50000"/>
+            </a:avLst>
+          </a:prstGeom>
+          <a:ln w="28575">
+            <a:tailEnd type="arrow"/>
+          </a:ln>
+        </p:spPr>
+        <p:style>
+          <a:lnRef idx="1">
+            <a:schemeClr val="accent1"/>
+          </a:lnRef>
+          <a:fillRef idx="0">
+            <a:schemeClr val="accent1"/>
+          </a:fillRef>
+          <a:effectRef idx="0">
+            <a:schemeClr val="accent1"/>
+          </a:effectRef>
+          <a:fontRef idx="minor">
+            <a:schemeClr val="tx1"/>
+          </a:fontRef>
+        </p:style>
+      </p:cxnSp>
+      <p:cxnSp>
+        <p:nvCxnSpPr>
+          <p:cNvPr id="686" name="Прямая со стрелкой 685"/>
+          <p:cNvCxnSpPr>
+            <a:stCxn id="675" idx="2"/>
+            <a:endCxn id="20" idx="0"/>
+          </p:cNvCxnSpPr>
+          <p:nvPr/>
+        </p:nvCxnSpPr>
+        <p:spPr>
+          <a:xfrm>
+            <a:off x="42583576" y="21122706"/>
+            <a:ext cx="2714" cy="394385"/>
           </a:xfrm>
           <a:prstGeom prst="straightConnector1">
             <a:avLst/>

--- a/Наработки/диздоки/Сиам/Сиам.pptx
+++ b/Наработки/диздоки/Сиам/Сиам.pptx
@@ -209,7 +209,7 @@
             <a:fld id="{33E3D7F9-E251-484C-A6FF-FA958879DF69}" type="datetimeFigureOut">
               <a:rPr lang="ru-RU" smtClean="0"/>
               <a:pPr/>
-              <a:t>14.08.2021</a:t>
+              <a:t>16.08.2021</a:t>
             </a:fld>
             <a:endParaRPr lang="ru-RU"/>
           </a:p>
@@ -700,7 +700,7 @@
             <a:fld id="{85A5DE44-605B-4D3B-B2B7-94543DF81A36}" type="datetimeFigureOut">
               <a:rPr lang="ru-RU" smtClean="0"/>
               <a:pPr/>
-              <a:t>14.08.2021</a:t>
+              <a:t>16.08.2021</a:t>
             </a:fld>
             <a:endParaRPr lang="ru-RU"/>
           </a:p>
@@ -872,7 +872,7 @@
             <a:fld id="{85A5DE44-605B-4D3B-B2B7-94543DF81A36}" type="datetimeFigureOut">
               <a:rPr lang="ru-RU" smtClean="0"/>
               <a:pPr/>
-              <a:t>14.08.2021</a:t>
+              <a:t>16.08.2021</a:t>
             </a:fld>
             <a:endParaRPr lang="ru-RU"/>
           </a:p>
@@ -1054,7 +1054,7 @@
             <a:fld id="{85A5DE44-605B-4D3B-B2B7-94543DF81A36}" type="datetimeFigureOut">
               <a:rPr lang="ru-RU" smtClean="0"/>
               <a:pPr/>
-              <a:t>14.08.2021</a:t>
+              <a:t>16.08.2021</a:t>
             </a:fld>
             <a:endParaRPr lang="ru-RU"/>
           </a:p>
@@ -1226,7 +1226,7 @@
             <a:fld id="{85A5DE44-605B-4D3B-B2B7-94543DF81A36}" type="datetimeFigureOut">
               <a:rPr lang="ru-RU" smtClean="0"/>
               <a:pPr/>
-              <a:t>14.08.2021</a:t>
+              <a:t>16.08.2021</a:t>
             </a:fld>
             <a:endParaRPr lang="ru-RU"/>
           </a:p>
@@ -1474,7 +1474,7 @@
             <a:fld id="{85A5DE44-605B-4D3B-B2B7-94543DF81A36}" type="datetimeFigureOut">
               <a:rPr lang="ru-RU" smtClean="0"/>
               <a:pPr/>
-              <a:t>14.08.2021</a:t>
+              <a:t>16.08.2021</a:t>
             </a:fld>
             <a:endParaRPr lang="ru-RU"/>
           </a:p>
@@ -1708,7 +1708,7 @@
             <a:fld id="{85A5DE44-605B-4D3B-B2B7-94543DF81A36}" type="datetimeFigureOut">
               <a:rPr lang="ru-RU" smtClean="0"/>
               <a:pPr/>
-              <a:t>14.08.2021</a:t>
+              <a:t>16.08.2021</a:t>
             </a:fld>
             <a:endParaRPr lang="ru-RU"/>
           </a:p>
@@ -2077,7 +2077,7 @@
             <a:fld id="{85A5DE44-605B-4D3B-B2B7-94543DF81A36}" type="datetimeFigureOut">
               <a:rPr lang="ru-RU" smtClean="0"/>
               <a:pPr/>
-              <a:t>14.08.2021</a:t>
+              <a:t>16.08.2021</a:t>
             </a:fld>
             <a:endParaRPr lang="ru-RU"/>
           </a:p>
@@ -2197,7 +2197,7 @@
             <a:fld id="{85A5DE44-605B-4D3B-B2B7-94543DF81A36}" type="datetimeFigureOut">
               <a:rPr lang="ru-RU" smtClean="0"/>
               <a:pPr/>
-              <a:t>14.08.2021</a:t>
+              <a:t>16.08.2021</a:t>
             </a:fld>
             <a:endParaRPr lang="ru-RU"/>
           </a:p>
@@ -2294,7 +2294,7 @@
             <a:fld id="{85A5DE44-605B-4D3B-B2B7-94543DF81A36}" type="datetimeFigureOut">
               <a:rPr lang="ru-RU" smtClean="0"/>
               <a:pPr/>
-              <a:t>14.08.2021</a:t>
+              <a:t>16.08.2021</a:t>
             </a:fld>
             <a:endParaRPr lang="ru-RU"/>
           </a:p>
@@ -2573,7 +2573,7 @@
             <a:fld id="{85A5DE44-605B-4D3B-B2B7-94543DF81A36}" type="datetimeFigureOut">
               <a:rPr lang="ru-RU" smtClean="0"/>
               <a:pPr/>
-              <a:t>14.08.2021</a:t>
+              <a:t>16.08.2021</a:t>
             </a:fld>
             <a:endParaRPr lang="ru-RU"/>
           </a:p>
@@ -2832,7 +2832,7 @@
             <a:fld id="{85A5DE44-605B-4D3B-B2B7-94543DF81A36}" type="datetimeFigureOut">
               <a:rPr lang="ru-RU" smtClean="0"/>
               <a:pPr/>
-              <a:t>14.08.2021</a:t>
+              <a:t>16.08.2021</a:t>
             </a:fld>
             <a:endParaRPr lang="ru-RU"/>
           </a:p>
@@ -3047,7 +3047,7 @@
             <a:fld id="{85A5DE44-605B-4D3B-B2B7-94543DF81A36}" type="datetimeFigureOut">
               <a:rPr lang="ru-RU" smtClean="0"/>
               <a:pPr/>
-              <a:t>14.08.2021</a:t>
+              <a:t>16.08.2021</a:t>
             </a:fld>
             <a:endParaRPr lang="ru-RU"/>
           </a:p>
@@ -3907,17 +3907,25 @@
             <a:pPr algn="ctr"/>
             <a:r>
               <a:rPr lang="ru-RU" sz="1400" dirty="0" smtClean="0"/>
-              <a:t>Политика ультранационализма (страна станет называться </a:t>
-            </a:r>
-            <a:r>
-              <a:rPr lang="ru-RU" sz="1400" dirty="0" err="1" smtClean="0"/>
-              <a:t>Тайланд</a:t>
+              <a:t>Политика </a:t>
             </a:r>
             <a:r>
               <a:rPr lang="ru-RU" sz="1400" dirty="0" smtClean="0"/>
-              <a:t>)</a:t>
-            </a:r>
-            <a:endParaRPr lang="ru-RU" sz="1400" dirty="0"/>
+              <a:t>ультранационализма </a:t>
+            </a:r>
+            <a:r>
+              <a:rPr lang="ru-RU" sz="600" dirty="0" smtClean="0"/>
+              <a:t>(</a:t>
+            </a:r>
+            <a:r>
+              <a:rPr lang="ru-RU" sz="1100" dirty="0"/>
+              <a:t>24 июня 1939 </a:t>
+            </a:r>
+            <a:r>
+              <a:rPr lang="ru-RU" sz="1100" dirty="0" smtClean="0"/>
+              <a:t>года)</a:t>
+            </a:r>
+            <a:endParaRPr lang="ru-RU" sz="600" dirty="0"/>
           </a:p>
         </p:txBody>
       </p:sp>
@@ -4052,74 +4060,14 @@
           <a:p>
             <a:pPr algn="ctr"/>
             <a:r>
-              <a:rPr lang="ru-RU" sz="1400" dirty="0" err="1" smtClean="0"/>
-              <a:t>Ювачон</a:t>
-            </a:r>
-            <a:r>
-              <a:rPr lang="ru-RU" sz="1400" dirty="0" smtClean="0"/>
-              <a:t> </a:t>
-            </a:r>
-            <a:r>
-              <a:rPr lang="ru-RU" sz="500" dirty="0" smtClean="0"/>
-              <a:t>(военизированная организация </a:t>
-            </a:r>
-            <a:r>
-              <a:rPr lang="ru-RU" sz="500" dirty="0" err="1" smtClean="0"/>
-              <a:t>парамилитари</a:t>
-            </a:r>
-            <a:r>
-              <a:rPr lang="ru-RU" sz="500" dirty="0" smtClean="0"/>
-              <a:t>, созданная фельдмаршалом </a:t>
-            </a:r>
-            <a:r>
-              <a:rPr lang="ru-RU" sz="500" dirty="0" err="1" smtClean="0"/>
-              <a:t>Пибуном</a:t>
-            </a:r>
-            <a:r>
-              <a:rPr lang="ru-RU" sz="500" dirty="0" smtClean="0"/>
-              <a:t> </a:t>
-            </a:r>
-            <a:r>
-              <a:rPr lang="ru-RU" sz="500" dirty="0" err="1" smtClean="0"/>
-              <a:t>Сонгкрамом</a:t>
-            </a:r>
-            <a:r>
-              <a:rPr lang="ru-RU" sz="500" dirty="0" smtClean="0"/>
-              <a:t> в 1934 году Члены организации </a:t>
-            </a:r>
-            <a:r>
-              <a:rPr lang="ru-RU" sz="500" dirty="0" err="1" smtClean="0"/>
-              <a:t>Ювачон</a:t>
-            </a:r>
-            <a:r>
-              <a:rPr lang="ru-RU" sz="500" dirty="0" smtClean="0"/>
-              <a:t> проходили специальное военное обучение по программе подготовки воинов офицерского корпуса. В порядке обмена опытом несколько подразделений </a:t>
-            </a:r>
-            <a:r>
-              <a:rPr lang="ru-RU" sz="500" dirty="0" err="1" smtClean="0"/>
-              <a:t>Ювачон</a:t>
-            </a:r>
-            <a:r>
-              <a:rPr lang="ru-RU" sz="500" dirty="0" smtClean="0"/>
-              <a:t> проходили тренинги в США, Великобритании, а в 1935 году — в нацистской Германии, после чего </a:t>
-            </a:r>
-            <a:r>
-              <a:rPr lang="ru-RU" sz="500" dirty="0" err="1" smtClean="0"/>
-              <a:t>Ювачон</a:t>
-            </a:r>
-            <a:r>
-              <a:rPr lang="ru-RU" sz="500" dirty="0" smtClean="0"/>
-              <a:t> приобрела организационное и внешнее сходство, ритуалы как у </a:t>
-            </a:r>
-            <a:r>
-              <a:rPr lang="ru-RU" sz="500" dirty="0" err="1" smtClean="0"/>
-              <a:t>гитлер-югенда</a:t>
-            </a:r>
-            <a:r>
-              <a:rPr lang="ru-RU" sz="500" dirty="0" smtClean="0"/>
-              <a:t>.)</a:t>
-            </a:r>
-            <a:endParaRPr lang="ru-RU" sz="500" dirty="0"/>
+              <a:rPr lang="ru-RU" sz="1400" dirty="0"/>
+              <a:t>Культ личности </a:t>
+            </a:r>
+            <a:r>
+              <a:rPr lang="ru-RU" sz="1400" dirty="0" err="1"/>
+              <a:t>Сонгкрама</a:t>
+            </a:r>
+            <a:endParaRPr lang="ru-RU" sz="1400" dirty="0"/>
           </a:p>
         </p:txBody>
       </p:sp>
@@ -4263,14 +4211,10 @@
           <a:p>
             <a:pPr algn="ctr"/>
             <a:r>
-              <a:rPr lang="ru-RU" sz="1400" dirty="0" smtClean="0"/>
-              <a:t>Культ личности </a:t>
-            </a:r>
-            <a:r>
               <a:rPr lang="ru-RU" sz="1400" dirty="0" err="1" smtClean="0"/>
-              <a:t>Пибунсонграма</a:t>
-            </a:r>
-            <a:endParaRPr lang="ru-RU" sz="1400" dirty="0"/>
+              <a:t>Ювачон</a:t>
+            </a:r>
+            <a:endParaRPr lang="ru-RU" sz="500" dirty="0"/>
           </a:p>
         </p:txBody>
       </p:sp>
@@ -15102,45 +15046,6 @@
       </p:sp>
       <p:cxnSp>
         <p:nvCxnSpPr>
-          <p:cNvPr id="389" name="Shape 248"/>
-          <p:cNvCxnSpPr>
-            <a:stCxn id="54" idx="2"/>
-            <a:endCxn id="478" idx="0"/>
-          </p:cNvCxnSpPr>
-          <p:nvPr/>
-        </p:nvCxnSpPr>
-        <p:spPr>
-          <a:xfrm rot="5400000">
-            <a:off x="12561572" y="11687019"/>
-            <a:ext cx="1779285" cy="11737000"/>
-          </a:xfrm>
-          <a:prstGeom prst="bentConnector3">
-            <a:avLst>
-              <a:gd name="adj1" fmla="val 8887"/>
-            </a:avLst>
-          </a:prstGeom>
-          <a:ln w="28575">
-            <a:prstDash val="dash"/>
-            <a:tailEnd type="arrow"/>
-          </a:ln>
-        </p:spPr>
-        <p:style>
-          <a:lnRef idx="1">
-            <a:schemeClr val="accent1"/>
-          </a:lnRef>
-          <a:fillRef idx="0">
-            <a:schemeClr val="accent1"/>
-          </a:fillRef>
-          <a:effectRef idx="0">
-            <a:schemeClr val="accent1"/>
-          </a:effectRef>
-          <a:fontRef idx="minor">
-            <a:schemeClr val="tx1"/>
-          </a:fontRef>
-        </p:style>
-      </p:cxnSp>
-      <p:cxnSp>
-        <p:nvCxnSpPr>
           <p:cNvPr id="392" name="Прямая соединительная линия 391"/>
           <p:cNvCxnSpPr>
             <a:stCxn id="214" idx="1"/>
@@ -15911,11 +15816,11 @@
           </a:xfrm>
           <a:prstGeom prst="bentConnector3">
             <a:avLst>
-              <a:gd name="adj1" fmla="val 8819"/>
+              <a:gd name="adj1" fmla="val 9588"/>
             </a:avLst>
           </a:prstGeom>
           <a:ln w="28575">
-            <a:prstDash val="dash"/>
+            <a:prstDash val="solid"/>
             <a:tailEnd type="arrow"/>
           </a:ln>
         </p:spPr>
@@ -17273,13 +17178,13 @@
       </p:sp>
       <p:sp>
         <p:nvSpPr>
-          <p:cNvPr id="341" name="Прямоугольник 340"/>
+          <p:cNvPr id="347" name="Прямоугольник 346"/>
           <p:cNvSpPr/>
           <p:nvPr/>
         </p:nvSpPr>
         <p:spPr>
           <a:xfrm>
-            <a:off x="48391848" y="24300946"/>
+            <a:off x="42681200" y="22925085"/>
             <a:ext cx="2115918" cy="1080000"/>
           </a:xfrm>
           <a:prstGeom prst="rect">
@@ -17313,7 +17218,7 @@
             <a:pPr algn="ctr"/>
             <a:r>
               <a:rPr lang="ru-RU" sz="1400" dirty="0" smtClean="0"/>
-              <a:t>Уничтожить Сери Тай (Свободное тайское движение)</a:t>
+              <a:t>Отказаться от  сотрудничества с Японией</a:t>
             </a:r>
             <a:endParaRPr lang="ru-RU" sz="1400" dirty="0"/>
           </a:p>
@@ -17321,13 +17226,13 @@
       </p:sp>
       <p:sp>
         <p:nvSpPr>
-          <p:cNvPr id="347" name="Прямоугольник 346"/>
+          <p:cNvPr id="348" name="Прямоугольник 347"/>
           <p:cNvSpPr/>
           <p:nvPr/>
         </p:nvSpPr>
         <p:spPr>
           <a:xfrm>
-            <a:off x="42681200" y="22925085"/>
+            <a:off x="46096323" y="24300946"/>
             <a:ext cx="2115918" cy="1080000"/>
           </a:xfrm>
           <a:prstGeom prst="rect">
@@ -17360,99 +17265,13 @@
           <a:p>
             <a:pPr algn="ctr"/>
             <a:r>
-              <a:rPr lang="ru-RU" sz="1400" dirty="0" smtClean="0"/>
-              <a:t>Отказаться от  сотрудничества с Японией</a:t>
+              <a:rPr lang="ru-RU" sz="1400" dirty="0"/>
+              <a:t>Уничтожить Сери Тай (Свободное тайское движение)</a:t>
             </a:r>
             <a:endParaRPr lang="ru-RU" sz="1400" dirty="0"/>
           </a:p>
         </p:txBody>
       </p:sp>
-      <p:sp>
-        <p:nvSpPr>
-          <p:cNvPr id="348" name="Прямоугольник 347"/>
-          <p:cNvSpPr/>
-          <p:nvPr/>
-        </p:nvSpPr>
-        <p:spPr>
-          <a:xfrm>
-            <a:off x="46096323" y="24300946"/>
-            <a:ext cx="2115918" cy="1080000"/>
-          </a:xfrm>
-          <a:prstGeom prst="rect">
-            <a:avLst/>
-          </a:prstGeom>
-          <a:solidFill>
-            <a:schemeClr val="accent2">
-              <a:lumMod val="75000"/>
-            </a:schemeClr>
-          </a:solidFill>
-          <a:ln w="28575"/>
-        </p:spPr>
-        <p:style>
-          <a:lnRef idx="2">
-            <a:schemeClr val="accent1"/>
-          </a:lnRef>
-          <a:fillRef idx="1">
-            <a:schemeClr val="lt1"/>
-          </a:fillRef>
-          <a:effectRef idx="0">
-            <a:schemeClr val="accent1"/>
-          </a:effectRef>
-          <a:fontRef idx="minor">
-            <a:schemeClr val="dk1"/>
-          </a:fontRef>
-        </p:style>
-        <p:txBody>
-          <a:bodyPr lIns="124733" tIns="62367" rIns="124733" bIns="62367" rtlCol="0" anchor="ctr"/>
-          <a:lstStyle/>
-          <a:p>
-            <a:pPr algn="ctr"/>
-            <a:r>
-              <a:rPr lang="ru-RU" sz="1400" dirty="0" smtClean="0"/>
-              <a:t>Скрытая поддержка Сери Тай (Свободное тайское движение)</a:t>
-            </a:r>
-            <a:endParaRPr lang="ru-RU" sz="1400" dirty="0"/>
-          </a:p>
-        </p:txBody>
-      </p:sp>
-      <p:cxnSp>
-        <p:nvCxnSpPr>
-          <p:cNvPr id="350" name="Прямая соединительная линия 349"/>
-          <p:cNvCxnSpPr>
-            <a:stCxn id="341" idx="1"/>
-            <a:endCxn id="348" idx="3"/>
-          </p:cNvCxnSpPr>
-          <p:nvPr/>
-        </p:nvCxnSpPr>
-        <p:spPr>
-          <a:xfrm flipH="1">
-            <a:off x="48212241" y="24840946"/>
-            <a:ext cx="179607" cy="0"/>
-          </a:xfrm>
-          <a:prstGeom prst="line">
-            <a:avLst/>
-          </a:prstGeom>
-          <a:ln w="38100">
-            <a:solidFill>
-              <a:srgbClr val="FF0000"/>
-            </a:solidFill>
-          </a:ln>
-        </p:spPr>
-        <p:style>
-          <a:lnRef idx="1">
-            <a:schemeClr val="accent2"/>
-          </a:lnRef>
-          <a:fillRef idx="0">
-            <a:schemeClr val="accent2"/>
-          </a:fillRef>
-          <a:effectRef idx="0">
-            <a:schemeClr val="accent2"/>
-          </a:effectRef>
-          <a:fontRef idx="minor">
-            <a:schemeClr val="tx1"/>
-          </a:fontRef>
-        </p:style>
-      </p:cxnSp>
       <p:sp>
         <p:nvSpPr>
           <p:cNvPr id="351" name="Прямоугольник 350"/>
@@ -19155,44 +18974,6 @@
           <a:xfrm rot="16200000" flipH="1">
             <a:off x="46437028" y="23583691"/>
             <a:ext cx="295861" cy="1138648"/>
-          </a:xfrm>
-          <a:prstGeom prst="bentConnector3">
-            <a:avLst>
-              <a:gd name="adj1" fmla="val 50000"/>
-            </a:avLst>
-          </a:prstGeom>
-          <a:ln w="28575">
-            <a:tailEnd type="arrow"/>
-          </a:ln>
-        </p:spPr>
-        <p:style>
-          <a:lnRef idx="1">
-            <a:schemeClr val="accent1"/>
-          </a:lnRef>
-          <a:fillRef idx="0">
-            <a:schemeClr val="accent1"/>
-          </a:fillRef>
-          <a:effectRef idx="0">
-            <a:schemeClr val="accent1"/>
-          </a:effectRef>
-          <a:fontRef idx="minor">
-            <a:schemeClr val="tx1"/>
-          </a:fontRef>
-        </p:style>
-      </p:cxnSp>
-      <p:cxnSp>
-        <p:nvCxnSpPr>
-          <p:cNvPr id="508" name="Shape 248"/>
-          <p:cNvCxnSpPr>
-            <a:stCxn id="245" idx="2"/>
-            <a:endCxn id="341" idx="0"/>
-          </p:cNvCxnSpPr>
-          <p:nvPr/>
-        </p:nvCxnSpPr>
-        <p:spPr>
-          <a:xfrm rot="16200000" flipH="1">
-            <a:off x="47584790" y="22435928"/>
-            <a:ext cx="295861" cy="3434173"/>
           </a:xfrm>
           <a:prstGeom prst="bentConnector3">
             <a:avLst>
@@ -22490,42 +22271,6 @@
           </a:p>
         </p:txBody>
       </p:sp>
-      <p:cxnSp>
-        <p:nvCxnSpPr>
-          <p:cNvPr id="515" name="Прямая со стрелкой 514"/>
-          <p:cNvCxnSpPr>
-            <a:stCxn id="104" idx="2"/>
-            <a:endCxn id="513" idx="0"/>
-          </p:cNvCxnSpPr>
-          <p:nvPr/>
-        </p:nvCxnSpPr>
-        <p:spPr>
-          <a:xfrm>
-            <a:off x="48277040" y="24003806"/>
-            <a:ext cx="21770" cy="1744348"/>
-          </a:xfrm>
-          <a:prstGeom prst="straightConnector1">
-            <a:avLst/>
-          </a:prstGeom>
-          <a:ln w="28575">
-            <a:tailEnd type="arrow"/>
-          </a:ln>
-        </p:spPr>
-        <p:style>
-          <a:lnRef idx="1">
-            <a:schemeClr val="accent1"/>
-          </a:lnRef>
-          <a:fillRef idx="0">
-            <a:schemeClr val="accent1"/>
-          </a:fillRef>
-          <a:effectRef idx="0">
-            <a:schemeClr val="accent1"/>
-          </a:effectRef>
-          <a:fontRef idx="minor">
-            <a:schemeClr val="tx1"/>
-          </a:fontRef>
-        </p:style>
-      </p:cxnSp>
       <p:sp>
         <p:nvSpPr>
           <p:cNvPr id="520" name="Прямоугольник 519"/>
@@ -22830,16 +22575,130 @@
           </a:fontRef>
         </p:style>
       </p:cxnSp>
-      <p:sp>
-        <p:nvSpPr>
-          <p:cNvPr id="567" name="Прямоугольник 566"/>
+      <p:cxnSp>
+        <p:nvCxnSpPr>
+          <p:cNvPr id="568" name="Shape 248"/>
+          <p:cNvCxnSpPr>
+            <a:stCxn id="506" idx="2"/>
+            <a:endCxn id="563" idx="0"/>
+          </p:cNvCxnSpPr>
+          <p:nvPr/>
+        </p:nvCxnSpPr>
+        <p:spPr>
+          <a:xfrm rot="5400000">
+            <a:off x="45313832" y="26419237"/>
+            <a:ext cx="295557" cy="1142010"/>
+          </a:xfrm>
+          <a:prstGeom prst="bentConnector3">
+            <a:avLst>
+              <a:gd name="adj1" fmla="val 50000"/>
+            </a:avLst>
+          </a:prstGeom>
+          <a:ln w="28575">
+            <a:tailEnd type="arrow"/>
+          </a:ln>
+        </p:spPr>
+        <p:style>
+          <a:lnRef idx="1">
+            <a:schemeClr val="accent1"/>
+          </a:lnRef>
+          <a:fillRef idx="0">
+            <a:schemeClr val="accent1"/>
+          </a:fillRef>
+          <a:effectRef idx="0">
+            <a:schemeClr val="accent1"/>
+          </a:effectRef>
+          <a:fontRef idx="minor">
+            <a:schemeClr val="tx1"/>
+          </a:fontRef>
+        </p:style>
+      </p:cxnSp>
+      <p:cxnSp>
+        <p:nvCxnSpPr>
+          <p:cNvPr id="571" name="Shape 248"/>
+          <p:cNvCxnSpPr>
+            <a:stCxn id="245" idx="2"/>
+            <a:endCxn id="552" idx="0"/>
+          </p:cNvCxnSpPr>
+          <p:nvPr/>
+        </p:nvCxnSpPr>
+        <p:spPr>
+          <a:xfrm rot="5400000">
+            <a:off x="44011343" y="23746296"/>
+            <a:ext cx="1745503" cy="2263081"/>
+          </a:xfrm>
+          <a:prstGeom prst="bentConnector3">
+            <a:avLst>
+              <a:gd name="adj1" fmla="val 9180"/>
+            </a:avLst>
+          </a:prstGeom>
+          <a:ln w="28575">
+            <a:prstDash val="dash"/>
+            <a:tailEnd type="arrow"/>
+          </a:ln>
+        </p:spPr>
+        <p:style>
+          <a:lnRef idx="1">
+            <a:schemeClr val="accent1"/>
+          </a:lnRef>
+          <a:fillRef idx="0">
+            <a:schemeClr val="accent1"/>
+          </a:fillRef>
+          <a:effectRef idx="0">
+            <a:schemeClr val="accent1"/>
+          </a:effectRef>
+          <a:fontRef idx="minor">
+            <a:schemeClr val="tx1"/>
+          </a:fontRef>
+        </p:style>
+      </p:cxnSp>
+      <p:cxnSp>
+        <p:nvCxnSpPr>
+          <p:cNvPr id="576" name="Прямая со стрелкой 575"/>
+          <p:cNvCxnSpPr>
+            <a:stCxn id="347" idx="2"/>
+            <a:endCxn id="552" idx="0"/>
+          </p:cNvCxnSpPr>
+          <p:nvPr/>
+        </p:nvCxnSpPr>
+        <p:spPr>
+          <a:xfrm>
+            <a:off x="43739159" y="24005085"/>
+            <a:ext cx="13394" cy="1745503"/>
+          </a:xfrm>
+          <a:prstGeom prst="straightConnector1">
+            <a:avLst/>
+          </a:prstGeom>
+          <a:ln w="28575">
+            <a:prstDash val="dash"/>
+            <a:tailEnd type="arrow"/>
+          </a:ln>
+        </p:spPr>
+        <p:style>
+          <a:lnRef idx="1">
+            <a:schemeClr val="accent1"/>
+          </a:lnRef>
+          <a:fillRef idx="0">
+            <a:schemeClr val="accent1"/>
+          </a:fillRef>
+          <a:effectRef idx="0">
+            <a:schemeClr val="accent1"/>
+          </a:effectRef>
+          <a:fontRef idx="minor">
+            <a:schemeClr val="tx1"/>
+          </a:fontRef>
+        </p:style>
+      </p:cxnSp>
+      <p:sp>
+        <p:nvSpPr>
+          <p:cNvPr id="579" name="Прямоугольник 578"/>
           <p:cNvSpPr/>
           <p:nvPr/>
         </p:nvSpPr>
         <p:spPr>
           <a:xfrm>
-            <a:off x="42072333" y="19052134"/>
-            <a:ext cx="1640144" cy="696915"/>
+            <a:off x="42702510" y="28489829"/>
+            <a:ext cx="2115918" cy="1080000"/>
           </a:xfrm>
           <a:prstGeom prst="rect">
             <a:avLst/>
@@ -22871,148 +22730,22 @@
           <a:p>
             <a:pPr algn="ctr"/>
             <a:r>
-              <a:rPr lang="ru-RU" sz="1050" dirty="0" smtClean="0"/>
-              <a:t>Министр «Архитектор тайского национализма» </a:t>
-            </a:r>
-            <a:r>
-              <a:rPr lang="en-US" sz="1050" dirty="0" err="1" smtClean="0"/>
-              <a:t>Luang</a:t>
-            </a:r>
-            <a:r>
-              <a:rPr lang="en-US" sz="1050" dirty="0" smtClean="0"/>
-              <a:t> </a:t>
-            </a:r>
-            <a:r>
-              <a:rPr lang="en-US" sz="1050" dirty="0" err="1" smtClean="0"/>
-              <a:t>Wichitwathakan</a:t>
-            </a:r>
-            <a:endParaRPr lang="ru-RU" sz="1050" dirty="0"/>
-          </a:p>
-        </p:txBody>
-      </p:sp>
-      <p:cxnSp>
-        <p:nvCxnSpPr>
-          <p:cNvPr id="568" name="Shape 248"/>
-          <p:cNvCxnSpPr>
-            <a:stCxn id="506" idx="2"/>
-            <a:endCxn id="563" idx="0"/>
-          </p:cNvCxnSpPr>
-          <p:nvPr/>
-        </p:nvCxnSpPr>
-        <p:spPr>
-          <a:xfrm rot="5400000">
-            <a:off x="45313832" y="26419237"/>
-            <a:ext cx="295557" cy="1142010"/>
-          </a:xfrm>
-          <a:prstGeom prst="bentConnector3">
-            <a:avLst>
-              <a:gd name="adj1" fmla="val 50000"/>
-            </a:avLst>
-          </a:prstGeom>
-          <a:ln w="28575">
-            <a:tailEnd type="arrow"/>
-          </a:ln>
-        </p:spPr>
-        <p:style>
-          <a:lnRef idx="1">
-            <a:schemeClr val="accent1"/>
-          </a:lnRef>
-          <a:fillRef idx="0">
-            <a:schemeClr val="accent1"/>
-          </a:fillRef>
-          <a:effectRef idx="0">
-            <a:schemeClr val="accent1"/>
-          </a:effectRef>
-          <a:fontRef idx="minor">
-            <a:schemeClr val="tx1"/>
-          </a:fontRef>
-        </p:style>
-      </p:cxnSp>
-      <p:cxnSp>
-        <p:nvCxnSpPr>
-          <p:cNvPr id="571" name="Shape 248"/>
-          <p:cNvCxnSpPr>
-            <a:stCxn id="245" idx="2"/>
-            <a:endCxn id="552" idx="0"/>
-          </p:cNvCxnSpPr>
-          <p:nvPr/>
-        </p:nvCxnSpPr>
-        <p:spPr>
-          <a:xfrm rot="5400000">
-            <a:off x="44011343" y="23746296"/>
-            <a:ext cx="1745503" cy="2263081"/>
-          </a:xfrm>
-          <a:prstGeom prst="bentConnector3">
-            <a:avLst>
-              <a:gd name="adj1" fmla="val 9180"/>
-            </a:avLst>
-          </a:prstGeom>
-          <a:ln w="28575">
-            <a:prstDash val="dash"/>
-            <a:tailEnd type="arrow"/>
-          </a:ln>
-        </p:spPr>
-        <p:style>
-          <a:lnRef idx="1">
-            <a:schemeClr val="accent1"/>
-          </a:lnRef>
-          <a:fillRef idx="0">
-            <a:schemeClr val="accent1"/>
-          </a:fillRef>
-          <a:effectRef idx="0">
-            <a:schemeClr val="accent1"/>
-          </a:effectRef>
-          <a:fontRef idx="minor">
-            <a:schemeClr val="tx1"/>
-          </a:fontRef>
-        </p:style>
-      </p:cxnSp>
-      <p:cxnSp>
-        <p:nvCxnSpPr>
-          <p:cNvPr id="576" name="Прямая со стрелкой 575"/>
-          <p:cNvCxnSpPr>
-            <a:stCxn id="347" idx="2"/>
-            <a:endCxn id="552" idx="0"/>
-          </p:cNvCxnSpPr>
-          <p:nvPr/>
-        </p:nvCxnSpPr>
-        <p:spPr>
-          <a:xfrm>
-            <a:off x="43739159" y="24005085"/>
-            <a:ext cx="13394" cy="1745503"/>
-          </a:xfrm>
-          <a:prstGeom prst="straightConnector1">
-            <a:avLst/>
-          </a:prstGeom>
-          <a:ln w="28575">
-            <a:prstDash val="dash"/>
-            <a:tailEnd type="arrow"/>
-          </a:ln>
-        </p:spPr>
-        <p:style>
-          <a:lnRef idx="1">
-            <a:schemeClr val="accent1"/>
-          </a:lnRef>
-          <a:fillRef idx="0">
-            <a:schemeClr val="accent1"/>
-          </a:fillRef>
-          <a:effectRef idx="0">
-            <a:schemeClr val="accent1"/>
-          </a:effectRef>
-          <a:fontRef idx="minor">
-            <a:schemeClr val="tx1"/>
-          </a:fontRef>
-        </p:style>
-      </p:cxnSp>
-      <p:sp>
-        <p:nvSpPr>
-          <p:cNvPr id="579" name="Прямоугольник 578"/>
+              <a:rPr lang="ru-RU" sz="1400" dirty="0" smtClean="0"/>
+              <a:t>Организация новой столицы</a:t>
+            </a:r>
+            <a:endParaRPr lang="ru-RU" sz="1400" dirty="0"/>
+          </a:p>
+        </p:txBody>
+      </p:sp>
+      <p:sp>
+        <p:nvSpPr>
+          <p:cNvPr id="580" name="Прямоугольник 579"/>
           <p:cNvSpPr/>
           <p:nvPr/>
         </p:nvSpPr>
         <p:spPr>
           <a:xfrm>
-            <a:off x="42702510" y="28489829"/>
+            <a:off x="44968722" y="28487851"/>
             <a:ext cx="2115918" cy="1080000"/>
           </a:xfrm>
           <a:prstGeom prst="rect">
@@ -23046,21 +22779,101 @@
             <a:pPr algn="ctr"/>
             <a:r>
               <a:rPr lang="ru-RU" sz="1400" dirty="0" smtClean="0"/>
-              <a:t>Организация новой столицы</a:t>
-            </a:r>
-            <a:endParaRPr lang="ru-RU" sz="1400" dirty="0"/>
-          </a:p>
-        </p:txBody>
-      </p:sp>
-      <p:sp>
-        <p:nvSpPr>
-          <p:cNvPr id="580" name="Прямоугольник 579"/>
+              <a:t>Постройка буддистского </a:t>
+            </a:r>
+            <a:r>
+              <a:rPr lang="ru-RU" sz="1400" dirty="0" smtClean="0"/>
+              <a:t>города</a:t>
+            </a:r>
+            <a:endParaRPr lang="ru-RU" sz="600" dirty="0"/>
+          </a:p>
+        </p:txBody>
+      </p:sp>
+      <p:cxnSp>
+        <p:nvCxnSpPr>
+          <p:cNvPr id="581" name="Shape 248"/>
+          <p:cNvCxnSpPr>
+            <a:stCxn id="563" idx="2"/>
+            <a:endCxn id="579" idx="0"/>
+          </p:cNvCxnSpPr>
+          <p:nvPr/>
+        </p:nvCxnSpPr>
+        <p:spPr>
+          <a:xfrm rot="5400000">
+            <a:off x="44189633" y="27788857"/>
+            <a:ext cx="271808" cy="1130136"/>
+          </a:xfrm>
+          <a:prstGeom prst="bentConnector3">
+            <a:avLst>
+              <a:gd name="adj1" fmla="val 50000"/>
+            </a:avLst>
+          </a:prstGeom>
+          <a:ln w="28575">
+            <a:tailEnd type="arrow"/>
+          </a:ln>
+        </p:spPr>
+        <p:style>
+          <a:lnRef idx="1">
+            <a:schemeClr val="accent1"/>
+          </a:lnRef>
+          <a:fillRef idx="0">
+            <a:schemeClr val="accent1"/>
+          </a:fillRef>
+          <a:effectRef idx="0">
+            <a:schemeClr val="accent1"/>
+          </a:effectRef>
+          <a:fontRef idx="minor">
+            <a:schemeClr val="tx1"/>
+          </a:fontRef>
+        </p:style>
+      </p:cxnSp>
+      <p:cxnSp>
+        <p:nvCxnSpPr>
+          <p:cNvPr id="584" name="Shape 248"/>
+          <p:cNvCxnSpPr>
+            <a:stCxn id="563" idx="2"/>
+            <a:endCxn id="580" idx="0"/>
+          </p:cNvCxnSpPr>
+          <p:nvPr/>
+        </p:nvCxnSpPr>
+        <p:spPr>
+          <a:xfrm rot="16200000" flipH="1">
+            <a:off x="45323728" y="27784898"/>
+            <a:ext cx="269830" cy="1136076"/>
+          </a:xfrm>
+          <a:prstGeom prst="bentConnector3">
+            <a:avLst>
+              <a:gd name="adj1" fmla="val 50000"/>
+            </a:avLst>
+          </a:prstGeom>
+          <a:ln w="28575">
+            <a:tailEnd type="arrow"/>
+          </a:ln>
+        </p:spPr>
+        <p:style>
+          <a:lnRef idx="1">
+            <a:schemeClr val="accent1"/>
+          </a:lnRef>
+          <a:fillRef idx="0">
+            <a:schemeClr val="accent1"/>
+          </a:fillRef>
+          <a:effectRef idx="0">
+            <a:schemeClr val="accent1"/>
+          </a:effectRef>
+          <a:fontRef idx="minor">
+            <a:schemeClr val="tx1"/>
+          </a:fontRef>
+        </p:style>
+      </p:cxnSp>
+      <p:sp>
+        <p:nvSpPr>
+          <p:cNvPr id="587" name="Прямоугольник 586"/>
           <p:cNvSpPr/>
           <p:nvPr/>
         </p:nvSpPr>
         <p:spPr>
           <a:xfrm>
-            <a:off x="44968722" y="28487851"/>
+            <a:off x="43842544" y="29843616"/>
             <a:ext cx="2115918" cy="1080000"/>
           </a:xfrm>
           <a:prstGeom prst="rect">
@@ -23094,45 +22907,247 @@
             <a:pPr algn="ctr"/>
             <a:r>
               <a:rPr lang="ru-RU" sz="1400" dirty="0" smtClean="0"/>
-              <a:t>Постройка буддистского города  </a:t>
-            </a:r>
-            <a:r>
-              <a:rPr lang="ru-RU" sz="600" dirty="0" smtClean="0"/>
-              <a:t>(Один из них заключался в переносе столицы из Бангкока в отдаленное место в джунглях недалеко от </a:t>
-            </a:r>
-            <a:r>
-              <a:rPr lang="ru-RU" sz="600" dirty="0" err="1" smtClean="0"/>
-              <a:t>Пхетчабуна</a:t>
-            </a:r>
-            <a:r>
-              <a:rPr lang="ru-RU" sz="600" dirty="0" smtClean="0"/>
-              <a:t> на севере центральной части Таиланда. Другой - построить «буддийский город» недалеко от </a:t>
-            </a:r>
-            <a:r>
-              <a:rPr lang="ru-RU" sz="600" dirty="0" err="1" smtClean="0"/>
-              <a:t>Сарабури</a:t>
-            </a:r>
-            <a:r>
-              <a:rPr lang="ru-RU" sz="600" dirty="0" smtClean="0"/>
-              <a:t> . Эти идеи, заявленные в период серьезных экономических трудностей, настроили против него многих правительственных чиновников.)</a:t>
-            </a:r>
-            <a:endParaRPr lang="ru-RU" sz="600" dirty="0"/>
-          </a:p>
-        </p:txBody>
-      </p:sp>
-      <p:cxnSp>
-        <p:nvCxnSpPr>
-          <p:cNvPr id="581" name="Shape 248"/>
+              <a:t>Вернуть родину </a:t>
+            </a:r>
+            <a:r>
+              <a:rPr lang="ru-RU" sz="1400" dirty="0" smtClean="0"/>
+              <a:t>тайцев</a:t>
+            </a:r>
+            <a:endParaRPr lang="ru-RU" sz="1400" dirty="0"/>
+          </a:p>
+        </p:txBody>
+      </p:sp>
+      <p:cxnSp>
+        <p:nvCxnSpPr>
+          <p:cNvPr id="588" name="Прямая со стрелкой 587"/>
           <p:cNvCxnSpPr>
             <a:stCxn id="563" idx="2"/>
-            <a:endCxn id="579" idx="0"/>
+            <a:endCxn id="587" idx="0"/>
+          </p:cNvCxnSpPr>
+          <p:nvPr/>
+        </p:nvCxnSpPr>
+        <p:spPr>
+          <a:xfrm>
+            <a:off x="44890605" y="28218021"/>
+            <a:ext cx="9898" cy="1625595"/>
+          </a:xfrm>
+          <a:prstGeom prst="straightConnector1">
+            <a:avLst/>
+          </a:prstGeom>
+          <a:ln w="28575">
+            <a:tailEnd type="arrow"/>
+          </a:ln>
+        </p:spPr>
+        <p:style>
+          <a:lnRef idx="1">
+            <a:schemeClr val="accent1"/>
+          </a:lnRef>
+          <a:fillRef idx="0">
+            <a:schemeClr val="accent1"/>
+          </a:fillRef>
+          <a:effectRef idx="0">
+            <a:schemeClr val="accent1"/>
+          </a:effectRef>
+          <a:fontRef idx="minor">
+            <a:schemeClr val="tx1"/>
+          </a:fontRef>
+        </p:style>
+      </p:cxnSp>
+      <p:cxnSp>
+        <p:nvCxnSpPr>
+          <p:cNvPr id="591" name="Прямая со стрелкой 590"/>
+          <p:cNvCxnSpPr>
+            <a:stCxn id="433" idx="2"/>
+            <a:endCxn id="520" idx="0"/>
+          </p:cNvCxnSpPr>
+          <p:nvPr/>
+        </p:nvCxnSpPr>
+        <p:spPr>
+          <a:xfrm>
+            <a:off x="40321225" y="25390866"/>
+            <a:ext cx="9900" cy="1756223"/>
+          </a:xfrm>
+          <a:prstGeom prst="straightConnector1">
+            <a:avLst/>
+          </a:prstGeom>
+          <a:ln w="28575">
+            <a:tailEnd type="arrow"/>
+          </a:ln>
+        </p:spPr>
+        <p:style>
+          <a:lnRef idx="1">
+            <a:schemeClr val="accent1"/>
+          </a:lnRef>
+          <a:fillRef idx="0">
+            <a:schemeClr val="accent1"/>
+          </a:fillRef>
+          <a:effectRef idx="0">
+            <a:schemeClr val="accent1"/>
+          </a:effectRef>
+          <a:fontRef idx="minor">
+            <a:schemeClr val="tx1"/>
+          </a:fontRef>
+        </p:style>
+      </p:cxnSp>
+      <p:sp>
+        <p:nvSpPr>
+          <p:cNvPr id="594" name="Прямоугольник 593"/>
+          <p:cNvSpPr/>
+          <p:nvPr/>
+        </p:nvSpPr>
+        <p:spPr>
+          <a:xfrm>
+            <a:off x="33863168" y="18170608"/>
+            <a:ext cx="616554" cy="597714"/>
+          </a:xfrm>
+          <a:prstGeom prst="rect">
+            <a:avLst/>
+          </a:prstGeom>
+          <a:solidFill>
+            <a:srgbClr val="CC00CC"/>
+          </a:solidFill>
+          <a:ln w="28575"/>
+        </p:spPr>
+        <p:style>
+          <a:lnRef idx="2">
+            <a:schemeClr val="accent1"/>
+          </a:lnRef>
+          <a:fillRef idx="1">
+            <a:schemeClr val="lt1"/>
+          </a:fillRef>
+          <a:effectRef idx="0">
+            <a:schemeClr val="accent1"/>
+          </a:effectRef>
+          <a:fontRef idx="minor">
+            <a:schemeClr val="dk1"/>
+          </a:fontRef>
+        </p:style>
+        <p:txBody>
+          <a:bodyPr lIns="124733" tIns="62367" rIns="124733" bIns="62367" rtlCol="0" anchor="ctr"/>
+          <a:lstStyle/>
+          <a:p>
+            <a:pPr algn="ctr"/>
+            <a:r>
+              <a:rPr lang="ru-RU" sz="2400" dirty="0" smtClean="0"/>
+              <a:t>22</a:t>
+            </a:r>
+            <a:endParaRPr lang="ru-RU" sz="2400" dirty="0"/>
+          </a:p>
+        </p:txBody>
+      </p:sp>
+      <p:sp>
+        <p:nvSpPr>
+          <p:cNvPr id="487" name="Прямоугольник 486"/>
+          <p:cNvSpPr/>
+          <p:nvPr/>
+        </p:nvSpPr>
+        <p:spPr>
+          <a:xfrm>
+            <a:off x="31131013" y="21473047"/>
+            <a:ext cx="2115918" cy="1080000"/>
+          </a:xfrm>
+          <a:prstGeom prst="rect">
+            <a:avLst/>
+          </a:prstGeom>
+          <a:solidFill>
+            <a:srgbClr val="CC00CC"/>
+          </a:solidFill>
+          <a:ln w="28575"/>
+        </p:spPr>
+        <p:style>
+          <a:lnRef idx="2">
+            <a:schemeClr val="accent1"/>
+          </a:lnRef>
+          <a:fillRef idx="1">
+            <a:schemeClr val="lt1"/>
+          </a:fillRef>
+          <a:effectRef idx="0">
+            <a:schemeClr val="accent1"/>
+          </a:effectRef>
+          <a:fontRef idx="minor">
+            <a:schemeClr val="dk1"/>
+          </a:fontRef>
+        </p:style>
+        <p:txBody>
+          <a:bodyPr lIns="124733" tIns="62367" rIns="124733" bIns="62367" rtlCol="0" anchor="ctr"/>
+          <a:lstStyle/>
+          <a:p>
+            <a:pPr algn="ctr"/>
+            <a:r>
+              <a:rPr lang="ru-RU" sz="1400" dirty="0" smtClean="0"/>
+              <a:t>Контрреволюционная агентурная сеть</a:t>
+            </a:r>
+            <a:endParaRPr lang="ru-RU" sz="1400" dirty="0"/>
+          </a:p>
+        </p:txBody>
+      </p:sp>
+      <p:sp>
+        <p:nvSpPr>
+          <p:cNvPr id="489" name="Прямоугольник 488"/>
+          <p:cNvSpPr/>
+          <p:nvPr/>
+        </p:nvSpPr>
+        <p:spPr>
+          <a:xfrm>
+            <a:off x="29965106" y="20043028"/>
+            <a:ext cx="2115918" cy="1080000"/>
+          </a:xfrm>
+          <a:prstGeom prst="rect">
+            <a:avLst/>
+          </a:prstGeom>
+          <a:solidFill>
+            <a:srgbClr val="CC00CC"/>
+          </a:solidFill>
+          <a:ln w="28575"/>
+        </p:spPr>
+        <p:style>
+          <a:lnRef idx="2">
+            <a:schemeClr val="accent1"/>
+          </a:lnRef>
+          <a:fillRef idx="1">
+            <a:schemeClr val="lt1"/>
+          </a:fillRef>
+          <a:effectRef idx="0">
+            <a:schemeClr val="accent1"/>
+          </a:effectRef>
+          <a:fontRef idx="minor">
+            <a:schemeClr val="dk1"/>
+          </a:fontRef>
+        </p:style>
+        <p:txBody>
+          <a:bodyPr lIns="124733" tIns="62367" rIns="124733" bIns="62367" rtlCol="0" anchor="ctr"/>
+          <a:lstStyle/>
+          <a:p>
+            <a:pPr algn="ctr"/>
+            <a:r>
+              <a:rPr lang="ru-RU" sz="1400" dirty="0" smtClean="0"/>
+              <a:t>Ослабить конституцию дл королевской власти (</a:t>
+            </a:r>
+            <a:r>
+              <a:rPr lang="ru-RU" sz="1400" dirty="0" err="1" smtClean="0"/>
+              <a:t>дуалка</a:t>
+            </a:r>
+            <a:r>
+              <a:rPr lang="ru-RU" sz="1400" dirty="0" smtClean="0"/>
+              <a:t>)</a:t>
+            </a:r>
+            <a:endParaRPr lang="ru-RU" sz="1400" dirty="0"/>
+          </a:p>
+        </p:txBody>
+      </p:sp>
+      <p:cxnSp>
+        <p:nvCxnSpPr>
+          <p:cNvPr id="492" name="Shape 248"/>
+          <p:cNvCxnSpPr>
+            <a:stCxn id="489" idx="2"/>
+            <a:endCxn id="423" idx="0"/>
           </p:cNvCxnSpPr>
           <p:nvPr/>
         </p:nvCxnSpPr>
         <p:spPr>
           <a:xfrm rot="5400000">
-            <a:off x="44189633" y="27788857"/>
-            <a:ext cx="271808" cy="1130136"/>
+            <a:off x="29693253" y="20143470"/>
+            <a:ext cx="350255" cy="2309370"/>
           </a:xfrm>
           <a:prstGeom prst="bentConnector3">
             <a:avLst>
@@ -23140,6 +23155,7 @@
             </a:avLst>
           </a:prstGeom>
           <a:ln w="28575">
+            <a:prstDash val="dash"/>
             <a:tailEnd type="arrow"/>
           </a:ln>
         </p:spPr>
@@ -23160,17 +23176,17 @@
       </p:cxnSp>
       <p:cxnSp>
         <p:nvCxnSpPr>
-          <p:cNvPr id="584" name="Shape 248"/>
-          <p:cNvCxnSpPr>
-            <a:stCxn id="563" idx="2"/>
-            <a:endCxn id="580" idx="0"/>
-          </p:cNvCxnSpPr>
-          <p:nvPr/>
-        </p:nvCxnSpPr>
-        <p:spPr>
-          <a:xfrm rot="16200000" flipH="1">
-            <a:off x="45323728" y="27784898"/>
-            <a:ext cx="269830" cy="1136076"/>
+          <p:cNvPr id="495" name="Shape 248"/>
+          <p:cNvCxnSpPr>
+            <a:stCxn id="139" idx="2"/>
+            <a:endCxn id="489" idx="0"/>
+          </p:cNvCxnSpPr>
+          <p:nvPr/>
+        </p:nvCxnSpPr>
+        <p:spPr>
+          <a:xfrm rot="5400000">
+            <a:off x="33072243" y="17479931"/>
+            <a:ext cx="513919" cy="4612274"/>
           </a:xfrm>
           <a:prstGeom prst="bentConnector3">
             <a:avLst>
@@ -23196,16 +23212,1991 @@
           </a:fontRef>
         </p:style>
       </p:cxnSp>
-      <p:sp>
-        <p:nvSpPr>
-          <p:cNvPr id="587" name="Прямоугольник 586"/>
+      <p:cxnSp>
+        <p:nvCxnSpPr>
+          <p:cNvPr id="496" name="Прямая со стрелкой 495"/>
+          <p:cNvCxnSpPr>
+            <a:stCxn id="139" idx="2"/>
+            <a:endCxn id="140" idx="0"/>
+          </p:cNvCxnSpPr>
+          <p:nvPr/>
+        </p:nvCxnSpPr>
+        <p:spPr>
+          <a:xfrm>
+            <a:off x="35635339" y="19529109"/>
+            <a:ext cx="0" cy="516263"/>
+          </a:xfrm>
+          <a:prstGeom prst="straightConnector1">
+            <a:avLst/>
+          </a:prstGeom>
+          <a:ln w="28575">
+            <a:tailEnd type="arrow"/>
+          </a:ln>
+        </p:spPr>
+        <p:style>
+          <a:lnRef idx="1">
+            <a:schemeClr val="accent1"/>
+          </a:lnRef>
+          <a:fillRef idx="0">
+            <a:schemeClr val="accent1"/>
+          </a:fillRef>
+          <a:effectRef idx="0">
+            <a:schemeClr val="accent1"/>
+          </a:effectRef>
+          <a:fontRef idx="minor">
+            <a:schemeClr val="tx1"/>
+          </a:fontRef>
+        </p:style>
+      </p:cxnSp>
+      <p:sp>
+        <p:nvSpPr>
+          <p:cNvPr id="497" name="Прямоугольник 496"/>
           <p:cNvSpPr/>
           <p:nvPr/>
         </p:nvSpPr>
         <p:spPr>
           <a:xfrm>
-            <a:off x="43842544" y="29843616"/>
+            <a:off x="38042224" y="21463522"/>
             <a:ext cx="2115918" cy="1080000"/>
+          </a:xfrm>
+          <a:prstGeom prst="rect">
+            <a:avLst/>
+          </a:prstGeom>
+          <a:solidFill>
+            <a:srgbClr val="CC00CC"/>
+          </a:solidFill>
+          <a:ln w="28575"/>
+        </p:spPr>
+        <p:style>
+          <a:lnRef idx="2">
+            <a:schemeClr val="accent1"/>
+          </a:lnRef>
+          <a:fillRef idx="1">
+            <a:schemeClr val="lt1"/>
+          </a:fillRef>
+          <a:effectRef idx="0">
+            <a:schemeClr val="accent1"/>
+          </a:effectRef>
+          <a:fontRef idx="minor">
+            <a:schemeClr val="dk1"/>
+          </a:fontRef>
+        </p:style>
+        <p:txBody>
+          <a:bodyPr lIns="124733" tIns="62367" rIns="124733" bIns="62367" rtlCol="0" anchor="ctr"/>
+          <a:lstStyle/>
+          <a:p>
+            <a:pPr algn="ctr"/>
+            <a:r>
+              <a:rPr lang="ru-RU" sz="1400" dirty="0" smtClean="0"/>
+              <a:t>Поддержание </a:t>
+            </a:r>
+            <a:r>
+              <a:rPr lang="ru-RU" sz="1400" dirty="0"/>
+              <a:t>западного побережья </a:t>
+            </a:r>
+            <a:r>
+              <a:rPr lang="ru-RU" sz="900" dirty="0"/>
+              <a:t>(Он учредил совет по поддержанию западного побережья. Чтобы воспитать </a:t>
+            </a:r>
+            <a:r>
+              <a:rPr lang="ru-RU" sz="900" dirty="0" err="1"/>
+              <a:t>Хуа</a:t>
+            </a:r>
+            <a:r>
+              <a:rPr lang="ru-RU" sz="900" dirty="0"/>
+              <a:t> Хин и его окрестности, чтобы стать морским курортом</a:t>
+            </a:r>
+            <a:r>
+              <a:rPr lang="ru-RU" sz="900" dirty="0" smtClean="0"/>
+              <a:t>.)</a:t>
+            </a:r>
+            <a:endParaRPr lang="ru-RU" sz="900" dirty="0"/>
+          </a:p>
+        </p:txBody>
+      </p:sp>
+      <p:cxnSp>
+        <p:nvCxnSpPr>
+          <p:cNvPr id="502" name="Прямая со стрелкой 501"/>
+          <p:cNvCxnSpPr>
+            <a:stCxn id="140" idx="2"/>
+            <a:endCxn id="451" idx="0"/>
+          </p:cNvCxnSpPr>
+          <p:nvPr/>
+        </p:nvCxnSpPr>
+        <p:spPr>
+          <a:xfrm>
+            <a:off x="35635339" y="21125372"/>
+            <a:ext cx="0" cy="4673411"/>
+          </a:xfrm>
+          <a:prstGeom prst="straightConnector1">
+            <a:avLst/>
+          </a:prstGeom>
+          <a:ln w="28575">
+            <a:tailEnd type="arrow"/>
+          </a:ln>
+        </p:spPr>
+        <p:style>
+          <a:lnRef idx="1">
+            <a:schemeClr val="accent1"/>
+          </a:lnRef>
+          <a:fillRef idx="0">
+            <a:schemeClr val="accent1"/>
+          </a:fillRef>
+          <a:effectRef idx="0">
+            <a:schemeClr val="accent1"/>
+          </a:effectRef>
+          <a:fontRef idx="minor">
+            <a:schemeClr val="tx1"/>
+          </a:fontRef>
+        </p:style>
+      </p:cxnSp>
+      <p:cxnSp>
+        <p:nvCxnSpPr>
+          <p:cNvPr id="509" name="Shape 248"/>
+          <p:cNvCxnSpPr>
+            <a:stCxn id="139" idx="2"/>
+            <a:endCxn id="449" idx="0"/>
+          </p:cNvCxnSpPr>
+          <p:nvPr/>
+        </p:nvCxnSpPr>
+        <p:spPr>
+          <a:xfrm rot="16200000" flipH="1">
+            <a:off x="36531679" y="18632768"/>
+            <a:ext cx="514705" cy="2307385"/>
+          </a:xfrm>
+          <a:prstGeom prst="bentConnector3">
+            <a:avLst>
+              <a:gd name="adj1" fmla="val 50000"/>
+            </a:avLst>
+          </a:prstGeom>
+          <a:ln w="28575">
+            <a:tailEnd type="arrow"/>
+          </a:ln>
+        </p:spPr>
+        <p:style>
+          <a:lnRef idx="1">
+            <a:schemeClr val="accent1"/>
+          </a:lnRef>
+          <a:fillRef idx="0">
+            <a:schemeClr val="accent1"/>
+          </a:fillRef>
+          <a:effectRef idx="0">
+            <a:schemeClr val="accent1"/>
+          </a:effectRef>
+          <a:fontRef idx="minor">
+            <a:schemeClr val="tx1"/>
+          </a:fontRef>
+        </p:style>
+      </p:cxnSp>
+      <p:cxnSp>
+        <p:nvCxnSpPr>
+          <p:cNvPr id="510" name="Shape 248"/>
+          <p:cNvCxnSpPr>
+            <a:stCxn id="140" idx="2"/>
+            <a:endCxn id="497" idx="0"/>
+          </p:cNvCxnSpPr>
+          <p:nvPr/>
+        </p:nvCxnSpPr>
+        <p:spPr>
+          <a:xfrm rot="16200000" flipH="1">
+            <a:off x="37198686" y="19562025"/>
+            <a:ext cx="338150" cy="3464844"/>
+          </a:xfrm>
+          <a:prstGeom prst="bentConnector3">
+            <a:avLst>
+              <a:gd name="adj1" fmla="val 50000"/>
+            </a:avLst>
+          </a:prstGeom>
+          <a:ln w="28575">
+            <a:tailEnd type="arrow"/>
+          </a:ln>
+        </p:spPr>
+        <p:style>
+          <a:lnRef idx="1">
+            <a:schemeClr val="accent1"/>
+          </a:lnRef>
+          <a:fillRef idx="0">
+            <a:schemeClr val="accent1"/>
+          </a:fillRef>
+          <a:effectRef idx="0">
+            <a:schemeClr val="accent1"/>
+          </a:effectRef>
+          <a:fontRef idx="minor">
+            <a:schemeClr val="tx1"/>
+          </a:fontRef>
+        </p:style>
+      </p:cxnSp>
+      <p:cxnSp>
+        <p:nvCxnSpPr>
+          <p:cNvPr id="516" name="Shape 248"/>
+          <p:cNvCxnSpPr>
+            <a:stCxn id="449" idx="2"/>
+            <a:endCxn id="497" idx="0"/>
+          </p:cNvCxnSpPr>
+          <p:nvPr/>
+        </p:nvCxnSpPr>
+        <p:spPr>
+          <a:xfrm rot="16200000" flipH="1">
+            <a:off x="38351599" y="20714938"/>
+            <a:ext cx="339708" cy="1157459"/>
+          </a:xfrm>
+          <a:prstGeom prst="bentConnector3">
+            <a:avLst>
+              <a:gd name="adj1" fmla="val 50000"/>
+            </a:avLst>
+          </a:prstGeom>
+          <a:ln w="28575">
+            <a:tailEnd type="arrow"/>
+          </a:ln>
+        </p:spPr>
+        <p:style>
+          <a:lnRef idx="1">
+            <a:schemeClr val="accent1"/>
+          </a:lnRef>
+          <a:fillRef idx="0">
+            <a:schemeClr val="accent1"/>
+          </a:fillRef>
+          <a:effectRef idx="0">
+            <a:schemeClr val="accent1"/>
+          </a:effectRef>
+          <a:fontRef idx="minor">
+            <a:schemeClr val="tx1"/>
+          </a:fontRef>
+        </p:style>
+      </p:cxnSp>
+      <p:sp>
+        <p:nvSpPr>
+          <p:cNvPr id="519" name="Прямоугольник 518"/>
+          <p:cNvSpPr/>
+          <p:nvPr/>
+        </p:nvSpPr>
+        <p:spPr>
+          <a:xfrm>
+            <a:off x="32269727" y="20045955"/>
+            <a:ext cx="2115918" cy="1080000"/>
+          </a:xfrm>
+          <a:prstGeom prst="rect">
+            <a:avLst/>
+          </a:prstGeom>
+          <a:solidFill>
+            <a:srgbClr val="CC00CC"/>
+          </a:solidFill>
+          <a:ln w="28575"/>
+        </p:spPr>
+        <p:style>
+          <a:lnRef idx="2">
+            <a:schemeClr val="accent1"/>
+          </a:lnRef>
+          <a:fillRef idx="1">
+            <a:schemeClr val="lt1"/>
+          </a:fillRef>
+          <a:effectRef idx="0">
+            <a:schemeClr val="accent1"/>
+          </a:effectRef>
+          <a:fontRef idx="minor">
+            <a:schemeClr val="dk1"/>
+          </a:fontRef>
+        </p:style>
+        <p:txBody>
+          <a:bodyPr lIns="124733" tIns="62367" rIns="124733" bIns="62367" rtlCol="0" anchor="ctr"/>
+          <a:lstStyle/>
+          <a:p>
+            <a:pPr algn="ctr"/>
+            <a:r>
+              <a:rPr lang="ru-RU" sz="1400" dirty="0" smtClean="0"/>
+              <a:t>Установить абсолютную власть </a:t>
+            </a:r>
+            <a:r>
+              <a:rPr lang="ru-RU" sz="1400" dirty="0" err="1" smtClean="0"/>
+              <a:t>Чакри</a:t>
+            </a:r>
+            <a:endParaRPr lang="ru-RU" sz="1400" dirty="0"/>
+          </a:p>
+        </p:txBody>
+      </p:sp>
+      <p:sp>
+        <p:nvSpPr>
+          <p:cNvPr id="521" name="Прямоугольник 520"/>
+          <p:cNvSpPr/>
+          <p:nvPr/>
+        </p:nvSpPr>
+        <p:spPr>
+          <a:xfrm>
+            <a:off x="33423689" y="21473047"/>
+            <a:ext cx="2115918" cy="1080000"/>
+          </a:xfrm>
+          <a:prstGeom prst="rect">
+            <a:avLst/>
+          </a:prstGeom>
+          <a:solidFill>
+            <a:srgbClr val="CC00CC"/>
+          </a:solidFill>
+          <a:ln w="28575"/>
+        </p:spPr>
+        <p:style>
+          <a:lnRef idx="2">
+            <a:schemeClr val="accent1"/>
+          </a:lnRef>
+          <a:fillRef idx="1">
+            <a:schemeClr val="lt1"/>
+          </a:fillRef>
+          <a:effectRef idx="0">
+            <a:schemeClr val="accent1"/>
+          </a:effectRef>
+          <a:fontRef idx="minor">
+            <a:schemeClr val="dk1"/>
+          </a:fontRef>
+        </p:style>
+        <p:txBody>
+          <a:bodyPr lIns="124733" tIns="62367" rIns="124733" bIns="62367" rtlCol="0" anchor="ctr"/>
+          <a:lstStyle/>
+          <a:p>
+            <a:pPr algn="ctr"/>
+            <a:r>
+              <a:rPr lang="ru-RU" sz="1400" dirty="0" smtClean="0"/>
+              <a:t>Коронация нового короля</a:t>
+            </a:r>
+          </a:p>
+        </p:txBody>
+      </p:sp>
+      <p:sp>
+        <p:nvSpPr>
+          <p:cNvPr id="523" name="Прямоугольник 522"/>
+          <p:cNvSpPr/>
+          <p:nvPr/>
+        </p:nvSpPr>
+        <p:spPr>
+          <a:xfrm>
+            <a:off x="35741764" y="21473047"/>
+            <a:ext cx="2115918" cy="1080000"/>
+          </a:xfrm>
+          <a:prstGeom prst="rect">
+            <a:avLst/>
+          </a:prstGeom>
+          <a:solidFill>
+            <a:srgbClr val="CC00CC"/>
+          </a:solidFill>
+          <a:ln w="28575"/>
+        </p:spPr>
+        <p:style>
+          <a:lnRef idx="2">
+            <a:schemeClr val="accent1"/>
+          </a:lnRef>
+          <a:fillRef idx="1">
+            <a:schemeClr val="lt1"/>
+          </a:fillRef>
+          <a:effectRef idx="0">
+            <a:schemeClr val="accent1"/>
+          </a:effectRef>
+          <a:fontRef idx="minor">
+            <a:schemeClr val="dk1"/>
+          </a:fontRef>
+        </p:style>
+        <p:txBody>
+          <a:bodyPr lIns="124733" tIns="62367" rIns="124733" bIns="62367" rtlCol="0" anchor="ctr"/>
+          <a:lstStyle/>
+          <a:p>
+            <a:pPr algn="ctr"/>
+            <a:r>
+              <a:rPr lang="ru-RU" sz="1400" dirty="0" smtClean="0"/>
+              <a:t>Восстановление страны</a:t>
+            </a:r>
+            <a:endParaRPr lang="ru-RU" sz="1400" dirty="0"/>
+          </a:p>
+        </p:txBody>
+      </p:sp>
+      <p:cxnSp>
+        <p:nvCxnSpPr>
+          <p:cNvPr id="528" name="Shape 248"/>
+          <p:cNvCxnSpPr>
+            <a:stCxn id="140" idx="2"/>
+            <a:endCxn id="523" idx="0"/>
+          </p:cNvCxnSpPr>
+          <p:nvPr/>
+        </p:nvCxnSpPr>
+        <p:spPr>
+          <a:xfrm rot="16200000" flipH="1">
+            <a:off x="36043694" y="20717017"/>
+            <a:ext cx="347675" cy="1164384"/>
+          </a:xfrm>
+          <a:prstGeom prst="bentConnector3">
+            <a:avLst>
+              <a:gd name="adj1" fmla="val 50000"/>
+            </a:avLst>
+          </a:prstGeom>
+          <a:ln w="28575">
+            <a:tailEnd type="arrow"/>
+          </a:ln>
+        </p:spPr>
+        <p:style>
+          <a:lnRef idx="1">
+            <a:schemeClr val="accent1"/>
+          </a:lnRef>
+          <a:fillRef idx="0">
+            <a:schemeClr val="accent1"/>
+          </a:fillRef>
+          <a:effectRef idx="0">
+            <a:schemeClr val="accent1"/>
+          </a:effectRef>
+          <a:fontRef idx="minor">
+            <a:schemeClr val="tx1"/>
+          </a:fontRef>
+        </p:style>
+      </p:cxnSp>
+      <p:cxnSp>
+        <p:nvCxnSpPr>
+          <p:cNvPr id="530" name="Shape 248"/>
+          <p:cNvCxnSpPr>
+            <a:stCxn id="140" idx="2"/>
+            <a:endCxn id="521" idx="0"/>
+          </p:cNvCxnSpPr>
+          <p:nvPr/>
+        </p:nvCxnSpPr>
+        <p:spPr>
+          <a:xfrm rot="5400000">
+            <a:off x="34884657" y="20722364"/>
+            <a:ext cx="347675" cy="1153691"/>
+          </a:xfrm>
+          <a:prstGeom prst="bentConnector3">
+            <a:avLst>
+              <a:gd name="adj1" fmla="val 50000"/>
+            </a:avLst>
+          </a:prstGeom>
+          <a:ln w="28575">
+            <a:tailEnd type="arrow"/>
+          </a:ln>
+        </p:spPr>
+        <p:style>
+          <a:lnRef idx="1">
+            <a:schemeClr val="accent1"/>
+          </a:lnRef>
+          <a:fillRef idx="0">
+            <a:schemeClr val="accent1"/>
+          </a:fillRef>
+          <a:effectRef idx="0">
+            <a:schemeClr val="accent1"/>
+          </a:effectRef>
+          <a:fontRef idx="minor">
+            <a:schemeClr val="tx1"/>
+          </a:fontRef>
+        </p:style>
+      </p:cxnSp>
+      <p:cxnSp>
+        <p:nvCxnSpPr>
+          <p:cNvPr id="531" name="Shape 248"/>
+          <p:cNvCxnSpPr>
+            <a:stCxn id="139" idx="2"/>
+            <a:endCxn id="519" idx="0"/>
+          </p:cNvCxnSpPr>
+          <p:nvPr/>
+        </p:nvCxnSpPr>
+        <p:spPr>
+          <a:xfrm rot="5400000">
+            <a:off x="34223090" y="18633706"/>
+            <a:ext cx="516846" cy="2307653"/>
+          </a:xfrm>
+          <a:prstGeom prst="bentConnector3">
+            <a:avLst>
+              <a:gd name="adj1" fmla="val 50000"/>
+            </a:avLst>
+          </a:prstGeom>
+          <a:ln w="28575">
+            <a:tailEnd type="arrow"/>
+          </a:ln>
+        </p:spPr>
+        <p:style>
+          <a:lnRef idx="1">
+            <a:schemeClr val="accent1"/>
+          </a:lnRef>
+          <a:fillRef idx="0">
+            <a:schemeClr val="accent1"/>
+          </a:fillRef>
+          <a:effectRef idx="0">
+            <a:schemeClr val="accent1"/>
+          </a:effectRef>
+          <a:fontRef idx="minor">
+            <a:schemeClr val="tx1"/>
+          </a:fontRef>
+        </p:style>
+      </p:cxnSp>
+      <p:cxnSp>
+        <p:nvCxnSpPr>
+          <p:cNvPr id="533" name="Прямая соединительная линия 532"/>
+          <p:cNvCxnSpPr>
+            <a:stCxn id="469" idx="3"/>
+            <a:endCxn id="451" idx="1"/>
+          </p:cNvCxnSpPr>
+          <p:nvPr/>
+        </p:nvCxnSpPr>
+        <p:spPr>
+          <a:xfrm>
+            <a:off x="30927020" y="26335111"/>
+            <a:ext cx="3650360" cy="3672"/>
+          </a:xfrm>
+          <a:prstGeom prst="line">
+            <a:avLst/>
+          </a:prstGeom>
+          <a:ln w="38100">
+            <a:solidFill>
+              <a:srgbClr val="FF0000"/>
+            </a:solidFill>
+          </a:ln>
+        </p:spPr>
+        <p:style>
+          <a:lnRef idx="1">
+            <a:schemeClr val="accent2"/>
+          </a:lnRef>
+          <a:fillRef idx="0">
+            <a:schemeClr val="accent2"/>
+          </a:fillRef>
+          <a:effectRef idx="0">
+            <a:schemeClr val="accent2"/>
+          </a:effectRef>
+          <a:fontRef idx="minor">
+            <a:schemeClr val="tx1"/>
+          </a:fontRef>
+        </p:style>
+      </p:cxnSp>
+      <p:sp>
+        <p:nvSpPr>
+          <p:cNvPr id="572" name="Прямоугольник 571"/>
+          <p:cNvSpPr/>
+          <p:nvPr/>
+        </p:nvSpPr>
+        <p:spPr>
+          <a:xfrm>
+            <a:off x="39204356" y="20043028"/>
+            <a:ext cx="2115918" cy="1080000"/>
+          </a:xfrm>
+          <a:prstGeom prst="rect">
+            <a:avLst/>
+          </a:prstGeom>
+          <a:solidFill>
+            <a:srgbClr val="CC00CC"/>
+          </a:solidFill>
+          <a:ln w="28575"/>
+        </p:spPr>
+        <p:style>
+          <a:lnRef idx="2">
+            <a:schemeClr val="accent1"/>
+          </a:lnRef>
+          <a:fillRef idx="1">
+            <a:schemeClr val="lt1"/>
+          </a:fillRef>
+          <a:effectRef idx="0">
+            <a:schemeClr val="accent1"/>
+          </a:effectRef>
+          <a:fontRef idx="minor">
+            <a:schemeClr val="dk1"/>
+          </a:fontRef>
+        </p:style>
+        <p:txBody>
+          <a:bodyPr lIns="124733" tIns="62367" rIns="124733" bIns="62367" rtlCol="0" anchor="ctr"/>
+          <a:lstStyle/>
+          <a:p>
+            <a:pPr algn="ctr"/>
+            <a:r>
+              <a:rPr lang="ru-RU" sz="1400" dirty="0" smtClean="0"/>
+              <a:t>Синяя армия</a:t>
+            </a:r>
+            <a:endParaRPr lang="ru-RU" sz="1400" dirty="0"/>
+          </a:p>
+        </p:txBody>
+      </p:sp>
+      <p:cxnSp>
+        <p:nvCxnSpPr>
+          <p:cNvPr id="573" name="Shape 248"/>
+          <p:cNvCxnSpPr>
+            <a:stCxn id="489" idx="2"/>
+            <a:endCxn id="487" idx="0"/>
+          </p:cNvCxnSpPr>
+          <p:nvPr/>
+        </p:nvCxnSpPr>
+        <p:spPr>
+          <a:xfrm rot="16200000" flipH="1">
+            <a:off x="31431009" y="20715083"/>
+            <a:ext cx="350019" cy="1165907"/>
+          </a:xfrm>
+          <a:prstGeom prst="bentConnector3">
+            <a:avLst>
+              <a:gd name="adj1" fmla="val 50000"/>
+            </a:avLst>
+          </a:prstGeom>
+          <a:ln w="28575">
+            <a:prstDash val="dash"/>
+            <a:tailEnd type="arrow"/>
+          </a:ln>
+        </p:spPr>
+        <p:style>
+          <a:lnRef idx="1">
+            <a:schemeClr val="accent1"/>
+          </a:lnRef>
+          <a:fillRef idx="0">
+            <a:schemeClr val="accent1"/>
+          </a:fillRef>
+          <a:effectRef idx="0">
+            <a:schemeClr val="accent1"/>
+          </a:effectRef>
+          <a:fontRef idx="minor">
+            <a:schemeClr val="tx1"/>
+          </a:fontRef>
+        </p:style>
+      </p:cxnSp>
+      <p:cxnSp>
+        <p:nvCxnSpPr>
+          <p:cNvPr id="578" name="Shape 248"/>
+          <p:cNvCxnSpPr>
+            <a:stCxn id="519" idx="2"/>
+            <a:endCxn id="487" idx="0"/>
+          </p:cNvCxnSpPr>
+          <p:nvPr/>
+        </p:nvCxnSpPr>
+        <p:spPr>
+          <a:xfrm rot="5400000">
+            <a:off x="32584783" y="20730144"/>
+            <a:ext cx="347092" cy="1138714"/>
+          </a:xfrm>
+          <a:prstGeom prst="bentConnector3">
+            <a:avLst>
+              <a:gd name="adj1" fmla="val 50000"/>
+            </a:avLst>
+          </a:prstGeom>
+          <a:ln w="28575">
+            <a:prstDash val="dash"/>
+            <a:tailEnd type="arrow"/>
+          </a:ln>
+        </p:spPr>
+        <p:style>
+          <a:lnRef idx="1">
+            <a:schemeClr val="accent1"/>
+          </a:lnRef>
+          <a:fillRef idx="0">
+            <a:schemeClr val="accent1"/>
+          </a:fillRef>
+          <a:effectRef idx="0">
+            <a:schemeClr val="accent1"/>
+          </a:effectRef>
+          <a:fontRef idx="minor">
+            <a:schemeClr val="tx1"/>
+          </a:fontRef>
+        </p:style>
+      </p:cxnSp>
+      <p:cxnSp>
+        <p:nvCxnSpPr>
+          <p:cNvPr id="585" name="Прямая соединительная линия 584"/>
+          <p:cNvCxnSpPr>
+            <a:stCxn id="489" idx="3"/>
+            <a:endCxn id="519" idx="1"/>
+          </p:cNvCxnSpPr>
+          <p:nvPr/>
+        </p:nvCxnSpPr>
+        <p:spPr>
+          <a:xfrm>
+            <a:off x="32081024" y="20583028"/>
+            <a:ext cx="188703" cy="2927"/>
+          </a:xfrm>
+          <a:prstGeom prst="line">
+            <a:avLst/>
+          </a:prstGeom>
+          <a:ln w="38100">
+            <a:solidFill>
+              <a:srgbClr val="FF0000"/>
+            </a:solidFill>
+          </a:ln>
+        </p:spPr>
+        <p:style>
+          <a:lnRef idx="1">
+            <a:schemeClr val="accent2"/>
+          </a:lnRef>
+          <a:fillRef idx="0">
+            <a:schemeClr val="accent2"/>
+          </a:fillRef>
+          <a:effectRef idx="0">
+            <a:schemeClr val="accent2"/>
+          </a:effectRef>
+          <a:fontRef idx="minor">
+            <a:schemeClr val="tx1"/>
+          </a:fontRef>
+        </p:style>
+      </p:cxnSp>
+      <p:cxnSp>
+        <p:nvCxnSpPr>
+          <p:cNvPr id="590" name="Shape 248"/>
+          <p:cNvCxnSpPr>
+            <a:stCxn id="139" idx="2"/>
+            <a:endCxn id="572" idx="0"/>
+          </p:cNvCxnSpPr>
+          <p:nvPr/>
+        </p:nvCxnSpPr>
+        <p:spPr>
+          <a:xfrm rot="16200000" flipH="1">
+            <a:off x="37691868" y="17472580"/>
+            <a:ext cx="513919" cy="4626976"/>
+          </a:xfrm>
+          <a:prstGeom prst="bentConnector3">
+            <a:avLst>
+              <a:gd name="adj1" fmla="val 50000"/>
+            </a:avLst>
+          </a:prstGeom>
+          <a:ln w="28575">
+            <a:tailEnd type="arrow"/>
+          </a:ln>
+        </p:spPr>
+        <p:style>
+          <a:lnRef idx="1">
+            <a:schemeClr val="accent1"/>
+          </a:lnRef>
+          <a:fillRef idx="0">
+            <a:schemeClr val="accent1"/>
+          </a:fillRef>
+          <a:effectRef idx="0">
+            <a:schemeClr val="accent1"/>
+          </a:effectRef>
+          <a:fontRef idx="minor">
+            <a:schemeClr val="tx1"/>
+          </a:fontRef>
+        </p:style>
+      </p:cxnSp>
+      <p:sp>
+        <p:nvSpPr>
+          <p:cNvPr id="595" name="Прямоугольник 594"/>
+          <p:cNvSpPr/>
+          <p:nvPr/>
+        </p:nvSpPr>
+        <p:spPr>
+          <a:xfrm>
+            <a:off x="29450397" y="211391"/>
+            <a:ext cx="2115918" cy="1080000"/>
+          </a:xfrm>
+          <a:prstGeom prst="rect">
+            <a:avLst/>
+          </a:prstGeom>
+          <a:solidFill>
+            <a:srgbClr val="CC00CC"/>
+          </a:solidFill>
+          <a:ln w="28575"/>
+        </p:spPr>
+        <p:style>
+          <a:lnRef idx="2">
+            <a:schemeClr val="accent1"/>
+          </a:lnRef>
+          <a:fillRef idx="1">
+            <a:schemeClr val="lt1"/>
+          </a:fillRef>
+          <a:effectRef idx="0">
+            <a:schemeClr val="accent1"/>
+          </a:effectRef>
+          <a:fontRef idx="minor">
+            <a:schemeClr val="dk1"/>
+          </a:fontRef>
+        </p:style>
+        <p:txBody>
+          <a:bodyPr lIns="124733" tIns="62367" rIns="124733" bIns="62367" rtlCol="0" anchor="ctr"/>
+          <a:lstStyle/>
+          <a:p>
+            <a:pPr algn="ctr"/>
+            <a:r>
+              <a:rPr lang="ru-RU" sz="1400" dirty="0" smtClean="0"/>
+              <a:t>Рама </a:t>
+            </a:r>
+            <a:r>
+              <a:rPr lang="en-US" sz="1400" dirty="0" smtClean="0"/>
+              <a:t>IX</a:t>
+            </a:r>
+            <a:r>
+              <a:rPr lang="ru-RU" sz="1400" dirty="0" smtClean="0"/>
+              <a:t> </a:t>
+            </a:r>
+            <a:r>
+              <a:rPr lang="ru-RU" sz="500" dirty="0" smtClean="0"/>
+              <a:t>(Порядок наследования трона в Таиланде был довольно сложным, и принц </a:t>
+            </a:r>
+            <a:r>
+              <a:rPr lang="ru-RU" sz="500" dirty="0" err="1" smtClean="0"/>
+              <a:t>Ананта</a:t>
+            </a:r>
+            <a:r>
+              <a:rPr lang="ru-RU" sz="500" dirty="0" smtClean="0"/>
+              <a:t>́ </a:t>
+            </a:r>
+            <a:r>
+              <a:rPr lang="ru-RU" sz="500" dirty="0" err="1" smtClean="0"/>
+              <a:t>Махидо́н</a:t>
+            </a:r>
+            <a:r>
+              <a:rPr lang="ru-RU" sz="500" dirty="0" smtClean="0"/>
+              <a:t> был первым в линии наследования, но его соперник, принц </a:t>
+            </a:r>
+            <a:r>
+              <a:rPr lang="ru-RU" sz="500" dirty="0" err="1" smtClean="0">
+                <a:hlinkClick r:id="rId3" tooltip="Чулачакрапонгсе (страница отсутствует)"/>
+              </a:rPr>
+              <a:t>Чулачакрапонгсе</a:t>
+            </a:r>
+            <a:r>
+              <a:rPr lang="ru-RU" sz="500" dirty="0" smtClean="0"/>
+              <a:t>, был ранее исключён из наследования и считал это исключение незаконным. Вопрос о наследовании решал кабинет министров, который интерпретировал закон в пользу </a:t>
+            </a:r>
+            <a:r>
+              <a:rPr lang="ru-RU" sz="500" dirty="0" err="1" smtClean="0"/>
+              <a:t>Ананты</a:t>
+            </a:r>
+            <a:r>
+              <a:rPr lang="ru-RU" sz="500" dirty="0" smtClean="0"/>
+              <a:t>́ </a:t>
+            </a:r>
+            <a:r>
+              <a:rPr lang="ru-RU" sz="500" dirty="0" err="1" smtClean="0"/>
+              <a:t>Махидо́на</a:t>
+            </a:r>
+            <a:r>
+              <a:rPr lang="ru-RU" sz="500" dirty="0" smtClean="0"/>
+              <a:t>.)(</a:t>
+            </a:r>
+            <a:r>
+              <a:rPr lang="en-US" sz="500" dirty="0" smtClean="0">
+                <a:hlinkClick r:id="rId4"/>
+              </a:rPr>
+              <a:t>https://ru.wikipedia.org/wiki/</a:t>
+            </a:r>
+            <a:r>
+              <a:rPr lang="ru-RU" sz="500" dirty="0" err="1" smtClean="0">
+                <a:hlinkClick r:id="rId4"/>
+              </a:rPr>
+              <a:t>Чула_Чакрабон</a:t>
+            </a:r>
+            <a:r>
+              <a:rPr lang="ru-RU" sz="500" dirty="0" smtClean="0"/>
+              <a:t>) </a:t>
+            </a:r>
+            <a:endParaRPr lang="ru-RU" sz="1400" dirty="0"/>
+          </a:p>
+        </p:txBody>
+      </p:sp>
+      <p:sp>
+        <p:nvSpPr>
+          <p:cNvPr id="596" name="Прямоугольник 595"/>
+          <p:cNvSpPr/>
+          <p:nvPr/>
+        </p:nvSpPr>
+        <p:spPr>
+          <a:xfrm>
+            <a:off x="26827522" y="173291"/>
+            <a:ext cx="2115918" cy="1080000"/>
+          </a:xfrm>
+          <a:prstGeom prst="rect">
+            <a:avLst/>
+          </a:prstGeom>
+          <a:solidFill>
+            <a:srgbClr val="CC00CC"/>
+          </a:solidFill>
+          <a:ln w="28575"/>
+        </p:spPr>
+        <p:style>
+          <a:lnRef idx="2">
+            <a:schemeClr val="accent1"/>
+          </a:lnRef>
+          <a:fillRef idx="1">
+            <a:schemeClr val="lt1"/>
+          </a:fillRef>
+          <a:effectRef idx="0">
+            <a:schemeClr val="accent1"/>
+          </a:effectRef>
+          <a:fontRef idx="minor">
+            <a:schemeClr val="dk1"/>
+          </a:fontRef>
+        </p:style>
+        <p:txBody>
+          <a:bodyPr lIns="124733" tIns="62367" rIns="124733" bIns="62367" rtlCol="0" anchor="ctr"/>
+          <a:lstStyle/>
+          <a:p>
+            <a:pPr algn="ctr"/>
+            <a:r>
+              <a:rPr lang="ru-RU" sz="1400" dirty="0" smtClean="0"/>
+              <a:t>Вернуть трон Раме </a:t>
+            </a:r>
+            <a:r>
+              <a:rPr lang="en-US" sz="1400" dirty="0" smtClean="0"/>
+              <a:t>VIII (</a:t>
+            </a:r>
+            <a:r>
+              <a:rPr lang="ru-RU" sz="1400" dirty="0" smtClean="0"/>
+              <a:t>Ананда </a:t>
+            </a:r>
+            <a:r>
+              <a:rPr lang="ru-RU" sz="1400" dirty="0" err="1" smtClean="0"/>
+              <a:t>Махидон</a:t>
+            </a:r>
+            <a:r>
+              <a:rPr lang="en-US" sz="1400" dirty="0" smtClean="0"/>
+              <a:t>)</a:t>
+            </a:r>
+            <a:endParaRPr lang="ru-RU" sz="1400" dirty="0" smtClean="0"/>
+          </a:p>
+        </p:txBody>
+      </p:sp>
+      <p:sp>
+        <p:nvSpPr>
+          <p:cNvPr id="598" name="Прямоугольник 597"/>
+          <p:cNvSpPr/>
+          <p:nvPr/>
+        </p:nvSpPr>
+        <p:spPr>
+          <a:xfrm>
+            <a:off x="29979139" y="22920847"/>
+            <a:ext cx="2115918" cy="1080000"/>
+          </a:xfrm>
+          <a:prstGeom prst="rect">
+            <a:avLst/>
+          </a:prstGeom>
+          <a:solidFill>
+            <a:srgbClr val="CC00CC"/>
+          </a:solidFill>
+          <a:ln w="28575"/>
+        </p:spPr>
+        <p:style>
+          <a:lnRef idx="2">
+            <a:schemeClr val="accent1"/>
+          </a:lnRef>
+          <a:fillRef idx="1">
+            <a:schemeClr val="lt1"/>
+          </a:fillRef>
+          <a:effectRef idx="0">
+            <a:schemeClr val="accent1"/>
+          </a:effectRef>
+          <a:fontRef idx="minor">
+            <a:schemeClr val="dk1"/>
+          </a:fontRef>
+        </p:style>
+        <p:txBody>
+          <a:bodyPr lIns="124733" tIns="62367" rIns="124733" bIns="62367" rtlCol="0" anchor="ctr"/>
+          <a:lstStyle/>
+          <a:p>
+            <a:pPr algn="ctr"/>
+            <a:r>
+              <a:rPr lang="ru-RU" sz="1400" dirty="0" smtClean="0"/>
+              <a:t>Реформирование армии принцем </a:t>
+            </a:r>
+            <a:r>
+              <a:rPr lang="ru-RU" sz="1400" dirty="0" err="1" smtClean="0"/>
+              <a:t>Бовондежем</a:t>
+            </a:r>
+            <a:endParaRPr lang="ru-RU" sz="1400" dirty="0"/>
+          </a:p>
+        </p:txBody>
+      </p:sp>
+      <p:cxnSp>
+        <p:nvCxnSpPr>
+          <p:cNvPr id="599" name="Shape 248"/>
+          <p:cNvCxnSpPr>
+            <a:stCxn id="423" idx="2"/>
+            <a:endCxn id="598" idx="0"/>
+          </p:cNvCxnSpPr>
+          <p:nvPr/>
+        </p:nvCxnSpPr>
+        <p:spPr>
+          <a:xfrm rot="16200000" flipH="1">
+            <a:off x="29691614" y="21575363"/>
+            <a:ext cx="367564" cy="2323403"/>
+          </a:xfrm>
+          <a:prstGeom prst="bentConnector3">
+            <a:avLst>
+              <a:gd name="adj1" fmla="val 50000"/>
+            </a:avLst>
+          </a:prstGeom>
+          <a:ln w="28575">
+            <a:tailEnd type="arrow"/>
+          </a:ln>
+        </p:spPr>
+        <p:style>
+          <a:lnRef idx="1">
+            <a:schemeClr val="accent1"/>
+          </a:lnRef>
+          <a:fillRef idx="0">
+            <a:schemeClr val="accent1"/>
+          </a:fillRef>
+          <a:effectRef idx="0">
+            <a:schemeClr val="accent1"/>
+          </a:effectRef>
+          <a:fontRef idx="minor">
+            <a:schemeClr val="tx1"/>
+          </a:fontRef>
+        </p:style>
+      </p:cxnSp>
+      <p:cxnSp>
+        <p:nvCxnSpPr>
+          <p:cNvPr id="605" name="Shape 248"/>
+          <p:cNvCxnSpPr>
+            <a:stCxn id="519" idx="2"/>
+            <a:endCxn id="423" idx="0"/>
+          </p:cNvCxnSpPr>
+          <p:nvPr/>
+        </p:nvCxnSpPr>
+        <p:spPr>
+          <a:xfrm rot="5400000">
+            <a:off x="30847027" y="18992624"/>
+            <a:ext cx="347328" cy="4613991"/>
+          </a:xfrm>
+          <a:prstGeom prst="bentConnector3">
+            <a:avLst>
+              <a:gd name="adj1" fmla="val 50000"/>
+            </a:avLst>
+          </a:prstGeom>
+          <a:ln w="28575">
+            <a:prstDash val="dash"/>
+            <a:tailEnd type="arrow"/>
+          </a:ln>
+        </p:spPr>
+        <p:style>
+          <a:lnRef idx="1">
+            <a:schemeClr val="accent1"/>
+          </a:lnRef>
+          <a:fillRef idx="0">
+            <a:schemeClr val="accent1"/>
+          </a:fillRef>
+          <a:effectRef idx="0">
+            <a:schemeClr val="accent1"/>
+          </a:effectRef>
+          <a:fontRef idx="minor">
+            <a:schemeClr val="tx1"/>
+          </a:fontRef>
+        </p:style>
+      </p:cxnSp>
+      <p:sp>
+        <p:nvSpPr>
+          <p:cNvPr id="608" name="Прямоугольник 607"/>
+          <p:cNvSpPr/>
+          <p:nvPr/>
+        </p:nvSpPr>
+        <p:spPr>
+          <a:xfrm>
+            <a:off x="35741764" y="22892272"/>
+            <a:ext cx="2115918" cy="1080000"/>
+          </a:xfrm>
+          <a:prstGeom prst="rect">
+            <a:avLst/>
+          </a:prstGeom>
+          <a:solidFill>
+            <a:srgbClr val="CC00CC"/>
+          </a:solidFill>
+          <a:ln w="28575"/>
+        </p:spPr>
+        <p:style>
+          <a:lnRef idx="2">
+            <a:schemeClr val="accent1"/>
+          </a:lnRef>
+          <a:fillRef idx="1">
+            <a:schemeClr val="lt1"/>
+          </a:fillRef>
+          <a:effectRef idx="0">
+            <a:schemeClr val="accent1"/>
+          </a:effectRef>
+          <a:fontRef idx="minor">
+            <a:schemeClr val="dk1"/>
+          </a:fontRef>
+        </p:style>
+        <p:txBody>
+          <a:bodyPr lIns="124733" tIns="62367" rIns="124733" bIns="62367" rtlCol="0" anchor="ctr"/>
+          <a:lstStyle/>
+          <a:p>
+            <a:pPr algn="ctr"/>
+            <a:r>
+              <a:rPr lang="ru-RU" sz="1400" dirty="0" smtClean="0"/>
+              <a:t>Миграционный закон </a:t>
+            </a:r>
+            <a:r>
+              <a:rPr lang="ru-RU" sz="400" dirty="0" smtClean="0"/>
+              <a:t>(Закон о гражданстве 1913 года предусматривал, что любой ребенок, рожденный от тайского родителя в Сиаме или за границей, является гражданином Таиланда в соответствии с законодательством Таиланда. Все, кто родился в Сиаме, независимо от происхождения, считались тайцами. Это привело к контролируемому подходу к иммиграции, который был в основном ориентирован на мигрирующих китайцев и был введен из-за массовых опасений, что китайская иммиграция создаст угрозу коренному населению)</a:t>
+            </a:r>
+            <a:endParaRPr lang="ru-RU" sz="400" dirty="0"/>
+          </a:p>
+        </p:txBody>
+      </p:sp>
+      <p:sp>
+        <p:nvSpPr>
+          <p:cNvPr id="614" name="Прямоугольник 613"/>
+          <p:cNvSpPr/>
+          <p:nvPr/>
+        </p:nvSpPr>
+        <p:spPr>
+          <a:xfrm>
+            <a:off x="29979139" y="24197197"/>
+            <a:ext cx="2115918" cy="1080000"/>
+          </a:xfrm>
+          <a:prstGeom prst="rect">
+            <a:avLst/>
+          </a:prstGeom>
+          <a:solidFill>
+            <a:srgbClr val="CC00CC"/>
+          </a:solidFill>
+          <a:ln w="28575"/>
+        </p:spPr>
+        <p:style>
+          <a:lnRef idx="2">
+            <a:schemeClr val="accent1"/>
+          </a:lnRef>
+          <a:fillRef idx="1">
+            <a:schemeClr val="lt1"/>
+          </a:fillRef>
+          <a:effectRef idx="0">
+            <a:schemeClr val="accent1"/>
+          </a:effectRef>
+          <a:fontRef idx="minor">
+            <a:schemeClr val="dk1"/>
+          </a:fontRef>
+        </p:style>
+        <p:txBody>
+          <a:bodyPr lIns="124733" tIns="62367" rIns="124733" bIns="62367" rtlCol="0" anchor="ctr"/>
+          <a:lstStyle/>
+          <a:p>
+            <a:pPr algn="ctr"/>
+            <a:r>
+              <a:rPr lang="ru-RU" sz="1400" dirty="0" smtClean="0"/>
+              <a:t>Расширить набор в скаутские организации</a:t>
+            </a:r>
+            <a:endParaRPr lang="ru-RU" sz="1400" dirty="0"/>
+          </a:p>
+        </p:txBody>
+      </p:sp>
+      <p:cxnSp>
+        <p:nvCxnSpPr>
+          <p:cNvPr id="615" name="Прямая со стрелкой 614"/>
+          <p:cNvCxnSpPr>
+            <a:stCxn id="523" idx="2"/>
+            <a:endCxn id="608" idx="0"/>
+          </p:cNvCxnSpPr>
+          <p:nvPr/>
+        </p:nvCxnSpPr>
+        <p:spPr>
+          <a:xfrm>
+            <a:off x="36799723" y="22553047"/>
+            <a:ext cx="0" cy="339225"/>
+          </a:xfrm>
+          <a:prstGeom prst="straightConnector1">
+            <a:avLst/>
+          </a:prstGeom>
+          <a:ln w="28575">
+            <a:tailEnd type="arrow"/>
+          </a:ln>
+        </p:spPr>
+        <p:style>
+          <a:lnRef idx="1">
+            <a:schemeClr val="accent1"/>
+          </a:lnRef>
+          <a:fillRef idx="0">
+            <a:schemeClr val="accent1"/>
+          </a:fillRef>
+          <a:effectRef idx="0">
+            <a:schemeClr val="accent1"/>
+          </a:effectRef>
+          <a:fontRef idx="minor">
+            <a:schemeClr val="tx1"/>
+          </a:fontRef>
+        </p:style>
+      </p:cxnSp>
+      <p:sp>
+        <p:nvSpPr>
+          <p:cNvPr id="621" name="Прямоугольник 620"/>
+          <p:cNvSpPr/>
+          <p:nvPr/>
+        </p:nvSpPr>
+        <p:spPr>
+          <a:xfrm>
+            <a:off x="36884765" y="24335980"/>
+            <a:ext cx="2115918" cy="1080000"/>
+          </a:xfrm>
+          <a:prstGeom prst="rect">
+            <a:avLst/>
+          </a:prstGeom>
+          <a:solidFill>
+            <a:srgbClr val="CC00CC"/>
+          </a:solidFill>
+          <a:ln w="28575"/>
+        </p:spPr>
+        <p:style>
+          <a:lnRef idx="2">
+            <a:schemeClr val="accent1"/>
+          </a:lnRef>
+          <a:fillRef idx="1">
+            <a:schemeClr val="lt1"/>
+          </a:fillRef>
+          <a:effectRef idx="0">
+            <a:schemeClr val="accent1"/>
+          </a:effectRef>
+          <a:fontRef idx="minor">
+            <a:schemeClr val="dk1"/>
+          </a:fontRef>
+        </p:style>
+        <p:txBody>
+          <a:bodyPr lIns="124733" tIns="62367" rIns="124733" bIns="62367" rtlCol="0" anchor="ctr"/>
+          <a:lstStyle/>
+          <a:p>
+            <a:pPr algn="ctr"/>
+            <a:r>
+              <a:rPr lang="ru-RU" sz="1400" dirty="0" smtClean="0"/>
+              <a:t>Общенациональная ирригационная система </a:t>
+            </a:r>
+            <a:r>
+              <a:rPr lang="ru-RU" sz="700" dirty="0" smtClean="0"/>
+              <a:t>(</a:t>
+            </a:r>
+            <a:r>
+              <a:rPr lang="ru-RU" sz="700" dirty="0" err="1" smtClean="0"/>
+              <a:t>оздал</a:t>
+            </a:r>
+            <a:r>
+              <a:rPr lang="ru-RU" sz="700" dirty="0" smtClean="0"/>
+              <a:t> общенациональную ирригационную систему, поднявшую продуктивность рисоводства и способствовавшую выходу Таиланда на первые места в мире по экспорту риса)</a:t>
+            </a:r>
+          </a:p>
+        </p:txBody>
+      </p:sp>
+      <p:cxnSp>
+        <p:nvCxnSpPr>
+          <p:cNvPr id="629" name="Прямая со стрелкой 628"/>
+          <p:cNvCxnSpPr>
+            <a:stCxn id="598" idx="2"/>
+            <a:endCxn id="614" idx="0"/>
+          </p:cNvCxnSpPr>
+          <p:nvPr/>
+        </p:nvCxnSpPr>
+        <p:spPr>
+          <a:xfrm>
+            <a:off x="31037098" y="24000847"/>
+            <a:ext cx="0" cy="196350"/>
+          </a:xfrm>
+          <a:prstGeom prst="straightConnector1">
+            <a:avLst/>
+          </a:prstGeom>
+          <a:ln w="28575">
+            <a:tailEnd type="arrow"/>
+          </a:ln>
+        </p:spPr>
+        <p:style>
+          <a:lnRef idx="1">
+            <a:schemeClr val="accent1"/>
+          </a:lnRef>
+          <a:fillRef idx="0">
+            <a:schemeClr val="accent1"/>
+          </a:fillRef>
+          <a:effectRef idx="0">
+            <a:schemeClr val="accent1"/>
+          </a:effectRef>
+          <a:fontRef idx="minor">
+            <a:schemeClr val="tx1"/>
+          </a:fontRef>
+        </p:style>
+      </p:cxnSp>
+      <p:cxnSp>
+        <p:nvCxnSpPr>
+          <p:cNvPr id="634" name="Shape 248"/>
+          <p:cNvCxnSpPr>
+            <a:stCxn id="608" idx="2"/>
+            <a:endCxn id="621" idx="0"/>
+          </p:cNvCxnSpPr>
+          <p:nvPr/>
+        </p:nvCxnSpPr>
+        <p:spPr>
+          <a:xfrm rot="16200000" flipH="1">
+            <a:off x="37189369" y="23582625"/>
+            <a:ext cx="363708" cy="1143001"/>
+          </a:xfrm>
+          <a:prstGeom prst="bentConnector3">
+            <a:avLst>
+              <a:gd name="adj1" fmla="val 50000"/>
+            </a:avLst>
+          </a:prstGeom>
+          <a:ln w="28575">
+            <a:tailEnd type="arrow"/>
+          </a:ln>
+        </p:spPr>
+        <p:style>
+          <a:lnRef idx="1">
+            <a:schemeClr val="accent1"/>
+          </a:lnRef>
+          <a:fillRef idx="0">
+            <a:schemeClr val="accent1"/>
+          </a:fillRef>
+          <a:effectRef idx="0">
+            <a:schemeClr val="accent1"/>
+          </a:effectRef>
+          <a:fontRef idx="minor">
+            <a:schemeClr val="tx1"/>
+          </a:fontRef>
+        </p:style>
+      </p:cxnSp>
+      <p:cxnSp>
+        <p:nvCxnSpPr>
+          <p:cNvPr id="637" name="Shape 248"/>
+          <p:cNvCxnSpPr>
+            <a:stCxn id="497" idx="2"/>
+            <a:endCxn id="621" idx="0"/>
+          </p:cNvCxnSpPr>
+          <p:nvPr/>
+        </p:nvCxnSpPr>
+        <p:spPr>
+          <a:xfrm rot="5400000">
+            <a:off x="37625225" y="22861022"/>
+            <a:ext cx="1792458" cy="1157459"/>
+          </a:xfrm>
+          <a:prstGeom prst="bentConnector3">
+            <a:avLst>
+              <a:gd name="adj1" fmla="val 9646"/>
+            </a:avLst>
+          </a:prstGeom>
+          <a:ln w="28575">
+            <a:tailEnd type="arrow"/>
+          </a:ln>
+        </p:spPr>
+        <p:style>
+          <a:lnRef idx="1">
+            <a:schemeClr val="accent1"/>
+          </a:lnRef>
+          <a:fillRef idx="0">
+            <a:schemeClr val="accent1"/>
+          </a:fillRef>
+          <a:effectRef idx="0">
+            <a:schemeClr val="accent1"/>
+          </a:effectRef>
+          <a:fontRef idx="minor">
+            <a:schemeClr val="tx1"/>
+          </a:fontRef>
+        </p:style>
+      </p:cxnSp>
+      <p:sp>
+        <p:nvSpPr>
+          <p:cNvPr id="642" name="Прямоугольник 641"/>
+          <p:cNvSpPr/>
+          <p:nvPr/>
+        </p:nvSpPr>
+        <p:spPr>
+          <a:xfrm>
+            <a:off x="32299739" y="22911322"/>
+            <a:ext cx="2115918" cy="1080000"/>
+          </a:xfrm>
+          <a:prstGeom prst="rect">
+            <a:avLst/>
+          </a:prstGeom>
+          <a:solidFill>
+            <a:srgbClr val="CC00CC"/>
+          </a:solidFill>
+          <a:ln w="28575"/>
+        </p:spPr>
+        <p:style>
+          <a:lnRef idx="2">
+            <a:schemeClr val="accent1"/>
+          </a:lnRef>
+          <a:fillRef idx="1">
+            <a:schemeClr val="lt1"/>
+          </a:fillRef>
+          <a:effectRef idx="0">
+            <a:schemeClr val="accent1"/>
+          </a:effectRef>
+          <a:fontRef idx="minor">
+            <a:schemeClr val="dk1"/>
+          </a:fontRef>
+        </p:style>
+        <p:txBody>
+          <a:bodyPr lIns="124733" tIns="62367" rIns="124733" bIns="62367" rtlCol="0" anchor="ctr"/>
+          <a:lstStyle/>
+          <a:p>
+            <a:pPr algn="ctr"/>
+            <a:r>
+              <a:rPr lang="ru-RU" sz="1400" dirty="0" smtClean="0"/>
+              <a:t>Королевский культ</a:t>
+            </a:r>
+          </a:p>
+        </p:txBody>
+      </p:sp>
+      <p:cxnSp>
+        <p:nvCxnSpPr>
+          <p:cNvPr id="643" name="Shape 248"/>
+          <p:cNvCxnSpPr>
+            <a:stCxn id="487" idx="2"/>
+            <a:endCxn id="642" idx="0"/>
+          </p:cNvCxnSpPr>
+          <p:nvPr/>
+        </p:nvCxnSpPr>
+        <p:spPr>
+          <a:xfrm rot="16200000" flipH="1">
+            <a:off x="32594198" y="22147821"/>
+            <a:ext cx="358275" cy="1168726"/>
+          </a:xfrm>
+          <a:prstGeom prst="bentConnector3">
+            <a:avLst>
+              <a:gd name="adj1" fmla="val 50000"/>
+            </a:avLst>
+          </a:prstGeom>
+          <a:ln w="28575">
+            <a:tailEnd type="arrow"/>
+          </a:ln>
+        </p:spPr>
+        <p:style>
+          <a:lnRef idx="1">
+            <a:schemeClr val="accent1"/>
+          </a:lnRef>
+          <a:fillRef idx="0">
+            <a:schemeClr val="accent1"/>
+          </a:fillRef>
+          <a:effectRef idx="0">
+            <a:schemeClr val="accent1"/>
+          </a:effectRef>
+          <a:fontRef idx="minor">
+            <a:schemeClr val="tx1"/>
+          </a:fontRef>
+        </p:style>
+      </p:cxnSp>
+      <p:sp>
+        <p:nvSpPr>
+          <p:cNvPr id="543" name="Прямоугольник 542"/>
+          <p:cNvSpPr/>
+          <p:nvPr/>
+        </p:nvSpPr>
+        <p:spPr>
+          <a:xfrm>
+            <a:off x="34577380" y="27207040"/>
+            <a:ext cx="2115918" cy="1080000"/>
+          </a:xfrm>
+          <a:prstGeom prst="rect">
+            <a:avLst/>
+          </a:prstGeom>
+          <a:solidFill>
+            <a:srgbClr val="CC00CC"/>
+          </a:solidFill>
+          <a:ln w="28575"/>
+        </p:spPr>
+        <p:style>
+          <a:lnRef idx="2">
+            <a:schemeClr val="accent1"/>
+          </a:lnRef>
+          <a:fillRef idx="1">
+            <a:schemeClr val="lt1"/>
+          </a:fillRef>
+          <a:effectRef idx="0">
+            <a:schemeClr val="accent1"/>
+          </a:effectRef>
+          <a:fontRef idx="minor">
+            <a:schemeClr val="dk1"/>
+          </a:fontRef>
+        </p:style>
+        <p:txBody>
+          <a:bodyPr lIns="124733" tIns="62367" rIns="124733" bIns="62367" rtlCol="0" anchor="ctr"/>
+          <a:lstStyle/>
+          <a:p>
+            <a:pPr algn="ctr"/>
+            <a:r>
+              <a:rPr lang="ru-RU" sz="1400" dirty="0" smtClean="0"/>
+              <a:t>Южный вопрос</a:t>
+            </a:r>
+            <a:endParaRPr lang="ru-RU" sz="1400" dirty="0"/>
+          </a:p>
+        </p:txBody>
+      </p:sp>
+      <p:sp>
+        <p:nvSpPr>
+          <p:cNvPr id="546" name="Прямоугольник 545"/>
+          <p:cNvSpPr/>
+          <p:nvPr/>
+        </p:nvSpPr>
+        <p:spPr>
+          <a:xfrm>
+            <a:off x="32299739" y="27202349"/>
+            <a:ext cx="2115918" cy="1080000"/>
+          </a:xfrm>
+          <a:prstGeom prst="rect">
+            <a:avLst/>
+          </a:prstGeom>
+          <a:solidFill>
+            <a:srgbClr val="CC00CC"/>
+          </a:solidFill>
+          <a:ln w="28575"/>
+        </p:spPr>
+        <p:style>
+          <a:lnRef idx="2">
+            <a:schemeClr val="accent1"/>
+          </a:lnRef>
+          <a:fillRef idx="1">
+            <a:schemeClr val="lt1"/>
+          </a:fillRef>
+          <a:effectRef idx="0">
+            <a:schemeClr val="accent1"/>
+          </a:effectRef>
+          <a:fontRef idx="minor">
+            <a:schemeClr val="dk1"/>
+          </a:fontRef>
+        </p:style>
+        <p:txBody>
+          <a:bodyPr lIns="124733" tIns="62367" rIns="124733" bIns="62367" rtlCol="0" anchor="ctr"/>
+          <a:lstStyle/>
+          <a:p>
+            <a:pPr algn="ctr"/>
+            <a:r>
+              <a:rPr lang="ru-RU" sz="1400" dirty="0" smtClean="0"/>
+              <a:t>Вернуть Камбоджу под свою руку</a:t>
+            </a:r>
+            <a:endParaRPr lang="ru-RU" sz="1400" dirty="0"/>
+          </a:p>
+        </p:txBody>
+      </p:sp>
+      <p:sp>
+        <p:nvSpPr>
+          <p:cNvPr id="547" name="Прямоугольник 546"/>
+          <p:cNvSpPr/>
+          <p:nvPr/>
+        </p:nvSpPr>
+        <p:spPr>
+          <a:xfrm>
+            <a:off x="36884765" y="27212899"/>
+            <a:ext cx="2115918" cy="1080000"/>
+          </a:xfrm>
+          <a:prstGeom prst="rect">
+            <a:avLst/>
+          </a:prstGeom>
+          <a:solidFill>
+            <a:srgbClr val="CC00CC"/>
+          </a:solidFill>
+          <a:ln w="28575"/>
+        </p:spPr>
+        <p:style>
+          <a:lnRef idx="2">
+            <a:schemeClr val="accent1"/>
+          </a:lnRef>
+          <a:fillRef idx="1">
+            <a:schemeClr val="lt1"/>
+          </a:fillRef>
+          <a:effectRef idx="0">
+            <a:schemeClr val="accent1"/>
+          </a:effectRef>
+          <a:fontRef idx="minor">
+            <a:schemeClr val="dk1"/>
+          </a:fontRef>
+        </p:style>
+        <p:txBody>
+          <a:bodyPr lIns="124733" tIns="62367" rIns="124733" bIns="62367" rtlCol="0" anchor="ctr"/>
+          <a:lstStyle/>
+          <a:p>
+            <a:pPr algn="ctr"/>
+            <a:r>
+              <a:rPr lang="ru-RU" sz="1400" dirty="0" smtClean="0"/>
+              <a:t>Вернуть земли в Бирме</a:t>
+            </a:r>
+            <a:endParaRPr lang="ru-RU" sz="1400" dirty="0"/>
+          </a:p>
+        </p:txBody>
+      </p:sp>
+      <p:sp>
+        <p:nvSpPr>
+          <p:cNvPr id="550" name="Прямоугольник 549"/>
+          <p:cNvSpPr/>
+          <p:nvPr/>
+        </p:nvSpPr>
+        <p:spPr>
+          <a:xfrm>
+            <a:off x="33423689" y="28778840"/>
+            <a:ext cx="2115918" cy="1080000"/>
+          </a:xfrm>
+          <a:prstGeom prst="rect">
+            <a:avLst/>
+          </a:prstGeom>
+          <a:solidFill>
+            <a:srgbClr val="CC00CC"/>
+          </a:solidFill>
+          <a:ln w="28575"/>
+        </p:spPr>
+        <p:style>
+          <a:lnRef idx="2">
+            <a:schemeClr val="accent1"/>
+          </a:lnRef>
+          <a:fillRef idx="1">
+            <a:schemeClr val="lt1"/>
+          </a:fillRef>
+          <a:effectRef idx="0">
+            <a:schemeClr val="accent1"/>
+          </a:effectRef>
+          <a:fontRef idx="minor">
+            <a:schemeClr val="dk1"/>
+          </a:fontRef>
+        </p:style>
+        <p:txBody>
+          <a:bodyPr lIns="124733" tIns="62367" rIns="124733" bIns="62367" rtlCol="0" anchor="ctr"/>
+          <a:lstStyle/>
+          <a:p>
+            <a:pPr algn="ctr"/>
+            <a:r>
+              <a:rPr lang="ru-RU" sz="1400" dirty="0" smtClean="0"/>
+              <a:t>Захват Лаоса</a:t>
+            </a:r>
+            <a:endParaRPr lang="ru-RU" sz="1400" dirty="0"/>
+          </a:p>
+        </p:txBody>
+      </p:sp>
+      <p:sp>
+        <p:nvSpPr>
+          <p:cNvPr id="551" name="Прямоугольник 550"/>
+          <p:cNvSpPr/>
+          <p:nvPr/>
+        </p:nvSpPr>
+        <p:spPr>
+          <a:xfrm>
+            <a:off x="35741764" y="28778840"/>
+            <a:ext cx="2115918" cy="1080000"/>
+          </a:xfrm>
+          <a:prstGeom prst="rect">
+            <a:avLst/>
+          </a:prstGeom>
+          <a:solidFill>
+            <a:srgbClr val="CC00CC"/>
+          </a:solidFill>
+          <a:ln w="28575"/>
+        </p:spPr>
+        <p:style>
+          <a:lnRef idx="2">
+            <a:schemeClr val="accent1"/>
+          </a:lnRef>
+          <a:fillRef idx="1">
+            <a:schemeClr val="lt1"/>
+          </a:fillRef>
+          <a:effectRef idx="0">
+            <a:schemeClr val="accent1"/>
+          </a:effectRef>
+          <a:fontRef idx="minor">
+            <a:schemeClr val="dk1"/>
+          </a:fontRef>
+        </p:style>
+        <p:txBody>
+          <a:bodyPr lIns="124733" tIns="62367" rIns="124733" bIns="62367" rtlCol="0" anchor="ctr"/>
+          <a:lstStyle/>
+          <a:p>
+            <a:pPr algn="ctr"/>
+            <a:r>
+              <a:rPr lang="ru-RU" sz="1400" dirty="0" smtClean="0"/>
+              <a:t>Интегрировать север Вьетнама</a:t>
+            </a:r>
+            <a:endParaRPr lang="ru-RU" sz="1400" dirty="0"/>
+          </a:p>
+        </p:txBody>
+      </p:sp>
+      <p:cxnSp>
+        <p:nvCxnSpPr>
+          <p:cNvPr id="553" name="Shape 248"/>
+          <p:cNvCxnSpPr>
+            <a:stCxn id="140" idx="2"/>
+            <a:endCxn id="472" idx="0"/>
+          </p:cNvCxnSpPr>
+          <p:nvPr/>
+        </p:nvCxnSpPr>
+        <p:spPr>
+          <a:xfrm rot="5400000">
+            <a:off x="30419727" y="20579498"/>
+            <a:ext cx="4669738" cy="5761487"/>
+          </a:xfrm>
+          <a:prstGeom prst="bentConnector3">
+            <a:avLst>
+              <a:gd name="adj1" fmla="val 3531"/>
+            </a:avLst>
+          </a:prstGeom>
+          <a:ln w="28575">
+            <a:prstDash val="dash"/>
+            <a:tailEnd type="arrow"/>
+          </a:ln>
+        </p:spPr>
+        <p:style>
+          <a:lnRef idx="1">
+            <a:schemeClr val="accent1"/>
+          </a:lnRef>
+          <a:fillRef idx="0">
+            <a:schemeClr val="accent1"/>
+          </a:fillRef>
+          <a:effectRef idx="0">
+            <a:schemeClr val="accent1"/>
+          </a:effectRef>
+          <a:fontRef idx="minor">
+            <a:schemeClr val="tx1"/>
+          </a:fontRef>
+        </p:style>
+      </p:cxnSp>
+      <p:cxnSp>
+        <p:nvCxnSpPr>
+          <p:cNvPr id="555" name="Shape 248"/>
+          <p:cNvCxnSpPr>
+            <a:stCxn id="451" idx="2"/>
+            <a:endCxn id="547" idx="0"/>
+          </p:cNvCxnSpPr>
+          <p:nvPr/>
+        </p:nvCxnSpPr>
+        <p:spPr>
+          <a:xfrm rot="16200000" flipH="1">
+            <a:off x="36621973" y="25892148"/>
+            <a:ext cx="334116" cy="2307385"/>
+          </a:xfrm>
+          <a:prstGeom prst="bentConnector3">
+            <a:avLst>
+              <a:gd name="adj1" fmla="val 50000"/>
+            </a:avLst>
+          </a:prstGeom>
+          <a:ln w="28575">
+            <a:tailEnd type="arrow"/>
+          </a:ln>
+        </p:spPr>
+        <p:style>
+          <a:lnRef idx="1">
+            <a:schemeClr val="accent1"/>
+          </a:lnRef>
+          <a:fillRef idx="0">
+            <a:schemeClr val="accent1"/>
+          </a:fillRef>
+          <a:effectRef idx="0">
+            <a:schemeClr val="accent1"/>
+          </a:effectRef>
+          <a:fontRef idx="minor">
+            <a:schemeClr val="tx1"/>
+          </a:fontRef>
+        </p:style>
+      </p:cxnSp>
+      <p:cxnSp>
+        <p:nvCxnSpPr>
+          <p:cNvPr id="556" name="Shape 248"/>
+          <p:cNvCxnSpPr>
+            <a:stCxn id="451" idx="2"/>
+            <a:endCxn id="546" idx="0"/>
+          </p:cNvCxnSpPr>
+          <p:nvPr/>
+        </p:nvCxnSpPr>
+        <p:spPr>
+          <a:xfrm rot="5400000">
+            <a:off x="34334736" y="25901746"/>
+            <a:ext cx="323566" cy="2277641"/>
+          </a:xfrm>
+          <a:prstGeom prst="bentConnector3">
+            <a:avLst>
+              <a:gd name="adj1" fmla="val 50000"/>
+            </a:avLst>
+          </a:prstGeom>
+          <a:ln w="28575">
+            <a:tailEnd type="arrow"/>
+          </a:ln>
+        </p:spPr>
+        <p:style>
+          <a:lnRef idx="1">
+            <a:schemeClr val="accent1"/>
+          </a:lnRef>
+          <a:fillRef idx="0">
+            <a:schemeClr val="accent1"/>
+          </a:fillRef>
+          <a:effectRef idx="0">
+            <a:schemeClr val="accent1"/>
+          </a:effectRef>
+          <a:fontRef idx="minor">
+            <a:schemeClr val="tx1"/>
+          </a:fontRef>
+        </p:style>
+      </p:cxnSp>
+      <p:cxnSp>
+        <p:nvCxnSpPr>
+          <p:cNvPr id="557" name="Shape 248"/>
+          <p:cNvCxnSpPr>
+            <a:stCxn id="451" idx="2"/>
+            <a:endCxn id="550" idx="0"/>
+          </p:cNvCxnSpPr>
+          <p:nvPr/>
+        </p:nvCxnSpPr>
+        <p:spPr>
+          <a:xfrm rot="5400000">
+            <a:off x="34108466" y="27251966"/>
+            <a:ext cx="1900057" cy="1153691"/>
+          </a:xfrm>
+          <a:prstGeom prst="bentConnector3">
+            <a:avLst>
+              <a:gd name="adj1" fmla="val 8340"/>
+            </a:avLst>
+          </a:prstGeom>
+          <a:ln w="28575">
+            <a:tailEnd type="arrow"/>
+          </a:ln>
+        </p:spPr>
+        <p:style>
+          <a:lnRef idx="1">
+            <a:schemeClr val="accent1"/>
+          </a:lnRef>
+          <a:fillRef idx="0">
+            <a:schemeClr val="accent1"/>
+          </a:fillRef>
+          <a:effectRef idx="0">
+            <a:schemeClr val="accent1"/>
+          </a:effectRef>
+          <a:fontRef idx="minor">
+            <a:schemeClr val="tx1"/>
+          </a:fontRef>
+        </p:style>
+      </p:cxnSp>
+      <p:cxnSp>
+        <p:nvCxnSpPr>
+          <p:cNvPr id="558" name="Shape 248"/>
+          <p:cNvCxnSpPr>
+            <a:stCxn id="451" idx="2"/>
+            <a:endCxn id="551" idx="0"/>
+          </p:cNvCxnSpPr>
+          <p:nvPr/>
+        </p:nvCxnSpPr>
+        <p:spPr>
+          <a:xfrm rot="16200000" flipH="1">
+            <a:off x="35267503" y="27246619"/>
+            <a:ext cx="1900057" cy="1164384"/>
+          </a:xfrm>
+          <a:prstGeom prst="bentConnector3">
+            <a:avLst>
+              <a:gd name="adj1" fmla="val 8340"/>
+            </a:avLst>
+          </a:prstGeom>
+          <a:ln w="28575">
+            <a:tailEnd type="arrow"/>
+          </a:ln>
+        </p:spPr>
+        <p:style>
+          <a:lnRef idx="1">
+            <a:schemeClr val="accent1"/>
+          </a:lnRef>
+          <a:fillRef idx="0">
+            <a:schemeClr val="accent1"/>
+          </a:fillRef>
+          <a:effectRef idx="0">
+            <a:schemeClr val="accent1"/>
+          </a:effectRef>
+          <a:fontRef idx="minor">
+            <a:schemeClr val="tx1"/>
+          </a:fontRef>
+        </p:style>
+      </p:cxnSp>
+      <p:cxnSp>
+        <p:nvCxnSpPr>
+          <p:cNvPr id="559" name="Прямая со стрелкой 558"/>
+          <p:cNvCxnSpPr>
+            <a:stCxn id="451" idx="2"/>
+            <a:endCxn id="543" idx="0"/>
+          </p:cNvCxnSpPr>
+          <p:nvPr/>
+        </p:nvCxnSpPr>
+        <p:spPr>
+          <a:xfrm>
+            <a:off x="35635339" y="26878783"/>
+            <a:ext cx="0" cy="328257"/>
+          </a:xfrm>
+          <a:prstGeom prst="straightConnector1">
+            <a:avLst/>
+          </a:prstGeom>
+          <a:ln w="28575">
+            <a:tailEnd type="arrow"/>
+          </a:ln>
+        </p:spPr>
+        <p:style>
+          <a:lnRef idx="1">
+            <a:schemeClr val="accent1"/>
+          </a:lnRef>
+          <a:fillRef idx="0">
+            <a:schemeClr val="accent1"/>
+          </a:fillRef>
+          <a:effectRef idx="0">
+            <a:schemeClr val="accent1"/>
+          </a:effectRef>
+          <a:fontRef idx="minor">
+            <a:schemeClr val="tx1"/>
+          </a:fontRef>
+        </p:style>
+      </p:cxnSp>
+      <p:sp>
+        <p:nvSpPr>
+          <p:cNvPr id="560" name="Прямоугольник 559"/>
+          <p:cNvSpPr/>
+          <p:nvPr/>
+        </p:nvSpPr>
+        <p:spPr>
+          <a:xfrm>
+            <a:off x="31131013" y="28781630"/>
+            <a:ext cx="2115918" cy="1080000"/>
+          </a:xfrm>
+          <a:prstGeom prst="rect">
+            <a:avLst/>
+          </a:prstGeom>
+          <a:solidFill>
+            <a:srgbClr val="CC00CC"/>
+          </a:solidFill>
+          <a:ln w="28575"/>
+        </p:spPr>
+        <p:style>
+          <a:lnRef idx="2">
+            <a:schemeClr val="accent1"/>
+          </a:lnRef>
+          <a:fillRef idx="1">
+            <a:schemeClr val="lt1"/>
+          </a:fillRef>
+          <a:effectRef idx="0">
+            <a:schemeClr val="accent1"/>
+          </a:effectRef>
+          <a:fontRef idx="minor">
+            <a:schemeClr val="dk1"/>
+          </a:fontRef>
+        </p:style>
+        <p:txBody>
+          <a:bodyPr lIns="124733" tIns="62367" rIns="124733" bIns="62367" rtlCol="0" anchor="ctr"/>
+          <a:lstStyle/>
+          <a:p>
+            <a:pPr algn="ctr"/>
+            <a:r>
+              <a:rPr lang="ru-RU" sz="1400" dirty="0" smtClean="0"/>
+              <a:t>Союз с королями реваншистами</a:t>
+            </a:r>
+            <a:endParaRPr lang="ru-RU" sz="1400" dirty="0"/>
+          </a:p>
+        </p:txBody>
+      </p:sp>
+      <p:cxnSp>
+        <p:nvCxnSpPr>
+          <p:cNvPr id="561" name="Shape 248"/>
+          <p:cNvCxnSpPr>
+            <a:stCxn id="451" idx="2"/>
+            <a:endCxn id="560" idx="0"/>
+          </p:cNvCxnSpPr>
+          <p:nvPr/>
+        </p:nvCxnSpPr>
+        <p:spPr>
+          <a:xfrm rot="5400000">
+            <a:off x="32960733" y="26107023"/>
+            <a:ext cx="1902847" cy="3446367"/>
+          </a:xfrm>
+          <a:prstGeom prst="bentConnector3">
+            <a:avLst>
+              <a:gd name="adj1" fmla="val 7684"/>
+            </a:avLst>
+          </a:prstGeom>
+          <a:ln w="28575">
+            <a:tailEnd type="arrow"/>
+          </a:ln>
+        </p:spPr>
+        <p:style>
+          <a:lnRef idx="1">
+            <a:schemeClr val="accent1"/>
+          </a:lnRef>
+          <a:fillRef idx="0">
+            <a:schemeClr val="accent1"/>
+          </a:fillRef>
+          <a:effectRef idx="0">
+            <a:schemeClr val="accent1"/>
+          </a:effectRef>
+          <a:fontRef idx="minor">
+            <a:schemeClr val="tx1"/>
+          </a:fontRef>
+        </p:style>
+      </p:cxnSp>
+      <p:sp>
+        <p:nvSpPr>
+          <p:cNvPr id="566" name="Прямоугольник 565"/>
+          <p:cNvSpPr/>
+          <p:nvPr/>
+        </p:nvSpPr>
+        <p:spPr>
+          <a:xfrm>
+            <a:off x="43106868" y="18286328"/>
+            <a:ext cx="616554" cy="597714"/>
           </a:xfrm>
           <a:prstGeom prst="rect">
             <a:avLst/>
@@ -23237,2334 +25228,8 @@
           <a:p>
             <a:pPr algn="ctr"/>
             <a:r>
-              <a:rPr lang="ru-RU" sz="1400" dirty="0" smtClean="0"/>
-              <a:t>Вернуть родину тайцев из </a:t>
-            </a:r>
-            <a:r>
-              <a:rPr lang="ru-RU" sz="1400" dirty="0" err="1" smtClean="0"/>
-              <a:t>Гунси</a:t>
-            </a:r>
-            <a:r>
-              <a:rPr lang="ru-RU" sz="1400" dirty="0" smtClean="0"/>
-              <a:t> (тайцы пришли отсюда, и старый народ тайцев всё ещё тут)</a:t>
-            </a:r>
-            <a:endParaRPr lang="ru-RU" sz="1400" dirty="0"/>
-          </a:p>
-        </p:txBody>
-      </p:sp>
-      <p:cxnSp>
-        <p:nvCxnSpPr>
-          <p:cNvPr id="588" name="Прямая со стрелкой 587"/>
-          <p:cNvCxnSpPr>
-            <a:stCxn id="563" idx="2"/>
-            <a:endCxn id="587" idx="0"/>
-          </p:cNvCxnSpPr>
-          <p:nvPr/>
-        </p:nvCxnSpPr>
-        <p:spPr>
-          <a:xfrm>
-            <a:off x="44890605" y="28218021"/>
-            <a:ext cx="9898" cy="1625595"/>
-          </a:xfrm>
-          <a:prstGeom prst="straightConnector1">
-            <a:avLst/>
-          </a:prstGeom>
-          <a:ln w="28575">
-            <a:tailEnd type="arrow"/>
-          </a:ln>
-        </p:spPr>
-        <p:style>
-          <a:lnRef idx="1">
-            <a:schemeClr val="accent1"/>
-          </a:lnRef>
-          <a:fillRef idx="0">
-            <a:schemeClr val="accent1"/>
-          </a:fillRef>
-          <a:effectRef idx="0">
-            <a:schemeClr val="accent1"/>
-          </a:effectRef>
-          <a:fontRef idx="minor">
-            <a:schemeClr val="tx1"/>
-          </a:fontRef>
-        </p:style>
-      </p:cxnSp>
-      <p:cxnSp>
-        <p:nvCxnSpPr>
-          <p:cNvPr id="591" name="Прямая со стрелкой 590"/>
-          <p:cNvCxnSpPr>
-            <a:stCxn id="433" idx="2"/>
-            <a:endCxn id="520" idx="0"/>
-          </p:cNvCxnSpPr>
-          <p:nvPr/>
-        </p:nvCxnSpPr>
-        <p:spPr>
-          <a:xfrm>
-            <a:off x="40321225" y="25390866"/>
-            <a:ext cx="9900" cy="1756223"/>
-          </a:xfrm>
-          <a:prstGeom prst="straightConnector1">
-            <a:avLst/>
-          </a:prstGeom>
-          <a:ln w="28575">
-            <a:tailEnd type="arrow"/>
-          </a:ln>
-        </p:spPr>
-        <p:style>
-          <a:lnRef idx="1">
-            <a:schemeClr val="accent1"/>
-          </a:lnRef>
-          <a:fillRef idx="0">
-            <a:schemeClr val="accent1"/>
-          </a:fillRef>
-          <a:effectRef idx="0">
-            <a:schemeClr val="accent1"/>
-          </a:effectRef>
-          <a:fontRef idx="minor">
-            <a:schemeClr val="tx1"/>
-          </a:fontRef>
-        </p:style>
-      </p:cxnSp>
-      <p:sp>
-        <p:nvSpPr>
-          <p:cNvPr id="594" name="Прямоугольник 593"/>
-          <p:cNvSpPr/>
-          <p:nvPr/>
-        </p:nvSpPr>
-        <p:spPr>
-          <a:xfrm>
-            <a:off x="33863168" y="18170608"/>
-            <a:ext cx="616554" cy="597714"/>
-          </a:xfrm>
-          <a:prstGeom prst="rect">
-            <a:avLst/>
-          </a:prstGeom>
-          <a:solidFill>
-            <a:srgbClr val="CC00CC"/>
-          </a:solidFill>
-          <a:ln w="28575"/>
-        </p:spPr>
-        <p:style>
-          <a:lnRef idx="2">
-            <a:schemeClr val="accent1"/>
-          </a:lnRef>
-          <a:fillRef idx="1">
-            <a:schemeClr val="lt1"/>
-          </a:fillRef>
-          <a:effectRef idx="0">
-            <a:schemeClr val="accent1"/>
-          </a:effectRef>
-          <a:fontRef idx="minor">
-            <a:schemeClr val="dk1"/>
-          </a:fontRef>
-        </p:style>
-        <p:txBody>
-          <a:bodyPr lIns="124733" tIns="62367" rIns="124733" bIns="62367" rtlCol="0" anchor="ctr"/>
-          <a:lstStyle/>
-          <a:p>
-            <a:pPr algn="ctr"/>
-            <a:r>
               <a:rPr lang="ru-RU" sz="2400" dirty="0" smtClean="0"/>
-              <a:t>22</a:t>
-            </a:r>
-            <a:endParaRPr lang="ru-RU" sz="2400" dirty="0"/>
-          </a:p>
-        </p:txBody>
-      </p:sp>
-      <p:sp>
-        <p:nvSpPr>
-          <p:cNvPr id="487" name="Прямоугольник 486"/>
-          <p:cNvSpPr/>
-          <p:nvPr/>
-        </p:nvSpPr>
-        <p:spPr>
-          <a:xfrm>
-            <a:off x="31131013" y="21473047"/>
-            <a:ext cx="2115918" cy="1080000"/>
-          </a:xfrm>
-          <a:prstGeom prst="rect">
-            <a:avLst/>
-          </a:prstGeom>
-          <a:solidFill>
-            <a:srgbClr val="CC00CC"/>
-          </a:solidFill>
-          <a:ln w="28575"/>
-        </p:spPr>
-        <p:style>
-          <a:lnRef idx="2">
-            <a:schemeClr val="accent1"/>
-          </a:lnRef>
-          <a:fillRef idx="1">
-            <a:schemeClr val="lt1"/>
-          </a:fillRef>
-          <a:effectRef idx="0">
-            <a:schemeClr val="accent1"/>
-          </a:effectRef>
-          <a:fontRef idx="minor">
-            <a:schemeClr val="dk1"/>
-          </a:fontRef>
-        </p:style>
-        <p:txBody>
-          <a:bodyPr lIns="124733" tIns="62367" rIns="124733" bIns="62367" rtlCol="0" anchor="ctr"/>
-          <a:lstStyle/>
-          <a:p>
-            <a:pPr algn="ctr"/>
-            <a:r>
-              <a:rPr lang="ru-RU" sz="1400" dirty="0" smtClean="0"/>
-              <a:t>Контрреволюционная агентурная сеть</a:t>
-            </a:r>
-            <a:endParaRPr lang="ru-RU" sz="1400" dirty="0"/>
-          </a:p>
-        </p:txBody>
-      </p:sp>
-      <p:sp>
-        <p:nvSpPr>
-          <p:cNvPr id="489" name="Прямоугольник 488"/>
-          <p:cNvSpPr/>
-          <p:nvPr/>
-        </p:nvSpPr>
-        <p:spPr>
-          <a:xfrm>
-            <a:off x="29965106" y="20043028"/>
-            <a:ext cx="2115918" cy="1080000"/>
-          </a:xfrm>
-          <a:prstGeom prst="rect">
-            <a:avLst/>
-          </a:prstGeom>
-          <a:solidFill>
-            <a:srgbClr val="CC00CC"/>
-          </a:solidFill>
-          <a:ln w="28575"/>
-        </p:spPr>
-        <p:style>
-          <a:lnRef idx="2">
-            <a:schemeClr val="accent1"/>
-          </a:lnRef>
-          <a:fillRef idx="1">
-            <a:schemeClr val="lt1"/>
-          </a:fillRef>
-          <a:effectRef idx="0">
-            <a:schemeClr val="accent1"/>
-          </a:effectRef>
-          <a:fontRef idx="minor">
-            <a:schemeClr val="dk1"/>
-          </a:fontRef>
-        </p:style>
-        <p:txBody>
-          <a:bodyPr lIns="124733" tIns="62367" rIns="124733" bIns="62367" rtlCol="0" anchor="ctr"/>
-          <a:lstStyle/>
-          <a:p>
-            <a:pPr algn="ctr"/>
-            <a:r>
-              <a:rPr lang="ru-RU" sz="1400" dirty="0" smtClean="0"/>
-              <a:t>Ослабить конституцию дл королевской власти (</a:t>
-            </a:r>
-            <a:r>
-              <a:rPr lang="ru-RU" sz="1400" dirty="0" err="1" smtClean="0"/>
-              <a:t>дуалка</a:t>
-            </a:r>
-            <a:r>
-              <a:rPr lang="ru-RU" sz="1400" dirty="0" smtClean="0"/>
-              <a:t>)</a:t>
-            </a:r>
-            <a:endParaRPr lang="ru-RU" sz="1400" dirty="0"/>
-          </a:p>
-        </p:txBody>
-      </p:sp>
-      <p:cxnSp>
-        <p:nvCxnSpPr>
-          <p:cNvPr id="492" name="Shape 248"/>
-          <p:cNvCxnSpPr>
-            <a:stCxn id="489" idx="2"/>
-            <a:endCxn id="423" idx="0"/>
-          </p:cNvCxnSpPr>
-          <p:nvPr/>
-        </p:nvCxnSpPr>
-        <p:spPr>
-          <a:xfrm rot="5400000">
-            <a:off x="29693253" y="20143470"/>
-            <a:ext cx="350255" cy="2309370"/>
-          </a:xfrm>
-          <a:prstGeom prst="bentConnector3">
-            <a:avLst>
-              <a:gd name="adj1" fmla="val 50000"/>
-            </a:avLst>
-          </a:prstGeom>
-          <a:ln w="28575">
-            <a:prstDash val="dash"/>
-            <a:tailEnd type="arrow"/>
-          </a:ln>
-        </p:spPr>
-        <p:style>
-          <a:lnRef idx="1">
-            <a:schemeClr val="accent1"/>
-          </a:lnRef>
-          <a:fillRef idx="0">
-            <a:schemeClr val="accent1"/>
-          </a:fillRef>
-          <a:effectRef idx="0">
-            <a:schemeClr val="accent1"/>
-          </a:effectRef>
-          <a:fontRef idx="minor">
-            <a:schemeClr val="tx1"/>
-          </a:fontRef>
-        </p:style>
-      </p:cxnSp>
-      <p:cxnSp>
-        <p:nvCxnSpPr>
-          <p:cNvPr id="495" name="Shape 248"/>
-          <p:cNvCxnSpPr>
-            <a:stCxn id="139" idx="2"/>
-            <a:endCxn id="489" idx="0"/>
-          </p:cNvCxnSpPr>
-          <p:nvPr/>
-        </p:nvCxnSpPr>
-        <p:spPr>
-          <a:xfrm rot="5400000">
-            <a:off x="33072243" y="17479931"/>
-            <a:ext cx="513919" cy="4612274"/>
-          </a:xfrm>
-          <a:prstGeom prst="bentConnector3">
-            <a:avLst>
-              <a:gd name="adj1" fmla="val 50000"/>
-            </a:avLst>
-          </a:prstGeom>
-          <a:ln w="28575">
-            <a:tailEnd type="arrow"/>
-          </a:ln>
-        </p:spPr>
-        <p:style>
-          <a:lnRef idx="1">
-            <a:schemeClr val="accent1"/>
-          </a:lnRef>
-          <a:fillRef idx="0">
-            <a:schemeClr val="accent1"/>
-          </a:fillRef>
-          <a:effectRef idx="0">
-            <a:schemeClr val="accent1"/>
-          </a:effectRef>
-          <a:fontRef idx="minor">
-            <a:schemeClr val="tx1"/>
-          </a:fontRef>
-        </p:style>
-      </p:cxnSp>
-      <p:cxnSp>
-        <p:nvCxnSpPr>
-          <p:cNvPr id="496" name="Прямая со стрелкой 495"/>
-          <p:cNvCxnSpPr>
-            <a:stCxn id="139" idx="2"/>
-            <a:endCxn id="140" idx="0"/>
-          </p:cNvCxnSpPr>
-          <p:nvPr/>
-        </p:nvCxnSpPr>
-        <p:spPr>
-          <a:xfrm>
-            <a:off x="35635339" y="19529109"/>
-            <a:ext cx="0" cy="516263"/>
-          </a:xfrm>
-          <a:prstGeom prst="straightConnector1">
-            <a:avLst/>
-          </a:prstGeom>
-          <a:ln w="28575">
-            <a:tailEnd type="arrow"/>
-          </a:ln>
-        </p:spPr>
-        <p:style>
-          <a:lnRef idx="1">
-            <a:schemeClr val="accent1"/>
-          </a:lnRef>
-          <a:fillRef idx="0">
-            <a:schemeClr val="accent1"/>
-          </a:fillRef>
-          <a:effectRef idx="0">
-            <a:schemeClr val="accent1"/>
-          </a:effectRef>
-          <a:fontRef idx="minor">
-            <a:schemeClr val="tx1"/>
-          </a:fontRef>
-        </p:style>
-      </p:cxnSp>
-      <p:sp>
-        <p:nvSpPr>
-          <p:cNvPr id="497" name="Прямоугольник 496"/>
-          <p:cNvSpPr/>
-          <p:nvPr/>
-        </p:nvSpPr>
-        <p:spPr>
-          <a:xfrm>
-            <a:off x="38042224" y="21463522"/>
-            <a:ext cx="2115918" cy="1080000"/>
-          </a:xfrm>
-          <a:prstGeom prst="rect">
-            <a:avLst/>
-          </a:prstGeom>
-          <a:solidFill>
-            <a:srgbClr val="CC00CC"/>
-          </a:solidFill>
-          <a:ln w="28575"/>
-        </p:spPr>
-        <p:style>
-          <a:lnRef idx="2">
-            <a:schemeClr val="accent1"/>
-          </a:lnRef>
-          <a:fillRef idx="1">
-            <a:schemeClr val="lt1"/>
-          </a:fillRef>
-          <a:effectRef idx="0">
-            <a:schemeClr val="accent1"/>
-          </a:effectRef>
-          <a:fontRef idx="minor">
-            <a:schemeClr val="dk1"/>
-          </a:fontRef>
-        </p:style>
-        <p:txBody>
-          <a:bodyPr lIns="124733" tIns="62367" rIns="124733" bIns="62367" rtlCol="0" anchor="ctr"/>
-          <a:lstStyle/>
-          <a:p>
-            <a:pPr algn="ctr"/>
-            <a:r>
-              <a:rPr lang="ru-RU" sz="1400" dirty="0" smtClean="0"/>
-              <a:t>Поддержание </a:t>
-            </a:r>
-            <a:r>
-              <a:rPr lang="ru-RU" sz="1400" dirty="0"/>
-              <a:t>западного побережья </a:t>
-            </a:r>
-            <a:r>
-              <a:rPr lang="ru-RU" sz="900" dirty="0"/>
-              <a:t>(Он учредил совет по поддержанию западного побережья. Чтобы воспитать </a:t>
-            </a:r>
-            <a:r>
-              <a:rPr lang="ru-RU" sz="900" dirty="0" err="1"/>
-              <a:t>Хуа</a:t>
-            </a:r>
-            <a:r>
-              <a:rPr lang="ru-RU" sz="900" dirty="0"/>
-              <a:t> Хин и его окрестности, чтобы стать морским курортом</a:t>
-            </a:r>
-            <a:r>
-              <a:rPr lang="ru-RU" sz="900" dirty="0" smtClean="0"/>
-              <a:t>.)</a:t>
-            </a:r>
-            <a:endParaRPr lang="ru-RU" sz="900" dirty="0"/>
-          </a:p>
-        </p:txBody>
-      </p:sp>
-      <p:cxnSp>
-        <p:nvCxnSpPr>
-          <p:cNvPr id="502" name="Прямая со стрелкой 501"/>
-          <p:cNvCxnSpPr>
-            <a:stCxn id="140" idx="2"/>
-            <a:endCxn id="451" idx="0"/>
-          </p:cNvCxnSpPr>
-          <p:nvPr/>
-        </p:nvCxnSpPr>
-        <p:spPr>
-          <a:xfrm>
-            <a:off x="35635339" y="21125372"/>
-            <a:ext cx="0" cy="4673411"/>
-          </a:xfrm>
-          <a:prstGeom prst="straightConnector1">
-            <a:avLst/>
-          </a:prstGeom>
-          <a:ln w="28575">
-            <a:tailEnd type="arrow"/>
-          </a:ln>
-        </p:spPr>
-        <p:style>
-          <a:lnRef idx="1">
-            <a:schemeClr val="accent1"/>
-          </a:lnRef>
-          <a:fillRef idx="0">
-            <a:schemeClr val="accent1"/>
-          </a:fillRef>
-          <a:effectRef idx="0">
-            <a:schemeClr val="accent1"/>
-          </a:effectRef>
-          <a:fontRef idx="minor">
-            <a:schemeClr val="tx1"/>
-          </a:fontRef>
-        </p:style>
-      </p:cxnSp>
-      <p:cxnSp>
-        <p:nvCxnSpPr>
-          <p:cNvPr id="509" name="Shape 248"/>
-          <p:cNvCxnSpPr>
-            <a:stCxn id="139" idx="2"/>
-            <a:endCxn id="449" idx="0"/>
-          </p:cNvCxnSpPr>
-          <p:nvPr/>
-        </p:nvCxnSpPr>
-        <p:spPr>
-          <a:xfrm rot="16200000" flipH="1">
-            <a:off x="36531679" y="18632768"/>
-            <a:ext cx="514705" cy="2307385"/>
-          </a:xfrm>
-          <a:prstGeom prst="bentConnector3">
-            <a:avLst>
-              <a:gd name="adj1" fmla="val 50000"/>
-            </a:avLst>
-          </a:prstGeom>
-          <a:ln w="28575">
-            <a:tailEnd type="arrow"/>
-          </a:ln>
-        </p:spPr>
-        <p:style>
-          <a:lnRef idx="1">
-            <a:schemeClr val="accent1"/>
-          </a:lnRef>
-          <a:fillRef idx="0">
-            <a:schemeClr val="accent1"/>
-          </a:fillRef>
-          <a:effectRef idx="0">
-            <a:schemeClr val="accent1"/>
-          </a:effectRef>
-          <a:fontRef idx="minor">
-            <a:schemeClr val="tx1"/>
-          </a:fontRef>
-        </p:style>
-      </p:cxnSp>
-      <p:cxnSp>
-        <p:nvCxnSpPr>
-          <p:cNvPr id="510" name="Shape 248"/>
-          <p:cNvCxnSpPr>
-            <a:stCxn id="140" idx="2"/>
-            <a:endCxn id="497" idx="0"/>
-          </p:cNvCxnSpPr>
-          <p:nvPr/>
-        </p:nvCxnSpPr>
-        <p:spPr>
-          <a:xfrm rot="16200000" flipH="1">
-            <a:off x="37198686" y="19562025"/>
-            <a:ext cx="338150" cy="3464844"/>
-          </a:xfrm>
-          <a:prstGeom prst="bentConnector3">
-            <a:avLst>
-              <a:gd name="adj1" fmla="val 50000"/>
-            </a:avLst>
-          </a:prstGeom>
-          <a:ln w="28575">
-            <a:tailEnd type="arrow"/>
-          </a:ln>
-        </p:spPr>
-        <p:style>
-          <a:lnRef idx="1">
-            <a:schemeClr val="accent1"/>
-          </a:lnRef>
-          <a:fillRef idx="0">
-            <a:schemeClr val="accent1"/>
-          </a:fillRef>
-          <a:effectRef idx="0">
-            <a:schemeClr val="accent1"/>
-          </a:effectRef>
-          <a:fontRef idx="minor">
-            <a:schemeClr val="tx1"/>
-          </a:fontRef>
-        </p:style>
-      </p:cxnSp>
-      <p:cxnSp>
-        <p:nvCxnSpPr>
-          <p:cNvPr id="516" name="Shape 248"/>
-          <p:cNvCxnSpPr>
-            <a:stCxn id="449" idx="2"/>
-            <a:endCxn id="497" idx="0"/>
-          </p:cNvCxnSpPr>
-          <p:nvPr/>
-        </p:nvCxnSpPr>
-        <p:spPr>
-          <a:xfrm rot="16200000" flipH="1">
-            <a:off x="38351599" y="20714938"/>
-            <a:ext cx="339708" cy="1157459"/>
-          </a:xfrm>
-          <a:prstGeom prst="bentConnector3">
-            <a:avLst>
-              <a:gd name="adj1" fmla="val 50000"/>
-            </a:avLst>
-          </a:prstGeom>
-          <a:ln w="28575">
-            <a:tailEnd type="arrow"/>
-          </a:ln>
-        </p:spPr>
-        <p:style>
-          <a:lnRef idx="1">
-            <a:schemeClr val="accent1"/>
-          </a:lnRef>
-          <a:fillRef idx="0">
-            <a:schemeClr val="accent1"/>
-          </a:fillRef>
-          <a:effectRef idx="0">
-            <a:schemeClr val="accent1"/>
-          </a:effectRef>
-          <a:fontRef idx="minor">
-            <a:schemeClr val="tx1"/>
-          </a:fontRef>
-        </p:style>
-      </p:cxnSp>
-      <p:sp>
-        <p:nvSpPr>
-          <p:cNvPr id="519" name="Прямоугольник 518"/>
-          <p:cNvSpPr/>
-          <p:nvPr/>
-        </p:nvSpPr>
-        <p:spPr>
-          <a:xfrm>
-            <a:off x="32269727" y="20045955"/>
-            <a:ext cx="2115918" cy="1080000"/>
-          </a:xfrm>
-          <a:prstGeom prst="rect">
-            <a:avLst/>
-          </a:prstGeom>
-          <a:solidFill>
-            <a:srgbClr val="CC00CC"/>
-          </a:solidFill>
-          <a:ln w="28575"/>
-        </p:spPr>
-        <p:style>
-          <a:lnRef idx="2">
-            <a:schemeClr val="accent1"/>
-          </a:lnRef>
-          <a:fillRef idx="1">
-            <a:schemeClr val="lt1"/>
-          </a:fillRef>
-          <a:effectRef idx="0">
-            <a:schemeClr val="accent1"/>
-          </a:effectRef>
-          <a:fontRef idx="minor">
-            <a:schemeClr val="dk1"/>
-          </a:fontRef>
-        </p:style>
-        <p:txBody>
-          <a:bodyPr lIns="124733" tIns="62367" rIns="124733" bIns="62367" rtlCol="0" anchor="ctr"/>
-          <a:lstStyle/>
-          <a:p>
-            <a:pPr algn="ctr"/>
-            <a:r>
-              <a:rPr lang="ru-RU" sz="1400" dirty="0" smtClean="0"/>
-              <a:t>Установить абсолютную власть </a:t>
-            </a:r>
-            <a:r>
-              <a:rPr lang="ru-RU" sz="1400" dirty="0" err="1" smtClean="0"/>
-              <a:t>Чакри</a:t>
-            </a:r>
-            <a:endParaRPr lang="ru-RU" sz="1400" dirty="0"/>
-          </a:p>
-        </p:txBody>
-      </p:sp>
-      <p:sp>
-        <p:nvSpPr>
-          <p:cNvPr id="521" name="Прямоугольник 520"/>
-          <p:cNvSpPr/>
-          <p:nvPr/>
-        </p:nvSpPr>
-        <p:spPr>
-          <a:xfrm>
-            <a:off x="33423689" y="21473047"/>
-            <a:ext cx="2115918" cy="1080000"/>
-          </a:xfrm>
-          <a:prstGeom prst="rect">
-            <a:avLst/>
-          </a:prstGeom>
-          <a:solidFill>
-            <a:srgbClr val="CC00CC"/>
-          </a:solidFill>
-          <a:ln w="28575"/>
-        </p:spPr>
-        <p:style>
-          <a:lnRef idx="2">
-            <a:schemeClr val="accent1"/>
-          </a:lnRef>
-          <a:fillRef idx="1">
-            <a:schemeClr val="lt1"/>
-          </a:fillRef>
-          <a:effectRef idx="0">
-            <a:schemeClr val="accent1"/>
-          </a:effectRef>
-          <a:fontRef idx="minor">
-            <a:schemeClr val="dk1"/>
-          </a:fontRef>
-        </p:style>
-        <p:txBody>
-          <a:bodyPr lIns="124733" tIns="62367" rIns="124733" bIns="62367" rtlCol="0" anchor="ctr"/>
-          <a:lstStyle/>
-          <a:p>
-            <a:pPr algn="ctr"/>
-            <a:r>
-              <a:rPr lang="ru-RU" sz="1400" dirty="0" smtClean="0"/>
-              <a:t>Коронация нового короля</a:t>
-            </a:r>
-          </a:p>
-        </p:txBody>
-      </p:sp>
-      <p:sp>
-        <p:nvSpPr>
-          <p:cNvPr id="523" name="Прямоугольник 522"/>
-          <p:cNvSpPr/>
-          <p:nvPr/>
-        </p:nvSpPr>
-        <p:spPr>
-          <a:xfrm>
-            <a:off x="35741764" y="21473047"/>
-            <a:ext cx="2115918" cy="1080000"/>
-          </a:xfrm>
-          <a:prstGeom prst="rect">
-            <a:avLst/>
-          </a:prstGeom>
-          <a:solidFill>
-            <a:srgbClr val="CC00CC"/>
-          </a:solidFill>
-          <a:ln w="28575"/>
-        </p:spPr>
-        <p:style>
-          <a:lnRef idx="2">
-            <a:schemeClr val="accent1"/>
-          </a:lnRef>
-          <a:fillRef idx="1">
-            <a:schemeClr val="lt1"/>
-          </a:fillRef>
-          <a:effectRef idx="0">
-            <a:schemeClr val="accent1"/>
-          </a:effectRef>
-          <a:fontRef idx="minor">
-            <a:schemeClr val="dk1"/>
-          </a:fontRef>
-        </p:style>
-        <p:txBody>
-          <a:bodyPr lIns="124733" tIns="62367" rIns="124733" bIns="62367" rtlCol="0" anchor="ctr"/>
-          <a:lstStyle/>
-          <a:p>
-            <a:pPr algn="ctr"/>
-            <a:r>
-              <a:rPr lang="ru-RU" sz="1400" dirty="0" smtClean="0"/>
-              <a:t>Восстановление страны</a:t>
-            </a:r>
-            <a:endParaRPr lang="ru-RU" sz="1400" dirty="0"/>
-          </a:p>
-        </p:txBody>
-      </p:sp>
-      <p:cxnSp>
-        <p:nvCxnSpPr>
-          <p:cNvPr id="528" name="Shape 248"/>
-          <p:cNvCxnSpPr>
-            <a:stCxn id="140" idx="2"/>
-            <a:endCxn id="523" idx="0"/>
-          </p:cNvCxnSpPr>
-          <p:nvPr/>
-        </p:nvCxnSpPr>
-        <p:spPr>
-          <a:xfrm rot="16200000" flipH="1">
-            <a:off x="36043694" y="20717017"/>
-            <a:ext cx="347675" cy="1164384"/>
-          </a:xfrm>
-          <a:prstGeom prst="bentConnector3">
-            <a:avLst>
-              <a:gd name="adj1" fmla="val 50000"/>
-            </a:avLst>
-          </a:prstGeom>
-          <a:ln w="28575">
-            <a:tailEnd type="arrow"/>
-          </a:ln>
-        </p:spPr>
-        <p:style>
-          <a:lnRef idx="1">
-            <a:schemeClr val="accent1"/>
-          </a:lnRef>
-          <a:fillRef idx="0">
-            <a:schemeClr val="accent1"/>
-          </a:fillRef>
-          <a:effectRef idx="0">
-            <a:schemeClr val="accent1"/>
-          </a:effectRef>
-          <a:fontRef idx="minor">
-            <a:schemeClr val="tx1"/>
-          </a:fontRef>
-        </p:style>
-      </p:cxnSp>
-      <p:cxnSp>
-        <p:nvCxnSpPr>
-          <p:cNvPr id="530" name="Shape 248"/>
-          <p:cNvCxnSpPr>
-            <a:stCxn id="140" idx="2"/>
-            <a:endCxn id="521" idx="0"/>
-          </p:cNvCxnSpPr>
-          <p:nvPr/>
-        </p:nvCxnSpPr>
-        <p:spPr>
-          <a:xfrm rot="5400000">
-            <a:off x="34884657" y="20722364"/>
-            <a:ext cx="347675" cy="1153691"/>
-          </a:xfrm>
-          <a:prstGeom prst="bentConnector3">
-            <a:avLst>
-              <a:gd name="adj1" fmla="val 50000"/>
-            </a:avLst>
-          </a:prstGeom>
-          <a:ln w="28575">
-            <a:tailEnd type="arrow"/>
-          </a:ln>
-        </p:spPr>
-        <p:style>
-          <a:lnRef idx="1">
-            <a:schemeClr val="accent1"/>
-          </a:lnRef>
-          <a:fillRef idx="0">
-            <a:schemeClr val="accent1"/>
-          </a:fillRef>
-          <a:effectRef idx="0">
-            <a:schemeClr val="accent1"/>
-          </a:effectRef>
-          <a:fontRef idx="minor">
-            <a:schemeClr val="tx1"/>
-          </a:fontRef>
-        </p:style>
-      </p:cxnSp>
-      <p:cxnSp>
-        <p:nvCxnSpPr>
-          <p:cNvPr id="531" name="Shape 248"/>
-          <p:cNvCxnSpPr>
-            <a:stCxn id="139" idx="2"/>
-            <a:endCxn id="519" idx="0"/>
-          </p:cNvCxnSpPr>
-          <p:nvPr/>
-        </p:nvCxnSpPr>
-        <p:spPr>
-          <a:xfrm rot="5400000">
-            <a:off x="34223090" y="18633706"/>
-            <a:ext cx="516846" cy="2307653"/>
-          </a:xfrm>
-          <a:prstGeom prst="bentConnector3">
-            <a:avLst>
-              <a:gd name="adj1" fmla="val 50000"/>
-            </a:avLst>
-          </a:prstGeom>
-          <a:ln w="28575">
-            <a:tailEnd type="arrow"/>
-          </a:ln>
-        </p:spPr>
-        <p:style>
-          <a:lnRef idx="1">
-            <a:schemeClr val="accent1"/>
-          </a:lnRef>
-          <a:fillRef idx="0">
-            <a:schemeClr val="accent1"/>
-          </a:fillRef>
-          <a:effectRef idx="0">
-            <a:schemeClr val="accent1"/>
-          </a:effectRef>
-          <a:fontRef idx="minor">
-            <a:schemeClr val="tx1"/>
-          </a:fontRef>
-        </p:style>
-      </p:cxnSp>
-      <p:cxnSp>
-        <p:nvCxnSpPr>
-          <p:cNvPr id="533" name="Прямая соединительная линия 532"/>
-          <p:cNvCxnSpPr>
-            <a:stCxn id="469" idx="3"/>
-            <a:endCxn id="451" idx="1"/>
-          </p:cNvCxnSpPr>
-          <p:nvPr/>
-        </p:nvCxnSpPr>
-        <p:spPr>
-          <a:xfrm>
-            <a:off x="30927020" y="26335111"/>
-            <a:ext cx="3650360" cy="3672"/>
-          </a:xfrm>
-          <a:prstGeom prst="line">
-            <a:avLst/>
-          </a:prstGeom>
-          <a:ln w="38100">
-            <a:solidFill>
-              <a:srgbClr val="FF0000"/>
-            </a:solidFill>
-          </a:ln>
-        </p:spPr>
-        <p:style>
-          <a:lnRef idx="1">
-            <a:schemeClr val="accent2"/>
-          </a:lnRef>
-          <a:fillRef idx="0">
-            <a:schemeClr val="accent2"/>
-          </a:fillRef>
-          <a:effectRef idx="0">
-            <a:schemeClr val="accent2"/>
-          </a:effectRef>
-          <a:fontRef idx="minor">
-            <a:schemeClr val="tx1"/>
-          </a:fontRef>
-        </p:style>
-      </p:cxnSp>
-      <p:sp>
-        <p:nvSpPr>
-          <p:cNvPr id="572" name="Прямоугольник 571"/>
-          <p:cNvSpPr/>
-          <p:nvPr/>
-        </p:nvSpPr>
-        <p:spPr>
-          <a:xfrm>
-            <a:off x="39204356" y="20043028"/>
-            <a:ext cx="2115918" cy="1080000"/>
-          </a:xfrm>
-          <a:prstGeom prst="rect">
-            <a:avLst/>
-          </a:prstGeom>
-          <a:solidFill>
-            <a:srgbClr val="CC00CC"/>
-          </a:solidFill>
-          <a:ln w="28575"/>
-        </p:spPr>
-        <p:style>
-          <a:lnRef idx="2">
-            <a:schemeClr val="accent1"/>
-          </a:lnRef>
-          <a:fillRef idx="1">
-            <a:schemeClr val="lt1"/>
-          </a:fillRef>
-          <a:effectRef idx="0">
-            <a:schemeClr val="accent1"/>
-          </a:effectRef>
-          <a:fontRef idx="minor">
-            <a:schemeClr val="dk1"/>
-          </a:fontRef>
-        </p:style>
-        <p:txBody>
-          <a:bodyPr lIns="124733" tIns="62367" rIns="124733" bIns="62367" rtlCol="0" anchor="ctr"/>
-          <a:lstStyle/>
-          <a:p>
-            <a:pPr algn="ctr"/>
-            <a:r>
-              <a:rPr lang="ru-RU" sz="1400" dirty="0" smtClean="0"/>
-              <a:t>Синяя армия</a:t>
-            </a:r>
-            <a:endParaRPr lang="ru-RU" sz="1400" dirty="0"/>
-          </a:p>
-        </p:txBody>
-      </p:sp>
-      <p:cxnSp>
-        <p:nvCxnSpPr>
-          <p:cNvPr id="573" name="Shape 248"/>
-          <p:cNvCxnSpPr>
-            <a:stCxn id="489" idx="2"/>
-            <a:endCxn id="487" idx="0"/>
-          </p:cNvCxnSpPr>
-          <p:nvPr/>
-        </p:nvCxnSpPr>
-        <p:spPr>
-          <a:xfrm rot="16200000" flipH="1">
-            <a:off x="31431009" y="20715083"/>
-            <a:ext cx="350019" cy="1165907"/>
-          </a:xfrm>
-          <a:prstGeom prst="bentConnector3">
-            <a:avLst>
-              <a:gd name="adj1" fmla="val 50000"/>
-            </a:avLst>
-          </a:prstGeom>
-          <a:ln w="28575">
-            <a:prstDash val="dash"/>
-            <a:tailEnd type="arrow"/>
-          </a:ln>
-        </p:spPr>
-        <p:style>
-          <a:lnRef idx="1">
-            <a:schemeClr val="accent1"/>
-          </a:lnRef>
-          <a:fillRef idx="0">
-            <a:schemeClr val="accent1"/>
-          </a:fillRef>
-          <a:effectRef idx="0">
-            <a:schemeClr val="accent1"/>
-          </a:effectRef>
-          <a:fontRef idx="minor">
-            <a:schemeClr val="tx1"/>
-          </a:fontRef>
-        </p:style>
-      </p:cxnSp>
-      <p:cxnSp>
-        <p:nvCxnSpPr>
-          <p:cNvPr id="578" name="Shape 248"/>
-          <p:cNvCxnSpPr>
-            <a:stCxn id="519" idx="2"/>
-            <a:endCxn id="487" idx="0"/>
-          </p:cNvCxnSpPr>
-          <p:nvPr/>
-        </p:nvCxnSpPr>
-        <p:spPr>
-          <a:xfrm rot="5400000">
-            <a:off x="32584783" y="20730144"/>
-            <a:ext cx="347092" cy="1138714"/>
-          </a:xfrm>
-          <a:prstGeom prst="bentConnector3">
-            <a:avLst>
-              <a:gd name="adj1" fmla="val 50000"/>
-            </a:avLst>
-          </a:prstGeom>
-          <a:ln w="28575">
-            <a:prstDash val="dash"/>
-            <a:tailEnd type="arrow"/>
-          </a:ln>
-        </p:spPr>
-        <p:style>
-          <a:lnRef idx="1">
-            <a:schemeClr val="accent1"/>
-          </a:lnRef>
-          <a:fillRef idx="0">
-            <a:schemeClr val="accent1"/>
-          </a:fillRef>
-          <a:effectRef idx="0">
-            <a:schemeClr val="accent1"/>
-          </a:effectRef>
-          <a:fontRef idx="minor">
-            <a:schemeClr val="tx1"/>
-          </a:fontRef>
-        </p:style>
-      </p:cxnSp>
-      <p:cxnSp>
-        <p:nvCxnSpPr>
-          <p:cNvPr id="585" name="Прямая соединительная линия 584"/>
-          <p:cNvCxnSpPr>
-            <a:stCxn id="489" idx="3"/>
-            <a:endCxn id="519" idx="1"/>
-          </p:cNvCxnSpPr>
-          <p:nvPr/>
-        </p:nvCxnSpPr>
-        <p:spPr>
-          <a:xfrm>
-            <a:off x="32081024" y="20583028"/>
-            <a:ext cx="188703" cy="2927"/>
-          </a:xfrm>
-          <a:prstGeom prst="line">
-            <a:avLst/>
-          </a:prstGeom>
-          <a:ln w="38100">
-            <a:solidFill>
-              <a:srgbClr val="FF0000"/>
-            </a:solidFill>
-          </a:ln>
-        </p:spPr>
-        <p:style>
-          <a:lnRef idx="1">
-            <a:schemeClr val="accent2"/>
-          </a:lnRef>
-          <a:fillRef idx="0">
-            <a:schemeClr val="accent2"/>
-          </a:fillRef>
-          <a:effectRef idx="0">
-            <a:schemeClr val="accent2"/>
-          </a:effectRef>
-          <a:fontRef idx="minor">
-            <a:schemeClr val="tx1"/>
-          </a:fontRef>
-        </p:style>
-      </p:cxnSp>
-      <p:cxnSp>
-        <p:nvCxnSpPr>
-          <p:cNvPr id="590" name="Shape 248"/>
-          <p:cNvCxnSpPr>
-            <a:stCxn id="139" idx="2"/>
-            <a:endCxn id="572" idx="0"/>
-          </p:cNvCxnSpPr>
-          <p:nvPr/>
-        </p:nvCxnSpPr>
-        <p:spPr>
-          <a:xfrm rot="16200000" flipH="1">
-            <a:off x="37691868" y="17472580"/>
-            <a:ext cx="513919" cy="4626976"/>
-          </a:xfrm>
-          <a:prstGeom prst="bentConnector3">
-            <a:avLst>
-              <a:gd name="adj1" fmla="val 50000"/>
-            </a:avLst>
-          </a:prstGeom>
-          <a:ln w="28575">
-            <a:tailEnd type="arrow"/>
-          </a:ln>
-        </p:spPr>
-        <p:style>
-          <a:lnRef idx="1">
-            <a:schemeClr val="accent1"/>
-          </a:lnRef>
-          <a:fillRef idx="0">
-            <a:schemeClr val="accent1"/>
-          </a:fillRef>
-          <a:effectRef idx="0">
-            <a:schemeClr val="accent1"/>
-          </a:effectRef>
-          <a:fontRef idx="minor">
-            <a:schemeClr val="tx1"/>
-          </a:fontRef>
-        </p:style>
-      </p:cxnSp>
-      <p:sp>
-        <p:nvSpPr>
-          <p:cNvPr id="595" name="Прямоугольник 594"/>
-          <p:cNvSpPr/>
-          <p:nvPr/>
-        </p:nvSpPr>
-        <p:spPr>
-          <a:xfrm>
-            <a:off x="29450397" y="211391"/>
-            <a:ext cx="2115918" cy="1080000"/>
-          </a:xfrm>
-          <a:prstGeom prst="rect">
-            <a:avLst/>
-          </a:prstGeom>
-          <a:solidFill>
-            <a:srgbClr val="CC00CC"/>
-          </a:solidFill>
-          <a:ln w="28575"/>
-        </p:spPr>
-        <p:style>
-          <a:lnRef idx="2">
-            <a:schemeClr val="accent1"/>
-          </a:lnRef>
-          <a:fillRef idx="1">
-            <a:schemeClr val="lt1"/>
-          </a:fillRef>
-          <a:effectRef idx="0">
-            <a:schemeClr val="accent1"/>
-          </a:effectRef>
-          <a:fontRef idx="minor">
-            <a:schemeClr val="dk1"/>
-          </a:fontRef>
-        </p:style>
-        <p:txBody>
-          <a:bodyPr lIns="124733" tIns="62367" rIns="124733" bIns="62367" rtlCol="0" anchor="ctr"/>
-          <a:lstStyle/>
-          <a:p>
-            <a:pPr algn="ctr"/>
-            <a:r>
-              <a:rPr lang="ru-RU" sz="1400" dirty="0" smtClean="0"/>
-              <a:t>Рама </a:t>
-            </a:r>
-            <a:r>
-              <a:rPr lang="en-US" sz="1400" dirty="0" smtClean="0"/>
-              <a:t>IX</a:t>
-            </a:r>
-            <a:r>
-              <a:rPr lang="ru-RU" sz="1400" dirty="0" smtClean="0"/>
-              <a:t> </a:t>
-            </a:r>
-            <a:r>
-              <a:rPr lang="ru-RU" sz="500" dirty="0" smtClean="0"/>
-              <a:t>(Порядок наследования трона в Таиланде был довольно сложным, и принц </a:t>
-            </a:r>
-            <a:r>
-              <a:rPr lang="ru-RU" sz="500" dirty="0" err="1" smtClean="0"/>
-              <a:t>Ананта</a:t>
-            </a:r>
-            <a:r>
-              <a:rPr lang="ru-RU" sz="500" dirty="0" smtClean="0"/>
-              <a:t>́ </a:t>
-            </a:r>
-            <a:r>
-              <a:rPr lang="ru-RU" sz="500" dirty="0" err="1" smtClean="0"/>
-              <a:t>Махидо́н</a:t>
-            </a:r>
-            <a:r>
-              <a:rPr lang="ru-RU" sz="500" dirty="0" smtClean="0"/>
-              <a:t> был первым в линии наследования, но его соперник, принц </a:t>
-            </a:r>
-            <a:r>
-              <a:rPr lang="ru-RU" sz="500" dirty="0" err="1" smtClean="0">
-                <a:hlinkClick r:id="rId3" tooltip="Чулачакрапонгсе (страница отсутствует)"/>
-              </a:rPr>
-              <a:t>Чулачакрапонгсе</a:t>
-            </a:r>
-            <a:r>
-              <a:rPr lang="ru-RU" sz="500" dirty="0" smtClean="0"/>
-              <a:t>, был ранее исключён из наследования и считал это исключение незаконным. Вопрос о наследовании решал кабинет министров, который интерпретировал закон в пользу </a:t>
-            </a:r>
-            <a:r>
-              <a:rPr lang="ru-RU" sz="500" dirty="0" err="1" smtClean="0"/>
-              <a:t>Ананты</a:t>
-            </a:r>
-            <a:r>
-              <a:rPr lang="ru-RU" sz="500" dirty="0" smtClean="0"/>
-              <a:t>́ </a:t>
-            </a:r>
-            <a:r>
-              <a:rPr lang="ru-RU" sz="500" dirty="0" err="1" smtClean="0"/>
-              <a:t>Махидо́на</a:t>
-            </a:r>
-            <a:r>
-              <a:rPr lang="ru-RU" sz="500" dirty="0" smtClean="0"/>
-              <a:t>.)(</a:t>
-            </a:r>
-            <a:r>
-              <a:rPr lang="en-US" sz="500" dirty="0" smtClean="0">
-                <a:hlinkClick r:id="rId4"/>
-              </a:rPr>
-              <a:t>https://ru.wikipedia.org/wiki/</a:t>
-            </a:r>
-            <a:r>
-              <a:rPr lang="ru-RU" sz="500" dirty="0" err="1" smtClean="0">
-                <a:hlinkClick r:id="rId4"/>
-              </a:rPr>
-              <a:t>Чула_Чакрабон</a:t>
-            </a:r>
-            <a:r>
-              <a:rPr lang="ru-RU" sz="500" dirty="0" smtClean="0"/>
-              <a:t>) </a:t>
-            </a:r>
-            <a:endParaRPr lang="ru-RU" sz="1400" dirty="0"/>
-          </a:p>
-        </p:txBody>
-      </p:sp>
-      <p:sp>
-        <p:nvSpPr>
-          <p:cNvPr id="596" name="Прямоугольник 595"/>
-          <p:cNvSpPr/>
-          <p:nvPr/>
-        </p:nvSpPr>
-        <p:spPr>
-          <a:xfrm>
-            <a:off x="26827522" y="173291"/>
-            <a:ext cx="2115918" cy="1080000"/>
-          </a:xfrm>
-          <a:prstGeom prst="rect">
-            <a:avLst/>
-          </a:prstGeom>
-          <a:solidFill>
-            <a:srgbClr val="CC00CC"/>
-          </a:solidFill>
-          <a:ln w="28575"/>
-        </p:spPr>
-        <p:style>
-          <a:lnRef idx="2">
-            <a:schemeClr val="accent1"/>
-          </a:lnRef>
-          <a:fillRef idx="1">
-            <a:schemeClr val="lt1"/>
-          </a:fillRef>
-          <a:effectRef idx="0">
-            <a:schemeClr val="accent1"/>
-          </a:effectRef>
-          <a:fontRef idx="minor">
-            <a:schemeClr val="dk1"/>
-          </a:fontRef>
-        </p:style>
-        <p:txBody>
-          <a:bodyPr lIns="124733" tIns="62367" rIns="124733" bIns="62367" rtlCol="0" anchor="ctr"/>
-          <a:lstStyle/>
-          <a:p>
-            <a:pPr algn="ctr"/>
-            <a:r>
-              <a:rPr lang="ru-RU" sz="1400" dirty="0" smtClean="0"/>
-              <a:t>Вернуть трон Раме </a:t>
-            </a:r>
-            <a:r>
-              <a:rPr lang="en-US" sz="1400" dirty="0" smtClean="0"/>
-              <a:t>VIII (</a:t>
-            </a:r>
-            <a:r>
-              <a:rPr lang="ru-RU" sz="1400" dirty="0" smtClean="0"/>
-              <a:t>Ананда </a:t>
-            </a:r>
-            <a:r>
-              <a:rPr lang="ru-RU" sz="1400" dirty="0" err="1" smtClean="0"/>
-              <a:t>Махидон</a:t>
-            </a:r>
-            <a:r>
-              <a:rPr lang="en-US" sz="1400" dirty="0" smtClean="0"/>
-              <a:t>)</a:t>
-            </a:r>
-            <a:endParaRPr lang="ru-RU" sz="1400" dirty="0" smtClean="0"/>
-          </a:p>
-        </p:txBody>
-      </p:sp>
-      <p:sp>
-        <p:nvSpPr>
-          <p:cNvPr id="598" name="Прямоугольник 597"/>
-          <p:cNvSpPr/>
-          <p:nvPr/>
-        </p:nvSpPr>
-        <p:spPr>
-          <a:xfrm>
-            <a:off x="29979139" y="22920847"/>
-            <a:ext cx="2115918" cy="1080000"/>
-          </a:xfrm>
-          <a:prstGeom prst="rect">
-            <a:avLst/>
-          </a:prstGeom>
-          <a:solidFill>
-            <a:srgbClr val="CC00CC"/>
-          </a:solidFill>
-          <a:ln w="28575"/>
-        </p:spPr>
-        <p:style>
-          <a:lnRef idx="2">
-            <a:schemeClr val="accent1"/>
-          </a:lnRef>
-          <a:fillRef idx="1">
-            <a:schemeClr val="lt1"/>
-          </a:fillRef>
-          <a:effectRef idx="0">
-            <a:schemeClr val="accent1"/>
-          </a:effectRef>
-          <a:fontRef idx="minor">
-            <a:schemeClr val="dk1"/>
-          </a:fontRef>
-        </p:style>
-        <p:txBody>
-          <a:bodyPr lIns="124733" tIns="62367" rIns="124733" bIns="62367" rtlCol="0" anchor="ctr"/>
-          <a:lstStyle/>
-          <a:p>
-            <a:pPr algn="ctr"/>
-            <a:r>
-              <a:rPr lang="ru-RU" sz="1400" dirty="0" smtClean="0"/>
-              <a:t>Реформирование армии принцем </a:t>
-            </a:r>
-            <a:r>
-              <a:rPr lang="ru-RU" sz="1400" dirty="0" err="1" smtClean="0"/>
-              <a:t>Бовондежем</a:t>
-            </a:r>
-            <a:endParaRPr lang="ru-RU" sz="1400" dirty="0"/>
-          </a:p>
-        </p:txBody>
-      </p:sp>
-      <p:cxnSp>
-        <p:nvCxnSpPr>
-          <p:cNvPr id="599" name="Shape 248"/>
-          <p:cNvCxnSpPr>
-            <a:stCxn id="423" idx="2"/>
-            <a:endCxn id="598" idx="0"/>
-          </p:cNvCxnSpPr>
-          <p:nvPr/>
-        </p:nvCxnSpPr>
-        <p:spPr>
-          <a:xfrm rot="16200000" flipH="1">
-            <a:off x="29691614" y="21575363"/>
-            <a:ext cx="367564" cy="2323403"/>
-          </a:xfrm>
-          <a:prstGeom prst="bentConnector3">
-            <a:avLst>
-              <a:gd name="adj1" fmla="val 50000"/>
-            </a:avLst>
-          </a:prstGeom>
-          <a:ln w="28575">
-            <a:tailEnd type="arrow"/>
-          </a:ln>
-        </p:spPr>
-        <p:style>
-          <a:lnRef idx="1">
-            <a:schemeClr val="accent1"/>
-          </a:lnRef>
-          <a:fillRef idx="0">
-            <a:schemeClr val="accent1"/>
-          </a:fillRef>
-          <a:effectRef idx="0">
-            <a:schemeClr val="accent1"/>
-          </a:effectRef>
-          <a:fontRef idx="minor">
-            <a:schemeClr val="tx1"/>
-          </a:fontRef>
-        </p:style>
-      </p:cxnSp>
-      <p:cxnSp>
-        <p:nvCxnSpPr>
-          <p:cNvPr id="605" name="Shape 248"/>
-          <p:cNvCxnSpPr>
-            <a:stCxn id="519" idx="2"/>
-            <a:endCxn id="423" idx="0"/>
-          </p:cNvCxnSpPr>
-          <p:nvPr/>
-        </p:nvCxnSpPr>
-        <p:spPr>
-          <a:xfrm rot="5400000">
-            <a:off x="30847027" y="18992624"/>
-            <a:ext cx="347328" cy="4613991"/>
-          </a:xfrm>
-          <a:prstGeom prst="bentConnector3">
-            <a:avLst>
-              <a:gd name="adj1" fmla="val 50000"/>
-            </a:avLst>
-          </a:prstGeom>
-          <a:ln w="28575">
-            <a:prstDash val="dash"/>
-            <a:tailEnd type="arrow"/>
-          </a:ln>
-        </p:spPr>
-        <p:style>
-          <a:lnRef idx="1">
-            <a:schemeClr val="accent1"/>
-          </a:lnRef>
-          <a:fillRef idx="0">
-            <a:schemeClr val="accent1"/>
-          </a:fillRef>
-          <a:effectRef idx="0">
-            <a:schemeClr val="accent1"/>
-          </a:effectRef>
-          <a:fontRef idx="minor">
-            <a:schemeClr val="tx1"/>
-          </a:fontRef>
-        </p:style>
-      </p:cxnSp>
-      <p:sp>
-        <p:nvSpPr>
-          <p:cNvPr id="608" name="Прямоугольник 607"/>
-          <p:cNvSpPr/>
-          <p:nvPr/>
-        </p:nvSpPr>
-        <p:spPr>
-          <a:xfrm>
-            <a:off x="35741764" y="22892272"/>
-            <a:ext cx="2115918" cy="1080000"/>
-          </a:xfrm>
-          <a:prstGeom prst="rect">
-            <a:avLst/>
-          </a:prstGeom>
-          <a:solidFill>
-            <a:srgbClr val="CC00CC"/>
-          </a:solidFill>
-          <a:ln w="28575"/>
-        </p:spPr>
-        <p:style>
-          <a:lnRef idx="2">
-            <a:schemeClr val="accent1"/>
-          </a:lnRef>
-          <a:fillRef idx="1">
-            <a:schemeClr val="lt1"/>
-          </a:fillRef>
-          <a:effectRef idx="0">
-            <a:schemeClr val="accent1"/>
-          </a:effectRef>
-          <a:fontRef idx="minor">
-            <a:schemeClr val="dk1"/>
-          </a:fontRef>
-        </p:style>
-        <p:txBody>
-          <a:bodyPr lIns="124733" tIns="62367" rIns="124733" bIns="62367" rtlCol="0" anchor="ctr"/>
-          <a:lstStyle/>
-          <a:p>
-            <a:pPr algn="ctr"/>
-            <a:r>
-              <a:rPr lang="ru-RU" sz="1400" dirty="0" smtClean="0"/>
-              <a:t>Миграционный закон </a:t>
-            </a:r>
-            <a:r>
-              <a:rPr lang="ru-RU" sz="400" dirty="0" smtClean="0"/>
-              <a:t>(Закон о гражданстве 1913 года предусматривал, что любой ребенок, рожденный от тайского родителя в Сиаме или за границей, является гражданином Таиланда в соответствии с законодательством Таиланда. Все, кто родился в Сиаме, независимо от происхождения, считались тайцами. Это привело к контролируемому подходу к иммиграции, который был в основном ориентирован на мигрирующих китайцев и был введен из-за массовых опасений, что китайская иммиграция создаст угрозу коренному населению)</a:t>
-            </a:r>
-            <a:endParaRPr lang="ru-RU" sz="400" dirty="0"/>
-          </a:p>
-        </p:txBody>
-      </p:sp>
-      <p:sp>
-        <p:nvSpPr>
-          <p:cNvPr id="614" name="Прямоугольник 613"/>
-          <p:cNvSpPr/>
-          <p:nvPr/>
-        </p:nvSpPr>
-        <p:spPr>
-          <a:xfrm>
-            <a:off x="29979139" y="24197197"/>
-            <a:ext cx="2115918" cy="1080000"/>
-          </a:xfrm>
-          <a:prstGeom prst="rect">
-            <a:avLst/>
-          </a:prstGeom>
-          <a:solidFill>
-            <a:srgbClr val="CC00CC"/>
-          </a:solidFill>
-          <a:ln w="28575"/>
-        </p:spPr>
-        <p:style>
-          <a:lnRef idx="2">
-            <a:schemeClr val="accent1"/>
-          </a:lnRef>
-          <a:fillRef idx="1">
-            <a:schemeClr val="lt1"/>
-          </a:fillRef>
-          <a:effectRef idx="0">
-            <a:schemeClr val="accent1"/>
-          </a:effectRef>
-          <a:fontRef idx="minor">
-            <a:schemeClr val="dk1"/>
-          </a:fontRef>
-        </p:style>
-        <p:txBody>
-          <a:bodyPr lIns="124733" tIns="62367" rIns="124733" bIns="62367" rtlCol="0" anchor="ctr"/>
-          <a:lstStyle/>
-          <a:p>
-            <a:pPr algn="ctr"/>
-            <a:r>
-              <a:rPr lang="ru-RU" sz="1400" dirty="0" smtClean="0"/>
-              <a:t>Расширить набор в скаутские организации</a:t>
-            </a:r>
-            <a:endParaRPr lang="ru-RU" sz="1400" dirty="0"/>
-          </a:p>
-        </p:txBody>
-      </p:sp>
-      <p:cxnSp>
-        <p:nvCxnSpPr>
-          <p:cNvPr id="615" name="Прямая со стрелкой 614"/>
-          <p:cNvCxnSpPr>
-            <a:stCxn id="523" idx="2"/>
-            <a:endCxn id="608" idx="0"/>
-          </p:cNvCxnSpPr>
-          <p:nvPr/>
-        </p:nvCxnSpPr>
-        <p:spPr>
-          <a:xfrm>
-            <a:off x="36799723" y="22553047"/>
-            <a:ext cx="0" cy="339225"/>
-          </a:xfrm>
-          <a:prstGeom prst="straightConnector1">
-            <a:avLst/>
-          </a:prstGeom>
-          <a:ln w="28575">
-            <a:tailEnd type="arrow"/>
-          </a:ln>
-        </p:spPr>
-        <p:style>
-          <a:lnRef idx="1">
-            <a:schemeClr val="accent1"/>
-          </a:lnRef>
-          <a:fillRef idx="0">
-            <a:schemeClr val="accent1"/>
-          </a:fillRef>
-          <a:effectRef idx="0">
-            <a:schemeClr val="accent1"/>
-          </a:effectRef>
-          <a:fontRef idx="minor">
-            <a:schemeClr val="tx1"/>
-          </a:fontRef>
-        </p:style>
-      </p:cxnSp>
-      <p:sp>
-        <p:nvSpPr>
-          <p:cNvPr id="621" name="Прямоугольник 620"/>
-          <p:cNvSpPr/>
-          <p:nvPr/>
-        </p:nvSpPr>
-        <p:spPr>
-          <a:xfrm>
-            <a:off x="36884765" y="24335980"/>
-            <a:ext cx="2115918" cy="1080000"/>
-          </a:xfrm>
-          <a:prstGeom prst="rect">
-            <a:avLst/>
-          </a:prstGeom>
-          <a:solidFill>
-            <a:srgbClr val="CC00CC"/>
-          </a:solidFill>
-          <a:ln w="28575"/>
-        </p:spPr>
-        <p:style>
-          <a:lnRef idx="2">
-            <a:schemeClr val="accent1"/>
-          </a:lnRef>
-          <a:fillRef idx="1">
-            <a:schemeClr val="lt1"/>
-          </a:fillRef>
-          <a:effectRef idx="0">
-            <a:schemeClr val="accent1"/>
-          </a:effectRef>
-          <a:fontRef idx="minor">
-            <a:schemeClr val="dk1"/>
-          </a:fontRef>
-        </p:style>
-        <p:txBody>
-          <a:bodyPr lIns="124733" tIns="62367" rIns="124733" bIns="62367" rtlCol="0" anchor="ctr"/>
-          <a:lstStyle/>
-          <a:p>
-            <a:pPr algn="ctr"/>
-            <a:r>
-              <a:rPr lang="ru-RU" sz="1400" dirty="0" smtClean="0"/>
-              <a:t>Общенациональная ирригационная система </a:t>
-            </a:r>
-            <a:r>
-              <a:rPr lang="ru-RU" sz="700" dirty="0" smtClean="0"/>
-              <a:t>(</a:t>
-            </a:r>
-            <a:r>
-              <a:rPr lang="ru-RU" sz="700" dirty="0" err="1" smtClean="0"/>
-              <a:t>оздал</a:t>
-            </a:r>
-            <a:r>
-              <a:rPr lang="ru-RU" sz="700" dirty="0" smtClean="0"/>
-              <a:t> общенациональную ирригационную систему, поднявшую продуктивность рисоводства и способствовавшую выходу Таиланда на первые места в мире по экспорту риса)</a:t>
-            </a:r>
-          </a:p>
-        </p:txBody>
-      </p:sp>
-      <p:cxnSp>
-        <p:nvCxnSpPr>
-          <p:cNvPr id="629" name="Прямая со стрелкой 628"/>
-          <p:cNvCxnSpPr>
-            <a:stCxn id="598" idx="2"/>
-            <a:endCxn id="614" idx="0"/>
-          </p:cNvCxnSpPr>
-          <p:nvPr/>
-        </p:nvCxnSpPr>
-        <p:spPr>
-          <a:xfrm>
-            <a:off x="31037098" y="24000847"/>
-            <a:ext cx="0" cy="196350"/>
-          </a:xfrm>
-          <a:prstGeom prst="straightConnector1">
-            <a:avLst/>
-          </a:prstGeom>
-          <a:ln w="28575">
-            <a:tailEnd type="arrow"/>
-          </a:ln>
-        </p:spPr>
-        <p:style>
-          <a:lnRef idx="1">
-            <a:schemeClr val="accent1"/>
-          </a:lnRef>
-          <a:fillRef idx="0">
-            <a:schemeClr val="accent1"/>
-          </a:fillRef>
-          <a:effectRef idx="0">
-            <a:schemeClr val="accent1"/>
-          </a:effectRef>
-          <a:fontRef idx="minor">
-            <a:schemeClr val="tx1"/>
-          </a:fontRef>
-        </p:style>
-      </p:cxnSp>
-      <p:cxnSp>
-        <p:nvCxnSpPr>
-          <p:cNvPr id="634" name="Shape 248"/>
-          <p:cNvCxnSpPr>
-            <a:stCxn id="608" idx="2"/>
-            <a:endCxn id="621" idx="0"/>
-          </p:cNvCxnSpPr>
-          <p:nvPr/>
-        </p:nvCxnSpPr>
-        <p:spPr>
-          <a:xfrm rot="16200000" flipH="1">
-            <a:off x="37189369" y="23582625"/>
-            <a:ext cx="363708" cy="1143001"/>
-          </a:xfrm>
-          <a:prstGeom prst="bentConnector3">
-            <a:avLst>
-              <a:gd name="adj1" fmla="val 50000"/>
-            </a:avLst>
-          </a:prstGeom>
-          <a:ln w="28575">
-            <a:tailEnd type="arrow"/>
-          </a:ln>
-        </p:spPr>
-        <p:style>
-          <a:lnRef idx="1">
-            <a:schemeClr val="accent1"/>
-          </a:lnRef>
-          <a:fillRef idx="0">
-            <a:schemeClr val="accent1"/>
-          </a:fillRef>
-          <a:effectRef idx="0">
-            <a:schemeClr val="accent1"/>
-          </a:effectRef>
-          <a:fontRef idx="minor">
-            <a:schemeClr val="tx1"/>
-          </a:fontRef>
-        </p:style>
-      </p:cxnSp>
-      <p:cxnSp>
-        <p:nvCxnSpPr>
-          <p:cNvPr id="637" name="Shape 248"/>
-          <p:cNvCxnSpPr>
-            <a:stCxn id="497" idx="2"/>
-            <a:endCxn id="621" idx="0"/>
-          </p:cNvCxnSpPr>
-          <p:nvPr/>
-        </p:nvCxnSpPr>
-        <p:spPr>
-          <a:xfrm rot="5400000">
-            <a:off x="37625225" y="22861022"/>
-            <a:ext cx="1792458" cy="1157459"/>
-          </a:xfrm>
-          <a:prstGeom prst="bentConnector3">
-            <a:avLst>
-              <a:gd name="adj1" fmla="val 9646"/>
-            </a:avLst>
-          </a:prstGeom>
-          <a:ln w="28575">
-            <a:tailEnd type="arrow"/>
-          </a:ln>
-        </p:spPr>
-        <p:style>
-          <a:lnRef idx="1">
-            <a:schemeClr val="accent1"/>
-          </a:lnRef>
-          <a:fillRef idx="0">
-            <a:schemeClr val="accent1"/>
-          </a:fillRef>
-          <a:effectRef idx="0">
-            <a:schemeClr val="accent1"/>
-          </a:effectRef>
-          <a:fontRef idx="minor">
-            <a:schemeClr val="tx1"/>
-          </a:fontRef>
-        </p:style>
-      </p:cxnSp>
-      <p:sp>
-        <p:nvSpPr>
-          <p:cNvPr id="642" name="Прямоугольник 641"/>
-          <p:cNvSpPr/>
-          <p:nvPr/>
-        </p:nvSpPr>
-        <p:spPr>
-          <a:xfrm>
-            <a:off x="32299739" y="22911322"/>
-            <a:ext cx="2115918" cy="1080000"/>
-          </a:xfrm>
-          <a:prstGeom prst="rect">
-            <a:avLst/>
-          </a:prstGeom>
-          <a:solidFill>
-            <a:srgbClr val="CC00CC"/>
-          </a:solidFill>
-          <a:ln w="28575"/>
-        </p:spPr>
-        <p:style>
-          <a:lnRef idx="2">
-            <a:schemeClr val="accent1"/>
-          </a:lnRef>
-          <a:fillRef idx="1">
-            <a:schemeClr val="lt1"/>
-          </a:fillRef>
-          <a:effectRef idx="0">
-            <a:schemeClr val="accent1"/>
-          </a:effectRef>
-          <a:fontRef idx="minor">
-            <a:schemeClr val="dk1"/>
-          </a:fontRef>
-        </p:style>
-        <p:txBody>
-          <a:bodyPr lIns="124733" tIns="62367" rIns="124733" bIns="62367" rtlCol="0" anchor="ctr"/>
-          <a:lstStyle/>
-          <a:p>
-            <a:pPr algn="ctr"/>
-            <a:r>
-              <a:rPr lang="ru-RU" sz="1400" dirty="0" smtClean="0"/>
-              <a:t>Королевский культ</a:t>
-            </a:r>
-          </a:p>
-        </p:txBody>
-      </p:sp>
-      <p:cxnSp>
-        <p:nvCxnSpPr>
-          <p:cNvPr id="643" name="Shape 248"/>
-          <p:cNvCxnSpPr>
-            <a:stCxn id="487" idx="2"/>
-            <a:endCxn id="642" idx="0"/>
-          </p:cNvCxnSpPr>
-          <p:nvPr/>
-        </p:nvCxnSpPr>
-        <p:spPr>
-          <a:xfrm rot="16200000" flipH="1">
-            <a:off x="32594198" y="22147821"/>
-            <a:ext cx="358275" cy="1168726"/>
-          </a:xfrm>
-          <a:prstGeom prst="bentConnector3">
-            <a:avLst>
-              <a:gd name="adj1" fmla="val 50000"/>
-            </a:avLst>
-          </a:prstGeom>
-          <a:ln w="28575">
-            <a:tailEnd type="arrow"/>
-          </a:ln>
-        </p:spPr>
-        <p:style>
-          <a:lnRef idx="1">
-            <a:schemeClr val="accent1"/>
-          </a:lnRef>
-          <a:fillRef idx="0">
-            <a:schemeClr val="accent1"/>
-          </a:fillRef>
-          <a:effectRef idx="0">
-            <a:schemeClr val="accent1"/>
-          </a:effectRef>
-          <a:fontRef idx="minor">
-            <a:schemeClr val="tx1"/>
-          </a:fontRef>
-        </p:style>
-      </p:cxnSp>
-      <p:sp>
-        <p:nvSpPr>
-          <p:cNvPr id="543" name="Прямоугольник 542"/>
-          <p:cNvSpPr/>
-          <p:nvPr/>
-        </p:nvSpPr>
-        <p:spPr>
-          <a:xfrm>
-            <a:off x="34577380" y="27207040"/>
-            <a:ext cx="2115918" cy="1080000"/>
-          </a:xfrm>
-          <a:prstGeom prst="rect">
-            <a:avLst/>
-          </a:prstGeom>
-          <a:solidFill>
-            <a:srgbClr val="CC00CC"/>
-          </a:solidFill>
-          <a:ln w="28575"/>
-        </p:spPr>
-        <p:style>
-          <a:lnRef idx="2">
-            <a:schemeClr val="accent1"/>
-          </a:lnRef>
-          <a:fillRef idx="1">
-            <a:schemeClr val="lt1"/>
-          </a:fillRef>
-          <a:effectRef idx="0">
-            <a:schemeClr val="accent1"/>
-          </a:effectRef>
-          <a:fontRef idx="minor">
-            <a:schemeClr val="dk1"/>
-          </a:fontRef>
-        </p:style>
-        <p:txBody>
-          <a:bodyPr lIns="124733" tIns="62367" rIns="124733" bIns="62367" rtlCol="0" anchor="ctr"/>
-          <a:lstStyle/>
-          <a:p>
-            <a:pPr algn="ctr"/>
-            <a:r>
-              <a:rPr lang="ru-RU" sz="1400" dirty="0" smtClean="0"/>
-              <a:t>Южный вопрос</a:t>
-            </a:r>
-            <a:endParaRPr lang="ru-RU" sz="1400" dirty="0"/>
-          </a:p>
-        </p:txBody>
-      </p:sp>
-      <p:sp>
-        <p:nvSpPr>
-          <p:cNvPr id="546" name="Прямоугольник 545"/>
-          <p:cNvSpPr/>
-          <p:nvPr/>
-        </p:nvSpPr>
-        <p:spPr>
-          <a:xfrm>
-            <a:off x="32299739" y="27202349"/>
-            <a:ext cx="2115918" cy="1080000"/>
-          </a:xfrm>
-          <a:prstGeom prst="rect">
-            <a:avLst/>
-          </a:prstGeom>
-          <a:solidFill>
-            <a:srgbClr val="CC00CC"/>
-          </a:solidFill>
-          <a:ln w="28575"/>
-        </p:spPr>
-        <p:style>
-          <a:lnRef idx="2">
-            <a:schemeClr val="accent1"/>
-          </a:lnRef>
-          <a:fillRef idx="1">
-            <a:schemeClr val="lt1"/>
-          </a:fillRef>
-          <a:effectRef idx="0">
-            <a:schemeClr val="accent1"/>
-          </a:effectRef>
-          <a:fontRef idx="minor">
-            <a:schemeClr val="dk1"/>
-          </a:fontRef>
-        </p:style>
-        <p:txBody>
-          <a:bodyPr lIns="124733" tIns="62367" rIns="124733" bIns="62367" rtlCol="0" anchor="ctr"/>
-          <a:lstStyle/>
-          <a:p>
-            <a:pPr algn="ctr"/>
-            <a:r>
-              <a:rPr lang="ru-RU" sz="1400" dirty="0" smtClean="0"/>
-              <a:t>Вернуть Камбоджу под свою руку</a:t>
-            </a:r>
-            <a:endParaRPr lang="ru-RU" sz="1400" dirty="0"/>
-          </a:p>
-        </p:txBody>
-      </p:sp>
-      <p:sp>
-        <p:nvSpPr>
-          <p:cNvPr id="547" name="Прямоугольник 546"/>
-          <p:cNvSpPr/>
-          <p:nvPr/>
-        </p:nvSpPr>
-        <p:spPr>
-          <a:xfrm>
-            <a:off x="36884765" y="27212899"/>
-            <a:ext cx="2115918" cy="1080000"/>
-          </a:xfrm>
-          <a:prstGeom prst="rect">
-            <a:avLst/>
-          </a:prstGeom>
-          <a:solidFill>
-            <a:srgbClr val="CC00CC"/>
-          </a:solidFill>
-          <a:ln w="28575"/>
-        </p:spPr>
-        <p:style>
-          <a:lnRef idx="2">
-            <a:schemeClr val="accent1"/>
-          </a:lnRef>
-          <a:fillRef idx="1">
-            <a:schemeClr val="lt1"/>
-          </a:fillRef>
-          <a:effectRef idx="0">
-            <a:schemeClr val="accent1"/>
-          </a:effectRef>
-          <a:fontRef idx="minor">
-            <a:schemeClr val="dk1"/>
-          </a:fontRef>
-        </p:style>
-        <p:txBody>
-          <a:bodyPr lIns="124733" tIns="62367" rIns="124733" bIns="62367" rtlCol="0" anchor="ctr"/>
-          <a:lstStyle/>
-          <a:p>
-            <a:pPr algn="ctr"/>
-            <a:r>
-              <a:rPr lang="ru-RU" sz="1400" dirty="0" smtClean="0"/>
-              <a:t>Вернуть земли в Бирме</a:t>
-            </a:r>
-            <a:endParaRPr lang="ru-RU" sz="1400" dirty="0"/>
-          </a:p>
-        </p:txBody>
-      </p:sp>
-      <p:sp>
-        <p:nvSpPr>
-          <p:cNvPr id="550" name="Прямоугольник 549"/>
-          <p:cNvSpPr/>
-          <p:nvPr/>
-        </p:nvSpPr>
-        <p:spPr>
-          <a:xfrm>
-            <a:off x="33423689" y="28778840"/>
-            <a:ext cx="2115918" cy="1080000"/>
-          </a:xfrm>
-          <a:prstGeom prst="rect">
-            <a:avLst/>
-          </a:prstGeom>
-          <a:solidFill>
-            <a:srgbClr val="CC00CC"/>
-          </a:solidFill>
-          <a:ln w="28575"/>
-        </p:spPr>
-        <p:style>
-          <a:lnRef idx="2">
-            <a:schemeClr val="accent1"/>
-          </a:lnRef>
-          <a:fillRef idx="1">
-            <a:schemeClr val="lt1"/>
-          </a:fillRef>
-          <a:effectRef idx="0">
-            <a:schemeClr val="accent1"/>
-          </a:effectRef>
-          <a:fontRef idx="minor">
-            <a:schemeClr val="dk1"/>
-          </a:fontRef>
-        </p:style>
-        <p:txBody>
-          <a:bodyPr lIns="124733" tIns="62367" rIns="124733" bIns="62367" rtlCol="0" anchor="ctr"/>
-          <a:lstStyle/>
-          <a:p>
-            <a:pPr algn="ctr"/>
-            <a:r>
-              <a:rPr lang="ru-RU" sz="1400" dirty="0" smtClean="0"/>
-              <a:t>Захват Лаоса</a:t>
-            </a:r>
-            <a:endParaRPr lang="ru-RU" sz="1400" dirty="0"/>
-          </a:p>
-        </p:txBody>
-      </p:sp>
-      <p:sp>
-        <p:nvSpPr>
-          <p:cNvPr id="551" name="Прямоугольник 550"/>
-          <p:cNvSpPr/>
-          <p:nvPr/>
-        </p:nvSpPr>
-        <p:spPr>
-          <a:xfrm>
-            <a:off x="35741764" y="28778840"/>
-            <a:ext cx="2115918" cy="1080000"/>
-          </a:xfrm>
-          <a:prstGeom prst="rect">
-            <a:avLst/>
-          </a:prstGeom>
-          <a:solidFill>
-            <a:srgbClr val="CC00CC"/>
-          </a:solidFill>
-          <a:ln w="28575"/>
-        </p:spPr>
-        <p:style>
-          <a:lnRef idx="2">
-            <a:schemeClr val="accent1"/>
-          </a:lnRef>
-          <a:fillRef idx="1">
-            <a:schemeClr val="lt1"/>
-          </a:fillRef>
-          <a:effectRef idx="0">
-            <a:schemeClr val="accent1"/>
-          </a:effectRef>
-          <a:fontRef idx="minor">
-            <a:schemeClr val="dk1"/>
-          </a:fontRef>
-        </p:style>
-        <p:txBody>
-          <a:bodyPr lIns="124733" tIns="62367" rIns="124733" bIns="62367" rtlCol="0" anchor="ctr"/>
-          <a:lstStyle/>
-          <a:p>
-            <a:pPr algn="ctr"/>
-            <a:r>
-              <a:rPr lang="ru-RU" sz="1400" dirty="0" smtClean="0"/>
-              <a:t>Интегрировать север Вьетнама</a:t>
-            </a:r>
-            <a:endParaRPr lang="ru-RU" sz="1400" dirty="0"/>
-          </a:p>
-        </p:txBody>
-      </p:sp>
-      <p:cxnSp>
-        <p:nvCxnSpPr>
-          <p:cNvPr id="553" name="Shape 248"/>
-          <p:cNvCxnSpPr>
-            <a:stCxn id="140" idx="2"/>
-            <a:endCxn id="472" idx="0"/>
-          </p:cNvCxnSpPr>
-          <p:nvPr/>
-        </p:nvCxnSpPr>
-        <p:spPr>
-          <a:xfrm rot="5400000">
-            <a:off x="30419727" y="20579498"/>
-            <a:ext cx="4669738" cy="5761487"/>
-          </a:xfrm>
-          <a:prstGeom prst="bentConnector3">
-            <a:avLst>
-              <a:gd name="adj1" fmla="val 3531"/>
-            </a:avLst>
-          </a:prstGeom>
-          <a:ln w="28575">
-            <a:prstDash val="dash"/>
-            <a:tailEnd type="arrow"/>
-          </a:ln>
-        </p:spPr>
-        <p:style>
-          <a:lnRef idx="1">
-            <a:schemeClr val="accent1"/>
-          </a:lnRef>
-          <a:fillRef idx="0">
-            <a:schemeClr val="accent1"/>
-          </a:fillRef>
-          <a:effectRef idx="0">
-            <a:schemeClr val="accent1"/>
-          </a:effectRef>
-          <a:fontRef idx="minor">
-            <a:schemeClr val="tx1"/>
-          </a:fontRef>
-        </p:style>
-      </p:cxnSp>
-      <p:cxnSp>
-        <p:nvCxnSpPr>
-          <p:cNvPr id="555" name="Shape 248"/>
-          <p:cNvCxnSpPr>
-            <a:stCxn id="451" idx="2"/>
-            <a:endCxn id="547" idx="0"/>
-          </p:cNvCxnSpPr>
-          <p:nvPr/>
-        </p:nvCxnSpPr>
-        <p:spPr>
-          <a:xfrm rot="16200000" flipH="1">
-            <a:off x="36621973" y="25892148"/>
-            <a:ext cx="334116" cy="2307385"/>
-          </a:xfrm>
-          <a:prstGeom prst="bentConnector3">
-            <a:avLst>
-              <a:gd name="adj1" fmla="val 50000"/>
-            </a:avLst>
-          </a:prstGeom>
-          <a:ln w="28575">
-            <a:tailEnd type="arrow"/>
-          </a:ln>
-        </p:spPr>
-        <p:style>
-          <a:lnRef idx="1">
-            <a:schemeClr val="accent1"/>
-          </a:lnRef>
-          <a:fillRef idx="0">
-            <a:schemeClr val="accent1"/>
-          </a:fillRef>
-          <a:effectRef idx="0">
-            <a:schemeClr val="accent1"/>
-          </a:effectRef>
-          <a:fontRef idx="minor">
-            <a:schemeClr val="tx1"/>
-          </a:fontRef>
-        </p:style>
-      </p:cxnSp>
-      <p:cxnSp>
-        <p:nvCxnSpPr>
-          <p:cNvPr id="556" name="Shape 248"/>
-          <p:cNvCxnSpPr>
-            <a:stCxn id="451" idx="2"/>
-            <a:endCxn id="546" idx="0"/>
-          </p:cNvCxnSpPr>
-          <p:nvPr/>
-        </p:nvCxnSpPr>
-        <p:spPr>
-          <a:xfrm rot="5400000">
-            <a:off x="34334736" y="25901746"/>
-            <a:ext cx="323566" cy="2277641"/>
-          </a:xfrm>
-          <a:prstGeom prst="bentConnector3">
-            <a:avLst>
-              <a:gd name="adj1" fmla="val 50000"/>
-            </a:avLst>
-          </a:prstGeom>
-          <a:ln w="28575">
-            <a:tailEnd type="arrow"/>
-          </a:ln>
-        </p:spPr>
-        <p:style>
-          <a:lnRef idx="1">
-            <a:schemeClr val="accent1"/>
-          </a:lnRef>
-          <a:fillRef idx="0">
-            <a:schemeClr val="accent1"/>
-          </a:fillRef>
-          <a:effectRef idx="0">
-            <a:schemeClr val="accent1"/>
-          </a:effectRef>
-          <a:fontRef idx="minor">
-            <a:schemeClr val="tx1"/>
-          </a:fontRef>
-        </p:style>
-      </p:cxnSp>
-      <p:cxnSp>
-        <p:nvCxnSpPr>
-          <p:cNvPr id="557" name="Shape 248"/>
-          <p:cNvCxnSpPr>
-            <a:stCxn id="451" idx="2"/>
-            <a:endCxn id="550" idx="0"/>
-          </p:cNvCxnSpPr>
-          <p:nvPr/>
-        </p:nvCxnSpPr>
-        <p:spPr>
-          <a:xfrm rot="5400000">
-            <a:off x="34108466" y="27251966"/>
-            <a:ext cx="1900057" cy="1153691"/>
-          </a:xfrm>
-          <a:prstGeom prst="bentConnector3">
-            <a:avLst>
-              <a:gd name="adj1" fmla="val 8340"/>
-            </a:avLst>
-          </a:prstGeom>
-          <a:ln w="28575">
-            <a:tailEnd type="arrow"/>
-          </a:ln>
-        </p:spPr>
-        <p:style>
-          <a:lnRef idx="1">
-            <a:schemeClr val="accent1"/>
-          </a:lnRef>
-          <a:fillRef idx="0">
-            <a:schemeClr val="accent1"/>
-          </a:fillRef>
-          <a:effectRef idx="0">
-            <a:schemeClr val="accent1"/>
-          </a:effectRef>
-          <a:fontRef idx="minor">
-            <a:schemeClr val="tx1"/>
-          </a:fontRef>
-        </p:style>
-      </p:cxnSp>
-      <p:cxnSp>
-        <p:nvCxnSpPr>
-          <p:cNvPr id="558" name="Shape 248"/>
-          <p:cNvCxnSpPr>
-            <a:stCxn id="451" idx="2"/>
-            <a:endCxn id="551" idx="0"/>
-          </p:cNvCxnSpPr>
-          <p:nvPr/>
-        </p:nvCxnSpPr>
-        <p:spPr>
-          <a:xfrm rot="16200000" flipH="1">
-            <a:off x="35267503" y="27246619"/>
-            <a:ext cx="1900057" cy="1164384"/>
-          </a:xfrm>
-          <a:prstGeom prst="bentConnector3">
-            <a:avLst>
-              <a:gd name="adj1" fmla="val 8340"/>
-            </a:avLst>
-          </a:prstGeom>
-          <a:ln w="28575">
-            <a:tailEnd type="arrow"/>
-          </a:ln>
-        </p:spPr>
-        <p:style>
-          <a:lnRef idx="1">
-            <a:schemeClr val="accent1"/>
-          </a:lnRef>
-          <a:fillRef idx="0">
-            <a:schemeClr val="accent1"/>
-          </a:fillRef>
-          <a:effectRef idx="0">
-            <a:schemeClr val="accent1"/>
-          </a:effectRef>
-          <a:fontRef idx="minor">
-            <a:schemeClr val="tx1"/>
-          </a:fontRef>
-        </p:style>
-      </p:cxnSp>
-      <p:cxnSp>
-        <p:nvCxnSpPr>
-          <p:cNvPr id="559" name="Прямая со стрелкой 558"/>
-          <p:cNvCxnSpPr>
-            <a:stCxn id="451" idx="2"/>
-            <a:endCxn id="543" idx="0"/>
-          </p:cNvCxnSpPr>
-          <p:nvPr/>
-        </p:nvCxnSpPr>
-        <p:spPr>
-          <a:xfrm>
-            <a:off x="35635339" y="26878783"/>
-            <a:ext cx="0" cy="328257"/>
-          </a:xfrm>
-          <a:prstGeom prst="straightConnector1">
-            <a:avLst/>
-          </a:prstGeom>
-          <a:ln w="28575">
-            <a:tailEnd type="arrow"/>
-          </a:ln>
-        </p:spPr>
-        <p:style>
-          <a:lnRef idx="1">
-            <a:schemeClr val="accent1"/>
-          </a:lnRef>
-          <a:fillRef idx="0">
-            <a:schemeClr val="accent1"/>
-          </a:fillRef>
-          <a:effectRef idx="0">
-            <a:schemeClr val="accent1"/>
-          </a:effectRef>
-          <a:fontRef idx="minor">
-            <a:schemeClr val="tx1"/>
-          </a:fontRef>
-        </p:style>
-      </p:cxnSp>
-      <p:sp>
-        <p:nvSpPr>
-          <p:cNvPr id="560" name="Прямоугольник 559"/>
-          <p:cNvSpPr/>
-          <p:nvPr/>
-        </p:nvSpPr>
-        <p:spPr>
-          <a:xfrm>
-            <a:off x="31131013" y="28781630"/>
-            <a:ext cx="2115918" cy="1080000"/>
-          </a:xfrm>
-          <a:prstGeom prst="rect">
-            <a:avLst/>
-          </a:prstGeom>
-          <a:solidFill>
-            <a:srgbClr val="CC00CC"/>
-          </a:solidFill>
-          <a:ln w="28575"/>
-        </p:spPr>
-        <p:style>
-          <a:lnRef idx="2">
-            <a:schemeClr val="accent1"/>
-          </a:lnRef>
-          <a:fillRef idx="1">
-            <a:schemeClr val="lt1"/>
-          </a:fillRef>
-          <a:effectRef idx="0">
-            <a:schemeClr val="accent1"/>
-          </a:effectRef>
-          <a:fontRef idx="minor">
-            <a:schemeClr val="dk1"/>
-          </a:fontRef>
-        </p:style>
-        <p:txBody>
-          <a:bodyPr lIns="124733" tIns="62367" rIns="124733" bIns="62367" rtlCol="0" anchor="ctr"/>
-          <a:lstStyle/>
-          <a:p>
-            <a:pPr algn="ctr"/>
-            <a:r>
-              <a:rPr lang="ru-RU" sz="1400" dirty="0" smtClean="0"/>
-              <a:t>Союз с королями реваншистами</a:t>
-            </a:r>
-            <a:endParaRPr lang="ru-RU" sz="1400" dirty="0"/>
-          </a:p>
-        </p:txBody>
-      </p:sp>
-      <p:cxnSp>
-        <p:nvCxnSpPr>
-          <p:cNvPr id="561" name="Shape 248"/>
-          <p:cNvCxnSpPr>
-            <a:stCxn id="451" idx="2"/>
-            <a:endCxn id="560" idx="0"/>
-          </p:cNvCxnSpPr>
-          <p:nvPr/>
-        </p:nvCxnSpPr>
-        <p:spPr>
-          <a:xfrm rot="5400000">
-            <a:off x="32960733" y="26107023"/>
-            <a:ext cx="1902847" cy="3446367"/>
-          </a:xfrm>
-          <a:prstGeom prst="bentConnector3">
-            <a:avLst>
-              <a:gd name="adj1" fmla="val 7684"/>
-            </a:avLst>
-          </a:prstGeom>
-          <a:ln w="28575">
-            <a:tailEnd type="arrow"/>
-          </a:ln>
-        </p:spPr>
-        <p:style>
-          <a:lnRef idx="1">
-            <a:schemeClr val="accent1"/>
-          </a:lnRef>
-          <a:fillRef idx="0">
-            <a:schemeClr val="accent1"/>
-          </a:fillRef>
-          <a:effectRef idx="0">
-            <a:schemeClr val="accent1"/>
-          </a:effectRef>
-          <a:fontRef idx="minor">
-            <a:schemeClr val="tx1"/>
-          </a:fontRef>
-        </p:style>
-      </p:cxnSp>
-      <p:sp>
-        <p:nvSpPr>
-          <p:cNvPr id="566" name="Прямоугольник 565"/>
-          <p:cNvSpPr/>
-          <p:nvPr/>
-        </p:nvSpPr>
-        <p:spPr>
-          <a:xfrm>
-            <a:off x="43106868" y="18286328"/>
-            <a:ext cx="616554" cy="597714"/>
-          </a:xfrm>
-          <a:prstGeom prst="rect">
-            <a:avLst/>
-          </a:prstGeom>
-          <a:solidFill>
-            <a:schemeClr val="accent2">
-              <a:lumMod val="75000"/>
-            </a:schemeClr>
-          </a:solidFill>
-          <a:ln w="28575"/>
-        </p:spPr>
-        <p:style>
-          <a:lnRef idx="2">
-            <a:schemeClr val="accent1"/>
-          </a:lnRef>
-          <a:fillRef idx="1">
-            <a:schemeClr val="lt1"/>
-          </a:fillRef>
-          <a:effectRef idx="0">
-            <a:schemeClr val="accent1"/>
-          </a:effectRef>
-          <a:fontRef idx="minor">
-            <a:schemeClr val="dk1"/>
-          </a:fontRef>
-        </p:style>
-        <p:txBody>
-          <a:bodyPr lIns="124733" tIns="62367" rIns="124733" bIns="62367" rtlCol="0" anchor="ctr"/>
-          <a:lstStyle/>
-          <a:p>
-            <a:pPr algn="ctr"/>
-            <a:r>
-              <a:rPr lang="ru-RU" sz="2400" dirty="0" smtClean="0"/>
-              <a:t>24</a:t>
+              <a:t>23</a:t>
             </a:r>
             <a:endParaRPr lang="ru-RU" sz="2400" dirty="0"/>
           </a:p>
@@ -29671,6 +29336,42 @@
           <a:xfrm>
             <a:off x="42583576" y="21122706"/>
             <a:ext cx="2714" cy="394385"/>
+          </a:xfrm>
+          <a:prstGeom prst="straightConnector1">
+            <a:avLst/>
+          </a:prstGeom>
+          <a:ln w="28575">
+            <a:tailEnd type="arrow"/>
+          </a:ln>
+        </p:spPr>
+        <p:style>
+          <a:lnRef idx="1">
+            <a:schemeClr val="accent1"/>
+          </a:lnRef>
+          <a:fillRef idx="0">
+            <a:schemeClr val="accent1"/>
+          </a:fillRef>
+          <a:effectRef idx="0">
+            <a:schemeClr val="accent1"/>
+          </a:effectRef>
+          <a:fontRef idx="minor">
+            <a:schemeClr val="tx1"/>
+          </a:fontRef>
+        </p:style>
+      </p:cxnSp>
+      <p:cxnSp>
+        <p:nvCxnSpPr>
+          <p:cNvPr id="687" name="Прямая со стрелкой 686"/>
+          <p:cNvCxnSpPr>
+            <a:stCxn id="104" idx="2"/>
+            <a:endCxn id="513" idx="0"/>
+          </p:cNvCxnSpPr>
+          <p:nvPr/>
+        </p:nvCxnSpPr>
+        <p:spPr>
+          <a:xfrm>
+            <a:off x="48277040" y="24003806"/>
+            <a:ext cx="21770" cy="1744348"/>
           </a:xfrm>
           <a:prstGeom prst="straightConnector1">
             <a:avLst/>

--- a/Наработки/диздоки/Сиам/Сиам.pptx
+++ b/Наработки/диздоки/Сиам/Сиам.pptx
@@ -3907,11 +3907,7 @@
             <a:pPr algn="ctr"/>
             <a:r>
               <a:rPr lang="ru-RU" sz="1400" dirty="0" smtClean="0"/>
-              <a:t>Политика </a:t>
-            </a:r>
-            <a:r>
-              <a:rPr lang="ru-RU" sz="1400" dirty="0" smtClean="0"/>
-              <a:t>ультранационализма </a:t>
+              <a:t>Политика ультранационализма </a:t>
             </a:r>
             <a:r>
               <a:rPr lang="ru-RU" sz="600" dirty="0" smtClean="0"/>
@@ -17268,7 +17264,6 @@
               <a:rPr lang="ru-RU" sz="1400" dirty="0"/>
               <a:t>Уничтожить Сери Тай (Свободное тайское движение)</a:t>
             </a:r>
-            <a:endParaRPr lang="ru-RU" sz="1400" dirty="0"/>
           </a:p>
         </p:txBody>
       </p:sp>
@@ -22779,11 +22774,7 @@
             <a:pPr algn="ctr"/>
             <a:r>
               <a:rPr lang="ru-RU" sz="1400" dirty="0" smtClean="0"/>
-              <a:t>Постройка буддистского </a:t>
-            </a:r>
-            <a:r>
-              <a:rPr lang="ru-RU" sz="1400" dirty="0" smtClean="0"/>
-              <a:t>города</a:t>
+              <a:t>Постройка буддистского города</a:t>
             </a:r>
             <a:endParaRPr lang="ru-RU" sz="600" dirty="0"/>
           </a:p>
@@ -22907,11 +22898,7 @@
             <a:pPr algn="ctr"/>
             <a:r>
               <a:rPr lang="ru-RU" sz="1400" dirty="0" smtClean="0"/>
-              <a:t>Вернуть родину </a:t>
-            </a:r>
-            <a:r>
-              <a:rPr lang="ru-RU" sz="1400" dirty="0" smtClean="0"/>
-              <a:t>тайцев</a:t>
+              <a:t>Вернуть родину тайцев</a:t>
             </a:r>
             <a:endParaRPr lang="ru-RU" sz="1400" dirty="0"/>
           </a:p>
@@ -29375,6 +29362,133 @@
           </a:xfrm>
           <a:prstGeom prst="straightConnector1">
             <a:avLst/>
+          </a:prstGeom>
+          <a:ln w="28575">
+            <a:tailEnd type="arrow"/>
+          </a:ln>
+        </p:spPr>
+        <p:style>
+          <a:lnRef idx="1">
+            <a:schemeClr val="accent1"/>
+          </a:lnRef>
+          <a:fillRef idx="0">
+            <a:schemeClr val="accent1"/>
+          </a:fillRef>
+          <a:effectRef idx="0">
+            <a:schemeClr val="accent1"/>
+          </a:effectRef>
+          <a:fontRef idx="minor">
+            <a:schemeClr val="tx1"/>
+          </a:fontRef>
+        </p:style>
+      </p:cxnSp>
+      <p:sp>
+        <p:nvSpPr>
+          <p:cNvPr id="688" name="Прямоугольник 687"/>
+          <p:cNvSpPr/>
+          <p:nvPr/>
+        </p:nvSpPr>
+        <p:spPr>
+          <a:xfrm>
+            <a:off x="48392591" y="24300945"/>
+            <a:ext cx="2115918" cy="1080000"/>
+          </a:xfrm>
+          <a:prstGeom prst="rect">
+            <a:avLst/>
+          </a:prstGeom>
+          <a:solidFill>
+            <a:schemeClr val="accent2">
+              <a:lumMod val="75000"/>
+            </a:schemeClr>
+          </a:solidFill>
+          <a:ln w="28575"/>
+        </p:spPr>
+        <p:style>
+          <a:lnRef idx="2">
+            <a:schemeClr val="accent1"/>
+          </a:lnRef>
+          <a:fillRef idx="1">
+            <a:schemeClr val="lt1"/>
+          </a:fillRef>
+          <a:effectRef idx="0">
+            <a:schemeClr val="accent1"/>
+          </a:effectRef>
+          <a:fontRef idx="minor">
+            <a:schemeClr val="dk1"/>
+          </a:fontRef>
+        </p:style>
+        <p:txBody>
+          <a:bodyPr lIns="124733" tIns="62367" rIns="124733" bIns="62367" rtlCol="0" anchor="ctr"/>
+          <a:lstStyle/>
+          <a:p>
+            <a:pPr algn="ctr"/>
+            <a:r>
+              <a:rPr lang="ru-RU" sz="1400" dirty="0" smtClean="0"/>
+              <a:t>Тайное сотрудничество с </a:t>
+            </a:r>
+            <a:r>
+              <a:rPr lang="ru-RU" sz="1400" dirty="0"/>
+              <a:t>Сери Тай (Свободное тайское движение)</a:t>
+            </a:r>
+          </a:p>
+        </p:txBody>
+      </p:sp>
+      <p:cxnSp>
+        <p:nvCxnSpPr>
+          <p:cNvPr id="689" name="Прямая соединительная линия 688"/>
+          <p:cNvCxnSpPr>
+            <a:stCxn id="688" idx="1"/>
+            <a:endCxn id="348" idx="3"/>
+          </p:cNvCxnSpPr>
+          <p:nvPr/>
+        </p:nvCxnSpPr>
+        <p:spPr>
+          <a:xfrm flipH="1">
+            <a:off x="48212241" y="24840945"/>
+            <a:ext cx="180350" cy="1"/>
+          </a:xfrm>
+          <a:prstGeom prst="line">
+            <a:avLst/>
+          </a:prstGeom>
+          <a:ln w="38100">
+            <a:solidFill>
+              <a:srgbClr val="FF0000"/>
+            </a:solidFill>
+          </a:ln>
+        </p:spPr>
+        <p:style>
+          <a:lnRef idx="1">
+            <a:schemeClr val="accent2"/>
+          </a:lnRef>
+          <a:fillRef idx="0">
+            <a:schemeClr val="accent2"/>
+          </a:fillRef>
+          <a:effectRef idx="0">
+            <a:schemeClr val="accent2"/>
+          </a:effectRef>
+          <a:fontRef idx="minor">
+            <a:schemeClr val="tx1"/>
+          </a:fontRef>
+        </p:style>
+      </p:cxnSp>
+      <p:cxnSp>
+        <p:nvCxnSpPr>
+          <p:cNvPr id="690" name="Shape 248"/>
+          <p:cNvCxnSpPr>
+            <a:stCxn id="245" idx="2"/>
+            <a:endCxn id="688" idx="0"/>
+          </p:cNvCxnSpPr>
+          <p:nvPr/>
+        </p:nvCxnSpPr>
+        <p:spPr>
+          <a:xfrm rot="16200000" flipH="1">
+            <a:off x="47585162" y="22435557"/>
+            <a:ext cx="295860" cy="3434916"/>
+          </a:xfrm>
+          <a:prstGeom prst="bentConnector3">
+            <a:avLst>
+              <a:gd name="adj1" fmla="val 50000"/>
+            </a:avLst>
           </a:prstGeom>
           <a:ln w="28575">
             <a:tailEnd type="arrow"/>

--- a/Наработки/диздоки/Сиам/Сиам.pptx
+++ b/Наработки/диздоки/Сиам/Сиам.pptx
@@ -209,7 +209,7 @@
             <a:fld id="{33E3D7F9-E251-484C-A6FF-FA958879DF69}" type="datetimeFigureOut">
               <a:rPr lang="ru-RU" smtClean="0"/>
               <a:pPr/>
-              <a:t>17.08.2021</a:t>
+              <a:t>18.08.2021</a:t>
             </a:fld>
             <a:endParaRPr lang="ru-RU"/>
           </a:p>
@@ -700,7 +700,7 @@
             <a:fld id="{85A5DE44-605B-4D3B-B2B7-94543DF81A36}" type="datetimeFigureOut">
               <a:rPr lang="ru-RU" smtClean="0"/>
               <a:pPr/>
-              <a:t>17.08.2021</a:t>
+              <a:t>18.08.2021</a:t>
             </a:fld>
             <a:endParaRPr lang="ru-RU"/>
           </a:p>
@@ -872,7 +872,7 @@
             <a:fld id="{85A5DE44-605B-4D3B-B2B7-94543DF81A36}" type="datetimeFigureOut">
               <a:rPr lang="ru-RU" smtClean="0"/>
               <a:pPr/>
-              <a:t>17.08.2021</a:t>
+              <a:t>18.08.2021</a:t>
             </a:fld>
             <a:endParaRPr lang="ru-RU"/>
           </a:p>
@@ -1054,7 +1054,7 @@
             <a:fld id="{85A5DE44-605B-4D3B-B2B7-94543DF81A36}" type="datetimeFigureOut">
               <a:rPr lang="ru-RU" smtClean="0"/>
               <a:pPr/>
-              <a:t>17.08.2021</a:t>
+              <a:t>18.08.2021</a:t>
             </a:fld>
             <a:endParaRPr lang="ru-RU"/>
           </a:p>
@@ -1226,7 +1226,7 @@
             <a:fld id="{85A5DE44-605B-4D3B-B2B7-94543DF81A36}" type="datetimeFigureOut">
               <a:rPr lang="ru-RU" smtClean="0"/>
               <a:pPr/>
-              <a:t>17.08.2021</a:t>
+              <a:t>18.08.2021</a:t>
             </a:fld>
             <a:endParaRPr lang="ru-RU"/>
           </a:p>
@@ -1474,7 +1474,7 @@
             <a:fld id="{85A5DE44-605B-4D3B-B2B7-94543DF81A36}" type="datetimeFigureOut">
               <a:rPr lang="ru-RU" smtClean="0"/>
               <a:pPr/>
-              <a:t>17.08.2021</a:t>
+              <a:t>18.08.2021</a:t>
             </a:fld>
             <a:endParaRPr lang="ru-RU"/>
           </a:p>
@@ -1708,7 +1708,7 @@
             <a:fld id="{85A5DE44-605B-4D3B-B2B7-94543DF81A36}" type="datetimeFigureOut">
               <a:rPr lang="ru-RU" smtClean="0"/>
               <a:pPr/>
-              <a:t>17.08.2021</a:t>
+              <a:t>18.08.2021</a:t>
             </a:fld>
             <a:endParaRPr lang="ru-RU"/>
           </a:p>
@@ -2077,7 +2077,7 @@
             <a:fld id="{85A5DE44-605B-4D3B-B2B7-94543DF81A36}" type="datetimeFigureOut">
               <a:rPr lang="ru-RU" smtClean="0"/>
               <a:pPr/>
-              <a:t>17.08.2021</a:t>
+              <a:t>18.08.2021</a:t>
             </a:fld>
             <a:endParaRPr lang="ru-RU"/>
           </a:p>
@@ -2197,7 +2197,7 @@
             <a:fld id="{85A5DE44-605B-4D3B-B2B7-94543DF81A36}" type="datetimeFigureOut">
               <a:rPr lang="ru-RU" smtClean="0"/>
               <a:pPr/>
-              <a:t>17.08.2021</a:t>
+              <a:t>18.08.2021</a:t>
             </a:fld>
             <a:endParaRPr lang="ru-RU"/>
           </a:p>
@@ -2294,7 +2294,7 @@
             <a:fld id="{85A5DE44-605B-4D3B-B2B7-94543DF81A36}" type="datetimeFigureOut">
               <a:rPr lang="ru-RU" smtClean="0"/>
               <a:pPr/>
-              <a:t>17.08.2021</a:t>
+              <a:t>18.08.2021</a:t>
             </a:fld>
             <a:endParaRPr lang="ru-RU"/>
           </a:p>
@@ -2573,7 +2573,7 @@
             <a:fld id="{85A5DE44-605B-4D3B-B2B7-94543DF81A36}" type="datetimeFigureOut">
               <a:rPr lang="ru-RU" smtClean="0"/>
               <a:pPr/>
-              <a:t>17.08.2021</a:t>
+              <a:t>18.08.2021</a:t>
             </a:fld>
             <a:endParaRPr lang="ru-RU"/>
           </a:p>
@@ -2832,7 +2832,7 @@
             <a:fld id="{85A5DE44-605B-4D3B-B2B7-94543DF81A36}" type="datetimeFigureOut">
               <a:rPr lang="ru-RU" smtClean="0"/>
               <a:pPr/>
-              <a:t>17.08.2021</a:t>
+              <a:t>18.08.2021</a:t>
             </a:fld>
             <a:endParaRPr lang="ru-RU"/>
           </a:p>
@@ -3047,7 +3047,7 @@
             <a:fld id="{85A5DE44-605B-4D3B-B2B7-94543DF81A36}" type="datetimeFigureOut">
               <a:rPr lang="ru-RU" smtClean="0"/>
               <a:pPr/>
-              <a:t>17.08.2021</a:t>
+              <a:t>18.08.2021</a:t>
             </a:fld>
             <a:endParaRPr lang="ru-RU"/>
           </a:p>
@@ -4649,11 +4649,7 @@
             <a:pPr algn="ctr"/>
             <a:r>
               <a:rPr lang="ru-RU" sz="1400" dirty="0" smtClean="0"/>
-              <a:t>Воскресить Проект «Жёлтой книги</a:t>
-            </a:r>
-            <a:r>
-              <a:rPr lang="ru-RU" sz="1400" dirty="0" smtClean="0"/>
-              <a:t>»</a:t>
+              <a:t>Воскресить Проект «Жёлтой книги»</a:t>
             </a:r>
             <a:endParaRPr lang="ru-RU" sz="1000" dirty="0"/>
           </a:p>
@@ -4702,19 +4698,7 @@
             <a:pPr algn="ctr"/>
             <a:r>
               <a:rPr lang="ru-RU" sz="1400" dirty="0" smtClean="0"/>
-              <a:t>Создание рабочего законодательства </a:t>
-            </a:r>
-            <a:r>
-              <a:rPr lang="ru-RU" sz="1200" dirty="0" smtClean="0"/>
-              <a:t>(минимальный возраст рабочих, фиксированная </a:t>
-            </a:r>
-            <a:r>
-              <a:rPr lang="ru-RU" sz="1200" dirty="0" err="1" smtClean="0"/>
-              <a:t>зп</a:t>
-            </a:r>
-            <a:r>
-              <a:rPr lang="ru-RU" sz="1200" dirty="0" smtClean="0"/>
-              <a:t>, пособие по болезням)</a:t>
+              <a:t>Создание рабочего законодательства</a:t>
             </a:r>
             <a:endParaRPr lang="ru-RU" sz="1200" dirty="0"/>
           </a:p>
@@ -5427,7 +5411,11 @@
             <a:pPr algn="ctr"/>
             <a:r>
               <a:rPr lang="ru-RU" sz="1400" dirty="0" smtClean="0"/>
-              <a:t>Сиамская цементная группа</a:t>
+              <a:t>Университет </a:t>
+            </a:r>
+            <a:r>
+              <a:rPr lang="ru-RU" sz="1400" dirty="0" err="1" smtClean="0"/>
+              <a:t>Касетсарт</a:t>
             </a:r>
             <a:endParaRPr lang="ru-RU" sz="1400" dirty="0"/>
           </a:p>
@@ -6601,7 +6589,6 @@
               <a:rPr lang="ru-RU" sz="1400" dirty="0"/>
               <a:t>Сиамская цементная группа</a:t>
             </a:r>
-            <a:endParaRPr lang="ru-RU" sz="1400" dirty="0"/>
           </a:p>
         </p:txBody>
       </p:sp>
@@ -12559,11 +12546,7 @@
             <a:pPr algn="ctr"/>
             <a:r>
               <a:rPr lang="ru-RU" sz="3200" dirty="0" smtClean="0"/>
-              <a:t>84 </a:t>
-            </a:r>
-            <a:r>
-              <a:rPr lang="ru-RU" sz="3200" dirty="0" smtClean="0"/>
-              <a:t>фокуса</a:t>
+              <a:t>84 фокуса</a:t>
             </a:r>
             <a:endParaRPr lang="ru-RU" sz="3200" dirty="0"/>
           </a:p>
@@ -16175,7 +16158,6 @@
               <a:rPr lang="ru-RU" sz="900" dirty="0"/>
               <a:t>) – для обучения антиправительственной деятельности.)</a:t>
             </a:r>
-            <a:endParaRPr lang="ru-RU" sz="900" dirty="0"/>
           </a:p>
         </p:txBody>
       </p:sp>
@@ -16858,7 +16840,7 @@
             <a:pPr algn="ctr"/>
             <a:r>
               <a:rPr lang="ru-RU" sz="1400" dirty="0" smtClean="0"/>
-              <a:t>Индустриализация путём публичных кампаний (акционерные)</a:t>
+              <a:t>Индустриализация путём публичных кампаний</a:t>
             </a:r>
             <a:endParaRPr lang="ru-RU" sz="1400" dirty="0"/>
           </a:p>
@@ -17055,23 +17037,11 @@
             </a:r>
             <a:r>
               <a:rPr lang="ru-RU" sz="1400" dirty="0"/>
-              <a:t>Юго-Восточную лигу </a:t>
-            </a:r>
-            <a:r>
-              <a:rPr lang="ru-RU" sz="300" dirty="0"/>
-              <a:t>(В сентябре 1947 года совместно с вьетнамским политическим деятелем Чан Ван </a:t>
-            </a:r>
-            <a:r>
-              <a:rPr lang="ru-RU" sz="300" dirty="0" err="1"/>
-              <a:t>Зяу</a:t>
-            </a:r>
-            <a:r>
-              <a:rPr lang="ru-RU" sz="300" dirty="0"/>
-              <a:t> он основал в Бангкоке Юго-Восточную Лигу, коалицию антиколониальных и антиимпериалистических организаций из Бирмы, Вьетнама, Камбоджи, Лаоса, Филиппин, Малайи, Индонезии и Таиланда. Они сражались против японской оккупации во время Второй мировой войны и теперь их усилия должны были быть направлены против продолжающегося или восстановленного правления европейских колониальных держав. В результате его политические оппоненты и тайские военные обвинили политика в том, что он коммунист, мечтающий превратить Таиланд в основу просоветской «Союз стран Юго-Восточной Азии</a:t>
-            </a:r>
-            <a:r>
-              <a:rPr lang="ru-RU" sz="300" dirty="0" smtClean="0"/>
-              <a:t>».)</a:t>
+              <a:t>Юго-Восточную </a:t>
+            </a:r>
+            <a:r>
+              <a:rPr lang="ru-RU" sz="1400" dirty="0" smtClean="0"/>
+              <a:t>лигу</a:t>
             </a:r>
             <a:endParaRPr lang="ru-RU" sz="300" dirty="0"/>
           </a:p>
@@ -17321,19 +17291,7 @@
             <a:pPr algn="ctr"/>
             <a:r>
               <a:rPr lang="ru-RU" sz="1400" dirty="0" smtClean="0"/>
-              <a:t>Новая конституция (</a:t>
-            </a:r>
-            <a:r>
-              <a:rPr lang="en-US" sz="1400" dirty="0" smtClean="0"/>
-              <a:t>https://th.wikipedia.org/wiki/</a:t>
-            </a:r>
-            <a:r>
-              <a:rPr lang="th-TH" sz="1400" dirty="0" smtClean="0"/>
-              <a:t>รัฐธรรมนูญแห่งราชอาณาจักรไทย_พุทธศักราช_2489</a:t>
-            </a:r>
-            <a:r>
-              <a:rPr lang="ru-RU" sz="1400" dirty="0" smtClean="0"/>
-              <a:t>)</a:t>
+              <a:t>Новая конституция</a:t>
             </a:r>
             <a:endParaRPr lang="ru-RU" sz="1400" dirty="0"/>
           </a:p>
@@ -19350,7 +19308,7 @@
             <a:pPr algn="ctr"/>
             <a:r>
               <a:rPr lang="ru-RU" sz="1400" dirty="0" smtClean="0"/>
-              <a:t>Экономическая помощь США</a:t>
+              <a:t>Научный блок с США</a:t>
             </a:r>
             <a:endParaRPr lang="ru-RU" sz="1400" dirty="0"/>
           </a:p>
@@ -19417,11 +19375,7 @@
             <a:pPr algn="ctr"/>
             <a:r>
               <a:rPr lang="ru-RU" sz="1400" dirty="0" smtClean="0"/>
-              <a:t>Использование техники в сельском хозяйстве </a:t>
-            </a:r>
-            <a:r>
-              <a:rPr lang="ru-RU" sz="700" dirty="0" smtClean="0"/>
-              <a:t>(Он также дал рекомендации правительству по развитию сельского хозяйства, например, по развитию хлопководства, использованию сельскохозяйственной техники. Реорганизовать животноводство и рыболовство.)</a:t>
+              <a:t>Использование техники в сельском хозяйстве</a:t>
             </a:r>
             <a:endParaRPr lang="ru-RU" sz="700" dirty="0"/>
           </a:p>
@@ -19470,11 +19424,27 @@
             <a:pPr algn="ctr"/>
             <a:r>
               <a:rPr lang="ru-RU" sz="1400" dirty="0" smtClean="0"/>
-              <a:t>Федерация государств Юго-Восточной Азии </a:t>
-            </a:r>
-            <a:r>
-              <a:rPr lang="ru-RU" sz="1000" dirty="0" smtClean="0"/>
-              <a:t>(Представитель Вьетнама сказал желая создать Федерацию государств Юго-Восточной Азии и считал, что Приди естественно станет главой такой федерации)</a:t>
+              <a:t>Создание Ф</a:t>
+            </a:r>
+            <a:r>
+              <a:rPr lang="ru-RU" sz="1400" dirty="0" smtClean="0"/>
+              <a:t>едерация </a:t>
+            </a:r>
+            <a:r>
+              <a:rPr lang="ru-RU" sz="1400" dirty="0"/>
+              <a:t>Г</a:t>
+            </a:r>
+            <a:r>
+              <a:rPr lang="ru-RU" sz="1400" dirty="0" smtClean="0"/>
+              <a:t>осударств </a:t>
+            </a:r>
+            <a:r>
+              <a:rPr lang="ru-RU" sz="1400" dirty="0" smtClean="0"/>
+              <a:t>Юго-Восточной </a:t>
+            </a:r>
+            <a:r>
+              <a:rPr lang="ru-RU" sz="1400" dirty="0" smtClean="0"/>
+              <a:t>Азии</a:t>
             </a:r>
             <a:endParaRPr lang="ru-RU" sz="1400" dirty="0"/>
           </a:p>
@@ -21825,7 +21795,7 @@
             <a:pPr algn="ctr"/>
             <a:r>
               <a:rPr lang="ru-RU" sz="2400" dirty="0" smtClean="0"/>
-              <a:t>49</a:t>
+              <a:t>52</a:t>
             </a:r>
             <a:endParaRPr lang="ru-RU" sz="2400" dirty="0"/>
           </a:p>
@@ -24980,11 +24950,7 @@
             <a:pPr algn="ctr"/>
             <a:r>
               <a:rPr lang="ru-RU" sz="3200" dirty="0" smtClean="0"/>
-              <a:t>153</a:t>
-            </a:r>
-            <a:r>
-              <a:rPr lang="ru-RU" sz="3200" dirty="0" smtClean="0"/>
-              <a:t> </a:t>
+              <a:t>156 </a:t>
             </a:r>
             <a:r>
               <a:rPr lang="ru-RU" sz="3200" dirty="0" smtClean="0"/>
@@ -26230,7 +26196,19 @@
             <a:pPr algn="ctr"/>
             <a:r>
               <a:rPr lang="ru-RU" sz="1400" dirty="0" smtClean="0"/>
-              <a:t>Научная группа Юго-восточной лиги</a:t>
+              <a:t>Научная группа </a:t>
+            </a:r>
+            <a:r>
+              <a:rPr lang="ru-RU" sz="1400" dirty="0" smtClean="0"/>
+              <a:t>Юго-Восточной </a:t>
+            </a:r>
+            <a:r>
+              <a:rPr lang="ru-RU" sz="1400" dirty="0"/>
+              <a:t>Л</a:t>
+            </a:r>
+            <a:r>
+              <a:rPr lang="ru-RU" sz="1400" dirty="0" smtClean="0"/>
+              <a:t>иги</a:t>
             </a:r>
             <a:endParaRPr lang="ru-RU" sz="1400" dirty="0"/>
           </a:p>
@@ -30134,6 +30112,263 @@
             <a:avLst>
               <a:gd name="adj1" fmla="val 50000"/>
             </a:avLst>
+          </a:prstGeom>
+          <a:ln w="28575">
+            <a:tailEnd type="arrow"/>
+          </a:ln>
+        </p:spPr>
+        <p:style>
+          <a:lnRef idx="1">
+            <a:schemeClr val="accent1"/>
+          </a:lnRef>
+          <a:fillRef idx="0">
+            <a:schemeClr val="accent1"/>
+          </a:fillRef>
+          <a:effectRef idx="0">
+            <a:schemeClr val="accent1"/>
+          </a:effectRef>
+          <a:fontRef idx="minor">
+            <a:schemeClr val="tx1"/>
+          </a:fontRef>
+        </p:style>
+      </p:cxnSp>
+      <p:sp>
+        <p:nvSpPr>
+          <p:cNvPr id="695" name="Прямоугольник 694"/>
+          <p:cNvSpPr/>
+          <p:nvPr/>
+        </p:nvSpPr>
+        <p:spPr>
+          <a:xfrm>
+            <a:off x="20786616" y="30169407"/>
+            <a:ext cx="2115918" cy="1080000"/>
+          </a:xfrm>
+          <a:prstGeom prst="rect">
+            <a:avLst/>
+          </a:prstGeom>
+          <a:solidFill>
+            <a:schemeClr val="accent1">
+              <a:lumMod val="60000"/>
+              <a:lumOff val="40000"/>
+            </a:schemeClr>
+          </a:solidFill>
+          <a:ln w="28575"/>
+        </p:spPr>
+        <p:style>
+          <a:lnRef idx="2">
+            <a:schemeClr val="accent1"/>
+          </a:lnRef>
+          <a:fillRef idx="1">
+            <a:schemeClr val="lt1"/>
+          </a:fillRef>
+          <a:effectRef idx="0">
+            <a:schemeClr val="accent1"/>
+          </a:effectRef>
+          <a:fontRef idx="minor">
+            <a:schemeClr val="dk1"/>
+          </a:fontRef>
+        </p:style>
+        <p:txBody>
+          <a:bodyPr lIns="124733" tIns="62367" rIns="124733" bIns="62367" rtlCol="0" anchor="ctr"/>
+          <a:lstStyle/>
+          <a:p>
+            <a:pPr algn="ctr"/>
+            <a:r>
+              <a:rPr lang="ru-RU" sz="1400" dirty="0" smtClean="0"/>
+              <a:t>Предоставить военную базу США</a:t>
+            </a:r>
+            <a:endParaRPr lang="ru-RU" sz="1400" dirty="0"/>
+          </a:p>
+        </p:txBody>
+      </p:sp>
+      <p:cxnSp>
+        <p:nvCxnSpPr>
+          <p:cNvPr id="702" name="Shape 248"/>
+          <p:cNvCxnSpPr>
+            <a:stCxn id="538" idx="2"/>
+            <a:endCxn id="716" idx="0"/>
+          </p:cNvCxnSpPr>
+          <p:nvPr/>
+        </p:nvCxnSpPr>
+        <p:spPr>
+          <a:xfrm rot="16200000" flipH="1">
+            <a:off x="22269157" y="28239871"/>
+            <a:ext cx="306283" cy="3544223"/>
+          </a:xfrm>
+          <a:prstGeom prst="bentConnector3">
+            <a:avLst>
+              <a:gd name="adj1" fmla="val 50000"/>
+            </a:avLst>
+          </a:prstGeom>
+          <a:ln w="28575">
+            <a:tailEnd type="arrow"/>
+          </a:ln>
+        </p:spPr>
+        <p:style>
+          <a:lnRef idx="1">
+            <a:schemeClr val="accent1"/>
+          </a:lnRef>
+          <a:fillRef idx="0">
+            <a:schemeClr val="accent1"/>
+          </a:fillRef>
+          <a:effectRef idx="0">
+            <a:schemeClr val="accent1"/>
+          </a:effectRef>
+          <a:fontRef idx="minor">
+            <a:schemeClr val="tx1"/>
+          </a:fontRef>
+        </p:style>
+      </p:cxnSp>
+      <p:sp>
+        <p:nvSpPr>
+          <p:cNvPr id="716" name="Прямоугольник 715"/>
+          <p:cNvSpPr/>
+          <p:nvPr/>
+        </p:nvSpPr>
+        <p:spPr>
+          <a:xfrm>
+            <a:off x="23136451" y="30165125"/>
+            <a:ext cx="2115918" cy="1080000"/>
+          </a:xfrm>
+          <a:prstGeom prst="rect">
+            <a:avLst/>
+          </a:prstGeom>
+          <a:solidFill>
+            <a:schemeClr val="accent1">
+              <a:lumMod val="60000"/>
+              <a:lumOff val="40000"/>
+            </a:schemeClr>
+          </a:solidFill>
+          <a:ln w="28575"/>
+        </p:spPr>
+        <p:style>
+          <a:lnRef idx="2">
+            <a:schemeClr val="accent1"/>
+          </a:lnRef>
+          <a:fillRef idx="1">
+            <a:schemeClr val="lt1"/>
+          </a:fillRef>
+          <a:effectRef idx="0">
+            <a:schemeClr val="accent1"/>
+          </a:effectRef>
+          <a:fontRef idx="minor">
+            <a:schemeClr val="dk1"/>
+          </a:fontRef>
+        </p:style>
+        <p:txBody>
+          <a:bodyPr lIns="124733" tIns="62367" rIns="124733" bIns="62367" rtlCol="0" anchor="ctr"/>
+          <a:lstStyle/>
+          <a:p>
+            <a:pPr algn="ctr"/>
+            <a:r>
+              <a:rPr lang="ru-RU" sz="1400" dirty="0" smtClean="0"/>
+              <a:t>Получить лицензии на современную технику</a:t>
+            </a:r>
+            <a:endParaRPr lang="ru-RU" sz="1400" dirty="0"/>
+          </a:p>
+        </p:txBody>
+      </p:sp>
+      <p:cxnSp>
+        <p:nvCxnSpPr>
+          <p:cNvPr id="718" name="Прямая со стрелкой 717"/>
+          <p:cNvCxnSpPr>
+            <a:stCxn id="525" idx="2"/>
+            <a:endCxn id="695" idx="0"/>
+          </p:cNvCxnSpPr>
+          <p:nvPr/>
+        </p:nvCxnSpPr>
+        <p:spPr>
+          <a:xfrm>
+            <a:off x="21835698" y="28282351"/>
+            <a:ext cx="8877" cy="1887056"/>
+          </a:xfrm>
+          <a:prstGeom prst="straightConnector1">
+            <a:avLst/>
+          </a:prstGeom>
+          <a:ln w="28575">
+            <a:tailEnd type="arrow"/>
+          </a:ln>
+        </p:spPr>
+        <p:style>
+          <a:lnRef idx="1">
+            <a:schemeClr val="accent1"/>
+          </a:lnRef>
+          <a:fillRef idx="0">
+            <a:schemeClr val="accent1"/>
+          </a:fillRef>
+          <a:effectRef idx="0">
+            <a:schemeClr val="accent1"/>
+          </a:effectRef>
+          <a:fontRef idx="minor">
+            <a:schemeClr val="tx1"/>
+          </a:fontRef>
+        </p:style>
+      </p:cxnSp>
+      <p:sp>
+        <p:nvSpPr>
+          <p:cNvPr id="719" name="Прямоугольник 718"/>
+          <p:cNvSpPr/>
+          <p:nvPr/>
+        </p:nvSpPr>
+        <p:spPr>
+          <a:xfrm>
+            <a:off x="21964662" y="31558502"/>
+            <a:ext cx="2115918" cy="1080000"/>
+          </a:xfrm>
+          <a:prstGeom prst="rect">
+            <a:avLst/>
+          </a:prstGeom>
+          <a:solidFill>
+            <a:schemeClr val="accent1">
+              <a:lumMod val="60000"/>
+              <a:lumOff val="40000"/>
+            </a:schemeClr>
+          </a:solidFill>
+          <a:ln w="28575"/>
+        </p:spPr>
+        <p:style>
+          <a:lnRef idx="2">
+            <a:schemeClr val="accent1"/>
+          </a:lnRef>
+          <a:fillRef idx="1">
+            <a:schemeClr val="lt1"/>
+          </a:fillRef>
+          <a:effectRef idx="0">
+            <a:schemeClr val="accent1"/>
+          </a:effectRef>
+          <a:fontRef idx="minor">
+            <a:schemeClr val="dk1"/>
+          </a:fontRef>
+        </p:style>
+        <p:txBody>
+          <a:bodyPr lIns="124733" tIns="62367" rIns="124733" bIns="62367" rtlCol="0" anchor="ctr"/>
+          <a:lstStyle/>
+          <a:p>
+            <a:pPr algn="ctr"/>
+            <a:r>
+              <a:rPr lang="ru-RU" sz="1400" dirty="0" smtClean="0"/>
+              <a:t>Экономическая помощь США</a:t>
+            </a:r>
+            <a:endParaRPr lang="ru-RU" sz="1400" dirty="0"/>
+          </a:p>
+        </p:txBody>
+      </p:sp>
+      <p:cxnSp>
+        <p:nvCxnSpPr>
+          <p:cNvPr id="720" name="Прямая со стрелкой 719"/>
+          <p:cNvCxnSpPr>
+            <a:stCxn id="539" idx="2"/>
+            <a:endCxn id="719" idx="0"/>
+          </p:cNvCxnSpPr>
+          <p:nvPr/>
+        </p:nvCxnSpPr>
+        <p:spPr>
+          <a:xfrm>
+            <a:off x="23018553" y="29858842"/>
+            <a:ext cx="4068" cy="1699660"/>
+          </a:xfrm>
+          <a:prstGeom prst="straightConnector1">
+            <a:avLst/>
           </a:prstGeom>
           <a:ln w="28575">
             <a:tailEnd type="arrow"/>

--- a/Наработки/диздоки/Сиам/Сиам.pptx
+++ b/Наработки/диздоки/Сиам/Сиам.pptx
@@ -209,7 +209,7 @@
             <a:fld id="{33E3D7F9-E251-484C-A6FF-FA958879DF69}" type="datetimeFigureOut">
               <a:rPr lang="ru-RU" smtClean="0"/>
               <a:pPr/>
-              <a:t>18.08.2021</a:t>
+              <a:t>19.08.2021</a:t>
             </a:fld>
             <a:endParaRPr lang="ru-RU"/>
           </a:p>
@@ -700,7 +700,7 @@
             <a:fld id="{85A5DE44-605B-4D3B-B2B7-94543DF81A36}" type="datetimeFigureOut">
               <a:rPr lang="ru-RU" smtClean="0"/>
               <a:pPr/>
-              <a:t>18.08.2021</a:t>
+              <a:t>19.08.2021</a:t>
             </a:fld>
             <a:endParaRPr lang="ru-RU"/>
           </a:p>
@@ -872,7 +872,7 @@
             <a:fld id="{85A5DE44-605B-4D3B-B2B7-94543DF81A36}" type="datetimeFigureOut">
               <a:rPr lang="ru-RU" smtClean="0"/>
               <a:pPr/>
-              <a:t>18.08.2021</a:t>
+              <a:t>19.08.2021</a:t>
             </a:fld>
             <a:endParaRPr lang="ru-RU"/>
           </a:p>
@@ -1054,7 +1054,7 @@
             <a:fld id="{85A5DE44-605B-4D3B-B2B7-94543DF81A36}" type="datetimeFigureOut">
               <a:rPr lang="ru-RU" smtClean="0"/>
               <a:pPr/>
-              <a:t>18.08.2021</a:t>
+              <a:t>19.08.2021</a:t>
             </a:fld>
             <a:endParaRPr lang="ru-RU"/>
           </a:p>
@@ -1226,7 +1226,7 @@
             <a:fld id="{85A5DE44-605B-4D3B-B2B7-94543DF81A36}" type="datetimeFigureOut">
               <a:rPr lang="ru-RU" smtClean="0"/>
               <a:pPr/>
-              <a:t>18.08.2021</a:t>
+              <a:t>19.08.2021</a:t>
             </a:fld>
             <a:endParaRPr lang="ru-RU"/>
           </a:p>
@@ -1474,7 +1474,7 @@
             <a:fld id="{85A5DE44-605B-4D3B-B2B7-94543DF81A36}" type="datetimeFigureOut">
               <a:rPr lang="ru-RU" smtClean="0"/>
               <a:pPr/>
-              <a:t>18.08.2021</a:t>
+              <a:t>19.08.2021</a:t>
             </a:fld>
             <a:endParaRPr lang="ru-RU"/>
           </a:p>
@@ -1708,7 +1708,7 @@
             <a:fld id="{85A5DE44-605B-4D3B-B2B7-94543DF81A36}" type="datetimeFigureOut">
               <a:rPr lang="ru-RU" smtClean="0"/>
               <a:pPr/>
-              <a:t>18.08.2021</a:t>
+              <a:t>19.08.2021</a:t>
             </a:fld>
             <a:endParaRPr lang="ru-RU"/>
           </a:p>
@@ -2077,7 +2077,7 @@
             <a:fld id="{85A5DE44-605B-4D3B-B2B7-94543DF81A36}" type="datetimeFigureOut">
               <a:rPr lang="ru-RU" smtClean="0"/>
               <a:pPr/>
-              <a:t>18.08.2021</a:t>
+              <a:t>19.08.2021</a:t>
             </a:fld>
             <a:endParaRPr lang="ru-RU"/>
           </a:p>
@@ -2197,7 +2197,7 @@
             <a:fld id="{85A5DE44-605B-4D3B-B2B7-94543DF81A36}" type="datetimeFigureOut">
               <a:rPr lang="ru-RU" smtClean="0"/>
               <a:pPr/>
-              <a:t>18.08.2021</a:t>
+              <a:t>19.08.2021</a:t>
             </a:fld>
             <a:endParaRPr lang="ru-RU"/>
           </a:p>
@@ -2294,7 +2294,7 @@
             <a:fld id="{85A5DE44-605B-4D3B-B2B7-94543DF81A36}" type="datetimeFigureOut">
               <a:rPr lang="ru-RU" smtClean="0"/>
               <a:pPr/>
-              <a:t>18.08.2021</a:t>
+              <a:t>19.08.2021</a:t>
             </a:fld>
             <a:endParaRPr lang="ru-RU"/>
           </a:p>
@@ -2573,7 +2573,7 @@
             <a:fld id="{85A5DE44-605B-4D3B-B2B7-94543DF81A36}" type="datetimeFigureOut">
               <a:rPr lang="ru-RU" smtClean="0"/>
               <a:pPr/>
-              <a:t>18.08.2021</a:t>
+              <a:t>19.08.2021</a:t>
             </a:fld>
             <a:endParaRPr lang="ru-RU"/>
           </a:p>
@@ -2832,7 +2832,7 @@
             <a:fld id="{85A5DE44-605B-4D3B-B2B7-94543DF81A36}" type="datetimeFigureOut">
               <a:rPr lang="ru-RU" smtClean="0"/>
               <a:pPr/>
-              <a:t>18.08.2021</a:t>
+              <a:t>19.08.2021</a:t>
             </a:fld>
             <a:endParaRPr lang="ru-RU"/>
           </a:p>
@@ -3047,7 +3047,7 @@
             <a:fld id="{85A5DE44-605B-4D3B-B2B7-94543DF81A36}" type="datetimeFigureOut">
               <a:rPr lang="ru-RU" smtClean="0"/>
               <a:pPr/>
-              <a:t>18.08.2021</a:t>
+              <a:t>19.08.2021</a:t>
             </a:fld>
             <a:endParaRPr lang="ru-RU"/>
           </a:p>
@@ -6221,66 +6221,9 @@
           <a:p>
             <a:pPr algn="ctr"/>
             <a:r>
-              <a:rPr lang="ru-RU" sz="1400" dirty="0" smtClean="0"/>
-              <a:t>Вернуть династию </a:t>
-            </a:r>
-            <a:r>
-              <a:rPr lang="ru-RU" sz="1400" dirty="0" err="1" smtClean="0"/>
-              <a:t>Чакри</a:t>
-            </a:r>
-            <a:r>
-              <a:rPr lang="ru-RU" sz="1400" dirty="0" smtClean="0"/>
-              <a:t> </a:t>
-            </a:r>
-            <a:r>
-              <a:rPr lang="ru-RU" sz="600" dirty="0" smtClean="0"/>
-              <a:t>(после </a:t>
-            </a:r>
-            <a:r>
-              <a:rPr lang="ru-RU" sz="600" dirty="0"/>
-              <a:t>того, как он отрекся от престола Он все еще жил в Англии, но часто </a:t>
-            </a:r>
-            <a:r>
-              <a:rPr lang="ru-RU" sz="600" dirty="0" err="1"/>
-              <a:t>болел.К</a:t>
-            </a:r>
-            <a:r>
-              <a:rPr lang="ru-RU" sz="600" dirty="0"/>
-              <a:t> 1937 году он очень сильно заболел дизентерией Короля ( печень ), но врачи лечили его до нормального состояния. Его болезнь последовательно ухудшалась с декабря 1940 года, но продолжала ослабевать. До 30 мая 1941 года он внезапно скончался от сердечного приступа. В то время как в возрасте 48 лет</a:t>
-            </a:r>
-            <a:r>
-              <a:rPr lang="ru-RU" sz="600" dirty="0" smtClean="0"/>
-              <a:t>)</a:t>
-            </a:r>
-            <a:r>
-              <a:rPr lang="ru-RU" sz="800" dirty="0" smtClean="0"/>
-              <a:t> (</a:t>
-            </a:r>
-            <a:r>
-              <a:rPr lang="ru-RU" sz="800" dirty="0" err="1" smtClean="0"/>
-              <a:t>Бовондеж</a:t>
-            </a:r>
-            <a:r>
-              <a:rPr lang="ru-RU" sz="800" dirty="0" smtClean="0"/>
-              <a:t> </a:t>
-            </a:r>
-            <a:r>
-              <a:rPr lang="ru-RU" sz="800" dirty="0" err="1" smtClean="0"/>
-              <a:t>Критдакорн</a:t>
-            </a:r>
-            <a:r>
-              <a:rPr lang="ru-RU" sz="800" dirty="0" smtClean="0"/>
-              <a:t>) (</a:t>
-            </a:r>
-            <a:r>
-              <a:rPr lang="th-TH" sz="800" dirty="0" smtClean="0"/>
-              <a:t>พระองค์เจ้าบวรเดช</a:t>
-            </a:r>
-            <a:r>
-              <a:rPr lang="ru-RU" sz="800" dirty="0" smtClean="0"/>
-              <a:t>)</a:t>
-            </a:r>
-            <a:endParaRPr lang="ru-RU" sz="600" dirty="0"/>
+              <a:rPr lang="ru-RU" sz="1400" dirty="0"/>
+              <a:t>Синяя армия</a:t>
+            </a:r>
           </a:p>
         </p:txBody>
       </p:sp>
@@ -6330,90 +6273,6 @@
               <a:rPr lang="en-US" sz="1400" dirty="0" smtClean="0"/>
               <a:t>VII</a:t>
             </a:r>
-            <a:r>
-              <a:rPr lang="ru-RU" sz="1400" dirty="0"/>
-              <a:t> </a:t>
-            </a:r>
-            <a:r>
-              <a:rPr lang="ru-RU" sz="700" dirty="0"/>
-              <a:t>(</a:t>
-            </a:r>
-            <a:r>
-              <a:rPr lang="ru-RU" sz="200" dirty="0"/>
-              <a:t>Таким образом, в совет вошли трое членов королевской семьи (дяди короля): принц </a:t>
-            </a:r>
-            <a:r>
-              <a:rPr lang="ru-RU" sz="200" dirty="0" err="1"/>
-              <a:t>Бханурангси</a:t>
-            </a:r>
-            <a:r>
-              <a:rPr lang="ru-RU" sz="200" dirty="0"/>
-              <a:t>, принц </a:t>
-            </a:r>
-            <a:r>
-              <a:rPr lang="ru-RU" sz="200" dirty="0" err="1"/>
-              <a:t>Нарис</a:t>
-            </a:r>
-            <a:r>
-              <a:rPr lang="ru-RU" sz="200" dirty="0"/>
-              <a:t> и принц </a:t>
-            </a:r>
-            <a:r>
-              <a:rPr lang="ru-RU" sz="200" dirty="0" err="1"/>
-              <a:t>Дамронг</a:t>
-            </a:r>
-            <a:r>
-              <a:rPr lang="ru-RU" sz="200" dirty="0"/>
-              <a:t> </a:t>
-            </a:r>
-            <a:r>
-              <a:rPr lang="ru-RU" sz="200" dirty="0" err="1"/>
-              <a:t>Ратчанубаб</a:t>
-            </a:r>
-            <a:r>
-              <a:rPr lang="ru-RU" sz="200" dirty="0"/>
-              <a:t>, а также два его сводных брата, принц </a:t>
-            </a:r>
-            <a:r>
-              <a:rPr lang="ru-RU" sz="200" dirty="0" err="1"/>
-              <a:t>Китиякон</a:t>
-            </a:r>
-            <a:r>
-              <a:rPr lang="ru-RU" sz="200" dirty="0"/>
-              <a:t> (принц </a:t>
-            </a:r>
-            <a:r>
-              <a:rPr lang="ru-RU" sz="200" dirty="0" err="1"/>
-              <a:t>Чантабури</a:t>
-            </a:r>
-            <a:r>
-              <a:rPr lang="ru-RU" sz="200" dirty="0"/>
-              <a:t>) и принц </a:t>
-            </a:r>
-            <a:r>
-              <a:rPr lang="ru-RU" sz="200" dirty="0" err="1" smtClean="0"/>
-              <a:t>Борипхат</a:t>
-            </a:r>
-            <a:r>
-              <a:rPr lang="ru-RU" sz="200" dirty="0" smtClean="0"/>
-              <a:t>) (будет </a:t>
-            </a:r>
-            <a:r>
-              <a:rPr lang="ru-RU" sz="200" dirty="0" err="1" smtClean="0"/>
-              <a:t>ивент</a:t>
-            </a:r>
-            <a:r>
-              <a:rPr lang="ru-RU" sz="200" dirty="0" smtClean="0"/>
-              <a:t> на то, Специальная глава тома 41 содержит королевские правила наследования престола. Выпущено 1 ноября 1924 г. относительно иерархии королевской семьи. которые должны иметь возможность наследовать престол, но Глава 5 касается тех, кто должен быть освобожден от престола. 	</a:t>
-            </a:r>
-            <a:r>
-              <a:rPr lang="ru-RU" sz="300" dirty="0" smtClean="0"/>
-              <a:t> наличие королевской жены, которая является иностранкой, то есть женщиной, первоначальное гражданство которой является гражданкой другой страны; кроме настоящих тайцев,</a:t>
-            </a:r>
-            <a:r>
-              <a:rPr lang="ru-RU" sz="200" dirty="0" smtClean="0"/>
-              <a:t>)</a:t>
-            </a:r>
             <a:endParaRPr lang="ru-RU" sz="200" dirty="0"/>
           </a:p>
         </p:txBody>
@@ -11421,7 +11280,15 @@
             <a:pPr algn="ctr"/>
             <a:r>
               <a:rPr lang="ru-RU" sz="1400" dirty="0" smtClean="0"/>
-              <a:t>Расширение оружейных заводов</a:t>
+              <a:t>Пороховые заводы (</a:t>
+            </a:r>
+            <a:r>
+              <a:rPr lang="ru-RU" sz="1400" dirty="0" err="1" smtClean="0"/>
+              <a:t>ист</a:t>
+            </a:r>
+            <a:r>
+              <a:rPr lang="ru-RU" sz="1400" dirty="0" smtClean="0"/>
+              <a:t> 1940)</a:t>
             </a:r>
             <a:endParaRPr lang="ru-RU" sz="1400" dirty="0"/>
           </a:p>
@@ -12297,7 +12164,7 @@
         </p:nvSpPr>
         <p:spPr>
           <a:xfrm>
-            <a:off x="34290571" y="8897133"/>
+            <a:off x="35460890" y="8897133"/>
             <a:ext cx="2115918" cy="1080000"/>
           </a:xfrm>
           <a:prstGeom prst="rect">
@@ -12336,42 +12203,6 @@
           </a:p>
         </p:txBody>
       </p:sp>
-      <p:cxnSp>
-        <p:nvCxnSpPr>
-          <p:cNvPr id="267" name="Прямая со стрелкой 266"/>
-          <p:cNvCxnSpPr>
-            <a:stCxn id="255" idx="2"/>
-            <a:endCxn id="265" idx="0"/>
-          </p:cNvCxnSpPr>
-          <p:nvPr/>
-        </p:nvCxnSpPr>
-        <p:spPr>
-          <a:xfrm>
-            <a:off x="35348530" y="8466187"/>
-            <a:ext cx="0" cy="430946"/>
-          </a:xfrm>
-          <a:prstGeom prst="straightConnector1">
-            <a:avLst/>
-          </a:prstGeom>
-          <a:ln w="28575">
-            <a:tailEnd type="arrow"/>
-          </a:ln>
-        </p:spPr>
-        <p:style>
-          <a:lnRef idx="1">
-            <a:schemeClr val="accent1"/>
-          </a:lnRef>
-          <a:fillRef idx="0">
-            <a:schemeClr val="accent1"/>
-          </a:fillRef>
-          <a:effectRef idx="0">
-            <a:schemeClr val="accent1"/>
-          </a:effectRef>
-          <a:fontRef idx="minor">
-            <a:schemeClr val="tx1"/>
-          </a:fontRef>
-        </p:style>
-      </p:cxnSp>
       <p:cxnSp>
         <p:nvCxnSpPr>
           <p:cNvPr id="268" name="Прямая со стрелкой 267"/>
@@ -12825,7 +12656,7 @@
             <a:pPr algn="ctr"/>
             <a:r>
               <a:rPr lang="ru-RU" sz="3200" dirty="0" smtClean="0"/>
-              <a:t>84 фокуса</a:t>
+              <a:t>86 фокуса</a:t>
             </a:r>
             <a:endParaRPr lang="ru-RU" sz="3200" dirty="0"/>
           </a:p>
@@ -15302,7 +15133,7 @@
             <a:pPr algn="ctr"/>
             <a:r>
               <a:rPr lang="ru-RU" sz="1400" dirty="0" smtClean="0"/>
-              <a:t>Поиск союзников в свободном мире (решения на вступления в союз демократов)</a:t>
+              <a:t>Поиск союзников в свободном мире</a:t>
             </a:r>
             <a:endParaRPr lang="ru-RU" sz="1400" dirty="0"/>
           </a:p>
@@ -15400,7 +15231,7 @@
             <a:pPr algn="ctr"/>
             <a:r>
               <a:rPr lang="ru-RU" sz="1400" dirty="0" smtClean="0"/>
-              <a:t>Союзная военная миссия (доктрины)</a:t>
+              <a:t>Союзная военная миссия</a:t>
             </a:r>
             <a:endParaRPr lang="ru-RU" sz="1400" dirty="0"/>
           </a:p>
@@ -16018,42 +15849,6 @@
             <a:r>
               <a:rPr lang="ru-RU" sz="1400" dirty="0" err="1" smtClean="0"/>
               <a:t>Муниципализм</a:t>
-            </a:r>
-            <a:r>
-              <a:rPr lang="ru-RU" sz="1400" dirty="0"/>
-              <a:t> </a:t>
-            </a:r>
-            <a:r>
-              <a:rPr lang="ru-RU" sz="300" dirty="0"/>
-              <a:t>(В 1926 году он начал разработку концепции </a:t>
-            </a:r>
-            <a:r>
-              <a:rPr lang="ru-RU" sz="300" dirty="0" err="1"/>
-              <a:t>prachaphiban</a:t>
-            </a:r>
-            <a:r>
-              <a:rPr lang="ru-RU" sz="300" dirty="0"/>
-              <a:t>, или «муниципалитета», которая появилась в конце правления </a:t>
-            </a:r>
-            <a:r>
-              <a:rPr lang="ru-RU" sz="300" dirty="0" err="1"/>
-              <a:t>правления</a:t>
-            </a:r>
-            <a:r>
-              <a:rPr lang="ru-RU" sz="300" dirty="0"/>
-              <a:t> Рамы V как закон, касающийся общественного здравоохранения и санитарии[22]. Была получена информация о местном самоуправлении в соседних странах, и были составлены предложения, позволяющие некоторым муниципалитетам повышать местные налоги и управлять своими собственными бюджетами. Тот факт, что общественность не была достаточно образована, чтобы заставить данную схему работать, препятствовал успеху этого административного предприятия короля. Тем не менее, идея научить сиамцев концепции демократии посредством децентрализации власти в муниципалитетах стала, по мнению </a:t>
-            </a:r>
-            <a:r>
-              <a:rPr lang="ru-RU" sz="300" dirty="0" err="1"/>
-              <a:t>Прачадипока</a:t>
-            </a:r>
-            <a:r>
-              <a:rPr lang="ru-RU" sz="300" dirty="0"/>
-              <a:t>, фундаментальной для разработки политики в </a:t>
-            </a:r>
-            <a:r>
-              <a:rPr lang="ru-RU" sz="300" dirty="0" smtClean="0"/>
-              <a:t>будущем)</a:t>
             </a:r>
             <a:endParaRPr lang="ru-RU" sz="300" dirty="0"/>
           </a:p>
@@ -20776,6 +20571,22 @@
             </a:r>
             <a:r>
               <a:rPr lang="ru-RU" sz="1400" dirty="0" smtClean="0"/>
+              <a:t>, </a:t>
+            </a:r>
+            <a:r>
+              <a:rPr lang="en-US" sz="1400" dirty="0" err="1"/>
+              <a:t>Narisara</a:t>
+            </a:r>
+            <a:r>
+              <a:rPr lang="en-US" sz="1400" dirty="0"/>
+              <a:t> </a:t>
+            </a:r>
+            <a:r>
+              <a:rPr lang="en-US" sz="1400" dirty="0" err="1"/>
+              <a:t>Nuwattiwong</a:t>
+            </a:r>
+            <a:r>
+              <a:rPr lang="ru-RU" sz="1400" dirty="0" smtClean="0"/>
               <a:t>)</a:t>
             </a:r>
           </a:p>
@@ -21089,71 +20900,11 @@
             </a:r>
             <a:r>
               <a:rPr lang="ru-RU" sz="1400" dirty="0"/>
-              <a:t>тайских традиций </a:t>
-            </a:r>
-            <a:r>
-              <a:rPr lang="ru-RU" sz="300" dirty="0"/>
-              <a:t>(</a:t>
-            </a:r>
-            <a:r>
-              <a:rPr lang="ru-RU" sz="300" dirty="0" err="1"/>
-              <a:t>айских</a:t>
-            </a:r>
-            <a:r>
-              <a:rPr lang="ru-RU" sz="300" dirty="0"/>
-              <a:t> традиций в следующих </a:t>
-            </a:r>
-            <a:r>
-              <a:rPr lang="ru-RU" sz="300" dirty="0" err="1"/>
-              <a:t>областях:Фестиваль</a:t>
-            </a:r>
-            <a:r>
-              <a:rPr lang="ru-RU" sz="300" dirty="0"/>
-              <a:t> </a:t>
-            </a:r>
-            <a:r>
-              <a:rPr lang="ru-RU" sz="300" dirty="0" err="1"/>
-              <a:t>Сонгкран</a:t>
-            </a:r>
-            <a:r>
-              <a:rPr lang="ru-RU" sz="300" dirty="0"/>
-              <a:t> является традиционным тайским Новым годом наряду с Международным Новым </a:t>
-            </a:r>
-            <a:r>
-              <a:rPr lang="ru-RU" sz="300" dirty="0" err="1"/>
-              <a:t>годом.Отмена</a:t>
-            </a:r>
-            <a:r>
-              <a:rPr lang="ru-RU" sz="300" dirty="0"/>
-              <a:t> отмены языка, используемого со времен маршала. Кампания поощряет правильное использование </a:t>
-            </a:r>
-            <a:r>
-              <a:rPr lang="ru-RU" sz="300" dirty="0" err="1"/>
-              <a:t>тайского.Тайские</a:t>
-            </a:r>
-            <a:r>
-              <a:rPr lang="ru-RU" sz="300" dirty="0"/>
-              <a:t> саки были повторно использованы и почести были возвращены тем, кто был отменен. Восстановлены Королевский закон о </a:t>
-            </a:r>
-            <a:r>
-              <a:rPr lang="ru-RU" sz="300" dirty="0" err="1"/>
-              <a:t>Иссарияпорне</a:t>
-            </a:r>
-            <a:r>
-              <a:rPr lang="ru-RU" sz="300" dirty="0"/>
-              <a:t> и право на получение пенсионных и пенсионных пособий. Буддийская эра 1946 года для амнистии политических </a:t>
-            </a:r>
-            <a:r>
-              <a:rPr lang="ru-RU" sz="300" dirty="0" err="1"/>
-              <a:t>наказанийОживить</a:t>
-            </a:r>
-            <a:r>
-              <a:rPr lang="ru-RU" sz="300" dirty="0"/>
-              <a:t> народные виды спорта, такие как </a:t>
-            </a:r>
-            <a:r>
-              <a:rPr lang="ru-RU" sz="300" dirty="0" smtClean="0"/>
-              <a:t>петухи)</a:t>
+              <a:t>тайских </a:t>
+            </a:r>
+            <a:r>
+              <a:rPr lang="ru-RU" sz="1400" dirty="0" smtClean="0"/>
+              <a:t>традиций</a:t>
             </a:r>
             <a:endParaRPr lang="ru-RU" sz="300" dirty="0"/>
           </a:p>
@@ -21242,12 +20993,13 @@
             </a:r>
             <a:r>
               <a:rPr lang="ru-RU" sz="1400" dirty="0"/>
-              <a:t>потребительских товаров</a:t>
-            </a:r>
-            <a:r>
-              <a:rPr lang="ru-RU" sz="700" dirty="0"/>
-              <a:t> (Совет принял законопроект, защищающий расходы людей в жестком состоянии (Закон о потребительских товарах цена тегов, или "Липкий Закон о маркировке риса")</a:t>
-            </a:r>
+              <a:t>потребительских </a:t>
+            </a:r>
+            <a:r>
+              <a:rPr lang="ru-RU" sz="1400" dirty="0" smtClean="0"/>
+              <a:t>товаров</a:t>
+            </a:r>
+            <a:endParaRPr lang="ru-RU" sz="700" dirty="0"/>
           </a:p>
         </p:txBody>
       </p:sp>
@@ -22969,7 +22721,7 @@
             <a:pPr algn="ctr"/>
             <a:r>
               <a:rPr lang="ru-RU" sz="2400" dirty="0" smtClean="0"/>
-              <a:t>24</a:t>
+              <a:t>25</a:t>
             </a:r>
             <a:endParaRPr lang="ru-RU" sz="2400" dirty="0"/>
           </a:p>
@@ -23061,15 +22813,7 @@
             <a:pPr algn="ctr"/>
             <a:r>
               <a:rPr lang="ru-RU" sz="1400" dirty="0" smtClean="0"/>
-              <a:t>Ослабить конституцию дл королевской власти (</a:t>
-            </a:r>
-            <a:r>
-              <a:rPr lang="ru-RU" sz="1400" dirty="0" err="1" smtClean="0"/>
-              <a:t>дуалка</a:t>
-            </a:r>
-            <a:r>
-              <a:rPr lang="ru-RU" sz="1400" dirty="0" smtClean="0"/>
-              <a:t>)</a:t>
+              <a:t>Ослабить конституцию для королевской власти</a:t>
             </a:r>
             <a:endParaRPr lang="ru-RU" sz="1400" dirty="0"/>
           </a:p>
@@ -23079,15 +22823,15 @@
         <p:nvCxnSpPr>
           <p:cNvPr id="492" name="Shape 248"/>
           <p:cNvCxnSpPr>
-            <a:stCxn id="489" idx="2"/>
+            <a:stCxn id="737" idx="2"/>
             <a:endCxn id="423" idx="0"/>
           </p:cNvCxnSpPr>
           <p:nvPr/>
         </p:nvCxnSpPr>
         <p:spPr>
           <a:xfrm rot="5400000">
-            <a:off x="29693253" y="20143470"/>
-            <a:ext cx="350255" cy="2309370"/>
+            <a:off x="34319113" y="15516473"/>
+            <a:ext cx="351393" cy="11562227"/>
           </a:xfrm>
           <a:prstGeom prst="bentConnector3">
             <a:avLst>
@@ -23228,29 +22972,9 @@
             <a:pPr algn="ctr"/>
             <a:r>
               <a:rPr lang="ru-RU" sz="1400" dirty="0" smtClean="0"/>
-              <a:t>Поддержание </a:t>
-            </a:r>
-            <a:r>
-              <a:rPr lang="ru-RU" sz="1400" dirty="0"/>
-              <a:t>западного побережья </a:t>
-            </a:r>
-            <a:r>
-              <a:rPr lang="ru-RU" sz="900" dirty="0"/>
-              <a:t>(Он учредил совет по поддержанию западного побережья. Чтобы воспитать </a:t>
-            </a:r>
-            <a:r>
-              <a:rPr lang="ru-RU" sz="900" dirty="0" err="1"/>
-              <a:t>Хуа</a:t>
-            </a:r>
-            <a:r>
-              <a:rPr lang="ru-RU" sz="900" dirty="0"/>
-              <a:t> Хин и его окрестности, чтобы стать морским курортом</a:t>
-            </a:r>
-            <a:r>
-              <a:rPr lang="ru-RU" sz="900" dirty="0" smtClean="0"/>
-              <a:t>.)</a:t>
-            </a:r>
-            <a:endParaRPr lang="ru-RU" sz="900" dirty="0"/>
+              <a:t>Вернуть женское монашество</a:t>
+            </a:r>
+            <a:endParaRPr lang="ru-RU" sz="1400" dirty="0"/>
           </a:p>
         </p:txBody>
       </p:sp>
@@ -23332,15 +23056,15 @@
         <p:nvCxnSpPr>
           <p:cNvPr id="510" name="Shape 248"/>
           <p:cNvCxnSpPr>
-            <a:stCxn id="140" idx="2"/>
+            <a:stCxn id="737" idx="2"/>
             <a:endCxn id="497" idx="0"/>
           </p:cNvCxnSpPr>
           <p:nvPr/>
         </p:nvCxnSpPr>
         <p:spPr>
-          <a:xfrm rot="16200000" flipH="1">
-            <a:off x="37198686" y="19562025"/>
-            <a:ext cx="338150" cy="3464844"/>
+          <a:xfrm rot="5400000">
+            <a:off x="39517237" y="20704837"/>
+            <a:ext cx="341632" cy="1175739"/>
           </a:xfrm>
           <a:prstGeom prst="bentConnector3">
             <a:avLst>
@@ -23366,19 +23090,114 @@
           </a:fontRef>
         </p:style>
       </p:cxnSp>
-      <p:cxnSp>
-        <p:nvCxnSpPr>
-          <p:cNvPr id="516" name="Shape 248"/>
-          <p:cNvCxnSpPr>
-            <a:stCxn id="449" idx="2"/>
-            <a:endCxn id="497" idx="0"/>
+      <p:sp>
+        <p:nvSpPr>
+          <p:cNvPr id="519" name="Прямоугольник 518"/>
+          <p:cNvSpPr/>
+          <p:nvPr/>
+        </p:nvSpPr>
+        <p:spPr>
+          <a:xfrm>
+            <a:off x="32269727" y="20045955"/>
+            <a:ext cx="2115918" cy="1080000"/>
+          </a:xfrm>
+          <a:prstGeom prst="rect">
+            <a:avLst/>
+          </a:prstGeom>
+          <a:solidFill>
+            <a:srgbClr val="CC00CC"/>
+          </a:solidFill>
+          <a:ln w="28575"/>
+        </p:spPr>
+        <p:style>
+          <a:lnRef idx="2">
+            <a:schemeClr val="accent1"/>
+          </a:lnRef>
+          <a:fillRef idx="1">
+            <a:schemeClr val="lt1"/>
+          </a:fillRef>
+          <a:effectRef idx="0">
+            <a:schemeClr val="accent1"/>
+          </a:effectRef>
+          <a:fontRef idx="minor">
+            <a:schemeClr val="dk1"/>
+          </a:fontRef>
+        </p:style>
+        <p:txBody>
+          <a:bodyPr lIns="124733" tIns="62367" rIns="124733" bIns="62367" rtlCol="0" anchor="ctr"/>
+          <a:lstStyle/>
+          <a:p>
+            <a:pPr algn="ctr"/>
+            <a:r>
+              <a:rPr lang="ru-RU" sz="1400" dirty="0" smtClean="0"/>
+              <a:t>Установить абсолютную власть </a:t>
+            </a:r>
+            <a:r>
+              <a:rPr lang="ru-RU" sz="1400" dirty="0" err="1" smtClean="0"/>
+              <a:t>Чакри</a:t>
+            </a:r>
+            <a:endParaRPr lang="ru-RU" sz="1400" dirty="0"/>
+          </a:p>
+        </p:txBody>
+      </p:sp>
+      <p:sp>
+        <p:nvSpPr>
+          <p:cNvPr id="521" name="Прямоугольник 520"/>
+          <p:cNvSpPr/>
+          <p:nvPr/>
+        </p:nvSpPr>
+        <p:spPr>
+          <a:xfrm>
+            <a:off x="33423689" y="21473047"/>
+            <a:ext cx="2115918" cy="1080000"/>
+          </a:xfrm>
+          <a:prstGeom prst="rect">
+            <a:avLst/>
+          </a:prstGeom>
+          <a:solidFill>
+            <a:srgbClr val="CC00CC"/>
+          </a:solidFill>
+          <a:ln w="28575"/>
+        </p:spPr>
+        <p:style>
+          <a:lnRef idx="2">
+            <a:schemeClr val="accent1"/>
+          </a:lnRef>
+          <a:fillRef idx="1">
+            <a:schemeClr val="lt1"/>
+          </a:fillRef>
+          <a:effectRef idx="0">
+            <a:schemeClr val="accent1"/>
+          </a:effectRef>
+          <a:fontRef idx="minor">
+            <a:schemeClr val="dk1"/>
+          </a:fontRef>
+        </p:style>
+        <p:txBody>
+          <a:bodyPr lIns="124733" tIns="62367" rIns="124733" bIns="62367" rtlCol="0" anchor="ctr"/>
+          <a:lstStyle/>
+          <a:p>
+            <a:pPr algn="ctr"/>
+            <a:r>
+              <a:rPr lang="ru-RU" sz="1400" dirty="0" smtClean="0"/>
+              <a:t>Коронация нового короля</a:t>
+            </a:r>
+          </a:p>
+        </p:txBody>
+      </p:sp>
+      <p:cxnSp>
+        <p:nvCxnSpPr>
+          <p:cNvPr id="528" name="Shape 248"/>
+          <p:cNvCxnSpPr>
+            <a:stCxn id="140" idx="2"/>
+            <a:endCxn id="742" idx="0"/>
           </p:cNvCxnSpPr>
           <p:nvPr/>
         </p:nvCxnSpPr>
         <p:spPr>
           <a:xfrm rot="16200000" flipH="1">
-            <a:off x="38351599" y="20714938"/>
-            <a:ext cx="339708" cy="1157459"/>
+            <a:off x="36047068" y="20713643"/>
+            <a:ext cx="340662" cy="1164120"/>
           </a:xfrm>
           <a:prstGeom prst="bentConnector3">
             <a:avLst>
@@ -23404,15 +23223,283 @@
           </a:fontRef>
         </p:style>
       </p:cxnSp>
-      <p:sp>
-        <p:nvSpPr>
-          <p:cNvPr id="519" name="Прямоугольник 518"/>
+      <p:cxnSp>
+        <p:nvCxnSpPr>
+          <p:cNvPr id="530" name="Shape 248"/>
+          <p:cNvCxnSpPr>
+            <a:stCxn id="140" idx="2"/>
+            <a:endCxn id="521" idx="0"/>
+          </p:cNvCxnSpPr>
+          <p:nvPr/>
+        </p:nvCxnSpPr>
+        <p:spPr>
+          <a:xfrm rot="5400000">
+            <a:off x="34884657" y="20722364"/>
+            <a:ext cx="347675" cy="1153691"/>
+          </a:xfrm>
+          <a:prstGeom prst="bentConnector3">
+            <a:avLst>
+              <a:gd name="adj1" fmla="val 50000"/>
+            </a:avLst>
+          </a:prstGeom>
+          <a:ln w="28575">
+            <a:tailEnd type="arrow"/>
+          </a:ln>
+        </p:spPr>
+        <p:style>
+          <a:lnRef idx="1">
+            <a:schemeClr val="accent1"/>
+          </a:lnRef>
+          <a:fillRef idx="0">
+            <a:schemeClr val="accent1"/>
+          </a:fillRef>
+          <a:effectRef idx="0">
+            <a:schemeClr val="accent1"/>
+          </a:effectRef>
+          <a:fontRef idx="minor">
+            <a:schemeClr val="tx1"/>
+          </a:fontRef>
+        </p:style>
+      </p:cxnSp>
+      <p:cxnSp>
+        <p:nvCxnSpPr>
+          <p:cNvPr id="531" name="Shape 248"/>
+          <p:cNvCxnSpPr>
+            <a:stCxn id="139" idx="2"/>
+            <a:endCxn id="519" idx="0"/>
+          </p:cNvCxnSpPr>
+          <p:nvPr/>
+        </p:nvCxnSpPr>
+        <p:spPr>
+          <a:xfrm rot="5400000">
+            <a:off x="34223090" y="18633706"/>
+            <a:ext cx="516846" cy="2307653"/>
+          </a:xfrm>
+          <a:prstGeom prst="bentConnector3">
+            <a:avLst>
+              <a:gd name="adj1" fmla="val 50000"/>
+            </a:avLst>
+          </a:prstGeom>
+          <a:ln w="28575">
+            <a:tailEnd type="arrow"/>
+          </a:ln>
+        </p:spPr>
+        <p:style>
+          <a:lnRef idx="1">
+            <a:schemeClr val="accent1"/>
+          </a:lnRef>
+          <a:fillRef idx="0">
+            <a:schemeClr val="accent1"/>
+          </a:fillRef>
+          <a:effectRef idx="0">
+            <a:schemeClr val="accent1"/>
+          </a:effectRef>
+          <a:fontRef idx="minor">
+            <a:schemeClr val="tx1"/>
+          </a:fontRef>
+        </p:style>
+      </p:cxnSp>
+      <p:cxnSp>
+        <p:nvCxnSpPr>
+          <p:cNvPr id="533" name="Прямая соединительная линия 532"/>
+          <p:cNvCxnSpPr>
+            <a:stCxn id="469" idx="3"/>
+            <a:endCxn id="451" idx="1"/>
+          </p:cNvCxnSpPr>
+          <p:nvPr/>
+        </p:nvCxnSpPr>
+        <p:spPr>
+          <a:xfrm>
+            <a:off x="30927020" y="26335111"/>
+            <a:ext cx="3650360" cy="3672"/>
+          </a:xfrm>
+          <a:prstGeom prst="line">
+            <a:avLst/>
+          </a:prstGeom>
+          <a:ln w="38100">
+            <a:solidFill>
+              <a:srgbClr val="FF0000"/>
+            </a:solidFill>
+          </a:ln>
+        </p:spPr>
+        <p:style>
+          <a:lnRef idx="1">
+            <a:schemeClr val="accent2"/>
+          </a:lnRef>
+          <a:fillRef idx="0">
+            <a:schemeClr val="accent2"/>
+          </a:fillRef>
+          <a:effectRef idx="0">
+            <a:schemeClr val="accent2"/>
+          </a:effectRef>
+          <a:fontRef idx="minor">
+            <a:schemeClr val="tx1"/>
+          </a:fontRef>
+        </p:style>
+      </p:cxnSp>
+      <p:cxnSp>
+        <p:nvCxnSpPr>
+          <p:cNvPr id="573" name="Shape 248"/>
+          <p:cNvCxnSpPr>
+            <a:stCxn id="489" idx="2"/>
+            <a:endCxn id="487" idx="0"/>
+          </p:cNvCxnSpPr>
+          <p:nvPr/>
+        </p:nvCxnSpPr>
+        <p:spPr>
+          <a:xfrm rot="16200000" flipH="1">
+            <a:off x="31431009" y="20715083"/>
+            <a:ext cx="350019" cy="1165907"/>
+          </a:xfrm>
+          <a:prstGeom prst="bentConnector3">
+            <a:avLst>
+              <a:gd name="adj1" fmla="val 50000"/>
+            </a:avLst>
+          </a:prstGeom>
+          <a:ln w="28575">
+            <a:prstDash val="dash"/>
+            <a:tailEnd type="arrow"/>
+          </a:ln>
+        </p:spPr>
+        <p:style>
+          <a:lnRef idx="1">
+            <a:schemeClr val="accent1"/>
+          </a:lnRef>
+          <a:fillRef idx="0">
+            <a:schemeClr val="accent1"/>
+          </a:fillRef>
+          <a:effectRef idx="0">
+            <a:schemeClr val="accent1"/>
+          </a:effectRef>
+          <a:fontRef idx="minor">
+            <a:schemeClr val="tx1"/>
+          </a:fontRef>
+        </p:style>
+      </p:cxnSp>
+      <p:cxnSp>
+        <p:nvCxnSpPr>
+          <p:cNvPr id="578" name="Shape 248"/>
+          <p:cNvCxnSpPr>
+            <a:stCxn id="519" idx="2"/>
+            <a:endCxn id="487" idx="0"/>
+          </p:cNvCxnSpPr>
+          <p:nvPr/>
+        </p:nvCxnSpPr>
+        <p:spPr>
+          <a:xfrm rot="5400000">
+            <a:off x="32584783" y="20730144"/>
+            <a:ext cx="347092" cy="1138714"/>
+          </a:xfrm>
+          <a:prstGeom prst="bentConnector3">
+            <a:avLst>
+              <a:gd name="adj1" fmla="val 50000"/>
+            </a:avLst>
+          </a:prstGeom>
+          <a:ln w="28575">
+            <a:prstDash val="dash"/>
+            <a:tailEnd type="arrow"/>
+          </a:ln>
+        </p:spPr>
+        <p:style>
+          <a:lnRef idx="1">
+            <a:schemeClr val="accent1"/>
+          </a:lnRef>
+          <a:fillRef idx="0">
+            <a:schemeClr val="accent1"/>
+          </a:fillRef>
+          <a:effectRef idx="0">
+            <a:schemeClr val="accent1"/>
+          </a:effectRef>
+          <a:fontRef idx="minor">
+            <a:schemeClr val="tx1"/>
+          </a:fontRef>
+        </p:style>
+      </p:cxnSp>
+      <p:cxnSp>
+        <p:nvCxnSpPr>
+          <p:cNvPr id="585" name="Прямая соединительная линия 584"/>
+          <p:cNvCxnSpPr>
+            <a:stCxn id="489" idx="3"/>
+            <a:endCxn id="519" idx="1"/>
+          </p:cNvCxnSpPr>
+          <p:nvPr/>
+        </p:nvCxnSpPr>
+        <p:spPr>
+          <a:xfrm>
+            <a:off x="32081024" y="20583028"/>
+            <a:ext cx="188703" cy="2927"/>
+          </a:xfrm>
+          <a:prstGeom prst="line">
+            <a:avLst/>
+          </a:prstGeom>
+          <a:ln w="38100">
+            <a:solidFill>
+              <a:srgbClr val="FF0000"/>
+            </a:solidFill>
+          </a:ln>
+        </p:spPr>
+        <p:style>
+          <a:lnRef idx="1">
+            <a:schemeClr val="accent2"/>
+          </a:lnRef>
+          <a:fillRef idx="0">
+            <a:schemeClr val="accent2"/>
+          </a:fillRef>
+          <a:effectRef idx="0">
+            <a:schemeClr val="accent2"/>
+          </a:effectRef>
+          <a:fontRef idx="minor">
+            <a:schemeClr val="tx1"/>
+          </a:fontRef>
+        </p:style>
+      </p:cxnSp>
+      <p:cxnSp>
+        <p:nvCxnSpPr>
+          <p:cNvPr id="590" name="Shape 248"/>
+          <p:cNvCxnSpPr>
+            <a:stCxn id="139" idx="2"/>
+            <a:endCxn id="737" idx="0"/>
+          </p:cNvCxnSpPr>
+          <p:nvPr/>
+        </p:nvCxnSpPr>
+        <p:spPr>
+          <a:xfrm rot="16200000" flipH="1">
+            <a:off x="37699240" y="17465207"/>
+            <a:ext cx="512781" cy="4640583"/>
+          </a:xfrm>
+          <a:prstGeom prst="bentConnector3">
+            <a:avLst>
+              <a:gd name="adj1" fmla="val 50000"/>
+            </a:avLst>
+          </a:prstGeom>
+          <a:ln w="28575">
+            <a:tailEnd type="arrow"/>
+          </a:ln>
+        </p:spPr>
+        <p:style>
+          <a:lnRef idx="1">
+            <a:schemeClr val="accent1"/>
+          </a:lnRef>
+          <a:fillRef idx="0">
+            <a:schemeClr val="accent1"/>
+          </a:fillRef>
+          <a:effectRef idx="0">
+            <a:schemeClr val="accent1"/>
+          </a:effectRef>
+          <a:fontRef idx="minor">
+            <a:schemeClr val="tx1"/>
+          </a:fontRef>
+        </p:style>
+      </p:cxnSp>
+      <p:sp>
+        <p:nvSpPr>
+          <p:cNvPr id="595" name="Прямоугольник 594"/>
           <p:cNvSpPr/>
           <p:nvPr/>
         </p:nvSpPr>
         <p:spPr>
           <a:xfrm>
-            <a:off x="32269727" y="20045955"/>
+            <a:off x="29450397" y="211391"/>
             <a:ext cx="2115918" cy="1080000"/>
           </a:xfrm>
           <a:prstGeom prst="rect">
@@ -23444,11 +23531,77 @@
             <a:pPr algn="ctr"/>
             <a:r>
               <a:rPr lang="ru-RU" sz="1400" dirty="0" smtClean="0"/>
-              <a:t>Установить абсолютную власть </a:t>
-            </a:r>
-            <a:r>
-              <a:rPr lang="ru-RU" sz="1400" dirty="0" err="1" smtClean="0"/>
-              <a:t>Чакри</a:t>
+              <a:t>Рама </a:t>
+            </a:r>
+            <a:r>
+              <a:rPr lang="en-US" sz="1400" dirty="0" smtClean="0"/>
+              <a:t>IX</a:t>
+            </a:r>
+            <a:r>
+              <a:rPr lang="ru-RU" sz="1400" dirty="0" smtClean="0"/>
+              <a:t> </a:t>
+            </a:r>
+            <a:r>
+              <a:rPr lang="ru-RU" sz="500" dirty="0" smtClean="0"/>
+              <a:t>(Порядок наследования трона в Таиланде был довольно сложным, и принц </a:t>
+            </a:r>
+            <a:r>
+              <a:rPr lang="ru-RU" sz="500" dirty="0" err="1" smtClean="0"/>
+              <a:t>Ананта</a:t>
+            </a:r>
+            <a:r>
+              <a:rPr lang="ru-RU" sz="500" dirty="0" smtClean="0"/>
+              <a:t>́ </a:t>
+            </a:r>
+            <a:r>
+              <a:rPr lang="ru-RU" sz="500" dirty="0" err="1" smtClean="0"/>
+              <a:t>Махидо́н</a:t>
+            </a:r>
+            <a:r>
+              <a:rPr lang="ru-RU" sz="500" dirty="0" smtClean="0"/>
+              <a:t> был первым в линии наследования, но его соперник, принц </a:t>
+            </a:r>
+            <a:r>
+              <a:rPr lang="ru-RU" sz="500" dirty="0" err="1" smtClean="0">
+                <a:hlinkClick r:id="rId3" tooltip="Чулачакрапонгсе (страница отсутствует)"/>
+              </a:rPr>
+              <a:t>Чулачакрапонгсе</a:t>
+            </a:r>
+            <a:r>
+              <a:rPr lang="ru-RU" sz="500" dirty="0" smtClean="0"/>
+              <a:t>, был ранее исключён из наследования и считал это исключение незаконным. Вопрос о наследовании решал кабинет министров, который интерпретировал закон в пользу </a:t>
+            </a:r>
+            <a:r>
+              <a:rPr lang="ru-RU" sz="500" dirty="0" err="1" smtClean="0"/>
+              <a:t>Ананты</a:t>
+            </a:r>
+            <a:r>
+              <a:rPr lang="ru-RU" sz="500" dirty="0" smtClean="0"/>
+              <a:t>́ </a:t>
+            </a:r>
+            <a:r>
+              <a:rPr lang="ru-RU" sz="500" dirty="0" err="1" smtClean="0"/>
+              <a:t>Махидо́на</a:t>
+            </a:r>
+            <a:r>
+              <a:rPr lang="ru-RU" sz="500" dirty="0" smtClean="0"/>
+              <a:t>.)(</a:t>
+            </a:r>
+            <a:r>
+              <a:rPr lang="en-US" sz="500" dirty="0" smtClean="0">
+                <a:hlinkClick r:id="rId4"/>
+              </a:rPr>
+              <a:t>https://ru.wikipedia.org/wiki/</a:t>
+            </a:r>
+            <a:r>
+              <a:rPr lang="ru-RU" sz="500" dirty="0" err="1" smtClean="0">
+                <a:hlinkClick r:id="rId4"/>
+              </a:rPr>
+              <a:t>Чула_Чакрабон</a:t>
+            </a:r>
+            <a:r>
+              <a:rPr lang="ru-RU" sz="500" dirty="0" smtClean="0"/>
+              <a:t>) </a:t>
             </a:r>
             <a:endParaRPr lang="ru-RU" sz="1400" dirty="0"/>
           </a:p>
@@ -23456,13 +23609,13 @@
       </p:sp>
       <p:sp>
         <p:nvSpPr>
-          <p:cNvPr id="521" name="Прямоугольник 520"/>
+          <p:cNvPr id="596" name="Прямоугольник 595"/>
           <p:cNvSpPr/>
           <p:nvPr/>
         </p:nvSpPr>
         <p:spPr>
           <a:xfrm>
-            <a:off x="33423689" y="21473047"/>
+            <a:off x="26827522" y="173291"/>
             <a:ext cx="2115918" cy="1080000"/>
           </a:xfrm>
           <a:prstGeom prst="rect">
@@ -23494,20 +23647,37 @@
             <a:pPr algn="ctr"/>
             <a:r>
               <a:rPr lang="ru-RU" sz="1400" dirty="0" smtClean="0"/>
-              <a:t>Коронация нового короля</a:t>
-            </a:r>
-          </a:p>
-        </p:txBody>
-      </p:sp>
-      <p:sp>
-        <p:nvSpPr>
-          <p:cNvPr id="523" name="Прямоугольник 522"/>
+              <a:t>Вернуть трон Раме </a:t>
+            </a:r>
+            <a:r>
+              <a:rPr lang="en-US" sz="1400" dirty="0" smtClean="0"/>
+              <a:t>VIII (</a:t>
+            </a:r>
+            <a:r>
+              <a:rPr lang="ru-RU" sz="1400" dirty="0" smtClean="0"/>
+              <a:t>Ананда </a:t>
+            </a:r>
+            <a:r>
+              <a:rPr lang="ru-RU" sz="1400" dirty="0" err="1" smtClean="0"/>
+              <a:t>Махидон</a:t>
+            </a:r>
+            <a:r>
+              <a:rPr lang="en-US" sz="1400" dirty="0" smtClean="0"/>
+              <a:t>)</a:t>
+            </a:r>
+            <a:endParaRPr lang="ru-RU" sz="1400" dirty="0" smtClean="0"/>
+          </a:p>
+        </p:txBody>
+      </p:sp>
+      <p:sp>
+        <p:nvSpPr>
+          <p:cNvPr id="598" name="Прямоугольник 597"/>
           <p:cNvSpPr/>
           <p:nvPr/>
         </p:nvSpPr>
         <p:spPr>
           <a:xfrm>
-            <a:off x="35741764" y="21473047"/>
+            <a:off x="29979139" y="22920847"/>
             <a:ext cx="2115918" cy="1080000"/>
           </a:xfrm>
           <a:prstGeom prst="rect">
@@ -23537,23 +23707,31 @@
           <a:lstStyle/>
           <a:p>
             <a:pPr algn="ctr"/>
+            <a:r>
+              <a:rPr lang="ru-RU" sz="1400" dirty="0" smtClean="0"/>
+              <a:t>Реформирование армии принцем </a:t>
+            </a:r>
+            <a:r>
+              <a:rPr lang="ru-RU" sz="1400" dirty="0" err="1" smtClean="0"/>
+              <a:t>Боворадетом</a:t>
+            </a:r>
             <a:endParaRPr lang="ru-RU" sz="1400" dirty="0"/>
           </a:p>
         </p:txBody>
       </p:sp>
       <p:cxnSp>
         <p:nvCxnSpPr>
-          <p:cNvPr id="528" name="Shape 248"/>
-          <p:cNvCxnSpPr>
-            <a:stCxn id="140" idx="2"/>
-            <a:endCxn id="523" idx="0"/>
+          <p:cNvPr id="599" name="Shape 248"/>
+          <p:cNvCxnSpPr>
+            <a:stCxn id="423" idx="2"/>
+            <a:endCxn id="598" idx="0"/>
           </p:cNvCxnSpPr>
           <p:nvPr/>
         </p:nvCxnSpPr>
         <p:spPr>
           <a:xfrm rot="16200000" flipH="1">
-            <a:off x="36043694" y="20717017"/>
-            <a:ext cx="347675" cy="1164384"/>
+            <a:off x="29691614" y="21575363"/>
+            <a:ext cx="367564" cy="2323403"/>
           </a:xfrm>
           <a:prstGeom prst="bentConnector3">
             <a:avLst>
@@ -23579,19 +23757,233 @@
           </a:fontRef>
         </p:style>
       </p:cxnSp>
-      <p:cxnSp>
-        <p:nvCxnSpPr>
-          <p:cNvPr id="530" name="Shape 248"/>
-          <p:cNvCxnSpPr>
-            <a:stCxn id="140" idx="2"/>
-            <a:endCxn id="521" idx="0"/>
-          </p:cNvCxnSpPr>
-          <p:nvPr/>
-        </p:nvCxnSpPr>
-        <p:spPr>
-          <a:xfrm rot="5400000">
-            <a:off x="34884657" y="20722364"/>
-            <a:ext cx="347675" cy="1153691"/>
+      <p:sp>
+        <p:nvSpPr>
+          <p:cNvPr id="608" name="Прямоугольник 607"/>
+          <p:cNvSpPr/>
+          <p:nvPr/>
+        </p:nvSpPr>
+        <p:spPr>
+          <a:xfrm>
+            <a:off x="35741764" y="22892272"/>
+            <a:ext cx="2115918" cy="1080000"/>
+          </a:xfrm>
+          <a:prstGeom prst="rect">
+            <a:avLst/>
+          </a:prstGeom>
+          <a:solidFill>
+            <a:srgbClr val="CC00CC"/>
+          </a:solidFill>
+          <a:ln w="28575"/>
+        </p:spPr>
+        <p:style>
+          <a:lnRef idx="2">
+            <a:schemeClr val="accent1"/>
+          </a:lnRef>
+          <a:fillRef idx="1">
+            <a:schemeClr val="lt1"/>
+          </a:fillRef>
+          <a:effectRef idx="0">
+            <a:schemeClr val="accent1"/>
+          </a:effectRef>
+          <a:fontRef idx="minor">
+            <a:schemeClr val="dk1"/>
+          </a:fontRef>
+        </p:style>
+        <p:txBody>
+          <a:bodyPr lIns="124733" tIns="62367" rIns="124733" bIns="62367" rtlCol="0" anchor="ctr"/>
+          <a:lstStyle/>
+          <a:p>
+            <a:pPr algn="ctr"/>
+            <a:r>
+              <a:rPr lang="ru-RU" sz="1400" dirty="0" smtClean="0"/>
+              <a:t>Миграционный закон</a:t>
+            </a:r>
+            <a:endParaRPr lang="ru-RU" sz="400" dirty="0"/>
+          </a:p>
+        </p:txBody>
+      </p:sp>
+      <p:sp>
+        <p:nvSpPr>
+          <p:cNvPr id="614" name="Прямоугольник 613"/>
+          <p:cNvSpPr/>
+          <p:nvPr/>
+        </p:nvSpPr>
+        <p:spPr>
+          <a:xfrm>
+            <a:off x="29979139" y="24372119"/>
+            <a:ext cx="2115918" cy="1080000"/>
+          </a:xfrm>
+          <a:prstGeom prst="rect">
+            <a:avLst/>
+          </a:prstGeom>
+          <a:solidFill>
+            <a:srgbClr val="CC00CC"/>
+          </a:solidFill>
+          <a:ln w="28575"/>
+        </p:spPr>
+        <p:style>
+          <a:lnRef idx="2">
+            <a:schemeClr val="accent1"/>
+          </a:lnRef>
+          <a:fillRef idx="1">
+            <a:schemeClr val="lt1"/>
+          </a:fillRef>
+          <a:effectRef idx="0">
+            <a:schemeClr val="accent1"/>
+          </a:effectRef>
+          <a:fontRef idx="minor">
+            <a:schemeClr val="dk1"/>
+          </a:fontRef>
+        </p:style>
+        <p:txBody>
+          <a:bodyPr lIns="124733" tIns="62367" rIns="124733" bIns="62367" rtlCol="0" anchor="ctr"/>
+          <a:lstStyle/>
+          <a:p>
+            <a:pPr algn="ctr"/>
+            <a:r>
+              <a:rPr lang="ru-RU" sz="1400" dirty="0" smtClean="0"/>
+              <a:t>Расширить набор в скаутские организации</a:t>
+            </a:r>
+            <a:endParaRPr lang="ru-RU" sz="1400" dirty="0"/>
+          </a:p>
+        </p:txBody>
+      </p:sp>
+      <p:cxnSp>
+        <p:nvCxnSpPr>
+          <p:cNvPr id="615" name="Прямая со стрелкой 614"/>
+          <p:cNvCxnSpPr>
+            <a:stCxn id="742" idx="2"/>
+            <a:endCxn id="608" idx="0"/>
+          </p:cNvCxnSpPr>
+          <p:nvPr/>
+        </p:nvCxnSpPr>
+        <p:spPr>
+          <a:xfrm>
+            <a:off x="36799459" y="22546034"/>
+            <a:ext cx="264" cy="346238"/>
+          </a:xfrm>
+          <a:prstGeom prst="straightConnector1">
+            <a:avLst/>
+          </a:prstGeom>
+          <a:ln w="28575">
+            <a:tailEnd type="arrow"/>
+          </a:ln>
+        </p:spPr>
+        <p:style>
+          <a:lnRef idx="1">
+            <a:schemeClr val="accent1"/>
+          </a:lnRef>
+          <a:fillRef idx="0">
+            <a:schemeClr val="accent1"/>
+          </a:fillRef>
+          <a:effectRef idx="0">
+            <a:schemeClr val="accent1"/>
+          </a:effectRef>
+          <a:fontRef idx="minor">
+            <a:schemeClr val="tx1"/>
+          </a:fontRef>
+        </p:style>
+      </p:cxnSp>
+      <p:sp>
+        <p:nvSpPr>
+          <p:cNvPr id="621" name="Прямоугольник 620"/>
+          <p:cNvSpPr/>
+          <p:nvPr/>
+        </p:nvSpPr>
+        <p:spPr>
+          <a:xfrm>
+            <a:off x="36884765" y="24335980"/>
+            <a:ext cx="2115918" cy="1080000"/>
+          </a:xfrm>
+          <a:prstGeom prst="rect">
+            <a:avLst/>
+          </a:prstGeom>
+          <a:solidFill>
+            <a:srgbClr val="CC00CC"/>
+          </a:solidFill>
+          <a:ln w="28575"/>
+        </p:spPr>
+        <p:style>
+          <a:lnRef idx="2">
+            <a:schemeClr val="accent1"/>
+          </a:lnRef>
+          <a:fillRef idx="1">
+            <a:schemeClr val="lt1"/>
+          </a:fillRef>
+          <a:effectRef idx="0">
+            <a:schemeClr val="accent1"/>
+          </a:effectRef>
+          <a:fontRef idx="minor">
+            <a:schemeClr val="dk1"/>
+          </a:fontRef>
+        </p:style>
+        <p:txBody>
+          <a:bodyPr lIns="124733" tIns="62367" rIns="124733" bIns="62367" rtlCol="0" anchor="ctr"/>
+          <a:lstStyle/>
+          <a:p>
+            <a:pPr algn="ctr"/>
+            <a:r>
+              <a:rPr lang="ru-RU" sz="1400" dirty="0" smtClean="0"/>
+              <a:t>Общенациональная ирригационная </a:t>
+            </a:r>
+            <a:r>
+              <a:rPr lang="ru-RU" sz="1400" dirty="0" smtClean="0"/>
+              <a:t>система</a:t>
+            </a:r>
+            <a:endParaRPr lang="ru-RU" sz="700" dirty="0" smtClean="0"/>
+          </a:p>
+        </p:txBody>
+      </p:sp>
+      <p:cxnSp>
+        <p:nvCxnSpPr>
+          <p:cNvPr id="629" name="Прямая со стрелкой 628"/>
+          <p:cNvCxnSpPr>
+            <a:stCxn id="598" idx="2"/>
+            <a:endCxn id="614" idx="0"/>
+          </p:cNvCxnSpPr>
+          <p:nvPr/>
+        </p:nvCxnSpPr>
+        <p:spPr>
+          <a:xfrm>
+            <a:off x="31037098" y="24000847"/>
+            <a:ext cx="0" cy="371272"/>
+          </a:xfrm>
+          <a:prstGeom prst="straightConnector1">
+            <a:avLst/>
+          </a:prstGeom>
+          <a:ln w="28575">
+            <a:tailEnd type="arrow"/>
+          </a:ln>
+        </p:spPr>
+        <p:style>
+          <a:lnRef idx="1">
+            <a:schemeClr val="accent1"/>
+          </a:lnRef>
+          <a:fillRef idx="0">
+            <a:schemeClr val="accent1"/>
+          </a:fillRef>
+          <a:effectRef idx="0">
+            <a:schemeClr val="accent1"/>
+          </a:effectRef>
+          <a:fontRef idx="minor">
+            <a:schemeClr val="tx1"/>
+          </a:fontRef>
+        </p:style>
+      </p:cxnSp>
+      <p:cxnSp>
+        <p:nvCxnSpPr>
+          <p:cNvPr id="634" name="Shape 248"/>
+          <p:cNvCxnSpPr>
+            <a:stCxn id="608" idx="2"/>
+            <a:endCxn id="621" idx="0"/>
+          </p:cNvCxnSpPr>
+          <p:nvPr/>
+        </p:nvCxnSpPr>
+        <p:spPr>
+          <a:xfrm rot="16200000" flipH="1">
+            <a:off x="37189369" y="23582625"/>
+            <a:ext cx="363708" cy="1143001"/>
           </a:xfrm>
           <a:prstGeom prst="bentConnector3">
             <a:avLst>
@@ -23619,17 +24011,105 @@
       </p:cxnSp>
       <p:cxnSp>
         <p:nvCxnSpPr>
-          <p:cNvPr id="531" name="Shape 248"/>
-          <p:cNvCxnSpPr>
-            <a:stCxn id="139" idx="2"/>
-            <a:endCxn id="519" idx="0"/>
+          <p:cNvPr id="637" name="Shape 248"/>
+          <p:cNvCxnSpPr>
+            <a:stCxn id="497" idx="2"/>
+            <a:endCxn id="621" idx="0"/>
           </p:cNvCxnSpPr>
           <p:nvPr/>
         </p:nvCxnSpPr>
         <p:spPr>
           <a:xfrm rot="5400000">
-            <a:off x="34223090" y="18633706"/>
-            <a:ext cx="516846" cy="2307653"/>
+            <a:off x="37625225" y="22861022"/>
+            <a:ext cx="1792458" cy="1157459"/>
+          </a:xfrm>
+          <a:prstGeom prst="bentConnector3">
+            <a:avLst>
+              <a:gd name="adj1" fmla="val 9646"/>
+            </a:avLst>
+          </a:prstGeom>
+          <a:ln w="28575">
+            <a:tailEnd type="arrow"/>
+          </a:ln>
+        </p:spPr>
+        <p:style>
+          <a:lnRef idx="1">
+            <a:schemeClr val="accent1"/>
+          </a:lnRef>
+          <a:fillRef idx="0">
+            <a:schemeClr val="accent1"/>
+          </a:fillRef>
+          <a:effectRef idx="0">
+            <a:schemeClr val="accent1"/>
+          </a:effectRef>
+          <a:fontRef idx="minor">
+            <a:schemeClr val="tx1"/>
+          </a:fontRef>
+        </p:style>
+      </p:cxnSp>
+      <p:sp>
+        <p:nvSpPr>
+          <p:cNvPr id="642" name="Прямоугольник 641"/>
+          <p:cNvSpPr/>
+          <p:nvPr/>
+        </p:nvSpPr>
+        <p:spPr>
+          <a:xfrm>
+            <a:off x="32299739" y="22911322"/>
+            <a:ext cx="2115918" cy="1080000"/>
+          </a:xfrm>
+          <a:prstGeom prst="rect">
+            <a:avLst/>
+          </a:prstGeom>
+          <a:solidFill>
+            <a:srgbClr val="CC00CC"/>
+          </a:solidFill>
+          <a:ln w="28575"/>
+        </p:spPr>
+        <p:style>
+          <a:lnRef idx="2">
+            <a:schemeClr val="accent1"/>
+          </a:lnRef>
+          <a:fillRef idx="1">
+            <a:schemeClr val="lt1"/>
+          </a:fillRef>
+          <a:effectRef idx="0">
+            <a:schemeClr val="accent1"/>
+          </a:effectRef>
+          <a:fontRef idx="minor">
+            <a:schemeClr val="dk1"/>
+          </a:fontRef>
+        </p:style>
+        <p:txBody>
+          <a:bodyPr lIns="124733" tIns="62367" rIns="124733" bIns="62367" rtlCol="0" anchor="ctr"/>
+          <a:lstStyle/>
+          <a:p>
+            <a:pPr algn="ctr"/>
+            <a:r>
+              <a:rPr lang="ru-RU" sz="1400" dirty="0"/>
+              <a:t>Поддержка королевских </a:t>
+            </a:r>
+            <a:r>
+              <a:rPr lang="ru-RU" sz="1400" dirty="0" smtClean="0"/>
+              <a:t>кампаний</a:t>
+            </a:r>
+            <a:endParaRPr lang="ru-RU" sz="1400" dirty="0"/>
+          </a:p>
+        </p:txBody>
+      </p:sp>
+      <p:cxnSp>
+        <p:nvCxnSpPr>
+          <p:cNvPr id="643" name="Shape 248"/>
+          <p:cNvCxnSpPr>
+            <a:stCxn id="487" idx="2"/>
+            <a:endCxn id="642" idx="0"/>
+          </p:cNvCxnSpPr>
+          <p:nvPr/>
+        </p:nvCxnSpPr>
+        <p:spPr>
+          <a:xfrm rot="16200000" flipH="1">
+            <a:off x="32594198" y="22147821"/>
+            <a:ext cx="358275" cy="1168726"/>
           </a:xfrm>
           <a:prstGeom prst="bentConnector3">
             <a:avLst>
@@ -23655,53 +24135,15 @@
           </a:fontRef>
         </p:style>
       </p:cxnSp>
-      <p:cxnSp>
-        <p:nvCxnSpPr>
-          <p:cNvPr id="533" name="Прямая соединительная линия 532"/>
-          <p:cNvCxnSpPr>
-            <a:stCxn id="469" idx="3"/>
-            <a:endCxn id="451" idx="1"/>
-          </p:cNvCxnSpPr>
-          <p:nvPr/>
-        </p:nvCxnSpPr>
-        <p:spPr>
-          <a:xfrm>
-            <a:off x="30927020" y="26335111"/>
-            <a:ext cx="3650360" cy="3672"/>
-          </a:xfrm>
-          <a:prstGeom prst="line">
-            <a:avLst/>
-          </a:prstGeom>
-          <a:ln w="38100">
-            <a:solidFill>
-              <a:srgbClr val="FF0000"/>
-            </a:solidFill>
-          </a:ln>
-        </p:spPr>
-        <p:style>
-          <a:lnRef idx="1">
-            <a:schemeClr val="accent2"/>
-          </a:lnRef>
-          <a:fillRef idx="0">
-            <a:schemeClr val="accent2"/>
-          </a:fillRef>
-          <a:effectRef idx="0">
-            <a:schemeClr val="accent2"/>
-          </a:effectRef>
-          <a:fontRef idx="minor">
-            <a:schemeClr val="tx1"/>
-          </a:fontRef>
-        </p:style>
-      </p:cxnSp>
-      <p:sp>
-        <p:nvSpPr>
-          <p:cNvPr id="572" name="Прямоугольник 571"/>
+      <p:sp>
+        <p:nvSpPr>
+          <p:cNvPr id="543" name="Прямоугольник 542"/>
           <p:cNvSpPr/>
           <p:nvPr/>
         </p:nvSpPr>
         <p:spPr>
           <a:xfrm>
-            <a:off x="39204356" y="20043028"/>
+            <a:off x="34577380" y="27207040"/>
             <a:ext cx="2115918" cy="1080000"/>
           </a:xfrm>
           <a:prstGeom prst="rect">
@@ -23733,175 +24175,21 @@
             <a:pPr algn="ctr"/>
             <a:r>
               <a:rPr lang="ru-RU" sz="1400" dirty="0" smtClean="0"/>
-              <a:t>Синяя армия</a:t>
+              <a:t>Южный вопрос</a:t>
             </a:r>
             <a:endParaRPr lang="ru-RU" sz="1400" dirty="0"/>
           </a:p>
         </p:txBody>
       </p:sp>
-      <p:cxnSp>
-        <p:nvCxnSpPr>
-          <p:cNvPr id="573" name="Shape 248"/>
-          <p:cNvCxnSpPr>
-            <a:stCxn id="489" idx="2"/>
-            <a:endCxn id="487" idx="0"/>
-          </p:cNvCxnSpPr>
-          <p:nvPr/>
-        </p:nvCxnSpPr>
-        <p:spPr>
-          <a:xfrm rot="16200000" flipH="1">
-            <a:off x="31431009" y="20715083"/>
-            <a:ext cx="350019" cy="1165907"/>
-          </a:xfrm>
-          <a:prstGeom prst="bentConnector3">
-            <a:avLst>
-              <a:gd name="adj1" fmla="val 50000"/>
-            </a:avLst>
-          </a:prstGeom>
-          <a:ln w="28575">
-            <a:prstDash val="dash"/>
-            <a:tailEnd type="arrow"/>
-          </a:ln>
-        </p:spPr>
-        <p:style>
-          <a:lnRef idx="1">
-            <a:schemeClr val="accent1"/>
-          </a:lnRef>
-          <a:fillRef idx="0">
-            <a:schemeClr val="accent1"/>
-          </a:fillRef>
-          <a:effectRef idx="0">
-            <a:schemeClr val="accent1"/>
-          </a:effectRef>
-          <a:fontRef idx="minor">
-            <a:schemeClr val="tx1"/>
-          </a:fontRef>
-        </p:style>
-      </p:cxnSp>
-      <p:cxnSp>
-        <p:nvCxnSpPr>
-          <p:cNvPr id="578" name="Shape 248"/>
-          <p:cNvCxnSpPr>
-            <a:stCxn id="519" idx="2"/>
-            <a:endCxn id="487" idx="0"/>
-          </p:cNvCxnSpPr>
-          <p:nvPr/>
-        </p:nvCxnSpPr>
-        <p:spPr>
-          <a:xfrm rot="5400000">
-            <a:off x="32584783" y="20730144"/>
-            <a:ext cx="347092" cy="1138714"/>
-          </a:xfrm>
-          <a:prstGeom prst="bentConnector3">
-            <a:avLst>
-              <a:gd name="adj1" fmla="val 50000"/>
-            </a:avLst>
-          </a:prstGeom>
-          <a:ln w="28575">
-            <a:prstDash val="dash"/>
-            <a:tailEnd type="arrow"/>
-          </a:ln>
-        </p:spPr>
-        <p:style>
-          <a:lnRef idx="1">
-            <a:schemeClr val="accent1"/>
-          </a:lnRef>
-          <a:fillRef idx="0">
-            <a:schemeClr val="accent1"/>
-          </a:fillRef>
-          <a:effectRef idx="0">
-            <a:schemeClr val="accent1"/>
-          </a:effectRef>
-          <a:fontRef idx="minor">
-            <a:schemeClr val="tx1"/>
-          </a:fontRef>
-        </p:style>
-      </p:cxnSp>
-      <p:cxnSp>
-        <p:nvCxnSpPr>
-          <p:cNvPr id="585" name="Прямая соединительная линия 584"/>
-          <p:cNvCxnSpPr>
-            <a:stCxn id="489" idx="3"/>
-            <a:endCxn id="519" idx="1"/>
-          </p:cNvCxnSpPr>
-          <p:nvPr/>
-        </p:nvCxnSpPr>
-        <p:spPr>
-          <a:xfrm>
-            <a:off x="32081024" y="20583028"/>
-            <a:ext cx="188703" cy="2927"/>
-          </a:xfrm>
-          <a:prstGeom prst="line">
-            <a:avLst/>
-          </a:prstGeom>
-          <a:ln w="38100">
-            <a:solidFill>
-              <a:srgbClr val="FF0000"/>
-            </a:solidFill>
-          </a:ln>
-        </p:spPr>
-        <p:style>
-          <a:lnRef idx="1">
-            <a:schemeClr val="accent2"/>
-          </a:lnRef>
-          <a:fillRef idx="0">
-            <a:schemeClr val="accent2"/>
-          </a:fillRef>
-          <a:effectRef idx="0">
-            <a:schemeClr val="accent2"/>
-          </a:effectRef>
-          <a:fontRef idx="minor">
-            <a:schemeClr val="tx1"/>
-          </a:fontRef>
-        </p:style>
-      </p:cxnSp>
-      <p:cxnSp>
-        <p:nvCxnSpPr>
-          <p:cNvPr id="590" name="Shape 248"/>
-          <p:cNvCxnSpPr>
-            <a:stCxn id="139" idx="2"/>
-            <a:endCxn id="572" idx="0"/>
-          </p:cNvCxnSpPr>
-          <p:nvPr/>
-        </p:nvCxnSpPr>
-        <p:spPr>
-          <a:xfrm rot="16200000" flipH="1">
-            <a:off x="37691868" y="17472580"/>
-            <a:ext cx="513919" cy="4626976"/>
-          </a:xfrm>
-          <a:prstGeom prst="bentConnector3">
-            <a:avLst>
-              <a:gd name="adj1" fmla="val 50000"/>
-            </a:avLst>
-          </a:prstGeom>
-          <a:ln w="28575">
-            <a:tailEnd type="arrow"/>
-          </a:ln>
-        </p:spPr>
-        <p:style>
-          <a:lnRef idx="1">
-            <a:schemeClr val="accent1"/>
-          </a:lnRef>
-          <a:fillRef idx="0">
-            <a:schemeClr val="accent1"/>
-          </a:fillRef>
-          <a:effectRef idx="0">
-            <a:schemeClr val="accent1"/>
-          </a:effectRef>
-          <a:fontRef idx="minor">
-            <a:schemeClr val="tx1"/>
-          </a:fontRef>
-        </p:style>
-      </p:cxnSp>
-      <p:sp>
-        <p:nvSpPr>
-          <p:cNvPr id="595" name="Прямоугольник 594"/>
+      <p:sp>
+        <p:nvSpPr>
+          <p:cNvPr id="546" name="Прямоугольник 545"/>
           <p:cNvSpPr/>
           <p:nvPr/>
         </p:nvSpPr>
         <p:spPr>
           <a:xfrm>
-            <a:off x="29450397" y="211391"/>
+            <a:off x="32299739" y="27202349"/>
             <a:ext cx="2115918" cy="1080000"/>
           </a:xfrm>
           <a:prstGeom prst="rect">
@@ -23933,77 +24221,7 @@
             <a:pPr algn="ctr"/>
             <a:r>
               <a:rPr lang="ru-RU" sz="1400" dirty="0" smtClean="0"/>
-              <a:t>Рама </a:t>
-            </a:r>
-            <a:r>
-              <a:rPr lang="en-US" sz="1400" dirty="0" smtClean="0"/>
-              <a:t>IX</a:t>
-            </a:r>
-            <a:r>
-              <a:rPr lang="ru-RU" sz="1400" dirty="0" smtClean="0"/>
-              <a:t> </a:t>
-            </a:r>
-            <a:r>
-              <a:rPr lang="ru-RU" sz="500" dirty="0" smtClean="0"/>
-              <a:t>(Порядок наследования трона в Таиланде был довольно сложным, и принц </a:t>
-            </a:r>
-            <a:r>
-              <a:rPr lang="ru-RU" sz="500" dirty="0" err="1" smtClean="0"/>
-              <a:t>Ананта</a:t>
-            </a:r>
-            <a:r>
-              <a:rPr lang="ru-RU" sz="500" dirty="0" smtClean="0"/>
-              <a:t>́ </a:t>
-            </a:r>
-            <a:r>
-              <a:rPr lang="ru-RU" sz="500" dirty="0" err="1" smtClean="0"/>
-              <a:t>Махидо́н</a:t>
-            </a:r>
-            <a:r>
-              <a:rPr lang="ru-RU" sz="500" dirty="0" smtClean="0"/>
-              <a:t> был первым в линии наследования, но его соперник, принц </a:t>
-            </a:r>
-            <a:r>
-              <a:rPr lang="ru-RU" sz="500" dirty="0" err="1" smtClean="0">
-                <a:hlinkClick r:id="rId3" tooltip="Чулачакрапонгсе (страница отсутствует)"/>
-              </a:rPr>
-              <a:t>Чулачакрапонгсе</a:t>
-            </a:r>
-            <a:r>
-              <a:rPr lang="ru-RU" sz="500" dirty="0" smtClean="0"/>
-              <a:t>, был ранее исключён из наследования и считал это исключение незаконным. Вопрос о наследовании решал кабинет министров, который интерпретировал закон в пользу </a:t>
-            </a:r>
-            <a:r>
-              <a:rPr lang="ru-RU" sz="500" dirty="0" err="1" smtClean="0"/>
-              <a:t>Ананты</a:t>
-            </a:r>
-            <a:r>
-              <a:rPr lang="ru-RU" sz="500" dirty="0" smtClean="0"/>
-              <a:t>́ </a:t>
-            </a:r>
-            <a:r>
-              <a:rPr lang="ru-RU" sz="500" dirty="0" err="1" smtClean="0"/>
-              <a:t>Махидо́на</a:t>
-            </a:r>
-            <a:r>
-              <a:rPr lang="ru-RU" sz="500" dirty="0" smtClean="0"/>
-              <a:t>.)(</a:t>
-            </a:r>
-            <a:r>
-              <a:rPr lang="en-US" sz="500" dirty="0" smtClean="0">
-                <a:hlinkClick r:id="rId4"/>
-              </a:rPr>
-              <a:t>https://ru.wikipedia.org/wiki/</a:t>
-            </a:r>
-            <a:r>
-              <a:rPr lang="ru-RU" sz="500" dirty="0" err="1" smtClean="0">
-                <a:hlinkClick r:id="rId4"/>
-              </a:rPr>
-              <a:t>Чула_Чакрабон</a:t>
-            </a:r>
-            <a:r>
-              <a:rPr lang="ru-RU" sz="500" dirty="0" smtClean="0"/>
-              <a:t>) </a:t>
+              <a:t>Вернуть Камбоджу под свою руку</a:t>
             </a:r>
             <a:endParaRPr lang="ru-RU" sz="1400" dirty="0"/>
           </a:p>
@@ -24011,13 +24229,13 @@
       </p:sp>
       <p:sp>
         <p:nvSpPr>
-          <p:cNvPr id="596" name="Прямоугольник 595"/>
+          <p:cNvPr id="547" name="Прямоугольник 546"/>
           <p:cNvSpPr/>
           <p:nvPr/>
         </p:nvSpPr>
         <p:spPr>
           <a:xfrm>
-            <a:off x="26827522" y="173291"/>
+            <a:off x="36884765" y="27212899"/>
             <a:ext cx="2115918" cy="1080000"/>
           </a:xfrm>
           <a:prstGeom prst="rect">
@@ -24049,37 +24267,21 @@
             <a:pPr algn="ctr"/>
             <a:r>
               <a:rPr lang="ru-RU" sz="1400" dirty="0" smtClean="0"/>
-              <a:t>Вернуть трон Раме </a:t>
-            </a:r>
-            <a:r>
-              <a:rPr lang="en-US" sz="1400" dirty="0" smtClean="0"/>
-              <a:t>VIII (</a:t>
-            </a:r>
-            <a:r>
-              <a:rPr lang="ru-RU" sz="1400" dirty="0" smtClean="0"/>
-              <a:t>Ананда </a:t>
-            </a:r>
-            <a:r>
-              <a:rPr lang="ru-RU" sz="1400" dirty="0" err="1" smtClean="0"/>
-              <a:t>Махидон</a:t>
-            </a:r>
-            <a:r>
-              <a:rPr lang="en-US" sz="1400" dirty="0" smtClean="0"/>
-              <a:t>)</a:t>
-            </a:r>
-            <a:endParaRPr lang="ru-RU" sz="1400" dirty="0" smtClean="0"/>
-          </a:p>
-        </p:txBody>
-      </p:sp>
-      <p:sp>
-        <p:nvSpPr>
-          <p:cNvPr id="598" name="Прямоугольник 597"/>
+              <a:t>Вернуть земли в Бирме</a:t>
+            </a:r>
+            <a:endParaRPr lang="ru-RU" sz="1400" dirty="0"/>
+          </a:p>
+        </p:txBody>
+      </p:sp>
+      <p:sp>
+        <p:nvSpPr>
+          <p:cNvPr id="550" name="Прямоугольник 549"/>
           <p:cNvSpPr/>
           <p:nvPr/>
         </p:nvSpPr>
         <p:spPr>
           <a:xfrm>
-            <a:off x="29979139" y="22920847"/>
+            <a:off x="33423689" y="28778840"/>
             <a:ext cx="2115918" cy="1080000"/>
           </a:xfrm>
           <a:prstGeom prst="rect">
@@ -24111,102 +24313,21 @@
             <a:pPr algn="ctr"/>
             <a:r>
               <a:rPr lang="ru-RU" sz="1400" dirty="0" smtClean="0"/>
-              <a:t>Реформирование армии принцем </a:t>
-            </a:r>
-            <a:r>
-              <a:rPr lang="ru-RU" sz="1400" dirty="0" err="1" smtClean="0"/>
-              <a:t>Бовондежем</a:t>
+              <a:t>Захват Лаоса</a:t>
             </a:r>
             <a:endParaRPr lang="ru-RU" sz="1400" dirty="0"/>
           </a:p>
         </p:txBody>
       </p:sp>
-      <p:cxnSp>
-        <p:nvCxnSpPr>
-          <p:cNvPr id="599" name="Shape 248"/>
-          <p:cNvCxnSpPr>
-            <a:stCxn id="423" idx="2"/>
-            <a:endCxn id="598" idx="0"/>
-          </p:cNvCxnSpPr>
-          <p:nvPr/>
-        </p:nvCxnSpPr>
-        <p:spPr>
-          <a:xfrm rot="16200000" flipH="1">
-            <a:off x="29691614" y="21575363"/>
-            <a:ext cx="367564" cy="2323403"/>
-          </a:xfrm>
-          <a:prstGeom prst="bentConnector3">
-            <a:avLst>
-              <a:gd name="adj1" fmla="val 50000"/>
-            </a:avLst>
-          </a:prstGeom>
-          <a:ln w="28575">
-            <a:tailEnd type="arrow"/>
-          </a:ln>
-        </p:spPr>
-        <p:style>
-          <a:lnRef idx="1">
-            <a:schemeClr val="accent1"/>
-          </a:lnRef>
-          <a:fillRef idx="0">
-            <a:schemeClr val="accent1"/>
-          </a:fillRef>
-          <a:effectRef idx="0">
-            <a:schemeClr val="accent1"/>
-          </a:effectRef>
-          <a:fontRef idx="minor">
-            <a:schemeClr val="tx1"/>
-          </a:fontRef>
-        </p:style>
-      </p:cxnSp>
-      <p:cxnSp>
-        <p:nvCxnSpPr>
-          <p:cNvPr id="605" name="Shape 248"/>
-          <p:cNvCxnSpPr>
-            <a:stCxn id="519" idx="2"/>
-            <a:endCxn id="423" idx="0"/>
-          </p:cNvCxnSpPr>
-          <p:nvPr/>
-        </p:nvCxnSpPr>
-        <p:spPr>
-          <a:xfrm rot="5400000">
-            <a:off x="30847027" y="18992624"/>
-            <a:ext cx="347328" cy="4613991"/>
-          </a:xfrm>
-          <a:prstGeom prst="bentConnector3">
-            <a:avLst>
-              <a:gd name="adj1" fmla="val 50000"/>
-            </a:avLst>
-          </a:prstGeom>
-          <a:ln w="28575">
-            <a:prstDash val="dash"/>
-            <a:tailEnd type="arrow"/>
-          </a:ln>
-        </p:spPr>
-        <p:style>
-          <a:lnRef idx="1">
-            <a:schemeClr val="accent1"/>
-          </a:lnRef>
-          <a:fillRef idx="0">
-            <a:schemeClr val="accent1"/>
-          </a:fillRef>
-          <a:effectRef idx="0">
-            <a:schemeClr val="accent1"/>
-          </a:effectRef>
-          <a:fontRef idx="minor">
-            <a:schemeClr val="tx1"/>
-          </a:fontRef>
-        </p:style>
-      </p:cxnSp>
-      <p:sp>
-        <p:nvSpPr>
-          <p:cNvPr id="608" name="Прямоугольник 607"/>
+      <p:sp>
+        <p:nvSpPr>
+          <p:cNvPr id="551" name="Прямоугольник 550"/>
           <p:cNvSpPr/>
           <p:nvPr/>
         </p:nvSpPr>
         <p:spPr>
           <a:xfrm>
-            <a:off x="35741764" y="22892272"/>
+            <a:off x="35741764" y="28778840"/>
             <a:ext cx="2115918" cy="1080000"/>
           </a:xfrm>
           <a:prstGeom prst="rect">
@@ -24238,575 +24359,11 @@
             <a:pPr algn="ctr"/>
             <a:r>
               <a:rPr lang="ru-RU" sz="1400" dirty="0" smtClean="0"/>
-              <a:t>Миграционный закон </a:t>
-            </a:r>
-            <a:r>
-              <a:rPr lang="ru-RU" sz="400" dirty="0" smtClean="0"/>
-              <a:t>(Закон о гражданстве 1913 года предусматривал, что любой ребенок, рожденный от тайского родителя в Сиаме или за границей, является гражданином Таиланда в соответствии с законодательством Таиланда. Все, кто родился в Сиаме, независимо от происхождения, считались тайцами. Это привело к контролируемому подходу к иммиграции, который был в основном ориентирован на мигрирующих китайцев и был введен из-за массовых опасений, что китайская иммиграция создаст угрозу коренному населению)</a:t>
-            </a:r>
-            <a:endParaRPr lang="ru-RU" sz="400" dirty="0"/>
-          </a:p>
-        </p:txBody>
-      </p:sp>
-      <p:sp>
-        <p:nvSpPr>
-          <p:cNvPr id="614" name="Прямоугольник 613"/>
-          <p:cNvSpPr/>
-          <p:nvPr/>
-        </p:nvSpPr>
-        <p:spPr>
-          <a:xfrm>
-            <a:off x="29979139" y="24197197"/>
-            <a:ext cx="2115918" cy="1080000"/>
-          </a:xfrm>
-          <a:prstGeom prst="rect">
-            <a:avLst/>
-          </a:prstGeom>
-          <a:solidFill>
-            <a:srgbClr val="CC00CC"/>
-          </a:solidFill>
-          <a:ln w="28575"/>
-        </p:spPr>
-        <p:style>
-          <a:lnRef idx="2">
-            <a:schemeClr val="accent1"/>
-          </a:lnRef>
-          <a:fillRef idx="1">
-            <a:schemeClr val="lt1"/>
-          </a:fillRef>
-          <a:effectRef idx="0">
-            <a:schemeClr val="accent1"/>
-          </a:effectRef>
-          <a:fontRef idx="minor">
-            <a:schemeClr val="dk1"/>
-          </a:fontRef>
-        </p:style>
-        <p:txBody>
-          <a:bodyPr lIns="124733" tIns="62367" rIns="124733" bIns="62367" rtlCol="0" anchor="ctr"/>
-          <a:lstStyle/>
-          <a:p>
-            <a:pPr algn="ctr"/>
+              <a:t>Интегрировать север </a:t>
+            </a:r>
             <a:r>
               <a:rPr lang="ru-RU" sz="1400" dirty="0" smtClean="0"/>
-              <a:t>Расширить набор в скаутские организации</a:t>
-            </a:r>
-            <a:endParaRPr lang="ru-RU" sz="1400" dirty="0"/>
-          </a:p>
-        </p:txBody>
-      </p:sp>
-      <p:cxnSp>
-        <p:nvCxnSpPr>
-          <p:cNvPr id="615" name="Прямая со стрелкой 614"/>
-          <p:cNvCxnSpPr>
-            <a:stCxn id="523" idx="2"/>
-            <a:endCxn id="608" idx="0"/>
-          </p:cNvCxnSpPr>
-          <p:nvPr/>
-        </p:nvCxnSpPr>
-        <p:spPr>
-          <a:xfrm>
-            <a:off x="36799723" y="22553047"/>
-            <a:ext cx="0" cy="339225"/>
-          </a:xfrm>
-          <a:prstGeom prst="straightConnector1">
-            <a:avLst/>
-          </a:prstGeom>
-          <a:ln w="28575">
-            <a:tailEnd type="arrow"/>
-          </a:ln>
-        </p:spPr>
-        <p:style>
-          <a:lnRef idx="1">
-            <a:schemeClr val="accent1"/>
-          </a:lnRef>
-          <a:fillRef idx="0">
-            <a:schemeClr val="accent1"/>
-          </a:fillRef>
-          <a:effectRef idx="0">
-            <a:schemeClr val="accent1"/>
-          </a:effectRef>
-          <a:fontRef idx="minor">
-            <a:schemeClr val="tx1"/>
-          </a:fontRef>
-        </p:style>
-      </p:cxnSp>
-      <p:sp>
-        <p:nvSpPr>
-          <p:cNvPr id="621" name="Прямоугольник 620"/>
-          <p:cNvSpPr/>
-          <p:nvPr/>
-        </p:nvSpPr>
-        <p:spPr>
-          <a:xfrm>
-            <a:off x="36884765" y="24335980"/>
-            <a:ext cx="2115918" cy="1080000"/>
-          </a:xfrm>
-          <a:prstGeom prst="rect">
-            <a:avLst/>
-          </a:prstGeom>
-          <a:solidFill>
-            <a:srgbClr val="CC00CC"/>
-          </a:solidFill>
-          <a:ln w="28575"/>
-        </p:spPr>
-        <p:style>
-          <a:lnRef idx="2">
-            <a:schemeClr val="accent1"/>
-          </a:lnRef>
-          <a:fillRef idx="1">
-            <a:schemeClr val="lt1"/>
-          </a:fillRef>
-          <a:effectRef idx="0">
-            <a:schemeClr val="accent1"/>
-          </a:effectRef>
-          <a:fontRef idx="minor">
-            <a:schemeClr val="dk1"/>
-          </a:fontRef>
-        </p:style>
-        <p:txBody>
-          <a:bodyPr lIns="124733" tIns="62367" rIns="124733" bIns="62367" rtlCol="0" anchor="ctr"/>
-          <a:lstStyle/>
-          <a:p>
-            <a:pPr algn="ctr"/>
-            <a:r>
-              <a:rPr lang="ru-RU" sz="1400" dirty="0" smtClean="0"/>
-              <a:t>Общенациональная ирригационная система </a:t>
-            </a:r>
-            <a:r>
-              <a:rPr lang="ru-RU" sz="700" dirty="0" smtClean="0"/>
-              <a:t>(</a:t>
-            </a:r>
-            <a:r>
-              <a:rPr lang="ru-RU" sz="700" dirty="0" err="1" smtClean="0"/>
-              <a:t>оздал</a:t>
-            </a:r>
-            <a:r>
-              <a:rPr lang="ru-RU" sz="700" dirty="0" smtClean="0"/>
-              <a:t> общенациональную ирригационную систему, поднявшую продуктивность рисоводства и способствовавшую выходу Таиланда на первые места в мире по экспорту риса)</a:t>
-            </a:r>
-          </a:p>
-        </p:txBody>
-      </p:sp>
-      <p:cxnSp>
-        <p:nvCxnSpPr>
-          <p:cNvPr id="629" name="Прямая со стрелкой 628"/>
-          <p:cNvCxnSpPr>
-            <a:stCxn id="598" idx="2"/>
-            <a:endCxn id="614" idx="0"/>
-          </p:cNvCxnSpPr>
-          <p:nvPr/>
-        </p:nvCxnSpPr>
-        <p:spPr>
-          <a:xfrm>
-            <a:off x="31037098" y="24000847"/>
-            <a:ext cx="0" cy="196350"/>
-          </a:xfrm>
-          <a:prstGeom prst="straightConnector1">
-            <a:avLst/>
-          </a:prstGeom>
-          <a:ln w="28575">
-            <a:tailEnd type="arrow"/>
-          </a:ln>
-        </p:spPr>
-        <p:style>
-          <a:lnRef idx="1">
-            <a:schemeClr val="accent1"/>
-          </a:lnRef>
-          <a:fillRef idx="0">
-            <a:schemeClr val="accent1"/>
-          </a:fillRef>
-          <a:effectRef idx="0">
-            <a:schemeClr val="accent1"/>
-          </a:effectRef>
-          <a:fontRef idx="minor">
-            <a:schemeClr val="tx1"/>
-          </a:fontRef>
-        </p:style>
-      </p:cxnSp>
-      <p:cxnSp>
-        <p:nvCxnSpPr>
-          <p:cNvPr id="634" name="Shape 248"/>
-          <p:cNvCxnSpPr>
-            <a:stCxn id="608" idx="2"/>
-            <a:endCxn id="621" idx="0"/>
-          </p:cNvCxnSpPr>
-          <p:nvPr/>
-        </p:nvCxnSpPr>
-        <p:spPr>
-          <a:xfrm rot="16200000" flipH="1">
-            <a:off x="37189369" y="23582625"/>
-            <a:ext cx="363708" cy="1143001"/>
-          </a:xfrm>
-          <a:prstGeom prst="bentConnector3">
-            <a:avLst>
-              <a:gd name="adj1" fmla="val 50000"/>
-            </a:avLst>
-          </a:prstGeom>
-          <a:ln w="28575">
-            <a:tailEnd type="arrow"/>
-          </a:ln>
-        </p:spPr>
-        <p:style>
-          <a:lnRef idx="1">
-            <a:schemeClr val="accent1"/>
-          </a:lnRef>
-          <a:fillRef idx="0">
-            <a:schemeClr val="accent1"/>
-          </a:fillRef>
-          <a:effectRef idx="0">
-            <a:schemeClr val="accent1"/>
-          </a:effectRef>
-          <a:fontRef idx="minor">
-            <a:schemeClr val="tx1"/>
-          </a:fontRef>
-        </p:style>
-      </p:cxnSp>
-      <p:cxnSp>
-        <p:nvCxnSpPr>
-          <p:cNvPr id="637" name="Shape 248"/>
-          <p:cNvCxnSpPr>
-            <a:stCxn id="497" idx="2"/>
-            <a:endCxn id="621" idx="0"/>
-          </p:cNvCxnSpPr>
-          <p:nvPr/>
-        </p:nvCxnSpPr>
-        <p:spPr>
-          <a:xfrm rot="5400000">
-            <a:off x="37625225" y="22861022"/>
-            <a:ext cx="1792458" cy="1157459"/>
-          </a:xfrm>
-          <a:prstGeom prst="bentConnector3">
-            <a:avLst>
-              <a:gd name="adj1" fmla="val 9646"/>
-            </a:avLst>
-          </a:prstGeom>
-          <a:ln w="28575">
-            <a:tailEnd type="arrow"/>
-          </a:ln>
-        </p:spPr>
-        <p:style>
-          <a:lnRef idx="1">
-            <a:schemeClr val="accent1"/>
-          </a:lnRef>
-          <a:fillRef idx="0">
-            <a:schemeClr val="accent1"/>
-          </a:fillRef>
-          <a:effectRef idx="0">
-            <a:schemeClr val="accent1"/>
-          </a:effectRef>
-          <a:fontRef idx="minor">
-            <a:schemeClr val="tx1"/>
-          </a:fontRef>
-        </p:style>
-      </p:cxnSp>
-      <p:sp>
-        <p:nvSpPr>
-          <p:cNvPr id="642" name="Прямоугольник 641"/>
-          <p:cNvSpPr/>
-          <p:nvPr/>
-        </p:nvSpPr>
-        <p:spPr>
-          <a:xfrm>
-            <a:off x="32299739" y="22911322"/>
-            <a:ext cx="2115918" cy="1080000"/>
-          </a:xfrm>
-          <a:prstGeom prst="rect">
-            <a:avLst/>
-          </a:prstGeom>
-          <a:solidFill>
-            <a:srgbClr val="CC00CC"/>
-          </a:solidFill>
-          <a:ln w="28575"/>
-        </p:spPr>
-        <p:style>
-          <a:lnRef idx="2">
-            <a:schemeClr val="accent1"/>
-          </a:lnRef>
-          <a:fillRef idx="1">
-            <a:schemeClr val="lt1"/>
-          </a:fillRef>
-          <a:effectRef idx="0">
-            <a:schemeClr val="accent1"/>
-          </a:effectRef>
-          <a:fontRef idx="minor">
-            <a:schemeClr val="dk1"/>
-          </a:fontRef>
-        </p:style>
-        <p:txBody>
-          <a:bodyPr lIns="124733" tIns="62367" rIns="124733" bIns="62367" rtlCol="0" anchor="ctr"/>
-          <a:lstStyle/>
-          <a:p>
-            <a:pPr algn="ctr"/>
-            <a:r>
-              <a:rPr lang="ru-RU" sz="1400" dirty="0" smtClean="0"/>
-              <a:t>Королевский культ</a:t>
-            </a:r>
-          </a:p>
-        </p:txBody>
-      </p:sp>
-      <p:cxnSp>
-        <p:nvCxnSpPr>
-          <p:cNvPr id="643" name="Shape 248"/>
-          <p:cNvCxnSpPr>
-            <a:stCxn id="487" idx="2"/>
-            <a:endCxn id="642" idx="0"/>
-          </p:cNvCxnSpPr>
-          <p:nvPr/>
-        </p:nvCxnSpPr>
-        <p:spPr>
-          <a:xfrm rot="16200000" flipH="1">
-            <a:off x="32594198" y="22147821"/>
-            <a:ext cx="358275" cy="1168726"/>
-          </a:xfrm>
-          <a:prstGeom prst="bentConnector3">
-            <a:avLst>
-              <a:gd name="adj1" fmla="val 50000"/>
-            </a:avLst>
-          </a:prstGeom>
-          <a:ln w="28575">
-            <a:tailEnd type="arrow"/>
-          </a:ln>
-        </p:spPr>
-        <p:style>
-          <a:lnRef idx="1">
-            <a:schemeClr val="accent1"/>
-          </a:lnRef>
-          <a:fillRef idx="0">
-            <a:schemeClr val="accent1"/>
-          </a:fillRef>
-          <a:effectRef idx="0">
-            <a:schemeClr val="accent1"/>
-          </a:effectRef>
-          <a:fontRef idx="minor">
-            <a:schemeClr val="tx1"/>
-          </a:fontRef>
-        </p:style>
-      </p:cxnSp>
-      <p:sp>
-        <p:nvSpPr>
-          <p:cNvPr id="543" name="Прямоугольник 542"/>
-          <p:cNvSpPr/>
-          <p:nvPr/>
-        </p:nvSpPr>
-        <p:spPr>
-          <a:xfrm>
-            <a:off x="34577380" y="27207040"/>
-            <a:ext cx="2115918" cy="1080000"/>
-          </a:xfrm>
-          <a:prstGeom prst="rect">
-            <a:avLst/>
-          </a:prstGeom>
-          <a:solidFill>
-            <a:srgbClr val="CC00CC"/>
-          </a:solidFill>
-          <a:ln w="28575"/>
-        </p:spPr>
-        <p:style>
-          <a:lnRef idx="2">
-            <a:schemeClr val="accent1"/>
-          </a:lnRef>
-          <a:fillRef idx="1">
-            <a:schemeClr val="lt1"/>
-          </a:fillRef>
-          <a:effectRef idx="0">
-            <a:schemeClr val="accent1"/>
-          </a:effectRef>
-          <a:fontRef idx="minor">
-            <a:schemeClr val="dk1"/>
-          </a:fontRef>
-        </p:style>
-        <p:txBody>
-          <a:bodyPr lIns="124733" tIns="62367" rIns="124733" bIns="62367" rtlCol="0" anchor="ctr"/>
-          <a:lstStyle/>
-          <a:p>
-            <a:pPr algn="ctr"/>
-            <a:r>
-              <a:rPr lang="ru-RU" sz="1400" dirty="0" smtClean="0"/>
-              <a:t>Южный вопрос</a:t>
-            </a:r>
-            <a:endParaRPr lang="ru-RU" sz="1400" dirty="0"/>
-          </a:p>
-        </p:txBody>
-      </p:sp>
-      <p:sp>
-        <p:nvSpPr>
-          <p:cNvPr id="546" name="Прямоугольник 545"/>
-          <p:cNvSpPr/>
-          <p:nvPr/>
-        </p:nvSpPr>
-        <p:spPr>
-          <a:xfrm>
-            <a:off x="32299739" y="27202349"/>
-            <a:ext cx="2115918" cy="1080000"/>
-          </a:xfrm>
-          <a:prstGeom prst="rect">
-            <a:avLst/>
-          </a:prstGeom>
-          <a:solidFill>
-            <a:srgbClr val="CC00CC"/>
-          </a:solidFill>
-          <a:ln w="28575"/>
-        </p:spPr>
-        <p:style>
-          <a:lnRef idx="2">
-            <a:schemeClr val="accent1"/>
-          </a:lnRef>
-          <a:fillRef idx="1">
-            <a:schemeClr val="lt1"/>
-          </a:fillRef>
-          <a:effectRef idx="0">
-            <a:schemeClr val="accent1"/>
-          </a:effectRef>
-          <a:fontRef idx="minor">
-            <a:schemeClr val="dk1"/>
-          </a:fontRef>
-        </p:style>
-        <p:txBody>
-          <a:bodyPr lIns="124733" tIns="62367" rIns="124733" bIns="62367" rtlCol="0" anchor="ctr"/>
-          <a:lstStyle/>
-          <a:p>
-            <a:pPr algn="ctr"/>
-            <a:r>
-              <a:rPr lang="ru-RU" sz="1400" dirty="0" smtClean="0"/>
-              <a:t>Вернуть Камбоджу под свою руку</a:t>
-            </a:r>
-            <a:endParaRPr lang="ru-RU" sz="1400" dirty="0"/>
-          </a:p>
-        </p:txBody>
-      </p:sp>
-      <p:sp>
-        <p:nvSpPr>
-          <p:cNvPr id="547" name="Прямоугольник 546"/>
-          <p:cNvSpPr/>
-          <p:nvPr/>
-        </p:nvSpPr>
-        <p:spPr>
-          <a:xfrm>
-            <a:off x="36884765" y="27212899"/>
-            <a:ext cx="2115918" cy="1080000"/>
-          </a:xfrm>
-          <a:prstGeom prst="rect">
-            <a:avLst/>
-          </a:prstGeom>
-          <a:solidFill>
-            <a:srgbClr val="CC00CC"/>
-          </a:solidFill>
-          <a:ln w="28575"/>
-        </p:spPr>
-        <p:style>
-          <a:lnRef idx="2">
-            <a:schemeClr val="accent1"/>
-          </a:lnRef>
-          <a:fillRef idx="1">
-            <a:schemeClr val="lt1"/>
-          </a:fillRef>
-          <a:effectRef idx="0">
-            <a:schemeClr val="accent1"/>
-          </a:effectRef>
-          <a:fontRef idx="minor">
-            <a:schemeClr val="dk1"/>
-          </a:fontRef>
-        </p:style>
-        <p:txBody>
-          <a:bodyPr lIns="124733" tIns="62367" rIns="124733" bIns="62367" rtlCol="0" anchor="ctr"/>
-          <a:lstStyle/>
-          <a:p>
-            <a:pPr algn="ctr"/>
-            <a:r>
-              <a:rPr lang="ru-RU" sz="1400" dirty="0" smtClean="0"/>
-              <a:t>Вернуть земли в Бирме</a:t>
-            </a:r>
-            <a:endParaRPr lang="ru-RU" sz="1400" dirty="0"/>
-          </a:p>
-        </p:txBody>
-      </p:sp>
-      <p:sp>
-        <p:nvSpPr>
-          <p:cNvPr id="550" name="Прямоугольник 549"/>
-          <p:cNvSpPr/>
-          <p:nvPr/>
-        </p:nvSpPr>
-        <p:spPr>
-          <a:xfrm>
-            <a:off x="33423689" y="28778840"/>
-            <a:ext cx="2115918" cy="1080000"/>
-          </a:xfrm>
-          <a:prstGeom prst="rect">
-            <a:avLst/>
-          </a:prstGeom>
-          <a:solidFill>
-            <a:srgbClr val="CC00CC"/>
-          </a:solidFill>
-          <a:ln w="28575"/>
-        </p:spPr>
-        <p:style>
-          <a:lnRef idx="2">
-            <a:schemeClr val="accent1"/>
-          </a:lnRef>
-          <a:fillRef idx="1">
-            <a:schemeClr val="lt1"/>
-          </a:fillRef>
-          <a:effectRef idx="0">
-            <a:schemeClr val="accent1"/>
-          </a:effectRef>
-          <a:fontRef idx="minor">
-            <a:schemeClr val="dk1"/>
-          </a:fontRef>
-        </p:style>
-        <p:txBody>
-          <a:bodyPr lIns="124733" tIns="62367" rIns="124733" bIns="62367" rtlCol="0" anchor="ctr"/>
-          <a:lstStyle/>
-          <a:p>
-            <a:pPr algn="ctr"/>
-            <a:r>
-              <a:rPr lang="ru-RU" sz="1400" dirty="0" smtClean="0"/>
-              <a:t>Захват Лаоса</a:t>
-            </a:r>
-            <a:endParaRPr lang="ru-RU" sz="1400" dirty="0"/>
-          </a:p>
-        </p:txBody>
-      </p:sp>
-      <p:sp>
-        <p:nvSpPr>
-          <p:cNvPr id="551" name="Прямоугольник 550"/>
-          <p:cNvSpPr/>
-          <p:nvPr/>
-        </p:nvSpPr>
-        <p:spPr>
-          <a:xfrm>
-            <a:off x="35741764" y="28778840"/>
-            <a:ext cx="2115918" cy="1080000"/>
-          </a:xfrm>
-          <a:prstGeom prst="rect">
-            <a:avLst/>
-          </a:prstGeom>
-          <a:solidFill>
-            <a:srgbClr val="CC00CC"/>
-          </a:solidFill>
-          <a:ln w="28575"/>
-        </p:spPr>
-        <p:style>
-          <a:lnRef idx="2">
-            <a:schemeClr val="accent1"/>
-          </a:lnRef>
-          <a:fillRef idx="1">
-            <a:schemeClr val="lt1"/>
-          </a:fillRef>
-          <a:effectRef idx="0">
-            <a:schemeClr val="accent1"/>
-          </a:effectRef>
-          <a:fontRef idx="minor">
-            <a:schemeClr val="dk1"/>
-          </a:fontRef>
-        </p:style>
-        <p:txBody>
-          <a:bodyPr lIns="124733" tIns="62367" rIns="124733" bIns="62367" rtlCol="0" anchor="ctr"/>
-          <a:lstStyle/>
-          <a:p>
-            <a:pPr algn="ctr"/>
-            <a:r>
-              <a:rPr lang="ru-RU" sz="1400" dirty="0" smtClean="0"/>
-              <a:t>Интегрировать север Вьетнама</a:t>
+              <a:t>Аннама</a:t>
             </a:r>
             <a:endParaRPr lang="ru-RU" sz="1400" dirty="0"/>
           </a:p>
@@ -25165,7 +24722,7 @@
             <a:pPr algn="ctr"/>
             <a:r>
               <a:rPr lang="ru-RU" sz="2400" dirty="0" smtClean="0"/>
-              <a:t>24</a:t>
+              <a:t>25</a:t>
             </a:r>
             <a:endParaRPr lang="ru-RU" sz="2400" dirty="0"/>
           </a:p>
@@ -25208,11 +24765,7 @@
             <a:pPr algn="ctr"/>
             <a:r>
               <a:rPr lang="ru-RU" sz="3200" dirty="0" smtClean="0"/>
-              <a:t>157 </a:t>
-            </a:r>
-            <a:r>
-              <a:rPr lang="ru-RU" sz="3200" dirty="0" smtClean="0"/>
-              <a:t>фокусов</a:t>
+              <a:t>159 фокусов</a:t>
             </a:r>
             <a:endParaRPr lang="ru-RU" sz="3200" dirty="0"/>
           </a:p>
@@ -27056,31 +26609,7 @@
             <a:pPr algn="ctr"/>
             <a:r>
               <a:rPr lang="ru-RU" sz="1400" dirty="0" smtClean="0"/>
-              <a:t>Основание демократической партии Сиама </a:t>
-            </a:r>
-            <a:r>
-              <a:rPr lang="ru-RU" sz="800" dirty="0" smtClean="0"/>
-              <a:t>(или «Конституционный фронт», либеральное крыло народной партии, </a:t>
-            </a:r>
-            <a:r>
-              <a:rPr lang="ru-RU" sz="800" dirty="0" err="1" smtClean="0"/>
-              <a:t>подъидеология</a:t>
-            </a:r>
-            <a:r>
-              <a:rPr lang="ru-RU" sz="800" dirty="0" smtClean="0"/>
-              <a:t> консервативный либерализм) (</a:t>
-            </a:r>
-            <a:r>
-              <a:rPr lang="th-TH" sz="800" dirty="0"/>
-              <a:t>ควง อภัย</a:t>
-            </a:r>
-            <a:r>
-              <a:rPr lang="th-TH" sz="800" dirty="0" smtClean="0"/>
-              <a:t>วงศ์</a:t>
-            </a:r>
-            <a:r>
-              <a:rPr lang="ru-RU" sz="800" dirty="0" smtClean="0"/>
-              <a:t>)</a:t>
+              <a:t>Основание демократической партии Сиама</a:t>
             </a:r>
             <a:endParaRPr lang="ru-RU" sz="1000" dirty="0"/>
           </a:p>
@@ -30643,45 +30172,6 @@
           </a:fontRef>
         </p:style>
       </p:cxnSp>
-      <p:cxnSp>
-        <p:nvCxnSpPr>
-          <p:cNvPr id="717" name="Shape 248"/>
-          <p:cNvCxnSpPr>
-            <a:stCxn id="140" idx="2"/>
-            <a:endCxn id="407" idx="0"/>
-          </p:cNvCxnSpPr>
-          <p:nvPr/>
-        </p:nvCxnSpPr>
-        <p:spPr>
-          <a:xfrm rot="5400000">
-            <a:off x="28537215" y="14379698"/>
-            <a:ext cx="352450" cy="13843799"/>
-          </a:xfrm>
-          <a:prstGeom prst="bentConnector3">
-            <a:avLst>
-              <a:gd name="adj1" fmla="val 50000"/>
-            </a:avLst>
-          </a:prstGeom>
-          <a:ln w="28575">
-            <a:prstDash val="dash"/>
-            <a:tailEnd type="arrow"/>
-          </a:ln>
-        </p:spPr>
-        <p:style>
-          <a:lnRef idx="1">
-            <a:schemeClr val="accent1"/>
-          </a:lnRef>
-          <a:fillRef idx="0">
-            <a:schemeClr val="accent1"/>
-          </a:fillRef>
-          <a:effectRef idx="0">
-            <a:schemeClr val="accent1"/>
-          </a:effectRef>
-          <a:fontRef idx="minor">
-            <a:schemeClr val="tx1"/>
-          </a:fontRef>
-        </p:style>
-      </p:cxnSp>
       <p:sp>
         <p:nvSpPr>
           <p:cNvPr id="723" name="Прямоугольник 722"/>
@@ -30884,6 +30374,543 @@
           </a:prstGeom>
           <a:ln w="28575">
             <a:prstDash val="dash"/>
+            <a:tailEnd type="arrow"/>
+          </a:ln>
+        </p:spPr>
+        <p:style>
+          <a:lnRef idx="1">
+            <a:schemeClr val="accent1"/>
+          </a:lnRef>
+          <a:fillRef idx="0">
+            <a:schemeClr val="accent1"/>
+          </a:fillRef>
+          <a:effectRef idx="0">
+            <a:schemeClr val="accent1"/>
+          </a:effectRef>
+          <a:fontRef idx="minor">
+            <a:schemeClr val="tx1"/>
+          </a:fontRef>
+        </p:style>
+      </p:cxnSp>
+      <p:cxnSp>
+        <p:nvCxnSpPr>
+          <p:cNvPr id="729" name="Shape 248"/>
+          <p:cNvCxnSpPr>
+            <a:stCxn id="255" idx="2"/>
+            <a:endCxn id="265" idx="0"/>
+          </p:cNvCxnSpPr>
+          <p:nvPr/>
+        </p:nvCxnSpPr>
+        <p:spPr>
+          <a:xfrm rot="16200000" flipH="1">
+            <a:off x="35718216" y="8096500"/>
+            <a:ext cx="430946" cy="1170319"/>
+          </a:xfrm>
+          <a:prstGeom prst="bentConnector3">
+            <a:avLst>
+              <a:gd name="adj1" fmla="val 50000"/>
+            </a:avLst>
+          </a:prstGeom>
+          <a:ln w="28575">
+            <a:tailEnd type="arrow"/>
+          </a:ln>
+        </p:spPr>
+        <p:style>
+          <a:lnRef idx="1">
+            <a:schemeClr val="accent1"/>
+          </a:lnRef>
+          <a:fillRef idx="0">
+            <a:schemeClr val="accent1"/>
+          </a:fillRef>
+          <a:effectRef idx="0">
+            <a:schemeClr val="accent1"/>
+          </a:effectRef>
+          <a:fontRef idx="minor">
+            <a:schemeClr val="tx1"/>
+          </a:fontRef>
+        </p:style>
+      </p:cxnSp>
+      <p:sp>
+        <p:nvSpPr>
+          <p:cNvPr id="730" name="Прямоугольник 729"/>
+          <p:cNvSpPr/>
+          <p:nvPr/>
+        </p:nvSpPr>
+        <p:spPr>
+          <a:xfrm>
+            <a:off x="33146085" y="8892894"/>
+            <a:ext cx="2115918" cy="1080000"/>
+          </a:xfrm>
+          <a:prstGeom prst="rect">
+            <a:avLst/>
+          </a:prstGeom>
+          <a:ln w="28575"/>
+        </p:spPr>
+        <p:style>
+          <a:lnRef idx="2">
+            <a:schemeClr val="accent1"/>
+          </a:lnRef>
+          <a:fillRef idx="1">
+            <a:schemeClr val="lt1"/>
+          </a:fillRef>
+          <a:effectRef idx="0">
+            <a:schemeClr val="accent1"/>
+          </a:effectRef>
+          <a:fontRef idx="minor">
+            <a:schemeClr val="dk1"/>
+          </a:fontRef>
+        </p:style>
+        <p:txBody>
+          <a:bodyPr lIns="124733" tIns="62367" rIns="124733" bIns="62367" rtlCol="0" anchor="ctr"/>
+          <a:lstStyle/>
+          <a:p>
+            <a:pPr algn="ctr"/>
+            <a:r>
+              <a:rPr lang="ru-RU" sz="1400" dirty="0" smtClean="0"/>
+              <a:t>Возрождение слоновьей артиллерии</a:t>
+            </a:r>
+            <a:endParaRPr lang="ru-RU" sz="1400" dirty="0"/>
+          </a:p>
+        </p:txBody>
+      </p:sp>
+      <p:cxnSp>
+        <p:nvCxnSpPr>
+          <p:cNvPr id="731" name="Shape 248"/>
+          <p:cNvCxnSpPr>
+            <a:stCxn id="593" idx="2"/>
+            <a:endCxn id="730" idx="0"/>
+          </p:cNvCxnSpPr>
+          <p:nvPr/>
+        </p:nvCxnSpPr>
+        <p:spPr>
+          <a:xfrm rot="16200000" flipH="1">
+            <a:off x="33395381" y="8084230"/>
+            <a:ext cx="444277" cy="1173049"/>
+          </a:xfrm>
+          <a:prstGeom prst="bentConnector3">
+            <a:avLst>
+              <a:gd name="adj1" fmla="val 50000"/>
+            </a:avLst>
+          </a:prstGeom>
+          <a:ln w="28575">
+            <a:tailEnd type="arrow"/>
+          </a:ln>
+        </p:spPr>
+        <p:style>
+          <a:lnRef idx="1">
+            <a:schemeClr val="accent1"/>
+          </a:lnRef>
+          <a:fillRef idx="0">
+            <a:schemeClr val="accent1"/>
+          </a:fillRef>
+          <a:effectRef idx="0">
+            <a:schemeClr val="accent1"/>
+          </a:effectRef>
+          <a:fontRef idx="minor">
+            <a:schemeClr val="tx1"/>
+          </a:fontRef>
+        </p:style>
+      </p:cxnSp>
+      <p:sp>
+        <p:nvSpPr>
+          <p:cNvPr id="732" name="Прямоугольник 731"/>
+          <p:cNvSpPr/>
+          <p:nvPr/>
+        </p:nvSpPr>
+        <p:spPr>
+          <a:xfrm>
+            <a:off x="46095415" y="20035452"/>
+            <a:ext cx="2115918" cy="1080000"/>
+          </a:xfrm>
+          <a:prstGeom prst="rect">
+            <a:avLst/>
+          </a:prstGeom>
+          <a:solidFill>
+            <a:schemeClr val="accent2">
+              <a:lumMod val="75000"/>
+            </a:schemeClr>
+          </a:solidFill>
+          <a:ln w="28575"/>
+        </p:spPr>
+        <p:style>
+          <a:lnRef idx="2">
+            <a:schemeClr val="accent1"/>
+          </a:lnRef>
+          <a:fillRef idx="1">
+            <a:schemeClr val="lt1"/>
+          </a:fillRef>
+          <a:effectRef idx="0">
+            <a:schemeClr val="accent1"/>
+          </a:effectRef>
+          <a:fontRef idx="minor">
+            <a:schemeClr val="dk1"/>
+          </a:fontRef>
+        </p:style>
+        <p:txBody>
+          <a:bodyPr lIns="124733" tIns="62367" rIns="124733" bIns="62367" rtlCol="0" anchor="ctr"/>
+          <a:lstStyle/>
+          <a:p>
+            <a:pPr algn="ctr"/>
+            <a:r>
+              <a:rPr lang="ru-RU" sz="1400" dirty="0" smtClean="0"/>
+              <a:t>Строительство нефтеперегонного завода</a:t>
+            </a:r>
+            <a:endParaRPr lang="ru-RU" sz="1400" dirty="0"/>
+          </a:p>
+        </p:txBody>
+      </p:sp>
+      <p:cxnSp>
+        <p:nvCxnSpPr>
+          <p:cNvPr id="733" name="Shape 248"/>
+          <p:cNvCxnSpPr>
+            <a:stCxn id="227" idx="2"/>
+            <a:endCxn id="732" idx="0"/>
+          </p:cNvCxnSpPr>
+          <p:nvPr/>
+        </p:nvCxnSpPr>
+        <p:spPr>
+          <a:xfrm rot="16200000" flipH="1">
+            <a:off x="45760998" y="18643076"/>
+            <a:ext cx="504012" cy="2280740"/>
+          </a:xfrm>
+          <a:prstGeom prst="bentConnector3">
+            <a:avLst>
+              <a:gd name="adj1" fmla="val 50000"/>
+            </a:avLst>
+          </a:prstGeom>
+          <a:ln w="28575">
+            <a:tailEnd type="arrow"/>
+          </a:ln>
+        </p:spPr>
+        <p:style>
+          <a:lnRef idx="1">
+            <a:schemeClr val="accent1"/>
+          </a:lnRef>
+          <a:fillRef idx="0">
+            <a:schemeClr val="accent1"/>
+          </a:fillRef>
+          <a:effectRef idx="0">
+            <a:schemeClr val="accent1"/>
+          </a:effectRef>
+          <a:fontRef idx="minor">
+            <a:schemeClr val="tx1"/>
+          </a:fontRef>
+        </p:style>
+      </p:cxnSp>
+      <p:sp>
+        <p:nvSpPr>
+          <p:cNvPr id="734" name="Прямоугольник 733"/>
+          <p:cNvSpPr/>
+          <p:nvPr/>
+        </p:nvSpPr>
+        <p:spPr>
+          <a:xfrm>
+            <a:off x="30786732" y="11778476"/>
+            <a:ext cx="2115918" cy="1080000"/>
+          </a:xfrm>
+          <a:prstGeom prst="rect">
+            <a:avLst/>
+          </a:prstGeom>
+          <a:ln w="28575"/>
+        </p:spPr>
+        <p:style>
+          <a:lnRef idx="2">
+            <a:schemeClr val="accent1"/>
+          </a:lnRef>
+          <a:fillRef idx="1">
+            <a:schemeClr val="lt1"/>
+          </a:fillRef>
+          <a:effectRef idx="0">
+            <a:schemeClr val="accent1"/>
+          </a:effectRef>
+          <a:fontRef idx="minor">
+            <a:schemeClr val="dk1"/>
+          </a:fontRef>
+        </p:style>
+        <p:txBody>
+          <a:bodyPr lIns="124733" tIns="62367" rIns="124733" bIns="62367" rtlCol="0" anchor="ctr"/>
+          <a:lstStyle/>
+          <a:p>
+            <a:pPr algn="ctr"/>
+            <a:r>
+              <a:rPr lang="ru-RU" sz="1400" dirty="0" smtClean="0"/>
+              <a:t>Расширение оружейных заводов</a:t>
+            </a:r>
+            <a:endParaRPr lang="ru-RU" sz="1400" dirty="0"/>
+          </a:p>
+        </p:txBody>
+      </p:sp>
+      <p:cxnSp>
+        <p:nvCxnSpPr>
+          <p:cNvPr id="735" name="Прямая со стрелкой 734"/>
+          <p:cNvCxnSpPr>
+            <a:stCxn id="189" idx="2"/>
+            <a:endCxn id="734" idx="0"/>
+          </p:cNvCxnSpPr>
+          <p:nvPr/>
+        </p:nvCxnSpPr>
+        <p:spPr>
+          <a:xfrm>
+            <a:off x="31840609" y="9969936"/>
+            <a:ext cx="4082" cy="1808540"/>
+          </a:xfrm>
+          <a:prstGeom prst="straightConnector1">
+            <a:avLst/>
+          </a:prstGeom>
+          <a:ln w="28575">
+            <a:tailEnd type="arrow"/>
+          </a:ln>
+        </p:spPr>
+        <p:style>
+          <a:lnRef idx="1">
+            <a:schemeClr val="accent1"/>
+          </a:lnRef>
+          <a:fillRef idx="0">
+            <a:schemeClr val="accent1"/>
+          </a:fillRef>
+          <a:effectRef idx="0">
+            <a:schemeClr val="accent1"/>
+          </a:effectRef>
+          <a:fontRef idx="minor">
+            <a:schemeClr val="tx1"/>
+          </a:fontRef>
+        </p:style>
+      </p:cxnSp>
+      <p:cxnSp>
+        <p:nvCxnSpPr>
+          <p:cNvPr id="736" name="Shape 248"/>
+          <p:cNvCxnSpPr>
+            <a:stCxn id="226" idx="2"/>
+            <a:endCxn id="734" idx="0"/>
+          </p:cNvCxnSpPr>
+          <p:nvPr/>
+        </p:nvCxnSpPr>
+        <p:spPr>
+          <a:xfrm rot="16200000" flipH="1">
+            <a:off x="29777524" y="9711309"/>
+            <a:ext cx="1807252" cy="2327082"/>
+          </a:xfrm>
+          <a:prstGeom prst="bentConnector3">
+            <a:avLst>
+              <a:gd name="adj1" fmla="val 9994"/>
+            </a:avLst>
+          </a:prstGeom>
+          <a:ln w="28575">
+            <a:tailEnd type="arrow"/>
+          </a:ln>
+        </p:spPr>
+        <p:style>
+          <a:lnRef idx="1">
+            <a:schemeClr val="accent1"/>
+          </a:lnRef>
+          <a:fillRef idx="0">
+            <a:schemeClr val="accent1"/>
+          </a:fillRef>
+          <a:effectRef idx="0">
+            <a:schemeClr val="accent1"/>
+          </a:effectRef>
+          <a:fontRef idx="minor">
+            <a:schemeClr val="tx1"/>
+          </a:fontRef>
+        </p:style>
+      </p:cxnSp>
+      <p:sp>
+        <p:nvSpPr>
+          <p:cNvPr id="737" name="Прямоугольник 736"/>
+          <p:cNvSpPr/>
+          <p:nvPr/>
+        </p:nvSpPr>
+        <p:spPr>
+          <a:xfrm>
+            <a:off x="39217963" y="20041890"/>
+            <a:ext cx="2115918" cy="1080000"/>
+          </a:xfrm>
+          <a:prstGeom prst="rect">
+            <a:avLst/>
+          </a:prstGeom>
+          <a:solidFill>
+            <a:srgbClr val="CC00CC"/>
+          </a:solidFill>
+          <a:ln w="28575"/>
+        </p:spPr>
+        <p:style>
+          <a:lnRef idx="2">
+            <a:schemeClr val="accent1"/>
+          </a:lnRef>
+          <a:fillRef idx="1">
+            <a:schemeClr val="lt1"/>
+          </a:fillRef>
+          <a:effectRef idx="0">
+            <a:schemeClr val="accent1"/>
+          </a:effectRef>
+          <a:fontRef idx="minor">
+            <a:schemeClr val="dk1"/>
+          </a:fontRef>
+        </p:style>
+        <p:txBody>
+          <a:bodyPr lIns="124733" tIns="62367" rIns="124733" bIns="62367" rtlCol="0" anchor="ctr"/>
+          <a:lstStyle/>
+          <a:p>
+            <a:pPr algn="ctr"/>
+            <a:r>
+              <a:rPr lang="ru-RU" sz="1400" dirty="0" smtClean="0"/>
+              <a:t>Вернуть династию </a:t>
+            </a:r>
+            <a:r>
+              <a:rPr lang="ru-RU" sz="1400" dirty="0" err="1" smtClean="0"/>
+              <a:t>Чакри</a:t>
+            </a:r>
+            <a:endParaRPr lang="ru-RU" sz="600" dirty="0"/>
+          </a:p>
+        </p:txBody>
+      </p:sp>
+      <p:sp>
+        <p:nvSpPr>
+          <p:cNvPr id="740" name="Прямоугольник 739"/>
+          <p:cNvSpPr/>
+          <p:nvPr/>
+        </p:nvSpPr>
+        <p:spPr>
+          <a:xfrm>
+            <a:off x="32299739" y="24373421"/>
+            <a:ext cx="2115918" cy="1080000"/>
+          </a:xfrm>
+          <a:prstGeom prst="rect">
+            <a:avLst/>
+          </a:prstGeom>
+          <a:solidFill>
+            <a:srgbClr val="CC00CC"/>
+          </a:solidFill>
+          <a:ln w="28575"/>
+        </p:spPr>
+        <p:style>
+          <a:lnRef idx="2">
+            <a:schemeClr val="accent1"/>
+          </a:lnRef>
+          <a:fillRef idx="1">
+            <a:schemeClr val="lt1"/>
+          </a:fillRef>
+          <a:effectRef idx="0">
+            <a:schemeClr val="accent1"/>
+          </a:effectRef>
+          <a:fontRef idx="minor">
+            <a:schemeClr val="dk1"/>
+          </a:fontRef>
+        </p:style>
+        <p:txBody>
+          <a:bodyPr lIns="124733" tIns="62367" rIns="124733" bIns="62367" rtlCol="0" anchor="ctr"/>
+          <a:lstStyle/>
+          <a:p>
+            <a:pPr algn="ctr"/>
+            <a:r>
+              <a:rPr lang="ru-RU" sz="1400" dirty="0"/>
+              <a:t>Королевский культ</a:t>
+            </a:r>
+          </a:p>
+        </p:txBody>
+      </p:sp>
+      <p:cxnSp>
+        <p:nvCxnSpPr>
+          <p:cNvPr id="741" name="Прямая со стрелкой 740"/>
+          <p:cNvCxnSpPr>
+            <a:stCxn id="642" idx="2"/>
+            <a:endCxn id="740" idx="0"/>
+          </p:cNvCxnSpPr>
+          <p:nvPr/>
+        </p:nvCxnSpPr>
+        <p:spPr>
+          <a:xfrm>
+            <a:off x="33357698" y="23991322"/>
+            <a:ext cx="0" cy="382099"/>
+          </a:xfrm>
+          <a:prstGeom prst="straightConnector1">
+            <a:avLst/>
+          </a:prstGeom>
+          <a:ln w="28575">
+            <a:tailEnd type="arrow"/>
+          </a:ln>
+        </p:spPr>
+        <p:style>
+          <a:lnRef idx="1">
+            <a:schemeClr val="accent1"/>
+          </a:lnRef>
+          <a:fillRef idx="0">
+            <a:schemeClr val="accent1"/>
+          </a:fillRef>
+          <a:effectRef idx="0">
+            <a:schemeClr val="accent1"/>
+          </a:effectRef>
+          <a:fontRef idx="minor">
+            <a:schemeClr val="tx1"/>
+          </a:fontRef>
+        </p:style>
+      </p:cxnSp>
+      <p:sp>
+        <p:nvSpPr>
+          <p:cNvPr id="742" name="Прямоугольник 741"/>
+          <p:cNvSpPr/>
+          <p:nvPr/>
+        </p:nvSpPr>
+        <p:spPr>
+          <a:xfrm>
+            <a:off x="35741500" y="21466034"/>
+            <a:ext cx="2115918" cy="1080000"/>
+          </a:xfrm>
+          <a:prstGeom prst="rect">
+            <a:avLst/>
+          </a:prstGeom>
+          <a:solidFill>
+            <a:srgbClr val="CC00CC"/>
+          </a:solidFill>
+          <a:ln w="28575"/>
+        </p:spPr>
+        <p:style>
+          <a:lnRef idx="2">
+            <a:schemeClr val="accent1"/>
+          </a:lnRef>
+          <a:fillRef idx="1">
+            <a:schemeClr val="lt1"/>
+          </a:fillRef>
+          <a:effectRef idx="0">
+            <a:schemeClr val="accent1"/>
+          </a:effectRef>
+          <a:fontRef idx="minor">
+            <a:schemeClr val="dk1"/>
+          </a:fontRef>
+        </p:style>
+        <p:txBody>
+          <a:bodyPr lIns="124733" tIns="62367" rIns="124733" bIns="62367" rtlCol="0" anchor="ctr"/>
+          <a:lstStyle/>
+          <a:p>
+            <a:pPr algn="ctr"/>
+            <a:r>
+              <a:rPr lang="ru-RU" sz="1400" dirty="0" smtClean="0"/>
+              <a:t>Поддержание западного побережья</a:t>
+            </a:r>
+            <a:endParaRPr lang="ru-RU" sz="900" dirty="0"/>
+          </a:p>
+        </p:txBody>
+      </p:sp>
+      <p:cxnSp>
+        <p:nvCxnSpPr>
+          <p:cNvPr id="743" name="Shape 248"/>
+          <p:cNvCxnSpPr>
+            <a:stCxn id="449" idx="2"/>
+            <a:endCxn id="742" idx="0"/>
+          </p:cNvCxnSpPr>
+          <p:nvPr/>
+        </p:nvCxnSpPr>
+        <p:spPr>
+          <a:xfrm rot="5400000">
+            <a:off x="37199982" y="20723292"/>
+            <a:ext cx="342220" cy="1143265"/>
+          </a:xfrm>
+          <a:prstGeom prst="bentConnector3">
+            <a:avLst>
+              <a:gd name="adj1" fmla="val 50000"/>
+            </a:avLst>
+          </a:prstGeom>
+          <a:ln w="28575">
             <a:tailEnd type="arrow"/>
           </a:ln>
         </p:spPr>

--- a/Наработки/диздоки/Сиам/Сиам.pptx
+++ b/Наработки/диздоки/Сиам/Сиам.pptx
@@ -23925,11 +23925,7 @@
             <a:pPr algn="ctr"/>
             <a:r>
               <a:rPr lang="ru-RU" sz="1400" dirty="0" smtClean="0"/>
-              <a:t>Общенациональная ирригационная </a:t>
-            </a:r>
-            <a:r>
-              <a:rPr lang="ru-RU" sz="1400" dirty="0" smtClean="0"/>
-              <a:t>система</a:t>
+              <a:t>Общенациональная ирригационная система</a:t>
             </a:r>
             <a:endParaRPr lang="ru-RU" sz="700" dirty="0" smtClean="0"/>
           </a:p>
@@ -24359,11 +24355,7 @@
             <a:pPr algn="ctr"/>
             <a:r>
               <a:rPr lang="ru-RU" sz="1400" dirty="0" smtClean="0"/>
-              <a:t>Интегрировать север </a:t>
-            </a:r>
-            <a:r>
-              <a:rPr lang="ru-RU" sz="1400" dirty="0" smtClean="0"/>
-              <a:t>Аннама</a:t>
+              <a:t>Интегрировать север Аннама</a:t>
             </a:r>
             <a:endParaRPr lang="ru-RU" sz="1400" dirty="0"/>
           </a:p>

--- a/Наработки/диздоки/Сиам/Сиам.pptx
+++ b/Наработки/диздоки/Сиам/Сиам.pptx
@@ -209,7 +209,7 @@
             <a:fld id="{33E3D7F9-E251-484C-A6FF-FA958879DF69}" type="datetimeFigureOut">
               <a:rPr lang="ru-RU" smtClean="0"/>
               <a:pPr/>
-              <a:t>19.08.2021</a:t>
+              <a:t>20.08.2021</a:t>
             </a:fld>
             <a:endParaRPr lang="ru-RU"/>
           </a:p>
@@ -700,7 +700,7 @@
             <a:fld id="{85A5DE44-605B-4D3B-B2B7-94543DF81A36}" type="datetimeFigureOut">
               <a:rPr lang="ru-RU" smtClean="0"/>
               <a:pPr/>
-              <a:t>19.08.2021</a:t>
+              <a:t>20.08.2021</a:t>
             </a:fld>
             <a:endParaRPr lang="ru-RU"/>
           </a:p>
@@ -872,7 +872,7 @@
             <a:fld id="{85A5DE44-605B-4D3B-B2B7-94543DF81A36}" type="datetimeFigureOut">
               <a:rPr lang="ru-RU" smtClean="0"/>
               <a:pPr/>
-              <a:t>19.08.2021</a:t>
+              <a:t>20.08.2021</a:t>
             </a:fld>
             <a:endParaRPr lang="ru-RU"/>
           </a:p>
@@ -1054,7 +1054,7 @@
             <a:fld id="{85A5DE44-605B-4D3B-B2B7-94543DF81A36}" type="datetimeFigureOut">
               <a:rPr lang="ru-RU" smtClean="0"/>
               <a:pPr/>
-              <a:t>19.08.2021</a:t>
+              <a:t>20.08.2021</a:t>
             </a:fld>
             <a:endParaRPr lang="ru-RU"/>
           </a:p>
@@ -1226,7 +1226,7 @@
             <a:fld id="{85A5DE44-605B-4D3B-B2B7-94543DF81A36}" type="datetimeFigureOut">
               <a:rPr lang="ru-RU" smtClean="0"/>
               <a:pPr/>
-              <a:t>19.08.2021</a:t>
+              <a:t>20.08.2021</a:t>
             </a:fld>
             <a:endParaRPr lang="ru-RU"/>
           </a:p>
@@ -1474,7 +1474,7 @@
             <a:fld id="{85A5DE44-605B-4D3B-B2B7-94543DF81A36}" type="datetimeFigureOut">
               <a:rPr lang="ru-RU" smtClean="0"/>
               <a:pPr/>
-              <a:t>19.08.2021</a:t>
+              <a:t>20.08.2021</a:t>
             </a:fld>
             <a:endParaRPr lang="ru-RU"/>
           </a:p>
@@ -1708,7 +1708,7 @@
             <a:fld id="{85A5DE44-605B-4D3B-B2B7-94543DF81A36}" type="datetimeFigureOut">
               <a:rPr lang="ru-RU" smtClean="0"/>
               <a:pPr/>
-              <a:t>19.08.2021</a:t>
+              <a:t>20.08.2021</a:t>
             </a:fld>
             <a:endParaRPr lang="ru-RU"/>
           </a:p>
@@ -2077,7 +2077,7 @@
             <a:fld id="{85A5DE44-605B-4D3B-B2B7-94543DF81A36}" type="datetimeFigureOut">
               <a:rPr lang="ru-RU" smtClean="0"/>
               <a:pPr/>
-              <a:t>19.08.2021</a:t>
+              <a:t>20.08.2021</a:t>
             </a:fld>
             <a:endParaRPr lang="ru-RU"/>
           </a:p>
@@ -2197,7 +2197,7 @@
             <a:fld id="{85A5DE44-605B-4D3B-B2B7-94543DF81A36}" type="datetimeFigureOut">
               <a:rPr lang="ru-RU" smtClean="0"/>
               <a:pPr/>
-              <a:t>19.08.2021</a:t>
+              <a:t>20.08.2021</a:t>
             </a:fld>
             <a:endParaRPr lang="ru-RU"/>
           </a:p>
@@ -2294,7 +2294,7 @@
             <a:fld id="{85A5DE44-605B-4D3B-B2B7-94543DF81A36}" type="datetimeFigureOut">
               <a:rPr lang="ru-RU" smtClean="0"/>
               <a:pPr/>
-              <a:t>19.08.2021</a:t>
+              <a:t>20.08.2021</a:t>
             </a:fld>
             <a:endParaRPr lang="ru-RU"/>
           </a:p>
@@ -2573,7 +2573,7 @@
             <a:fld id="{85A5DE44-605B-4D3B-B2B7-94543DF81A36}" type="datetimeFigureOut">
               <a:rPr lang="ru-RU" smtClean="0"/>
               <a:pPr/>
-              <a:t>19.08.2021</a:t>
+              <a:t>20.08.2021</a:t>
             </a:fld>
             <a:endParaRPr lang="ru-RU"/>
           </a:p>
@@ -2832,7 +2832,7 @@
             <a:fld id="{85A5DE44-605B-4D3B-B2B7-94543DF81A36}" type="datetimeFigureOut">
               <a:rPr lang="ru-RU" smtClean="0"/>
               <a:pPr/>
-              <a:t>19.08.2021</a:t>
+              <a:t>20.08.2021</a:t>
             </a:fld>
             <a:endParaRPr lang="ru-RU"/>
           </a:p>
@@ -3047,7 +3047,7 @@
             <a:fld id="{85A5DE44-605B-4D3B-B2B7-94543DF81A36}" type="datetimeFigureOut">
               <a:rPr lang="ru-RU" smtClean="0"/>
               <a:pPr/>
-              <a:t>19.08.2021</a:t>
+              <a:t>20.08.2021</a:t>
             </a:fld>
             <a:endParaRPr lang="ru-RU"/>
           </a:p>
@@ -3772,31 +3772,15 @@
             <a:pPr algn="ctr"/>
             <a:r>
               <a:rPr lang="ru-RU" sz="1400" dirty="0" smtClean="0"/>
-              <a:t>Восстановить коммунистическую партию Сиама (их восстание будет с </a:t>
-            </a:r>
-            <a:r>
-              <a:rPr lang="ru-RU" sz="1400" dirty="0" err="1" smtClean="0"/>
-              <a:t>двуми</a:t>
+              <a:t>Восстановить </a:t>
             </a:r>
             <a:r>
               <a:rPr lang="ru-RU" sz="1400" dirty="0" smtClean="0"/>
-              <a:t> </a:t>
-            </a:r>
-            <a:r>
-              <a:rPr lang="ru-RU" sz="1400" dirty="0" err="1" smtClean="0"/>
-              <a:t>стейтами</a:t>
+              <a:t>коммунистическую партию </a:t>
             </a:r>
             <a:r>
               <a:rPr lang="ru-RU" sz="1400" dirty="0" smtClean="0"/>
-              <a:t>, на границе с </a:t>
-            </a:r>
-            <a:r>
-              <a:rPr lang="ru-RU" sz="1400" dirty="0" err="1" smtClean="0"/>
-              <a:t>малайей</a:t>
-            </a:r>
-            <a:r>
-              <a:rPr lang="ru-RU" sz="1400" dirty="0" smtClean="0"/>
-              <a:t> и Лаосом)</a:t>
+              <a:t>Сиама</a:t>
             </a:r>
             <a:endParaRPr lang="ru-RU" sz="1400" dirty="0"/>
           </a:p>
@@ -10068,35 +10052,19 @@
             <a:pPr algn="ctr"/>
             <a:r>
               <a:rPr lang="ru-RU" sz="1400" dirty="0" smtClean="0"/>
-              <a:t>Стартовые генералы (</a:t>
+              <a:t>Стартовые генералы </a:t>
+            </a:r>
+            <a:r>
+              <a:rPr lang="ru-RU" sz="1400" dirty="0" smtClean="0"/>
+              <a:t>(</a:t>
+            </a:r>
+            <a:r>
+              <a:rPr lang="th-TH" sz="1400" dirty="0" smtClean="0"/>
+              <a:t>หลวง</a:t>
             </a:r>
             <a:r>
               <a:rPr lang="th-TH" sz="1400" dirty="0"/>
-              <a:t>พระยาพหลพลพยุหเสนา (พจน์ พหลโยธิน</a:t>
-            </a:r>
-            <a:r>
-              <a:rPr lang="th-TH" sz="1400" dirty="0" smtClean="0"/>
-              <a:t>)</a:t>
-            </a:r>
-            <a:r>
-              <a:rPr lang="ru-RU" sz="1400" dirty="0" smtClean="0"/>
-              <a:t>, </a:t>
-            </a:r>
-            <a:r>
-              <a:rPr lang="th-TH" sz="1400" dirty="0"/>
-              <a:t>แปลก พิบูล</a:t>
-            </a:r>
-            <a:r>
-              <a:rPr lang="th-TH" sz="1400" dirty="0" smtClean="0"/>
-              <a:t>สงคราม</a:t>
-            </a:r>
-            <a:r>
-              <a:rPr lang="ru-RU" sz="1400" dirty="0" smtClean="0"/>
-              <a:t>, </a:t>
-            </a:r>
-            <a:r>
-              <a:rPr lang="th-TH" sz="1400" dirty="0"/>
-              <a:t>หลวงเกรียงศักดิ์พิชิต (พิชิต เกรียงศักดิ์พิชิต</a:t>
+              <a:t>เกรียงศักดิ์พิชิต (พิชิต เกรียงศักดิ์พิชิต</a:t>
             </a:r>
             <a:r>
               <a:rPr lang="th-TH" sz="1400" dirty="0" smtClean="0"/>
@@ -11953,22 +11921,6 @@
               <a:rPr lang="en-US" sz="1400" dirty="0" err="1" smtClean="0"/>
               <a:t>Wichanworajak</a:t>
             </a:r>
-            <a:r>
-              <a:rPr lang="ru-RU" sz="1400" dirty="0" smtClean="0"/>
-              <a:t>, контр-адмирал </a:t>
-            </a:r>
-            <a:r>
-              <a:rPr lang="en-US" sz="1400" dirty="0" err="1"/>
-              <a:t>Thawan</a:t>
-            </a:r>
-            <a:r>
-              <a:rPr lang="en-US" sz="1400" dirty="0"/>
-              <a:t> </a:t>
-            </a:r>
-            <a:r>
-              <a:rPr lang="en-US" sz="1400" dirty="0" err="1"/>
-              <a:t>Thamrongnawasawat</a:t>
-            </a:r>
             <a:endParaRPr lang="ru-RU" sz="1400" dirty="0"/>
           </a:p>
         </p:txBody>
@@ -12670,7 +12622,7 @@
         </p:nvSpPr>
         <p:spPr>
           <a:xfrm>
-            <a:off x="5310379" y="20036838"/>
+            <a:off x="6521444" y="20085951"/>
             <a:ext cx="2115918" cy="1080000"/>
           </a:xfrm>
           <a:prstGeom prst="rect">
@@ -12756,8 +12708,21 @@
             <a:pPr algn="ctr"/>
             <a:r>
               <a:rPr lang="ru-RU" sz="1400" dirty="0"/>
-              <a:t>Партия развёртывает вещание собственного радио «Голос таиландского народа» и активную агитацию среди народных масс в деревне.</a:t>
-            </a:r>
+              <a:t>Р</a:t>
+            </a:r>
+            <a:r>
+              <a:rPr lang="ru-RU" sz="1400" dirty="0" smtClean="0"/>
+              <a:t>адио </a:t>
+            </a:r>
+            <a:r>
+              <a:rPr lang="ru-RU" sz="1400" dirty="0"/>
+              <a:t>«Голос таиландского народа</a:t>
+            </a:r>
+            <a:r>
+              <a:rPr lang="ru-RU" sz="1400" dirty="0" smtClean="0"/>
+              <a:t>»</a:t>
+            </a:r>
+            <a:endParaRPr lang="ru-RU" sz="1400" dirty="0"/>
           </a:p>
         </p:txBody>
       </p:sp>
@@ -15902,13 +15867,13 @@
       </p:sp>
       <p:sp>
         <p:nvSpPr>
-          <p:cNvPr id="304" name="Прямоугольник 303"/>
+          <p:cNvPr id="306" name="Прямоугольник 305"/>
           <p:cNvSpPr/>
           <p:nvPr/>
         </p:nvSpPr>
         <p:spPr>
           <a:xfrm>
-            <a:off x="2783943" y="17644812"/>
+            <a:off x="7713436" y="21543607"/>
             <a:ext cx="2115918" cy="1080000"/>
           </a:xfrm>
           <a:prstGeom prst="rect">
@@ -15940,55 +15905,78 @@
             <a:pPr algn="ctr"/>
             <a:r>
               <a:rPr lang="ru-RU" sz="1400" dirty="0" smtClean="0"/>
-              <a:t>Генералы </a:t>
+              <a:t>«Революционная молодёжь</a:t>
+            </a:r>
+            <a:r>
+              <a:rPr lang="ru-RU" sz="1400" dirty="0"/>
+              <a:t>» </a:t>
+            </a:r>
+            <a:r>
+              <a:rPr lang="ru-RU" sz="600" dirty="0"/>
+              <a:t>(Раннюю жизнь отправили тренироваться, чтобы быть «Революционная молодежь» с пятилетнего возраста, можно сказать, живет на тропе битвы, сколько себя помнит. и продолжал играть роль Когда в 1930 году была основана Коммунистическая партия Сиама, ему тогда было всего 11 лет</a:t>
+            </a:r>
+            <a:r>
+              <a:rPr lang="ru-RU" sz="600" dirty="0" smtClean="0"/>
+              <a:t>.)</a:t>
+            </a:r>
+            <a:endParaRPr lang="ru-RU" sz="600" dirty="0"/>
+          </a:p>
+        </p:txBody>
+      </p:sp>
+      <p:sp>
+        <p:nvSpPr>
+          <p:cNvPr id="307" name="Прямоугольник 306"/>
+          <p:cNvSpPr/>
+          <p:nvPr/>
+        </p:nvSpPr>
+        <p:spPr>
+          <a:xfrm>
+            <a:off x="9978204" y="389954"/>
+            <a:ext cx="2115918" cy="1080000"/>
+          </a:xfrm>
+          <a:prstGeom prst="rect">
+            <a:avLst/>
+          </a:prstGeom>
+          <a:ln w="28575"/>
+        </p:spPr>
+        <p:style>
+          <a:lnRef idx="2">
+            <a:schemeClr val="accent1"/>
+          </a:lnRef>
+          <a:fillRef idx="1">
+            <a:schemeClr val="lt1"/>
+          </a:fillRef>
+          <a:effectRef idx="0">
+            <a:schemeClr val="accent1"/>
+          </a:effectRef>
+          <a:fontRef idx="minor">
+            <a:schemeClr val="dk1"/>
+          </a:fontRef>
+        </p:style>
+        <p:txBody>
+          <a:bodyPr lIns="124733" tIns="62367" rIns="124733" bIns="62367" rtlCol="0" anchor="ctr"/>
+          <a:lstStyle/>
+          <a:p>
+            <a:pPr algn="ctr"/>
+            <a:r>
+              <a:rPr lang="ru-RU" sz="1400" dirty="0"/>
+              <a:t>Впоследствии Сиамская коммунистическая партия объявила о приеме его в члены партии, когда он находился в тюрьме в возрасте 17 лет в 1938 году, прежде чем покинуть тюрьму, чтобы работать под прикрытием заводским рабочим в провинции </a:t>
+            </a:r>
+            <a:r>
+              <a:rPr lang="ru-RU" sz="1400" dirty="0" err="1"/>
+              <a:t>Сарабури</a:t>
+            </a:r>
+            <a:r>
+              <a:rPr lang="ru-RU" sz="1400" dirty="0"/>
+              <a:t> в течение двух </a:t>
+            </a:r>
+            <a:r>
+              <a:rPr lang="ru-RU" sz="1400" dirty="0" smtClean="0"/>
+              <a:t>лет. Про </a:t>
             </a:r>
             <a:r>
               <a:rPr lang="ru-RU" sz="1400" dirty="0" err="1" smtClean="0"/>
-              <a:t>комми</a:t>
-            </a:r>
-            <a:r>
-              <a:rPr lang="ru-RU" sz="1400" dirty="0" smtClean="0"/>
-              <a:t> 2 генсек </a:t>
-            </a:r>
-            <a:r>
-              <a:rPr lang="ru-RU" sz="1400" dirty="0"/>
-              <a:t>Сон </a:t>
-            </a:r>
-            <a:r>
-              <a:rPr lang="ru-RU" sz="1400" dirty="0" err="1"/>
-              <a:t>Ноппакхун</a:t>
-            </a:r>
-            <a:r>
-              <a:rPr lang="ru-RU" sz="1400" dirty="0" smtClean="0"/>
-              <a:t>(, возглавлял газету) отвечал </a:t>
-            </a:r>
-            <a:r>
-              <a:rPr lang="ru-RU" sz="1400" dirty="0"/>
-              <a:t>за снабжение армии снаряжением), </a:t>
-            </a:r>
-            <a:r>
-              <a:rPr lang="ru-RU" sz="1400" dirty="0" smtClean="0"/>
-              <a:t>второй 3 генсек </a:t>
-            </a:r>
-            <a:r>
-              <a:rPr lang="en-US" sz="1400" dirty="0" err="1"/>
-              <a:t>Wirat</a:t>
-            </a:r>
-            <a:r>
-              <a:rPr lang="en-US" sz="1400" dirty="0"/>
-              <a:t> </a:t>
-            </a:r>
-            <a:r>
-              <a:rPr lang="en-US" sz="1400" dirty="0" err="1" smtClean="0"/>
-              <a:t>Angkhathaworn</a:t>
-            </a:r>
-            <a:r>
-              <a:rPr lang="ru-RU" sz="1400" dirty="0" smtClean="0"/>
-              <a:t>, </a:t>
-            </a:r>
-            <a:r>
-              <a:rPr lang="ru-RU" sz="1400" dirty="0" err="1" smtClean="0"/>
-              <a:t>засадники</a:t>
+              <a:t>Джамсри</a:t>
             </a:r>
             <a:endParaRPr lang="ru-RU" sz="1400" dirty="0"/>
           </a:p>
@@ -15996,13 +15984,13 @@
       </p:sp>
       <p:sp>
         <p:nvSpPr>
-          <p:cNvPr id="306" name="Прямоугольник 305"/>
+          <p:cNvPr id="308" name="Прямоугольник 307"/>
           <p:cNvSpPr/>
           <p:nvPr/>
         </p:nvSpPr>
         <p:spPr>
           <a:xfrm>
-            <a:off x="7713436" y="21543607"/>
+            <a:off x="8970597" y="20082888"/>
             <a:ext cx="2115918" cy="1080000"/>
           </a:xfrm>
           <a:prstGeom prst="rect">
@@ -16034,92 +16022,21 @@
             <a:pPr algn="ctr"/>
             <a:r>
               <a:rPr lang="ru-RU" sz="1400" dirty="0" smtClean="0"/>
-              <a:t>«Революционная молодёжь</a:t>
-            </a:r>
-            <a:r>
-              <a:rPr lang="ru-RU" sz="1400" dirty="0"/>
-              <a:t>» </a:t>
-            </a:r>
-            <a:r>
-              <a:rPr lang="ru-RU" sz="600" dirty="0"/>
-              <a:t>(Раннюю жизнь отправили тренироваться, чтобы быть «Революционная молодежь» с пятилетнего возраста, можно сказать, живет на тропе битвы, сколько себя помнит. и продолжал играть роль Когда в 1930 году была основана Коммунистическая партия Сиама, ему тогда было всего 11 лет</a:t>
-            </a:r>
-            <a:r>
-              <a:rPr lang="ru-RU" sz="600" dirty="0" smtClean="0"/>
-              <a:t>.)</a:t>
-            </a:r>
-            <a:endParaRPr lang="ru-RU" sz="600" dirty="0"/>
-          </a:p>
-        </p:txBody>
-      </p:sp>
-      <p:sp>
-        <p:nvSpPr>
-          <p:cNvPr id="307" name="Прямоугольник 306"/>
+              <a:t>Буддийская социалистическая линия</a:t>
+            </a:r>
+            <a:endParaRPr lang="ru-RU" sz="1400" dirty="0"/>
+          </a:p>
+        </p:txBody>
+      </p:sp>
+      <p:sp>
+        <p:nvSpPr>
+          <p:cNvPr id="309" name="Прямоугольник 308"/>
           <p:cNvSpPr/>
           <p:nvPr/>
         </p:nvSpPr>
         <p:spPr>
           <a:xfrm>
-            <a:off x="9978204" y="389954"/>
-            <a:ext cx="2115918" cy="1080000"/>
-          </a:xfrm>
-          <a:prstGeom prst="rect">
-            <a:avLst/>
-          </a:prstGeom>
-          <a:ln w="28575"/>
-        </p:spPr>
-        <p:style>
-          <a:lnRef idx="2">
-            <a:schemeClr val="accent1"/>
-          </a:lnRef>
-          <a:fillRef idx="1">
-            <a:schemeClr val="lt1"/>
-          </a:fillRef>
-          <a:effectRef idx="0">
-            <a:schemeClr val="accent1"/>
-          </a:effectRef>
-          <a:fontRef idx="minor">
-            <a:schemeClr val="dk1"/>
-          </a:fontRef>
-        </p:style>
-        <p:txBody>
-          <a:bodyPr lIns="124733" tIns="62367" rIns="124733" bIns="62367" rtlCol="0" anchor="ctr"/>
-          <a:lstStyle/>
-          <a:p>
-            <a:pPr algn="ctr"/>
-            <a:r>
-              <a:rPr lang="ru-RU" sz="1400" dirty="0"/>
-              <a:t>Впоследствии Сиамская коммунистическая партия объявила о приеме его в члены партии, когда он находился в тюрьме в возрасте 17 лет в 1938 году, прежде чем покинуть тюрьму, чтобы работать под прикрытием заводским рабочим в провинции </a:t>
-            </a:r>
-            <a:r>
-              <a:rPr lang="ru-RU" sz="1400" dirty="0" err="1"/>
-              <a:t>Сарабури</a:t>
-            </a:r>
-            <a:r>
-              <a:rPr lang="ru-RU" sz="1400" dirty="0"/>
-              <a:t> в течение двух </a:t>
-            </a:r>
-            <a:r>
-              <a:rPr lang="ru-RU" sz="1400" dirty="0" smtClean="0"/>
-              <a:t>лет. Про </a:t>
-            </a:r>
-            <a:r>
-              <a:rPr lang="ru-RU" sz="1400" dirty="0" err="1" smtClean="0"/>
-              <a:t>Джамсри</a:t>
-            </a:r>
-            <a:endParaRPr lang="ru-RU" sz="1400" dirty="0"/>
-          </a:p>
-        </p:txBody>
-      </p:sp>
-      <p:sp>
-        <p:nvSpPr>
-          <p:cNvPr id="308" name="Прямоугольник 307"/>
-          <p:cNvSpPr/>
-          <p:nvPr/>
-        </p:nvSpPr>
-        <p:spPr>
-          <a:xfrm>
-            <a:off x="7713436" y="20034741"/>
+            <a:off x="10219458" y="22921498"/>
             <a:ext cx="2115918" cy="1080000"/>
           </a:xfrm>
           <a:prstGeom prst="rect">
@@ -16150,22 +16067,49 @@
           <a:p>
             <a:pPr algn="ctr"/>
             <a:r>
-              <a:rPr lang="ru-RU" sz="1400" dirty="0" smtClean="0"/>
-              <a:t>Буддийская социалистическая линия</a:t>
-            </a:r>
-            <a:endParaRPr lang="ru-RU" sz="1400" dirty="0"/>
-          </a:p>
-        </p:txBody>
-      </p:sp>
-      <p:sp>
-        <p:nvSpPr>
-          <p:cNvPr id="309" name="Прямоугольник 308"/>
+              <a:rPr lang="ru-RU" sz="1400" dirty="0"/>
+              <a:t>Набор среди </a:t>
+            </a:r>
+            <a:r>
+              <a:rPr lang="ru-RU" sz="1400" dirty="0" err="1"/>
+              <a:t>Хмонгов</a:t>
+            </a:r>
+            <a:r>
+              <a:rPr lang="ru-RU" sz="2800" dirty="0"/>
+              <a:t> </a:t>
+            </a:r>
+            <a:r>
+              <a:rPr lang="ru-RU" sz="900" dirty="0"/>
+              <a:t>(В 1959 г. КПТ перешла к практике набора представителей горных народов – </a:t>
+            </a:r>
+            <a:r>
+              <a:rPr lang="ru-RU" sz="900" dirty="0" err="1"/>
+              <a:t>хмонгов</a:t>
+            </a:r>
+            <a:r>
+              <a:rPr lang="ru-RU" sz="900" dirty="0"/>
+              <a:t> (</a:t>
+            </a:r>
+            <a:r>
+              <a:rPr lang="ru-RU" sz="900" dirty="0" err="1"/>
+              <a:t>мео</a:t>
+            </a:r>
+            <a:r>
+              <a:rPr lang="ru-RU" sz="900" dirty="0"/>
+              <a:t>) – для обучения антиправительственной деятельности.)</a:t>
+            </a:r>
+          </a:p>
+        </p:txBody>
+      </p:sp>
+      <p:sp>
+        <p:nvSpPr>
+          <p:cNvPr id="311" name="Прямоугольник 310"/>
           <p:cNvSpPr/>
           <p:nvPr/>
         </p:nvSpPr>
         <p:spPr>
           <a:xfrm>
-            <a:off x="10219458" y="22921498"/>
+            <a:off x="2779393" y="21539870"/>
             <a:ext cx="2115918" cy="1080000"/>
           </a:xfrm>
           <a:prstGeom prst="rect">
@@ -16197,79 +16141,6 @@
             <a:pPr algn="ctr"/>
             <a:r>
               <a:rPr lang="ru-RU" sz="1400" dirty="0"/>
-              <a:t>Набор среди </a:t>
-            </a:r>
-            <a:r>
-              <a:rPr lang="ru-RU" sz="1400" dirty="0" err="1"/>
-              <a:t>Хмонгов</a:t>
-            </a:r>
-            <a:r>
-              <a:rPr lang="ru-RU" sz="2800" dirty="0"/>
-              <a:t> </a:t>
-            </a:r>
-            <a:r>
-              <a:rPr lang="ru-RU" sz="900" dirty="0"/>
-              <a:t>(В 1959 г. КПТ перешла к практике набора представителей горных народов – </a:t>
-            </a:r>
-            <a:r>
-              <a:rPr lang="ru-RU" sz="900" dirty="0" err="1"/>
-              <a:t>хмонгов</a:t>
-            </a:r>
-            <a:r>
-              <a:rPr lang="ru-RU" sz="900" dirty="0"/>
-              <a:t> (</a:t>
-            </a:r>
-            <a:r>
-              <a:rPr lang="ru-RU" sz="900" dirty="0" err="1"/>
-              <a:t>мео</a:t>
-            </a:r>
-            <a:r>
-              <a:rPr lang="ru-RU" sz="900" dirty="0"/>
-              <a:t>) – для обучения антиправительственной деятельности.)</a:t>
-            </a:r>
-          </a:p>
-        </p:txBody>
-      </p:sp>
-      <p:sp>
-        <p:nvSpPr>
-          <p:cNvPr id="311" name="Прямоугольник 310"/>
-          <p:cNvSpPr/>
-          <p:nvPr/>
-        </p:nvSpPr>
-        <p:spPr>
-          <a:xfrm>
-            <a:off x="2779393" y="21539870"/>
-            <a:ext cx="2115918" cy="1080000"/>
-          </a:xfrm>
-          <a:prstGeom prst="rect">
-            <a:avLst/>
-          </a:prstGeom>
-          <a:solidFill>
-            <a:srgbClr val="FF0000"/>
-          </a:solidFill>
-          <a:ln w="28575"/>
-        </p:spPr>
-        <p:style>
-          <a:lnRef idx="2">
-            <a:schemeClr val="accent1"/>
-          </a:lnRef>
-          <a:fillRef idx="1">
-            <a:schemeClr val="lt1"/>
-          </a:fillRef>
-          <a:effectRef idx="0">
-            <a:schemeClr val="accent1"/>
-          </a:effectRef>
-          <a:fontRef idx="minor">
-            <a:schemeClr val="dk1"/>
-          </a:fontRef>
-        </p:style>
-        <p:txBody>
-          <a:bodyPr lIns="124733" tIns="62367" rIns="124733" bIns="62367" rtlCol="0" anchor="ctr"/>
-          <a:lstStyle/>
-          <a:p>
-            <a:pPr algn="ctr"/>
-            <a:r>
-              <a:rPr lang="ru-RU" sz="1400" dirty="0"/>
               <a:t>Создание Центрального </a:t>
             </a:r>
             <a:r>
@@ -16291,8 +16162,8 @@
         </p:nvCxnSpPr>
         <p:spPr>
           <a:xfrm rot="5400000">
-            <a:off x="4891329" y="20062861"/>
-            <a:ext cx="423032" cy="2530986"/>
+            <a:off x="5521419" y="19481885"/>
+            <a:ext cx="373919" cy="3742051"/>
           </a:xfrm>
           <a:prstGeom prst="bentConnector3">
             <a:avLst>
@@ -16329,8 +16200,8 @@
         </p:nvCxnSpPr>
         <p:spPr>
           <a:xfrm rot="16200000" flipH="1">
-            <a:off x="8612578" y="18872598"/>
-            <a:ext cx="423708" cy="4912188"/>
+            <a:off x="9242667" y="19502686"/>
+            <a:ext cx="374595" cy="3701123"/>
           </a:xfrm>
           <a:prstGeom prst="bentConnector3">
             <a:avLst>
@@ -16367,8 +16238,8 @@
         </p:nvCxnSpPr>
         <p:spPr>
           <a:xfrm rot="16200000" flipH="1">
-            <a:off x="7922265" y="19185610"/>
-            <a:ext cx="509579" cy="1188681"/>
+            <a:off x="8526772" y="18581104"/>
+            <a:ext cx="557726" cy="2445842"/>
           </a:xfrm>
           <a:prstGeom prst="bentConnector3">
             <a:avLst>
@@ -16405,8 +16276,8 @@
         </p:nvCxnSpPr>
         <p:spPr>
           <a:xfrm rot="5400000">
-            <a:off x="6719688" y="19173812"/>
-            <a:ext cx="511676" cy="1214376"/>
+            <a:off x="7300665" y="19803901"/>
+            <a:ext cx="560789" cy="3311"/>
           </a:xfrm>
           <a:prstGeom prst="bentConnector3">
             <a:avLst>
@@ -16443,8 +16314,8 @@
         </p:nvCxnSpPr>
         <p:spPr>
           <a:xfrm rot="16200000" flipH="1">
-            <a:off x="7356482" y="20128693"/>
-            <a:ext cx="426769" cy="2403057"/>
+            <a:off x="7986571" y="20758783"/>
+            <a:ext cx="377656" cy="1191992"/>
           </a:xfrm>
           <a:prstGeom prst="bentConnector3">
             <a:avLst>
@@ -16732,81 +16603,6 @@
           </a:fontRef>
         </p:style>
       </p:cxnSp>
-      <p:sp>
-        <p:nvSpPr>
-          <p:cNvPr id="329" name="Прямоугольник 328"/>
-          <p:cNvSpPr/>
-          <p:nvPr/>
-        </p:nvSpPr>
-        <p:spPr>
-          <a:xfrm>
-            <a:off x="24431305" y="173291"/>
-            <a:ext cx="2115918" cy="1080000"/>
-          </a:xfrm>
-          <a:prstGeom prst="rect">
-            <a:avLst/>
-          </a:prstGeom>
-          <a:ln w="28575"/>
-        </p:spPr>
-        <p:style>
-          <a:lnRef idx="2">
-            <a:schemeClr val="accent1"/>
-          </a:lnRef>
-          <a:fillRef idx="1">
-            <a:schemeClr val="lt1"/>
-          </a:fillRef>
-          <a:effectRef idx="0">
-            <a:schemeClr val="accent1"/>
-          </a:effectRef>
-          <a:fontRef idx="minor">
-            <a:schemeClr val="dk1"/>
-          </a:fontRef>
-        </p:style>
-        <p:txBody>
-          <a:bodyPr lIns="124733" tIns="62367" rIns="124733" bIns="62367" rtlCol="0" anchor="ctr"/>
-          <a:lstStyle/>
-          <a:p>
-            <a:pPr algn="ctr"/>
-            <a:r>
-              <a:rPr lang="ru-RU" sz="1400" dirty="0" smtClean="0"/>
-              <a:t>1938 11 сентября - </a:t>
-            </a:r>
-            <a:r>
-              <a:rPr lang="ru-RU" sz="1400" dirty="0" err="1" smtClean="0"/>
-              <a:t>Прайя</a:t>
-            </a:r>
-            <a:r>
-              <a:rPr lang="ru-RU" sz="1400" dirty="0" smtClean="0"/>
-              <a:t> </a:t>
-            </a:r>
-            <a:r>
-              <a:rPr lang="ru-RU" sz="1400" dirty="0" err="1" smtClean="0"/>
-              <a:t>Пахонфонпхайухасена</a:t>
-            </a:r>
-            <a:r>
-              <a:rPr lang="ru-RU" sz="1400" dirty="0" smtClean="0"/>
-              <a:t> распускает парламент, поскольку правительство теряет голоса по предложенному правительством объяснению расходов 1938 16 декабря - полковник </a:t>
-            </a:r>
-            <a:r>
-              <a:rPr lang="ru-RU" sz="1400" dirty="0" err="1" smtClean="0"/>
-              <a:t>Луанг</a:t>
-            </a:r>
-            <a:r>
-              <a:rPr lang="ru-RU" sz="1400" dirty="0" smtClean="0"/>
-              <a:t> </a:t>
-            </a:r>
-            <a:r>
-              <a:rPr lang="ru-RU" sz="1400" dirty="0" err="1" smtClean="0"/>
-              <a:t>Пхибунсонгкхрам</a:t>
-            </a:r>
-            <a:r>
-              <a:rPr lang="ru-RU" sz="1400" dirty="0" smtClean="0"/>
-              <a:t>. занял пост премьер-министра</a:t>
-            </a:r>
-            <a:endParaRPr lang="ru-RU" sz="1400" dirty="0"/>
-          </a:p>
-        </p:txBody>
-      </p:sp>
       <p:sp>
         <p:nvSpPr>
           <p:cNvPr id="332" name="Прямоугольник 331"/>
@@ -17654,89 +17450,6 @@
           </a:fontRef>
         </p:style>
       </p:cxnSp>
-      <p:sp>
-        <p:nvSpPr>
-          <p:cNvPr id="417" name="Прямоугольник 416"/>
-          <p:cNvSpPr/>
-          <p:nvPr/>
-        </p:nvSpPr>
-        <p:spPr>
-          <a:xfrm>
-            <a:off x="19674190" y="216639"/>
-            <a:ext cx="4476816" cy="3226200"/>
-          </a:xfrm>
-          <a:prstGeom prst="rect">
-            <a:avLst/>
-          </a:prstGeom>
-          <a:ln w="28575"/>
-        </p:spPr>
-        <p:style>
-          <a:lnRef idx="2">
-            <a:schemeClr val="accent1"/>
-          </a:lnRef>
-          <a:fillRef idx="1">
-            <a:schemeClr val="lt1"/>
-          </a:fillRef>
-          <a:effectRef idx="0">
-            <a:schemeClr val="accent1"/>
-          </a:effectRef>
-          <a:fontRef idx="minor">
-            <a:schemeClr val="dk1"/>
-          </a:fontRef>
-        </p:style>
-        <p:txBody>
-          <a:bodyPr lIns="124733" tIns="62367" rIns="124733" bIns="62367" rtlCol="0" anchor="ctr"/>
-          <a:lstStyle/>
-          <a:p>
-            <a:pPr algn="ctr"/>
-            <a:r>
-              <a:rPr lang="ru-RU" sz="1400" dirty="0" smtClean="0"/>
-              <a:t>ИВЕНТ НА ВЫБОРЫ </a:t>
-            </a:r>
-            <a:r>
-              <a:rPr lang="ru-RU" sz="500" dirty="0" smtClean="0"/>
-              <a:t>(</a:t>
-            </a:r>
-            <a:r>
-              <a:rPr lang="ru-RU" sz="1600" dirty="0" smtClean="0"/>
-              <a:t>Когда </a:t>
-            </a:r>
-            <a:r>
-              <a:rPr lang="ru-RU" sz="1600" dirty="0" err="1" smtClean="0"/>
-              <a:t>Пхрая</a:t>
-            </a:r>
-            <a:r>
-              <a:rPr lang="ru-RU" sz="1600" dirty="0" smtClean="0"/>
-              <a:t> </a:t>
-            </a:r>
-            <a:r>
-              <a:rPr lang="ru-RU" sz="1600" dirty="0" err="1" smtClean="0"/>
-              <a:t>Пахонпхаюхасена</a:t>
-            </a:r>
-            <a:r>
-              <a:rPr lang="ru-RU" sz="1600" dirty="0" smtClean="0"/>
-              <a:t> ушел с поста премьер-министра и больше не подавал заявку на эту должность в 1938 году, Народная партия выдвинула четырех человек на пост премьер-министра, включая Приди. Но результат оказался побежденным </a:t>
-            </a:r>
-            <a:r>
-              <a:rPr lang="ru-RU" sz="1600" dirty="0" err="1" smtClean="0"/>
-              <a:t>Луанг</a:t>
-            </a:r>
-            <a:r>
-              <a:rPr lang="ru-RU" sz="1600" dirty="0" smtClean="0"/>
-              <a:t> </a:t>
-            </a:r>
-            <a:r>
-              <a:rPr lang="ru-RU" sz="1600" dirty="0" err="1" smtClean="0"/>
-              <a:t>Фибунсонгкхрамом</a:t>
-            </a:r>
-            <a:r>
-              <a:rPr lang="ru-RU" sz="1600" dirty="0" smtClean="0"/>
-              <a:t>. Считается, что отчасти потому, что Приди является прогрессивным и рассматривается как республиканская система [13] : 70-1, а отчасти потому, что необходимо подготовиться к защите страны в условиях нестабильной глобальной ситуации [11] : 124.)</a:t>
-            </a:r>
-            <a:endParaRPr lang="ru-RU" sz="1600" dirty="0"/>
-          </a:p>
-        </p:txBody>
-      </p:sp>
       <p:sp>
         <p:nvSpPr>
           <p:cNvPr id="419" name="Прямоугольник 418"/>
@@ -21760,7 +21473,7 @@
             <a:pPr algn="ctr"/>
             <a:r>
               <a:rPr lang="ru-RU" sz="2400" dirty="0" smtClean="0"/>
-              <a:t>32</a:t>
+              <a:t>33</a:t>
             </a:r>
             <a:endParaRPr lang="ru-RU" sz="2400" dirty="0"/>
           </a:p>
@@ -23493,184 +23206,6 @@
       </p:cxnSp>
       <p:sp>
         <p:nvSpPr>
-          <p:cNvPr id="595" name="Прямоугольник 594"/>
-          <p:cNvSpPr/>
-          <p:nvPr/>
-        </p:nvSpPr>
-        <p:spPr>
-          <a:xfrm>
-            <a:off x="29450397" y="211391"/>
-            <a:ext cx="2115918" cy="1080000"/>
-          </a:xfrm>
-          <a:prstGeom prst="rect">
-            <a:avLst/>
-          </a:prstGeom>
-          <a:solidFill>
-            <a:srgbClr val="CC00CC"/>
-          </a:solidFill>
-          <a:ln w="28575"/>
-        </p:spPr>
-        <p:style>
-          <a:lnRef idx="2">
-            <a:schemeClr val="accent1"/>
-          </a:lnRef>
-          <a:fillRef idx="1">
-            <a:schemeClr val="lt1"/>
-          </a:fillRef>
-          <a:effectRef idx="0">
-            <a:schemeClr val="accent1"/>
-          </a:effectRef>
-          <a:fontRef idx="minor">
-            <a:schemeClr val="dk1"/>
-          </a:fontRef>
-        </p:style>
-        <p:txBody>
-          <a:bodyPr lIns="124733" tIns="62367" rIns="124733" bIns="62367" rtlCol="0" anchor="ctr"/>
-          <a:lstStyle/>
-          <a:p>
-            <a:pPr algn="ctr"/>
-            <a:r>
-              <a:rPr lang="ru-RU" sz="1400" dirty="0" smtClean="0"/>
-              <a:t>Рама </a:t>
-            </a:r>
-            <a:r>
-              <a:rPr lang="en-US" sz="1400" dirty="0" smtClean="0"/>
-              <a:t>IX</a:t>
-            </a:r>
-            <a:r>
-              <a:rPr lang="ru-RU" sz="1400" dirty="0" smtClean="0"/>
-              <a:t> </a:t>
-            </a:r>
-            <a:r>
-              <a:rPr lang="ru-RU" sz="500" dirty="0" smtClean="0"/>
-              <a:t>(Порядок наследования трона в Таиланде был довольно сложным, и принц </a:t>
-            </a:r>
-            <a:r>
-              <a:rPr lang="ru-RU" sz="500" dirty="0" err="1" smtClean="0"/>
-              <a:t>Ананта</a:t>
-            </a:r>
-            <a:r>
-              <a:rPr lang="ru-RU" sz="500" dirty="0" smtClean="0"/>
-              <a:t>́ </a:t>
-            </a:r>
-            <a:r>
-              <a:rPr lang="ru-RU" sz="500" dirty="0" err="1" smtClean="0"/>
-              <a:t>Махидо́н</a:t>
-            </a:r>
-            <a:r>
-              <a:rPr lang="ru-RU" sz="500" dirty="0" smtClean="0"/>
-              <a:t> был первым в линии наследования, но его соперник, принц </a:t>
-            </a:r>
-            <a:r>
-              <a:rPr lang="ru-RU" sz="500" dirty="0" err="1" smtClean="0">
-                <a:hlinkClick r:id="rId3" tooltip="Чулачакрапонгсе (страница отсутствует)"/>
-              </a:rPr>
-              <a:t>Чулачакрапонгсе</a:t>
-            </a:r>
-            <a:r>
-              <a:rPr lang="ru-RU" sz="500" dirty="0" smtClean="0"/>
-              <a:t>, был ранее исключён из наследования и считал это исключение незаконным. Вопрос о наследовании решал кабинет министров, который интерпретировал закон в пользу </a:t>
-            </a:r>
-            <a:r>
-              <a:rPr lang="ru-RU" sz="500" dirty="0" err="1" smtClean="0"/>
-              <a:t>Ананты</a:t>
-            </a:r>
-            <a:r>
-              <a:rPr lang="ru-RU" sz="500" dirty="0" smtClean="0"/>
-              <a:t>́ </a:t>
-            </a:r>
-            <a:r>
-              <a:rPr lang="ru-RU" sz="500" dirty="0" err="1" smtClean="0"/>
-              <a:t>Махидо́на</a:t>
-            </a:r>
-            <a:r>
-              <a:rPr lang="ru-RU" sz="500" dirty="0" smtClean="0"/>
-              <a:t>.)(</a:t>
-            </a:r>
-            <a:r>
-              <a:rPr lang="en-US" sz="500" dirty="0" smtClean="0">
-                <a:hlinkClick r:id="rId4"/>
-              </a:rPr>
-              <a:t>https://ru.wikipedia.org/wiki/</a:t>
-            </a:r>
-            <a:r>
-              <a:rPr lang="ru-RU" sz="500" dirty="0" err="1" smtClean="0">
-                <a:hlinkClick r:id="rId4"/>
-              </a:rPr>
-              <a:t>Чула_Чакрабон</a:t>
-            </a:r>
-            <a:r>
-              <a:rPr lang="ru-RU" sz="500" dirty="0" smtClean="0"/>
-              <a:t>) </a:t>
-            </a:r>
-            <a:endParaRPr lang="ru-RU" sz="1400" dirty="0"/>
-          </a:p>
-        </p:txBody>
-      </p:sp>
-      <p:sp>
-        <p:nvSpPr>
-          <p:cNvPr id="596" name="Прямоугольник 595"/>
-          <p:cNvSpPr/>
-          <p:nvPr/>
-        </p:nvSpPr>
-        <p:spPr>
-          <a:xfrm>
-            <a:off x="26827522" y="173291"/>
-            <a:ext cx="2115918" cy="1080000"/>
-          </a:xfrm>
-          <a:prstGeom prst="rect">
-            <a:avLst/>
-          </a:prstGeom>
-          <a:solidFill>
-            <a:srgbClr val="CC00CC"/>
-          </a:solidFill>
-          <a:ln w="28575"/>
-        </p:spPr>
-        <p:style>
-          <a:lnRef idx="2">
-            <a:schemeClr val="accent1"/>
-          </a:lnRef>
-          <a:fillRef idx="1">
-            <a:schemeClr val="lt1"/>
-          </a:fillRef>
-          <a:effectRef idx="0">
-            <a:schemeClr val="accent1"/>
-          </a:effectRef>
-          <a:fontRef idx="minor">
-            <a:schemeClr val="dk1"/>
-          </a:fontRef>
-        </p:style>
-        <p:txBody>
-          <a:bodyPr lIns="124733" tIns="62367" rIns="124733" bIns="62367" rtlCol="0" anchor="ctr"/>
-          <a:lstStyle/>
-          <a:p>
-            <a:pPr algn="ctr"/>
-            <a:r>
-              <a:rPr lang="ru-RU" sz="1400" dirty="0" smtClean="0"/>
-              <a:t>Вернуть трон Раме </a:t>
-            </a:r>
-            <a:r>
-              <a:rPr lang="en-US" sz="1400" dirty="0" smtClean="0"/>
-              <a:t>VIII (</a:t>
-            </a:r>
-            <a:r>
-              <a:rPr lang="ru-RU" sz="1400" dirty="0" smtClean="0"/>
-              <a:t>Ананда </a:t>
-            </a:r>
-            <a:r>
-              <a:rPr lang="ru-RU" sz="1400" dirty="0" err="1" smtClean="0"/>
-              <a:t>Махидон</a:t>
-            </a:r>
-            <a:r>
-              <a:rPr lang="en-US" sz="1400" dirty="0" smtClean="0"/>
-              <a:t>)</a:t>
-            </a:r>
-            <a:endParaRPr lang="ru-RU" sz="1400" dirty="0" smtClean="0"/>
-          </a:p>
-        </p:txBody>
-      </p:sp>
-      <p:sp>
-        <p:nvSpPr>
           <p:cNvPr id="598" name="Прямоугольник 597"/>
           <p:cNvSpPr/>
           <p:nvPr/>
@@ -24757,7 +24292,11 @@
             <a:pPr algn="ctr"/>
             <a:r>
               <a:rPr lang="ru-RU" sz="3200" dirty="0" smtClean="0"/>
-              <a:t>159 фокусов</a:t>
+              <a:t>160 </a:t>
+            </a:r>
+            <a:r>
+              <a:rPr lang="ru-RU" sz="3200" dirty="0" smtClean="0"/>
+              <a:t>фокусов</a:t>
             </a:r>
             <a:endParaRPr lang="ru-RU" sz="3200" dirty="0"/>
           </a:p>
@@ -30896,6 +30435,128 @@
           <a:xfrm rot="5400000">
             <a:off x="37199982" y="20723292"/>
             <a:ext cx="342220" cy="1143265"/>
+          </a:xfrm>
+          <a:prstGeom prst="bentConnector3">
+            <a:avLst>
+              <a:gd name="adj1" fmla="val 50000"/>
+            </a:avLst>
+          </a:prstGeom>
+          <a:ln w="28575">
+            <a:tailEnd type="arrow"/>
+          </a:ln>
+        </p:spPr>
+        <p:style>
+          <a:lnRef idx="1">
+            <a:schemeClr val="accent1"/>
+          </a:lnRef>
+          <a:fillRef idx="0">
+            <a:schemeClr val="accent1"/>
+          </a:fillRef>
+          <a:effectRef idx="0">
+            <a:schemeClr val="accent1"/>
+          </a:effectRef>
+          <a:fontRef idx="minor">
+            <a:schemeClr val="tx1"/>
+          </a:fontRef>
+        </p:style>
+      </p:cxnSp>
+      <p:sp>
+        <p:nvSpPr>
+          <p:cNvPr id="717" name="Прямоугольник 716"/>
+          <p:cNvSpPr/>
+          <p:nvPr/>
+        </p:nvSpPr>
+        <p:spPr>
+          <a:xfrm>
+            <a:off x="4121440" y="20082888"/>
+            <a:ext cx="2115918" cy="1080000"/>
+          </a:xfrm>
+          <a:prstGeom prst="rect">
+            <a:avLst/>
+          </a:prstGeom>
+          <a:solidFill>
+            <a:srgbClr val="FF0000"/>
+          </a:solidFill>
+          <a:ln w="28575"/>
+        </p:spPr>
+        <p:style>
+          <a:lnRef idx="2">
+            <a:schemeClr val="accent1"/>
+          </a:lnRef>
+          <a:fillRef idx="1">
+            <a:schemeClr val="lt1"/>
+          </a:fillRef>
+          <a:effectRef idx="0">
+            <a:schemeClr val="accent1"/>
+          </a:effectRef>
+          <a:fontRef idx="minor">
+            <a:schemeClr val="dk1"/>
+          </a:fontRef>
+        </p:style>
+        <p:txBody>
+          <a:bodyPr lIns="124733" tIns="62367" rIns="124733" bIns="62367" rtlCol="0" anchor="ctr"/>
+          <a:lstStyle/>
+          <a:p>
+            <a:pPr algn="ctr"/>
+            <a:r>
+              <a:rPr lang="ru-RU" sz="1400" dirty="0" smtClean="0"/>
+              <a:t>Восстановление страны</a:t>
+            </a:r>
+            <a:endParaRPr lang="ru-RU" sz="1400" dirty="0"/>
+          </a:p>
+        </p:txBody>
+      </p:sp>
+      <p:cxnSp>
+        <p:nvCxnSpPr>
+          <p:cNvPr id="726" name="Shape 248"/>
+          <p:cNvCxnSpPr>
+            <a:stCxn id="478" idx="2"/>
+            <a:endCxn id="717" idx="0"/>
+          </p:cNvCxnSpPr>
+          <p:nvPr/>
+        </p:nvCxnSpPr>
+        <p:spPr>
+          <a:xfrm rot="5400000">
+            <a:off x="6102194" y="18602368"/>
+            <a:ext cx="557726" cy="2403315"/>
+          </a:xfrm>
+          <a:prstGeom prst="bentConnector3">
+            <a:avLst>
+              <a:gd name="adj1" fmla="val 50000"/>
+            </a:avLst>
+          </a:prstGeom>
+          <a:ln w="28575">
+            <a:tailEnd type="arrow"/>
+          </a:ln>
+        </p:spPr>
+        <p:style>
+          <a:lnRef idx="1">
+            <a:schemeClr val="accent1"/>
+          </a:lnRef>
+          <a:fillRef idx="0">
+            <a:schemeClr val="accent1"/>
+          </a:fillRef>
+          <a:effectRef idx="0">
+            <a:schemeClr val="accent1"/>
+          </a:effectRef>
+          <a:fontRef idx="minor">
+            <a:schemeClr val="tx1"/>
+          </a:fontRef>
+        </p:style>
+      </p:cxnSp>
+      <p:cxnSp>
+        <p:nvCxnSpPr>
+          <p:cNvPr id="738" name="Shape 248"/>
+          <p:cNvCxnSpPr>
+            <a:stCxn id="717" idx="2"/>
+            <a:endCxn id="311" idx="0"/>
+          </p:cNvCxnSpPr>
+          <p:nvPr/>
+        </p:nvCxnSpPr>
+        <p:spPr>
+          <a:xfrm rot="5400000">
+            <a:off x="4319885" y="20680356"/>
+            <a:ext cx="376982" cy="1342047"/>
           </a:xfrm>
           <a:prstGeom prst="bentConnector3">
             <a:avLst>

--- a/Наработки/диздоки/Сиам/Сиам.pptx
+++ b/Наработки/диздоки/Сиам/Сиам.pptx
@@ -209,7 +209,7 @@
             <a:fld id="{33E3D7F9-E251-484C-A6FF-FA958879DF69}" type="datetimeFigureOut">
               <a:rPr lang="ru-RU" smtClean="0"/>
               <a:pPr/>
-              <a:t>20.08.2021</a:t>
+              <a:t>24.08.2021</a:t>
             </a:fld>
             <a:endParaRPr lang="ru-RU"/>
           </a:p>
@@ -700,7 +700,7 @@
             <a:fld id="{85A5DE44-605B-4D3B-B2B7-94543DF81A36}" type="datetimeFigureOut">
               <a:rPr lang="ru-RU" smtClean="0"/>
               <a:pPr/>
-              <a:t>20.08.2021</a:t>
+              <a:t>24.08.2021</a:t>
             </a:fld>
             <a:endParaRPr lang="ru-RU"/>
           </a:p>
@@ -872,7 +872,7 @@
             <a:fld id="{85A5DE44-605B-4D3B-B2B7-94543DF81A36}" type="datetimeFigureOut">
               <a:rPr lang="ru-RU" smtClean="0"/>
               <a:pPr/>
-              <a:t>20.08.2021</a:t>
+              <a:t>24.08.2021</a:t>
             </a:fld>
             <a:endParaRPr lang="ru-RU"/>
           </a:p>
@@ -1054,7 +1054,7 @@
             <a:fld id="{85A5DE44-605B-4D3B-B2B7-94543DF81A36}" type="datetimeFigureOut">
               <a:rPr lang="ru-RU" smtClean="0"/>
               <a:pPr/>
-              <a:t>20.08.2021</a:t>
+              <a:t>24.08.2021</a:t>
             </a:fld>
             <a:endParaRPr lang="ru-RU"/>
           </a:p>
@@ -1226,7 +1226,7 @@
             <a:fld id="{85A5DE44-605B-4D3B-B2B7-94543DF81A36}" type="datetimeFigureOut">
               <a:rPr lang="ru-RU" smtClean="0"/>
               <a:pPr/>
-              <a:t>20.08.2021</a:t>
+              <a:t>24.08.2021</a:t>
             </a:fld>
             <a:endParaRPr lang="ru-RU"/>
           </a:p>
@@ -1474,7 +1474,7 @@
             <a:fld id="{85A5DE44-605B-4D3B-B2B7-94543DF81A36}" type="datetimeFigureOut">
               <a:rPr lang="ru-RU" smtClean="0"/>
               <a:pPr/>
-              <a:t>20.08.2021</a:t>
+              <a:t>24.08.2021</a:t>
             </a:fld>
             <a:endParaRPr lang="ru-RU"/>
           </a:p>
@@ -1708,7 +1708,7 @@
             <a:fld id="{85A5DE44-605B-4D3B-B2B7-94543DF81A36}" type="datetimeFigureOut">
               <a:rPr lang="ru-RU" smtClean="0"/>
               <a:pPr/>
-              <a:t>20.08.2021</a:t>
+              <a:t>24.08.2021</a:t>
             </a:fld>
             <a:endParaRPr lang="ru-RU"/>
           </a:p>
@@ -2077,7 +2077,7 @@
             <a:fld id="{85A5DE44-605B-4D3B-B2B7-94543DF81A36}" type="datetimeFigureOut">
               <a:rPr lang="ru-RU" smtClean="0"/>
               <a:pPr/>
-              <a:t>20.08.2021</a:t>
+              <a:t>24.08.2021</a:t>
             </a:fld>
             <a:endParaRPr lang="ru-RU"/>
           </a:p>
@@ -2197,7 +2197,7 @@
             <a:fld id="{85A5DE44-605B-4D3B-B2B7-94543DF81A36}" type="datetimeFigureOut">
               <a:rPr lang="ru-RU" smtClean="0"/>
               <a:pPr/>
-              <a:t>20.08.2021</a:t>
+              <a:t>24.08.2021</a:t>
             </a:fld>
             <a:endParaRPr lang="ru-RU"/>
           </a:p>
@@ -2294,7 +2294,7 @@
             <a:fld id="{85A5DE44-605B-4D3B-B2B7-94543DF81A36}" type="datetimeFigureOut">
               <a:rPr lang="ru-RU" smtClean="0"/>
               <a:pPr/>
-              <a:t>20.08.2021</a:t>
+              <a:t>24.08.2021</a:t>
             </a:fld>
             <a:endParaRPr lang="ru-RU"/>
           </a:p>
@@ -2573,7 +2573,7 @@
             <a:fld id="{85A5DE44-605B-4D3B-B2B7-94543DF81A36}" type="datetimeFigureOut">
               <a:rPr lang="ru-RU" smtClean="0"/>
               <a:pPr/>
-              <a:t>20.08.2021</a:t>
+              <a:t>24.08.2021</a:t>
             </a:fld>
             <a:endParaRPr lang="ru-RU"/>
           </a:p>
@@ -2832,7 +2832,7 @@
             <a:fld id="{85A5DE44-605B-4D3B-B2B7-94543DF81A36}" type="datetimeFigureOut">
               <a:rPr lang="ru-RU" smtClean="0"/>
               <a:pPr/>
-              <a:t>20.08.2021</a:t>
+              <a:t>24.08.2021</a:t>
             </a:fld>
             <a:endParaRPr lang="ru-RU"/>
           </a:p>
@@ -3047,7 +3047,7 @@
             <a:fld id="{85A5DE44-605B-4D3B-B2B7-94543DF81A36}" type="datetimeFigureOut">
               <a:rPr lang="ru-RU" smtClean="0"/>
               <a:pPr/>
-              <a:t>20.08.2021</a:t>
+              <a:t>24.08.2021</a:t>
             </a:fld>
             <a:endParaRPr lang="ru-RU"/>
           </a:p>
@@ -3772,15 +3772,7 @@
             <a:pPr algn="ctr"/>
             <a:r>
               <a:rPr lang="ru-RU" sz="1400" dirty="0" smtClean="0"/>
-              <a:t>Восстановить </a:t>
-            </a:r>
-            <a:r>
-              <a:rPr lang="ru-RU" sz="1400" dirty="0" smtClean="0"/>
-              <a:t>коммунистическую партию </a:t>
-            </a:r>
-            <a:r>
-              <a:rPr lang="ru-RU" sz="1400" dirty="0" smtClean="0"/>
-              <a:t>Сиама</a:t>
+              <a:t>Восстановить коммунистическую партию Сиама</a:t>
             </a:r>
             <a:endParaRPr lang="ru-RU" sz="1400" dirty="0"/>
           </a:p>
@@ -10052,11 +10044,7 @@
             <a:pPr algn="ctr"/>
             <a:r>
               <a:rPr lang="ru-RU" sz="1400" dirty="0" smtClean="0"/>
-              <a:t>Стартовые генералы </a:t>
-            </a:r>
-            <a:r>
-              <a:rPr lang="ru-RU" sz="1400" dirty="0" smtClean="0"/>
-              <a:t>(</a:t>
+              <a:t>Стартовые генералы (</a:t>
             </a:r>
             <a:r>
               <a:rPr lang="th-TH" sz="1400" dirty="0" smtClean="0"/>
@@ -14424,7 +14412,11 @@
             </a:r>
             <a:r>
               <a:rPr lang="ru-RU" sz="1400" dirty="0" smtClean="0"/>
-              <a:t> марксизма</a:t>
+              <a:t> </a:t>
+            </a:r>
+            <a:r>
+              <a:rPr lang="ru-RU" sz="1400" dirty="0" smtClean="0"/>
+              <a:t>марксизма</a:t>
             </a:r>
             <a:endParaRPr lang="ru-RU" sz="1400" dirty="0"/>
           </a:p>
@@ -16141,7 +16133,11 @@
             <a:pPr algn="ctr"/>
             <a:r>
               <a:rPr lang="ru-RU" sz="1400" dirty="0"/>
-              <a:t>Создание Центрального </a:t>
+              <a:t>Создание </a:t>
+            </a:r>
+            <a:r>
+              <a:rPr lang="ru-RU" sz="1400" dirty="0" smtClean="0"/>
+              <a:t>центрального </a:t>
             </a:r>
             <a:r>
               <a:rPr lang="ru-RU" sz="1400" dirty="0" smtClean="0"/>
@@ -21441,7 +21437,7 @@
         </p:nvSpPr>
         <p:spPr>
           <a:xfrm>
-            <a:off x="4713091" y="18865943"/>
+            <a:off x="5637273" y="18916319"/>
             <a:ext cx="616554" cy="597714"/>
           </a:xfrm>
           <a:prstGeom prst="rect">
@@ -24292,11 +24288,7 @@
             <a:pPr algn="ctr"/>
             <a:r>
               <a:rPr lang="ru-RU" sz="3200" dirty="0" smtClean="0"/>
-              <a:t>160 </a:t>
-            </a:r>
-            <a:r>
-              <a:rPr lang="ru-RU" sz="3200" dirty="0" smtClean="0"/>
-              <a:t>фокусов</a:t>
+              <a:t>160 фокусов</a:t>
             </a:r>
             <a:endParaRPr lang="ru-RU" sz="3200" dirty="0"/>
           </a:p>
@@ -25927,176 +25919,6 @@
           </a:fontRef>
         </p:style>
       </p:cxnSp>
-      <p:sp>
-        <p:nvSpPr>
-          <p:cNvPr id="303" name="Прямоугольник 302"/>
-          <p:cNvSpPr/>
-          <p:nvPr/>
-        </p:nvSpPr>
-        <p:spPr>
-          <a:xfrm rot="16200000">
-            <a:off x="5438063" y="18462221"/>
-            <a:ext cx="1080000" cy="1045882"/>
-          </a:xfrm>
-          <a:prstGeom prst="rect">
-            <a:avLst/>
-          </a:prstGeom>
-          <a:solidFill>
-            <a:srgbClr val="7030A0"/>
-          </a:solidFill>
-          <a:ln w="28575"/>
-        </p:spPr>
-        <p:style>
-          <a:lnRef idx="2">
-            <a:schemeClr val="accent1"/>
-          </a:lnRef>
-          <a:fillRef idx="1">
-            <a:schemeClr val="lt1"/>
-          </a:fillRef>
-          <a:effectRef idx="0">
-            <a:schemeClr val="accent1"/>
-          </a:effectRef>
-          <a:fontRef idx="minor">
-            <a:schemeClr val="dk1"/>
-          </a:fontRef>
-        </p:style>
-        <p:txBody>
-          <a:bodyPr lIns="36000" tIns="62367" rIns="36000" bIns="62367" rtlCol="0" anchor="ctr"/>
-          <a:lstStyle>
-            <a:defPPr>
-              <a:defRPr lang="ru-RU"/>
-            </a:defPPr>
-            <a:lvl1pPr marL="0" algn="l" defTabSz="1532289" rtl="0" eaLnBrk="1" latinLnBrk="0" hangingPunct="1">
-              <a:defRPr sz="3000" kern="1200">
-                <a:solidFill>
-                  <a:schemeClr val="dk1"/>
-                </a:solidFill>
-                <a:latin typeface="+mn-lt"/>
-                <a:ea typeface="+mn-ea"/>
-                <a:cs typeface="+mn-cs"/>
-              </a:defRPr>
-            </a:lvl1pPr>
-            <a:lvl2pPr marL="766144" algn="l" defTabSz="1532289" rtl="0" eaLnBrk="1" latinLnBrk="0" hangingPunct="1">
-              <a:defRPr sz="3000" kern="1200">
-                <a:solidFill>
-                  <a:schemeClr val="dk1"/>
-                </a:solidFill>
-                <a:latin typeface="+mn-lt"/>
-                <a:ea typeface="+mn-ea"/>
-                <a:cs typeface="+mn-cs"/>
-              </a:defRPr>
-            </a:lvl2pPr>
-            <a:lvl3pPr marL="1532289" algn="l" defTabSz="1532289" rtl="0" eaLnBrk="1" latinLnBrk="0" hangingPunct="1">
-              <a:defRPr sz="3000" kern="1200">
-                <a:solidFill>
-                  <a:schemeClr val="dk1"/>
-                </a:solidFill>
-                <a:latin typeface="+mn-lt"/>
-                <a:ea typeface="+mn-ea"/>
-                <a:cs typeface="+mn-cs"/>
-              </a:defRPr>
-            </a:lvl3pPr>
-            <a:lvl4pPr marL="2298433" algn="l" defTabSz="1532289" rtl="0" eaLnBrk="1" latinLnBrk="0" hangingPunct="1">
-              <a:defRPr sz="3000" kern="1200">
-                <a:solidFill>
-                  <a:schemeClr val="dk1"/>
-                </a:solidFill>
-                <a:latin typeface="+mn-lt"/>
-                <a:ea typeface="+mn-ea"/>
-                <a:cs typeface="+mn-cs"/>
-              </a:defRPr>
-            </a:lvl4pPr>
-            <a:lvl5pPr marL="3064578" algn="l" defTabSz="1532289" rtl="0" eaLnBrk="1" latinLnBrk="0" hangingPunct="1">
-              <a:defRPr sz="3000" kern="1200">
-                <a:solidFill>
-                  <a:schemeClr val="dk1"/>
-                </a:solidFill>
-                <a:latin typeface="+mn-lt"/>
-                <a:ea typeface="+mn-ea"/>
-                <a:cs typeface="+mn-cs"/>
-              </a:defRPr>
-            </a:lvl5pPr>
-            <a:lvl6pPr marL="3830722" algn="l" defTabSz="1532289" rtl="0" eaLnBrk="1" latinLnBrk="0" hangingPunct="1">
-              <a:defRPr sz="3000" kern="1200">
-                <a:solidFill>
-                  <a:schemeClr val="dk1"/>
-                </a:solidFill>
-                <a:latin typeface="+mn-lt"/>
-                <a:ea typeface="+mn-ea"/>
-                <a:cs typeface="+mn-cs"/>
-              </a:defRPr>
-            </a:lvl6pPr>
-            <a:lvl7pPr marL="4596867" algn="l" defTabSz="1532289" rtl="0" eaLnBrk="1" latinLnBrk="0" hangingPunct="1">
-              <a:defRPr sz="3000" kern="1200">
-                <a:solidFill>
-                  <a:schemeClr val="dk1"/>
-                </a:solidFill>
-                <a:latin typeface="+mn-lt"/>
-                <a:ea typeface="+mn-ea"/>
-                <a:cs typeface="+mn-cs"/>
-              </a:defRPr>
-            </a:lvl7pPr>
-            <a:lvl8pPr marL="5363011" algn="l" defTabSz="1532289" rtl="0" eaLnBrk="1" latinLnBrk="0" hangingPunct="1">
-              <a:defRPr sz="3000" kern="1200">
-                <a:solidFill>
-                  <a:schemeClr val="dk1"/>
-                </a:solidFill>
-                <a:latin typeface="+mn-lt"/>
-                <a:ea typeface="+mn-ea"/>
-                <a:cs typeface="+mn-cs"/>
-              </a:defRPr>
-            </a:lvl8pPr>
-            <a:lvl9pPr marL="6129155" algn="l" defTabSz="1532289" rtl="0" eaLnBrk="1" latinLnBrk="0" hangingPunct="1">
-              <a:defRPr sz="3000" kern="1200">
-                <a:solidFill>
-                  <a:schemeClr val="dk1"/>
-                </a:solidFill>
-                <a:latin typeface="+mn-lt"/>
-                <a:ea typeface="+mn-ea"/>
-                <a:cs typeface="+mn-cs"/>
-              </a:defRPr>
-            </a:lvl9pPr>
-          </a:lstStyle>
-          <a:p>
-            <a:pPr algn="ctr"/>
-            <a:r>
-              <a:rPr lang="ru-RU" sz="1600" dirty="0" smtClean="0"/>
-              <a:t>Тонг </a:t>
-            </a:r>
-            <a:r>
-              <a:rPr lang="ru-RU" sz="1600" dirty="0" err="1"/>
-              <a:t>Ч</a:t>
-            </a:r>
-            <a:r>
-              <a:rPr lang="ru-RU" sz="1600" dirty="0" err="1" smtClean="0"/>
-              <a:t>амсри</a:t>
-            </a:r>
-            <a:r>
-              <a:rPr lang="ru-RU" sz="1600" dirty="0" smtClean="0"/>
-              <a:t/>
-            </a:r>
-            <a:br>
-              <a:rPr lang="ru-RU" sz="1600" dirty="0" smtClean="0"/>
-            </a:br>
-            <a:r>
-              <a:rPr lang="en-US" sz="1600" dirty="0" smtClean="0"/>
-              <a:t>Tong</a:t>
-            </a:r>
-            <a:r>
-              <a:rPr lang="ru-RU" sz="1600" dirty="0" smtClean="0"/>
-              <a:t/>
-            </a:r>
-            <a:br>
-              <a:rPr lang="ru-RU" sz="1600" dirty="0" smtClean="0"/>
-            </a:br>
-            <a:r>
-              <a:rPr lang="en-US" sz="1600" dirty="0" err="1"/>
-              <a:t>Chaemsri</a:t>
-            </a:r>
-            <a:endParaRPr lang="en-US" sz="1600" dirty="0"/>
-          </a:p>
-        </p:txBody>
-      </p:sp>
       <p:sp>
         <p:nvSpPr>
           <p:cNvPr id="627" name="Прямоугольник 626"/>

--- a/Наработки/диздоки/Сиам/Сиам.pptx
+++ b/Наработки/диздоки/Сиам/Сиам.pptx
@@ -209,7 +209,7 @@
             <a:fld id="{33E3D7F9-E251-484C-A6FF-FA958879DF69}" type="datetimeFigureOut">
               <a:rPr lang="ru-RU" smtClean="0"/>
               <a:pPr/>
-              <a:t>24.08.2021</a:t>
+              <a:t>25.08.2021</a:t>
             </a:fld>
             <a:endParaRPr lang="ru-RU"/>
           </a:p>
@@ -700,7 +700,7 @@
             <a:fld id="{85A5DE44-605B-4D3B-B2B7-94543DF81A36}" type="datetimeFigureOut">
               <a:rPr lang="ru-RU" smtClean="0"/>
               <a:pPr/>
-              <a:t>24.08.2021</a:t>
+              <a:t>25.08.2021</a:t>
             </a:fld>
             <a:endParaRPr lang="ru-RU"/>
           </a:p>
@@ -872,7 +872,7 @@
             <a:fld id="{85A5DE44-605B-4D3B-B2B7-94543DF81A36}" type="datetimeFigureOut">
               <a:rPr lang="ru-RU" smtClean="0"/>
               <a:pPr/>
-              <a:t>24.08.2021</a:t>
+              <a:t>25.08.2021</a:t>
             </a:fld>
             <a:endParaRPr lang="ru-RU"/>
           </a:p>
@@ -1054,7 +1054,7 @@
             <a:fld id="{85A5DE44-605B-4D3B-B2B7-94543DF81A36}" type="datetimeFigureOut">
               <a:rPr lang="ru-RU" smtClean="0"/>
               <a:pPr/>
-              <a:t>24.08.2021</a:t>
+              <a:t>25.08.2021</a:t>
             </a:fld>
             <a:endParaRPr lang="ru-RU"/>
           </a:p>
@@ -1226,7 +1226,7 @@
             <a:fld id="{85A5DE44-605B-4D3B-B2B7-94543DF81A36}" type="datetimeFigureOut">
               <a:rPr lang="ru-RU" smtClean="0"/>
               <a:pPr/>
-              <a:t>24.08.2021</a:t>
+              <a:t>25.08.2021</a:t>
             </a:fld>
             <a:endParaRPr lang="ru-RU"/>
           </a:p>
@@ -1474,7 +1474,7 @@
             <a:fld id="{85A5DE44-605B-4D3B-B2B7-94543DF81A36}" type="datetimeFigureOut">
               <a:rPr lang="ru-RU" smtClean="0"/>
               <a:pPr/>
-              <a:t>24.08.2021</a:t>
+              <a:t>25.08.2021</a:t>
             </a:fld>
             <a:endParaRPr lang="ru-RU"/>
           </a:p>
@@ -1708,7 +1708,7 @@
             <a:fld id="{85A5DE44-605B-4D3B-B2B7-94543DF81A36}" type="datetimeFigureOut">
               <a:rPr lang="ru-RU" smtClean="0"/>
               <a:pPr/>
-              <a:t>24.08.2021</a:t>
+              <a:t>25.08.2021</a:t>
             </a:fld>
             <a:endParaRPr lang="ru-RU"/>
           </a:p>
@@ -2077,7 +2077,7 @@
             <a:fld id="{85A5DE44-605B-4D3B-B2B7-94543DF81A36}" type="datetimeFigureOut">
               <a:rPr lang="ru-RU" smtClean="0"/>
               <a:pPr/>
-              <a:t>24.08.2021</a:t>
+              <a:t>25.08.2021</a:t>
             </a:fld>
             <a:endParaRPr lang="ru-RU"/>
           </a:p>
@@ -2197,7 +2197,7 @@
             <a:fld id="{85A5DE44-605B-4D3B-B2B7-94543DF81A36}" type="datetimeFigureOut">
               <a:rPr lang="ru-RU" smtClean="0"/>
               <a:pPr/>
-              <a:t>24.08.2021</a:t>
+              <a:t>25.08.2021</a:t>
             </a:fld>
             <a:endParaRPr lang="ru-RU"/>
           </a:p>
@@ -2294,7 +2294,7 @@
             <a:fld id="{85A5DE44-605B-4D3B-B2B7-94543DF81A36}" type="datetimeFigureOut">
               <a:rPr lang="ru-RU" smtClean="0"/>
               <a:pPr/>
-              <a:t>24.08.2021</a:t>
+              <a:t>25.08.2021</a:t>
             </a:fld>
             <a:endParaRPr lang="ru-RU"/>
           </a:p>
@@ -2573,7 +2573,7 @@
             <a:fld id="{85A5DE44-605B-4D3B-B2B7-94543DF81A36}" type="datetimeFigureOut">
               <a:rPr lang="ru-RU" smtClean="0"/>
               <a:pPr/>
-              <a:t>24.08.2021</a:t>
+              <a:t>25.08.2021</a:t>
             </a:fld>
             <a:endParaRPr lang="ru-RU"/>
           </a:p>
@@ -2832,7 +2832,7 @@
             <a:fld id="{85A5DE44-605B-4D3B-B2B7-94543DF81A36}" type="datetimeFigureOut">
               <a:rPr lang="ru-RU" smtClean="0"/>
               <a:pPr/>
-              <a:t>24.08.2021</a:t>
+              <a:t>25.08.2021</a:t>
             </a:fld>
             <a:endParaRPr lang="ru-RU"/>
           </a:p>
@@ -3047,7 +3047,7 @@
             <a:fld id="{85A5DE44-605B-4D3B-B2B7-94543DF81A36}" type="datetimeFigureOut">
               <a:rPr lang="ru-RU" smtClean="0"/>
               <a:pPr/>
-              <a:t>24.08.2021</a:t>
+              <a:t>25.08.2021</a:t>
             </a:fld>
             <a:endParaRPr lang="ru-RU"/>
           </a:p>
@@ -14412,11 +14412,7 @@
             </a:r>
             <a:r>
               <a:rPr lang="ru-RU" sz="1400" dirty="0" smtClean="0"/>
-              <a:t> </a:t>
-            </a:r>
-            <a:r>
-              <a:rPr lang="ru-RU" sz="1400" dirty="0" smtClean="0"/>
-              <a:t>марксизма</a:t>
+              <a:t> марксизма</a:t>
             </a:r>
             <a:endParaRPr lang="ru-RU" sz="1400" dirty="0"/>
           </a:p>
@@ -15900,16 +15896,8 @@
               <a:t>«Революционная молодёжь</a:t>
             </a:r>
             <a:r>
-              <a:rPr lang="ru-RU" sz="1400" dirty="0"/>
-              <a:t>» </a:t>
-            </a:r>
-            <a:r>
-              <a:rPr lang="ru-RU" sz="600" dirty="0"/>
-              <a:t>(Раннюю жизнь отправили тренироваться, чтобы быть «Революционная молодежь» с пятилетнего возраста, можно сказать, живет на тропе битвы, сколько себя помнит. и продолжал играть роль Когда в 1930 году была основана Коммунистическая партия Сиама, ему тогда было всего 11 лет</a:t>
-            </a:r>
-            <a:r>
-              <a:rPr lang="ru-RU" sz="600" dirty="0" smtClean="0"/>
-              <a:t>.)</a:t>
+              <a:rPr lang="ru-RU" sz="1400" dirty="0" smtClean="0"/>
+              <a:t>»</a:t>
             </a:r>
             <a:endParaRPr lang="ru-RU" sz="600" dirty="0"/>
           </a:p>
@@ -16137,11 +16125,7 @@
             </a:r>
             <a:r>
               <a:rPr lang="ru-RU" sz="1400" dirty="0" smtClean="0"/>
-              <a:t>центрального </a:t>
-            </a:r>
-            <a:r>
-              <a:rPr lang="ru-RU" sz="1400" dirty="0" smtClean="0"/>
-              <a:t>профсоюза</a:t>
+              <a:t>центрального профсоюза</a:t>
             </a:r>
             <a:endParaRPr lang="ru-RU" sz="1400" dirty="0"/>
           </a:p>

--- a/Наработки/диздоки/Сиам/Сиам.pptx
+++ b/Наработки/диздоки/Сиам/Сиам.pptx
@@ -209,7 +209,7 @@
             <a:fld id="{33E3D7F9-E251-484C-A6FF-FA958879DF69}" type="datetimeFigureOut">
               <a:rPr lang="ru-RU" smtClean="0"/>
               <a:pPr/>
-              <a:t>25.08.2021</a:t>
+              <a:t>31.08.2021</a:t>
             </a:fld>
             <a:endParaRPr lang="ru-RU"/>
           </a:p>
@@ -700,7 +700,7 @@
             <a:fld id="{85A5DE44-605B-4D3B-B2B7-94543DF81A36}" type="datetimeFigureOut">
               <a:rPr lang="ru-RU" smtClean="0"/>
               <a:pPr/>
-              <a:t>25.08.2021</a:t>
+              <a:t>31.08.2021</a:t>
             </a:fld>
             <a:endParaRPr lang="ru-RU"/>
           </a:p>
@@ -872,7 +872,7 @@
             <a:fld id="{85A5DE44-605B-4D3B-B2B7-94543DF81A36}" type="datetimeFigureOut">
               <a:rPr lang="ru-RU" smtClean="0"/>
               <a:pPr/>
-              <a:t>25.08.2021</a:t>
+              <a:t>31.08.2021</a:t>
             </a:fld>
             <a:endParaRPr lang="ru-RU"/>
           </a:p>
@@ -1054,7 +1054,7 @@
             <a:fld id="{85A5DE44-605B-4D3B-B2B7-94543DF81A36}" type="datetimeFigureOut">
               <a:rPr lang="ru-RU" smtClean="0"/>
               <a:pPr/>
-              <a:t>25.08.2021</a:t>
+              <a:t>31.08.2021</a:t>
             </a:fld>
             <a:endParaRPr lang="ru-RU"/>
           </a:p>
@@ -1226,7 +1226,7 @@
             <a:fld id="{85A5DE44-605B-4D3B-B2B7-94543DF81A36}" type="datetimeFigureOut">
               <a:rPr lang="ru-RU" smtClean="0"/>
               <a:pPr/>
-              <a:t>25.08.2021</a:t>
+              <a:t>31.08.2021</a:t>
             </a:fld>
             <a:endParaRPr lang="ru-RU"/>
           </a:p>
@@ -1474,7 +1474,7 @@
             <a:fld id="{85A5DE44-605B-4D3B-B2B7-94543DF81A36}" type="datetimeFigureOut">
               <a:rPr lang="ru-RU" smtClean="0"/>
               <a:pPr/>
-              <a:t>25.08.2021</a:t>
+              <a:t>31.08.2021</a:t>
             </a:fld>
             <a:endParaRPr lang="ru-RU"/>
           </a:p>
@@ -1708,7 +1708,7 @@
             <a:fld id="{85A5DE44-605B-4D3B-B2B7-94543DF81A36}" type="datetimeFigureOut">
               <a:rPr lang="ru-RU" smtClean="0"/>
               <a:pPr/>
-              <a:t>25.08.2021</a:t>
+              <a:t>31.08.2021</a:t>
             </a:fld>
             <a:endParaRPr lang="ru-RU"/>
           </a:p>
@@ -2077,7 +2077,7 @@
             <a:fld id="{85A5DE44-605B-4D3B-B2B7-94543DF81A36}" type="datetimeFigureOut">
               <a:rPr lang="ru-RU" smtClean="0"/>
               <a:pPr/>
-              <a:t>25.08.2021</a:t>
+              <a:t>31.08.2021</a:t>
             </a:fld>
             <a:endParaRPr lang="ru-RU"/>
           </a:p>
@@ -2197,7 +2197,7 @@
             <a:fld id="{85A5DE44-605B-4D3B-B2B7-94543DF81A36}" type="datetimeFigureOut">
               <a:rPr lang="ru-RU" smtClean="0"/>
               <a:pPr/>
-              <a:t>25.08.2021</a:t>
+              <a:t>31.08.2021</a:t>
             </a:fld>
             <a:endParaRPr lang="ru-RU"/>
           </a:p>
@@ -2294,7 +2294,7 @@
             <a:fld id="{85A5DE44-605B-4D3B-B2B7-94543DF81A36}" type="datetimeFigureOut">
               <a:rPr lang="ru-RU" smtClean="0"/>
               <a:pPr/>
-              <a:t>25.08.2021</a:t>
+              <a:t>31.08.2021</a:t>
             </a:fld>
             <a:endParaRPr lang="ru-RU"/>
           </a:p>
@@ -2573,7 +2573,7 @@
             <a:fld id="{85A5DE44-605B-4D3B-B2B7-94543DF81A36}" type="datetimeFigureOut">
               <a:rPr lang="ru-RU" smtClean="0"/>
               <a:pPr/>
-              <a:t>25.08.2021</a:t>
+              <a:t>31.08.2021</a:t>
             </a:fld>
             <a:endParaRPr lang="ru-RU"/>
           </a:p>
@@ -2832,7 +2832,7 @@
             <a:fld id="{85A5DE44-605B-4D3B-B2B7-94543DF81A36}" type="datetimeFigureOut">
               <a:rPr lang="ru-RU" smtClean="0"/>
               <a:pPr/>
-              <a:t>25.08.2021</a:t>
+              <a:t>31.08.2021</a:t>
             </a:fld>
             <a:endParaRPr lang="ru-RU"/>
           </a:p>
@@ -3047,7 +3047,7 @@
             <a:fld id="{85A5DE44-605B-4D3B-B2B7-94543DF81A36}" type="datetimeFigureOut">
               <a:rPr lang="ru-RU" smtClean="0"/>
               <a:pPr/>
-              <a:t>25.08.2021</a:t>
+              <a:t>31.08.2021</a:t>
             </a:fld>
             <a:endParaRPr lang="ru-RU"/>
           </a:p>
@@ -4219,6 +4219,11 @@
               <a:rPr lang="ru-RU" sz="1400" dirty="0"/>
               <a:t>Национализировать имущество китайских ростовщиков </a:t>
             </a:r>
+            <a:r>
+              <a:rPr lang="ru-RU" sz="1400" smtClean="0"/>
+              <a:t>(историчный)</a:t>
+            </a:r>
+            <a:endParaRPr lang="ru-RU" sz="1400" dirty="0"/>
           </a:p>
         </p:txBody>
       </p:sp>
@@ -15893,11 +15898,7 @@
             <a:pPr algn="ctr"/>
             <a:r>
               <a:rPr lang="ru-RU" sz="1400" dirty="0" smtClean="0"/>
-              <a:t>«Революционная молодёжь</a:t>
-            </a:r>
-            <a:r>
-              <a:rPr lang="ru-RU" sz="1400" dirty="0" smtClean="0"/>
-              <a:t>»</a:t>
+              <a:t>«Революционная молодёжь»</a:t>
             </a:r>
             <a:endParaRPr lang="ru-RU" sz="600" dirty="0"/>
           </a:p>

--- a/Наработки/диздоки/Сиам/Сиам.pptx
+++ b/Наработки/диздоки/Сиам/Сиам.pptx
@@ -209,7 +209,7 @@
             <a:fld id="{33E3D7F9-E251-484C-A6FF-FA958879DF69}" type="datetimeFigureOut">
               <a:rPr lang="ru-RU" smtClean="0"/>
               <a:pPr/>
-              <a:t>31.08.2021</a:t>
+              <a:t>17.03.2022</a:t>
             </a:fld>
             <a:endParaRPr lang="ru-RU"/>
           </a:p>
@@ -273,38 +273,37 @@
           <a:p>
             <a:pPr lvl="0"/>
             <a:r>
-              <a:rPr lang="ru-RU" smtClean="0"/>
+              <a:rPr lang="ru-RU"/>
               <a:t>Образец текста</a:t>
             </a:r>
           </a:p>
           <a:p>
             <a:pPr lvl="1"/>
             <a:r>
-              <a:rPr lang="ru-RU" smtClean="0"/>
+              <a:rPr lang="ru-RU"/>
               <a:t>Второй уровень</a:t>
             </a:r>
           </a:p>
           <a:p>
             <a:pPr lvl="2"/>
             <a:r>
-              <a:rPr lang="ru-RU" smtClean="0"/>
+              <a:rPr lang="ru-RU"/>
               <a:t>Третий уровень</a:t>
             </a:r>
           </a:p>
           <a:p>
             <a:pPr lvl="3"/>
             <a:r>
-              <a:rPr lang="ru-RU" smtClean="0"/>
+              <a:rPr lang="ru-RU"/>
               <a:t>Четвертый уровень</a:t>
             </a:r>
           </a:p>
           <a:p>
             <a:pPr lvl="4"/>
             <a:r>
-              <a:rPr lang="ru-RU" smtClean="0"/>
+              <a:rPr lang="ru-RU"/>
               <a:t>Пятый уровень</a:t>
             </a:r>
-            <a:endParaRPr lang="ru-RU"/>
           </a:p>
         </p:txBody>
       </p:sp>
@@ -610,7 +609,7 @@
           </a:lstStyle>
           <a:p>
             <a:r>
-              <a:rPr lang="ru-RU" smtClean="0"/>
+              <a:rPr lang="ru-RU"/>
               <a:t>Образец заголовка</a:t>
             </a:r>
             <a:endParaRPr lang="en-US" dirty="0"/>
@@ -675,7 +674,7 @@
           </a:lstStyle>
           <a:p>
             <a:r>
-              <a:rPr lang="ru-RU" smtClean="0"/>
+              <a:rPr lang="ru-RU"/>
               <a:t>Образец подзаголовка</a:t>
             </a:r>
             <a:endParaRPr lang="en-US" dirty="0"/>
@@ -700,7 +699,7 @@
             <a:fld id="{85A5DE44-605B-4D3B-B2B7-94543DF81A36}" type="datetimeFigureOut">
               <a:rPr lang="ru-RU" smtClean="0"/>
               <a:pPr/>
-              <a:t>31.08.2021</a:t>
+              <a:t>17.03.2022</a:t>
             </a:fld>
             <a:endParaRPr lang="ru-RU"/>
           </a:p>
@@ -795,7 +794,7 @@
           <a:lstStyle/>
           <a:p>
             <a:r>
-              <a:rPr lang="ru-RU" smtClean="0"/>
+              <a:rPr lang="ru-RU"/>
               <a:t>Образец заголовка</a:t>
             </a:r>
             <a:endParaRPr lang="en-US" dirty="0"/>
@@ -819,35 +818,35 @@
           <a:p>
             <a:pPr lvl="0"/>
             <a:r>
-              <a:rPr lang="ru-RU" smtClean="0"/>
+              <a:rPr lang="ru-RU"/>
               <a:t>Образец текста</a:t>
             </a:r>
           </a:p>
           <a:p>
             <a:pPr lvl="1"/>
             <a:r>
-              <a:rPr lang="ru-RU" smtClean="0"/>
+              <a:rPr lang="ru-RU"/>
               <a:t>Второй уровень</a:t>
             </a:r>
           </a:p>
           <a:p>
             <a:pPr lvl="2"/>
             <a:r>
-              <a:rPr lang="ru-RU" smtClean="0"/>
+              <a:rPr lang="ru-RU"/>
               <a:t>Третий уровень</a:t>
             </a:r>
           </a:p>
           <a:p>
             <a:pPr lvl="3"/>
             <a:r>
-              <a:rPr lang="ru-RU" smtClean="0"/>
+              <a:rPr lang="ru-RU"/>
               <a:t>Четвертый уровень</a:t>
             </a:r>
           </a:p>
           <a:p>
             <a:pPr lvl="4"/>
             <a:r>
-              <a:rPr lang="ru-RU" smtClean="0"/>
+              <a:rPr lang="ru-RU"/>
               <a:t>Пятый уровень</a:t>
             </a:r>
             <a:endParaRPr lang="en-US" dirty="0"/>
@@ -872,7 +871,7 @@
             <a:fld id="{85A5DE44-605B-4D3B-B2B7-94543DF81A36}" type="datetimeFigureOut">
               <a:rPr lang="ru-RU" smtClean="0"/>
               <a:pPr/>
-              <a:t>31.08.2021</a:t>
+              <a:t>17.03.2022</a:t>
             </a:fld>
             <a:endParaRPr lang="ru-RU"/>
           </a:p>
@@ -972,7 +971,7 @@
           <a:lstStyle/>
           <a:p>
             <a:r>
-              <a:rPr lang="ru-RU" smtClean="0"/>
+              <a:rPr lang="ru-RU"/>
               <a:t>Образец заголовка</a:t>
             </a:r>
             <a:endParaRPr lang="en-US" dirty="0"/>
@@ -1001,35 +1000,35 @@
           <a:p>
             <a:pPr lvl="0"/>
             <a:r>
-              <a:rPr lang="ru-RU" smtClean="0"/>
+              <a:rPr lang="ru-RU"/>
               <a:t>Образец текста</a:t>
             </a:r>
           </a:p>
           <a:p>
             <a:pPr lvl="1"/>
             <a:r>
-              <a:rPr lang="ru-RU" smtClean="0"/>
+              <a:rPr lang="ru-RU"/>
               <a:t>Второй уровень</a:t>
             </a:r>
           </a:p>
           <a:p>
             <a:pPr lvl="2"/>
             <a:r>
-              <a:rPr lang="ru-RU" smtClean="0"/>
+              <a:rPr lang="ru-RU"/>
               <a:t>Третий уровень</a:t>
             </a:r>
           </a:p>
           <a:p>
             <a:pPr lvl="3"/>
             <a:r>
-              <a:rPr lang="ru-RU" smtClean="0"/>
+              <a:rPr lang="ru-RU"/>
               <a:t>Четвертый уровень</a:t>
             </a:r>
           </a:p>
           <a:p>
             <a:pPr lvl="4"/>
             <a:r>
-              <a:rPr lang="ru-RU" smtClean="0"/>
+              <a:rPr lang="ru-RU"/>
               <a:t>Пятый уровень</a:t>
             </a:r>
             <a:endParaRPr lang="en-US" dirty="0"/>
@@ -1054,7 +1053,7 @@
             <a:fld id="{85A5DE44-605B-4D3B-B2B7-94543DF81A36}" type="datetimeFigureOut">
               <a:rPr lang="ru-RU" smtClean="0"/>
               <a:pPr/>
-              <a:t>31.08.2021</a:t>
+              <a:t>17.03.2022</a:t>
             </a:fld>
             <a:endParaRPr lang="ru-RU"/>
           </a:p>
@@ -1149,7 +1148,7 @@
           <a:lstStyle/>
           <a:p>
             <a:r>
-              <a:rPr lang="ru-RU" smtClean="0"/>
+              <a:rPr lang="ru-RU"/>
               <a:t>Образец заголовка</a:t>
             </a:r>
             <a:endParaRPr lang="en-US" dirty="0"/>
@@ -1173,35 +1172,35 @@
           <a:p>
             <a:pPr lvl="0"/>
             <a:r>
-              <a:rPr lang="ru-RU" smtClean="0"/>
+              <a:rPr lang="ru-RU"/>
               <a:t>Образец текста</a:t>
             </a:r>
           </a:p>
           <a:p>
             <a:pPr lvl="1"/>
             <a:r>
-              <a:rPr lang="ru-RU" smtClean="0"/>
+              <a:rPr lang="ru-RU"/>
               <a:t>Второй уровень</a:t>
             </a:r>
           </a:p>
           <a:p>
             <a:pPr lvl="2"/>
             <a:r>
-              <a:rPr lang="ru-RU" smtClean="0"/>
+              <a:rPr lang="ru-RU"/>
               <a:t>Третий уровень</a:t>
             </a:r>
           </a:p>
           <a:p>
             <a:pPr lvl="3"/>
             <a:r>
-              <a:rPr lang="ru-RU" smtClean="0"/>
+              <a:rPr lang="ru-RU"/>
               <a:t>Четвертый уровень</a:t>
             </a:r>
           </a:p>
           <a:p>
             <a:pPr lvl="4"/>
             <a:r>
-              <a:rPr lang="ru-RU" smtClean="0"/>
+              <a:rPr lang="ru-RU"/>
               <a:t>Пятый уровень</a:t>
             </a:r>
             <a:endParaRPr lang="en-US" dirty="0"/>
@@ -1226,7 +1225,7 @@
             <a:fld id="{85A5DE44-605B-4D3B-B2B7-94543DF81A36}" type="datetimeFigureOut">
               <a:rPr lang="ru-RU" smtClean="0"/>
               <a:pPr/>
-              <a:t>31.08.2021</a:t>
+              <a:t>17.03.2022</a:t>
             </a:fld>
             <a:endParaRPr lang="ru-RU"/>
           </a:p>
@@ -1330,7 +1329,7 @@
           </a:lstStyle>
           <a:p>
             <a:r>
-              <a:rPr lang="ru-RU" smtClean="0"/>
+              <a:rPr lang="ru-RU"/>
               <a:t>Образец заголовка</a:t>
             </a:r>
             <a:endParaRPr lang="en-US" dirty="0"/>
@@ -1450,7 +1449,7 @@
           <a:p>
             <a:pPr lvl="0"/>
             <a:r>
-              <a:rPr lang="ru-RU" smtClean="0"/>
+              <a:rPr lang="ru-RU"/>
               <a:t>Образец текста</a:t>
             </a:r>
           </a:p>
@@ -1474,7 +1473,7 @@
             <a:fld id="{85A5DE44-605B-4D3B-B2B7-94543DF81A36}" type="datetimeFigureOut">
               <a:rPr lang="ru-RU" smtClean="0"/>
               <a:pPr/>
-              <a:t>31.08.2021</a:t>
+              <a:t>17.03.2022</a:t>
             </a:fld>
             <a:endParaRPr lang="ru-RU"/>
           </a:p>
@@ -1569,7 +1568,7 @@
           <a:lstStyle/>
           <a:p>
             <a:r>
-              <a:rPr lang="ru-RU" smtClean="0"/>
+              <a:rPr lang="ru-RU"/>
               <a:t>Образец заголовка</a:t>
             </a:r>
             <a:endParaRPr lang="en-US" dirty="0"/>
@@ -1598,35 +1597,35 @@
           <a:p>
             <a:pPr lvl="0"/>
             <a:r>
-              <a:rPr lang="ru-RU" smtClean="0"/>
+              <a:rPr lang="ru-RU"/>
               <a:t>Образец текста</a:t>
             </a:r>
           </a:p>
           <a:p>
             <a:pPr lvl="1"/>
             <a:r>
-              <a:rPr lang="ru-RU" smtClean="0"/>
+              <a:rPr lang="ru-RU"/>
               <a:t>Второй уровень</a:t>
             </a:r>
           </a:p>
           <a:p>
             <a:pPr lvl="2"/>
             <a:r>
-              <a:rPr lang="ru-RU" smtClean="0"/>
+              <a:rPr lang="ru-RU"/>
               <a:t>Третий уровень</a:t>
             </a:r>
           </a:p>
           <a:p>
             <a:pPr lvl="3"/>
             <a:r>
-              <a:rPr lang="ru-RU" smtClean="0"/>
+              <a:rPr lang="ru-RU"/>
               <a:t>Четвертый уровень</a:t>
             </a:r>
           </a:p>
           <a:p>
             <a:pPr lvl="4"/>
             <a:r>
-              <a:rPr lang="ru-RU" smtClean="0"/>
+              <a:rPr lang="ru-RU"/>
               <a:t>Пятый уровень</a:t>
             </a:r>
             <a:endParaRPr lang="en-US" dirty="0"/>
@@ -1655,35 +1654,35 @@
           <a:p>
             <a:pPr lvl="0"/>
             <a:r>
-              <a:rPr lang="ru-RU" smtClean="0"/>
+              <a:rPr lang="ru-RU"/>
               <a:t>Образец текста</a:t>
             </a:r>
           </a:p>
           <a:p>
             <a:pPr lvl="1"/>
             <a:r>
-              <a:rPr lang="ru-RU" smtClean="0"/>
+              <a:rPr lang="ru-RU"/>
               <a:t>Второй уровень</a:t>
             </a:r>
           </a:p>
           <a:p>
             <a:pPr lvl="2"/>
             <a:r>
-              <a:rPr lang="ru-RU" smtClean="0"/>
+              <a:rPr lang="ru-RU"/>
               <a:t>Третий уровень</a:t>
             </a:r>
           </a:p>
           <a:p>
             <a:pPr lvl="3"/>
             <a:r>
-              <a:rPr lang="ru-RU" smtClean="0"/>
+              <a:rPr lang="ru-RU"/>
               <a:t>Четвертый уровень</a:t>
             </a:r>
           </a:p>
           <a:p>
             <a:pPr lvl="4"/>
             <a:r>
-              <a:rPr lang="ru-RU" smtClean="0"/>
+              <a:rPr lang="ru-RU"/>
               <a:t>Пятый уровень</a:t>
             </a:r>
             <a:endParaRPr lang="en-US" dirty="0"/>
@@ -1708,7 +1707,7 @@
             <a:fld id="{85A5DE44-605B-4D3B-B2B7-94543DF81A36}" type="datetimeFigureOut">
               <a:rPr lang="ru-RU" smtClean="0"/>
               <a:pPr/>
-              <a:t>31.08.2021</a:t>
+              <a:t>17.03.2022</a:t>
             </a:fld>
             <a:endParaRPr lang="ru-RU"/>
           </a:p>
@@ -1808,7 +1807,7 @@
           <a:lstStyle/>
           <a:p>
             <a:r>
-              <a:rPr lang="ru-RU" smtClean="0"/>
+              <a:rPr lang="ru-RU"/>
               <a:t>Образец заголовка</a:t>
             </a:r>
             <a:endParaRPr lang="en-US" dirty="0"/>
@@ -1874,7 +1873,7 @@
           <a:p>
             <a:pPr lvl="0"/>
             <a:r>
-              <a:rPr lang="ru-RU" smtClean="0"/>
+              <a:rPr lang="ru-RU"/>
               <a:t>Образец текста</a:t>
             </a:r>
           </a:p>
@@ -1902,35 +1901,35 @@
           <a:p>
             <a:pPr lvl="0"/>
             <a:r>
-              <a:rPr lang="ru-RU" smtClean="0"/>
+              <a:rPr lang="ru-RU"/>
               <a:t>Образец текста</a:t>
             </a:r>
           </a:p>
           <a:p>
             <a:pPr lvl="1"/>
             <a:r>
-              <a:rPr lang="ru-RU" smtClean="0"/>
+              <a:rPr lang="ru-RU"/>
               <a:t>Второй уровень</a:t>
             </a:r>
           </a:p>
           <a:p>
             <a:pPr lvl="2"/>
             <a:r>
-              <a:rPr lang="ru-RU" smtClean="0"/>
+              <a:rPr lang="ru-RU"/>
               <a:t>Третий уровень</a:t>
             </a:r>
           </a:p>
           <a:p>
             <a:pPr lvl="3"/>
             <a:r>
-              <a:rPr lang="ru-RU" smtClean="0"/>
+              <a:rPr lang="ru-RU"/>
               <a:t>Четвертый уровень</a:t>
             </a:r>
           </a:p>
           <a:p>
             <a:pPr lvl="4"/>
             <a:r>
-              <a:rPr lang="ru-RU" smtClean="0"/>
+              <a:rPr lang="ru-RU"/>
               <a:t>Пятый уровень</a:t>
             </a:r>
             <a:endParaRPr lang="en-US" dirty="0"/>
@@ -1996,7 +1995,7 @@
           <a:p>
             <a:pPr lvl="0"/>
             <a:r>
-              <a:rPr lang="ru-RU" smtClean="0"/>
+              <a:rPr lang="ru-RU"/>
               <a:t>Образец текста</a:t>
             </a:r>
           </a:p>
@@ -2024,35 +2023,35 @@
           <a:p>
             <a:pPr lvl="0"/>
             <a:r>
-              <a:rPr lang="ru-RU" smtClean="0"/>
+              <a:rPr lang="ru-RU"/>
               <a:t>Образец текста</a:t>
             </a:r>
           </a:p>
           <a:p>
             <a:pPr lvl="1"/>
             <a:r>
-              <a:rPr lang="ru-RU" smtClean="0"/>
+              <a:rPr lang="ru-RU"/>
               <a:t>Второй уровень</a:t>
             </a:r>
           </a:p>
           <a:p>
             <a:pPr lvl="2"/>
             <a:r>
-              <a:rPr lang="ru-RU" smtClean="0"/>
+              <a:rPr lang="ru-RU"/>
               <a:t>Третий уровень</a:t>
             </a:r>
           </a:p>
           <a:p>
             <a:pPr lvl="3"/>
             <a:r>
-              <a:rPr lang="ru-RU" smtClean="0"/>
+              <a:rPr lang="ru-RU"/>
               <a:t>Четвертый уровень</a:t>
             </a:r>
           </a:p>
           <a:p>
             <a:pPr lvl="4"/>
             <a:r>
-              <a:rPr lang="ru-RU" smtClean="0"/>
+              <a:rPr lang="ru-RU"/>
               <a:t>Пятый уровень</a:t>
             </a:r>
             <a:endParaRPr lang="en-US" dirty="0"/>
@@ -2077,7 +2076,7 @@
             <a:fld id="{85A5DE44-605B-4D3B-B2B7-94543DF81A36}" type="datetimeFigureOut">
               <a:rPr lang="ru-RU" smtClean="0"/>
               <a:pPr/>
-              <a:t>31.08.2021</a:t>
+              <a:t>17.03.2022</a:t>
             </a:fld>
             <a:endParaRPr lang="ru-RU"/>
           </a:p>
@@ -2172,7 +2171,7 @@
           <a:lstStyle/>
           <a:p>
             <a:r>
-              <a:rPr lang="ru-RU" smtClean="0"/>
+              <a:rPr lang="ru-RU"/>
               <a:t>Образец заголовка</a:t>
             </a:r>
             <a:endParaRPr lang="en-US" dirty="0"/>
@@ -2197,7 +2196,7 @@
             <a:fld id="{85A5DE44-605B-4D3B-B2B7-94543DF81A36}" type="datetimeFigureOut">
               <a:rPr lang="ru-RU" smtClean="0"/>
               <a:pPr/>
-              <a:t>31.08.2021</a:t>
+              <a:t>17.03.2022</a:t>
             </a:fld>
             <a:endParaRPr lang="ru-RU"/>
           </a:p>
@@ -2294,7 +2293,7 @@
             <a:fld id="{85A5DE44-605B-4D3B-B2B7-94543DF81A36}" type="datetimeFigureOut">
               <a:rPr lang="ru-RU" smtClean="0"/>
               <a:pPr/>
-              <a:t>31.08.2021</a:t>
+              <a:t>17.03.2022</a:t>
             </a:fld>
             <a:endParaRPr lang="ru-RU"/>
           </a:p>
@@ -2398,7 +2397,7 @@
           </a:lstStyle>
           <a:p>
             <a:r>
-              <a:rPr lang="ru-RU" smtClean="0"/>
+              <a:rPr lang="ru-RU"/>
               <a:t>Образец заголовка</a:t>
             </a:r>
             <a:endParaRPr lang="en-US" dirty="0"/>
@@ -2455,35 +2454,35 @@
           <a:p>
             <a:pPr lvl="0"/>
             <a:r>
-              <a:rPr lang="ru-RU" smtClean="0"/>
+              <a:rPr lang="ru-RU"/>
               <a:t>Образец текста</a:t>
             </a:r>
           </a:p>
           <a:p>
             <a:pPr lvl="1"/>
             <a:r>
-              <a:rPr lang="ru-RU" smtClean="0"/>
+              <a:rPr lang="ru-RU"/>
               <a:t>Второй уровень</a:t>
             </a:r>
           </a:p>
           <a:p>
             <a:pPr lvl="2"/>
             <a:r>
-              <a:rPr lang="ru-RU" smtClean="0"/>
+              <a:rPr lang="ru-RU"/>
               <a:t>Третий уровень</a:t>
             </a:r>
           </a:p>
           <a:p>
             <a:pPr lvl="3"/>
             <a:r>
-              <a:rPr lang="ru-RU" smtClean="0"/>
+              <a:rPr lang="ru-RU"/>
               <a:t>Четвертый уровень</a:t>
             </a:r>
           </a:p>
           <a:p>
             <a:pPr lvl="4"/>
             <a:r>
-              <a:rPr lang="ru-RU" smtClean="0"/>
+              <a:rPr lang="ru-RU"/>
               <a:t>Пятый уровень</a:t>
             </a:r>
             <a:endParaRPr lang="en-US" dirty="0"/>
@@ -2549,7 +2548,7 @@
           <a:p>
             <a:pPr lvl="0"/>
             <a:r>
-              <a:rPr lang="ru-RU" smtClean="0"/>
+              <a:rPr lang="ru-RU"/>
               <a:t>Образец текста</a:t>
             </a:r>
           </a:p>
@@ -2573,7 +2572,7 @@
             <a:fld id="{85A5DE44-605B-4D3B-B2B7-94543DF81A36}" type="datetimeFigureOut">
               <a:rPr lang="ru-RU" smtClean="0"/>
               <a:pPr/>
-              <a:t>31.08.2021</a:t>
+              <a:t>17.03.2022</a:t>
             </a:fld>
             <a:endParaRPr lang="ru-RU"/>
           </a:p>
@@ -2677,7 +2676,7 @@
           </a:lstStyle>
           <a:p>
             <a:r>
-              <a:rPr lang="ru-RU" smtClean="0"/>
+              <a:rPr lang="ru-RU"/>
               <a:t>Образец заголовка</a:t>
             </a:r>
             <a:endParaRPr lang="en-US" dirty="0"/>
@@ -2742,7 +2741,7 @@
           </a:lstStyle>
           <a:p>
             <a:r>
-              <a:rPr lang="ru-RU" smtClean="0"/>
+              <a:rPr lang="ru-RU"/>
               <a:t>Вставка рисунка</a:t>
             </a:r>
             <a:endParaRPr lang="en-US" dirty="0"/>
@@ -2808,7 +2807,7 @@
           <a:p>
             <a:pPr lvl="0"/>
             <a:r>
-              <a:rPr lang="ru-RU" smtClean="0"/>
+              <a:rPr lang="ru-RU"/>
               <a:t>Образец текста</a:t>
             </a:r>
           </a:p>
@@ -2832,7 +2831,7 @@
             <a:fld id="{85A5DE44-605B-4D3B-B2B7-94543DF81A36}" type="datetimeFigureOut">
               <a:rPr lang="ru-RU" smtClean="0"/>
               <a:pPr/>
-              <a:t>31.08.2021</a:t>
+              <a:t>17.03.2022</a:t>
             </a:fld>
             <a:endParaRPr lang="ru-RU"/>
           </a:p>
@@ -2942,7 +2941,7 @@
           <a:lstStyle/>
           <a:p>
             <a:r>
-              <a:rPr lang="ru-RU" smtClean="0"/>
+              <a:rPr lang="ru-RU"/>
               <a:t>Образец заголовка</a:t>
             </a:r>
             <a:endParaRPr lang="en-US" dirty="0"/>
@@ -2976,35 +2975,35 @@
           <a:p>
             <a:pPr lvl="0"/>
             <a:r>
-              <a:rPr lang="ru-RU" smtClean="0"/>
+              <a:rPr lang="ru-RU"/>
               <a:t>Образец текста</a:t>
             </a:r>
           </a:p>
           <a:p>
             <a:pPr lvl="1"/>
             <a:r>
-              <a:rPr lang="ru-RU" smtClean="0"/>
+              <a:rPr lang="ru-RU"/>
               <a:t>Второй уровень</a:t>
             </a:r>
           </a:p>
           <a:p>
             <a:pPr lvl="2"/>
             <a:r>
-              <a:rPr lang="ru-RU" smtClean="0"/>
+              <a:rPr lang="ru-RU"/>
               <a:t>Третий уровень</a:t>
             </a:r>
           </a:p>
           <a:p>
             <a:pPr lvl="3"/>
             <a:r>
-              <a:rPr lang="ru-RU" smtClean="0"/>
+              <a:rPr lang="ru-RU"/>
               <a:t>Четвертый уровень</a:t>
             </a:r>
           </a:p>
           <a:p>
             <a:pPr lvl="4"/>
             <a:r>
-              <a:rPr lang="ru-RU" smtClean="0"/>
+              <a:rPr lang="ru-RU"/>
               <a:t>Пятый уровень</a:t>
             </a:r>
             <a:endParaRPr lang="en-US" dirty="0"/>
@@ -3047,7 +3046,7 @@
             <a:fld id="{85A5DE44-605B-4D3B-B2B7-94543DF81A36}" type="datetimeFigureOut">
               <a:rPr lang="ru-RU" smtClean="0"/>
               <a:pPr/>
-              <a:t>31.08.2021</a:t>
+              <a:t>17.03.2022</a:t>
             </a:fld>
             <a:endParaRPr lang="ru-RU"/>
           </a:p>
@@ -3771,10 +3770,9 @@
           <a:p>
             <a:pPr algn="ctr"/>
             <a:r>
-              <a:rPr lang="ru-RU" sz="1400" dirty="0" smtClean="0"/>
+              <a:rPr lang="ru-RU" sz="1400" dirty="0"/>
               <a:t>Восстановить коммунистическую партию Сиама</a:t>
             </a:r>
-            <a:endParaRPr lang="ru-RU" sz="1400" dirty="0"/>
           </a:p>
         </p:txBody>
       </p:sp>
@@ -3890,15 +3888,15 @@
           <a:p>
             <a:pPr algn="ctr"/>
             <a:r>
-              <a:rPr lang="ru-RU" sz="1400" dirty="0" smtClean="0"/>
+              <a:rPr lang="ru-RU" sz="1400" dirty="0"/>
               <a:t>Денонсация неравноправных договоров (</a:t>
             </a:r>
             <a:r>
-              <a:rPr lang="ru-RU" sz="1400" dirty="0" err="1" smtClean="0"/>
+              <a:rPr lang="ru-RU" sz="1400" dirty="0" err="1"/>
               <a:t>ист</a:t>
             </a:r>
             <a:r>
-              <a:rPr lang="ru-RU" sz="1400" dirty="0" smtClean="0"/>
+              <a:rPr lang="ru-RU" sz="1400" dirty="0"/>
               <a:t> 1936)</a:t>
             </a:r>
             <a:endParaRPr lang="ru-RU" sz="300" dirty="0"/>
@@ -3941,18 +3939,17 @@
           <a:p>
             <a:pPr algn="ctr"/>
             <a:r>
-              <a:rPr lang="ru-RU" sz="1400" dirty="0" smtClean="0"/>
+              <a:rPr lang="ru-RU" sz="1400" dirty="0"/>
               <a:t>Восстановление таможенной независимости (</a:t>
             </a:r>
             <a:r>
-              <a:rPr lang="ru-RU" sz="1400" dirty="0" err="1" smtClean="0"/>
+              <a:rPr lang="ru-RU" sz="1400" dirty="0" err="1"/>
               <a:t>ист</a:t>
             </a:r>
             <a:r>
-              <a:rPr lang="ru-RU" sz="1400" dirty="0" smtClean="0"/>
+              <a:rPr lang="ru-RU" sz="1400" dirty="0"/>
               <a:t> 1936) 50</a:t>
             </a:r>
-            <a:endParaRPr lang="ru-RU" sz="1400" dirty="0"/>
           </a:p>
         </p:txBody>
       </p:sp>
@@ -3992,26 +3989,25 @@
           <a:p>
             <a:pPr algn="ctr"/>
             <a:r>
-              <a:rPr lang="ru-RU" sz="1400" dirty="0" smtClean="0"/>
+              <a:rPr lang="ru-RU" sz="1400" dirty="0"/>
               <a:t>Национализация неугодных национальных кампаний (</a:t>
             </a:r>
             <a:r>
-              <a:rPr lang="ru-RU" sz="1400" dirty="0" err="1" smtClean="0"/>
+              <a:rPr lang="ru-RU" sz="1400" dirty="0" err="1"/>
               <a:t>ист</a:t>
             </a:r>
             <a:r>
-              <a:rPr lang="ru-RU" sz="1400" dirty="0" smtClean="0"/>
+              <a:rPr lang="ru-RU" sz="1400" dirty="0"/>
               <a:t> после </a:t>
             </a:r>
             <a:r>
-              <a:rPr lang="ru-RU" sz="1400" dirty="0" err="1" smtClean="0"/>
+              <a:rPr lang="ru-RU" sz="1400" dirty="0" err="1"/>
               <a:t>фаш</a:t>
             </a:r>
             <a:r>
-              <a:rPr lang="ru-RU" sz="1400" dirty="0" smtClean="0"/>
+              <a:rPr lang="ru-RU" sz="1400" dirty="0"/>
               <a:t> переворота)</a:t>
             </a:r>
-            <a:endParaRPr lang="ru-RU" sz="1400" dirty="0"/>
           </a:p>
         </p:txBody>
       </p:sp>
@@ -4057,18 +4053,17 @@
           <a:p>
             <a:pPr algn="ctr"/>
             <a:r>
-              <a:rPr lang="ru-RU" sz="1400" dirty="0" smtClean="0"/>
+              <a:rPr lang="ru-RU" sz="1400" dirty="0"/>
               <a:t>«Третий путь» (Народная Партия, </a:t>
             </a:r>
             <a:r>
-              <a:rPr lang="ru-RU" sz="1400" dirty="0" err="1" smtClean="0"/>
+              <a:rPr lang="ru-RU" sz="1400" dirty="0" err="1"/>
               <a:t>подъидеология</a:t>
             </a:r>
             <a:r>
-              <a:rPr lang="ru-RU" sz="1400" dirty="0" smtClean="0"/>
+              <a:rPr lang="ru-RU" sz="1400" dirty="0"/>
               <a:t> социал-демократия)</a:t>
             </a:r>
-            <a:endParaRPr lang="ru-RU" sz="1400" dirty="0"/>
           </a:p>
         </p:txBody>
       </p:sp>
@@ -4113,10 +4108,9 @@
           <a:p>
             <a:pPr algn="ctr"/>
             <a:r>
-              <a:rPr lang="ru-RU" sz="1400" dirty="0" smtClean="0"/>
+              <a:rPr lang="ru-RU" sz="1400" dirty="0"/>
               <a:t>Восстание 18 трупов</a:t>
             </a:r>
-            <a:endParaRPr lang="ru-RU" sz="1400" dirty="0"/>
           </a:p>
         </p:txBody>
       </p:sp>
@@ -4161,20 +4155,16 @@
           <a:p>
             <a:pPr algn="ctr"/>
             <a:r>
-              <a:rPr lang="ru-RU" sz="1400" dirty="0" smtClean="0"/>
+              <a:rPr lang="ru-RU" sz="1400" dirty="0"/>
               <a:t>Политика ультранационализма </a:t>
             </a:r>
             <a:r>
-              <a:rPr lang="ru-RU" sz="600" dirty="0" smtClean="0"/>
+              <a:rPr lang="ru-RU" sz="600" dirty="0"/>
               <a:t>(</a:t>
             </a:r>
             <a:r>
               <a:rPr lang="ru-RU" sz="1100" dirty="0"/>
-              <a:t>24 июня 1939 </a:t>
-            </a:r>
-            <a:r>
-              <a:rPr lang="ru-RU" sz="1100" dirty="0" smtClean="0"/>
-              <a:t>года)</a:t>
+              <a:t>24 июня 1939 года)</a:t>
             </a:r>
             <a:endParaRPr lang="ru-RU" sz="600" dirty="0"/>
           </a:p>
@@ -4220,7 +4210,7 @@
               <a:t>Национализировать имущество китайских ростовщиков </a:t>
             </a:r>
             <a:r>
-              <a:rPr lang="ru-RU" sz="1400" smtClean="0"/>
+              <a:rPr lang="ru-RU" sz="1400"/>
               <a:t>(историчный)</a:t>
             </a:r>
             <a:endParaRPr lang="ru-RU" sz="1400" dirty="0"/>
@@ -4268,10 +4258,9 @@
           <a:p>
             <a:pPr algn="ctr"/>
             <a:r>
-              <a:rPr lang="ru-RU" sz="1400" dirty="0" smtClean="0"/>
+              <a:rPr lang="ru-RU" sz="1400" dirty="0"/>
               <a:t>Договор о дружбе с Японией</a:t>
             </a:r>
-            <a:endParaRPr lang="ru-RU" sz="1400" dirty="0"/>
           </a:p>
         </p:txBody>
       </p:sp>
@@ -4368,10 +4357,9 @@
           <a:p>
             <a:pPr algn="ctr"/>
             <a:r>
-              <a:rPr lang="ru-RU" sz="1400" dirty="0" smtClean="0"/>
+              <a:rPr lang="ru-RU" sz="1400" dirty="0"/>
               <a:t>Военное сотрудничество с Японией</a:t>
             </a:r>
-            <a:endParaRPr lang="ru-RU" sz="1400" dirty="0"/>
           </a:p>
         </p:txBody>
       </p:sp>
@@ -4411,18 +4399,17 @@
           <a:p>
             <a:pPr algn="ctr"/>
             <a:r>
-              <a:rPr lang="ru-RU" sz="1400" dirty="0" smtClean="0"/>
+              <a:rPr lang="ru-RU" sz="1400" dirty="0"/>
               <a:t>Вывод валюты из золотого стандарта (</a:t>
             </a:r>
             <a:r>
-              <a:rPr lang="ru-RU" sz="1400" dirty="0" err="1" smtClean="0"/>
+              <a:rPr lang="ru-RU" sz="1400" dirty="0" err="1"/>
               <a:t>ист</a:t>
             </a:r>
             <a:r>
-              <a:rPr lang="ru-RU" sz="1400" dirty="0" smtClean="0"/>
+              <a:rPr lang="ru-RU" sz="1400" dirty="0"/>
               <a:t> 1936) 100</a:t>
             </a:r>
-            <a:endParaRPr lang="ru-RU" sz="1400" dirty="0"/>
           </a:p>
         </p:txBody>
       </p:sp>
@@ -4467,7 +4454,7 @@
           <a:p>
             <a:pPr algn="ctr"/>
             <a:r>
-              <a:rPr lang="ru-RU" sz="1400" dirty="0" err="1" smtClean="0"/>
+              <a:rPr lang="ru-RU" sz="1400" dirty="0" err="1"/>
               <a:t>Ювачон</a:t>
             </a:r>
             <a:endParaRPr lang="ru-RU" sz="500" dirty="0"/>
@@ -4515,10 +4502,9 @@
           <a:p>
             <a:pPr algn="ctr"/>
             <a:r>
-              <a:rPr lang="ru-RU" sz="1400" dirty="0" smtClean="0"/>
+              <a:rPr lang="ru-RU" sz="1400" dirty="0"/>
               <a:t>Двенадцать культурных мандатов</a:t>
             </a:r>
-            <a:endParaRPr lang="ru-RU" sz="1400" dirty="0"/>
           </a:p>
         </p:txBody>
       </p:sp>
@@ -4596,18 +4582,17 @@
           <a:p>
             <a:pPr algn="ctr"/>
             <a:r>
-              <a:rPr lang="ru-RU" sz="1400" dirty="0" smtClean="0"/>
+              <a:rPr lang="ru-RU" sz="1400" dirty="0"/>
               <a:t>Заключить новый договор с Францией (</a:t>
             </a:r>
             <a:r>
-              <a:rPr lang="ru-RU" sz="1400" dirty="0" err="1" smtClean="0"/>
+              <a:rPr lang="ru-RU" sz="1400" dirty="0" err="1"/>
               <a:t>ист</a:t>
             </a:r>
             <a:r>
-              <a:rPr lang="ru-RU" sz="1400" dirty="0" smtClean="0"/>
+              <a:rPr lang="ru-RU" sz="1400" dirty="0"/>
               <a:t> 1937) 50</a:t>
             </a:r>
-            <a:endParaRPr lang="ru-RU" sz="1400" dirty="0"/>
           </a:p>
         </p:txBody>
       </p:sp>
@@ -4647,18 +4632,17 @@
           <a:p>
             <a:pPr algn="ctr"/>
             <a:r>
-              <a:rPr lang="ru-RU" sz="1400" dirty="0" smtClean="0"/>
+              <a:rPr lang="ru-RU" sz="1400" dirty="0"/>
               <a:t>Инвестиции из Великобритании и США (</a:t>
             </a:r>
             <a:r>
-              <a:rPr lang="ru-RU" sz="1400" dirty="0" err="1" smtClean="0"/>
+              <a:rPr lang="ru-RU" sz="1400" dirty="0" err="1"/>
               <a:t>ист</a:t>
             </a:r>
             <a:r>
-              <a:rPr lang="ru-RU" sz="1400" dirty="0" smtClean="0"/>
+              <a:rPr lang="ru-RU" sz="1400" dirty="0"/>
               <a:t> 1937) 100</a:t>
             </a:r>
-            <a:endParaRPr lang="ru-RU" sz="1400" dirty="0"/>
           </a:p>
         </p:txBody>
       </p:sp>
@@ -4698,18 +4682,17 @@
           <a:p>
             <a:pPr algn="ctr"/>
             <a:r>
-              <a:rPr lang="ru-RU" sz="1400" dirty="0" smtClean="0"/>
+              <a:rPr lang="ru-RU" sz="1400" dirty="0"/>
               <a:t>Привлечь вложения скандинавских стран (Дании Швеции Норвегии) (</a:t>
             </a:r>
             <a:r>
-              <a:rPr lang="ru-RU" sz="1400" dirty="0" err="1" smtClean="0"/>
+              <a:rPr lang="ru-RU" sz="1400" dirty="0" err="1"/>
               <a:t>ист</a:t>
             </a:r>
             <a:r>
-              <a:rPr lang="ru-RU" sz="1400" dirty="0" smtClean="0"/>
+              <a:rPr lang="ru-RU" sz="1400" dirty="0"/>
               <a:t> 1937) 100</a:t>
             </a:r>
-            <a:endParaRPr lang="ru-RU" sz="1400" dirty="0"/>
           </a:p>
         </p:txBody>
       </p:sp>
@@ -4749,18 +4732,17 @@
           <a:p>
             <a:pPr algn="ctr"/>
             <a:r>
-              <a:rPr lang="ru-RU" sz="1400" dirty="0" smtClean="0"/>
+              <a:rPr lang="ru-RU" sz="1400" dirty="0"/>
               <a:t>Итальянские и Германские концессии (</a:t>
             </a:r>
             <a:r>
-              <a:rPr lang="ru-RU" sz="1400" dirty="0" err="1" smtClean="0"/>
+              <a:rPr lang="ru-RU" sz="1400" dirty="0" err="1"/>
               <a:t>ист</a:t>
             </a:r>
             <a:r>
-              <a:rPr lang="ru-RU" sz="1400" dirty="0" smtClean="0"/>
+              <a:rPr lang="ru-RU" sz="1400" dirty="0"/>
               <a:t> 1937) 100</a:t>
             </a:r>
-            <a:endParaRPr lang="ru-RU" sz="1400" dirty="0"/>
           </a:p>
         </p:txBody>
       </p:sp>
@@ -4800,18 +4782,17 @@
           <a:p>
             <a:pPr algn="ctr"/>
             <a:r>
-              <a:rPr lang="ru-RU" sz="1400" dirty="0" smtClean="0"/>
+              <a:rPr lang="ru-RU" sz="1400" dirty="0"/>
               <a:t>Закон о земельном максимуме (</a:t>
             </a:r>
             <a:r>
-              <a:rPr lang="ru-RU" sz="1400" dirty="0" err="1" smtClean="0"/>
+              <a:rPr lang="ru-RU" sz="1400" dirty="0" err="1"/>
               <a:t>ист</a:t>
             </a:r>
             <a:r>
-              <a:rPr lang="ru-RU" sz="1400" dirty="0" smtClean="0"/>
+              <a:rPr lang="ru-RU" sz="1400" dirty="0"/>
               <a:t> 1936) </a:t>
             </a:r>
-            <a:endParaRPr lang="ru-RU" sz="1400" dirty="0"/>
           </a:p>
         </p:txBody>
       </p:sp>
@@ -4851,18 +4832,17 @@
           <a:p>
             <a:pPr algn="ctr"/>
             <a:r>
-              <a:rPr lang="ru-RU" sz="1400" dirty="0" smtClean="0"/>
+              <a:rPr lang="ru-RU" sz="1400" dirty="0"/>
               <a:t>Создание системы медицинского обслуживания (</a:t>
             </a:r>
             <a:r>
-              <a:rPr lang="ru-RU" sz="1400" dirty="0" err="1" smtClean="0"/>
+              <a:rPr lang="ru-RU" sz="1400" dirty="0" err="1"/>
               <a:t>ист</a:t>
             </a:r>
             <a:r>
-              <a:rPr lang="ru-RU" sz="1400" dirty="0" smtClean="0"/>
+              <a:rPr lang="ru-RU" sz="1400" dirty="0"/>
               <a:t> 1937) </a:t>
             </a:r>
-            <a:endParaRPr lang="ru-RU" sz="1400" dirty="0"/>
           </a:p>
         </p:txBody>
       </p:sp>
@@ -4908,7 +4888,7 @@
           <a:p>
             <a:pPr algn="ctr"/>
             <a:r>
-              <a:rPr lang="ru-RU" sz="1400" dirty="0" smtClean="0"/>
+              <a:rPr lang="ru-RU" sz="1400" dirty="0"/>
               <a:t>Воскресить Проект «Жёлтой книги»</a:t>
             </a:r>
             <a:endParaRPr lang="ru-RU" sz="1000" dirty="0"/>
@@ -4957,7 +4937,7 @@
           <a:p>
             <a:pPr algn="ctr"/>
             <a:r>
-              <a:rPr lang="ru-RU" sz="1400" dirty="0" smtClean="0"/>
+              <a:rPr lang="ru-RU" sz="1400" dirty="0"/>
               <a:t>Создание рабочего законодательства</a:t>
             </a:r>
             <a:endParaRPr lang="ru-RU" sz="1200" dirty="0"/>
@@ -5042,18 +5022,17 @@
           <a:p>
             <a:pPr algn="ctr"/>
             <a:r>
-              <a:rPr lang="ru-RU" sz="1400" dirty="0" smtClean="0"/>
+              <a:rPr lang="ru-RU" sz="1400" dirty="0"/>
               <a:t>Постройка сахарного завода (</a:t>
             </a:r>
             <a:r>
-              <a:rPr lang="ru-RU" sz="1400" dirty="0" err="1" smtClean="0"/>
+              <a:rPr lang="ru-RU" sz="1400" dirty="0" err="1"/>
               <a:t>ист</a:t>
             </a:r>
             <a:r>
-              <a:rPr lang="ru-RU" sz="1400" dirty="0" smtClean="0"/>
+              <a:rPr lang="ru-RU" sz="1400" dirty="0"/>
               <a:t> 1937) 50 </a:t>
             </a:r>
-            <a:endParaRPr lang="ru-RU" sz="1400" dirty="0"/>
           </a:p>
         </p:txBody>
       </p:sp>
@@ -5093,10 +5072,9 @@
           <a:p>
             <a:pPr algn="ctr"/>
             <a:r>
-              <a:rPr lang="ru-RU" sz="1400" dirty="0" smtClean="0"/>
+              <a:rPr lang="ru-RU" sz="1400" dirty="0"/>
               <a:t>Пойти на компромисс с Великобританией</a:t>
             </a:r>
-            <a:endParaRPr lang="ru-RU" sz="1400" dirty="0"/>
           </a:p>
         </p:txBody>
       </p:sp>
@@ -5526,18 +5504,17 @@
           <a:p>
             <a:pPr algn="ctr"/>
             <a:r>
-              <a:rPr lang="ru-RU" sz="1400" dirty="0" smtClean="0"/>
+              <a:rPr lang="ru-RU" sz="1400" dirty="0"/>
               <a:t>Постройка пивоваренного завода (</a:t>
             </a:r>
             <a:r>
-              <a:rPr lang="ru-RU" sz="1400" dirty="0" err="1" smtClean="0"/>
+              <a:rPr lang="ru-RU" sz="1400" dirty="0" err="1"/>
               <a:t>ист</a:t>
             </a:r>
             <a:r>
-              <a:rPr lang="ru-RU" sz="1400" dirty="0" smtClean="0"/>
+              <a:rPr lang="ru-RU" sz="1400" dirty="0"/>
               <a:t> 1938) 100</a:t>
             </a:r>
-            <a:endParaRPr lang="ru-RU" sz="1400" dirty="0"/>
           </a:p>
         </p:txBody>
       </p:sp>
@@ -5577,17 +5554,16 @@
           <a:p>
             <a:pPr algn="ctr"/>
             <a:r>
-              <a:rPr lang="ru-RU" sz="1400" dirty="0" smtClean="0"/>
+              <a:rPr lang="ru-RU" sz="1400" dirty="0"/>
               <a:t>Разделить добычу </a:t>
             </a:r>
           </a:p>
           <a:p>
             <a:pPr algn="ctr"/>
             <a:r>
-              <a:rPr lang="ru-RU" sz="1400" dirty="0" smtClean="0"/>
+              <a:rPr lang="ru-RU" sz="1400" dirty="0"/>
               <a:t>олова</a:t>
             </a:r>
-            <a:endParaRPr lang="ru-RU" sz="1400" dirty="0"/>
           </a:p>
         </p:txBody>
       </p:sp>
@@ -5627,10 +5603,9 @@
           <a:p>
             <a:pPr algn="ctr"/>
             <a:r>
-              <a:rPr lang="ru-RU" sz="1400" dirty="0" smtClean="0"/>
+              <a:rPr lang="ru-RU" sz="1400" dirty="0"/>
               <a:t>Экспорт риса</a:t>
             </a:r>
-            <a:endParaRPr lang="ru-RU" sz="1400" dirty="0"/>
           </a:p>
         </p:txBody>
       </p:sp>
@@ -5670,11 +5645,11 @@
           <a:p>
             <a:pPr algn="ctr"/>
             <a:r>
-              <a:rPr lang="ru-RU" sz="1400" dirty="0" smtClean="0"/>
+              <a:rPr lang="ru-RU" sz="1400" dirty="0"/>
               <a:t>Университет </a:t>
             </a:r>
             <a:r>
-              <a:rPr lang="ru-RU" sz="1400" dirty="0" err="1" smtClean="0"/>
+              <a:rPr lang="ru-RU" sz="1400" dirty="0" err="1"/>
               <a:t>Касетсарт</a:t>
             </a:r>
             <a:endParaRPr lang="ru-RU" sz="1400" dirty="0"/>
@@ -5753,10 +5728,9 @@
           <a:p>
             <a:pPr algn="ctr"/>
             <a:r>
-              <a:rPr lang="ru-RU" sz="1400" dirty="0" smtClean="0"/>
+              <a:rPr lang="ru-RU" sz="1400" dirty="0"/>
               <a:t>Новые инвестиции в железную дорогу</a:t>
             </a:r>
-            <a:endParaRPr lang="ru-RU" sz="1400" dirty="0"/>
           </a:p>
         </p:txBody>
       </p:sp>
@@ -5801,10 +5775,9 @@
           <a:p>
             <a:pPr algn="ctr"/>
             <a:r>
-              <a:rPr lang="ru-RU" sz="1400" dirty="0" smtClean="0"/>
+              <a:rPr lang="ru-RU" sz="1400" dirty="0"/>
               <a:t>Создание женской армии</a:t>
             </a:r>
-            <a:endParaRPr lang="ru-RU" sz="1400" dirty="0"/>
           </a:p>
         </p:txBody>
       </p:sp>
@@ -5850,10 +5823,9 @@
           <a:p>
             <a:pPr algn="ctr"/>
             <a:r>
-              <a:rPr lang="ru-RU" sz="1400" dirty="0" smtClean="0"/>
+              <a:rPr lang="ru-RU" sz="1400" dirty="0"/>
               <a:t>Убрать военных из Ассамблеи</a:t>
             </a:r>
-            <a:endParaRPr lang="ru-RU" sz="1400" dirty="0"/>
           </a:p>
         </p:txBody>
       </p:sp>
@@ -5931,10 +5903,9 @@
           <a:p>
             <a:pPr algn="ctr"/>
             <a:r>
-              <a:rPr lang="ru-RU" sz="1400" dirty="0" smtClean="0"/>
+              <a:rPr lang="ru-RU" sz="1400" dirty="0"/>
               <a:t>Очередной кредит на инфраструктуру</a:t>
             </a:r>
-            <a:endParaRPr lang="ru-RU" sz="1400" dirty="0"/>
           </a:p>
         </p:txBody>
       </p:sp>
@@ -6010,10 +5981,9 @@
           <a:p>
             <a:pPr algn="ctr"/>
             <a:r>
-              <a:rPr lang="ru-RU" sz="1400" dirty="0" smtClean="0"/>
+              <a:rPr lang="ru-RU" sz="1400" dirty="0"/>
               <a:t>Расширение каучуковых плантаций</a:t>
             </a:r>
-            <a:endParaRPr lang="ru-RU" sz="1400" dirty="0"/>
           </a:p>
         </p:txBody>
       </p:sp>
@@ -6095,31 +6065,31 @@
           <a:p>
             <a:pPr algn="ctr"/>
             <a:r>
-              <a:rPr lang="ru-RU" sz="1400" dirty="0" smtClean="0"/>
+              <a:rPr lang="ru-RU" sz="1400" dirty="0"/>
               <a:t>Основание «Тай </a:t>
             </a:r>
             <a:r>
-              <a:rPr lang="ru-RU" sz="1400" dirty="0" err="1" smtClean="0"/>
+              <a:rPr lang="ru-RU" sz="1400" dirty="0" err="1"/>
               <a:t>Ниа</a:t>
             </a:r>
             <a:r>
-              <a:rPr lang="ru-RU" sz="1400" dirty="0" smtClean="0"/>
+              <a:rPr lang="ru-RU" sz="1400" dirty="0"/>
               <a:t> </a:t>
             </a:r>
             <a:r>
-              <a:rPr lang="ru-RU" sz="1400" dirty="0" err="1" smtClean="0"/>
+              <a:rPr lang="ru-RU" sz="1400" dirty="0" err="1"/>
               <a:t>Паничако</a:t>
             </a:r>
             <a:r>
-              <a:rPr lang="ru-RU" sz="1400" dirty="0" smtClean="0"/>
+              <a:rPr lang="ru-RU" sz="1400" dirty="0"/>
               <a:t>» (</a:t>
             </a:r>
             <a:r>
-              <a:rPr lang="ru-RU" sz="1400" dirty="0" err="1" smtClean="0"/>
+              <a:rPr lang="ru-RU" sz="1400" dirty="0" err="1"/>
               <a:t>ист</a:t>
             </a:r>
             <a:r>
-              <a:rPr lang="ru-RU" sz="1400" dirty="0" smtClean="0"/>
+              <a:rPr lang="ru-RU" sz="1400" dirty="0"/>
               <a:t> 1938)</a:t>
             </a:r>
           </a:p>
@@ -6247,11 +6217,11 @@
           <a:p>
             <a:pPr algn="ctr"/>
             <a:r>
-              <a:rPr lang="ru-RU" sz="1400" dirty="0" smtClean="0"/>
+              <a:rPr lang="ru-RU" sz="1400" dirty="0"/>
               <a:t>Вернуть на трон Раму </a:t>
             </a:r>
             <a:r>
-              <a:rPr lang="en-US" sz="1400" dirty="0" smtClean="0"/>
+              <a:rPr lang="en-US" sz="1400" dirty="0"/>
               <a:t>VII</a:t>
             </a:r>
             <a:endParaRPr lang="ru-RU" sz="200" dirty="0"/>
@@ -6294,30 +6264,29 @@
           <a:p>
             <a:pPr algn="ctr"/>
             <a:r>
-              <a:rPr lang="ru-RU" sz="1400" dirty="0" smtClean="0"/>
+              <a:rPr lang="ru-RU" sz="1400" dirty="0"/>
               <a:t>Основание </a:t>
             </a:r>
             <a:r>
-              <a:rPr lang="en-US" sz="1400" dirty="0" err="1" smtClean="0"/>
+              <a:rPr lang="en-US" sz="1400" dirty="0" err="1"/>
               <a:t>Chaiseri</a:t>
             </a:r>
             <a:r>
-              <a:rPr lang="en-US" sz="1400" dirty="0" smtClean="0"/>
+              <a:rPr lang="en-US" sz="1400" dirty="0"/>
               <a:t> Metal and Rubber</a:t>
             </a:r>
             <a:r>
-              <a:rPr lang="ru-RU" sz="1400" dirty="0" smtClean="0"/>
+              <a:rPr lang="ru-RU" sz="1400" dirty="0"/>
               <a:t> (</a:t>
             </a:r>
             <a:r>
-              <a:rPr lang="ru-RU" sz="1400" dirty="0" err="1" smtClean="0"/>
+              <a:rPr lang="ru-RU" sz="1400" dirty="0" err="1"/>
               <a:t>ист</a:t>
             </a:r>
             <a:r>
-              <a:rPr lang="ru-RU" sz="1400" dirty="0" smtClean="0"/>
+              <a:rPr lang="ru-RU" sz="1400" dirty="0"/>
               <a:t> 1939)</a:t>
             </a:r>
-            <a:endParaRPr lang="ru-RU" sz="1400" dirty="0"/>
           </a:p>
         </p:txBody>
       </p:sp>
@@ -6357,19 +6326,19 @@
           <a:p>
             <a:pPr algn="ctr"/>
             <a:r>
-              <a:rPr lang="ru-RU" sz="1400" dirty="0" smtClean="0"/>
+              <a:rPr lang="ru-RU" sz="1400" dirty="0"/>
               <a:t>Завод по восстановлению транспортных средств </a:t>
             </a:r>
             <a:r>
-              <a:rPr lang="ru-RU" sz="1100" dirty="0" smtClean="0"/>
+              <a:rPr lang="ru-RU" sz="1100" dirty="0"/>
               <a:t>(</a:t>
             </a:r>
             <a:r>
-              <a:rPr lang="ru-RU" sz="1100" dirty="0" err="1" smtClean="0"/>
+              <a:rPr lang="ru-RU" sz="1100" dirty="0" err="1"/>
               <a:t>ист</a:t>
             </a:r>
             <a:r>
-              <a:rPr lang="ru-RU" sz="1100" dirty="0" smtClean="0"/>
+              <a:rPr lang="ru-RU" sz="1100" dirty="0"/>
               <a:t> 1939)</a:t>
             </a:r>
             <a:endParaRPr lang="ru-RU" sz="1400" dirty="0"/>
@@ -6412,7 +6381,7 @@
           <a:p>
             <a:pPr algn="ctr"/>
             <a:r>
-              <a:rPr lang="ru-RU" sz="1400" dirty="0" smtClean="0"/>
+              <a:rPr lang="ru-RU" sz="1400" dirty="0"/>
               <a:t>Модернизация рельсовых систем</a:t>
             </a:r>
             <a:endParaRPr lang="ru-RU" sz="1000" dirty="0"/>
@@ -6569,18 +6538,17 @@
           <a:p>
             <a:pPr algn="ctr"/>
             <a:r>
-              <a:rPr lang="ru-RU" sz="1400" dirty="0" smtClean="0"/>
+              <a:rPr lang="ru-RU" sz="1400" dirty="0"/>
               <a:t>Начать добычу вольфрама в </a:t>
             </a:r>
             <a:r>
-              <a:rPr lang="ru-RU" sz="1400" dirty="0" err="1" smtClean="0"/>
+              <a:rPr lang="ru-RU" sz="1400" dirty="0" err="1"/>
               <a:t>Накхоситхаммарте</a:t>
             </a:r>
             <a:r>
-              <a:rPr lang="ru-RU" sz="1400" dirty="0" smtClean="0"/>
+              <a:rPr lang="ru-RU" sz="1400" dirty="0"/>
               <a:t> (при захвате Малайзии)</a:t>
             </a:r>
-            <a:endParaRPr lang="ru-RU" sz="1400" dirty="0"/>
           </a:p>
         </p:txBody>
       </p:sp>
@@ -6620,11 +6588,11 @@
           <a:p>
             <a:pPr algn="ctr"/>
             <a:r>
-              <a:rPr lang="ru-RU" sz="1400" dirty="0" smtClean="0"/>
+              <a:rPr lang="ru-RU" sz="1400" dirty="0"/>
               <a:t>Железная шахта в </a:t>
             </a:r>
             <a:r>
-              <a:rPr lang="ru-RU" sz="1400" dirty="0" err="1" smtClean="0"/>
+              <a:rPr lang="ru-RU" sz="1400" dirty="0" err="1"/>
               <a:t>Канчанабури</a:t>
             </a:r>
             <a:endParaRPr lang="ru-RU" sz="1400" dirty="0"/>
@@ -6783,10 +6751,9 @@
           <a:p>
             <a:pPr algn="ctr"/>
             <a:r>
-              <a:rPr lang="ru-RU" sz="1400" dirty="0" smtClean="0"/>
+              <a:rPr lang="ru-RU" sz="1400" dirty="0"/>
               <a:t>Рисообрабатывающие фабрики</a:t>
             </a:r>
-            <a:endParaRPr lang="ru-RU" sz="1400" dirty="0"/>
           </a:p>
         </p:txBody>
       </p:sp>
@@ -6862,10 +6829,9 @@
           <a:p>
             <a:pPr algn="ctr"/>
             <a:r>
-              <a:rPr lang="ru-RU" sz="1400" dirty="0" smtClean="0"/>
+              <a:rPr lang="ru-RU" sz="1400" dirty="0"/>
               <a:t>Добыча нефти на севере</a:t>
             </a:r>
-            <a:endParaRPr lang="ru-RU" sz="1400" dirty="0"/>
           </a:p>
         </p:txBody>
       </p:sp>
@@ -7099,20 +7065,12 @@
           <a:p>
             <a:pPr algn="ctr"/>
             <a:r>
-              <a:rPr lang="ru-RU" sz="1400" dirty="0" smtClean="0"/>
+              <a:rPr lang="ru-RU" sz="1400" dirty="0"/>
               <a:t>Создание королевских ВВС </a:t>
             </a:r>
             <a:r>
-              <a:rPr lang="ru-RU" sz="900" dirty="0" smtClean="0"/>
-              <a:t>(</a:t>
-            </a:r>
-            <a:r>
               <a:rPr lang="ru-RU" sz="900" dirty="0"/>
-              <a:t>В апреле 1937 года выделена в отдельный вид вооружённых </a:t>
-            </a:r>
-            <a:r>
-              <a:rPr lang="ru-RU" sz="900" dirty="0" smtClean="0"/>
-              <a:t>сил) (ВВС министр 1 </a:t>
+              <a:t>(В апреле 1937 года выделена в отдельный вид вооружённых сил) (ВВС министр 1 </a:t>
             </a:r>
             <a:r>
               <a:rPr lang="en-US" sz="900" dirty="0" err="1"/>
@@ -7131,11 +7089,11 @@
               <a:t> </a:t>
             </a:r>
             <a:r>
-              <a:rPr lang="en-US" sz="900" dirty="0" err="1" smtClean="0"/>
+              <a:rPr lang="en-US" sz="900" dirty="0" err="1"/>
               <a:t>Vejayantarungsarit</a:t>
             </a:r>
             <a:r>
-              <a:rPr lang="ru-RU" sz="900" dirty="0" smtClean="0"/>
+              <a:rPr lang="ru-RU" sz="900" dirty="0"/>
               <a:t>, ВВС министр 2 </a:t>
             </a:r>
             <a:r>
@@ -7147,11 +7105,11 @@
               <a:t> </a:t>
             </a:r>
             <a:r>
-              <a:rPr lang="en-US" sz="900" dirty="0" err="1" smtClean="0"/>
+              <a:rPr lang="en-US" sz="900" dirty="0" err="1"/>
               <a:t>Atuegtevadej</a:t>
             </a:r>
             <a:r>
-              <a:rPr lang="ru-RU" sz="900" dirty="0" smtClean="0"/>
+              <a:rPr lang="ru-RU" sz="900" dirty="0"/>
               <a:t> министр 3 </a:t>
             </a:r>
             <a:r>
@@ -7167,10 +7125,9 @@
               <a:t>Tevaritpanluek</a:t>
             </a:r>
             <a:r>
-              <a:rPr lang="ru-RU" sz="900" dirty="0" smtClean="0"/>
+              <a:rPr lang="ru-RU" sz="900" dirty="0"/>
               <a:t>)</a:t>
             </a:r>
-            <a:endParaRPr lang="ru-RU" sz="900" dirty="0"/>
           </a:p>
         </p:txBody>
       </p:sp>
@@ -7210,10 +7167,9 @@
           <a:p>
             <a:pPr algn="ctr"/>
             <a:r>
-              <a:rPr lang="ru-RU" sz="1400" dirty="0" smtClean="0"/>
+              <a:rPr lang="ru-RU" sz="1400" dirty="0"/>
               <a:t>Ставка на французские самолёты</a:t>
             </a:r>
-            <a:endParaRPr lang="ru-RU" sz="1400" dirty="0"/>
           </a:p>
         </p:txBody>
       </p:sp>
@@ -7253,10 +7209,9 @@
           <a:p>
             <a:pPr algn="ctr"/>
             <a:r>
-              <a:rPr lang="ru-RU" sz="1400" dirty="0" smtClean="0"/>
+              <a:rPr lang="ru-RU" sz="1400" dirty="0"/>
               <a:t>Ставка на японские самолёты (после 1938)</a:t>
             </a:r>
-            <a:endParaRPr lang="ru-RU" sz="1400" dirty="0"/>
           </a:p>
         </p:txBody>
       </p:sp>
@@ -7296,10 +7251,9 @@
           <a:p>
             <a:pPr algn="ctr"/>
             <a:r>
-              <a:rPr lang="ru-RU" sz="1400" dirty="0" smtClean="0"/>
+              <a:rPr lang="ru-RU" sz="1400" dirty="0"/>
               <a:t>Ставка на американские самолёты</a:t>
             </a:r>
-            <a:endParaRPr lang="ru-RU" sz="1400" dirty="0"/>
           </a:p>
         </p:txBody>
       </p:sp>
@@ -7340,17 +7294,12 @@
             <a:pPr algn="ctr"/>
             <a:r>
               <a:rPr lang="ru-RU" sz="1400" dirty="0"/>
-              <a:t>Командование сил безопасности </a:t>
-            </a:r>
-            <a:r>
-              <a:rPr lang="ru-RU" sz="1400" dirty="0" smtClean="0"/>
-              <a:t>ВВС</a:t>
-            </a:r>
-            <a:r>
-              <a:rPr lang="ru-RU" sz="600" dirty="0" smtClean="0"/>
+              <a:t>Командование сил безопасности ВВС</a:t>
+            </a:r>
+            <a:r>
+              <a:rPr lang="ru-RU" sz="600" dirty="0"/>
               <a:t> (конец 1937)</a:t>
             </a:r>
-            <a:endParaRPr lang="ru-RU" sz="600" dirty="0"/>
           </a:p>
         </p:txBody>
       </p:sp>
@@ -7390,7 +7339,7 @@
           <a:p>
             <a:pPr algn="ctr"/>
             <a:r>
-              <a:rPr lang="ru-RU" sz="1400" dirty="0" smtClean="0"/>
+              <a:rPr lang="ru-RU" sz="1400" dirty="0"/>
               <a:t>Батальон специальных операций</a:t>
             </a:r>
             <a:endParaRPr lang="ru-RU" sz="700" dirty="0"/>
@@ -7433,10 +7382,9 @@
           <a:p>
             <a:pPr algn="ctr"/>
             <a:r>
-              <a:rPr lang="ru-RU" sz="1400" dirty="0" smtClean="0"/>
+              <a:rPr lang="ru-RU" sz="1400" dirty="0"/>
               <a:t>Противовоздушная оборона авиабаз</a:t>
             </a:r>
-            <a:endParaRPr lang="ru-RU" sz="1400" dirty="0"/>
           </a:p>
         </p:txBody>
       </p:sp>
@@ -7476,12 +7424,8 @@
           <a:p>
             <a:pPr algn="ctr"/>
             <a:r>
-              <a:rPr lang="ru-RU" sz="1400" dirty="0" smtClean="0"/>
-              <a:t>Тактическая группа </a:t>
-            </a:r>
-            <a:r>
               <a:rPr lang="ru-RU" sz="1400" dirty="0"/>
-              <a:t>управления воздушным движением</a:t>
+              <a:t>Тактическая группа управления воздушным движением</a:t>
             </a:r>
           </a:p>
         </p:txBody>
@@ -7572,14 +7516,13 @@
               <a:t> </a:t>
             </a:r>
             <a:r>
-              <a:rPr lang="ru-RU" sz="1400" dirty="0" err="1" smtClean="0"/>
+              <a:rPr lang="ru-RU" sz="1400" dirty="0" err="1"/>
               <a:t>Адульядета</a:t>
             </a:r>
             <a:r>
-              <a:rPr lang="ru-RU" sz="700" dirty="0" smtClean="0"/>
+              <a:rPr lang="ru-RU" sz="700" dirty="0"/>
               <a:t> (1949)</a:t>
             </a:r>
-            <a:endParaRPr lang="ru-RU" sz="700" dirty="0"/>
           </a:p>
         </p:txBody>
       </p:sp>
@@ -7628,13 +7571,8 @@
             </a:r>
             <a:r>
               <a:rPr lang="ru-RU" sz="1400" dirty="0"/>
-              <a:t> </a:t>
-            </a:r>
-            <a:r>
-              <a:rPr lang="ru-RU" sz="1400" dirty="0" smtClean="0"/>
-              <a:t>университета (1947)</a:t>
-            </a:r>
-            <a:endParaRPr lang="ru-RU" sz="1400" dirty="0"/>
+              <a:t> университета (1947)</a:t>
+            </a:r>
           </a:p>
         </p:txBody>
       </p:sp>
@@ -7748,10 +7686,9 @@
           <a:p>
             <a:pPr algn="ctr"/>
             <a:r>
-              <a:rPr lang="ru-RU" sz="1400" dirty="0" smtClean="0"/>
+              <a:rPr lang="ru-RU" sz="1400" dirty="0"/>
               <a:t>Оборудование новых авиабаз</a:t>
             </a:r>
-            <a:endParaRPr lang="ru-RU" sz="1400" dirty="0"/>
           </a:p>
         </p:txBody>
       </p:sp>
@@ -8101,10 +8038,9 @@
           <a:p>
             <a:pPr algn="ctr"/>
             <a:r>
-              <a:rPr lang="ru-RU" sz="1400" dirty="0" smtClean="0"/>
+              <a:rPr lang="ru-RU" sz="1400" dirty="0"/>
               <a:t>Американские базы</a:t>
             </a:r>
-            <a:endParaRPr lang="ru-RU" sz="1400" dirty="0"/>
           </a:p>
         </p:txBody>
       </p:sp>
@@ -8144,10 +8080,9 @@
           <a:p>
             <a:pPr algn="ctr"/>
             <a:r>
-              <a:rPr lang="ru-RU" sz="1400" dirty="0" smtClean="0"/>
+              <a:rPr lang="ru-RU" sz="1400" dirty="0"/>
               <a:t>Перенять японскую тактику</a:t>
             </a:r>
-            <a:endParaRPr lang="ru-RU" sz="1400" dirty="0"/>
           </a:p>
         </p:txBody>
       </p:sp>
@@ -8187,10 +8122,9 @@
           <a:p>
             <a:pPr algn="ctr"/>
             <a:r>
-              <a:rPr lang="ru-RU" sz="1400" dirty="0" smtClean="0"/>
+              <a:rPr lang="ru-RU" sz="1400" dirty="0"/>
               <a:t>Изучение французских двигателей</a:t>
             </a:r>
-            <a:endParaRPr lang="ru-RU" sz="1400" dirty="0"/>
           </a:p>
         </p:txBody>
       </p:sp>
@@ -8456,11 +8390,7 @@
             <a:pPr algn="ctr"/>
             <a:r>
               <a:rPr lang="ru-RU" sz="1400" dirty="0"/>
-              <a:t>Королевская </a:t>
-            </a:r>
-            <a:r>
-              <a:rPr lang="ru-RU" sz="1400" dirty="0" smtClean="0"/>
-              <a:t>полиция</a:t>
+              <a:t>Королевская полиция</a:t>
             </a:r>
             <a:endParaRPr lang="ru-RU" sz="500" dirty="0"/>
           </a:p>
@@ -8540,10 +8470,9 @@
           <a:p>
             <a:pPr algn="ctr"/>
             <a:r>
-              <a:rPr lang="ru-RU" sz="1400" dirty="0" smtClean="0"/>
+              <a:rPr lang="ru-RU" sz="1400" dirty="0"/>
               <a:t>Ставка на силы полиции</a:t>
             </a:r>
-            <a:endParaRPr lang="ru-RU" sz="1400" dirty="0"/>
           </a:p>
         </p:txBody>
       </p:sp>
@@ -8583,10 +8512,9 @@
           <a:p>
             <a:pPr algn="ctr"/>
             <a:r>
-              <a:rPr lang="ru-RU" sz="1400" dirty="0" smtClean="0"/>
+              <a:rPr lang="ru-RU" sz="1400" dirty="0"/>
               <a:t>Бюро особого отделения</a:t>
             </a:r>
-            <a:endParaRPr lang="ru-RU" sz="1400" dirty="0"/>
           </a:p>
         </p:txBody>
       </p:sp>
@@ -8626,7 +8554,7 @@
           <a:p>
             <a:pPr algn="ctr"/>
             <a:r>
-              <a:rPr lang="ru-RU" sz="1400" dirty="0" smtClean="0"/>
+              <a:rPr lang="ru-RU" sz="1400" dirty="0"/>
               <a:t>Политическая полиция</a:t>
             </a:r>
             <a:endParaRPr lang="ru-RU" sz="800" dirty="0"/>
@@ -8707,10 +8635,9 @@
           <a:p>
             <a:pPr algn="ctr"/>
             <a:r>
-              <a:rPr lang="ru-RU" sz="1400" dirty="0" smtClean="0"/>
+              <a:rPr lang="ru-RU" sz="1400" dirty="0"/>
               <a:t>Зарубежная деятельность</a:t>
             </a:r>
-            <a:endParaRPr lang="ru-RU" sz="1400" dirty="0"/>
           </a:p>
         </p:txBody>
       </p:sp>
@@ -8750,7 +8677,7 @@
           <a:p>
             <a:pPr algn="ctr"/>
             <a:r>
-              <a:rPr lang="ru-RU" sz="1400" dirty="0" smtClean="0"/>
+              <a:rPr lang="ru-RU" sz="1400" dirty="0"/>
               <a:t>Пограничная полиция</a:t>
             </a:r>
             <a:endParaRPr lang="ru-RU" sz="900" dirty="0"/>
@@ -8793,10 +8720,9 @@
           <a:p>
             <a:pPr algn="ctr"/>
             <a:r>
-              <a:rPr lang="ru-RU" sz="1400" dirty="0" smtClean="0"/>
+              <a:rPr lang="ru-RU" sz="1400" dirty="0"/>
               <a:t>Разрешить женскую службу в полиции</a:t>
             </a:r>
-            <a:endParaRPr lang="ru-RU" sz="1400" dirty="0"/>
           </a:p>
         </p:txBody>
       </p:sp>
@@ -9022,10 +8948,9 @@
           <a:p>
             <a:pPr algn="ctr"/>
             <a:r>
-              <a:rPr lang="ru-RU" sz="1400" dirty="0" smtClean="0"/>
+              <a:rPr lang="ru-RU" sz="1400" dirty="0"/>
               <a:t>Ставка на армию</a:t>
             </a:r>
-            <a:endParaRPr lang="ru-RU" sz="1400" dirty="0"/>
           </a:p>
         </p:txBody>
       </p:sp>
@@ -9065,14 +8990,13 @@
           <a:p>
             <a:pPr algn="ctr"/>
             <a:r>
-              <a:rPr lang="ru-RU" sz="1400" dirty="0" smtClean="0"/>
+              <a:rPr lang="ru-RU" sz="1400" dirty="0"/>
               <a:t>Подразделение воздушного усиления </a:t>
             </a:r>
             <a:r>
-              <a:rPr lang="ru-RU" sz="400" dirty="0" smtClean="0"/>
+              <a:rPr lang="ru-RU" sz="400" dirty="0"/>
               <a:t>(</a:t>
             </a:r>
-            <a:endParaRPr lang="ru-RU" sz="400" dirty="0"/>
           </a:p>
         </p:txBody>
       </p:sp>
@@ -9191,11 +9115,7 @@
             <a:pPr algn="ctr"/>
             <a:r>
               <a:rPr lang="ru-RU" sz="1400" dirty="0"/>
-              <a:t>Марш сохранения общественного </a:t>
-            </a:r>
-            <a:r>
-              <a:rPr lang="ru-RU" sz="1400" dirty="0" smtClean="0"/>
-              <a:t>спокойствия</a:t>
+              <a:t>Марш сохранения общественного спокойствия</a:t>
             </a:r>
             <a:endParaRPr lang="ru-RU" sz="200" dirty="0"/>
           </a:p>
@@ -9238,11 +9158,7 @@
             <a:pPr algn="ctr"/>
             <a:r>
               <a:rPr lang="ru-RU" sz="1400" dirty="0"/>
-              <a:t>Специализированные подразделения </a:t>
-            </a:r>
-            <a:r>
-              <a:rPr lang="ru-RU" sz="1400" dirty="0" smtClean="0"/>
-              <a:t>бюро</a:t>
+              <a:t>Специализированные подразделения бюро</a:t>
             </a:r>
             <a:endParaRPr lang="ru-RU" sz="600" dirty="0"/>
           </a:p>
@@ -9322,10 +9238,9 @@
           <a:p>
             <a:pPr algn="ctr"/>
             <a:r>
-              <a:rPr lang="ru-RU" sz="1400" dirty="0" smtClean="0"/>
+              <a:rPr lang="ru-RU" sz="1400" dirty="0"/>
               <a:t>Создание подразделений рейнджеров</a:t>
             </a:r>
-            <a:endParaRPr lang="ru-RU" sz="1400" dirty="0"/>
           </a:p>
         </p:txBody>
       </p:sp>
@@ -9402,13 +9317,8 @@
             <a:pPr algn="ctr"/>
             <a:r>
               <a:rPr lang="ru-RU" sz="1400" dirty="0"/>
-              <a:t>Батальон связи Королевских </a:t>
-            </a:r>
-            <a:r>
-              <a:rPr lang="ru-RU" sz="1400" dirty="0" smtClean="0"/>
-              <a:t>ВВС (1948)</a:t>
-            </a:r>
-            <a:endParaRPr lang="ru-RU" sz="1400" dirty="0"/>
+              <a:t>Батальон связи Королевских ВВС (1948)</a:t>
+            </a:r>
           </a:p>
         </p:txBody>
       </p:sp>
@@ -9839,10 +9749,9 @@
           <a:p>
             <a:pPr algn="ctr"/>
             <a:r>
-              <a:rPr lang="ru-RU" sz="1400" dirty="0" smtClean="0"/>
+              <a:rPr lang="ru-RU" sz="1400" dirty="0"/>
               <a:t>Британское вооружение</a:t>
             </a:r>
-            <a:endParaRPr lang="ru-RU" sz="1400" dirty="0"/>
           </a:p>
         </p:txBody>
       </p:sp>
@@ -9882,10 +9791,9 @@
           <a:p>
             <a:pPr algn="ctr"/>
             <a:r>
-              <a:rPr lang="ru-RU" sz="1400" dirty="0" smtClean="0"/>
+              <a:rPr lang="ru-RU" sz="1400" dirty="0"/>
               <a:t>Японское вооружение</a:t>
             </a:r>
-            <a:endParaRPr lang="ru-RU" sz="1400" dirty="0"/>
           </a:p>
         </p:txBody>
       </p:sp>
@@ -9925,11 +9833,11 @@
           <a:p>
             <a:pPr algn="ctr"/>
             <a:r>
-              <a:rPr lang="ru-RU" sz="1400" dirty="0" smtClean="0"/>
+              <a:rPr lang="ru-RU" sz="1400" dirty="0"/>
               <a:t>Разработка Сиамской винтовки </a:t>
             </a:r>
             <a:r>
-              <a:rPr lang="en-US" sz="1400" dirty="0" smtClean="0"/>
+              <a:rPr lang="en-US" sz="1400" dirty="0"/>
               <a:t>RS model 66</a:t>
             </a:r>
             <a:endParaRPr lang="ru-RU" sz="1400" dirty="0"/>
@@ -10048,23 +9956,15 @@
           <a:p>
             <a:pPr algn="ctr"/>
             <a:r>
-              <a:rPr lang="ru-RU" sz="1400" dirty="0" smtClean="0"/>
+              <a:rPr lang="ru-RU" sz="1400" dirty="0"/>
               <a:t>Стартовые генералы (</a:t>
             </a:r>
             <a:r>
-              <a:rPr lang="th-TH" sz="1400" dirty="0" smtClean="0"/>
-              <a:t>หลวง</a:t>
-            </a:r>
-            <a:r>
               <a:rPr lang="th-TH" sz="1400" dirty="0"/>
-              <a:t>เกรียงศักดิ์พิชิต (พิชิต เกรียงศักดิ์พิชิต</a:t>
-            </a:r>
-            <a:r>
-              <a:rPr lang="th-TH" sz="1400" dirty="0" smtClean="0"/>
-              <a:t>)</a:t>
-            </a:r>
-            <a:r>
-              <a:rPr lang="ru-RU" sz="1400" dirty="0" smtClean="0"/>
+              <a:t>หลวงเกรียงศักดิ์พิชิต (พิชิต เกรียงศักดิ์พิชิต)</a:t>
+            </a:r>
+            <a:r>
+              <a:rPr lang="ru-RU" sz="1400" dirty="0"/>
               <a:t>, </a:t>
             </a:r>
             <a:r>
@@ -10072,10 +9972,9 @@
               <a:t>ผิน ชุณหะวัณ</a:t>
             </a:r>
             <a:r>
-              <a:rPr lang="ru-RU" sz="1400" dirty="0" smtClean="0"/>
+              <a:rPr lang="ru-RU" sz="1400" dirty="0"/>
               <a:t>)</a:t>
             </a:r>
-            <a:endParaRPr lang="ru-RU" sz="1400" dirty="0"/>
           </a:p>
         </p:txBody>
       </p:sp>
@@ -10233,10 +10132,9 @@
           <a:p>
             <a:pPr algn="ctr"/>
             <a:r>
-              <a:rPr lang="ru-RU" sz="1400" dirty="0" smtClean="0"/>
+              <a:rPr lang="ru-RU" sz="1400" dirty="0"/>
               <a:t>Использование британской техники</a:t>
             </a:r>
-            <a:endParaRPr lang="ru-RU" sz="1400" dirty="0"/>
           </a:p>
         </p:txBody>
       </p:sp>
@@ -10276,10 +10174,9 @@
           <a:p>
             <a:pPr algn="ctr"/>
             <a:r>
-              <a:rPr lang="ru-RU" sz="1400" dirty="0" smtClean="0"/>
+              <a:rPr lang="ru-RU" sz="1400" dirty="0"/>
               <a:t>Использование германской техники</a:t>
             </a:r>
-            <a:endParaRPr lang="ru-RU" sz="1400" dirty="0"/>
           </a:p>
         </p:txBody>
       </p:sp>
@@ -10357,10 +10254,9 @@
           <a:p>
             <a:pPr algn="ctr"/>
             <a:r>
-              <a:rPr lang="ru-RU" sz="1400" dirty="0" smtClean="0"/>
+              <a:rPr lang="ru-RU" sz="1400" dirty="0"/>
               <a:t>Увеличить инвестиции в Армию</a:t>
             </a:r>
-            <a:endParaRPr lang="ru-RU" sz="1400" dirty="0"/>
           </a:p>
         </p:txBody>
       </p:sp>
@@ -10447,7 +10343,7 @@
           <a:p>
             <a:pPr algn="ctr"/>
             <a:r>
-              <a:rPr lang="ru-RU" sz="1400" dirty="0" smtClean="0"/>
+              <a:rPr lang="ru-RU" sz="1400" dirty="0"/>
               <a:t>Усовершенствование учебной программы (1946)</a:t>
             </a:r>
             <a:endParaRPr lang="ru-RU" sz="700" dirty="0"/>
@@ -11067,10 +10963,9 @@
           <a:p>
             <a:pPr algn="ctr"/>
             <a:r>
-              <a:rPr lang="ru-RU" sz="1400" dirty="0" smtClean="0"/>
+              <a:rPr lang="ru-RU" sz="1400" dirty="0"/>
               <a:t>Ремонтный и инженерный отдел</a:t>
             </a:r>
-            <a:endParaRPr lang="ru-RU" sz="1400" dirty="0"/>
           </a:p>
         </p:txBody>
       </p:sp>
@@ -11111,11 +11006,7 @@
             <a:pPr algn="ctr"/>
             <a:r>
               <a:rPr lang="ru-RU" sz="1400" dirty="0"/>
-              <a:t>Студенты территориальной </a:t>
-            </a:r>
-            <a:r>
-              <a:rPr lang="ru-RU" sz="1400" dirty="0" smtClean="0"/>
-              <a:t>обороны</a:t>
+              <a:t>Студенты территориальной обороны</a:t>
             </a:r>
             <a:endParaRPr lang="ru-RU" sz="600" dirty="0"/>
           </a:p>
@@ -11158,11 +11049,7 @@
             <a:pPr algn="ctr"/>
             <a:r>
               <a:rPr lang="ru-RU" sz="1400" dirty="0"/>
-              <a:t>Командование территориальной </a:t>
-            </a:r>
-            <a:r>
-              <a:rPr lang="ru-RU" sz="1400" dirty="0" smtClean="0"/>
-              <a:t>обороны (1948)</a:t>
+              <a:t>Командование территориальной обороны (1948)</a:t>
             </a:r>
             <a:endParaRPr lang="ru-RU" sz="500" dirty="0"/>
           </a:p>
@@ -11240,18 +11127,17 @@
           <a:p>
             <a:pPr algn="ctr"/>
             <a:r>
-              <a:rPr lang="ru-RU" sz="1400" dirty="0" smtClean="0"/>
+              <a:rPr lang="ru-RU" sz="1400" dirty="0"/>
               <a:t>Пороховые заводы (</a:t>
             </a:r>
             <a:r>
-              <a:rPr lang="ru-RU" sz="1400" dirty="0" err="1" smtClean="0"/>
+              <a:rPr lang="ru-RU" sz="1400" dirty="0" err="1"/>
               <a:t>ист</a:t>
             </a:r>
             <a:r>
-              <a:rPr lang="ru-RU" sz="1400" dirty="0" smtClean="0"/>
+              <a:rPr lang="ru-RU" sz="1400" dirty="0"/>
               <a:t> 1940)</a:t>
             </a:r>
-            <a:endParaRPr lang="ru-RU" sz="1400" dirty="0"/>
           </a:p>
         </p:txBody>
       </p:sp>
@@ -11484,10 +11370,9 @@
           <a:p>
             <a:pPr algn="ctr"/>
             <a:r>
-              <a:rPr lang="ru-RU" sz="1400" dirty="0" smtClean="0"/>
+              <a:rPr lang="ru-RU" sz="1400" dirty="0"/>
               <a:t>Организовать генеральный штаб</a:t>
             </a:r>
-            <a:endParaRPr lang="ru-RU" sz="1400" dirty="0"/>
           </a:p>
         </p:txBody>
       </p:sp>
@@ -11605,18 +11490,9 @@
           <a:p>
             <a:pPr algn="ctr"/>
             <a:r>
-              <a:rPr lang="ru-RU" sz="1400" dirty="0" smtClean="0"/>
-              <a:t>Аккумуляторный завод для </a:t>
-            </a:r>
-            <a:r>
               <a:rPr lang="ru-RU" sz="1400" dirty="0"/>
-              <a:t>Королевского </a:t>
-            </a:r>
-            <a:r>
-              <a:rPr lang="ru-RU" sz="1400" dirty="0" smtClean="0"/>
-              <a:t>ВМФ</a:t>
-            </a:r>
-            <a:endParaRPr lang="ru-RU" sz="1400" dirty="0"/>
+              <a:t>Аккумуляторный завод для Королевского ВМФ</a:t>
+            </a:r>
           </a:p>
         </p:txBody>
       </p:sp>
@@ -11656,15 +11532,15 @@
           <a:p>
             <a:pPr algn="ctr"/>
             <a:r>
-              <a:rPr lang="ru-RU" sz="1400" dirty="0" smtClean="0"/>
+              <a:rPr lang="ru-RU" sz="1400" dirty="0"/>
               <a:t>Подводные лодки класса </a:t>
             </a:r>
             <a:r>
-              <a:rPr lang="ru-RU" sz="1400" dirty="0" err="1" smtClean="0"/>
+              <a:rPr lang="ru-RU" sz="1400" dirty="0" err="1"/>
               <a:t>Матчану</a:t>
             </a:r>
             <a:r>
-              <a:rPr lang="ru-RU" sz="1400" dirty="0" smtClean="0"/>
+              <a:rPr lang="ru-RU" sz="1400" dirty="0"/>
               <a:t> (Май 1936)</a:t>
             </a:r>
             <a:endParaRPr lang="ru-RU" sz="400" dirty="0"/>
@@ -11707,10 +11583,9 @@
           <a:p>
             <a:pPr algn="ctr"/>
             <a:r>
-              <a:rPr lang="ru-RU" sz="1400" dirty="0" smtClean="0"/>
+              <a:rPr lang="ru-RU" sz="1400" dirty="0"/>
               <a:t>Отправить подводников на обучение в Японию</a:t>
             </a:r>
-            <a:endParaRPr lang="ru-RU" sz="1400" dirty="0"/>
           </a:p>
         </p:txBody>
       </p:sp>
@@ -11750,10 +11625,9 @@
           <a:p>
             <a:pPr algn="ctr"/>
             <a:r>
-              <a:rPr lang="ru-RU" sz="1400" dirty="0" smtClean="0"/>
+              <a:rPr lang="ru-RU" sz="1400" dirty="0"/>
               <a:t>Учебные патрули</a:t>
             </a:r>
-            <a:endParaRPr lang="ru-RU" sz="1400" dirty="0"/>
           </a:p>
         </p:txBody>
       </p:sp>
@@ -11793,22 +11667,17 @@
           <a:p>
             <a:pPr algn="ctr"/>
             <a:r>
-              <a:rPr lang="ru-RU" sz="1400" dirty="0" smtClean="0"/>
+              <a:rPr lang="ru-RU" sz="1400" dirty="0"/>
               <a:t>Корабли береговой обороны (линкоры </a:t>
             </a:r>
             <a:r>
               <a:rPr lang="en-US" sz="1400" dirty="0"/>
-              <a:t>HTMS </a:t>
-            </a:r>
-            <a:r>
-              <a:rPr lang="en-US" sz="1400" dirty="0" smtClean="0"/>
-              <a:t>Thonburi</a:t>
-            </a:r>
-            <a:r>
-              <a:rPr lang="ru-RU" sz="1400" dirty="0" smtClean="0"/>
+              <a:t>HTMS Thonburi</a:t>
+            </a:r>
+            <a:r>
+              <a:rPr lang="ru-RU" sz="1400" dirty="0"/>
               <a:t>, два было готово к 1938)</a:t>
             </a:r>
-            <a:endParaRPr lang="ru-RU" sz="1400" dirty="0"/>
           </a:p>
         </p:txBody>
       </p:sp>
@@ -11848,11 +11717,11 @@
           <a:p>
             <a:pPr algn="ctr"/>
             <a:r>
-              <a:rPr lang="ru-RU" sz="1400" dirty="0" smtClean="0"/>
+              <a:rPr lang="ru-RU" sz="1400" dirty="0"/>
               <a:t>Военно-морская база </a:t>
             </a:r>
             <a:r>
-              <a:rPr lang="ru-RU" sz="1400" dirty="0" err="1" smtClean="0"/>
+              <a:rPr lang="ru-RU" sz="1400" dirty="0" err="1"/>
               <a:t>Саттахип</a:t>
             </a:r>
             <a:endParaRPr lang="ru-RU" sz="800" dirty="0"/>
@@ -11899,11 +11768,11 @@
               <a:t>Sindhu </a:t>
             </a:r>
             <a:r>
-              <a:rPr lang="en-US" sz="1400" dirty="0" err="1" smtClean="0"/>
+              <a:rPr lang="en-US" sz="1400" dirty="0" err="1"/>
               <a:t>Kamalanavin</a:t>
             </a:r>
             <a:r>
-              <a:rPr lang="ru-RU" sz="1400" dirty="0" smtClean="0"/>
+              <a:rPr lang="ru-RU" sz="1400" dirty="0"/>
               <a:t> – адмирал и министр ВМФ с 1938 по 1951, адмирал </a:t>
             </a:r>
             <a:r>
@@ -11911,7 +11780,7 @@
               <a:t>Phraya </a:t>
             </a:r>
             <a:r>
-              <a:rPr lang="en-US" sz="1400" dirty="0" err="1" smtClean="0"/>
+              <a:rPr lang="en-US" sz="1400" dirty="0" err="1"/>
               <a:t>Wichanworajak</a:t>
             </a:r>
             <a:endParaRPr lang="ru-RU" sz="1400" dirty="0"/>
@@ -11955,13 +11824,8 @@
             <a:pPr algn="ctr"/>
             <a:r>
               <a:rPr lang="ru-RU" sz="1400" dirty="0"/>
-              <a:t>Королевская военно-морская </a:t>
-            </a:r>
-            <a:r>
-              <a:rPr lang="ru-RU" sz="1400" dirty="0" smtClean="0"/>
-              <a:t>верфь</a:t>
-            </a:r>
-            <a:endParaRPr lang="ru-RU" sz="1400" dirty="0"/>
+              <a:t>Королевская военно-морская верфь</a:t>
+            </a:r>
           </a:p>
         </p:txBody>
       </p:sp>
@@ -12045,13 +11909,8 @@
             <a:pPr algn="ctr"/>
             <a:r>
               <a:rPr lang="ru-RU" sz="1400" dirty="0"/>
-              <a:t>Расшить королевский корпус морской пехоты (В </a:t>
-            </a:r>
-            <a:r>
-              <a:rPr lang="ru-RU" sz="1400" dirty="0" smtClean="0"/>
-              <a:t>1937)</a:t>
-            </a:r>
-            <a:endParaRPr lang="ru-RU" sz="1400" dirty="0"/>
+              <a:t>Расшить королевский корпус морской пехоты (В 1937)</a:t>
+            </a:r>
           </a:p>
         </p:txBody>
       </p:sp>
@@ -12091,12 +11950,8 @@
           <a:p>
             <a:pPr algn="ctr"/>
             <a:r>
-              <a:rPr lang="ru-RU" sz="1400" dirty="0" smtClean="0"/>
-              <a:t>Департамент </a:t>
-            </a:r>
-            <a:r>
               <a:rPr lang="ru-RU" sz="1400" dirty="0"/>
-              <a:t>морской пехоты</a:t>
+              <a:t>Департамент морской пехоты</a:t>
             </a:r>
           </a:p>
         </p:txBody>
@@ -12138,13 +11993,8 @@
             <a:pPr algn="ctr"/>
             <a:r>
               <a:rPr lang="ru-RU" sz="1400" dirty="0"/>
-              <a:t>Королевская военно-воздушная </a:t>
-            </a:r>
-            <a:r>
-              <a:rPr lang="ru-RU" sz="1400" dirty="0" smtClean="0"/>
-              <a:t>дивизия</a:t>
-            </a:r>
-            <a:endParaRPr lang="ru-RU" sz="1400" dirty="0"/>
+              <a:t>Королевская военно-воздушная дивизия</a:t>
+            </a:r>
           </a:p>
         </p:txBody>
       </p:sp>
@@ -12600,10 +12450,9 @@
           <a:p>
             <a:pPr algn="ctr"/>
             <a:r>
-              <a:rPr lang="ru-RU" sz="3200" dirty="0" smtClean="0"/>
+              <a:rPr lang="ru-RU" sz="3200" dirty="0"/>
               <a:t>86 фокуса</a:t>
             </a:r>
-            <a:endParaRPr lang="ru-RU" sz="3200" dirty="0"/>
           </a:p>
         </p:txBody>
       </p:sp>
@@ -12646,18 +12495,17 @@
           <a:p>
             <a:pPr algn="ctr"/>
             <a:r>
-              <a:rPr lang="ru-RU" sz="1400" dirty="0" smtClean="0"/>
+              <a:rPr lang="ru-RU" sz="1400" dirty="0"/>
               <a:t>Широкое распространение газеты «Массы» (</a:t>
             </a:r>
             <a:r>
-              <a:rPr lang="ru-RU" sz="1400" dirty="0" err="1" smtClean="0"/>
+              <a:rPr lang="ru-RU" sz="1400" dirty="0" err="1"/>
               <a:t>Махачон</a:t>
             </a:r>
             <a:r>
-              <a:rPr lang="ru-RU" sz="1400" dirty="0" smtClean="0"/>
+              <a:rPr lang="ru-RU" sz="1400" dirty="0"/>
               <a:t> – подпольная газета)</a:t>
             </a:r>
-            <a:endParaRPr lang="ru-RU" sz="1400" dirty="0"/>
           </a:p>
         </p:txBody>
       </p:sp>
@@ -12701,21 +12549,8 @@
             <a:pPr algn="ctr"/>
             <a:r>
               <a:rPr lang="ru-RU" sz="1400" dirty="0"/>
-              <a:t>Р</a:t>
-            </a:r>
-            <a:r>
-              <a:rPr lang="ru-RU" sz="1400" dirty="0" smtClean="0"/>
-              <a:t>адио </a:t>
-            </a:r>
-            <a:r>
-              <a:rPr lang="ru-RU" sz="1400" dirty="0"/>
-              <a:t>«Голос таиландского народа</a:t>
-            </a:r>
-            <a:r>
-              <a:rPr lang="ru-RU" sz="1400" dirty="0" smtClean="0"/>
-              <a:t>»</a:t>
-            </a:r>
-            <a:endParaRPr lang="ru-RU" sz="1400" dirty="0"/>
+              <a:t>Радио «Голос таиландского народа»</a:t>
+            </a:r>
           </a:p>
         </p:txBody>
       </p:sp>
@@ -12803,10 +12638,9 @@
           <a:p>
             <a:pPr algn="ctr"/>
             <a:r>
-              <a:rPr lang="ru-RU" sz="1400" dirty="0" smtClean="0"/>
+              <a:rPr lang="ru-RU" sz="1400" dirty="0"/>
               <a:t>Связаться с СССР</a:t>
             </a:r>
-            <a:endParaRPr lang="ru-RU" sz="1400" dirty="0"/>
           </a:p>
         </p:txBody>
       </p:sp>
@@ -12896,13 +12730,8 @@
             <a:pPr algn="ctr"/>
             <a:r>
               <a:rPr lang="ru-RU" sz="1400" dirty="0"/>
-              <a:t>Перейти на пятилетнее </a:t>
-            </a:r>
-            <a:r>
-              <a:rPr lang="ru-RU" sz="1400" dirty="0" smtClean="0"/>
-              <a:t>планирование</a:t>
-            </a:r>
-            <a:endParaRPr lang="ru-RU" sz="1400" dirty="0"/>
+              <a:t>Перейти на пятилетнее планирование</a:t>
+            </a:r>
           </a:p>
         </p:txBody>
       </p:sp>
@@ -12945,10 +12774,9 @@
           <a:p>
             <a:pPr algn="ctr"/>
             <a:r>
-              <a:rPr lang="ru-RU" sz="1400" dirty="0" smtClean="0"/>
+              <a:rPr lang="ru-RU" sz="1400" dirty="0"/>
               <a:t>Свергнуть короля и принцев</a:t>
             </a:r>
-            <a:endParaRPr lang="ru-RU" sz="1400" dirty="0"/>
           </a:p>
         </p:txBody>
       </p:sp>
@@ -12991,10 +12819,9 @@
           <a:p>
             <a:pPr algn="ctr"/>
             <a:r>
-              <a:rPr lang="ru-RU" sz="1400" dirty="0" smtClean="0"/>
+              <a:rPr lang="ru-RU" sz="1400" dirty="0"/>
               <a:t>Социалистический союз азиатских республик</a:t>
             </a:r>
-            <a:endParaRPr lang="ru-RU" sz="1400" dirty="0"/>
           </a:p>
         </p:txBody>
       </p:sp>
@@ -13037,10 +12864,9 @@
           <a:p>
             <a:pPr algn="ctr"/>
             <a:r>
-              <a:rPr lang="ru-RU" sz="1400" dirty="0" smtClean="0"/>
+              <a:rPr lang="ru-RU" sz="1400" dirty="0"/>
               <a:t>Ультиматум Камбодже</a:t>
             </a:r>
-            <a:endParaRPr lang="ru-RU" sz="1400" dirty="0"/>
           </a:p>
         </p:txBody>
       </p:sp>
@@ -13083,10 +12909,9 @@
           <a:p>
             <a:pPr algn="ctr"/>
             <a:r>
-              <a:rPr lang="ru-RU" sz="1400" dirty="0" smtClean="0"/>
+              <a:rPr lang="ru-RU" sz="1400" dirty="0"/>
               <a:t>Сделать Лаос частью союза</a:t>
             </a:r>
-            <a:endParaRPr lang="ru-RU" sz="1400" dirty="0"/>
           </a:p>
         </p:txBody>
       </p:sp>
@@ -13129,10 +12954,9 @@
           <a:p>
             <a:pPr algn="ctr"/>
             <a:r>
-              <a:rPr lang="ru-RU" sz="1400" dirty="0" smtClean="0"/>
+              <a:rPr lang="ru-RU" sz="1400" dirty="0"/>
               <a:t>Попробовать примириться с Бирмой</a:t>
             </a:r>
-            <a:endParaRPr lang="ru-RU" sz="1400" dirty="0"/>
           </a:p>
         </p:txBody>
       </p:sp>
@@ -13175,10 +12999,9 @@
           <a:p>
             <a:pPr algn="ctr"/>
             <a:r>
-              <a:rPr lang="ru-RU" sz="1400" dirty="0" smtClean="0"/>
+              <a:rPr lang="ru-RU" sz="1400" dirty="0"/>
               <a:t>Пригласить Вьетнам</a:t>
             </a:r>
-            <a:endParaRPr lang="ru-RU" sz="1400" dirty="0"/>
           </a:p>
         </p:txBody>
       </p:sp>
@@ -13221,10 +13044,9 @@
           <a:p>
             <a:pPr algn="ctr"/>
             <a:r>
-              <a:rPr lang="ru-RU" sz="1400" dirty="0" smtClean="0"/>
+              <a:rPr lang="ru-RU" sz="1400" dirty="0"/>
               <a:t>Сжечь султанаты Малайи</a:t>
             </a:r>
-            <a:endParaRPr lang="ru-RU" sz="1400" dirty="0"/>
           </a:p>
         </p:txBody>
       </p:sp>
@@ -13267,10 +13089,9 @@
           <a:p>
             <a:pPr algn="ctr"/>
             <a:r>
-              <a:rPr lang="ru-RU" sz="1400" dirty="0" smtClean="0"/>
+              <a:rPr lang="ru-RU" sz="1400" dirty="0"/>
               <a:t>Добраться до Филиппин</a:t>
             </a:r>
-            <a:endParaRPr lang="ru-RU" sz="1400" dirty="0"/>
           </a:p>
         </p:txBody>
       </p:sp>
@@ -13313,10 +13134,9 @@
           <a:p>
             <a:pPr algn="ctr"/>
             <a:r>
-              <a:rPr lang="ru-RU" sz="1400" dirty="0" smtClean="0"/>
+              <a:rPr lang="ru-RU" sz="1400" dirty="0"/>
               <a:t>Сблизиться с коммунистами Китая</a:t>
             </a:r>
-            <a:endParaRPr lang="ru-RU" sz="1400" dirty="0"/>
           </a:p>
         </p:txBody>
       </p:sp>
@@ -13699,10 +13519,9 @@
           <a:p>
             <a:pPr algn="ctr"/>
             <a:r>
-              <a:rPr lang="ru-RU" sz="1400" dirty="0" smtClean="0"/>
+              <a:rPr lang="ru-RU" sz="1400" dirty="0"/>
               <a:t>Развить азиатскую науку</a:t>
             </a:r>
-            <a:endParaRPr lang="ru-RU" sz="1400" dirty="0"/>
           </a:p>
         </p:txBody>
       </p:sp>
@@ -13783,10 +13602,9 @@
           <a:p>
             <a:pPr algn="ctr"/>
             <a:r>
-              <a:rPr lang="ru-RU" sz="1400" dirty="0" smtClean="0"/>
+              <a:rPr lang="ru-RU" sz="1400" dirty="0"/>
               <a:t>Объединить Индокитайский союз</a:t>
             </a:r>
-            <a:endParaRPr lang="ru-RU" sz="1400" dirty="0"/>
           </a:p>
         </p:txBody>
       </p:sp>
@@ -13865,10 +13683,9 @@
           <a:p>
             <a:pPr algn="ctr"/>
             <a:r>
-              <a:rPr lang="ru-RU" sz="1400" dirty="0" smtClean="0"/>
+              <a:rPr lang="ru-RU" sz="1400" dirty="0"/>
               <a:t>Свобода для Индонезии</a:t>
             </a:r>
-            <a:endParaRPr lang="ru-RU" sz="1400" dirty="0"/>
           </a:p>
         </p:txBody>
       </p:sp>
@@ -13949,10 +13766,9 @@
           <a:p>
             <a:pPr algn="ctr"/>
             <a:r>
-              <a:rPr lang="ru-RU" sz="1400" dirty="0" smtClean="0"/>
+              <a:rPr lang="ru-RU" sz="1400" dirty="0"/>
               <a:t>Перенять опыт централизованного производства</a:t>
             </a:r>
-            <a:endParaRPr lang="ru-RU" sz="1400" dirty="0"/>
           </a:p>
         </p:txBody>
       </p:sp>
@@ -13995,10 +13811,9 @@
           <a:p>
             <a:pPr algn="ctr"/>
             <a:r>
-              <a:rPr lang="ru-RU" sz="1400" dirty="0" smtClean="0"/>
+              <a:rPr lang="ru-RU" sz="1400" dirty="0"/>
               <a:t>Принять атеистическую политику СССР</a:t>
             </a:r>
-            <a:endParaRPr lang="ru-RU" sz="1400" dirty="0"/>
           </a:p>
         </p:txBody>
       </p:sp>
@@ -14041,10 +13856,9 @@
           <a:p>
             <a:pPr algn="ctr"/>
             <a:r>
-              <a:rPr lang="ru-RU" sz="1400" dirty="0" smtClean="0"/>
+              <a:rPr lang="ru-RU" sz="1400" dirty="0"/>
               <a:t>Революционное образование</a:t>
             </a:r>
-            <a:endParaRPr lang="ru-RU" sz="1400" dirty="0"/>
           </a:p>
         </p:txBody>
       </p:sp>
@@ -14087,10 +13901,9 @@
           <a:p>
             <a:pPr algn="ctr"/>
             <a:r>
-              <a:rPr lang="ru-RU" sz="1400" dirty="0" smtClean="0"/>
+              <a:rPr lang="ru-RU" sz="1400" dirty="0"/>
               <a:t>Военные советники из СССР</a:t>
             </a:r>
-            <a:endParaRPr lang="ru-RU" sz="1400" dirty="0"/>
           </a:p>
         </p:txBody>
       </p:sp>
@@ -14281,10 +14094,9 @@
           <a:p>
             <a:pPr algn="ctr"/>
             <a:r>
-              <a:rPr lang="ru-RU" sz="1400" dirty="0" smtClean="0"/>
+              <a:rPr lang="ru-RU" sz="1400" dirty="0"/>
               <a:t>Объединить тайский народ под знаменем революции</a:t>
             </a:r>
-            <a:endParaRPr lang="ru-RU" sz="1400" dirty="0"/>
           </a:p>
         </p:txBody>
       </p:sp>
@@ -14366,10 +14178,9 @@
           <a:p>
             <a:pPr algn="ctr"/>
             <a:r>
-              <a:rPr lang="ru-RU" sz="1400" dirty="0" smtClean="0"/>
+              <a:rPr lang="ru-RU" sz="1400" dirty="0"/>
               <a:t>Опыт Китая в партизанской и оборонительной войне</a:t>
             </a:r>
-            <a:endParaRPr lang="ru-RU" sz="1400" dirty="0"/>
           </a:p>
         </p:txBody>
       </p:sp>
@@ -14412,14 +14223,13 @@
           <a:p>
             <a:pPr algn="ctr"/>
             <a:r>
-              <a:rPr lang="ru-RU" sz="1400" dirty="0" err="1" smtClean="0"/>
+              <a:rPr lang="ru-RU" sz="1400" dirty="0" err="1"/>
               <a:t>Китаизация</a:t>
             </a:r>
             <a:r>
-              <a:rPr lang="ru-RU" sz="1400" dirty="0" smtClean="0"/>
+              <a:rPr lang="ru-RU" sz="1400" dirty="0"/>
               <a:t> марксизма</a:t>
             </a:r>
-            <a:endParaRPr lang="ru-RU" sz="1400" dirty="0"/>
           </a:p>
         </p:txBody>
       </p:sp>
@@ -14462,10 +14272,9 @@
           <a:p>
             <a:pPr algn="ctr"/>
             <a:r>
-              <a:rPr lang="ru-RU" sz="1400" dirty="0" smtClean="0"/>
+              <a:rPr lang="ru-RU" sz="1400" dirty="0"/>
               <a:t>Примириться с китайцами в рабочем классе</a:t>
             </a:r>
-            <a:endParaRPr lang="ru-RU" sz="1400" dirty="0"/>
           </a:p>
         </p:txBody>
       </p:sp>
@@ -14508,10 +14317,9 @@
           <a:p>
             <a:pPr algn="ctr"/>
             <a:r>
-              <a:rPr lang="ru-RU" sz="1400" dirty="0" smtClean="0"/>
+              <a:rPr lang="ru-RU" sz="1400" dirty="0"/>
               <a:t>Совместные предприятия</a:t>
             </a:r>
-            <a:endParaRPr lang="ru-RU" sz="1400" dirty="0"/>
           </a:p>
         </p:txBody>
       </p:sp>
@@ -14742,7 +14550,7 @@
           <a:p>
             <a:pPr algn="ctr"/>
             <a:r>
-              <a:rPr lang="ru-RU" sz="1400" dirty="0" smtClean="0"/>
+              <a:rPr lang="ru-RU" sz="1400" dirty="0"/>
               <a:t>Умеренный путь</a:t>
             </a:r>
             <a:endParaRPr lang="ru-RU" sz="1000" dirty="0"/>
@@ -14829,10 +14637,9 @@
           <a:p>
             <a:pPr algn="ctr"/>
             <a:r>
-              <a:rPr lang="ru-RU" sz="1400" dirty="0" smtClean="0"/>
+              <a:rPr lang="ru-RU" sz="1400" dirty="0"/>
               <a:t>Новый антикоммунистический закон</a:t>
             </a:r>
-            <a:endParaRPr lang="ru-RU" sz="1400" dirty="0"/>
           </a:p>
         </p:txBody>
       </p:sp>
@@ -14992,10 +14799,9 @@
           <a:p>
             <a:pPr algn="ctr"/>
             <a:r>
-              <a:rPr lang="ru-RU" sz="1400" dirty="0" smtClean="0"/>
+              <a:rPr lang="ru-RU" sz="1400" dirty="0"/>
               <a:t>Результаты иностранных инвестиций</a:t>
             </a:r>
-            <a:endParaRPr lang="ru-RU" sz="1400" dirty="0"/>
           </a:p>
         </p:txBody>
       </p:sp>
@@ -15041,10 +14847,9 @@
           <a:p>
             <a:pPr algn="ctr"/>
             <a:r>
-              <a:rPr lang="ru-RU" sz="1400" dirty="0" smtClean="0"/>
+              <a:rPr lang="ru-RU" sz="1400" dirty="0"/>
               <a:t>Свободный бизнес (свободная торговля)</a:t>
             </a:r>
-            <a:endParaRPr lang="ru-RU" sz="1400" dirty="0"/>
           </a:p>
         </p:txBody>
       </p:sp>
@@ -15090,10 +14895,9 @@
           <a:p>
             <a:pPr algn="ctr"/>
             <a:r>
-              <a:rPr lang="ru-RU" sz="1400" dirty="0" smtClean="0"/>
+              <a:rPr lang="ru-RU" sz="1400" dirty="0"/>
               <a:t>Поиск союзников в свободном мире</a:t>
             </a:r>
-            <a:endParaRPr lang="ru-RU" sz="1400" dirty="0"/>
           </a:p>
         </p:txBody>
       </p:sp>
@@ -15139,10 +14943,9 @@
           <a:p>
             <a:pPr algn="ctr"/>
             <a:r>
-              <a:rPr lang="ru-RU" sz="1400" dirty="0" smtClean="0"/>
+              <a:rPr lang="ru-RU" sz="1400" dirty="0"/>
               <a:t>Договориться о лицензиях</a:t>
             </a:r>
-            <a:endParaRPr lang="ru-RU" sz="1400" dirty="0"/>
           </a:p>
         </p:txBody>
       </p:sp>
@@ -15188,10 +14991,9 @@
           <a:p>
             <a:pPr algn="ctr"/>
             <a:r>
-              <a:rPr lang="ru-RU" sz="1400" dirty="0" smtClean="0"/>
+              <a:rPr lang="ru-RU" sz="1400" dirty="0"/>
               <a:t>Союзная военная миссия</a:t>
             </a:r>
-            <a:endParaRPr lang="ru-RU" sz="1400" dirty="0"/>
           </a:p>
         </p:txBody>
       </p:sp>
@@ -15232,10 +15034,9 @@
           <a:p>
             <a:pPr algn="ctr"/>
             <a:r>
-              <a:rPr lang="ru-RU" sz="1400" dirty="0" smtClean="0"/>
+              <a:rPr lang="ru-RU" sz="1400" dirty="0"/>
               <a:t>Восстановление после гражданской войны</a:t>
             </a:r>
-            <a:endParaRPr lang="ru-RU" sz="1400" dirty="0"/>
           </a:p>
         </p:txBody>
       </p:sp>
@@ -15710,10 +15511,9 @@
           <a:p>
             <a:pPr algn="ctr"/>
             <a:r>
-              <a:rPr lang="ru-RU" sz="1400" dirty="0" smtClean="0"/>
+              <a:rPr lang="ru-RU" sz="1400" dirty="0"/>
               <a:t>Совместная добыча ресурсов</a:t>
             </a:r>
-            <a:endParaRPr lang="ru-RU" sz="1400" dirty="0"/>
           </a:p>
         </p:txBody>
       </p:sp>
@@ -15759,10 +15559,9 @@
           <a:p>
             <a:pPr algn="ctr"/>
             <a:r>
-              <a:rPr lang="ru-RU" sz="1400" dirty="0" smtClean="0"/>
+              <a:rPr lang="ru-RU" sz="1400" dirty="0"/>
               <a:t>Усилить роль монарха в новой конституции</a:t>
             </a:r>
-            <a:endParaRPr lang="ru-RU" sz="1400" dirty="0"/>
           </a:p>
         </p:txBody>
       </p:sp>
@@ -15805,7 +15604,7 @@
           <a:p>
             <a:pPr algn="ctr"/>
             <a:r>
-              <a:rPr lang="ru-RU" sz="1400" dirty="0" err="1" smtClean="0"/>
+              <a:rPr lang="ru-RU" sz="1400" dirty="0" err="1"/>
               <a:t>Муниципализм</a:t>
             </a:r>
             <a:endParaRPr lang="ru-RU" sz="300" dirty="0"/>
@@ -15851,10 +15650,9 @@
           <a:p>
             <a:pPr algn="ctr"/>
             <a:r>
-              <a:rPr lang="ru-RU" sz="1400" dirty="0" smtClean="0"/>
+              <a:rPr lang="ru-RU" sz="1400" dirty="0"/>
               <a:t>Империализм</a:t>
             </a:r>
-            <a:endParaRPr lang="ru-RU" sz="1400" dirty="0"/>
           </a:p>
         </p:txBody>
       </p:sp>
@@ -15897,7 +15695,7 @@
           <a:p>
             <a:pPr algn="ctr"/>
             <a:r>
-              <a:rPr lang="ru-RU" sz="1400" dirty="0" smtClean="0"/>
+              <a:rPr lang="ru-RU" sz="1400" dirty="0"/>
               <a:t>«Революционная молодёжь»</a:t>
             </a:r>
             <a:endParaRPr lang="ru-RU" sz="600" dirty="0"/>
@@ -15949,14 +15747,10 @@
             </a:r>
             <a:r>
               <a:rPr lang="ru-RU" sz="1400" dirty="0"/>
-              <a:t> в течение двух </a:t>
-            </a:r>
-            <a:r>
-              <a:rPr lang="ru-RU" sz="1400" dirty="0" smtClean="0"/>
-              <a:t>лет. Про </a:t>
-            </a:r>
-            <a:r>
-              <a:rPr lang="ru-RU" sz="1400" dirty="0" err="1" smtClean="0"/>
+              <a:t> в течение двух лет. Про </a:t>
+            </a:r>
+            <a:r>
+              <a:rPr lang="ru-RU" sz="1400" dirty="0" err="1"/>
               <a:t>Джамсри</a:t>
             </a:r>
             <a:endParaRPr lang="ru-RU" sz="1400" dirty="0"/>
@@ -16002,10 +15796,9 @@
           <a:p>
             <a:pPr algn="ctr"/>
             <a:r>
-              <a:rPr lang="ru-RU" sz="1400" dirty="0" smtClean="0"/>
+              <a:rPr lang="ru-RU" sz="1400" dirty="0"/>
               <a:t>Буддийская социалистическая линия</a:t>
             </a:r>
-            <a:endParaRPr lang="ru-RU" sz="1400" dirty="0"/>
           </a:p>
         </p:txBody>
       </p:sp>
@@ -16055,30 +15848,7 @@
               <a:rPr lang="ru-RU" sz="1400" dirty="0" err="1"/>
               <a:t>Хмонгов</a:t>
             </a:r>
-            <a:r>
-              <a:rPr lang="ru-RU" sz="2800" dirty="0"/>
-              <a:t> </a:t>
-            </a:r>
-            <a:r>
-              <a:rPr lang="ru-RU" sz="900" dirty="0"/>
-              <a:t>(В 1959 г. КПТ перешла к практике набора представителей горных народов – </a:t>
-            </a:r>
-            <a:r>
-              <a:rPr lang="ru-RU" sz="900" dirty="0" err="1"/>
-              <a:t>хмонгов</a:t>
-            </a:r>
-            <a:r>
-              <a:rPr lang="ru-RU" sz="900" dirty="0"/>
-              <a:t> (</a:t>
-            </a:r>
-            <a:r>
-              <a:rPr lang="ru-RU" sz="900" dirty="0" err="1"/>
-              <a:t>мео</a:t>
-            </a:r>
-            <a:r>
-              <a:rPr lang="ru-RU" sz="900" dirty="0"/>
-              <a:t>) – для обучения антиправительственной деятельности.)</a:t>
-            </a:r>
+            <a:endParaRPr lang="ru-RU" sz="900" dirty="0"/>
           </a:p>
         </p:txBody>
       </p:sp>
@@ -16122,13 +15892,8 @@
             <a:pPr algn="ctr"/>
             <a:r>
               <a:rPr lang="ru-RU" sz="1400" dirty="0"/>
-              <a:t>Создание </a:t>
-            </a:r>
-            <a:r>
-              <a:rPr lang="ru-RU" sz="1400" dirty="0" smtClean="0"/>
-              <a:t>центрального профсоюза</a:t>
-            </a:r>
-            <a:endParaRPr lang="ru-RU" sz="1400" dirty="0"/>
+              <a:t>Создание центрального профсоюза</a:t>
+            </a:r>
           </a:p>
         </p:txBody>
       </p:sp>
@@ -16620,26 +16385,25 @@
           <a:p>
             <a:pPr algn="ctr"/>
             <a:r>
-              <a:rPr lang="ru-RU" sz="1400" dirty="0" smtClean="0"/>
+              <a:rPr lang="ru-RU" sz="1400" dirty="0"/>
               <a:t>Расширить железные рудники </a:t>
             </a:r>
             <a:r>
-              <a:rPr lang="ru-RU" sz="1400" dirty="0" err="1" smtClean="0"/>
+              <a:rPr lang="ru-RU" sz="1400" dirty="0" err="1"/>
               <a:t>Лоэя</a:t>
             </a:r>
             <a:r>
-              <a:rPr lang="ru-RU" sz="1400" dirty="0" smtClean="0"/>
+              <a:rPr lang="ru-RU" sz="1400" dirty="0"/>
               <a:t> (</a:t>
             </a:r>
             <a:r>
-              <a:rPr lang="ru-RU" sz="1400" dirty="0" err="1" smtClean="0"/>
+              <a:rPr lang="ru-RU" sz="1400" dirty="0" err="1"/>
               <a:t>камбоджа</a:t>
             </a:r>
             <a:r>
-              <a:rPr lang="ru-RU" sz="1400" dirty="0" smtClean="0"/>
+              <a:rPr lang="ru-RU" sz="1400" dirty="0"/>
               <a:t>?)</a:t>
             </a:r>
-            <a:endParaRPr lang="ru-RU" sz="1400" dirty="0"/>
           </a:p>
         </p:txBody>
       </p:sp>
@@ -16685,10 +16449,9 @@
           <a:p>
             <a:pPr algn="ctr"/>
             <a:r>
-              <a:rPr lang="ru-RU" sz="1400" dirty="0" smtClean="0"/>
+              <a:rPr lang="ru-RU" sz="1400" dirty="0"/>
               <a:t>Индустриализация путём публичных кампаний</a:t>
             </a:r>
-            <a:endParaRPr lang="ru-RU" sz="1400" dirty="0"/>
           </a:p>
         </p:txBody>
       </p:sp>
@@ -16734,10 +16497,9 @@
           <a:p>
             <a:pPr algn="ctr"/>
             <a:r>
-              <a:rPr lang="ru-RU" sz="1400" dirty="0" smtClean="0"/>
+              <a:rPr lang="ru-RU" sz="1400" dirty="0"/>
               <a:t>Общее медицинское и пенсионное страхование</a:t>
             </a:r>
-            <a:endParaRPr lang="ru-RU" sz="1400" dirty="0"/>
           </a:p>
         </p:txBody>
       </p:sp>
@@ -16782,10 +16544,9 @@
           <a:p>
             <a:pPr algn="ctr"/>
             <a:r>
-              <a:rPr lang="ru-RU" sz="1400" dirty="0" smtClean="0"/>
+              <a:rPr lang="ru-RU" sz="1400" dirty="0"/>
               <a:t>Отказаться от  сотрудничества с Японией</a:t>
             </a:r>
-            <a:endParaRPr lang="ru-RU" sz="1400" dirty="0"/>
           </a:p>
         </p:txBody>
       </p:sp>
@@ -16878,16 +16639,8 @@
           <a:p>
             <a:pPr algn="ctr"/>
             <a:r>
-              <a:rPr lang="ru-RU" sz="1400" dirty="0" smtClean="0"/>
-              <a:t>Создать </a:t>
-            </a:r>
-            <a:r>
               <a:rPr lang="ru-RU" sz="1400" dirty="0"/>
-              <a:t>Юго-Восточную </a:t>
-            </a:r>
-            <a:r>
-              <a:rPr lang="ru-RU" sz="1400" dirty="0" smtClean="0"/>
-              <a:t>лигу</a:t>
+              <a:t>Создать Юго-Восточную лигу</a:t>
             </a:r>
             <a:endParaRPr lang="ru-RU" sz="300" dirty="0"/>
           </a:p>
@@ -17087,10 +16840,9 @@
           <a:p>
             <a:pPr algn="ctr"/>
             <a:r>
-              <a:rPr lang="ru-RU" sz="1400" dirty="0" smtClean="0"/>
+              <a:rPr lang="ru-RU" sz="1400" dirty="0"/>
               <a:t>Пригласить страны бывшего Индокитая</a:t>
             </a:r>
-            <a:endParaRPr lang="ru-RU" sz="1400" dirty="0"/>
           </a:p>
         </p:txBody>
       </p:sp>
@@ -17136,10 +16888,9 @@
           <a:p>
             <a:pPr algn="ctr"/>
             <a:r>
-              <a:rPr lang="ru-RU" sz="1400" dirty="0" smtClean="0"/>
+              <a:rPr lang="ru-RU" sz="1400" dirty="0"/>
               <a:t>Новая конституция</a:t>
             </a:r>
-            <a:endParaRPr lang="ru-RU" sz="1400" dirty="0"/>
           </a:p>
         </p:txBody>
       </p:sp>
@@ -17259,10 +17010,9 @@
           <a:p>
             <a:pPr algn="ctr"/>
             <a:r>
-              <a:rPr lang="ru-RU" sz="1400" dirty="0" smtClean="0"/>
+              <a:rPr lang="ru-RU" sz="1400" dirty="0"/>
               <a:t>Создание национального экономического совета</a:t>
             </a:r>
-            <a:endParaRPr lang="ru-RU" sz="1400" dirty="0"/>
           </a:p>
         </p:txBody>
       </p:sp>
@@ -17338,18 +17088,17 @@
           <a:p>
             <a:pPr algn="ctr"/>
             <a:r>
-              <a:rPr lang="ru-RU" sz="1400" dirty="0" smtClean="0"/>
+              <a:rPr lang="ru-RU" sz="1400" dirty="0"/>
               <a:t>Разрешить территориальный спор с Великобританией (</a:t>
             </a:r>
             <a:r>
-              <a:rPr lang="ru-RU" sz="1400" dirty="0" err="1" smtClean="0"/>
+              <a:rPr lang="ru-RU" sz="1400" dirty="0" err="1"/>
               <a:t>ист</a:t>
             </a:r>
             <a:r>
-              <a:rPr lang="ru-RU" sz="1400" dirty="0" smtClean="0"/>
+              <a:rPr lang="ru-RU" sz="1400" dirty="0"/>
               <a:t> 1937)</a:t>
             </a:r>
-            <a:endParaRPr lang="ru-RU" sz="1400" dirty="0"/>
           </a:p>
         </p:txBody>
       </p:sp>
@@ -17467,10 +17216,9 @@
           <a:p>
             <a:pPr algn="ctr"/>
             <a:r>
-              <a:rPr lang="ru-RU" sz="1400" dirty="0" smtClean="0"/>
+              <a:rPr lang="ru-RU" sz="1400" dirty="0"/>
               <a:t>Расширение табачных ферм и создание фабрик</a:t>
             </a:r>
-            <a:endParaRPr lang="ru-RU" sz="1400" dirty="0"/>
           </a:p>
         </p:txBody>
       </p:sp>
@@ -17548,10 +17296,9 @@
           <a:p>
             <a:pPr algn="ctr"/>
             <a:r>
-              <a:rPr lang="ru-RU" sz="1400" dirty="0" smtClean="0"/>
+              <a:rPr lang="ru-RU" sz="1400" dirty="0"/>
               <a:t>Отправить табак на экспорт</a:t>
             </a:r>
-            <a:endParaRPr lang="ru-RU" sz="1400" dirty="0"/>
           </a:p>
         </p:txBody>
       </p:sp>
@@ -17634,11 +17381,11 @@
           <a:p>
             <a:pPr algn="ctr"/>
             <a:r>
-              <a:rPr lang="ru-RU" sz="1400" dirty="0" smtClean="0"/>
+              <a:rPr lang="ru-RU" sz="1400" dirty="0"/>
               <a:t>Вторжение в Индокитай </a:t>
             </a:r>
             <a:r>
-              <a:rPr lang="ru-RU" sz="1100" dirty="0" smtClean="0"/>
+              <a:rPr lang="ru-RU" sz="1100" dirty="0"/>
               <a:t>(претензии на земли Лаоса и Камбоджи, перед вторжением будет пограничный конфликт) (Октябрь 1940)</a:t>
             </a:r>
             <a:endParaRPr lang="ru-RU" sz="1400" dirty="0"/>
@@ -17686,11 +17433,11 @@
           <a:p>
             <a:pPr algn="ctr"/>
             <a:r>
-              <a:rPr lang="ru-RU" sz="1400" dirty="0" err="1" smtClean="0"/>
+              <a:rPr lang="ru-RU" sz="1400" dirty="0" err="1"/>
               <a:t>Тайфикация</a:t>
             </a:r>
             <a:r>
-              <a:rPr lang="ru-RU" sz="1400" dirty="0" smtClean="0"/>
+              <a:rPr lang="ru-RU" sz="1400" dirty="0"/>
               <a:t> Вьетнамских народов</a:t>
             </a:r>
           </a:p>
@@ -17737,18 +17484,17 @@
           <a:p>
             <a:pPr algn="ctr"/>
             <a:r>
-              <a:rPr lang="ru-RU" sz="1400" dirty="0" smtClean="0"/>
+              <a:rPr lang="ru-RU" sz="1400" dirty="0"/>
               <a:t>Национальный банк </a:t>
             </a:r>
             <a:r>
-              <a:rPr lang="ru-RU" sz="1400" dirty="0" err="1" smtClean="0"/>
+              <a:rPr lang="ru-RU" sz="1400" dirty="0" err="1"/>
               <a:t>Тайланда</a:t>
             </a:r>
             <a:r>
-              <a:rPr lang="ru-RU" sz="1400" dirty="0" smtClean="0"/>
+              <a:rPr lang="ru-RU" sz="1400" dirty="0"/>
               <a:t> (1940)</a:t>
             </a:r>
-            <a:endParaRPr lang="ru-RU" sz="1400" dirty="0"/>
           </a:p>
         </p:txBody>
       </p:sp>
@@ -17832,10 +17578,9 @@
           <a:p>
             <a:pPr algn="ctr"/>
             <a:r>
-              <a:rPr lang="ru-RU" sz="1400" dirty="0" smtClean="0"/>
+              <a:rPr lang="ru-RU" sz="1400" dirty="0"/>
               <a:t>Создание Национального Банка</a:t>
             </a:r>
-            <a:endParaRPr lang="ru-RU" sz="1400" dirty="0"/>
           </a:p>
         </p:txBody>
       </p:sp>
@@ -17881,10 +17626,9 @@
           <a:p>
             <a:pPr algn="ctr"/>
             <a:r>
-              <a:rPr lang="ru-RU" sz="1400" dirty="0" smtClean="0"/>
+              <a:rPr lang="ru-RU" sz="1400" dirty="0"/>
               <a:t>Создание свободного тайского движения (освободить ВСЕХ тайцев)</a:t>
             </a:r>
-            <a:endParaRPr lang="ru-RU" sz="1400" dirty="0"/>
           </a:p>
         </p:txBody>
       </p:sp>
@@ -18574,10 +18318,9 @@
           <a:p>
             <a:pPr algn="ctr"/>
             <a:r>
-              <a:rPr lang="ru-RU" sz="1400" dirty="0" smtClean="0"/>
+              <a:rPr lang="ru-RU" sz="1400" dirty="0"/>
               <a:t>Открытие филиалов иностранных банков</a:t>
             </a:r>
-            <a:endParaRPr lang="ru-RU" sz="1400" dirty="0"/>
           </a:p>
         </p:txBody>
       </p:sp>
@@ -18623,10 +18366,9 @@
           <a:p>
             <a:pPr algn="ctr"/>
             <a:r>
-              <a:rPr lang="ru-RU" sz="1400" dirty="0" smtClean="0"/>
+              <a:rPr lang="ru-RU" sz="1400" dirty="0"/>
               <a:t>Альянс с США</a:t>
             </a:r>
-            <a:endParaRPr lang="ru-RU" sz="1400" dirty="0"/>
           </a:p>
         </p:txBody>
       </p:sp>
@@ -18711,10 +18453,9 @@
           <a:p>
             <a:pPr algn="ctr"/>
             <a:r>
-              <a:rPr lang="ru-RU" sz="1400" dirty="0" smtClean="0"/>
+              <a:rPr lang="ru-RU" sz="1400" dirty="0"/>
               <a:t>Военные советники из штатов</a:t>
             </a:r>
-            <a:endParaRPr lang="ru-RU" sz="1400" dirty="0"/>
           </a:p>
         </p:txBody>
       </p:sp>
@@ -18874,10 +18615,9 @@
           <a:p>
             <a:pPr algn="ctr"/>
             <a:r>
-              <a:rPr lang="ru-RU" sz="1400" dirty="0" smtClean="0"/>
+              <a:rPr lang="ru-RU" sz="1400" dirty="0"/>
               <a:t>Освободить протектораты Франции</a:t>
             </a:r>
-            <a:endParaRPr lang="ru-RU" sz="1400" dirty="0"/>
           </a:p>
         </p:txBody>
       </p:sp>
@@ -18923,10 +18663,9 @@
           <a:p>
             <a:pPr algn="ctr"/>
             <a:r>
-              <a:rPr lang="ru-RU" sz="1400" dirty="0" smtClean="0"/>
+              <a:rPr lang="ru-RU" sz="1400" dirty="0"/>
               <a:t>Пригласить Малайю</a:t>
             </a:r>
-            <a:endParaRPr lang="ru-RU" sz="1400" dirty="0"/>
           </a:p>
         </p:txBody>
       </p:sp>
@@ -18972,10 +18711,9 @@
           <a:p>
             <a:pPr algn="ctr"/>
             <a:r>
-              <a:rPr lang="ru-RU" sz="1400" dirty="0" smtClean="0"/>
+              <a:rPr lang="ru-RU" sz="1400" dirty="0"/>
               <a:t>Освободить колонии Великобритании</a:t>
             </a:r>
-            <a:endParaRPr lang="ru-RU" sz="1400" dirty="0"/>
           </a:p>
         </p:txBody>
       </p:sp>
@@ -19021,10 +18759,9 @@
           <a:p>
             <a:pPr algn="ctr"/>
             <a:r>
-              <a:rPr lang="ru-RU" sz="1400" dirty="0" smtClean="0"/>
+              <a:rPr lang="ru-RU" sz="1400" dirty="0"/>
               <a:t>Поддержка оружейной отрасли из Америки</a:t>
             </a:r>
-            <a:endParaRPr lang="ru-RU" sz="1400" dirty="0"/>
           </a:p>
         </p:txBody>
       </p:sp>
@@ -19070,10 +18807,9 @@
           <a:p>
             <a:pPr algn="ctr"/>
             <a:r>
-              <a:rPr lang="ru-RU" sz="1400" dirty="0" smtClean="0"/>
+              <a:rPr lang="ru-RU" sz="1400" dirty="0"/>
               <a:t>Научный блок с США</a:t>
             </a:r>
-            <a:endParaRPr lang="ru-RU" sz="1400" dirty="0"/>
           </a:p>
         </p:txBody>
       </p:sp>
@@ -19137,7 +18873,7 @@
           <a:p>
             <a:pPr algn="ctr"/>
             <a:r>
-              <a:rPr lang="ru-RU" sz="1400" dirty="0" smtClean="0"/>
+              <a:rPr lang="ru-RU" sz="1400" dirty="0"/>
               <a:t>Использование техники в сельском хозяйстве</a:t>
             </a:r>
             <a:endParaRPr lang="ru-RU" sz="700" dirty="0"/>
@@ -19186,18 +18922,9 @@
           <a:p>
             <a:pPr algn="ctr"/>
             <a:r>
-              <a:rPr lang="ru-RU" sz="1400" dirty="0" smtClean="0"/>
-              <a:t>Создание Федерация </a:t>
-            </a:r>
-            <a:r>
               <a:rPr lang="ru-RU" sz="1400" dirty="0"/>
-              <a:t>Г</a:t>
-            </a:r>
-            <a:r>
-              <a:rPr lang="ru-RU" sz="1400" dirty="0" smtClean="0"/>
-              <a:t>осударств Юго-Восточной Азии</a:t>
-            </a:r>
-            <a:endParaRPr lang="ru-RU" sz="1400" dirty="0"/>
+              <a:t>Создание Федерация Государств Юго-Восточной Азии</a:t>
+            </a:r>
           </a:p>
         </p:txBody>
       </p:sp>
@@ -19355,10 +19082,9 @@
           <a:p>
             <a:pPr algn="ctr"/>
             <a:r>
-              <a:rPr lang="ru-RU" sz="1400" dirty="0" smtClean="0"/>
+              <a:rPr lang="ru-RU" sz="1400" dirty="0"/>
               <a:t>Лишить США колонии</a:t>
             </a:r>
-            <a:endParaRPr lang="ru-RU" sz="1400" dirty="0"/>
           </a:p>
         </p:txBody>
       </p:sp>
@@ -19556,10 +19282,9 @@
           <a:p>
             <a:pPr algn="ctr"/>
             <a:r>
-              <a:rPr lang="ru-RU" sz="1400" dirty="0" smtClean="0"/>
+              <a:rPr lang="ru-RU" sz="1400" dirty="0"/>
               <a:t>Пригласить Индонезию</a:t>
             </a:r>
-            <a:endParaRPr lang="ru-RU" sz="1400" dirty="0"/>
           </a:p>
         </p:txBody>
       </p:sp>
@@ -19605,11 +19330,11 @@
           <a:p>
             <a:pPr algn="ctr"/>
             <a:r>
-              <a:rPr lang="ru-RU" sz="1400" dirty="0" smtClean="0"/>
+              <a:rPr lang="ru-RU" sz="1400" dirty="0"/>
               <a:t>Уничтожить остатки голландского </a:t>
             </a:r>
             <a:r>
-              <a:rPr lang="ru-RU" sz="1400" dirty="0" err="1" smtClean="0"/>
+              <a:rPr lang="ru-RU" sz="1400" dirty="0" err="1"/>
               <a:t>колонизма</a:t>
             </a:r>
             <a:endParaRPr lang="ru-RU" sz="1400" dirty="0"/>
@@ -19658,10 +19383,9 @@
           <a:p>
             <a:pPr algn="ctr"/>
             <a:r>
-              <a:rPr lang="ru-RU" sz="1400" dirty="0" smtClean="0"/>
+              <a:rPr lang="ru-RU" sz="1400" dirty="0"/>
               <a:t>Пригласить Филиппины</a:t>
             </a:r>
-            <a:endParaRPr lang="ru-RU" sz="1400" dirty="0"/>
           </a:p>
         </p:txBody>
       </p:sp>
@@ -19707,10 +19431,9 @@
           <a:p>
             <a:pPr algn="ctr"/>
             <a:r>
-              <a:rPr lang="ru-RU" sz="1400" dirty="0" smtClean="0"/>
+              <a:rPr lang="ru-RU" sz="1400" dirty="0"/>
               <a:t>Пригласить Бирму</a:t>
             </a:r>
-            <a:endParaRPr lang="ru-RU" sz="1400" dirty="0"/>
           </a:p>
         </p:txBody>
       </p:sp>
@@ -20252,19 +19975,15 @@
           <a:p>
             <a:pPr algn="ctr"/>
             <a:r>
-              <a:rPr lang="ru-RU" sz="1400" dirty="0" smtClean="0"/>
+              <a:rPr lang="ru-RU" sz="1400" dirty="0"/>
               <a:t>Вернуть военные посты принцам (</a:t>
             </a:r>
             <a:r>
               <a:rPr lang="th-TH" sz="1400" dirty="0"/>
-              <a:t>พระวรวงศ์เธอ พระองค์เจ้าบวร</a:t>
-            </a:r>
-            <a:r>
-              <a:rPr lang="th-TH" sz="1400" dirty="0" smtClean="0"/>
-              <a:t>เดช</a:t>
-            </a:r>
-            <a:r>
-              <a:rPr lang="ru-RU" sz="1400" dirty="0" smtClean="0"/>
+              <a:t>พระวรวงศ์เธอ พระองค์เจ้าบวรเดช</a:t>
+            </a:r>
+            <a:r>
+              <a:rPr lang="ru-RU" sz="1400" dirty="0"/>
               <a:t>, </a:t>
             </a:r>
             <a:r>
@@ -20280,7 +19999,7 @@
               <a:t>Nuwattiwong</a:t>
             </a:r>
             <a:r>
-              <a:rPr lang="ru-RU" sz="1400" dirty="0" smtClean="0"/>
+              <a:rPr lang="ru-RU" sz="1400" dirty="0"/>
               <a:t>)</a:t>
             </a:r>
           </a:p>
@@ -20589,16 +20308,8 @@
           <a:p>
             <a:pPr algn="ctr"/>
             <a:r>
-              <a:rPr lang="ru-RU" sz="1400" dirty="0" smtClean="0"/>
-              <a:t>Политика восстановления </a:t>
-            </a:r>
-            <a:r>
               <a:rPr lang="ru-RU" sz="1400" dirty="0"/>
-              <a:t>тайских </a:t>
-            </a:r>
-            <a:r>
-              <a:rPr lang="ru-RU" sz="1400" dirty="0" smtClean="0"/>
-              <a:t>традиций</a:t>
+              <a:t>Политика восстановления тайских традиций</a:t>
             </a:r>
             <a:endParaRPr lang="ru-RU" sz="300" dirty="0"/>
           </a:p>
@@ -20682,16 +20393,8 @@
           <a:p>
             <a:pPr algn="ctr"/>
             <a:r>
-              <a:rPr lang="ru-RU" sz="1400" dirty="0" smtClean="0"/>
-              <a:t>Закон о ценах </a:t>
-            </a:r>
-            <a:r>
               <a:rPr lang="ru-RU" sz="1400" dirty="0"/>
-              <a:t>потребительских </a:t>
-            </a:r>
-            <a:r>
-              <a:rPr lang="ru-RU" sz="1400" dirty="0" smtClean="0"/>
-              <a:t>товаров</a:t>
+              <a:t>Закон о ценах потребительских товаров</a:t>
             </a:r>
             <a:endParaRPr lang="ru-RU" sz="700" dirty="0"/>
           </a:p>
@@ -21049,7 +20752,7 @@
           <a:p>
             <a:pPr algn="ctr"/>
             <a:r>
-              <a:rPr lang="ru-RU" sz="1400" dirty="0" smtClean="0"/>
+              <a:rPr lang="ru-RU" sz="1400" dirty="0"/>
               <a:t>Придерживаться нейтралитета</a:t>
             </a:r>
           </a:p>
@@ -21135,11 +20838,11 @@
           <a:p>
             <a:pPr algn="ctr"/>
             <a:r>
-              <a:rPr lang="ru-RU" sz="1400" dirty="0" smtClean="0"/>
+              <a:rPr lang="ru-RU" sz="1400" dirty="0"/>
               <a:t>Продолжить политику </a:t>
             </a:r>
             <a:r>
-              <a:rPr lang="ru-RU" sz="1400" dirty="0" err="1" smtClean="0"/>
+              <a:rPr lang="ru-RU" sz="1400" dirty="0" err="1"/>
               <a:t>западнизации</a:t>
             </a:r>
             <a:endParaRPr lang="ru-RU" sz="1400" dirty="0"/>
@@ -21453,10 +21156,9 @@
           <a:p>
             <a:pPr algn="ctr"/>
             <a:r>
-              <a:rPr lang="ru-RU" sz="2400" dirty="0" smtClean="0"/>
+              <a:rPr lang="ru-RU" sz="2400" dirty="0"/>
               <a:t>33</a:t>
             </a:r>
-            <a:endParaRPr lang="ru-RU" sz="2400" dirty="0"/>
           </a:p>
         </p:txBody>
       </p:sp>
@@ -21502,10 +21204,9 @@
           <a:p>
             <a:pPr algn="ctr"/>
             <a:r>
-              <a:rPr lang="ru-RU" sz="2400" dirty="0" smtClean="0"/>
+              <a:rPr lang="ru-RU" sz="2400" dirty="0"/>
               <a:t>53</a:t>
             </a:r>
-            <a:endParaRPr lang="ru-RU" sz="2400" dirty="0"/>
           </a:p>
         </p:txBody>
       </p:sp>
@@ -21550,22 +21251,21 @@
           <a:p>
             <a:pPr algn="ctr"/>
             <a:r>
-              <a:rPr lang="ru-RU" sz="1400" dirty="0" smtClean="0"/>
+              <a:rPr lang="ru-RU" sz="1400" dirty="0"/>
               <a:t>Спасти тайцев из Бирмы </a:t>
             </a:r>
             <a:r>
-              <a:rPr lang="ru-RU" sz="1100" dirty="0" smtClean="0"/>
+              <a:rPr lang="ru-RU" sz="1100" dirty="0"/>
               <a:t>(Тайцы и японцы согласились, что государства </a:t>
             </a:r>
             <a:r>
-              <a:rPr lang="ru-RU" sz="1100" dirty="0" err="1" smtClean="0"/>
+              <a:rPr lang="ru-RU" sz="1100" dirty="0" err="1"/>
               <a:t>Шан</a:t>
             </a:r>
             <a:r>
-              <a:rPr lang="ru-RU" sz="1100" dirty="0" smtClean="0"/>
+              <a:rPr lang="ru-RU" sz="1100" dirty="0"/>
               <a:t> и штат Кая должны быть под контролем Таиланда.)</a:t>
             </a:r>
-            <a:endParaRPr lang="ru-RU" sz="1100" dirty="0"/>
           </a:p>
         </p:txBody>
       </p:sp>
@@ -21610,10 +21310,9 @@
           <a:p>
             <a:pPr algn="ctr"/>
             <a:r>
-              <a:rPr lang="ru-RU" sz="1400" dirty="0" smtClean="0"/>
+              <a:rPr lang="ru-RU" sz="1400" dirty="0"/>
               <a:t>Модернизация в западном стиле</a:t>
             </a:r>
-            <a:endParaRPr lang="ru-RU" sz="1400" dirty="0"/>
           </a:p>
         </p:txBody>
       </p:sp>
@@ -21658,10 +21357,9 @@
           <a:p>
             <a:pPr algn="ctr"/>
             <a:r>
-              <a:rPr lang="ru-RU" sz="1400" dirty="0" smtClean="0"/>
+              <a:rPr lang="ru-RU" sz="1400" dirty="0"/>
               <a:t>Социальная эволюция</a:t>
             </a:r>
-            <a:endParaRPr lang="ru-RU" sz="1400" dirty="0"/>
           </a:p>
         </p:txBody>
       </p:sp>
@@ -21706,10 +21404,9 @@
           <a:p>
             <a:pPr algn="ctr"/>
             <a:r>
-              <a:rPr lang="ru-RU" sz="1400" dirty="0" smtClean="0"/>
+              <a:rPr lang="ru-RU" sz="1400" dirty="0"/>
               <a:t>Выпуск новых банкнот</a:t>
             </a:r>
-            <a:endParaRPr lang="ru-RU" sz="1400" dirty="0"/>
           </a:p>
         </p:txBody>
       </p:sp>
@@ -21868,10 +21565,9 @@
           <a:p>
             <a:pPr algn="ctr"/>
             <a:r>
-              <a:rPr lang="ru-RU" sz="1400" dirty="0" smtClean="0"/>
+              <a:rPr lang="ru-RU" sz="1400" dirty="0"/>
               <a:t>Вернуть себе север Малайи</a:t>
             </a:r>
-            <a:endParaRPr lang="ru-RU" sz="1400" dirty="0"/>
           </a:p>
         </p:txBody>
       </p:sp>
@@ -21916,18 +21612,17 @@
           <a:p>
             <a:pPr algn="ctr"/>
             <a:r>
-              <a:rPr lang="ru-RU" sz="1400" dirty="0" smtClean="0"/>
+              <a:rPr lang="ru-RU" sz="1400" dirty="0"/>
               <a:t>Провозглашение Великого </a:t>
             </a:r>
             <a:r>
-              <a:rPr lang="ru-RU" sz="1400" dirty="0" err="1" smtClean="0"/>
+              <a:rPr lang="ru-RU" sz="1400" dirty="0" err="1"/>
               <a:t>Тайланда</a:t>
             </a:r>
             <a:r>
-              <a:rPr lang="ru-RU" sz="1400" dirty="0" smtClean="0"/>
+              <a:rPr lang="ru-RU" sz="1400" dirty="0"/>
               <a:t>!</a:t>
             </a:r>
-            <a:endParaRPr lang="ru-RU" sz="1400" dirty="0"/>
           </a:p>
         </p:txBody>
       </p:sp>
@@ -22124,10 +21819,9 @@
           <a:p>
             <a:pPr algn="ctr"/>
             <a:r>
-              <a:rPr lang="ru-RU" sz="1400" dirty="0" smtClean="0"/>
+              <a:rPr lang="ru-RU" sz="1400" dirty="0"/>
               <a:t>Организация новой столицы</a:t>
             </a:r>
-            <a:endParaRPr lang="ru-RU" sz="1400" dirty="0"/>
           </a:p>
         </p:txBody>
       </p:sp>
@@ -22172,7 +21866,7 @@
           <a:p>
             <a:pPr algn="ctr"/>
             <a:r>
-              <a:rPr lang="ru-RU" sz="1400" dirty="0" smtClean="0"/>
+              <a:rPr lang="ru-RU" sz="1400" dirty="0"/>
               <a:t>Постройка буддистского города</a:t>
             </a:r>
             <a:endParaRPr lang="ru-RU" sz="600" dirty="0"/>
@@ -22296,10 +21990,9 @@
           <a:p>
             <a:pPr algn="ctr"/>
             <a:r>
-              <a:rPr lang="ru-RU" sz="1400" dirty="0" smtClean="0"/>
+              <a:rPr lang="ru-RU" sz="1400" dirty="0"/>
               <a:t>Вернуть родину тайцев</a:t>
             </a:r>
-            <a:endParaRPr lang="ru-RU" sz="1400" dirty="0"/>
           </a:p>
         </p:txBody>
       </p:sp>
@@ -22414,10 +22107,9 @@
           <a:p>
             <a:pPr algn="ctr"/>
             <a:r>
-              <a:rPr lang="ru-RU" sz="2400" dirty="0" smtClean="0"/>
+              <a:rPr lang="ru-RU" sz="2400" dirty="0"/>
               <a:t>25</a:t>
             </a:r>
-            <a:endParaRPr lang="ru-RU" sz="2400" dirty="0"/>
           </a:p>
         </p:txBody>
       </p:sp>
@@ -22460,10 +22152,9 @@
           <a:p>
             <a:pPr algn="ctr"/>
             <a:r>
-              <a:rPr lang="ru-RU" sz="1400" dirty="0" smtClean="0"/>
+              <a:rPr lang="ru-RU" sz="1400" dirty="0"/>
               <a:t>Контрреволюционная агентурная сеть</a:t>
             </a:r>
-            <a:endParaRPr lang="ru-RU" sz="1400" dirty="0"/>
           </a:p>
         </p:txBody>
       </p:sp>
@@ -22506,10 +22197,9 @@
           <a:p>
             <a:pPr algn="ctr"/>
             <a:r>
-              <a:rPr lang="ru-RU" sz="1400" dirty="0" smtClean="0"/>
+              <a:rPr lang="ru-RU" sz="1400" dirty="0"/>
               <a:t>Ослабить конституцию для королевской власти</a:t>
             </a:r>
-            <a:endParaRPr lang="ru-RU" sz="1400" dirty="0"/>
           </a:p>
         </p:txBody>
       </p:sp>
@@ -22665,10 +22355,9 @@
           <a:p>
             <a:pPr algn="ctr"/>
             <a:r>
-              <a:rPr lang="ru-RU" sz="1400" dirty="0" smtClean="0"/>
+              <a:rPr lang="ru-RU" sz="1400" dirty="0"/>
               <a:t>Вернуть женское монашество</a:t>
             </a:r>
-            <a:endParaRPr lang="ru-RU" sz="1400" dirty="0"/>
           </a:p>
         </p:txBody>
       </p:sp>
@@ -22823,11 +22512,11 @@
           <a:p>
             <a:pPr algn="ctr"/>
             <a:r>
-              <a:rPr lang="ru-RU" sz="1400" dirty="0" smtClean="0"/>
+              <a:rPr lang="ru-RU" sz="1400" dirty="0"/>
               <a:t>Установить абсолютную власть </a:t>
             </a:r>
             <a:r>
-              <a:rPr lang="ru-RU" sz="1400" dirty="0" err="1" smtClean="0"/>
+              <a:rPr lang="ru-RU" sz="1400" dirty="0" err="1"/>
               <a:t>Чакри</a:t>
             </a:r>
             <a:endParaRPr lang="ru-RU" sz="1400" dirty="0"/>
@@ -22873,7 +22562,7 @@
           <a:p>
             <a:pPr algn="ctr"/>
             <a:r>
-              <a:rPr lang="ru-RU" sz="1400" dirty="0" smtClean="0"/>
+              <a:rPr lang="ru-RU" sz="1400" dirty="0"/>
               <a:t>Коронация нового короля</a:t>
             </a:r>
           </a:p>
@@ -23224,11 +22913,11 @@
           <a:p>
             <a:pPr algn="ctr"/>
             <a:r>
-              <a:rPr lang="ru-RU" sz="1400" dirty="0" smtClean="0"/>
+              <a:rPr lang="ru-RU" sz="1400" dirty="0"/>
               <a:t>Реформирование армии принцем </a:t>
             </a:r>
             <a:r>
-              <a:rPr lang="ru-RU" sz="1400" dirty="0" err="1" smtClean="0"/>
+              <a:rPr lang="ru-RU" sz="1400" dirty="0" err="1"/>
               <a:t>Боворадетом</a:t>
             </a:r>
             <a:endParaRPr lang="ru-RU" sz="1400" dirty="0"/>
@@ -23312,7 +23001,7 @@
           <a:p>
             <a:pPr algn="ctr"/>
             <a:r>
-              <a:rPr lang="ru-RU" sz="1400" dirty="0" smtClean="0"/>
+              <a:rPr lang="ru-RU" sz="1400" dirty="0"/>
               <a:t>Миграционный закон</a:t>
             </a:r>
             <a:endParaRPr lang="ru-RU" sz="400" dirty="0"/>
@@ -23358,10 +23047,9 @@
           <a:p>
             <a:pPr algn="ctr"/>
             <a:r>
-              <a:rPr lang="ru-RU" sz="1400" dirty="0" smtClean="0"/>
+              <a:rPr lang="ru-RU" sz="1400" dirty="0"/>
               <a:t>Расширить набор в скаутские организации</a:t>
             </a:r>
-            <a:endParaRPr lang="ru-RU" sz="1400" dirty="0"/>
           </a:p>
         </p:txBody>
       </p:sp>
@@ -23440,10 +23128,10 @@
           <a:p>
             <a:pPr algn="ctr"/>
             <a:r>
-              <a:rPr lang="ru-RU" sz="1400" dirty="0" smtClean="0"/>
+              <a:rPr lang="ru-RU" sz="1400" dirty="0"/>
               <a:t>Общенациональная ирригационная система</a:t>
             </a:r>
-            <a:endParaRPr lang="ru-RU" sz="700" dirty="0" smtClean="0"/>
+            <a:endParaRPr lang="ru-RU" sz="700" dirty="0"/>
           </a:p>
         </p:txBody>
       </p:sp>
@@ -23599,13 +23287,8 @@
             <a:pPr algn="ctr"/>
             <a:r>
               <a:rPr lang="ru-RU" sz="1400" dirty="0"/>
-              <a:t>Поддержка королевских </a:t>
-            </a:r>
-            <a:r>
-              <a:rPr lang="ru-RU" sz="1400" dirty="0" smtClean="0"/>
-              <a:t>кампаний</a:t>
-            </a:r>
-            <a:endParaRPr lang="ru-RU" sz="1400" dirty="0"/>
+              <a:t>Поддержка королевских кампаний</a:t>
+            </a:r>
           </a:p>
         </p:txBody>
       </p:sp>
@@ -23686,10 +23369,9 @@
           <a:p>
             <a:pPr algn="ctr"/>
             <a:r>
-              <a:rPr lang="ru-RU" sz="1400" dirty="0" smtClean="0"/>
+              <a:rPr lang="ru-RU" sz="1400" dirty="0"/>
               <a:t>Южный вопрос</a:t>
             </a:r>
-            <a:endParaRPr lang="ru-RU" sz="1400" dirty="0"/>
           </a:p>
         </p:txBody>
       </p:sp>
@@ -23732,10 +23414,9 @@
           <a:p>
             <a:pPr algn="ctr"/>
             <a:r>
-              <a:rPr lang="ru-RU" sz="1400" dirty="0" smtClean="0"/>
+              <a:rPr lang="ru-RU" sz="1400" dirty="0"/>
               <a:t>Вернуть Камбоджу под свою руку</a:t>
             </a:r>
-            <a:endParaRPr lang="ru-RU" sz="1400" dirty="0"/>
           </a:p>
         </p:txBody>
       </p:sp>
@@ -23778,10 +23459,9 @@
           <a:p>
             <a:pPr algn="ctr"/>
             <a:r>
-              <a:rPr lang="ru-RU" sz="1400" dirty="0" smtClean="0"/>
+              <a:rPr lang="ru-RU" sz="1400" dirty="0"/>
               <a:t>Вернуть земли в Бирме</a:t>
             </a:r>
-            <a:endParaRPr lang="ru-RU" sz="1400" dirty="0"/>
           </a:p>
         </p:txBody>
       </p:sp>
@@ -23824,10 +23504,9 @@
           <a:p>
             <a:pPr algn="ctr"/>
             <a:r>
-              <a:rPr lang="ru-RU" sz="1400" dirty="0" smtClean="0"/>
+              <a:rPr lang="ru-RU" sz="1400" dirty="0"/>
               <a:t>Захват Лаоса</a:t>
             </a:r>
-            <a:endParaRPr lang="ru-RU" sz="1400" dirty="0"/>
           </a:p>
         </p:txBody>
       </p:sp>
@@ -23870,10 +23549,9 @@
           <a:p>
             <a:pPr algn="ctr"/>
             <a:r>
-              <a:rPr lang="ru-RU" sz="1400" dirty="0" smtClean="0"/>
+              <a:rPr lang="ru-RU" sz="1400" dirty="0"/>
               <a:t>Интегрировать север Аннама</a:t>
             </a:r>
-            <a:endParaRPr lang="ru-RU" sz="1400" dirty="0"/>
           </a:p>
         </p:txBody>
       </p:sp>
@@ -24143,10 +23821,9 @@
           <a:p>
             <a:pPr algn="ctr"/>
             <a:r>
-              <a:rPr lang="ru-RU" sz="1400" dirty="0" smtClean="0"/>
+              <a:rPr lang="ru-RU" sz="1400" dirty="0"/>
               <a:t>Союз с королями реваншистами</a:t>
             </a:r>
-            <a:endParaRPr lang="ru-RU" sz="1400" dirty="0"/>
           </a:p>
         </p:txBody>
       </p:sp>
@@ -24229,10 +23906,9 @@
           <a:p>
             <a:pPr algn="ctr"/>
             <a:r>
-              <a:rPr lang="ru-RU" sz="2400" dirty="0" smtClean="0"/>
+              <a:rPr lang="ru-RU" sz="2400" dirty="0"/>
               <a:t>25</a:t>
             </a:r>
-            <a:endParaRPr lang="ru-RU" sz="2400" dirty="0"/>
           </a:p>
         </p:txBody>
       </p:sp>
@@ -24272,10 +23948,9 @@
           <a:p>
             <a:pPr algn="ctr"/>
             <a:r>
-              <a:rPr lang="ru-RU" sz="3200" dirty="0" smtClean="0"/>
+              <a:rPr lang="ru-RU" sz="3200" dirty="0"/>
               <a:t>160 фокусов</a:t>
             </a:r>
-            <a:endParaRPr lang="ru-RU" sz="3200" dirty="0"/>
           </a:p>
         </p:txBody>
       </p:sp>
@@ -24857,10 +24532,9 @@
           <a:p>
             <a:pPr algn="ctr"/>
             <a:r>
-              <a:rPr lang="ru-RU" sz="1400" dirty="0" smtClean="0"/>
+              <a:rPr lang="ru-RU" sz="1400" dirty="0"/>
               <a:t>Переобучение артиллерийских офицеров</a:t>
             </a:r>
-            <a:endParaRPr lang="ru-RU" sz="1400" dirty="0"/>
           </a:p>
         </p:txBody>
       </p:sp>
@@ -24945,15 +24619,15 @@
               <a:t>Военное правительство </a:t>
             </a:r>
             <a:r>
-              <a:rPr lang="ru-RU" sz="1400" dirty="0" err="1" smtClean="0"/>
+              <a:rPr lang="ru-RU" sz="1400" dirty="0" err="1"/>
               <a:t>Прайи</a:t>
             </a:r>
             <a:r>
-              <a:rPr lang="ru-RU" sz="1400" dirty="0" smtClean="0"/>
+              <a:rPr lang="ru-RU" sz="1400" dirty="0"/>
               <a:t> </a:t>
             </a:r>
             <a:r>
-              <a:rPr lang="ru-RU" sz="1400" dirty="0" err="1" smtClean="0"/>
+              <a:rPr lang="ru-RU" sz="1400" dirty="0" err="1"/>
               <a:t>Сонгсурадета</a:t>
             </a:r>
             <a:endParaRPr lang="ru-RU" sz="1400" dirty="0"/>
@@ -25039,10 +24713,9 @@
           <a:p>
             <a:pPr algn="ctr"/>
             <a:r>
-              <a:rPr lang="ru-RU" sz="1400" dirty="0" smtClean="0"/>
+              <a:rPr lang="ru-RU" sz="1400" dirty="0"/>
               <a:t>Расширение железнодорожных путей</a:t>
             </a:r>
-            <a:endParaRPr lang="ru-RU" sz="1400" dirty="0"/>
           </a:p>
         </p:txBody>
       </p:sp>
@@ -25087,12 +24760,8 @@
           <a:p>
             <a:pPr algn="ctr"/>
             <a:r>
-              <a:rPr lang="ru-RU" sz="1400" dirty="0" smtClean="0"/>
-              <a:t>Проведение </a:t>
-            </a:r>
-            <a:r>
               <a:rPr lang="ru-RU" sz="1400" dirty="0"/>
-              <a:t>военных реформ (чтобы они были равны цивилизованным странам)</a:t>
+              <a:t>Проведение военных реформ (чтобы они были равны цивилизованным странам)</a:t>
             </a:r>
           </a:p>
         </p:txBody>
@@ -25138,10 +24807,9 @@
           <a:p>
             <a:pPr algn="ctr"/>
             <a:r>
-              <a:rPr lang="ru-RU" sz="1400" dirty="0" smtClean="0"/>
+              <a:rPr lang="ru-RU" sz="1400" dirty="0"/>
               <a:t>Новые военные школы</a:t>
             </a:r>
-            <a:endParaRPr lang="ru-RU" sz="1400" dirty="0"/>
           </a:p>
         </p:txBody>
       </p:sp>
@@ -25186,10 +24854,9 @@
           <a:p>
             <a:pPr algn="ctr"/>
             <a:r>
-              <a:rPr lang="ru-RU" sz="1400" dirty="0" smtClean="0"/>
+              <a:rPr lang="ru-RU" sz="1400" dirty="0"/>
               <a:t>Развитие тайской бронетехники</a:t>
             </a:r>
-            <a:endParaRPr lang="ru-RU" sz="1400" dirty="0"/>
           </a:p>
         </p:txBody>
       </p:sp>
@@ -25234,22 +24901,13 @@
           <a:p>
             <a:pPr algn="ctr"/>
             <a:r>
-              <a:rPr lang="ru-RU" sz="1400" dirty="0" smtClean="0"/>
-              <a:t>Профессиональная </a:t>
-            </a:r>
-            <a:r>
               <a:rPr lang="ru-RU" sz="1400" dirty="0"/>
-              <a:t>армия </a:t>
+              <a:t>Профессиональная армия </a:t>
             </a:r>
             <a:r>
               <a:rPr lang="ru-RU" sz="900" dirty="0"/>
-              <a:t>(сокращение многих частей бюджета в армии, уменьшение размера армии до меньшего размера без военного присутствия</a:t>
-            </a:r>
-            <a:r>
-              <a:rPr lang="ru-RU" sz="900" dirty="0" smtClean="0"/>
-              <a:t>.)</a:t>
-            </a:r>
-            <a:endParaRPr lang="ru-RU" sz="900" dirty="0"/>
+              <a:t>(сокращение многих частей бюджета в армии, уменьшение размера армии до меньшего размера без военного присутствия.)</a:t>
+            </a:r>
           </a:p>
         </p:txBody>
       </p:sp>
@@ -25294,18 +24952,17 @@
           <a:p>
             <a:pPr algn="ctr"/>
             <a:r>
-              <a:rPr lang="ru-RU" sz="1400" dirty="0" smtClean="0"/>
+              <a:rPr lang="ru-RU" sz="1400" dirty="0"/>
               <a:t>Боевая школа </a:t>
             </a:r>
             <a:r>
-              <a:rPr lang="ru-RU" sz="1400" dirty="0" err="1" smtClean="0"/>
+              <a:rPr lang="ru-RU" sz="1400" dirty="0" err="1"/>
               <a:t>Чангмая</a:t>
             </a:r>
             <a:r>
-              <a:rPr lang="ru-RU" sz="1400" dirty="0" smtClean="0"/>
+              <a:rPr lang="ru-RU" sz="1400" dirty="0"/>
               <a:t> (там обучались элитные солдаты)</a:t>
             </a:r>
-            <a:endParaRPr lang="ru-RU" sz="1400" dirty="0"/>
           </a:p>
         </p:txBody>
       </p:sp>
@@ -25351,10 +25008,9 @@
           <a:p>
             <a:pPr algn="ctr"/>
             <a:r>
-              <a:rPr lang="ru-RU" sz="1400" dirty="0" smtClean="0"/>
+              <a:rPr lang="ru-RU" sz="1400" dirty="0"/>
               <a:t>Остановить империализм Японии</a:t>
             </a:r>
-            <a:endParaRPr lang="ru-RU" sz="1400" dirty="0"/>
           </a:p>
         </p:txBody>
       </p:sp>
@@ -25514,18 +25170,9 @@
           <a:p>
             <a:pPr algn="ctr"/>
             <a:r>
-              <a:rPr lang="ru-RU" sz="1400" dirty="0" smtClean="0"/>
-              <a:t>Научная группа Юго-Восточной </a:t>
-            </a:r>
-            <a:r>
               <a:rPr lang="ru-RU" sz="1400" dirty="0"/>
-              <a:t>Л</a:t>
-            </a:r>
-            <a:r>
-              <a:rPr lang="ru-RU" sz="1400" dirty="0" smtClean="0"/>
-              <a:t>иги</a:t>
-            </a:r>
-            <a:endParaRPr lang="ru-RU" sz="1400" dirty="0"/>
+              <a:t>Научная группа Юго-Восточной Лиги</a:t>
+            </a:r>
           </a:p>
         </p:txBody>
       </p:sp>
@@ -25607,10 +25254,9 @@
           <a:p>
             <a:pPr algn="ctr"/>
             <a:r>
-              <a:rPr lang="ru-RU" sz="1400" dirty="0" smtClean="0"/>
+              <a:rPr lang="ru-RU" sz="1400" dirty="0"/>
               <a:t>Подавить крыло роялистов в партии</a:t>
             </a:r>
-            <a:endParaRPr lang="ru-RU" sz="1400" dirty="0"/>
           </a:p>
         </p:txBody>
       </p:sp>
@@ -25694,10 +25340,9 @@
           <a:p>
             <a:pPr algn="ctr"/>
             <a:r>
-              <a:rPr lang="ru-RU" sz="1400" dirty="0" smtClean="0"/>
+              <a:rPr lang="ru-RU" sz="1400" dirty="0"/>
               <a:t>Достичь консенсуса с роялистами</a:t>
             </a:r>
-            <a:endParaRPr lang="ru-RU" sz="1400" dirty="0"/>
           </a:p>
         </p:txBody>
       </p:sp>
@@ -25819,10 +25464,9 @@
           <a:p>
             <a:pPr algn="ctr"/>
             <a:r>
-              <a:rPr lang="ru-RU" sz="1400" dirty="0" smtClean="0"/>
+              <a:rPr lang="ru-RU" sz="1400" dirty="0"/>
               <a:t>Судьба короны</a:t>
             </a:r>
-            <a:endParaRPr lang="ru-RU" sz="1400" dirty="0"/>
           </a:p>
         </p:txBody>
       </p:sp>
@@ -25946,7 +25590,7 @@
           <a:p>
             <a:pPr algn="ctr"/>
             <a:r>
-              <a:rPr lang="ru-RU" sz="1400" dirty="0" smtClean="0"/>
+              <a:rPr lang="ru-RU" sz="1400" dirty="0"/>
               <a:t>Основание демократической партии Сиама</a:t>
             </a:r>
             <a:endParaRPr lang="ru-RU" sz="1000" dirty="0"/>
@@ -26142,10 +25786,9 @@
           <a:p>
             <a:pPr algn="ctr"/>
             <a:r>
-              <a:rPr lang="ru-RU" sz="1400" dirty="0" smtClean="0"/>
+              <a:rPr lang="ru-RU" sz="1400" dirty="0"/>
               <a:t>Чистка среди генералитета</a:t>
             </a:r>
-            <a:endParaRPr lang="ru-RU" sz="1400" dirty="0"/>
           </a:p>
         </p:txBody>
       </p:sp>
@@ -26190,10 +25833,9 @@
           <a:p>
             <a:pPr algn="ctr"/>
             <a:r>
-              <a:rPr lang="ru-RU" sz="1400" dirty="0" smtClean="0"/>
+              <a:rPr lang="ru-RU" sz="1400" dirty="0"/>
               <a:t>Милитаризация промышленности</a:t>
             </a:r>
-            <a:endParaRPr lang="ru-RU" sz="1400" dirty="0"/>
           </a:p>
         </p:txBody>
       </p:sp>
@@ -26276,10 +25918,9 @@
           <a:p>
             <a:pPr algn="ctr"/>
             <a:r>
-              <a:rPr lang="ru-RU" sz="1400" dirty="0" smtClean="0"/>
+              <a:rPr lang="ru-RU" sz="1400" dirty="0"/>
               <a:t>Укрепить границы на востоке</a:t>
             </a:r>
-            <a:endParaRPr lang="ru-RU" sz="1400" dirty="0"/>
           </a:p>
         </p:txBody>
       </p:sp>
@@ -26324,10 +25965,9 @@
           <a:p>
             <a:pPr algn="ctr"/>
             <a:r>
-              <a:rPr lang="ru-RU" sz="1400" dirty="0" smtClean="0"/>
+              <a:rPr lang="ru-RU" sz="1400" dirty="0"/>
               <a:t>Укрепить границы на западе и юге</a:t>
             </a:r>
-            <a:endParaRPr lang="ru-RU" sz="1400" dirty="0"/>
           </a:p>
         </p:txBody>
       </p:sp>
@@ -26372,10 +26012,9 @@
           <a:p>
             <a:pPr algn="ctr"/>
             <a:r>
-              <a:rPr lang="ru-RU" sz="1400" dirty="0" smtClean="0"/>
+              <a:rPr lang="ru-RU" sz="1400" dirty="0"/>
               <a:t>Строительство новых мостов</a:t>
             </a:r>
-            <a:endParaRPr lang="ru-RU" sz="1400" dirty="0"/>
           </a:p>
         </p:txBody>
       </p:sp>
@@ -26868,10 +26507,9 @@
           <a:p>
             <a:pPr algn="ctr"/>
             <a:r>
-              <a:rPr lang="ru-RU" sz="1400" dirty="0" smtClean="0"/>
+              <a:rPr lang="ru-RU" sz="1400" dirty="0"/>
               <a:t>Создание Индокитайского блока поддержи</a:t>
             </a:r>
-            <a:endParaRPr lang="ru-RU" sz="1400" dirty="0"/>
           </a:p>
         </p:txBody>
       </p:sp>
@@ -26952,10 +26590,9 @@
           <a:p>
             <a:pPr algn="ctr"/>
             <a:r>
-              <a:rPr lang="ru-RU" sz="1400" dirty="0" smtClean="0"/>
+              <a:rPr lang="ru-RU" sz="1400" dirty="0"/>
               <a:t>Возродить связи с Германской империей</a:t>
             </a:r>
-            <a:endParaRPr lang="ru-RU" sz="1400" dirty="0"/>
           </a:p>
         </p:txBody>
       </p:sp>
@@ -27161,10 +26798,9 @@
           <a:p>
             <a:pPr algn="ctr"/>
             <a:r>
-              <a:rPr lang="ru-RU" sz="1400" dirty="0" smtClean="0"/>
+              <a:rPr lang="ru-RU" sz="1400" dirty="0"/>
               <a:t>Научное сотрудничество</a:t>
             </a:r>
-            <a:endParaRPr lang="ru-RU" sz="1400" dirty="0"/>
           </a:p>
         </p:txBody>
       </p:sp>
@@ -27209,10 +26845,9 @@
           <a:p>
             <a:pPr algn="ctr"/>
             <a:r>
-              <a:rPr lang="ru-RU" sz="1400" dirty="0" smtClean="0"/>
+              <a:rPr lang="ru-RU" sz="1400" dirty="0"/>
               <a:t>Сохранять нейтралитет</a:t>
             </a:r>
-            <a:endParaRPr lang="ru-RU" sz="1400" dirty="0"/>
           </a:p>
         </p:txBody>
       </p:sp>
@@ -27409,10 +27044,9 @@
           <a:p>
             <a:pPr algn="ctr"/>
             <a:r>
-              <a:rPr lang="ru-RU" sz="1400" dirty="0" smtClean="0"/>
+              <a:rPr lang="ru-RU" sz="1400" dirty="0"/>
               <a:t>Военные советники из Германской Империи</a:t>
             </a:r>
-            <a:endParaRPr lang="ru-RU" sz="1400" dirty="0"/>
           </a:p>
         </p:txBody>
       </p:sp>
@@ -27457,10 +27091,9 @@
           <a:p>
             <a:pPr algn="ctr"/>
             <a:r>
-              <a:rPr lang="ru-RU" sz="1400" dirty="0" smtClean="0"/>
+              <a:rPr lang="ru-RU" sz="1400" dirty="0"/>
               <a:t>Военный союз</a:t>
             </a:r>
-            <a:endParaRPr lang="ru-RU" sz="1400" dirty="0"/>
           </a:p>
         </p:txBody>
       </p:sp>
@@ -27577,10 +27210,9 @@
           <a:p>
             <a:pPr algn="ctr"/>
             <a:r>
-              <a:rPr lang="ru-RU" sz="1400" dirty="0" smtClean="0"/>
+              <a:rPr lang="ru-RU" sz="1400" dirty="0"/>
               <a:t>Поделить Индокитайские колонии</a:t>
             </a:r>
-            <a:endParaRPr lang="ru-RU" sz="1400" dirty="0"/>
           </a:p>
         </p:txBody>
       </p:sp>
@@ -27663,10 +27295,9 @@
           <a:p>
             <a:pPr algn="ctr"/>
             <a:r>
-              <a:rPr lang="ru-RU" sz="1400" dirty="0" smtClean="0"/>
+              <a:rPr lang="ru-RU" sz="1400" dirty="0"/>
               <a:t>Пригласить Бирму</a:t>
             </a:r>
-            <a:endParaRPr lang="ru-RU" sz="1400" dirty="0"/>
           </a:p>
         </p:txBody>
       </p:sp>
@@ -27747,10 +27378,9 @@
           <a:p>
             <a:pPr algn="ctr"/>
             <a:r>
-              <a:rPr lang="ru-RU" sz="1400" dirty="0" smtClean="0"/>
+              <a:rPr lang="ru-RU" sz="1400" dirty="0"/>
               <a:t>Поделить Малайзию</a:t>
             </a:r>
-            <a:endParaRPr lang="ru-RU" sz="1400" dirty="0"/>
           </a:p>
         </p:txBody>
       </p:sp>
@@ -27833,10 +27463,9 @@
           <a:p>
             <a:pPr algn="ctr"/>
             <a:r>
-              <a:rPr lang="ru-RU" sz="1400" dirty="0" smtClean="0"/>
+              <a:rPr lang="ru-RU" sz="1400" dirty="0"/>
               <a:t>Открытие совместных предприятий</a:t>
             </a:r>
-            <a:endParaRPr lang="ru-RU" sz="1400" dirty="0"/>
           </a:p>
         </p:txBody>
       </p:sp>
@@ -27919,10 +27548,9 @@
           <a:p>
             <a:pPr algn="ctr"/>
             <a:r>
-              <a:rPr lang="ru-RU" sz="1400" dirty="0" smtClean="0"/>
+              <a:rPr lang="ru-RU" sz="1400" dirty="0"/>
               <a:t>Укрепить защиту с моря</a:t>
             </a:r>
-            <a:endParaRPr lang="ru-RU" sz="1400" dirty="0"/>
           </a:p>
         </p:txBody>
       </p:sp>
@@ -28085,15 +27713,15 @@
               <a:t>Военная бюрократия </a:t>
             </a:r>
             <a:r>
-              <a:rPr lang="ru-RU" sz="1400" dirty="0" err="1" smtClean="0"/>
+              <a:rPr lang="ru-RU" sz="1400" dirty="0" err="1"/>
               <a:t>Пибуна</a:t>
             </a:r>
             <a:r>
-              <a:rPr lang="ru-RU" sz="1400" dirty="0" smtClean="0"/>
+              <a:rPr lang="ru-RU" sz="1400" dirty="0"/>
               <a:t> </a:t>
             </a:r>
             <a:r>
-              <a:rPr lang="ru-RU" sz="1400" dirty="0" err="1" smtClean="0"/>
+              <a:rPr lang="ru-RU" sz="1400" dirty="0" err="1"/>
               <a:t>Сонгкрама</a:t>
             </a:r>
             <a:endParaRPr lang="ru-RU" sz="1400" dirty="0"/>
@@ -28251,12 +27879,8 @@
           <a:p>
             <a:pPr algn="ctr"/>
             <a:r>
-              <a:rPr lang="ru-RU" sz="1400" dirty="0" smtClean="0"/>
-              <a:t>Тайное сотрудничество с </a:t>
-            </a:r>
-            <a:r>
               <a:rPr lang="ru-RU" sz="1400" dirty="0"/>
-              <a:t>Сери Тай (Свободное тайское движение)</a:t>
+              <a:t>Тайное сотрудничество с Сери Тай (Свободное тайское движение)</a:t>
             </a:r>
           </a:p>
         </p:txBody>
@@ -28378,10 +28002,9 @@
           <a:p>
             <a:pPr algn="ctr"/>
             <a:r>
-              <a:rPr lang="ru-RU" sz="2400" dirty="0" smtClean="0"/>
+              <a:rPr lang="ru-RU" sz="2400" dirty="0"/>
               <a:t>24</a:t>
             </a:r>
-            <a:endParaRPr lang="ru-RU" sz="2400" dirty="0"/>
           </a:p>
         </p:txBody>
       </p:sp>
@@ -28505,10 +28128,9 @@
           <a:p>
             <a:pPr algn="ctr"/>
             <a:r>
-              <a:rPr lang="ru-RU" sz="1400" dirty="0" smtClean="0"/>
+              <a:rPr lang="ru-RU" sz="1400" dirty="0"/>
               <a:t>Вложить средства в науку</a:t>
             </a:r>
-            <a:endParaRPr lang="ru-RU" sz="1400" dirty="0"/>
           </a:p>
         </p:txBody>
       </p:sp>
@@ -28704,11 +28326,11 @@
           <a:p>
             <a:pPr algn="ctr"/>
             <a:r>
-              <a:rPr lang="ru-RU" sz="1400" dirty="0" smtClean="0"/>
+              <a:rPr lang="ru-RU" sz="1400" dirty="0"/>
               <a:t>Институт имени короля </a:t>
             </a:r>
             <a:r>
-              <a:rPr lang="ru-RU" sz="1400" dirty="0" err="1" smtClean="0"/>
+              <a:rPr lang="ru-RU" sz="1400" dirty="0" err="1"/>
               <a:t>Монгкута</a:t>
             </a:r>
             <a:endParaRPr lang="ru-RU" sz="1400" dirty="0"/>
@@ -29295,10 +28917,9 @@
           <a:p>
             <a:pPr algn="ctr"/>
             <a:r>
-              <a:rPr lang="ru-RU" sz="1400" dirty="0" smtClean="0"/>
+              <a:rPr lang="ru-RU" sz="1400" dirty="0"/>
               <a:t>Предоставить военную базу США</a:t>
             </a:r>
-            <a:endParaRPr lang="ru-RU" sz="1400" dirty="0"/>
           </a:p>
         </p:txBody>
       </p:sp>
@@ -29382,10 +29003,9 @@
           <a:p>
             <a:pPr algn="ctr"/>
             <a:r>
-              <a:rPr lang="ru-RU" sz="1400" dirty="0" smtClean="0"/>
+              <a:rPr lang="ru-RU" sz="1400" dirty="0"/>
               <a:t>Получить лицензии на современную технику</a:t>
             </a:r>
-            <a:endParaRPr lang="ru-RU" sz="1400" dirty="0"/>
           </a:p>
         </p:txBody>
       </p:sp>
@@ -29467,10 +29087,9 @@
           <a:p>
             <a:pPr algn="ctr"/>
             <a:r>
-              <a:rPr lang="ru-RU" sz="1400" dirty="0" smtClean="0"/>
+              <a:rPr lang="ru-RU" sz="1400" dirty="0"/>
               <a:t>Экономическая помощь США</a:t>
             </a:r>
-            <a:endParaRPr lang="ru-RU" sz="1400" dirty="0"/>
           </a:p>
         </p:txBody>
       </p:sp>
@@ -29552,11 +29171,11 @@
           <a:p>
             <a:pPr algn="ctr"/>
             <a:r>
-              <a:rPr lang="ru-RU" sz="1400" dirty="0" smtClean="0"/>
+              <a:rPr lang="ru-RU" sz="1400" dirty="0"/>
               <a:t>Дорога в </a:t>
             </a:r>
             <a:r>
-              <a:rPr lang="ru-RU" sz="1400" dirty="0" err="1" smtClean="0"/>
+              <a:rPr lang="ru-RU" sz="1400" dirty="0" err="1"/>
               <a:t>Кентунг</a:t>
             </a:r>
             <a:endParaRPr lang="ru-RU" sz="1400" dirty="0"/>
@@ -29637,18 +29256,17 @@
           <a:p>
             <a:pPr algn="ctr"/>
             <a:r>
-              <a:rPr lang="ru-RU" sz="1400" dirty="0" smtClean="0"/>
+              <a:rPr lang="ru-RU" sz="1400" dirty="0"/>
               <a:t>Основать министерство транспорта (</a:t>
             </a:r>
             <a:r>
-              <a:rPr lang="ru-RU" sz="1400" dirty="0" err="1" smtClean="0"/>
+              <a:rPr lang="ru-RU" sz="1400" dirty="0" err="1"/>
               <a:t>ист</a:t>
             </a:r>
             <a:r>
-              <a:rPr lang="ru-RU" sz="1400" dirty="0" smtClean="0"/>
+              <a:rPr lang="ru-RU" sz="1400" dirty="0"/>
               <a:t> 1941)</a:t>
             </a:r>
-            <a:endParaRPr lang="ru-RU" sz="1400" dirty="0"/>
           </a:p>
         </p:txBody>
       </p:sp>
@@ -29804,10 +29422,9 @@
           <a:p>
             <a:pPr algn="ctr"/>
             <a:r>
-              <a:rPr lang="ru-RU" sz="1400" dirty="0" smtClean="0"/>
+              <a:rPr lang="ru-RU" sz="1400" dirty="0"/>
               <a:t>Возрождение слоновьей артиллерии</a:t>
             </a:r>
-            <a:endParaRPr lang="ru-RU" sz="1400" dirty="0"/>
           </a:p>
         </p:txBody>
       </p:sp>
@@ -29890,10 +29507,9 @@
           <a:p>
             <a:pPr algn="ctr"/>
             <a:r>
-              <a:rPr lang="ru-RU" sz="1400" dirty="0" smtClean="0"/>
+              <a:rPr lang="ru-RU" sz="1400" dirty="0"/>
               <a:t>Строительство нефтеперегонного завода</a:t>
             </a:r>
-            <a:endParaRPr lang="ru-RU" sz="1400" dirty="0"/>
           </a:p>
         </p:txBody>
       </p:sp>
@@ -29971,10 +29587,9 @@
           <a:p>
             <a:pPr algn="ctr"/>
             <a:r>
-              <a:rPr lang="ru-RU" sz="1400" dirty="0" smtClean="0"/>
+              <a:rPr lang="ru-RU" sz="1400" dirty="0"/>
               <a:t>Расширение оружейных заводов</a:t>
             </a:r>
-            <a:endParaRPr lang="ru-RU" sz="1400" dirty="0"/>
           </a:p>
         </p:txBody>
       </p:sp>
@@ -30091,11 +29706,11 @@
           <a:p>
             <a:pPr algn="ctr"/>
             <a:r>
-              <a:rPr lang="ru-RU" sz="1400" dirty="0" smtClean="0"/>
+              <a:rPr lang="ru-RU" sz="1400" dirty="0"/>
               <a:t>Вернуть династию </a:t>
             </a:r>
             <a:r>
-              <a:rPr lang="ru-RU" sz="1400" dirty="0" err="1" smtClean="0"/>
+              <a:rPr lang="ru-RU" sz="1400" dirty="0" err="1"/>
               <a:t>Чакри</a:t>
             </a:r>
             <a:endParaRPr lang="ru-RU" sz="600" dirty="0"/>
@@ -30222,7 +29837,7 @@
           <a:p>
             <a:pPr algn="ctr"/>
             <a:r>
-              <a:rPr lang="ru-RU" sz="1400" dirty="0" smtClean="0"/>
+              <a:rPr lang="ru-RU" sz="1400" dirty="0"/>
               <a:t>Поддержание западного побережья</a:t>
             </a:r>
             <a:endParaRPr lang="ru-RU" sz="900" dirty="0"/>
@@ -30306,10 +29921,9 @@
           <a:p>
             <a:pPr algn="ctr"/>
             <a:r>
-              <a:rPr lang="ru-RU" sz="1400" dirty="0" smtClean="0"/>
+              <a:rPr lang="ru-RU" sz="1400" dirty="0"/>
               <a:t>Восстановление страны</a:t>
             </a:r>
-            <a:endParaRPr lang="ru-RU" sz="1400" dirty="0"/>
           </a:p>
         </p:txBody>
       </p:sp>
@@ -30399,13 +30013,6 @@
   <p:clrMapOvr>
     <a:masterClrMapping/>
   </p:clrMapOvr>
-  <p:timing>
-    <p:tnLst>
-      <p:par>
-        <p:cTn id="1" dur="indefinite" restart="never" nodeType="tmRoot"/>
-      </p:par>
-    </p:tnLst>
-  </p:timing>
 </p:sld>
 </file>
 

--- a/Наработки/диздоки/Сиам/Сиам.pptx
+++ b/Наработки/диздоки/Сиам/Сиам.pptx
@@ -209,7 +209,7 @@
             <a:fld id="{33E3D7F9-E251-484C-A6FF-FA958879DF69}" type="datetimeFigureOut">
               <a:rPr lang="ru-RU" smtClean="0"/>
               <a:pPr/>
-              <a:t>17.03.2022</a:t>
+              <a:t>18.03.2022</a:t>
             </a:fld>
             <a:endParaRPr lang="ru-RU"/>
           </a:p>
@@ -699,7 +699,7 @@
             <a:fld id="{85A5DE44-605B-4D3B-B2B7-94543DF81A36}" type="datetimeFigureOut">
               <a:rPr lang="ru-RU" smtClean="0"/>
               <a:pPr/>
-              <a:t>17.03.2022</a:t>
+              <a:t>18.03.2022</a:t>
             </a:fld>
             <a:endParaRPr lang="ru-RU"/>
           </a:p>
@@ -871,7 +871,7 @@
             <a:fld id="{85A5DE44-605B-4D3B-B2B7-94543DF81A36}" type="datetimeFigureOut">
               <a:rPr lang="ru-RU" smtClean="0"/>
               <a:pPr/>
-              <a:t>17.03.2022</a:t>
+              <a:t>18.03.2022</a:t>
             </a:fld>
             <a:endParaRPr lang="ru-RU"/>
           </a:p>
@@ -1053,7 +1053,7 @@
             <a:fld id="{85A5DE44-605B-4D3B-B2B7-94543DF81A36}" type="datetimeFigureOut">
               <a:rPr lang="ru-RU" smtClean="0"/>
               <a:pPr/>
-              <a:t>17.03.2022</a:t>
+              <a:t>18.03.2022</a:t>
             </a:fld>
             <a:endParaRPr lang="ru-RU"/>
           </a:p>
@@ -1225,7 +1225,7 @@
             <a:fld id="{85A5DE44-605B-4D3B-B2B7-94543DF81A36}" type="datetimeFigureOut">
               <a:rPr lang="ru-RU" smtClean="0"/>
               <a:pPr/>
-              <a:t>17.03.2022</a:t>
+              <a:t>18.03.2022</a:t>
             </a:fld>
             <a:endParaRPr lang="ru-RU"/>
           </a:p>
@@ -1473,7 +1473,7 @@
             <a:fld id="{85A5DE44-605B-4D3B-B2B7-94543DF81A36}" type="datetimeFigureOut">
               <a:rPr lang="ru-RU" smtClean="0"/>
               <a:pPr/>
-              <a:t>17.03.2022</a:t>
+              <a:t>18.03.2022</a:t>
             </a:fld>
             <a:endParaRPr lang="ru-RU"/>
           </a:p>
@@ -1707,7 +1707,7 @@
             <a:fld id="{85A5DE44-605B-4D3B-B2B7-94543DF81A36}" type="datetimeFigureOut">
               <a:rPr lang="ru-RU" smtClean="0"/>
               <a:pPr/>
-              <a:t>17.03.2022</a:t>
+              <a:t>18.03.2022</a:t>
             </a:fld>
             <a:endParaRPr lang="ru-RU"/>
           </a:p>
@@ -2076,7 +2076,7 @@
             <a:fld id="{85A5DE44-605B-4D3B-B2B7-94543DF81A36}" type="datetimeFigureOut">
               <a:rPr lang="ru-RU" smtClean="0"/>
               <a:pPr/>
-              <a:t>17.03.2022</a:t>
+              <a:t>18.03.2022</a:t>
             </a:fld>
             <a:endParaRPr lang="ru-RU"/>
           </a:p>
@@ -2196,7 +2196,7 @@
             <a:fld id="{85A5DE44-605B-4D3B-B2B7-94543DF81A36}" type="datetimeFigureOut">
               <a:rPr lang="ru-RU" smtClean="0"/>
               <a:pPr/>
-              <a:t>17.03.2022</a:t>
+              <a:t>18.03.2022</a:t>
             </a:fld>
             <a:endParaRPr lang="ru-RU"/>
           </a:p>
@@ -2293,7 +2293,7 @@
             <a:fld id="{85A5DE44-605B-4D3B-B2B7-94543DF81A36}" type="datetimeFigureOut">
               <a:rPr lang="ru-RU" smtClean="0"/>
               <a:pPr/>
-              <a:t>17.03.2022</a:t>
+              <a:t>18.03.2022</a:t>
             </a:fld>
             <a:endParaRPr lang="ru-RU"/>
           </a:p>
@@ -2572,7 +2572,7 @@
             <a:fld id="{85A5DE44-605B-4D3B-B2B7-94543DF81A36}" type="datetimeFigureOut">
               <a:rPr lang="ru-RU" smtClean="0"/>
               <a:pPr/>
-              <a:t>17.03.2022</a:t>
+              <a:t>18.03.2022</a:t>
             </a:fld>
             <a:endParaRPr lang="ru-RU"/>
           </a:p>
@@ -2831,7 +2831,7 @@
             <a:fld id="{85A5DE44-605B-4D3B-B2B7-94543DF81A36}" type="datetimeFigureOut">
               <a:rPr lang="ru-RU" smtClean="0"/>
               <a:pPr/>
-              <a:t>17.03.2022</a:t>
+              <a:t>18.03.2022</a:t>
             </a:fld>
             <a:endParaRPr lang="ru-RU"/>
           </a:p>
@@ -3046,7 +3046,7 @@
             <a:fld id="{85A5DE44-605B-4D3B-B2B7-94543DF81A36}" type="datetimeFigureOut">
               <a:rPr lang="ru-RU" smtClean="0"/>
               <a:pPr/>
-              <a:t>17.03.2022</a:t>
+              <a:t>18.03.2022</a:t>
             </a:fld>
             <a:endParaRPr lang="ru-RU"/>
           </a:p>
@@ -12820,7 +12820,7 @@
             <a:pPr algn="ctr"/>
             <a:r>
               <a:rPr lang="ru-RU" sz="1400" dirty="0"/>
-              <a:t>Социалистический союз азиатских республик</a:t>
+              <a:t>Социалистический союз восточных азиатских республик</a:t>
             </a:r>
           </a:p>
         </p:txBody>

--- a/Наработки/диздоки/Сиам/Сиам.pptx
+++ b/Наработки/диздоки/Сиам/Сиам.pptx
@@ -209,7 +209,7 @@
             <a:fld id="{33E3D7F9-E251-484C-A6FF-FA958879DF69}" type="datetimeFigureOut">
               <a:rPr lang="ru-RU" smtClean="0"/>
               <a:pPr/>
-              <a:t>18.03.2022</a:t>
+              <a:t>24.03.2022</a:t>
             </a:fld>
             <a:endParaRPr lang="ru-RU"/>
           </a:p>
@@ -699,7 +699,7 @@
             <a:fld id="{85A5DE44-605B-4D3B-B2B7-94543DF81A36}" type="datetimeFigureOut">
               <a:rPr lang="ru-RU" smtClean="0"/>
               <a:pPr/>
-              <a:t>18.03.2022</a:t>
+              <a:t>24.03.2022</a:t>
             </a:fld>
             <a:endParaRPr lang="ru-RU"/>
           </a:p>
@@ -871,7 +871,7 @@
             <a:fld id="{85A5DE44-605B-4D3B-B2B7-94543DF81A36}" type="datetimeFigureOut">
               <a:rPr lang="ru-RU" smtClean="0"/>
               <a:pPr/>
-              <a:t>18.03.2022</a:t>
+              <a:t>24.03.2022</a:t>
             </a:fld>
             <a:endParaRPr lang="ru-RU"/>
           </a:p>
@@ -1053,7 +1053,7 @@
             <a:fld id="{85A5DE44-605B-4D3B-B2B7-94543DF81A36}" type="datetimeFigureOut">
               <a:rPr lang="ru-RU" smtClean="0"/>
               <a:pPr/>
-              <a:t>18.03.2022</a:t>
+              <a:t>24.03.2022</a:t>
             </a:fld>
             <a:endParaRPr lang="ru-RU"/>
           </a:p>
@@ -1225,7 +1225,7 @@
             <a:fld id="{85A5DE44-605B-4D3B-B2B7-94543DF81A36}" type="datetimeFigureOut">
               <a:rPr lang="ru-RU" smtClean="0"/>
               <a:pPr/>
-              <a:t>18.03.2022</a:t>
+              <a:t>24.03.2022</a:t>
             </a:fld>
             <a:endParaRPr lang="ru-RU"/>
           </a:p>
@@ -1473,7 +1473,7 @@
             <a:fld id="{85A5DE44-605B-4D3B-B2B7-94543DF81A36}" type="datetimeFigureOut">
               <a:rPr lang="ru-RU" smtClean="0"/>
               <a:pPr/>
-              <a:t>18.03.2022</a:t>
+              <a:t>24.03.2022</a:t>
             </a:fld>
             <a:endParaRPr lang="ru-RU"/>
           </a:p>
@@ -1707,7 +1707,7 @@
             <a:fld id="{85A5DE44-605B-4D3B-B2B7-94543DF81A36}" type="datetimeFigureOut">
               <a:rPr lang="ru-RU" smtClean="0"/>
               <a:pPr/>
-              <a:t>18.03.2022</a:t>
+              <a:t>24.03.2022</a:t>
             </a:fld>
             <a:endParaRPr lang="ru-RU"/>
           </a:p>
@@ -2076,7 +2076,7 @@
             <a:fld id="{85A5DE44-605B-4D3B-B2B7-94543DF81A36}" type="datetimeFigureOut">
               <a:rPr lang="ru-RU" smtClean="0"/>
               <a:pPr/>
-              <a:t>18.03.2022</a:t>
+              <a:t>24.03.2022</a:t>
             </a:fld>
             <a:endParaRPr lang="ru-RU"/>
           </a:p>
@@ -2196,7 +2196,7 @@
             <a:fld id="{85A5DE44-605B-4D3B-B2B7-94543DF81A36}" type="datetimeFigureOut">
               <a:rPr lang="ru-RU" smtClean="0"/>
               <a:pPr/>
-              <a:t>18.03.2022</a:t>
+              <a:t>24.03.2022</a:t>
             </a:fld>
             <a:endParaRPr lang="ru-RU"/>
           </a:p>
@@ -2293,7 +2293,7 @@
             <a:fld id="{85A5DE44-605B-4D3B-B2B7-94543DF81A36}" type="datetimeFigureOut">
               <a:rPr lang="ru-RU" smtClean="0"/>
               <a:pPr/>
-              <a:t>18.03.2022</a:t>
+              <a:t>24.03.2022</a:t>
             </a:fld>
             <a:endParaRPr lang="ru-RU"/>
           </a:p>
@@ -2572,7 +2572,7 @@
             <a:fld id="{85A5DE44-605B-4D3B-B2B7-94543DF81A36}" type="datetimeFigureOut">
               <a:rPr lang="ru-RU" smtClean="0"/>
               <a:pPr/>
-              <a:t>18.03.2022</a:t>
+              <a:t>24.03.2022</a:t>
             </a:fld>
             <a:endParaRPr lang="ru-RU"/>
           </a:p>
@@ -2831,7 +2831,7 @@
             <a:fld id="{85A5DE44-605B-4D3B-B2B7-94543DF81A36}" type="datetimeFigureOut">
               <a:rPr lang="ru-RU" smtClean="0"/>
               <a:pPr/>
-              <a:t>18.03.2022</a:t>
+              <a:t>24.03.2022</a:t>
             </a:fld>
             <a:endParaRPr lang="ru-RU"/>
           </a:p>
@@ -3046,7 +3046,7 @@
             <a:fld id="{85A5DE44-605B-4D3B-B2B7-94543DF81A36}" type="datetimeFigureOut">
               <a:rPr lang="ru-RU" smtClean="0"/>
               <a:pPr/>
-              <a:t>18.03.2022</a:t>
+              <a:t>24.03.2022</a:t>
             </a:fld>
             <a:endParaRPr lang="ru-RU"/>
           </a:p>
@@ -26638,7 +26638,7 @@
             <a:pPr algn="ctr"/>
             <a:r>
               <a:rPr lang="ru-RU" sz="1400" dirty="0"/>
-              <a:t>Создание Индокитайского блока поддержи</a:t>
+              <a:t>Укрепление Индокитайского блока поддержи</a:t>
             </a:r>
           </a:p>
         </p:txBody>
@@ -27296,7 +27296,7 @@
             <a:pPr algn="ctr"/>
             <a:r>
               <a:rPr lang="ru-RU" sz="1400" dirty="0"/>
-              <a:t>Пригласить Бирму</a:t>
+              <a:t>Расширить индокитайский блок поддержки</a:t>
             </a:r>
           </a:p>
         </p:txBody>

--- a/Наработки/диздоки/Сиам/Сиам.pptx
+++ b/Наработки/диздоки/Сиам/Сиам.pptx
@@ -209,7 +209,7 @@
             <a:fld id="{33E3D7F9-E251-484C-A6FF-FA958879DF69}" type="datetimeFigureOut">
               <a:rPr lang="ru-RU" smtClean="0"/>
               <a:pPr/>
-              <a:t>24.03.2022</a:t>
+              <a:t>25.03.2022</a:t>
             </a:fld>
             <a:endParaRPr lang="ru-RU"/>
           </a:p>
@@ -699,7 +699,7 @@
             <a:fld id="{85A5DE44-605B-4D3B-B2B7-94543DF81A36}" type="datetimeFigureOut">
               <a:rPr lang="ru-RU" smtClean="0"/>
               <a:pPr/>
-              <a:t>24.03.2022</a:t>
+              <a:t>25.03.2022</a:t>
             </a:fld>
             <a:endParaRPr lang="ru-RU"/>
           </a:p>
@@ -871,7 +871,7 @@
             <a:fld id="{85A5DE44-605B-4D3B-B2B7-94543DF81A36}" type="datetimeFigureOut">
               <a:rPr lang="ru-RU" smtClean="0"/>
               <a:pPr/>
-              <a:t>24.03.2022</a:t>
+              <a:t>25.03.2022</a:t>
             </a:fld>
             <a:endParaRPr lang="ru-RU"/>
           </a:p>
@@ -1053,7 +1053,7 @@
             <a:fld id="{85A5DE44-605B-4D3B-B2B7-94543DF81A36}" type="datetimeFigureOut">
               <a:rPr lang="ru-RU" smtClean="0"/>
               <a:pPr/>
-              <a:t>24.03.2022</a:t>
+              <a:t>25.03.2022</a:t>
             </a:fld>
             <a:endParaRPr lang="ru-RU"/>
           </a:p>
@@ -1225,7 +1225,7 @@
             <a:fld id="{85A5DE44-605B-4D3B-B2B7-94543DF81A36}" type="datetimeFigureOut">
               <a:rPr lang="ru-RU" smtClean="0"/>
               <a:pPr/>
-              <a:t>24.03.2022</a:t>
+              <a:t>25.03.2022</a:t>
             </a:fld>
             <a:endParaRPr lang="ru-RU"/>
           </a:p>
@@ -1473,7 +1473,7 @@
             <a:fld id="{85A5DE44-605B-4D3B-B2B7-94543DF81A36}" type="datetimeFigureOut">
               <a:rPr lang="ru-RU" smtClean="0"/>
               <a:pPr/>
-              <a:t>24.03.2022</a:t>
+              <a:t>25.03.2022</a:t>
             </a:fld>
             <a:endParaRPr lang="ru-RU"/>
           </a:p>
@@ -1707,7 +1707,7 @@
             <a:fld id="{85A5DE44-605B-4D3B-B2B7-94543DF81A36}" type="datetimeFigureOut">
               <a:rPr lang="ru-RU" smtClean="0"/>
               <a:pPr/>
-              <a:t>24.03.2022</a:t>
+              <a:t>25.03.2022</a:t>
             </a:fld>
             <a:endParaRPr lang="ru-RU"/>
           </a:p>
@@ -2076,7 +2076,7 @@
             <a:fld id="{85A5DE44-605B-4D3B-B2B7-94543DF81A36}" type="datetimeFigureOut">
               <a:rPr lang="ru-RU" smtClean="0"/>
               <a:pPr/>
-              <a:t>24.03.2022</a:t>
+              <a:t>25.03.2022</a:t>
             </a:fld>
             <a:endParaRPr lang="ru-RU"/>
           </a:p>
@@ -2196,7 +2196,7 @@
             <a:fld id="{85A5DE44-605B-4D3B-B2B7-94543DF81A36}" type="datetimeFigureOut">
               <a:rPr lang="ru-RU" smtClean="0"/>
               <a:pPr/>
-              <a:t>24.03.2022</a:t>
+              <a:t>25.03.2022</a:t>
             </a:fld>
             <a:endParaRPr lang="ru-RU"/>
           </a:p>
@@ -2293,7 +2293,7 @@
             <a:fld id="{85A5DE44-605B-4D3B-B2B7-94543DF81A36}" type="datetimeFigureOut">
               <a:rPr lang="ru-RU" smtClean="0"/>
               <a:pPr/>
-              <a:t>24.03.2022</a:t>
+              <a:t>25.03.2022</a:t>
             </a:fld>
             <a:endParaRPr lang="ru-RU"/>
           </a:p>
@@ -2572,7 +2572,7 @@
             <a:fld id="{85A5DE44-605B-4D3B-B2B7-94543DF81A36}" type="datetimeFigureOut">
               <a:rPr lang="ru-RU" smtClean="0"/>
               <a:pPr/>
-              <a:t>24.03.2022</a:t>
+              <a:t>25.03.2022</a:t>
             </a:fld>
             <a:endParaRPr lang="ru-RU"/>
           </a:p>
@@ -2831,7 +2831,7 @@
             <a:fld id="{85A5DE44-605B-4D3B-B2B7-94543DF81A36}" type="datetimeFigureOut">
               <a:rPr lang="ru-RU" smtClean="0"/>
               <a:pPr/>
-              <a:t>24.03.2022</a:t>
+              <a:t>25.03.2022</a:t>
             </a:fld>
             <a:endParaRPr lang="ru-RU"/>
           </a:p>
@@ -3046,7 +3046,7 @@
             <a:fld id="{85A5DE44-605B-4D3B-B2B7-94543DF81A36}" type="datetimeFigureOut">
               <a:rPr lang="ru-RU" smtClean="0"/>
               <a:pPr/>
-              <a:t>24.03.2022</a:t>
+              <a:t>25.03.2022</a:t>
             </a:fld>
             <a:endParaRPr lang="ru-RU"/>
           </a:p>
@@ -3787,7 +3787,7 @@
         </p:nvCxnSpPr>
         <p:spPr>
           <a:xfrm flipV="1">
-            <a:off x="4554092" y="9437133"/>
+            <a:off x="-5025343" y="9437133"/>
             <a:ext cx="2644876" cy="2274"/>
           </a:xfrm>
           <a:prstGeom prst="line">
@@ -3825,7 +3825,7 @@
         </p:nvCxnSpPr>
         <p:spPr>
           <a:xfrm rot="16200000" flipH="1">
-            <a:off x="6337031" y="5075417"/>
+            <a:off x="-3242404" y="5075417"/>
             <a:ext cx="312098" cy="1167143"/>
           </a:xfrm>
           <a:prstGeom prst="bentConnector3">
@@ -3860,7 +3860,7 @@
         </p:nvSpPr>
         <p:spPr>
           <a:xfrm>
-            <a:off x="3664097" y="5814420"/>
+            <a:off x="-5915338" y="5814420"/>
             <a:ext cx="2115918" cy="1080000"/>
           </a:xfrm>
           <a:prstGeom prst="rect">
@@ -3911,7 +3911,7 @@
         </p:nvSpPr>
         <p:spPr>
           <a:xfrm>
-            <a:off x="6018693" y="5815038"/>
+            <a:off x="-3560742" y="5815038"/>
             <a:ext cx="2115918" cy="1080000"/>
           </a:xfrm>
           <a:prstGeom prst="rect">
@@ -3961,7 +3961,7 @@
         </p:nvSpPr>
         <p:spPr>
           <a:xfrm>
-            <a:off x="7198968" y="8897133"/>
+            <a:off x="-2380467" y="8897133"/>
             <a:ext cx="2115918" cy="1080000"/>
           </a:xfrm>
           <a:prstGeom prst="rect">
@@ -4178,7 +4178,7 @@
         </p:nvSpPr>
         <p:spPr>
           <a:xfrm>
-            <a:off x="7198867" y="10305125"/>
+            <a:off x="-2380568" y="10305125"/>
             <a:ext cx="2115918" cy="1080000"/>
           </a:xfrm>
           <a:prstGeom prst="rect">
@@ -4207,13 +4207,8 @@
             <a:pPr algn="ctr"/>
             <a:r>
               <a:rPr lang="ru-RU" sz="1400" dirty="0"/>
-              <a:t>Национализировать имущество китайских ростовщиков </a:t>
-            </a:r>
-            <a:r>
-              <a:rPr lang="ru-RU" sz="1400"/>
-              <a:t>(историчный)</a:t>
-            </a:r>
-            <a:endParaRPr lang="ru-RU" sz="1400" dirty="0"/>
+              <a:t>Национализировать имущество китайских ростовщиков (историчный)</a:t>
+            </a:r>
           </a:p>
         </p:txBody>
       </p:sp>
@@ -4371,7 +4366,7 @@
         </p:nvSpPr>
         <p:spPr>
           <a:xfrm>
-            <a:off x="4851550" y="4422940"/>
+            <a:off x="-4727885" y="4422940"/>
             <a:ext cx="2115918" cy="1080000"/>
           </a:xfrm>
           <a:prstGeom prst="rect">
@@ -4519,7 +4514,7 @@
         </p:nvCxnSpPr>
         <p:spPr>
           <a:xfrm rot="5400000">
-            <a:off x="5160043" y="5064954"/>
+            <a:off x="-4419392" y="5064954"/>
             <a:ext cx="311480" cy="1187453"/>
           </a:xfrm>
           <a:prstGeom prst="bentConnector3">
@@ -4554,7 +4549,7 @@
         </p:nvSpPr>
         <p:spPr>
           <a:xfrm>
-            <a:off x="1250724" y="7386188"/>
+            <a:off x="-8328711" y="7386188"/>
             <a:ext cx="2115918" cy="1080000"/>
           </a:xfrm>
           <a:prstGeom prst="rect">
@@ -4604,7 +4599,7 @@
         </p:nvSpPr>
         <p:spPr>
           <a:xfrm>
-            <a:off x="3668646" y="7374814"/>
+            <a:off x="-5910789" y="7374814"/>
             <a:ext cx="2115918" cy="1080000"/>
           </a:xfrm>
           <a:prstGeom prst="rect">
@@ -4654,7 +4649,7 @@
         </p:nvSpPr>
         <p:spPr>
           <a:xfrm>
-            <a:off x="6018334" y="7390736"/>
+            <a:off x="-3561101" y="7390736"/>
             <a:ext cx="2115918" cy="1080000"/>
           </a:xfrm>
           <a:prstGeom prst="rect">
@@ -4704,7 +4699,7 @@
         </p:nvSpPr>
         <p:spPr>
           <a:xfrm>
-            <a:off x="8368021" y="7379363"/>
+            <a:off x="-1211414" y="7379363"/>
             <a:ext cx="2115918" cy="1080000"/>
           </a:xfrm>
           <a:prstGeom prst="rect">
@@ -4952,7 +4947,7 @@
         </p:nvSpPr>
         <p:spPr>
           <a:xfrm>
-            <a:off x="4853826" y="10305148"/>
+            <a:off x="-4725609" y="10305148"/>
             <a:ext cx="2115918" cy="1080000"/>
           </a:xfrm>
           <a:prstGeom prst="rect">
@@ -4994,7 +4989,7 @@
         </p:nvSpPr>
         <p:spPr>
           <a:xfrm>
-            <a:off x="65739" y="8893491"/>
+            <a:off x="-9513696" y="8893491"/>
             <a:ext cx="2115918" cy="1080000"/>
           </a:xfrm>
           <a:prstGeom prst="rect">
@@ -5044,7 +5039,7 @@
         </p:nvSpPr>
         <p:spPr>
           <a:xfrm>
-            <a:off x="2438174" y="8899407"/>
+            <a:off x="-7141261" y="8899407"/>
             <a:ext cx="2115918" cy="1080000"/>
           </a:xfrm>
           <a:prstGeom prst="rect">
@@ -5082,6 +5077,7 @@
         <p:nvCxnSpPr>
           <p:cNvPr id="63" name="Shape 248"/>
           <p:cNvCxnSpPr>
+            <a:cxnSpLocks/>
             <a:stCxn id="27" idx="2"/>
             <a:endCxn id="60" idx="0"/>
           </p:cNvCxnSpPr>
@@ -5089,7 +5085,7 @@
         </p:nvCxnSpPr>
         <p:spPr>
           <a:xfrm rot="16200000" flipH="1">
-            <a:off x="2685799" y="8089072"/>
+            <a:off x="-6893636" y="8089072"/>
             <a:ext cx="433219" cy="1187450"/>
           </a:xfrm>
           <a:prstGeom prst="bentConnector3">
@@ -5121,6 +5117,7 @@
         <p:nvCxnSpPr>
           <p:cNvPr id="66" name="Shape 248"/>
           <p:cNvCxnSpPr>
+            <a:cxnSpLocks/>
             <a:stCxn id="28" idx="2"/>
             <a:endCxn id="60" idx="0"/>
           </p:cNvCxnSpPr>
@@ -5128,7 +5125,7 @@
         </p:nvCxnSpPr>
         <p:spPr>
           <a:xfrm rot="5400000">
-            <a:off x="3889073" y="8061874"/>
+            <a:off x="-5690362" y="8061874"/>
             <a:ext cx="444593" cy="1230472"/>
           </a:xfrm>
           <a:prstGeom prst="bentConnector3">
@@ -5160,6 +5157,7 @@
         <p:nvCxnSpPr>
           <p:cNvPr id="69" name="Shape 248"/>
           <p:cNvCxnSpPr>
+            <a:cxnSpLocks/>
             <a:stCxn id="29" idx="2"/>
             <a:endCxn id="60" idx="0"/>
           </p:cNvCxnSpPr>
@@ -5167,7 +5165,7 @@
         </p:nvCxnSpPr>
         <p:spPr>
           <a:xfrm rot="5400000">
-            <a:off x="5071878" y="6894991"/>
+            <a:off x="-4507557" y="6894991"/>
             <a:ext cx="428671" cy="3580160"/>
           </a:xfrm>
           <a:prstGeom prst="bentConnector3">
@@ -5199,6 +5197,7 @@
         <p:nvCxnSpPr>
           <p:cNvPr id="72" name="Shape 248"/>
           <p:cNvCxnSpPr>
+            <a:cxnSpLocks/>
             <a:stCxn id="30" idx="2"/>
             <a:endCxn id="60" idx="0"/>
           </p:cNvCxnSpPr>
@@ -5206,7 +5205,7 @@
         </p:nvCxnSpPr>
         <p:spPr>
           <a:xfrm rot="5400000">
-            <a:off x="6241035" y="5714462"/>
+            <a:off x="-3338400" y="5714462"/>
             <a:ext cx="440044" cy="5929847"/>
           </a:xfrm>
           <a:prstGeom prst="bentConnector3">
@@ -5245,7 +5244,7 @@
         </p:nvCxnSpPr>
         <p:spPr>
           <a:xfrm rot="16200000" flipH="1">
-            <a:off x="5067333" y="5707538"/>
+            <a:off x="-4512102" y="5707538"/>
             <a:ext cx="430945" cy="5948244"/>
           </a:xfrm>
           <a:prstGeom prst="bentConnector3">
@@ -5284,7 +5283,7 @@
         </p:nvCxnSpPr>
         <p:spPr>
           <a:xfrm rot="16200000" flipH="1">
-            <a:off x="6270607" y="6910812"/>
+            <a:off x="-3308828" y="6910812"/>
             <a:ext cx="442319" cy="3530322"/>
           </a:xfrm>
           <a:prstGeom prst="bentConnector3">
@@ -5323,7 +5322,7 @@
         </p:nvCxnSpPr>
         <p:spPr>
           <a:xfrm rot="16200000" flipH="1">
-            <a:off x="7453412" y="8093617"/>
+            <a:off x="-2126023" y="8093617"/>
             <a:ext cx="426397" cy="1180634"/>
           </a:xfrm>
           <a:prstGeom prst="bentConnector3">
@@ -5362,7 +5361,7 @@
         </p:nvCxnSpPr>
         <p:spPr>
           <a:xfrm rot="5400000">
-            <a:off x="8622569" y="8093722"/>
+            <a:off x="-956866" y="8093722"/>
             <a:ext cx="437770" cy="1169053"/>
           </a:xfrm>
           <a:prstGeom prst="bentConnector3">
@@ -5401,7 +5400,7 @@
         </p:nvCxnSpPr>
         <p:spPr>
           <a:xfrm rot="5400000">
-            <a:off x="6920349" y="8968569"/>
+            <a:off x="-2659086" y="8968569"/>
             <a:ext cx="328015" cy="2345142"/>
           </a:xfrm>
           <a:prstGeom prst="bentConnector3">
@@ -5440,7 +5439,7 @@
         </p:nvCxnSpPr>
         <p:spPr>
           <a:xfrm rot="16200000" flipH="1">
-            <a:off x="4541089" y="8934451"/>
+            <a:off x="-5038346" y="8934451"/>
             <a:ext cx="325741" cy="2415652"/>
           </a:xfrm>
           <a:prstGeom prst="bentConnector3">
@@ -5476,7 +5475,7 @@
         </p:nvSpPr>
         <p:spPr>
           <a:xfrm>
-            <a:off x="9577034" y="8899792"/>
+            <a:off x="-2401" y="8899792"/>
             <a:ext cx="2115918" cy="1080000"/>
           </a:xfrm>
           <a:prstGeom prst="rect">
@@ -5526,7 +5525,7 @@
         </p:nvSpPr>
         <p:spPr>
           <a:xfrm>
-            <a:off x="2440448" y="10307401"/>
+            <a:off x="-7138987" y="10307401"/>
             <a:ext cx="2115918" cy="1080000"/>
           </a:xfrm>
           <a:prstGeom prst="rect">
@@ -5575,7 +5574,7 @@
         </p:nvSpPr>
         <p:spPr>
           <a:xfrm>
-            <a:off x="7206746" y="11781381"/>
+            <a:off x="-2372689" y="11781381"/>
             <a:ext cx="2115918" cy="1080000"/>
           </a:xfrm>
           <a:prstGeom prst="rect">
@@ -5617,7 +5616,7 @@
         </p:nvSpPr>
         <p:spPr>
           <a:xfrm>
-            <a:off x="4858377" y="11783648"/>
+            <a:off x="-4721058" y="11783648"/>
             <a:ext cx="2115918" cy="1080000"/>
           </a:xfrm>
           <a:prstGeom prst="rect">
@@ -5667,7 +5666,7 @@
         </p:nvCxnSpPr>
         <p:spPr>
           <a:xfrm>
-            <a:off x="3496133" y="9979407"/>
+            <a:off x="-6083302" y="9979407"/>
             <a:ext cx="2274" cy="327994"/>
           </a:xfrm>
           <a:prstGeom prst="straightConnector1">
@@ -5700,7 +5699,7 @@
         </p:nvSpPr>
         <p:spPr>
           <a:xfrm>
-            <a:off x="68012" y="10309676"/>
+            <a:off x="-9511423" y="10309676"/>
             <a:ext cx="2115918" cy="1080000"/>
           </a:xfrm>
           <a:prstGeom prst="rect">
@@ -5840,7 +5839,7 @@
         </p:nvCxnSpPr>
         <p:spPr>
           <a:xfrm rot="5400000">
-            <a:off x="2145918" y="8959460"/>
+            <a:off x="-7433517" y="8959460"/>
             <a:ext cx="330269" cy="2370162"/>
           </a:xfrm>
           <a:prstGeom prst="bentConnector3">
@@ -5875,7 +5874,7 @@
         </p:nvSpPr>
         <p:spPr>
           <a:xfrm>
-            <a:off x="70285" y="11758611"/>
+            <a:off x="-9509150" y="11758611"/>
             <a:ext cx="2115918" cy="1080000"/>
           </a:xfrm>
           <a:prstGeom prst="rect">
@@ -5920,7 +5919,7 @@
         </p:nvCxnSpPr>
         <p:spPr>
           <a:xfrm>
-            <a:off x="1125971" y="11389676"/>
+            <a:off x="-8453464" y="11389676"/>
             <a:ext cx="2273" cy="368935"/>
           </a:xfrm>
           <a:prstGeom prst="straightConnector1">
@@ -5953,7 +5952,7 @@
         </p:nvSpPr>
         <p:spPr>
           <a:xfrm>
-            <a:off x="2483664" y="11783655"/>
+            <a:off x="-7095771" y="11783655"/>
             <a:ext cx="2115918" cy="1080000"/>
           </a:xfrm>
           <a:prstGeom prst="rect">
@@ -5995,7 +5994,7 @@
         </p:nvSpPr>
         <p:spPr>
           <a:xfrm>
-            <a:off x="9575852" y="10321047"/>
+            <a:off x="-3583" y="10321047"/>
             <a:ext cx="2115918" cy="1080000"/>
           </a:xfrm>
           <a:prstGeom prst="rect">
@@ -6037,7 +6036,7 @@
         </p:nvSpPr>
         <p:spPr>
           <a:xfrm>
-            <a:off x="9578127" y="11783632"/>
+            <a:off x="-1308" y="11783632"/>
             <a:ext cx="2115918" cy="1080000"/>
           </a:xfrm>
           <a:prstGeom prst="rect">
@@ -6106,7 +6105,7 @@
         </p:nvCxnSpPr>
         <p:spPr>
           <a:xfrm rot="16200000" flipH="1">
-            <a:off x="9273412" y="8960648"/>
+            <a:off x="-306023" y="8960648"/>
             <a:ext cx="343914" cy="2376884"/>
           </a:xfrm>
           <a:prstGeom prst="bentConnector3">
@@ -6236,7 +6235,7 @@
         </p:nvSpPr>
         <p:spPr>
           <a:xfrm>
-            <a:off x="1257640" y="13246240"/>
+            <a:off x="-8321795" y="13246240"/>
             <a:ext cx="2115918" cy="1080000"/>
           </a:xfrm>
           <a:prstGeom prst="rect">
@@ -6298,7 +6297,7 @@
         </p:nvSpPr>
         <p:spPr>
           <a:xfrm>
-            <a:off x="99853" y="14559233"/>
+            <a:off x="-9479582" y="14559233"/>
             <a:ext cx="2115918" cy="1080000"/>
           </a:xfrm>
           <a:prstGeom prst="rect">
@@ -6353,7 +6352,7 @@
         </p:nvSpPr>
         <p:spPr>
           <a:xfrm>
-            <a:off x="2456367" y="14554688"/>
+            <a:off x="-7123068" y="14554688"/>
             <a:ext cx="2115918" cy="1080000"/>
           </a:xfrm>
           <a:prstGeom prst="rect">
@@ -6399,7 +6398,7 @@
         </p:nvCxnSpPr>
         <p:spPr>
           <a:xfrm rot="5400000">
-            <a:off x="1620210" y="13863843"/>
+            <a:off x="-7959225" y="13863843"/>
             <a:ext cx="232993" cy="1157787"/>
           </a:xfrm>
           <a:prstGeom prst="bentConnector3">
@@ -6437,7 +6436,7 @@
         </p:nvCxnSpPr>
         <p:spPr>
           <a:xfrm rot="16200000" flipH="1">
-            <a:off x="2800738" y="13841100"/>
+            <a:off x="-6778697" y="13841100"/>
             <a:ext cx="228448" cy="1198727"/>
           </a:xfrm>
           <a:prstGeom prst="bentConnector3">
@@ -6468,6 +6467,7 @@
         <p:nvCxnSpPr>
           <p:cNvPr id="153" name="Shape 248"/>
           <p:cNvCxnSpPr>
+            <a:cxnSpLocks/>
             <a:stCxn id="96" idx="2"/>
             <a:endCxn id="141" idx="0"/>
           </p:cNvCxnSpPr>
@@ -6475,7 +6475,7 @@
         </p:nvCxnSpPr>
         <p:spPr>
           <a:xfrm rot="5400000">
-            <a:off x="3924672" y="11254576"/>
+            <a:off x="-5654763" y="11254576"/>
             <a:ext cx="382592" cy="3600737"/>
           </a:xfrm>
           <a:prstGeom prst="bentConnector3">
@@ -6560,7 +6560,7 @@
         </p:nvSpPr>
         <p:spPr>
           <a:xfrm>
-            <a:off x="8422716" y="13259889"/>
+            <a:off x="-1156719" y="13259889"/>
             <a:ext cx="2115918" cy="1080000"/>
           </a:xfrm>
           <a:prstGeom prst="rect">
@@ -6610,7 +6610,7 @@
         </p:nvCxnSpPr>
         <p:spPr>
           <a:xfrm rot="16200000" flipH="1">
-            <a:off x="7500385" y="11279598"/>
+            <a:off x="-2079050" y="11279598"/>
             <a:ext cx="396241" cy="3564339"/>
           </a:xfrm>
           <a:prstGeom prst="bentConnector3">
@@ -6645,7 +6645,7 @@
         </p:nvSpPr>
         <p:spPr>
           <a:xfrm>
-            <a:off x="4851549" y="13262155"/>
+            <a:off x="-4727886" y="13262155"/>
             <a:ext cx="2115918" cy="1080000"/>
           </a:xfrm>
           <a:prstGeom prst="rect">
@@ -6690,7 +6690,7 @@
         </p:nvCxnSpPr>
         <p:spPr>
           <a:xfrm flipH="1">
-            <a:off x="5909508" y="12863648"/>
+            <a:off x="-3669927" y="12863648"/>
             <a:ext cx="6828" cy="398507"/>
           </a:xfrm>
           <a:prstGeom prst="straightConnector1">
@@ -6723,7 +6723,7 @@
         </p:nvSpPr>
         <p:spPr>
           <a:xfrm>
-            <a:off x="7209022" y="14554685"/>
+            <a:off x="-2370413" y="14554685"/>
             <a:ext cx="2115918" cy="1080000"/>
           </a:xfrm>
           <a:prstGeom prst="rect">
@@ -6768,7 +6768,7 @@
         </p:nvCxnSpPr>
         <p:spPr>
           <a:xfrm>
-            <a:off x="8264705" y="12861381"/>
+            <a:off x="-1314730" y="12861381"/>
             <a:ext cx="2276" cy="1693304"/>
           </a:xfrm>
           <a:prstGeom prst="straightConnector1">
@@ -6801,7 +6801,7 @@
         </p:nvSpPr>
         <p:spPr>
           <a:xfrm>
-            <a:off x="9666937" y="14545588"/>
+            <a:off x="87502" y="14545588"/>
             <a:ext cx="2115918" cy="1080000"/>
           </a:xfrm>
           <a:prstGeom prst="rect">
@@ -6846,7 +6846,7 @@
         </p:nvCxnSpPr>
         <p:spPr>
           <a:xfrm rot="16200000" flipH="1">
-            <a:off x="9999936" y="13820627"/>
+            <a:off x="420501" y="13820627"/>
             <a:ext cx="205699" cy="1244221"/>
           </a:xfrm>
           <a:prstGeom prst="bentConnector3">
@@ -6884,7 +6884,7 @@
         </p:nvCxnSpPr>
         <p:spPr>
           <a:xfrm rot="16200000" flipH="1">
-            <a:off x="9810272" y="8075070"/>
+            <a:off x="230837" y="8075070"/>
             <a:ext cx="440429" cy="1209013"/>
           </a:xfrm>
           <a:prstGeom prst="bentConnector3">
@@ -6923,7 +6923,7 @@
         </p:nvCxnSpPr>
         <p:spPr>
           <a:xfrm rot="16200000" flipH="1">
-            <a:off x="8641115" y="6905914"/>
+            <a:off x="-938320" y="6905914"/>
             <a:ext cx="429056" cy="3558700"/>
           </a:xfrm>
           <a:prstGeom prst="bentConnector3">
@@ -6955,6 +6955,7 @@
         <p:nvCxnSpPr>
           <p:cNvPr id="119" name="Shape 248"/>
           <p:cNvCxnSpPr>
+            <a:cxnSpLocks/>
             <a:stCxn id="27" idx="2"/>
             <a:endCxn id="59" idx="0"/>
           </p:cNvCxnSpPr>
@@ -6962,7 +6963,7 @@
         </p:nvCxnSpPr>
         <p:spPr>
           <a:xfrm rot="5400000">
-            <a:off x="1502540" y="8087347"/>
+            <a:off x="-8076895" y="8087347"/>
             <a:ext cx="427303" cy="1184985"/>
           </a:xfrm>
           <a:prstGeom prst="bentConnector3">
@@ -6994,6 +6995,7 @@
         <p:nvCxnSpPr>
           <p:cNvPr id="122" name="Shape 248"/>
           <p:cNvCxnSpPr>
+            <a:cxnSpLocks/>
             <a:stCxn id="28" idx="2"/>
             <a:endCxn id="59" idx="0"/>
           </p:cNvCxnSpPr>
@@ -7001,7 +7003,7 @@
         </p:nvCxnSpPr>
         <p:spPr>
           <a:xfrm rot="5400000">
-            <a:off x="2705814" y="6872699"/>
+            <a:off x="-6873621" y="6872699"/>
             <a:ext cx="438677" cy="3602907"/>
           </a:xfrm>
           <a:prstGeom prst="bentConnector3">
@@ -7037,7 +7039,7 @@
         </p:nvSpPr>
         <p:spPr>
           <a:xfrm>
-            <a:off x="14201779" y="4422940"/>
+            <a:off x="4622344" y="4422940"/>
             <a:ext cx="2115918" cy="1080000"/>
           </a:xfrm>
           <a:prstGeom prst="rect">
@@ -7139,7 +7141,7 @@
         </p:nvSpPr>
         <p:spPr>
           <a:xfrm>
-            <a:off x="11860680" y="8893491"/>
+            <a:off x="2281245" y="8893491"/>
             <a:ext cx="2115918" cy="1080000"/>
           </a:xfrm>
           <a:prstGeom prst="rect">
@@ -7181,7 +7183,7 @@
         </p:nvSpPr>
         <p:spPr>
           <a:xfrm>
-            <a:off x="14199594" y="8891226"/>
+            <a:off x="4620159" y="8891226"/>
             <a:ext cx="2115918" cy="1080000"/>
           </a:xfrm>
           <a:prstGeom prst="rect">
@@ -7223,7 +7225,7 @@
         </p:nvSpPr>
         <p:spPr>
           <a:xfrm>
-            <a:off x="16560207" y="8891226"/>
+            <a:off x="6980772" y="8891226"/>
             <a:ext cx="2115918" cy="1080000"/>
           </a:xfrm>
           <a:prstGeom prst="rect">
@@ -7265,7 +7267,7 @@
         </p:nvSpPr>
         <p:spPr>
           <a:xfrm>
-            <a:off x="14208187" y="5814420"/>
+            <a:off x="4628752" y="5814420"/>
             <a:ext cx="2115918" cy="1080000"/>
           </a:xfrm>
           <a:prstGeom prst="rect">
@@ -7311,7 +7313,7 @@
         </p:nvSpPr>
         <p:spPr>
           <a:xfrm>
-            <a:off x="15375526" y="7374813"/>
+            <a:off x="5796091" y="7374813"/>
             <a:ext cx="2115918" cy="1080000"/>
           </a:xfrm>
           <a:prstGeom prst="rect">
@@ -7354,7 +7356,7 @@
         </p:nvSpPr>
         <p:spPr>
           <a:xfrm>
-            <a:off x="13034434" y="7374813"/>
+            <a:off x="3454999" y="7374813"/>
             <a:ext cx="2115918" cy="1080000"/>
           </a:xfrm>
           <a:prstGeom prst="rect">
@@ -7396,7 +7398,7 @@
         </p:nvSpPr>
         <p:spPr>
           <a:xfrm>
-            <a:off x="11860680" y="5814420"/>
+            <a:off x="2281245" y="5814420"/>
             <a:ext cx="2115918" cy="1080000"/>
           </a:xfrm>
           <a:prstGeom prst="rect">
@@ -7441,7 +7443,7 @@
         </p:nvCxnSpPr>
         <p:spPr>
           <a:xfrm rot="5400000">
-            <a:off x="13933449" y="4488131"/>
+            <a:off x="4354014" y="4488131"/>
             <a:ext cx="311480" cy="2341099"/>
           </a:xfrm>
           <a:prstGeom prst="bentConnector3">
@@ -7476,7 +7478,7 @@
         </p:nvSpPr>
         <p:spPr>
           <a:xfrm>
-            <a:off x="13034434" y="13259887"/>
+            <a:off x="3454999" y="13259887"/>
             <a:ext cx="2115918" cy="1080000"/>
           </a:xfrm>
           <a:prstGeom prst="rect">
@@ -7534,7 +7536,7 @@
         </p:nvSpPr>
         <p:spPr>
           <a:xfrm>
-            <a:off x="11860680" y="11778477"/>
+            <a:off x="2281245" y="11778477"/>
             <a:ext cx="2115918" cy="1080000"/>
           </a:xfrm>
           <a:prstGeom prst="rect">
@@ -7587,7 +7589,7 @@
         </p:nvCxnSpPr>
         <p:spPr>
           <a:xfrm rot="16200000" flipH="1">
-            <a:off x="13304811" y="12472305"/>
+            <a:off x="3725376" y="12472305"/>
             <a:ext cx="401410" cy="1173754"/>
           </a:xfrm>
           <a:prstGeom prst="bentConnector3">
@@ -7625,7 +7627,7 @@
         </p:nvCxnSpPr>
         <p:spPr>
           <a:xfrm>
-            <a:off x="15259738" y="5502940"/>
+            <a:off x="5680303" y="5502940"/>
             <a:ext cx="6408" cy="311480"/>
           </a:xfrm>
           <a:prstGeom prst="straightConnector1">
@@ -7658,7 +7660,7 @@
         </p:nvSpPr>
         <p:spPr>
           <a:xfrm>
-            <a:off x="16555694" y="5814419"/>
+            <a:off x="6976259" y="5814419"/>
             <a:ext cx="2115918" cy="1080000"/>
           </a:xfrm>
           <a:prstGeom prst="rect">
@@ -7703,7 +7705,7 @@
         </p:nvCxnSpPr>
         <p:spPr>
           <a:xfrm rot="5400000">
-            <a:off x="13286177" y="8087275"/>
+            <a:off x="3706742" y="8087275"/>
             <a:ext cx="438678" cy="1173754"/>
           </a:xfrm>
           <a:prstGeom prst="bentConnector3">
@@ -7742,7 +7744,7 @@
         </p:nvCxnSpPr>
         <p:spPr>
           <a:xfrm rot="16200000" flipH="1">
-            <a:off x="14456767" y="8090439"/>
+            <a:off x="4877332" y="8090439"/>
             <a:ext cx="436413" cy="1165160"/>
           </a:xfrm>
           <a:prstGeom prst="bentConnector3">
@@ -7781,7 +7783,7 @@
         </p:nvCxnSpPr>
         <p:spPr>
           <a:xfrm rot="16200000" flipH="1">
-            <a:off x="15637073" y="6910132"/>
+            <a:off x="6057638" y="6910132"/>
             <a:ext cx="436413" cy="3525773"/>
           </a:xfrm>
           <a:prstGeom prst="bentConnector3">
@@ -7820,7 +7822,7 @@
         </p:nvCxnSpPr>
         <p:spPr>
           <a:xfrm rot="5400000">
-            <a:off x="14456723" y="6916729"/>
+            <a:off x="4877288" y="6916729"/>
             <a:ext cx="438678" cy="3514846"/>
           </a:xfrm>
           <a:prstGeom prst="bentConnector3">
@@ -7859,7 +7861,7 @@
         </p:nvCxnSpPr>
         <p:spPr>
           <a:xfrm rot="5400000">
-            <a:off x="15627313" y="8085053"/>
+            <a:off x="6047878" y="8085053"/>
             <a:ext cx="436413" cy="1175932"/>
           </a:xfrm>
           <a:prstGeom prst="bentConnector3">
@@ -7898,7 +7900,7 @@
         </p:nvCxnSpPr>
         <p:spPr>
           <a:xfrm rot="16200000" flipH="1">
-            <a:off x="16807619" y="8080678"/>
+            <a:off x="7228184" y="8080678"/>
             <a:ext cx="436413" cy="1184681"/>
           </a:xfrm>
           <a:prstGeom prst="bentConnector3">
@@ -7937,7 +7939,7 @@
         </p:nvCxnSpPr>
         <p:spPr>
           <a:xfrm flipV="1">
-            <a:off x="13976598" y="9431226"/>
+            <a:off x="4397163" y="9431226"/>
             <a:ext cx="222996" cy="2265"/>
           </a:xfrm>
           <a:prstGeom prst="line">
@@ -7975,7 +7977,7 @@
         </p:nvCxnSpPr>
         <p:spPr>
           <a:xfrm>
-            <a:off x="16315512" y="9431226"/>
+            <a:off x="6736077" y="9431226"/>
             <a:ext cx="244695" cy="0"/>
           </a:xfrm>
           <a:prstGeom prst="line">
@@ -8010,7 +8012,7 @@
         </p:nvSpPr>
         <p:spPr>
           <a:xfrm>
-            <a:off x="16555694" y="10321047"/>
+            <a:off x="6976259" y="10321047"/>
             <a:ext cx="2115918" cy="1080000"/>
           </a:xfrm>
           <a:prstGeom prst="rect">
@@ -8052,7 +8054,7 @@
         </p:nvSpPr>
         <p:spPr>
           <a:xfrm>
-            <a:off x="14199594" y="10321047"/>
+            <a:off x="4620159" y="10321047"/>
             <a:ext cx="2115918" cy="1080000"/>
           </a:xfrm>
           <a:prstGeom prst="rect">
@@ -8094,7 +8096,7 @@
         </p:nvSpPr>
         <p:spPr>
           <a:xfrm>
-            <a:off x="11860680" y="10313097"/>
+            <a:off x="2281245" y="10313097"/>
             <a:ext cx="2115918" cy="1080000"/>
           </a:xfrm>
           <a:prstGeom prst="rect">
@@ -8139,7 +8141,7 @@
         </p:nvCxnSpPr>
         <p:spPr>
           <a:xfrm>
-            <a:off x="12918639" y="9973491"/>
+            <a:off x="3339204" y="9973491"/>
             <a:ext cx="0" cy="339606"/>
           </a:xfrm>
           <a:prstGeom prst="straightConnector1">
@@ -8175,7 +8177,7 @@
         </p:nvCxnSpPr>
         <p:spPr>
           <a:xfrm>
-            <a:off x="15257553" y="9971226"/>
+            <a:off x="5678118" y="9971226"/>
             <a:ext cx="0" cy="349821"/>
           </a:xfrm>
           <a:prstGeom prst="straightConnector1">
@@ -8211,7 +8213,7 @@
         </p:nvCxnSpPr>
         <p:spPr>
           <a:xfrm flipH="1">
-            <a:off x="17613653" y="9971226"/>
+            <a:off x="8034218" y="9971226"/>
             <a:ext cx="4513" cy="349821"/>
           </a:xfrm>
           <a:prstGeom prst="straightConnector1">
@@ -8247,7 +8249,7 @@
         </p:nvCxnSpPr>
         <p:spPr>
           <a:xfrm rot="5400000">
-            <a:off x="14923603" y="10569837"/>
+            <a:off x="5344168" y="10569837"/>
             <a:ext cx="1858840" cy="3521260"/>
           </a:xfrm>
           <a:prstGeom prst="bentConnector3">
@@ -8286,7 +8288,7 @@
         </p:nvCxnSpPr>
         <p:spPr>
           <a:xfrm rot="5400000">
-            <a:off x="13745553" y="11747887"/>
+            <a:off x="4166118" y="11747887"/>
             <a:ext cx="1858840" cy="1165160"/>
           </a:xfrm>
           <a:prstGeom prst="bentConnector3">
@@ -8325,7 +8327,7 @@
         </p:nvCxnSpPr>
         <p:spPr>
           <a:xfrm rot="16200000" flipH="1">
-            <a:off x="12572121" y="11739615"/>
+            <a:off x="2992686" y="11739615"/>
             <a:ext cx="1866790" cy="1173754"/>
           </a:xfrm>
           <a:prstGeom prst="bentConnector3">
@@ -8361,7 +8363,7 @@
         </p:nvSpPr>
         <p:spPr>
           <a:xfrm>
-            <a:off x="21371434" y="4422939"/>
+            <a:off x="11791999" y="4422939"/>
             <a:ext cx="2115918" cy="1080000"/>
           </a:xfrm>
           <a:prstGeom prst="rect">
@@ -8407,7 +8409,7 @@
         </p:nvCxnSpPr>
         <p:spPr>
           <a:xfrm rot="16200000" flipH="1">
-            <a:off x="16280956" y="4481721"/>
+            <a:off x="6701521" y="4481721"/>
             <a:ext cx="311479" cy="2353915"/>
           </a:xfrm>
           <a:prstGeom prst="bentConnector3">
@@ -8442,7 +8444,7 @@
         </p:nvSpPr>
         <p:spPr>
           <a:xfrm>
-            <a:off x="21371434" y="8891225"/>
+            <a:off x="11791999" y="8891225"/>
             <a:ext cx="2115918" cy="1080000"/>
           </a:xfrm>
           <a:prstGeom prst="rect">
@@ -8484,7 +8486,7 @@
         </p:nvSpPr>
         <p:spPr>
           <a:xfrm>
-            <a:off x="20177105" y="5814419"/>
+            <a:off x="10597670" y="5814419"/>
             <a:ext cx="2115918" cy="1080000"/>
           </a:xfrm>
           <a:prstGeom prst="rect">
@@ -8526,7 +8528,7 @@
         </p:nvSpPr>
         <p:spPr>
           <a:xfrm>
-            <a:off x="19021738" y="7386188"/>
+            <a:off x="9442303" y="7386188"/>
             <a:ext cx="2115918" cy="1080000"/>
           </a:xfrm>
           <a:prstGeom prst="rect">
@@ -8572,7 +8574,7 @@
         </p:nvCxnSpPr>
         <p:spPr>
           <a:xfrm rot="5400000">
-            <a:off x="20411497" y="6562620"/>
+            <a:off x="10832062" y="6562620"/>
             <a:ext cx="491769" cy="1155367"/>
           </a:xfrm>
           <a:prstGeom prst="bentConnector3">
@@ -8607,7 +8609,7 @@
         </p:nvSpPr>
         <p:spPr>
           <a:xfrm>
-            <a:off x="21371434" y="7386188"/>
+            <a:off x="11791999" y="7386188"/>
             <a:ext cx="2115918" cy="1080000"/>
           </a:xfrm>
           <a:prstGeom prst="rect">
@@ -8649,7 +8651,7 @@
         </p:nvSpPr>
         <p:spPr>
           <a:xfrm>
-            <a:off x="19021738" y="10321047"/>
+            <a:off x="9442303" y="10321047"/>
             <a:ext cx="2115918" cy="1080000"/>
           </a:xfrm>
           <a:prstGeom prst="rect">
@@ -8692,7 +8694,7 @@
         </p:nvSpPr>
         <p:spPr>
           <a:xfrm>
-            <a:off x="21371434" y="10313096"/>
+            <a:off x="11791999" y="10313096"/>
             <a:ext cx="2115918" cy="1080000"/>
           </a:xfrm>
           <a:prstGeom prst="rect">
@@ -8737,7 +8739,7 @@
         </p:nvCxnSpPr>
         <p:spPr>
           <a:xfrm rot="16200000" flipH="1">
-            <a:off x="21586344" y="6543138"/>
+            <a:off x="12006909" y="6543138"/>
             <a:ext cx="491769" cy="1194329"/>
           </a:xfrm>
           <a:prstGeom prst="bentConnector3">
@@ -8775,7 +8777,7 @@
         </p:nvCxnSpPr>
         <p:spPr>
           <a:xfrm>
-            <a:off x="22429393" y="8466188"/>
+            <a:off x="12849958" y="8466188"/>
             <a:ext cx="0" cy="425037"/>
           </a:xfrm>
           <a:prstGeom prst="straightConnector1">
@@ -8811,7 +8813,7 @@
         </p:nvCxnSpPr>
         <p:spPr>
           <a:xfrm rot="5400000">
-            <a:off x="21079634" y="8971288"/>
+            <a:off x="11500199" y="8971288"/>
             <a:ext cx="349822" cy="2349696"/>
           </a:xfrm>
           <a:prstGeom prst="bentConnector3">
@@ -8849,7 +8851,7 @@
         </p:nvCxnSpPr>
         <p:spPr>
           <a:xfrm>
-            <a:off x="22429393" y="9971225"/>
+            <a:off x="12849958" y="9971225"/>
             <a:ext cx="0" cy="341871"/>
           </a:xfrm>
           <a:prstGeom prst="straightConnector1">
@@ -8885,7 +8887,7 @@
         </p:nvCxnSpPr>
         <p:spPr>
           <a:xfrm flipV="1">
-            <a:off x="23487352" y="9431224"/>
+            <a:off x="13907917" y="9431224"/>
             <a:ext cx="4972298" cy="1"/>
           </a:xfrm>
           <a:prstGeom prst="line">
@@ -8920,7 +8922,7 @@
         </p:nvSpPr>
         <p:spPr>
           <a:xfrm>
-            <a:off x="28459650" y="8891224"/>
+            <a:off x="18880215" y="8891224"/>
             <a:ext cx="2115918" cy="1080000"/>
           </a:xfrm>
           <a:prstGeom prst="rect">
@@ -8962,7 +8964,7 @@
         </p:nvSpPr>
         <p:spPr>
           <a:xfrm>
-            <a:off x="17781702" y="11786491"/>
+            <a:off x="8202267" y="11786491"/>
             <a:ext cx="2115918" cy="1080000"/>
           </a:xfrm>
           <a:prstGeom prst="rect">
@@ -9011,7 +9013,7 @@
         </p:nvCxnSpPr>
         <p:spPr>
           <a:xfrm rot="16200000" flipH="1">
-            <a:off x="18033935" y="10980765"/>
+            <a:off x="8454500" y="10980765"/>
             <a:ext cx="385444" cy="1226008"/>
           </a:xfrm>
           <a:prstGeom prst="bentConnector3">
@@ -9039,19 +9041,105 @@
           </a:fontRef>
         </p:style>
       </p:cxnSp>
-      <p:cxnSp>
-        <p:nvCxnSpPr>
-          <p:cNvPr id="237" name="Shape 248"/>
-          <p:cNvCxnSpPr>
-            <a:stCxn id="203" idx="2"/>
-            <a:endCxn id="233" idx="0"/>
-          </p:cNvCxnSpPr>
-          <p:nvPr/>
-        </p:nvCxnSpPr>
-        <p:spPr>
-          <a:xfrm rot="5400000">
-            <a:off x="19266957" y="10973751"/>
-            <a:ext cx="385444" cy="1240036"/>
+      <p:sp>
+        <p:nvSpPr>
+          <p:cNvPr id="242" name="Прямоугольник 241"/>
+          <p:cNvSpPr/>
+          <p:nvPr/>
+        </p:nvSpPr>
+        <p:spPr>
+          <a:xfrm>
+            <a:off x="14141695" y="10305125"/>
+            <a:ext cx="2115918" cy="1080000"/>
+          </a:xfrm>
+          <a:prstGeom prst="rect">
+            <a:avLst/>
+          </a:prstGeom>
+          <a:ln w="28575"/>
+        </p:spPr>
+        <p:style>
+          <a:lnRef idx="2">
+            <a:schemeClr val="accent1"/>
+          </a:lnRef>
+          <a:fillRef idx="1">
+            <a:schemeClr val="lt1"/>
+          </a:fillRef>
+          <a:effectRef idx="0">
+            <a:schemeClr val="accent1"/>
+          </a:effectRef>
+          <a:fontRef idx="minor">
+            <a:schemeClr val="dk1"/>
+          </a:fontRef>
+        </p:style>
+        <p:txBody>
+          <a:bodyPr lIns="124733" tIns="62367" rIns="124733" bIns="62367" rtlCol="0" anchor="ctr"/>
+          <a:lstStyle/>
+          <a:p>
+            <a:pPr algn="ctr"/>
+            <a:r>
+              <a:rPr lang="ru-RU" sz="1400" dirty="0"/>
+              <a:t>Марш сохранения общественного спокойствия</a:t>
+            </a:r>
+            <a:endParaRPr lang="ru-RU" sz="200" dirty="0"/>
+          </a:p>
+        </p:txBody>
+      </p:sp>
+      <p:sp>
+        <p:nvSpPr>
+          <p:cNvPr id="161" name="Прямоугольник 160"/>
+          <p:cNvSpPr/>
+          <p:nvPr/>
+        </p:nvSpPr>
+        <p:spPr>
+          <a:xfrm>
+            <a:off x="12968906" y="5821311"/>
+            <a:ext cx="2115918" cy="1080000"/>
+          </a:xfrm>
+          <a:prstGeom prst="rect">
+            <a:avLst/>
+          </a:prstGeom>
+          <a:ln w="28575"/>
+        </p:spPr>
+        <p:style>
+          <a:lnRef idx="2">
+            <a:schemeClr val="accent1"/>
+          </a:lnRef>
+          <a:fillRef idx="1">
+            <a:schemeClr val="lt1"/>
+          </a:fillRef>
+          <a:effectRef idx="0">
+            <a:schemeClr val="accent1"/>
+          </a:effectRef>
+          <a:fontRef idx="minor">
+            <a:schemeClr val="dk1"/>
+          </a:fontRef>
+        </p:style>
+        <p:txBody>
+          <a:bodyPr lIns="124733" tIns="62367" rIns="124733" bIns="62367" rtlCol="0" anchor="ctr"/>
+          <a:lstStyle/>
+          <a:p>
+            <a:pPr algn="ctr"/>
+            <a:r>
+              <a:rPr lang="ru-RU" sz="1400" dirty="0"/>
+              <a:t>Специализированные подразделения бюро</a:t>
+            </a:r>
+            <a:endParaRPr lang="ru-RU" sz="600" dirty="0"/>
+          </a:p>
+        </p:txBody>
+      </p:sp>
+      <p:cxnSp>
+        <p:nvCxnSpPr>
+          <p:cNvPr id="163" name="Shape 248"/>
+          <p:cNvCxnSpPr>
+            <a:stCxn id="196" idx="2"/>
+            <a:endCxn id="242" idx="0"/>
+          </p:cNvCxnSpPr>
+          <p:nvPr/>
+        </p:nvCxnSpPr>
+        <p:spPr>
+          <a:xfrm rot="16200000" flipH="1">
+            <a:off x="13857856" y="8963327"/>
+            <a:ext cx="333900" cy="2349696"/>
           </a:xfrm>
           <a:prstGeom prst="bentConnector3">
             <a:avLst>
@@ -9059,34 +9147,33 @@
             </a:avLst>
           </a:prstGeom>
           <a:ln w="28575">
-            <a:prstDash val="dash"/>
-            <a:tailEnd type="arrow"/>
-          </a:ln>
-        </p:spPr>
-        <p:style>
-          <a:lnRef idx="1">
-            <a:schemeClr val="accent1"/>
-          </a:lnRef>
-          <a:fillRef idx="0">
-            <a:schemeClr val="accent1"/>
-          </a:fillRef>
-          <a:effectRef idx="0">
-            <a:schemeClr val="accent1"/>
-          </a:effectRef>
-          <a:fontRef idx="minor">
-            <a:schemeClr val="tx1"/>
-          </a:fontRef>
-        </p:style>
-      </p:cxnSp>
-      <p:sp>
-        <p:nvSpPr>
-          <p:cNvPr id="242" name="Прямоугольник 241"/>
+            <a:tailEnd type="arrow"/>
+          </a:ln>
+        </p:spPr>
+        <p:style>
+          <a:lnRef idx="1">
+            <a:schemeClr val="accent1"/>
+          </a:lnRef>
+          <a:fillRef idx="0">
+            <a:schemeClr val="accent1"/>
+          </a:fillRef>
+          <a:effectRef idx="0">
+            <a:schemeClr val="accent1"/>
+          </a:effectRef>
+          <a:fontRef idx="minor">
+            <a:schemeClr val="tx1"/>
+          </a:fontRef>
+        </p:style>
+      </p:cxnSp>
+      <p:sp>
+        <p:nvSpPr>
+          <p:cNvPr id="164" name="Прямоугольник 163"/>
           <p:cNvSpPr/>
           <p:nvPr/>
         </p:nvSpPr>
         <p:spPr>
           <a:xfrm>
-            <a:off x="23721130" y="10305125"/>
+            <a:off x="12968906" y="11789052"/>
             <a:ext cx="2115918" cy="1080000"/>
           </a:xfrm>
           <a:prstGeom prst="rect">
@@ -9115,21 +9202,56 @@
             <a:pPr algn="ctr"/>
             <a:r>
               <a:rPr lang="ru-RU" sz="1400" dirty="0"/>
-              <a:t>Марш сохранения общественного спокойствия</a:t>
-            </a:r>
-            <a:endParaRPr lang="ru-RU" sz="200" dirty="0"/>
-          </a:p>
-        </p:txBody>
-      </p:sp>
-      <p:sp>
-        <p:nvSpPr>
-          <p:cNvPr id="161" name="Прямоугольник 160"/>
+              <a:t>Создание подразделений рейнджеров</a:t>
+            </a:r>
+          </a:p>
+        </p:txBody>
+      </p:sp>
+      <p:cxnSp>
+        <p:nvCxnSpPr>
+          <p:cNvPr id="165" name="Прямая со стрелкой 164"/>
+          <p:cNvCxnSpPr>
+            <a:stCxn id="161" idx="2"/>
+            <a:endCxn id="164" idx="0"/>
+          </p:cNvCxnSpPr>
+          <p:nvPr/>
+        </p:nvCxnSpPr>
+        <p:spPr>
+          <a:xfrm>
+            <a:off x="14026865" y="6901311"/>
+            <a:ext cx="0" cy="4887741"/>
+          </a:xfrm>
+          <a:prstGeom prst="straightConnector1">
+            <a:avLst/>
+          </a:prstGeom>
+          <a:ln w="28575">
+            <a:tailEnd type="arrow"/>
+          </a:ln>
+        </p:spPr>
+        <p:style>
+          <a:lnRef idx="1">
+            <a:schemeClr val="accent1"/>
+          </a:lnRef>
+          <a:fillRef idx="0">
+            <a:schemeClr val="accent1"/>
+          </a:fillRef>
+          <a:effectRef idx="0">
+            <a:schemeClr val="accent1"/>
+          </a:effectRef>
+          <a:fontRef idx="minor">
+            <a:schemeClr val="tx1"/>
+          </a:fontRef>
+        </p:style>
+      </p:cxnSp>
+      <p:sp>
+        <p:nvSpPr>
+          <p:cNvPr id="168" name="Прямоугольник 167"/>
           <p:cNvSpPr/>
           <p:nvPr/>
         </p:nvSpPr>
         <p:spPr>
           <a:xfrm>
-            <a:off x="22548341" y="5821311"/>
+            <a:off x="5801350" y="11778477"/>
             <a:ext cx="2115918" cy="1080000"/>
           </a:xfrm>
           <a:prstGeom prst="rect">
@@ -9158,25 +9280,24 @@
             <a:pPr algn="ctr"/>
             <a:r>
               <a:rPr lang="ru-RU" sz="1400" dirty="0"/>
-              <a:t>Специализированные подразделения бюро</a:t>
-            </a:r>
-            <a:endParaRPr lang="ru-RU" sz="600" dirty="0"/>
-          </a:p>
-        </p:txBody>
-      </p:sp>
-      <p:cxnSp>
-        <p:nvCxnSpPr>
-          <p:cNvPr id="163" name="Shape 248"/>
-          <p:cNvCxnSpPr>
-            <a:stCxn id="196" idx="2"/>
-            <a:endCxn id="242" idx="0"/>
+              <a:t>Батальон связи Королевских ВВС (1948)</a:t>
+            </a:r>
+          </a:p>
+        </p:txBody>
+      </p:sp>
+      <p:cxnSp>
+        <p:nvCxnSpPr>
+          <p:cNvPr id="169" name="Shape 248"/>
+          <p:cNvCxnSpPr>
+            <a:stCxn id="167" idx="2"/>
+            <a:endCxn id="168" idx="0"/>
           </p:cNvCxnSpPr>
           <p:nvPr/>
         </p:nvCxnSpPr>
         <p:spPr>
           <a:xfrm rot="16200000" flipH="1">
-            <a:off x="23437291" y="8963327"/>
-            <a:ext cx="333900" cy="2349696"/>
+            <a:off x="4906566" y="9825734"/>
+            <a:ext cx="385380" cy="3520105"/>
           </a:xfrm>
           <a:prstGeom prst="bentConnector3">
             <a:avLst>
@@ -9184,157 +9305,38 @@
             </a:avLst>
           </a:prstGeom>
           <a:ln w="28575">
-            <a:tailEnd type="arrow"/>
-          </a:ln>
-        </p:spPr>
-        <p:style>
-          <a:lnRef idx="1">
-            <a:schemeClr val="accent1"/>
-          </a:lnRef>
-          <a:fillRef idx="0">
-            <a:schemeClr val="accent1"/>
-          </a:fillRef>
-          <a:effectRef idx="0">
-            <a:schemeClr val="accent1"/>
-          </a:effectRef>
-          <a:fontRef idx="minor">
-            <a:schemeClr val="tx1"/>
-          </a:fontRef>
-        </p:style>
-      </p:cxnSp>
-      <p:sp>
-        <p:nvSpPr>
-          <p:cNvPr id="164" name="Прямоугольник 163"/>
-          <p:cNvSpPr/>
-          <p:nvPr/>
-        </p:nvSpPr>
-        <p:spPr>
-          <a:xfrm>
-            <a:off x="22548341" y="11789052"/>
-            <a:ext cx="2115918" cy="1080000"/>
-          </a:xfrm>
-          <a:prstGeom prst="rect">
-            <a:avLst/>
-          </a:prstGeom>
-          <a:ln w="28575"/>
-        </p:spPr>
-        <p:style>
-          <a:lnRef idx="2">
-            <a:schemeClr val="accent1"/>
-          </a:lnRef>
-          <a:fillRef idx="1">
-            <a:schemeClr val="lt1"/>
-          </a:fillRef>
-          <a:effectRef idx="0">
-            <a:schemeClr val="accent1"/>
-          </a:effectRef>
-          <a:fontRef idx="minor">
-            <a:schemeClr val="dk1"/>
-          </a:fontRef>
-        </p:style>
-        <p:txBody>
-          <a:bodyPr lIns="124733" tIns="62367" rIns="124733" bIns="62367" rtlCol="0" anchor="ctr"/>
-          <a:lstStyle/>
-          <a:p>
-            <a:pPr algn="ctr"/>
-            <a:r>
-              <a:rPr lang="ru-RU" sz="1400" dirty="0"/>
-              <a:t>Создание подразделений рейнджеров</a:t>
-            </a:r>
-          </a:p>
-        </p:txBody>
-      </p:sp>
-      <p:cxnSp>
-        <p:nvCxnSpPr>
-          <p:cNvPr id="165" name="Прямая со стрелкой 164"/>
-          <p:cNvCxnSpPr>
-            <a:stCxn id="161" idx="2"/>
-            <a:endCxn id="164" idx="0"/>
-          </p:cNvCxnSpPr>
-          <p:nvPr/>
-        </p:nvCxnSpPr>
-        <p:spPr>
-          <a:xfrm>
-            <a:off x="23606300" y="6901311"/>
-            <a:ext cx="0" cy="4887741"/>
-          </a:xfrm>
-          <a:prstGeom prst="straightConnector1">
-            <a:avLst/>
-          </a:prstGeom>
-          <a:ln w="28575">
-            <a:tailEnd type="arrow"/>
-          </a:ln>
-        </p:spPr>
-        <p:style>
-          <a:lnRef idx="1">
-            <a:schemeClr val="accent1"/>
-          </a:lnRef>
-          <a:fillRef idx="0">
-            <a:schemeClr val="accent1"/>
-          </a:fillRef>
-          <a:effectRef idx="0">
-            <a:schemeClr val="accent1"/>
-          </a:effectRef>
-          <a:fontRef idx="minor">
-            <a:schemeClr val="tx1"/>
-          </a:fontRef>
-        </p:style>
-      </p:cxnSp>
-      <p:sp>
-        <p:nvSpPr>
-          <p:cNvPr id="168" name="Прямоугольник 167"/>
-          <p:cNvSpPr/>
-          <p:nvPr/>
-        </p:nvSpPr>
-        <p:spPr>
-          <a:xfrm>
-            <a:off x="15380785" y="11778477"/>
-            <a:ext cx="2115918" cy="1080000"/>
-          </a:xfrm>
-          <a:prstGeom prst="rect">
-            <a:avLst/>
-          </a:prstGeom>
-          <a:ln w="28575"/>
-        </p:spPr>
-        <p:style>
-          <a:lnRef idx="2">
-            <a:schemeClr val="accent1"/>
-          </a:lnRef>
-          <a:fillRef idx="1">
-            <a:schemeClr val="lt1"/>
-          </a:fillRef>
-          <a:effectRef idx="0">
-            <a:schemeClr val="accent1"/>
-          </a:effectRef>
-          <a:fontRef idx="minor">
-            <a:schemeClr val="dk1"/>
-          </a:fontRef>
-        </p:style>
-        <p:txBody>
-          <a:bodyPr lIns="124733" tIns="62367" rIns="124733" bIns="62367" rtlCol="0" anchor="ctr"/>
-          <a:lstStyle/>
-          <a:p>
-            <a:pPr algn="ctr"/>
-            <a:r>
-              <a:rPr lang="ru-RU" sz="1400" dirty="0"/>
-              <a:t>Батальон связи Королевских ВВС (1948)</a:t>
-            </a:r>
-          </a:p>
-        </p:txBody>
-      </p:sp>
-      <p:cxnSp>
-        <p:nvCxnSpPr>
-          <p:cNvPr id="169" name="Shape 248"/>
-          <p:cNvCxnSpPr>
-            <a:stCxn id="167" idx="2"/>
+            <a:prstDash val="dash"/>
+            <a:tailEnd type="arrow"/>
+          </a:ln>
+        </p:spPr>
+        <p:style>
+          <a:lnRef idx="1">
+            <a:schemeClr val="accent1"/>
+          </a:lnRef>
+          <a:fillRef idx="0">
+            <a:schemeClr val="accent1"/>
+          </a:fillRef>
+          <a:effectRef idx="0">
+            <a:schemeClr val="accent1"/>
+          </a:effectRef>
+          <a:fontRef idx="minor">
+            <a:schemeClr val="tx1"/>
+          </a:fontRef>
+        </p:style>
+      </p:cxnSp>
+      <p:cxnSp>
+        <p:nvCxnSpPr>
+          <p:cNvPr id="170" name="Shape 248"/>
+          <p:cNvCxnSpPr>
+            <a:stCxn id="166" idx="2"/>
             <a:endCxn id="168" idx="0"/>
           </p:cNvCxnSpPr>
           <p:nvPr/>
         </p:nvCxnSpPr>
         <p:spPr>
           <a:xfrm rot="16200000" flipH="1">
-            <a:off x="14486001" y="9825734"/>
-            <a:ext cx="385380" cy="3520105"/>
+            <a:off x="6079998" y="10999166"/>
+            <a:ext cx="377430" cy="1181191"/>
           </a:xfrm>
           <a:prstGeom prst="bentConnector3">
             <a:avLst>
@@ -9363,17 +9365,17 @@
       </p:cxnSp>
       <p:cxnSp>
         <p:nvCxnSpPr>
-          <p:cNvPr id="170" name="Shape 248"/>
-          <p:cNvCxnSpPr>
-            <a:stCxn id="166" idx="2"/>
+          <p:cNvPr id="172" name="Shape 248"/>
+          <p:cNvCxnSpPr>
+            <a:stCxn id="160" idx="2"/>
             <a:endCxn id="168" idx="0"/>
           </p:cNvCxnSpPr>
           <p:nvPr/>
         </p:nvCxnSpPr>
         <p:spPr>
-          <a:xfrm rot="16200000" flipH="1">
-            <a:off x="15659433" y="10999166"/>
-            <a:ext cx="377430" cy="1181191"/>
+          <a:xfrm rot="5400000">
+            <a:off x="7258049" y="11002308"/>
+            <a:ext cx="377430" cy="1174909"/>
           </a:xfrm>
           <a:prstGeom prst="bentConnector3">
             <a:avLst>
@@ -9400,19 +9402,558 @@
           </a:fontRef>
         </p:style>
       </p:cxnSp>
-      <p:cxnSp>
-        <p:nvCxnSpPr>
-          <p:cNvPr id="172" name="Shape 248"/>
-          <p:cNvCxnSpPr>
-            <a:stCxn id="160" idx="2"/>
-            <a:endCxn id="168" idx="0"/>
+      <p:sp>
+        <p:nvSpPr>
+          <p:cNvPr id="173" name="Прямоугольник 172"/>
+          <p:cNvSpPr/>
+          <p:nvPr/>
+        </p:nvSpPr>
+        <p:spPr>
+          <a:xfrm>
+            <a:off x="12531107" y="389954"/>
+            <a:ext cx="2115918" cy="1080000"/>
+          </a:xfrm>
+          <a:prstGeom prst="rect">
+            <a:avLst/>
+          </a:prstGeom>
+          <a:ln w="28575"/>
+        </p:spPr>
+        <p:style>
+          <a:lnRef idx="2">
+            <a:schemeClr val="accent1"/>
+          </a:lnRef>
+          <a:fillRef idx="1">
+            <a:schemeClr val="lt1"/>
+          </a:fillRef>
+          <a:effectRef idx="0">
+            <a:schemeClr val="accent1"/>
+          </a:effectRef>
+          <a:fontRef idx="minor">
+            <a:schemeClr val="dk1"/>
+          </a:fontRef>
+        </p:style>
+        <p:txBody>
+          <a:bodyPr lIns="124733" tIns="62367" rIns="124733" bIns="62367" rtlCol="0" anchor="ctr"/>
+          <a:lstStyle/>
+          <a:p>
+            <a:pPr algn="ctr"/>
+            <a:r>
+              <a:rPr lang="ru-RU" sz="400" dirty="0"/>
+              <a:t>Футбольный клуб ВВС Она была создана в 1946 году во время , когда главный маршал авиации </a:t>
+            </a:r>
+            <a:r>
+              <a:rPr lang="ru-RU" sz="400" dirty="0" err="1"/>
+              <a:t>Луанг</a:t>
+            </a:r>
+            <a:r>
+              <a:rPr lang="ru-RU" sz="400" dirty="0"/>
+              <a:t> </a:t>
+            </a:r>
+            <a:r>
+              <a:rPr lang="ru-RU" sz="400" dirty="0" err="1"/>
+              <a:t>Thewarit</a:t>
+            </a:r>
+            <a:r>
+              <a:rPr lang="ru-RU" sz="400" dirty="0"/>
+              <a:t> </a:t>
+            </a:r>
+            <a:r>
+              <a:rPr lang="ru-RU" sz="400" dirty="0" err="1"/>
+              <a:t>Panluek</a:t>
+            </a:r>
+            <a:r>
+              <a:rPr lang="ru-RU" sz="400" dirty="0"/>
+              <a:t> был командиром главнокомандующий ВВС. Поддержка в той степени, в которой вы пришли контролировать обучение и контролировать себя, что сделало Клуб Королевских ВВС Таиланда огромным успехом. В то время были различные клубы, такие как команда </a:t>
+            </a:r>
+            <a:r>
+              <a:rPr lang="ru-RU" sz="400" dirty="0" err="1"/>
+              <a:t>Total</a:t>
+            </a:r>
+            <a:r>
+              <a:rPr lang="ru-RU" sz="400" dirty="0"/>
+              <a:t> </a:t>
+            </a:r>
+            <a:r>
+              <a:rPr lang="ru-RU" sz="400" dirty="0" err="1"/>
+              <a:t>Bank</a:t>
+            </a:r>
+            <a:r>
+              <a:rPr lang="ru-RU" sz="400" dirty="0"/>
+              <a:t>, мусульманская команда, свежая мужская команда, команды Департамента театра, которые играли в футбол. </a:t>
+            </a:r>
+            <a:r>
+              <a:rPr lang="ru-RU" sz="400" dirty="0" err="1"/>
+              <a:t>Royal</a:t>
+            </a:r>
+            <a:r>
+              <a:rPr lang="ru-RU" sz="400" dirty="0"/>
+              <a:t> </a:t>
+            </a:r>
+            <a:r>
+              <a:rPr lang="ru-RU" sz="400" dirty="0" err="1"/>
+              <a:t>Cup</a:t>
+            </a:r>
+            <a:r>
+              <a:rPr lang="ru-RU" sz="400" dirty="0"/>
+              <a:t> </a:t>
+            </a:r>
+            <a:r>
+              <a:rPr lang="ru-RU" sz="400" dirty="0" err="1"/>
+              <a:t>type</a:t>
+            </a:r>
+            <a:r>
+              <a:rPr lang="ru-RU" sz="400" dirty="0"/>
+              <a:t> A, но клуб смог выиграть чемпионат. </a:t>
+            </a:r>
+            <a:r>
+              <a:rPr lang="ru-RU" sz="400" dirty="0" err="1"/>
+              <a:t>Royal</a:t>
+            </a:r>
+            <a:r>
+              <a:rPr lang="ru-RU" sz="400" dirty="0"/>
+              <a:t> </a:t>
+            </a:r>
+            <a:r>
+              <a:rPr lang="ru-RU" sz="400" dirty="0" err="1"/>
+              <a:t>Cup</a:t>
+            </a:r>
+            <a:r>
+              <a:rPr lang="ru-RU" sz="400" dirty="0"/>
+              <a:t>, тип A, до 14 раз, и в этом количестве он выигрывался 7 раз подряд, что по-прежнему является рекордом, который до сих пор не удавалось побить ни одному клубу. и в том числе выиграть футбольный кубок на всех 4 уровнях, будучи первым клубом в </a:t>
+            </a:r>
+            <a:r>
+              <a:rPr lang="ru-RU" sz="400" dirty="0" err="1"/>
+              <a:t>странеВ</a:t>
+            </a:r>
+            <a:r>
+              <a:rPr lang="ru-RU" sz="400" dirty="0"/>
+              <a:t> следующую эпоху Королевский клуб ВВС Таиланда поддерживается Главный маршал авиации </a:t>
+            </a:r>
+            <a:r>
+              <a:rPr lang="ru-RU" sz="400" dirty="0" err="1"/>
+              <a:t>Бунчу</a:t>
+            </a:r>
+            <a:r>
+              <a:rPr lang="ru-RU" sz="400" dirty="0"/>
+              <a:t> </a:t>
+            </a:r>
+            <a:r>
+              <a:rPr lang="ru-RU" sz="400" dirty="0" err="1"/>
+              <a:t>Чантрубекса</a:t>
+            </a:r>
+            <a:r>
+              <a:rPr lang="ru-RU" sz="400" dirty="0"/>
+              <a:t>, в то время командующий Королевскими ВВС Таиланда, за это время клуб подтолкнул ключевых игроков, таких как </a:t>
+            </a:r>
+            <a:r>
+              <a:rPr lang="ru-RU" sz="400" dirty="0" err="1"/>
+              <a:t>Пияпонг</a:t>
+            </a:r>
+            <a:r>
+              <a:rPr lang="ru-RU" sz="400" dirty="0"/>
+              <a:t> </a:t>
+            </a:r>
+            <a:r>
+              <a:rPr lang="ru-RU" sz="400" dirty="0" err="1"/>
+              <a:t>Фуон</a:t>
+            </a:r>
+            <a:r>
+              <a:rPr lang="ru-RU" sz="400" dirty="0"/>
+              <a:t> , а также его товарищ по футболу </a:t>
+            </a:r>
+            <a:r>
+              <a:rPr lang="ru-RU" sz="400" dirty="0" err="1"/>
+              <a:t>Пайрой</a:t>
+            </a:r>
+            <a:r>
+              <a:rPr lang="ru-RU" sz="400" dirty="0"/>
+              <a:t> </a:t>
+            </a:r>
+            <a:r>
+              <a:rPr lang="ru-RU" sz="400" dirty="0" err="1"/>
+              <a:t>Фуангчан</a:t>
+            </a:r>
+            <a:r>
+              <a:rPr lang="ru-RU" sz="400" dirty="0"/>
+              <a:t> , </a:t>
+            </a:r>
+            <a:r>
+              <a:rPr lang="ru-RU" sz="400" dirty="0" err="1"/>
+              <a:t>Чонлатит</a:t>
+            </a:r>
+            <a:r>
+              <a:rPr lang="ru-RU" sz="400" dirty="0"/>
+              <a:t> </a:t>
+            </a:r>
+            <a:r>
+              <a:rPr lang="ru-RU" sz="400" dirty="0" err="1"/>
+              <a:t>Круттиенг</a:t>
+            </a:r>
+            <a:r>
+              <a:rPr lang="ru-RU" sz="400" dirty="0"/>
+              <a:t> , </a:t>
+            </a:r>
+            <a:r>
+              <a:rPr lang="ru-RU" sz="400" dirty="0" err="1"/>
+              <a:t>Пратип</a:t>
+            </a:r>
+            <a:r>
+              <a:rPr lang="ru-RU" sz="400" dirty="0"/>
+              <a:t> </a:t>
+            </a:r>
+            <a:r>
+              <a:rPr lang="ru-RU" sz="400" dirty="0" err="1"/>
+              <a:t>Панкао</a:t>
+            </a:r>
+            <a:r>
+              <a:rPr lang="ru-RU" sz="400" dirty="0"/>
+              <a:t> , </a:t>
+            </a:r>
+            <a:r>
+              <a:rPr lang="ru-RU" sz="400" dirty="0" err="1"/>
+              <a:t>Нарасак</a:t>
+            </a:r>
+            <a:r>
+              <a:rPr lang="ru-RU" sz="400" dirty="0"/>
+              <a:t> </a:t>
+            </a:r>
+            <a:r>
+              <a:rPr lang="ru-RU" sz="400" dirty="0" err="1"/>
+              <a:t>Бунклиенг</a:t>
+            </a:r>
+            <a:r>
+              <a:rPr lang="ru-RU" sz="400" dirty="0"/>
+              <a:t> , </a:t>
+            </a:r>
+            <a:r>
+              <a:rPr lang="ru-RU" sz="400" dirty="0" err="1"/>
+              <a:t>Чалор</a:t>
+            </a:r>
+            <a:r>
+              <a:rPr lang="ru-RU" sz="400" dirty="0"/>
+              <a:t> </a:t>
+            </a:r>
+            <a:r>
+              <a:rPr lang="ru-RU" sz="400" dirty="0" err="1"/>
+              <a:t>Хонгкаджон</a:t>
+            </a:r>
+            <a:r>
+              <a:rPr lang="ru-RU" sz="400" dirty="0"/>
+              <a:t> , </a:t>
+            </a:r>
+            <a:r>
+              <a:rPr lang="ru-RU" sz="400" dirty="0" err="1"/>
+              <a:t>Вирапонг</a:t>
+            </a:r>
+            <a:r>
+              <a:rPr lang="ru-RU" sz="400" dirty="0"/>
+              <a:t> </a:t>
+            </a:r>
+            <a:r>
+              <a:rPr lang="ru-RU" sz="400" dirty="0" err="1"/>
+              <a:t>Пенгли</a:t>
+            </a:r>
+            <a:r>
+              <a:rPr lang="ru-RU" sz="400" dirty="0"/>
+              <a:t> , </a:t>
+            </a:r>
+            <a:r>
+              <a:rPr lang="ru-RU" sz="400" dirty="0" err="1"/>
+              <a:t>Вичит</a:t>
+            </a:r>
+            <a:r>
+              <a:rPr lang="ru-RU" sz="400" dirty="0"/>
+              <a:t> </a:t>
+            </a:r>
+            <a:r>
+              <a:rPr lang="ru-RU" sz="400" dirty="0" err="1"/>
+              <a:t>Сечана</a:t>
+            </a:r>
+            <a:r>
+              <a:rPr lang="ru-RU" sz="400" dirty="0"/>
+              <a:t> и др.</a:t>
+            </a:r>
+          </a:p>
+        </p:txBody>
+      </p:sp>
+      <p:sp>
+        <p:nvSpPr>
+          <p:cNvPr id="175" name="Прямоугольник 174"/>
+          <p:cNvSpPr/>
+          <p:nvPr/>
+        </p:nvSpPr>
+        <p:spPr>
+          <a:xfrm>
+            <a:off x="15338154" y="7386187"/>
+            <a:ext cx="2115918" cy="1080000"/>
+          </a:xfrm>
+          <a:prstGeom prst="rect">
+            <a:avLst/>
+          </a:prstGeom>
+          <a:ln w="28575"/>
+        </p:spPr>
+        <p:style>
+          <a:lnRef idx="2">
+            <a:schemeClr val="accent1"/>
+          </a:lnRef>
+          <a:fillRef idx="1">
+            <a:schemeClr val="lt1"/>
+          </a:fillRef>
+          <a:effectRef idx="0">
+            <a:schemeClr val="accent1"/>
+          </a:effectRef>
+          <a:fontRef idx="minor">
+            <a:schemeClr val="dk1"/>
+          </a:fontRef>
+        </p:style>
+        <p:txBody>
+          <a:bodyPr lIns="124733" tIns="62367" rIns="124733" bIns="62367" rtlCol="0" anchor="ctr"/>
+          <a:lstStyle/>
+          <a:p>
+            <a:pPr algn="ctr"/>
+            <a:r>
+              <a:rPr lang="ru-RU" sz="1400" dirty="0"/>
+              <a:t>Британское вооружение</a:t>
+            </a:r>
+          </a:p>
+        </p:txBody>
+      </p:sp>
+      <p:sp>
+        <p:nvSpPr>
+          <p:cNvPr id="176" name="Прямоугольник 175"/>
+          <p:cNvSpPr/>
+          <p:nvPr/>
+        </p:nvSpPr>
+        <p:spPr>
+          <a:xfrm>
+            <a:off x="20076648" y="7386187"/>
+            <a:ext cx="2115918" cy="1080000"/>
+          </a:xfrm>
+          <a:prstGeom prst="rect">
+            <a:avLst/>
+          </a:prstGeom>
+          <a:ln w="28575"/>
+        </p:spPr>
+        <p:style>
+          <a:lnRef idx="2">
+            <a:schemeClr val="accent1"/>
+          </a:lnRef>
+          <a:fillRef idx="1">
+            <a:schemeClr val="lt1"/>
+          </a:fillRef>
+          <a:effectRef idx="0">
+            <a:schemeClr val="accent1"/>
+          </a:effectRef>
+          <a:fontRef idx="minor">
+            <a:schemeClr val="dk1"/>
+          </a:fontRef>
+        </p:style>
+        <p:txBody>
+          <a:bodyPr lIns="124733" tIns="62367" rIns="124733" bIns="62367" rtlCol="0" anchor="ctr"/>
+          <a:lstStyle/>
+          <a:p>
+            <a:pPr algn="ctr"/>
+            <a:r>
+              <a:rPr lang="ru-RU" sz="1400" dirty="0"/>
+              <a:t>Японское вооружение</a:t>
+            </a:r>
+          </a:p>
+        </p:txBody>
+      </p:sp>
+      <p:sp>
+        <p:nvSpPr>
+          <p:cNvPr id="178" name="Прямоугольник 177"/>
+          <p:cNvSpPr/>
+          <p:nvPr/>
+        </p:nvSpPr>
+        <p:spPr>
+          <a:xfrm>
+            <a:off x="17707401" y="7386187"/>
+            <a:ext cx="2115918" cy="1080000"/>
+          </a:xfrm>
+          <a:prstGeom prst="rect">
+            <a:avLst/>
+          </a:prstGeom>
+          <a:ln w="28575"/>
+        </p:spPr>
+        <p:style>
+          <a:lnRef idx="2">
+            <a:schemeClr val="accent1"/>
+          </a:lnRef>
+          <a:fillRef idx="1">
+            <a:schemeClr val="lt1"/>
+          </a:fillRef>
+          <a:effectRef idx="0">
+            <a:schemeClr val="accent1"/>
+          </a:effectRef>
+          <a:fontRef idx="minor">
+            <a:schemeClr val="dk1"/>
+          </a:fontRef>
+        </p:style>
+        <p:txBody>
+          <a:bodyPr lIns="124733" tIns="62367" rIns="124733" bIns="62367" rtlCol="0" anchor="ctr"/>
+          <a:lstStyle/>
+          <a:p>
+            <a:pPr algn="ctr"/>
+            <a:r>
+              <a:rPr lang="ru-RU" sz="1400" dirty="0"/>
+              <a:t>Разработка Сиамской винтовки </a:t>
+            </a:r>
+            <a:r>
+              <a:rPr lang="en-US" sz="1400" dirty="0"/>
+              <a:t>RS model 66</a:t>
+            </a:r>
+            <a:endParaRPr lang="ru-RU" sz="1400" dirty="0"/>
+          </a:p>
+        </p:txBody>
+      </p:sp>
+      <p:cxnSp>
+        <p:nvCxnSpPr>
+          <p:cNvPr id="179" name="Прямая соединительная линия 178"/>
+          <p:cNvCxnSpPr>
+            <a:stCxn id="175" idx="3"/>
+            <a:endCxn id="178" idx="1"/>
+          </p:cNvCxnSpPr>
+          <p:nvPr/>
+        </p:nvCxnSpPr>
+        <p:spPr>
+          <a:xfrm>
+            <a:off x="17454072" y="7926187"/>
+            <a:ext cx="253329" cy="0"/>
+          </a:xfrm>
+          <a:prstGeom prst="line">
+            <a:avLst/>
+          </a:prstGeom>
+          <a:ln w="38100">
+            <a:solidFill>
+              <a:srgbClr val="FF0000"/>
+            </a:solidFill>
+          </a:ln>
+        </p:spPr>
+        <p:style>
+          <a:lnRef idx="1">
+            <a:schemeClr val="accent2"/>
+          </a:lnRef>
+          <a:fillRef idx="0">
+            <a:schemeClr val="accent2"/>
+          </a:fillRef>
+          <a:effectRef idx="0">
+            <a:schemeClr val="accent2"/>
+          </a:effectRef>
+          <a:fontRef idx="minor">
+            <a:schemeClr val="tx1"/>
+          </a:fontRef>
+        </p:style>
+      </p:cxnSp>
+      <p:cxnSp>
+        <p:nvCxnSpPr>
+          <p:cNvPr id="182" name="Прямая соединительная линия 181"/>
+          <p:cNvCxnSpPr>
+            <a:stCxn id="178" idx="3"/>
+            <a:endCxn id="176" idx="1"/>
+          </p:cNvCxnSpPr>
+          <p:nvPr/>
+        </p:nvCxnSpPr>
+        <p:spPr>
+          <a:xfrm>
+            <a:off x="19823319" y="7926187"/>
+            <a:ext cx="253329" cy="0"/>
+          </a:xfrm>
+          <a:prstGeom prst="line">
+            <a:avLst/>
+          </a:prstGeom>
+          <a:ln w="38100">
+            <a:solidFill>
+              <a:srgbClr val="FF0000"/>
+            </a:solidFill>
+          </a:ln>
+        </p:spPr>
+        <p:style>
+          <a:lnRef idx="1">
+            <a:schemeClr val="accent2"/>
+          </a:lnRef>
+          <a:fillRef idx="0">
+            <a:schemeClr val="accent2"/>
+          </a:fillRef>
+          <a:effectRef idx="0">
+            <a:schemeClr val="accent2"/>
+          </a:effectRef>
+          <a:fontRef idx="minor">
+            <a:schemeClr val="tx1"/>
+          </a:fontRef>
+        </p:style>
+      </p:cxnSp>
+      <p:sp>
+        <p:nvSpPr>
+          <p:cNvPr id="185" name="Прямоугольник 184"/>
+          <p:cNvSpPr/>
+          <p:nvPr/>
+        </p:nvSpPr>
+        <p:spPr>
+          <a:xfrm>
+            <a:off x="14823608" y="361734"/>
+            <a:ext cx="2115918" cy="1080000"/>
+          </a:xfrm>
+          <a:prstGeom prst="rect">
+            <a:avLst/>
+          </a:prstGeom>
+          <a:ln w="28575"/>
+        </p:spPr>
+        <p:style>
+          <a:lnRef idx="2">
+            <a:schemeClr val="accent1"/>
+          </a:lnRef>
+          <a:fillRef idx="1">
+            <a:schemeClr val="lt1"/>
+          </a:fillRef>
+          <a:effectRef idx="0">
+            <a:schemeClr val="accent1"/>
+          </a:effectRef>
+          <a:fontRef idx="minor">
+            <a:schemeClr val="dk1"/>
+          </a:fontRef>
+        </p:style>
+        <p:txBody>
+          <a:bodyPr lIns="124733" tIns="62367" rIns="124733" bIns="62367" rtlCol="0" anchor="ctr"/>
+          <a:lstStyle/>
+          <a:p>
+            <a:pPr algn="ctr"/>
+            <a:r>
+              <a:rPr lang="ru-RU" sz="1400" dirty="0"/>
+              <a:t>Стартовые генералы (</a:t>
+            </a:r>
+            <a:r>
+              <a:rPr lang="th-TH" sz="1400" dirty="0"/>
+              <a:t>หลวงเกรียงศักดิ์พิชิต (พิชิต เกรียงศักดิ์พิชิต)</a:t>
+            </a:r>
+            <a:r>
+              <a:rPr lang="ru-RU" sz="1400" dirty="0"/>
+              <a:t>, </a:t>
+            </a:r>
+            <a:r>
+              <a:rPr lang="th-TH" sz="1400" dirty="0"/>
+              <a:t>ผิน ชุณหะวัณ</a:t>
+            </a:r>
+            <a:r>
+              <a:rPr lang="ru-RU" sz="1400" dirty="0"/>
+              <a:t>)</a:t>
+            </a:r>
+          </a:p>
+        </p:txBody>
+      </p:sp>
+      <p:cxnSp>
+        <p:nvCxnSpPr>
+          <p:cNvPr id="212" name="Shape 248"/>
+          <p:cNvCxnSpPr>
+            <a:stCxn id="192" idx="2"/>
+            <a:endCxn id="197" idx="0"/>
           </p:cNvCxnSpPr>
           <p:nvPr/>
         </p:nvCxnSpPr>
         <p:spPr>
           <a:xfrm rot="5400000">
-            <a:off x="16837484" y="11002308"/>
-            <a:ext cx="377430" cy="1174909"/>
+            <a:off x="12097054" y="5061515"/>
+            <a:ext cx="311480" cy="1194329"/>
           </a:xfrm>
           <a:prstGeom prst="bentConnector3">
             <a:avLst>
@@ -9420,34 +9961,71 @@
             </a:avLst>
           </a:prstGeom>
           <a:ln w="28575">
-            <a:prstDash val="dash"/>
-            <a:tailEnd type="arrow"/>
-          </a:ln>
-        </p:spPr>
-        <p:style>
-          <a:lnRef idx="1">
-            <a:schemeClr val="accent1"/>
-          </a:lnRef>
-          <a:fillRef idx="0">
-            <a:schemeClr val="accent1"/>
-          </a:fillRef>
-          <a:effectRef idx="0">
-            <a:schemeClr val="accent1"/>
-          </a:effectRef>
-          <a:fontRef idx="minor">
-            <a:schemeClr val="tx1"/>
-          </a:fontRef>
-        </p:style>
-      </p:cxnSp>
-      <p:sp>
-        <p:nvSpPr>
-          <p:cNvPr id="173" name="Прямоугольник 172"/>
+            <a:tailEnd type="arrow"/>
+          </a:ln>
+        </p:spPr>
+        <p:style>
+          <a:lnRef idx="1">
+            <a:schemeClr val="accent1"/>
+          </a:lnRef>
+          <a:fillRef idx="0">
+            <a:schemeClr val="accent1"/>
+          </a:fillRef>
+          <a:effectRef idx="0">
+            <a:schemeClr val="accent1"/>
+          </a:effectRef>
+          <a:fontRef idx="minor">
+            <a:schemeClr val="tx1"/>
+          </a:fontRef>
+        </p:style>
+      </p:cxnSp>
+      <p:cxnSp>
+        <p:nvCxnSpPr>
+          <p:cNvPr id="217" name="Shape 248"/>
+          <p:cNvCxnSpPr>
+            <a:stCxn id="192" idx="2"/>
+            <a:endCxn id="161" idx="0"/>
+          </p:cNvCxnSpPr>
+          <p:nvPr/>
+        </p:nvCxnSpPr>
+        <p:spPr>
+          <a:xfrm rot="16200000" flipH="1">
+            <a:off x="13279225" y="5073671"/>
+            <a:ext cx="318372" cy="1176907"/>
+          </a:xfrm>
+          <a:prstGeom prst="bentConnector3">
+            <a:avLst>
+              <a:gd name="adj1" fmla="val 50000"/>
+            </a:avLst>
+          </a:prstGeom>
+          <a:ln w="28575">
+            <a:tailEnd type="arrow"/>
+          </a:ln>
+        </p:spPr>
+        <p:style>
+          <a:lnRef idx="1">
+            <a:schemeClr val="accent1"/>
+          </a:lnRef>
+          <a:fillRef idx="0">
+            <a:schemeClr val="accent1"/>
+          </a:fillRef>
+          <a:effectRef idx="0">
+            <a:schemeClr val="accent1"/>
+          </a:effectRef>
+          <a:fontRef idx="minor">
+            <a:schemeClr val="tx1"/>
+          </a:fontRef>
+        </p:style>
+      </p:cxnSp>
+      <p:sp>
+        <p:nvSpPr>
+          <p:cNvPr id="218" name="Прямоугольник 217"/>
           <p:cNvSpPr/>
           <p:nvPr/>
         </p:nvSpPr>
         <p:spPr>
           <a:xfrm>
-            <a:off x="12531107" y="389954"/>
+            <a:off x="15340142" y="5814418"/>
             <a:ext cx="2115918" cy="1080000"/>
           </a:xfrm>
           <a:prstGeom prst="rect">
@@ -9475,253 +10053,21 @@
           <a:p>
             <a:pPr algn="ctr"/>
             <a:r>
-              <a:rPr lang="ru-RU" sz="400" dirty="0"/>
-              <a:t>Футбольный клуб ВВС Она была создана в 1946 году во время , когда главный маршал авиации </a:t>
-            </a:r>
-            <a:r>
-              <a:rPr lang="ru-RU" sz="400" dirty="0" err="1"/>
-              <a:t>Луанг</a:t>
-            </a:r>
-            <a:r>
-              <a:rPr lang="ru-RU" sz="400" dirty="0"/>
-              <a:t> </a:t>
-            </a:r>
-            <a:r>
-              <a:rPr lang="ru-RU" sz="400" dirty="0" err="1"/>
-              <a:t>Thewarit</a:t>
-            </a:r>
-            <a:r>
-              <a:rPr lang="ru-RU" sz="400" dirty="0"/>
-              <a:t> </a:t>
-            </a:r>
-            <a:r>
-              <a:rPr lang="ru-RU" sz="400" dirty="0" err="1"/>
-              <a:t>Panluek</a:t>
-            </a:r>
-            <a:r>
-              <a:rPr lang="ru-RU" sz="400" dirty="0"/>
-              <a:t> был командиром главнокомандующий ВВС. Поддержка в той степени, в которой вы пришли контролировать обучение и контролировать себя, что сделало Клуб Королевских ВВС Таиланда огромным успехом. В то время были различные клубы, такие как команда </a:t>
-            </a:r>
-            <a:r>
-              <a:rPr lang="ru-RU" sz="400" dirty="0" err="1"/>
-              <a:t>Total</a:t>
-            </a:r>
-            <a:r>
-              <a:rPr lang="ru-RU" sz="400" dirty="0"/>
-              <a:t> </a:t>
-            </a:r>
-            <a:r>
-              <a:rPr lang="ru-RU" sz="400" dirty="0" err="1"/>
-              <a:t>Bank</a:t>
-            </a:r>
-            <a:r>
-              <a:rPr lang="ru-RU" sz="400" dirty="0"/>
-              <a:t>, мусульманская команда, свежая мужская команда, команды Департамента театра, которые играли в футбол. </a:t>
-            </a:r>
-            <a:r>
-              <a:rPr lang="ru-RU" sz="400" dirty="0" err="1"/>
-              <a:t>Royal</a:t>
-            </a:r>
-            <a:r>
-              <a:rPr lang="ru-RU" sz="400" dirty="0"/>
-              <a:t> </a:t>
-            </a:r>
-            <a:r>
-              <a:rPr lang="ru-RU" sz="400" dirty="0" err="1"/>
-              <a:t>Cup</a:t>
-            </a:r>
-            <a:r>
-              <a:rPr lang="ru-RU" sz="400" dirty="0"/>
-              <a:t> </a:t>
-            </a:r>
-            <a:r>
-              <a:rPr lang="ru-RU" sz="400" dirty="0" err="1"/>
-              <a:t>type</a:t>
-            </a:r>
-            <a:r>
-              <a:rPr lang="ru-RU" sz="400" dirty="0"/>
-              <a:t> A, но клуб смог выиграть чемпионат. </a:t>
-            </a:r>
-            <a:r>
-              <a:rPr lang="ru-RU" sz="400" dirty="0" err="1"/>
-              <a:t>Royal</a:t>
-            </a:r>
-            <a:r>
-              <a:rPr lang="ru-RU" sz="400" dirty="0"/>
-              <a:t> </a:t>
-            </a:r>
-            <a:r>
-              <a:rPr lang="ru-RU" sz="400" dirty="0" err="1"/>
-              <a:t>Cup</a:t>
-            </a:r>
-            <a:r>
-              <a:rPr lang="ru-RU" sz="400" dirty="0"/>
-              <a:t>, тип A, до 14 раз, и в этом количестве он выигрывался 7 раз подряд, что по-прежнему является рекордом, который до сих пор не удавалось побить ни одному клубу. и в том числе выиграть футбольный кубок на всех 4 уровнях, будучи первым клубом в </a:t>
-            </a:r>
-            <a:r>
-              <a:rPr lang="ru-RU" sz="400" dirty="0" err="1"/>
-              <a:t>странеВ</a:t>
-            </a:r>
-            <a:r>
-              <a:rPr lang="ru-RU" sz="400" dirty="0"/>
-              <a:t> следующую эпоху Королевский клуб ВВС Таиланда поддерживается Главный маршал авиации </a:t>
-            </a:r>
-            <a:r>
-              <a:rPr lang="ru-RU" sz="400" dirty="0" err="1"/>
-              <a:t>Бунчу</a:t>
-            </a:r>
-            <a:r>
-              <a:rPr lang="ru-RU" sz="400" dirty="0"/>
-              <a:t> </a:t>
-            </a:r>
-            <a:r>
-              <a:rPr lang="ru-RU" sz="400" dirty="0" err="1"/>
-              <a:t>Чантрубекса</a:t>
-            </a:r>
-            <a:r>
-              <a:rPr lang="ru-RU" sz="400" dirty="0"/>
-              <a:t>, в то время командующий Королевскими ВВС Таиланда, за это время клуб подтолкнул ключевых игроков, таких как </a:t>
-            </a:r>
-            <a:r>
-              <a:rPr lang="ru-RU" sz="400" dirty="0" err="1"/>
-              <a:t>Пияпонг</a:t>
-            </a:r>
-            <a:r>
-              <a:rPr lang="ru-RU" sz="400" dirty="0"/>
-              <a:t> </a:t>
-            </a:r>
-            <a:r>
-              <a:rPr lang="ru-RU" sz="400" dirty="0" err="1"/>
-              <a:t>Фуон</a:t>
-            </a:r>
-            <a:r>
-              <a:rPr lang="ru-RU" sz="400" dirty="0"/>
-              <a:t> , а также его товарищ по футболу </a:t>
-            </a:r>
-            <a:r>
-              <a:rPr lang="ru-RU" sz="400" dirty="0" err="1"/>
-              <a:t>Пайрой</a:t>
-            </a:r>
-            <a:r>
-              <a:rPr lang="ru-RU" sz="400" dirty="0"/>
-              <a:t> </a:t>
-            </a:r>
-            <a:r>
-              <a:rPr lang="ru-RU" sz="400" dirty="0" err="1"/>
-              <a:t>Фуангчан</a:t>
-            </a:r>
-            <a:r>
-              <a:rPr lang="ru-RU" sz="400" dirty="0"/>
-              <a:t> , </a:t>
-            </a:r>
-            <a:r>
-              <a:rPr lang="ru-RU" sz="400" dirty="0" err="1"/>
-              <a:t>Чонлатит</a:t>
-            </a:r>
-            <a:r>
-              <a:rPr lang="ru-RU" sz="400" dirty="0"/>
-              <a:t> </a:t>
-            </a:r>
-            <a:r>
-              <a:rPr lang="ru-RU" sz="400" dirty="0" err="1"/>
-              <a:t>Круттиенг</a:t>
-            </a:r>
-            <a:r>
-              <a:rPr lang="ru-RU" sz="400" dirty="0"/>
-              <a:t> , </a:t>
-            </a:r>
-            <a:r>
-              <a:rPr lang="ru-RU" sz="400" dirty="0" err="1"/>
-              <a:t>Пратип</a:t>
-            </a:r>
-            <a:r>
-              <a:rPr lang="ru-RU" sz="400" dirty="0"/>
-              <a:t> </a:t>
-            </a:r>
-            <a:r>
-              <a:rPr lang="ru-RU" sz="400" dirty="0" err="1"/>
-              <a:t>Панкао</a:t>
-            </a:r>
-            <a:r>
-              <a:rPr lang="ru-RU" sz="400" dirty="0"/>
-              <a:t> , </a:t>
-            </a:r>
-            <a:r>
-              <a:rPr lang="ru-RU" sz="400" dirty="0" err="1"/>
-              <a:t>Нарасак</a:t>
-            </a:r>
-            <a:r>
-              <a:rPr lang="ru-RU" sz="400" dirty="0"/>
-              <a:t> </a:t>
-            </a:r>
-            <a:r>
-              <a:rPr lang="ru-RU" sz="400" dirty="0" err="1"/>
-              <a:t>Бунклиенг</a:t>
-            </a:r>
-            <a:r>
-              <a:rPr lang="ru-RU" sz="400" dirty="0"/>
-              <a:t> , </a:t>
-            </a:r>
-            <a:r>
-              <a:rPr lang="ru-RU" sz="400" dirty="0" err="1"/>
-              <a:t>Чалор</a:t>
-            </a:r>
-            <a:r>
-              <a:rPr lang="ru-RU" sz="400" dirty="0"/>
-              <a:t> </a:t>
-            </a:r>
-            <a:r>
-              <a:rPr lang="ru-RU" sz="400" dirty="0" err="1"/>
-              <a:t>Хонгкаджон</a:t>
-            </a:r>
-            <a:r>
-              <a:rPr lang="ru-RU" sz="400" dirty="0"/>
-              <a:t> , </a:t>
-            </a:r>
-            <a:r>
-              <a:rPr lang="ru-RU" sz="400" dirty="0" err="1"/>
-              <a:t>Вирапонг</a:t>
-            </a:r>
-            <a:r>
-              <a:rPr lang="ru-RU" sz="400" dirty="0"/>
-              <a:t> </a:t>
-            </a:r>
-            <a:r>
-              <a:rPr lang="ru-RU" sz="400" dirty="0" err="1"/>
-              <a:t>Пенгли</a:t>
-            </a:r>
-            <a:r>
-              <a:rPr lang="ru-RU" sz="400" dirty="0"/>
-              <a:t> , </a:t>
-            </a:r>
-            <a:r>
-              <a:rPr lang="ru-RU" sz="400" dirty="0" err="1"/>
-              <a:t>Вичит</a:t>
-            </a:r>
-            <a:r>
-              <a:rPr lang="ru-RU" sz="400" dirty="0"/>
-              <a:t> </a:t>
-            </a:r>
-            <a:r>
-              <a:rPr lang="ru-RU" sz="400" dirty="0" err="1"/>
-              <a:t>Сечана</a:t>
-            </a:r>
-            <a:r>
-              <a:rPr lang="ru-RU" sz="400" dirty="0"/>
-              <a:t> и др.</a:t>
-            </a:r>
-          </a:p>
-        </p:txBody>
-      </p:sp>
-      <p:sp>
-        <p:nvSpPr>
-          <p:cNvPr id="175" name="Прямоугольник 174"/>
+              <a:rPr lang="ru-RU" sz="1400" dirty="0"/>
+              <a:t>Методы дальней разведки</a:t>
+            </a:r>
+          </a:p>
+        </p:txBody>
+      </p:sp>
+      <p:sp>
+        <p:nvSpPr>
+          <p:cNvPr id="219" name="Прямоугольник 218"/>
           <p:cNvSpPr/>
           <p:nvPr/>
         </p:nvSpPr>
         <p:spPr>
           <a:xfrm>
-            <a:off x="24917589" y="7386187"/>
+            <a:off x="17711378" y="5821311"/>
             <a:ext cx="2115918" cy="1080000"/>
           </a:xfrm>
           <a:prstGeom prst="rect">
@@ -9750,20 +10096,20 @@
             <a:pPr algn="ctr"/>
             <a:r>
               <a:rPr lang="ru-RU" sz="1400" dirty="0"/>
-              <a:t>Британское вооружение</a:t>
-            </a:r>
-          </a:p>
-        </p:txBody>
-      </p:sp>
-      <p:sp>
-        <p:nvSpPr>
-          <p:cNvPr id="176" name="Прямоугольник 175"/>
+              <a:t>Использование британской техники</a:t>
+            </a:r>
+          </a:p>
+        </p:txBody>
+      </p:sp>
+      <p:sp>
+        <p:nvSpPr>
+          <p:cNvPr id="221" name="Прямоугольник 220"/>
           <p:cNvSpPr/>
           <p:nvPr/>
         </p:nvSpPr>
         <p:spPr>
           <a:xfrm>
-            <a:off x="29656083" y="7386187"/>
+            <a:off x="20073213" y="5821311"/>
             <a:ext cx="2115918" cy="1080000"/>
           </a:xfrm>
           <a:prstGeom prst="rect">
@@ -9792,71 +10138,24 @@
             <a:pPr algn="ctr"/>
             <a:r>
               <a:rPr lang="ru-RU" sz="1400" dirty="0"/>
-              <a:t>Японское вооружение</a:t>
-            </a:r>
-          </a:p>
-        </p:txBody>
-      </p:sp>
-      <p:sp>
-        <p:nvSpPr>
-          <p:cNvPr id="178" name="Прямоугольник 177"/>
-          <p:cNvSpPr/>
-          <p:nvPr/>
-        </p:nvSpPr>
-        <p:spPr>
-          <a:xfrm>
-            <a:off x="27286836" y="7386187"/>
-            <a:ext cx="2115918" cy="1080000"/>
-          </a:xfrm>
-          <a:prstGeom prst="rect">
-            <a:avLst/>
-          </a:prstGeom>
-          <a:ln w="28575"/>
-        </p:spPr>
-        <p:style>
-          <a:lnRef idx="2">
-            <a:schemeClr val="accent1"/>
-          </a:lnRef>
-          <a:fillRef idx="1">
-            <a:schemeClr val="lt1"/>
-          </a:fillRef>
-          <a:effectRef idx="0">
-            <a:schemeClr val="accent1"/>
-          </a:effectRef>
-          <a:fontRef idx="minor">
-            <a:schemeClr val="dk1"/>
-          </a:fontRef>
-        </p:style>
-        <p:txBody>
-          <a:bodyPr lIns="124733" tIns="62367" rIns="124733" bIns="62367" rtlCol="0" anchor="ctr"/>
-          <a:lstStyle/>
-          <a:p>
-            <a:pPr algn="ctr"/>
-            <a:r>
-              <a:rPr lang="ru-RU" sz="1400" dirty="0"/>
-              <a:t>Разработка Сиамской винтовки </a:t>
-            </a:r>
-            <a:r>
-              <a:rPr lang="en-US" sz="1400" dirty="0"/>
-              <a:t>RS model 66</a:t>
-            </a:r>
-            <a:endParaRPr lang="ru-RU" sz="1400" dirty="0"/>
-          </a:p>
-        </p:txBody>
-      </p:sp>
-      <p:cxnSp>
-        <p:nvCxnSpPr>
-          <p:cNvPr id="179" name="Прямая соединительная линия 178"/>
-          <p:cNvCxnSpPr>
-            <a:stCxn id="175" idx="3"/>
-            <a:endCxn id="178" idx="1"/>
-          </p:cNvCxnSpPr>
-          <p:nvPr/>
-        </p:nvCxnSpPr>
-        <p:spPr>
-          <a:xfrm>
-            <a:off x="27033507" y="7926187"/>
-            <a:ext cx="253329" cy="0"/>
+              <a:t>Использование германской техники</a:t>
+            </a:r>
+          </a:p>
+        </p:txBody>
+      </p:sp>
+      <p:cxnSp>
+        <p:nvCxnSpPr>
+          <p:cNvPr id="222" name="Прямая соединительная линия 221"/>
+          <p:cNvCxnSpPr>
+            <a:stCxn id="219" idx="3"/>
+            <a:endCxn id="221" idx="1"/>
+          </p:cNvCxnSpPr>
+          <p:nvPr/>
+        </p:nvCxnSpPr>
+        <p:spPr>
+          <a:xfrm>
+            <a:off x="19827296" y="6361311"/>
+            <a:ext cx="245917" cy="0"/>
           </a:xfrm>
           <a:prstGeom prst="line">
             <a:avLst/>
@@ -9882,53 +10181,15 @@
           </a:fontRef>
         </p:style>
       </p:cxnSp>
-      <p:cxnSp>
-        <p:nvCxnSpPr>
-          <p:cNvPr id="182" name="Прямая соединительная линия 181"/>
-          <p:cNvCxnSpPr>
-            <a:stCxn id="178" idx="3"/>
-            <a:endCxn id="176" idx="1"/>
-          </p:cNvCxnSpPr>
-          <p:nvPr/>
-        </p:nvCxnSpPr>
-        <p:spPr>
-          <a:xfrm>
-            <a:off x="29402754" y="7926187"/>
-            <a:ext cx="253329" cy="0"/>
-          </a:xfrm>
-          <a:prstGeom prst="line">
-            <a:avLst/>
-          </a:prstGeom>
-          <a:ln w="38100">
-            <a:solidFill>
-              <a:srgbClr val="FF0000"/>
-            </a:solidFill>
-          </a:ln>
-        </p:spPr>
-        <p:style>
-          <a:lnRef idx="1">
-            <a:schemeClr val="accent2"/>
-          </a:lnRef>
-          <a:fillRef idx="0">
-            <a:schemeClr val="accent2"/>
-          </a:fillRef>
-          <a:effectRef idx="0">
-            <a:schemeClr val="accent2"/>
-          </a:effectRef>
-          <a:fontRef idx="minor">
-            <a:schemeClr val="tx1"/>
-          </a:fontRef>
-        </p:style>
-      </p:cxnSp>
-      <p:sp>
-        <p:nvSpPr>
-          <p:cNvPr id="185" name="Прямоугольник 184"/>
+      <p:sp>
+        <p:nvSpPr>
+          <p:cNvPr id="224" name="Прямоугольник 223"/>
           <p:cNvSpPr/>
           <p:nvPr/>
         </p:nvSpPr>
         <p:spPr>
           <a:xfrm>
-            <a:off x="14823608" y="361734"/>
+            <a:off x="18882045" y="4422939"/>
             <a:ext cx="2115918" cy="1080000"/>
           </a:xfrm>
           <a:prstGeom prst="rect">
@@ -9957,40 +10218,150 @@
             <a:pPr algn="ctr"/>
             <a:r>
               <a:rPr lang="ru-RU" sz="1400" dirty="0"/>
-              <a:t>Стартовые генералы (</a:t>
-            </a:r>
-            <a:r>
-              <a:rPr lang="th-TH" sz="1400" dirty="0"/>
-              <a:t>หลวงเกรียงศักดิ์พิชิต (พิชิต เกรียงศักดิ์พิชิต)</a:t>
-            </a:r>
+              <a:t>Увеличить инвестиции в Армию</a:t>
+            </a:r>
+          </a:p>
+        </p:txBody>
+      </p:sp>
+      <p:sp>
+        <p:nvSpPr>
+          <p:cNvPr id="225" name="Прямоугольник 224"/>
+          <p:cNvSpPr/>
+          <p:nvPr/>
+        </p:nvSpPr>
+        <p:spPr>
+          <a:xfrm>
+            <a:off x="22396948" y="5821311"/>
+            <a:ext cx="2115918" cy="1080000"/>
+          </a:xfrm>
+          <a:prstGeom prst="rect">
+            <a:avLst/>
+          </a:prstGeom>
+          <a:ln w="28575"/>
+        </p:spPr>
+        <p:style>
+          <a:lnRef idx="2">
+            <a:schemeClr val="accent1"/>
+          </a:lnRef>
+          <a:fillRef idx="1">
+            <a:schemeClr val="lt1"/>
+          </a:fillRef>
+          <a:effectRef idx="0">
+            <a:schemeClr val="accent1"/>
+          </a:effectRef>
+          <a:fontRef idx="minor">
+            <a:schemeClr val="dk1"/>
+          </a:fontRef>
+        </p:style>
+        <p:txBody>
+          <a:bodyPr lIns="124733" tIns="62367" rIns="124733" bIns="62367" rtlCol="0" anchor="ctr"/>
+          <a:lstStyle/>
+          <a:p>
+            <a:pPr algn="ctr"/>
             <a:r>
               <a:rPr lang="ru-RU" sz="1400" dirty="0"/>
-              <a:t>, </a:t>
-            </a:r>
-            <a:r>
-              <a:rPr lang="th-TH" sz="1400" dirty="0"/>
-              <a:t>ผิน ชุณหะวัณ</a:t>
-            </a:r>
+              <a:t>Королевская военная академия </a:t>
+            </a:r>
+            <a:r>
+              <a:rPr lang="ru-RU" sz="1400" dirty="0" err="1"/>
+              <a:t>Чулачомклао</a:t>
+            </a:r>
+            <a:endParaRPr lang="ru-RU" sz="1400" dirty="0"/>
+          </a:p>
+        </p:txBody>
+      </p:sp>
+      <p:sp>
+        <p:nvSpPr>
+          <p:cNvPr id="228" name="Прямоугольник 227"/>
+          <p:cNvSpPr/>
+          <p:nvPr/>
+        </p:nvSpPr>
+        <p:spPr>
+          <a:xfrm>
+            <a:off x="22396948" y="10305124"/>
+            <a:ext cx="2115918" cy="1080000"/>
+          </a:xfrm>
+          <a:prstGeom prst="rect">
+            <a:avLst/>
+          </a:prstGeom>
+          <a:ln w="28575"/>
+        </p:spPr>
+        <p:style>
+          <a:lnRef idx="2">
+            <a:schemeClr val="accent1"/>
+          </a:lnRef>
+          <a:fillRef idx="1">
+            <a:schemeClr val="lt1"/>
+          </a:fillRef>
+          <a:effectRef idx="0">
+            <a:schemeClr val="accent1"/>
+          </a:effectRef>
+          <a:fontRef idx="minor">
+            <a:schemeClr val="dk1"/>
+          </a:fontRef>
+        </p:style>
+        <p:txBody>
+          <a:bodyPr lIns="124733" tIns="62367" rIns="124733" bIns="62367" rtlCol="0" anchor="ctr"/>
+          <a:lstStyle/>
+          <a:p>
+            <a:pPr algn="ctr"/>
             <a:r>
               <a:rPr lang="ru-RU" sz="1400" dirty="0"/>
-              <a:t>)</a:t>
-            </a:r>
-          </a:p>
-        </p:txBody>
-      </p:sp>
-      <p:cxnSp>
-        <p:nvCxnSpPr>
-          <p:cNvPr id="212" name="Shape 248"/>
-          <p:cNvCxnSpPr>
-            <a:stCxn id="192" idx="2"/>
-            <a:endCxn id="197" idx="0"/>
+              <a:t>Усовершенствование учебной программы (1946)</a:t>
+            </a:r>
+            <a:endParaRPr lang="ru-RU" sz="700" dirty="0"/>
+          </a:p>
+        </p:txBody>
+      </p:sp>
+      <p:cxnSp>
+        <p:nvCxnSpPr>
+          <p:cNvPr id="229" name="Прямая со стрелкой 228"/>
+          <p:cNvCxnSpPr>
+            <a:stCxn id="225" idx="2"/>
+            <a:endCxn id="593" idx="0"/>
+          </p:cNvCxnSpPr>
+          <p:nvPr/>
+        </p:nvCxnSpPr>
+        <p:spPr>
+          <a:xfrm flipH="1">
+            <a:off x="23451560" y="6901311"/>
+            <a:ext cx="3347" cy="467306"/>
+          </a:xfrm>
+          <a:prstGeom prst="straightConnector1">
+            <a:avLst/>
+          </a:prstGeom>
+          <a:ln w="28575">
+            <a:tailEnd type="arrow"/>
+          </a:ln>
+        </p:spPr>
+        <p:style>
+          <a:lnRef idx="1">
+            <a:schemeClr val="accent1"/>
+          </a:lnRef>
+          <a:fillRef idx="0">
+            <a:schemeClr val="accent1"/>
+          </a:fillRef>
+          <a:effectRef idx="0">
+            <a:schemeClr val="accent1"/>
+          </a:effectRef>
+          <a:fontRef idx="minor">
+            <a:schemeClr val="tx1"/>
+          </a:fontRef>
+        </p:style>
+      </p:cxnSp>
+      <p:cxnSp>
+        <p:nvCxnSpPr>
+          <p:cNvPr id="230" name="Shape 248"/>
+          <p:cNvCxnSpPr>
+            <a:stCxn id="224" idx="2"/>
+            <a:endCxn id="218" idx="0"/>
           </p:cNvCxnSpPr>
           <p:nvPr/>
         </p:nvCxnSpPr>
         <p:spPr>
           <a:xfrm rot="5400000">
-            <a:off x="21676489" y="5061515"/>
-            <a:ext cx="311480" cy="1194329"/>
+            <a:off x="18013314" y="3887727"/>
+            <a:ext cx="311479" cy="3541903"/>
           </a:xfrm>
           <a:prstGeom prst="bentConnector3">
             <a:avLst>
@@ -10018,17 +10389,17 @@
       </p:cxnSp>
       <p:cxnSp>
         <p:nvCxnSpPr>
-          <p:cNvPr id="217" name="Shape 248"/>
-          <p:cNvCxnSpPr>
-            <a:stCxn id="192" idx="2"/>
-            <a:endCxn id="161" idx="0"/>
+          <p:cNvPr id="232" name="Shape 248"/>
+          <p:cNvCxnSpPr>
+            <a:stCxn id="224" idx="2"/>
+            <a:endCxn id="225" idx="0"/>
           </p:cNvCxnSpPr>
           <p:nvPr/>
         </p:nvCxnSpPr>
         <p:spPr>
           <a:xfrm rot="16200000" flipH="1">
-            <a:off x="22858660" y="5073671"/>
-            <a:ext cx="318372" cy="1176907"/>
+            <a:off x="21538269" y="3904673"/>
+            <a:ext cx="318372" cy="3514903"/>
           </a:xfrm>
           <a:prstGeom prst="bentConnector3">
             <a:avLst>
@@ -10054,351 +10425,19 @@
           </a:fontRef>
         </p:style>
       </p:cxnSp>
-      <p:sp>
-        <p:nvSpPr>
-          <p:cNvPr id="218" name="Прямоугольник 217"/>
-          <p:cNvSpPr/>
-          <p:nvPr/>
-        </p:nvSpPr>
-        <p:spPr>
-          <a:xfrm>
-            <a:off x="24919577" y="5814418"/>
-            <a:ext cx="2115918" cy="1080000"/>
-          </a:xfrm>
-          <a:prstGeom prst="rect">
-            <a:avLst/>
-          </a:prstGeom>
-          <a:ln w="28575"/>
-        </p:spPr>
-        <p:style>
-          <a:lnRef idx="2">
-            <a:schemeClr val="accent1"/>
-          </a:lnRef>
-          <a:fillRef idx="1">
-            <a:schemeClr val="lt1"/>
-          </a:fillRef>
-          <a:effectRef idx="0">
-            <a:schemeClr val="accent1"/>
-          </a:effectRef>
-          <a:fontRef idx="minor">
-            <a:schemeClr val="dk1"/>
-          </a:fontRef>
-        </p:style>
-        <p:txBody>
-          <a:bodyPr lIns="124733" tIns="62367" rIns="124733" bIns="62367" rtlCol="0" anchor="ctr"/>
-          <a:lstStyle/>
-          <a:p>
-            <a:pPr algn="ctr"/>
-            <a:r>
-              <a:rPr lang="ru-RU" sz="1400" dirty="0"/>
-              <a:t>Методы дальней разведки</a:t>
-            </a:r>
-          </a:p>
-        </p:txBody>
-      </p:sp>
-      <p:sp>
-        <p:nvSpPr>
-          <p:cNvPr id="219" name="Прямоугольник 218"/>
-          <p:cNvSpPr/>
-          <p:nvPr/>
-        </p:nvSpPr>
-        <p:spPr>
-          <a:xfrm>
-            <a:off x="27290813" y="5821311"/>
-            <a:ext cx="2115918" cy="1080000"/>
-          </a:xfrm>
-          <a:prstGeom prst="rect">
-            <a:avLst/>
-          </a:prstGeom>
-          <a:ln w="28575"/>
-        </p:spPr>
-        <p:style>
-          <a:lnRef idx="2">
-            <a:schemeClr val="accent1"/>
-          </a:lnRef>
-          <a:fillRef idx="1">
-            <a:schemeClr val="lt1"/>
-          </a:fillRef>
-          <a:effectRef idx="0">
-            <a:schemeClr val="accent1"/>
-          </a:effectRef>
-          <a:fontRef idx="minor">
-            <a:schemeClr val="dk1"/>
-          </a:fontRef>
-        </p:style>
-        <p:txBody>
-          <a:bodyPr lIns="124733" tIns="62367" rIns="124733" bIns="62367" rtlCol="0" anchor="ctr"/>
-          <a:lstStyle/>
-          <a:p>
-            <a:pPr algn="ctr"/>
-            <a:r>
-              <a:rPr lang="ru-RU" sz="1400" dirty="0"/>
-              <a:t>Использование британской техники</a:t>
-            </a:r>
-          </a:p>
-        </p:txBody>
-      </p:sp>
-      <p:sp>
-        <p:nvSpPr>
-          <p:cNvPr id="221" name="Прямоугольник 220"/>
-          <p:cNvSpPr/>
-          <p:nvPr/>
-        </p:nvSpPr>
-        <p:spPr>
-          <a:xfrm>
-            <a:off x="29652648" y="5821311"/>
-            <a:ext cx="2115918" cy="1080000"/>
-          </a:xfrm>
-          <a:prstGeom prst="rect">
-            <a:avLst/>
-          </a:prstGeom>
-          <a:ln w="28575"/>
-        </p:spPr>
-        <p:style>
-          <a:lnRef idx="2">
-            <a:schemeClr val="accent1"/>
-          </a:lnRef>
-          <a:fillRef idx="1">
-            <a:schemeClr val="lt1"/>
-          </a:fillRef>
-          <a:effectRef idx="0">
-            <a:schemeClr val="accent1"/>
-          </a:effectRef>
-          <a:fontRef idx="minor">
-            <a:schemeClr val="dk1"/>
-          </a:fontRef>
-        </p:style>
-        <p:txBody>
-          <a:bodyPr lIns="124733" tIns="62367" rIns="124733" bIns="62367" rtlCol="0" anchor="ctr"/>
-          <a:lstStyle/>
-          <a:p>
-            <a:pPr algn="ctr"/>
-            <a:r>
-              <a:rPr lang="ru-RU" sz="1400" dirty="0"/>
-              <a:t>Использование германской техники</a:t>
-            </a:r>
-          </a:p>
-        </p:txBody>
-      </p:sp>
-      <p:cxnSp>
-        <p:nvCxnSpPr>
-          <p:cNvPr id="222" name="Прямая соединительная линия 221"/>
-          <p:cNvCxnSpPr>
-            <a:stCxn id="219" idx="3"/>
-            <a:endCxn id="221" idx="1"/>
-          </p:cNvCxnSpPr>
-          <p:nvPr/>
-        </p:nvCxnSpPr>
-        <p:spPr>
-          <a:xfrm>
-            <a:off x="29406731" y="6361311"/>
-            <a:ext cx="245917" cy="0"/>
-          </a:xfrm>
-          <a:prstGeom prst="line">
-            <a:avLst/>
-          </a:prstGeom>
-          <a:ln w="38100">
-            <a:solidFill>
-              <a:srgbClr val="FF0000"/>
-            </a:solidFill>
-          </a:ln>
-        </p:spPr>
-        <p:style>
-          <a:lnRef idx="1">
-            <a:schemeClr val="accent2"/>
-          </a:lnRef>
-          <a:fillRef idx="0">
-            <a:schemeClr val="accent2"/>
-          </a:fillRef>
-          <a:effectRef idx="0">
-            <a:schemeClr val="accent2"/>
-          </a:effectRef>
-          <a:fontRef idx="minor">
-            <a:schemeClr val="tx1"/>
-          </a:fontRef>
-        </p:style>
-      </p:cxnSp>
-      <p:sp>
-        <p:nvSpPr>
-          <p:cNvPr id="224" name="Прямоугольник 223"/>
-          <p:cNvSpPr/>
-          <p:nvPr/>
-        </p:nvSpPr>
-        <p:spPr>
-          <a:xfrm>
-            <a:off x="28461480" y="4422939"/>
-            <a:ext cx="2115918" cy="1080000"/>
-          </a:xfrm>
-          <a:prstGeom prst="rect">
-            <a:avLst/>
-          </a:prstGeom>
-          <a:ln w="28575"/>
-        </p:spPr>
-        <p:style>
-          <a:lnRef idx="2">
-            <a:schemeClr val="accent1"/>
-          </a:lnRef>
-          <a:fillRef idx="1">
-            <a:schemeClr val="lt1"/>
-          </a:fillRef>
-          <a:effectRef idx="0">
-            <a:schemeClr val="accent1"/>
-          </a:effectRef>
-          <a:fontRef idx="minor">
-            <a:schemeClr val="dk1"/>
-          </a:fontRef>
-        </p:style>
-        <p:txBody>
-          <a:bodyPr lIns="124733" tIns="62367" rIns="124733" bIns="62367" rtlCol="0" anchor="ctr"/>
-          <a:lstStyle/>
-          <a:p>
-            <a:pPr algn="ctr"/>
-            <a:r>
-              <a:rPr lang="ru-RU" sz="1400" dirty="0"/>
-              <a:t>Увеличить инвестиции в Армию</a:t>
-            </a:r>
-          </a:p>
-        </p:txBody>
-      </p:sp>
-      <p:sp>
-        <p:nvSpPr>
-          <p:cNvPr id="225" name="Прямоугольник 224"/>
-          <p:cNvSpPr/>
-          <p:nvPr/>
-        </p:nvSpPr>
-        <p:spPr>
-          <a:xfrm>
-            <a:off x="31976383" y="5821311"/>
-            <a:ext cx="2115918" cy="1080000"/>
-          </a:xfrm>
-          <a:prstGeom prst="rect">
-            <a:avLst/>
-          </a:prstGeom>
-          <a:ln w="28575"/>
-        </p:spPr>
-        <p:style>
-          <a:lnRef idx="2">
-            <a:schemeClr val="accent1"/>
-          </a:lnRef>
-          <a:fillRef idx="1">
-            <a:schemeClr val="lt1"/>
-          </a:fillRef>
-          <a:effectRef idx="0">
-            <a:schemeClr val="accent1"/>
-          </a:effectRef>
-          <a:fontRef idx="minor">
-            <a:schemeClr val="dk1"/>
-          </a:fontRef>
-        </p:style>
-        <p:txBody>
-          <a:bodyPr lIns="124733" tIns="62367" rIns="124733" bIns="62367" rtlCol="0" anchor="ctr"/>
-          <a:lstStyle/>
-          <a:p>
-            <a:pPr algn="ctr"/>
-            <a:r>
-              <a:rPr lang="ru-RU" sz="1400" dirty="0"/>
-              <a:t>Королевская военная академия </a:t>
-            </a:r>
-            <a:r>
-              <a:rPr lang="ru-RU" sz="1400" dirty="0" err="1"/>
-              <a:t>Чулачомклао</a:t>
-            </a:r>
-            <a:endParaRPr lang="ru-RU" sz="1400" dirty="0"/>
-          </a:p>
-        </p:txBody>
-      </p:sp>
-      <p:sp>
-        <p:nvSpPr>
-          <p:cNvPr id="228" name="Прямоугольник 227"/>
-          <p:cNvSpPr/>
-          <p:nvPr/>
-        </p:nvSpPr>
-        <p:spPr>
-          <a:xfrm>
-            <a:off x="31976383" y="10305124"/>
-            <a:ext cx="2115918" cy="1080000"/>
-          </a:xfrm>
-          <a:prstGeom prst="rect">
-            <a:avLst/>
-          </a:prstGeom>
-          <a:ln w="28575"/>
-        </p:spPr>
-        <p:style>
-          <a:lnRef idx="2">
-            <a:schemeClr val="accent1"/>
-          </a:lnRef>
-          <a:fillRef idx="1">
-            <a:schemeClr val="lt1"/>
-          </a:fillRef>
-          <a:effectRef idx="0">
-            <a:schemeClr val="accent1"/>
-          </a:effectRef>
-          <a:fontRef idx="minor">
-            <a:schemeClr val="dk1"/>
-          </a:fontRef>
-        </p:style>
-        <p:txBody>
-          <a:bodyPr lIns="124733" tIns="62367" rIns="124733" bIns="62367" rtlCol="0" anchor="ctr"/>
-          <a:lstStyle/>
-          <a:p>
-            <a:pPr algn="ctr"/>
-            <a:r>
-              <a:rPr lang="ru-RU" sz="1400" dirty="0"/>
-              <a:t>Усовершенствование учебной программы (1946)</a:t>
-            </a:r>
-            <a:endParaRPr lang="ru-RU" sz="700" dirty="0"/>
-          </a:p>
-        </p:txBody>
-      </p:sp>
-      <p:cxnSp>
-        <p:nvCxnSpPr>
-          <p:cNvPr id="229" name="Прямая со стрелкой 228"/>
-          <p:cNvCxnSpPr>
-            <a:stCxn id="225" idx="2"/>
-            <a:endCxn id="593" idx="0"/>
-          </p:cNvCxnSpPr>
-          <p:nvPr/>
-        </p:nvCxnSpPr>
-        <p:spPr>
-          <a:xfrm flipH="1">
-            <a:off x="33030995" y="6901311"/>
-            <a:ext cx="3347" cy="467306"/>
-          </a:xfrm>
-          <a:prstGeom prst="straightConnector1">
-            <a:avLst/>
-          </a:prstGeom>
-          <a:ln w="28575">
-            <a:tailEnd type="arrow"/>
-          </a:ln>
-        </p:spPr>
-        <p:style>
-          <a:lnRef idx="1">
-            <a:schemeClr val="accent1"/>
-          </a:lnRef>
-          <a:fillRef idx="0">
-            <a:schemeClr val="accent1"/>
-          </a:fillRef>
-          <a:effectRef idx="0">
-            <a:schemeClr val="accent1"/>
-          </a:effectRef>
-          <a:fontRef idx="minor">
-            <a:schemeClr val="tx1"/>
-          </a:fontRef>
-        </p:style>
-      </p:cxnSp>
-      <p:cxnSp>
-        <p:nvCxnSpPr>
-          <p:cNvPr id="230" name="Shape 248"/>
+      <p:cxnSp>
+        <p:nvCxnSpPr>
+          <p:cNvPr id="241" name="Shape 248"/>
           <p:cNvCxnSpPr>
             <a:stCxn id="224" idx="2"/>
-            <a:endCxn id="218" idx="0"/>
+            <a:endCxn id="219" idx="0"/>
           </p:cNvCxnSpPr>
           <p:nvPr/>
         </p:nvCxnSpPr>
         <p:spPr>
           <a:xfrm rot="5400000">
-            <a:off x="27592749" y="3887727"/>
-            <a:ext cx="311479" cy="3541903"/>
+            <a:off x="19195485" y="5076792"/>
+            <a:ext cx="318372" cy="1170667"/>
           </a:xfrm>
           <a:prstGeom prst="bentConnector3">
             <a:avLst>
@@ -10426,17 +10465,17 @@
       </p:cxnSp>
       <p:cxnSp>
         <p:nvCxnSpPr>
-          <p:cNvPr id="232" name="Shape 248"/>
+          <p:cNvPr id="243" name="Shape 248"/>
           <p:cNvCxnSpPr>
             <a:stCxn id="224" idx="2"/>
-            <a:endCxn id="225" idx="0"/>
+            <a:endCxn id="221" idx="0"/>
           </p:cNvCxnSpPr>
           <p:nvPr/>
         </p:nvCxnSpPr>
         <p:spPr>
           <a:xfrm rot="16200000" flipH="1">
-            <a:off x="31117704" y="3904673"/>
-            <a:ext cx="318372" cy="3514903"/>
+            <a:off x="20376402" y="5066541"/>
+            <a:ext cx="318372" cy="1191168"/>
           </a:xfrm>
           <a:prstGeom prst="bentConnector3">
             <a:avLst>
@@ -10464,17 +10503,17 @@
       </p:cxnSp>
       <p:cxnSp>
         <p:nvCxnSpPr>
-          <p:cNvPr id="241" name="Shape 248"/>
-          <p:cNvCxnSpPr>
-            <a:stCxn id="224" idx="2"/>
-            <a:endCxn id="219" idx="0"/>
+          <p:cNvPr id="246" name="Shape 248"/>
+          <p:cNvCxnSpPr>
+            <a:stCxn id="219" idx="2"/>
+            <a:endCxn id="175" idx="0"/>
           </p:cNvCxnSpPr>
           <p:nvPr/>
         </p:nvCxnSpPr>
         <p:spPr>
           <a:xfrm rot="5400000">
-            <a:off x="28774920" y="5076792"/>
-            <a:ext cx="318372" cy="1170667"/>
+            <a:off x="17340287" y="5957137"/>
+            <a:ext cx="484876" cy="2373224"/>
           </a:xfrm>
           <a:prstGeom prst="bentConnector3">
             <a:avLst>
@@ -10482,37 +10521,38 @@
             </a:avLst>
           </a:prstGeom>
           <a:ln w="28575">
-            <a:tailEnd type="arrow"/>
-          </a:ln>
-        </p:spPr>
-        <p:style>
-          <a:lnRef idx="1">
-            <a:schemeClr val="accent1"/>
-          </a:lnRef>
-          <a:fillRef idx="0">
-            <a:schemeClr val="accent1"/>
-          </a:fillRef>
-          <a:effectRef idx="0">
-            <a:schemeClr val="accent1"/>
-          </a:effectRef>
-          <a:fontRef idx="minor">
-            <a:schemeClr val="tx1"/>
-          </a:fontRef>
-        </p:style>
-      </p:cxnSp>
-      <p:cxnSp>
-        <p:nvCxnSpPr>
-          <p:cNvPr id="243" name="Shape 248"/>
-          <p:cNvCxnSpPr>
-            <a:stCxn id="224" idx="2"/>
-            <a:endCxn id="221" idx="0"/>
+            <a:prstDash val="dash"/>
+            <a:tailEnd type="arrow"/>
+          </a:ln>
+        </p:spPr>
+        <p:style>
+          <a:lnRef idx="1">
+            <a:schemeClr val="accent1"/>
+          </a:lnRef>
+          <a:fillRef idx="0">
+            <a:schemeClr val="accent1"/>
+          </a:fillRef>
+          <a:effectRef idx="0">
+            <a:schemeClr val="accent1"/>
+          </a:effectRef>
+          <a:fontRef idx="minor">
+            <a:schemeClr val="tx1"/>
+          </a:fontRef>
+        </p:style>
+      </p:cxnSp>
+      <p:cxnSp>
+        <p:nvCxnSpPr>
+          <p:cNvPr id="248" name="Shape 248"/>
+          <p:cNvCxnSpPr>
+            <a:stCxn id="219" idx="2"/>
+            <a:endCxn id="176" idx="0"/>
           </p:cNvCxnSpPr>
           <p:nvPr/>
         </p:nvCxnSpPr>
         <p:spPr>
           <a:xfrm rot="16200000" flipH="1">
-            <a:off x="29955837" y="5066541"/>
-            <a:ext cx="318372" cy="1191168"/>
+            <a:off x="19709534" y="5961114"/>
+            <a:ext cx="484876" cy="2365270"/>
           </a:xfrm>
           <a:prstGeom prst="bentConnector3">
             <a:avLst>
@@ -10520,37 +10560,38 @@
             </a:avLst>
           </a:prstGeom>
           <a:ln w="28575">
-            <a:tailEnd type="arrow"/>
-          </a:ln>
-        </p:spPr>
-        <p:style>
-          <a:lnRef idx="1">
-            <a:schemeClr val="accent1"/>
-          </a:lnRef>
-          <a:fillRef idx="0">
-            <a:schemeClr val="accent1"/>
-          </a:fillRef>
-          <a:effectRef idx="0">
-            <a:schemeClr val="accent1"/>
-          </a:effectRef>
-          <a:fontRef idx="minor">
-            <a:schemeClr val="tx1"/>
-          </a:fontRef>
-        </p:style>
-      </p:cxnSp>
-      <p:cxnSp>
-        <p:nvCxnSpPr>
-          <p:cNvPr id="246" name="Shape 248"/>
-          <p:cNvCxnSpPr>
-            <a:stCxn id="219" idx="2"/>
+            <a:prstDash val="dash"/>
+            <a:tailEnd type="arrow"/>
+          </a:ln>
+        </p:spPr>
+        <p:style>
+          <a:lnRef idx="1">
+            <a:schemeClr val="accent1"/>
+          </a:lnRef>
+          <a:fillRef idx="0">
+            <a:schemeClr val="accent1"/>
+          </a:fillRef>
+          <a:effectRef idx="0">
+            <a:schemeClr val="accent1"/>
+          </a:effectRef>
+          <a:fontRef idx="minor">
+            <a:schemeClr val="tx1"/>
+          </a:fontRef>
+        </p:style>
+      </p:cxnSp>
+      <p:cxnSp>
+        <p:nvCxnSpPr>
+          <p:cNvPr id="251" name="Shape 248"/>
+          <p:cNvCxnSpPr>
+            <a:stCxn id="221" idx="2"/>
             <a:endCxn id="175" idx="0"/>
           </p:cNvCxnSpPr>
           <p:nvPr/>
         </p:nvCxnSpPr>
         <p:spPr>
           <a:xfrm rot="5400000">
-            <a:off x="26919722" y="5957137"/>
-            <a:ext cx="484876" cy="2373224"/>
+            <a:off x="18521205" y="4776220"/>
+            <a:ext cx="484876" cy="4735059"/>
           </a:xfrm>
           <a:prstGeom prst="bentConnector3">
             <a:avLst>
@@ -10579,17 +10620,17 @@
       </p:cxnSp>
       <p:cxnSp>
         <p:nvCxnSpPr>
-          <p:cNvPr id="248" name="Shape 248"/>
-          <p:cNvCxnSpPr>
-            <a:stCxn id="219" idx="2"/>
-            <a:endCxn id="176" idx="0"/>
-          </p:cNvCxnSpPr>
-          <p:nvPr/>
-        </p:nvCxnSpPr>
-        <p:spPr>
-          <a:xfrm rot="16200000" flipH="1">
-            <a:off x="29288969" y="5961114"/>
-            <a:ext cx="484876" cy="2365270"/>
+          <p:cNvPr id="254" name="Shape 248"/>
+          <p:cNvCxnSpPr>
+            <a:stCxn id="221" idx="2"/>
+            <a:endCxn id="178" idx="0"/>
+          </p:cNvCxnSpPr>
+          <p:nvPr/>
+        </p:nvCxnSpPr>
+        <p:spPr>
+          <a:xfrm rot="5400000">
+            <a:off x="19705828" y="5960843"/>
+            <a:ext cx="484876" cy="2365812"/>
           </a:xfrm>
           <a:prstGeom prst="bentConnector3">
             <a:avLst>
@@ -10618,17 +10659,17 @@
       </p:cxnSp>
       <p:cxnSp>
         <p:nvCxnSpPr>
-          <p:cNvPr id="251" name="Shape 248"/>
-          <p:cNvCxnSpPr>
-            <a:stCxn id="221" idx="2"/>
-            <a:endCxn id="175" idx="0"/>
+          <p:cNvPr id="257" name="Shape 248"/>
+          <p:cNvCxnSpPr>
+            <a:stCxn id="219" idx="2"/>
+            <a:endCxn id="178" idx="0"/>
           </p:cNvCxnSpPr>
           <p:nvPr/>
         </p:nvCxnSpPr>
         <p:spPr>
           <a:xfrm rot="5400000">
-            <a:off x="28100640" y="4776220"/>
-            <a:ext cx="484876" cy="4735059"/>
+            <a:off x="18524911" y="7141761"/>
+            <a:ext cx="484876" cy="3977"/>
           </a:xfrm>
           <a:prstGeom prst="bentConnector3">
             <a:avLst>
@@ -10657,17 +10698,17 @@
       </p:cxnSp>
       <p:cxnSp>
         <p:nvCxnSpPr>
-          <p:cNvPr id="254" name="Shape 248"/>
+          <p:cNvPr id="260" name="Shape 248"/>
           <p:cNvCxnSpPr>
             <a:stCxn id="221" idx="2"/>
-            <a:endCxn id="178" idx="0"/>
-          </p:cNvCxnSpPr>
-          <p:nvPr/>
-        </p:nvCxnSpPr>
-        <p:spPr>
-          <a:xfrm rot="5400000">
-            <a:off x="29285263" y="5960843"/>
-            <a:ext cx="484876" cy="2365812"/>
+            <a:endCxn id="176" idx="0"/>
+          </p:cNvCxnSpPr>
+          <p:nvPr/>
+        </p:nvCxnSpPr>
+        <p:spPr>
+          <a:xfrm rot="16200000" flipH="1">
+            <a:off x="20890451" y="7142031"/>
+            <a:ext cx="484876" cy="3435"/>
           </a:xfrm>
           <a:prstGeom prst="bentConnector3">
             <a:avLst>
@@ -10696,17 +10737,17 @@
       </p:cxnSp>
       <p:cxnSp>
         <p:nvCxnSpPr>
-          <p:cNvPr id="257" name="Shape 248"/>
-          <p:cNvCxnSpPr>
-            <a:stCxn id="219" idx="2"/>
-            <a:endCxn id="178" idx="0"/>
-          </p:cNvCxnSpPr>
-          <p:nvPr/>
-        </p:nvCxnSpPr>
-        <p:spPr>
-          <a:xfrm rot="5400000">
-            <a:off x="28104346" y="7141761"/>
-            <a:ext cx="484876" cy="3977"/>
+          <p:cNvPr id="263" name="Shape 248"/>
+          <p:cNvCxnSpPr>
+            <a:stCxn id="175" idx="2"/>
+            <a:endCxn id="226" idx="0"/>
+          </p:cNvCxnSpPr>
+          <p:nvPr/>
+        </p:nvCxnSpPr>
+        <p:spPr>
+          <a:xfrm rot="16200000" flipH="1">
+            <a:off x="17954625" y="6907674"/>
+            <a:ext cx="425037" cy="3542061"/>
           </a:xfrm>
           <a:prstGeom prst="bentConnector3">
             <a:avLst>
@@ -10735,17 +10776,17 @@
       </p:cxnSp>
       <p:cxnSp>
         <p:nvCxnSpPr>
-          <p:cNvPr id="260" name="Shape 248"/>
-          <p:cNvCxnSpPr>
-            <a:stCxn id="221" idx="2"/>
-            <a:endCxn id="176" idx="0"/>
+          <p:cNvPr id="266" name="Shape 248"/>
+          <p:cNvCxnSpPr>
+            <a:stCxn id="178" idx="2"/>
+            <a:endCxn id="226" idx="0"/>
           </p:cNvCxnSpPr>
           <p:nvPr/>
         </p:nvCxnSpPr>
         <p:spPr>
           <a:xfrm rot="16200000" flipH="1">
-            <a:off x="30469886" y="7142031"/>
-            <a:ext cx="484876" cy="3435"/>
+            <a:off x="19139249" y="8092298"/>
+            <a:ext cx="425037" cy="1172814"/>
           </a:xfrm>
           <a:prstGeom prst="bentConnector3">
             <a:avLst>
@@ -10774,17 +10815,17 @@
       </p:cxnSp>
       <p:cxnSp>
         <p:nvCxnSpPr>
-          <p:cNvPr id="263" name="Shape 248"/>
-          <p:cNvCxnSpPr>
-            <a:stCxn id="175" idx="2"/>
+          <p:cNvPr id="269" name="Shape 248"/>
+          <p:cNvCxnSpPr>
+            <a:stCxn id="176" idx="2"/>
             <a:endCxn id="226" idx="0"/>
           </p:cNvCxnSpPr>
           <p:nvPr/>
         </p:nvCxnSpPr>
         <p:spPr>
-          <a:xfrm rot="16200000" flipH="1">
-            <a:off x="27534060" y="6907674"/>
-            <a:ext cx="425037" cy="3542061"/>
+          <a:xfrm rot="5400000">
+            <a:off x="20323873" y="8080489"/>
+            <a:ext cx="425037" cy="1196433"/>
           </a:xfrm>
           <a:prstGeom prst="bentConnector3">
             <a:avLst>
@@ -10813,17 +10854,17 @@
       </p:cxnSp>
       <p:cxnSp>
         <p:nvCxnSpPr>
-          <p:cNvPr id="266" name="Shape 248"/>
-          <p:cNvCxnSpPr>
-            <a:stCxn id="178" idx="2"/>
-            <a:endCxn id="226" idx="0"/>
+          <p:cNvPr id="272" name="Shape 248"/>
+          <p:cNvCxnSpPr>
+            <a:stCxn id="226" idx="2"/>
+            <a:endCxn id="228" idx="0"/>
           </p:cNvCxnSpPr>
           <p:nvPr/>
         </p:nvCxnSpPr>
         <p:spPr>
           <a:xfrm rot="16200000" flipH="1">
-            <a:off x="28718684" y="8092298"/>
-            <a:ext cx="425037" cy="1172814"/>
+            <a:off x="21529590" y="8379807"/>
+            <a:ext cx="333900" cy="3516733"/>
           </a:xfrm>
           <a:prstGeom prst="bentConnector3">
             <a:avLst>
@@ -10831,38 +10872,251 @@
             </a:avLst>
           </a:prstGeom>
           <a:ln w="28575">
-            <a:prstDash val="dash"/>
-            <a:tailEnd type="arrow"/>
-          </a:ln>
-        </p:spPr>
-        <p:style>
-          <a:lnRef idx="1">
-            <a:schemeClr val="accent1"/>
-          </a:lnRef>
-          <a:fillRef idx="0">
-            <a:schemeClr val="accent1"/>
-          </a:fillRef>
-          <a:effectRef idx="0">
-            <a:schemeClr val="accent1"/>
-          </a:effectRef>
-          <a:fontRef idx="minor">
-            <a:schemeClr val="tx1"/>
-          </a:fontRef>
-        </p:style>
-      </p:cxnSp>
-      <p:cxnSp>
-        <p:nvCxnSpPr>
-          <p:cNvPr id="269" name="Shape 248"/>
-          <p:cNvCxnSpPr>
-            <a:stCxn id="176" idx="2"/>
-            <a:endCxn id="226" idx="0"/>
-          </p:cNvCxnSpPr>
-          <p:nvPr/>
-        </p:nvCxnSpPr>
-        <p:spPr>
-          <a:xfrm rot="5400000">
-            <a:off x="29903308" y="8080489"/>
-            <a:ext cx="425037" cy="1196433"/>
+            <a:tailEnd type="arrow"/>
+          </a:ln>
+        </p:spPr>
+        <p:style>
+          <a:lnRef idx="1">
+            <a:schemeClr val="accent1"/>
+          </a:lnRef>
+          <a:fillRef idx="0">
+            <a:schemeClr val="accent1"/>
+          </a:fillRef>
+          <a:effectRef idx="0">
+            <a:schemeClr val="accent1"/>
+          </a:effectRef>
+          <a:fontRef idx="minor">
+            <a:schemeClr val="tx1"/>
+          </a:fontRef>
+        </p:style>
+      </p:cxnSp>
+      <p:sp>
+        <p:nvSpPr>
+          <p:cNvPr id="275" name="Прямоугольник 274"/>
+          <p:cNvSpPr/>
+          <p:nvPr/>
+        </p:nvSpPr>
+        <p:spPr>
+          <a:xfrm>
+            <a:off x="20076648" y="10305125"/>
+            <a:ext cx="2115918" cy="1080000"/>
+          </a:xfrm>
+          <a:prstGeom prst="rect">
+            <a:avLst/>
+          </a:prstGeom>
+          <a:ln w="28575"/>
+        </p:spPr>
+        <p:style>
+          <a:lnRef idx="2">
+            <a:schemeClr val="accent1"/>
+          </a:lnRef>
+          <a:fillRef idx="1">
+            <a:schemeClr val="lt1"/>
+          </a:fillRef>
+          <a:effectRef idx="0">
+            <a:schemeClr val="accent1"/>
+          </a:effectRef>
+          <a:fontRef idx="minor">
+            <a:schemeClr val="dk1"/>
+          </a:fontRef>
+        </p:style>
+        <p:txBody>
+          <a:bodyPr lIns="124733" tIns="62367" rIns="124733" bIns="62367" rtlCol="0" anchor="ctr"/>
+          <a:lstStyle/>
+          <a:p>
+            <a:pPr algn="ctr"/>
+            <a:r>
+              <a:rPr lang="ru-RU" sz="1400" dirty="0"/>
+              <a:t>Ремонтный и инженерный отдел</a:t>
+            </a:r>
+          </a:p>
+        </p:txBody>
+      </p:sp>
+      <p:sp>
+        <p:nvSpPr>
+          <p:cNvPr id="276" name="Прямоугольник 275"/>
+          <p:cNvSpPr/>
+          <p:nvPr/>
+        </p:nvSpPr>
+        <p:spPr>
+          <a:xfrm>
+            <a:off x="17703307" y="10306540"/>
+            <a:ext cx="2115918" cy="1080000"/>
+          </a:xfrm>
+          <a:prstGeom prst="rect">
+            <a:avLst/>
+          </a:prstGeom>
+          <a:ln w="28575"/>
+        </p:spPr>
+        <p:style>
+          <a:lnRef idx="2">
+            <a:schemeClr val="accent1"/>
+          </a:lnRef>
+          <a:fillRef idx="1">
+            <a:schemeClr val="lt1"/>
+          </a:fillRef>
+          <a:effectRef idx="0">
+            <a:schemeClr val="accent1"/>
+          </a:effectRef>
+          <a:fontRef idx="minor">
+            <a:schemeClr val="dk1"/>
+          </a:fontRef>
+        </p:style>
+        <p:txBody>
+          <a:bodyPr lIns="124733" tIns="62367" rIns="124733" bIns="62367" rtlCol="0" anchor="ctr"/>
+          <a:lstStyle/>
+          <a:p>
+            <a:pPr algn="ctr"/>
+            <a:r>
+              <a:rPr lang="ru-RU" sz="1400" dirty="0"/>
+              <a:t>Студенты территориальной обороны</a:t>
+            </a:r>
+            <a:endParaRPr lang="ru-RU" sz="600" dirty="0"/>
+          </a:p>
+        </p:txBody>
+      </p:sp>
+      <p:sp>
+        <p:nvSpPr>
+          <p:cNvPr id="277" name="Прямоугольник 276"/>
+          <p:cNvSpPr/>
+          <p:nvPr/>
+        </p:nvSpPr>
+        <p:spPr>
+          <a:xfrm>
+            <a:off x="18890307" y="13265468"/>
+            <a:ext cx="2115918" cy="1080000"/>
+          </a:xfrm>
+          <a:prstGeom prst="rect">
+            <a:avLst/>
+          </a:prstGeom>
+          <a:ln w="28575"/>
+        </p:spPr>
+        <p:style>
+          <a:lnRef idx="2">
+            <a:schemeClr val="accent1"/>
+          </a:lnRef>
+          <a:fillRef idx="1">
+            <a:schemeClr val="lt1"/>
+          </a:fillRef>
+          <a:effectRef idx="0">
+            <a:schemeClr val="accent1"/>
+          </a:effectRef>
+          <a:fontRef idx="minor">
+            <a:schemeClr val="dk1"/>
+          </a:fontRef>
+        </p:style>
+        <p:txBody>
+          <a:bodyPr lIns="124733" tIns="62367" rIns="124733" bIns="62367" rtlCol="0" anchor="ctr"/>
+          <a:lstStyle/>
+          <a:p>
+            <a:pPr algn="ctr"/>
+            <a:r>
+              <a:rPr lang="ru-RU" sz="1400" dirty="0"/>
+              <a:t>Командование территориальной обороны (1948)</a:t>
+            </a:r>
+            <a:endParaRPr lang="ru-RU" sz="500" dirty="0"/>
+          </a:p>
+        </p:txBody>
+      </p:sp>
+      <p:cxnSp>
+        <p:nvCxnSpPr>
+          <p:cNvPr id="278" name="Прямая со стрелкой 277"/>
+          <p:cNvCxnSpPr>
+            <a:stCxn id="226" idx="2"/>
+            <a:endCxn id="277" idx="0"/>
+          </p:cNvCxnSpPr>
+          <p:nvPr/>
+        </p:nvCxnSpPr>
+        <p:spPr>
+          <a:xfrm>
+            <a:off x="19938174" y="9971224"/>
+            <a:ext cx="10092" cy="3294244"/>
+          </a:xfrm>
+          <a:prstGeom prst="straightConnector1">
+            <a:avLst/>
+          </a:prstGeom>
+          <a:ln w="28575">
+            <a:tailEnd type="arrow"/>
+          </a:ln>
+        </p:spPr>
+        <p:style>
+          <a:lnRef idx="1">
+            <a:schemeClr val="accent1"/>
+          </a:lnRef>
+          <a:fillRef idx="0">
+            <a:schemeClr val="accent1"/>
+          </a:fillRef>
+          <a:effectRef idx="0">
+            <a:schemeClr val="accent1"/>
+          </a:effectRef>
+          <a:fontRef idx="minor">
+            <a:schemeClr val="tx1"/>
+          </a:fontRef>
+        </p:style>
+      </p:cxnSp>
+      <p:sp>
+        <p:nvSpPr>
+          <p:cNvPr id="189" name="Прямоугольник 188"/>
+          <p:cNvSpPr/>
+          <p:nvPr/>
+        </p:nvSpPr>
+        <p:spPr>
+          <a:xfrm>
+            <a:off x="21203215" y="8889936"/>
+            <a:ext cx="2115918" cy="1080000"/>
+          </a:xfrm>
+          <a:prstGeom prst="rect">
+            <a:avLst/>
+          </a:prstGeom>
+          <a:ln w="28575"/>
+        </p:spPr>
+        <p:style>
+          <a:lnRef idx="2">
+            <a:schemeClr val="accent1"/>
+          </a:lnRef>
+          <a:fillRef idx="1">
+            <a:schemeClr val="lt1"/>
+          </a:fillRef>
+          <a:effectRef idx="0">
+            <a:schemeClr val="accent1"/>
+          </a:effectRef>
+          <a:fontRef idx="minor">
+            <a:schemeClr val="dk1"/>
+          </a:fontRef>
+        </p:style>
+        <p:txBody>
+          <a:bodyPr lIns="124733" tIns="62367" rIns="124733" bIns="62367" rtlCol="0" anchor="ctr"/>
+          <a:lstStyle/>
+          <a:p>
+            <a:pPr algn="ctr"/>
+            <a:r>
+              <a:rPr lang="ru-RU" sz="1400" dirty="0"/>
+              <a:t>Пороховые заводы (</a:t>
+            </a:r>
+            <a:r>
+              <a:rPr lang="ru-RU" sz="1400" dirty="0" err="1"/>
+              <a:t>ист</a:t>
+            </a:r>
+            <a:r>
+              <a:rPr lang="ru-RU" sz="1400" dirty="0"/>
+              <a:t> 1940)</a:t>
+            </a:r>
+          </a:p>
+        </p:txBody>
+      </p:sp>
+      <p:cxnSp>
+        <p:nvCxnSpPr>
+          <p:cNvPr id="190" name="Shape 248"/>
+          <p:cNvCxnSpPr>
+            <a:stCxn id="175" idx="2"/>
+            <a:endCxn id="189" idx="0"/>
+          </p:cNvCxnSpPr>
+          <p:nvPr/>
+        </p:nvCxnSpPr>
+        <p:spPr>
+          <a:xfrm rot="16200000" flipH="1">
+            <a:off x="19116769" y="5745530"/>
+            <a:ext cx="423749" cy="5865061"/>
           </a:xfrm>
           <a:prstGeom prst="bentConnector3">
             <a:avLst>
@@ -10891,17 +11145,17 @@
       </p:cxnSp>
       <p:cxnSp>
         <p:nvCxnSpPr>
-          <p:cNvPr id="272" name="Shape 248"/>
-          <p:cNvCxnSpPr>
-            <a:stCxn id="226" idx="2"/>
-            <a:endCxn id="228" idx="0"/>
+          <p:cNvPr id="200" name="Shape 248"/>
+          <p:cNvCxnSpPr>
+            <a:stCxn id="178" idx="2"/>
+            <a:endCxn id="189" idx="0"/>
           </p:cNvCxnSpPr>
           <p:nvPr/>
         </p:nvCxnSpPr>
         <p:spPr>
           <a:xfrm rot="16200000" flipH="1">
-            <a:off x="31109025" y="8379807"/>
-            <a:ext cx="333900" cy="3516733"/>
+            <a:off x="20301393" y="6930154"/>
+            <a:ext cx="423749" cy="3495814"/>
           </a:xfrm>
           <a:prstGeom prst="bentConnector3">
             <a:avLst>
@@ -10909,251 +11163,38 @@
             </a:avLst>
           </a:prstGeom>
           <a:ln w="28575">
-            <a:tailEnd type="arrow"/>
-          </a:ln>
-        </p:spPr>
-        <p:style>
-          <a:lnRef idx="1">
-            <a:schemeClr val="accent1"/>
-          </a:lnRef>
-          <a:fillRef idx="0">
-            <a:schemeClr val="accent1"/>
-          </a:fillRef>
-          <a:effectRef idx="0">
-            <a:schemeClr val="accent1"/>
-          </a:effectRef>
-          <a:fontRef idx="minor">
-            <a:schemeClr val="tx1"/>
-          </a:fontRef>
-        </p:style>
-      </p:cxnSp>
-      <p:sp>
-        <p:nvSpPr>
-          <p:cNvPr id="275" name="Прямоугольник 274"/>
-          <p:cNvSpPr/>
-          <p:nvPr/>
-        </p:nvSpPr>
-        <p:spPr>
-          <a:xfrm>
-            <a:off x="29656083" y="10305125"/>
-            <a:ext cx="2115918" cy="1080000"/>
-          </a:xfrm>
-          <a:prstGeom prst="rect">
-            <a:avLst/>
-          </a:prstGeom>
-          <a:ln w="28575"/>
-        </p:spPr>
-        <p:style>
-          <a:lnRef idx="2">
-            <a:schemeClr val="accent1"/>
-          </a:lnRef>
-          <a:fillRef idx="1">
-            <a:schemeClr val="lt1"/>
-          </a:fillRef>
-          <a:effectRef idx="0">
-            <a:schemeClr val="accent1"/>
-          </a:effectRef>
-          <a:fontRef idx="minor">
-            <a:schemeClr val="dk1"/>
-          </a:fontRef>
-        </p:style>
-        <p:txBody>
-          <a:bodyPr lIns="124733" tIns="62367" rIns="124733" bIns="62367" rtlCol="0" anchor="ctr"/>
-          <a:lstStyle/>
-          <a:p>
-            <a:pPr algn="ctr"/>
-            <a:r>
-              <a:rPr lang="ru-RU" sz="1400" dirty="0"/>
-              <a:t>Ремонтный и инженерный отдел</a:t>
-            </a:r>
-          </a:p>
-        </p:txBody>
-      </p:sp>
-      <p:sp>
-        <p:nvSpPr>
-          <p:cNvPr id="276" name="Прямоугольник 275"/>
-          <p:cNvSpPr/>
-          <p:nvPr/>
-        </p:nvSpPr>
-        <p:spPr>
-          <a:xfrm>
-            <a:off x="27282742" y="10306540"/>
-            <a:ext cx="2115918" cy="1080000"/>
-          </a:xfrm>
-          <a:prstGeom prst="rect">
-            <a:avLst/>
-          </a:prstGeom>
-          <a:ln w="28575"/>
-        </p:spPr>
-        <p:style>
-          <a:lnRef idx="2">
-            <a:schemeClr val="accent1"/>
-          </a:lnRef>
-          <a:fillRef idx="1">
-            <a:schemeClr val="lt1"/>
-          </a:fillRef>
-          <a:effectRef idx="0">
-            <a:schemeClr val="accent1"/>
-          </a:effectRef>
-          <a:fontRef idx="minor">
-            <a:schemeClr val="dk1"/>
-          </a:fontRef>
-        </p:style>
-        <p:txBody>
-          <a:bodyPr lIns="124733" tIns="62367" rIns="124733" bIns="62367" rtlCol="0" anchor="ctr"/>
-          <a:lstStyle/>
-          <a:p>
-            <a:pPr algn="ctr"/>
-            <a:r>
-              <a:rPr lang="ru-RU" sz="1400" dirty="0"/>
-              <a:t>Студенты территориальной обороны</a:t>
-            </a:r>
-            <a:endParaRPr lang="ru-RU" sz="600" dirty="0"/>
-          </a:p>
-        </p:txBody>
-      </p:sp>
-      <p:sp>
-        <p:nvSpPr>
-          <p:cNvPr id="277" name="Прямоугольник 276"/>
-          <p:cNvSpPr/>
-          <p:nvPr/>
-        </p:nvSpPr>
-        <p:spPr>
-          <a:xfrm>
-            <a:off x="28469742" y="13265468"/>
-            <a:ext cx="2115918" cy="1080000"/>
-          </a:xfrm>
-          <a:prstGeom prst="rect">
-            <a:avLst/>
-          </a:prstGeom>
-          <a:ln w="28575"/>
-        </p:spPr>
-        <p:style>
-          <a:lnRef idx="2">
-            <a:schemeClr val="accent1"/>
-          </a:lnRef>
-          <a:fillRef idx="1">
-            <a:schemeClr val="lt1"/>
-          </a:fillRef>
-          <a:effectRef idx="0">
-            <a:schemeClr val="accent1"/>
-          </a:effectRef>
-          <a:fontRef idx="minor">
-            <a:schemeClr val="dk1"/>
-          </a:fontRef>
-        </p:style>
-        <p:txBody>
-          <a:bodyPr lIns="124733" tIns="62367" rIns="124733" bIns="62367" rtlCol="0" anchor="ctr"/>
-          <a:lstStyle/>
-          <a:p>
-            <a:pPr algn="ctr"/>
-            <a:r>
-              <a:rPr lang="ru-RU" sz="1400" dirty="0"/>
-              <a:t>Командование территориальной обороны (1948)</a:t>
-            </a:r>
-            <a:endParaRPr lang="ru-RU" sz="500" dirty="0"/>
-          </a:p>
-        </p:txBody>
-      </p:sp>
-      <p:cxnSp>
-        <p:nvCxnSpPr>
-          <p:cNvPr id="278" name="Прямая со стрелкой 277"/>
-          <p:cNvCxnSpPr>
-            <a:stCxn id="226" idx="2"/>
-            <a:endCxn id="277" idx="0"/>
-          </p:cNvCxnSpPr>
-          <p:nvPr/>
-        </p:nvCxnSpPr>
-        <p:spPr>
-          <a:xfrm>
-            <a:off x="29517609" y="9971224"/>
-            <a:ext cx="10092" cy="3294244"/>
-          </a:xfrm>
-          <a:prstGeom prst="straightConnector1">
-            <a:avLst/>
-          </a:prstGeom>
-          <a:ln w="28575">
-            <a:tailEnd type="arrow"/>
-          </a:ln>
-        </p:spPr>
-        <p:style>
-          <a:lnRef idx="1">
-            <a:schemeClr val="accent1"/>
-          </a:lnRef>
-          <a:fillRef idx="0">
-            <a:schemeClr val="accent1"/>
-          </a:fillRef>
-          <a:effectRef idx="0">
-            <a:schemeClr val="accent1"/>
-          </a:effectRef>
-          <a:fontRef idx="minor">
-            <a:schemeClr val="tx1"/>
-          </a:fontRef>
-        </p:style>
-      </p:cxnSp>
-      <p:sp>
-        <p:nvSpPr>
-          <p:cNvPr id="189" name="Прямоугольник 188"/>
-          <p:cNvSpPr/>
-          <p:nvPr/>
-        </p:nvSpPr>
-        <p:spPr>
-          <a:xfrm>
-            <a:off x="30782650" y="8889936"/>
-            <a:ext cx="2115918" cy="1080000"/>
-          </a:xfrm>
-          <a:prstGeom prst="rect">
-            <a:avLst/>
-          </a:prstGeom>
-          <a:ln w="28575"/>
-        </p:spPr>
-        <p:style>
-          <a:lnRef idx="2">
-            <a:schemeClr val="accent1"/>
-          </a:lnRef>
-          <a:fillRef idx="1">
-            <a:schemeClr val="lt1"/>
-          </a:fillRef>
-          <a:effectRef idx="0">
-            <a:schemeClr val="accent1"/>
-          </a:effectRef>
-          <a:fontRef idx="minor">
-            <a:schemeClr val="dk1"/>
-          </a:fontRef>
-        </p:style>
-        <p:txBody>
-          <a:bodyPr lIns="124733" tIns="62367" rIns="124733" bIns="62367" rtlCol="0" anchor="ctr"/>
-          <a:lstStyle/>
-          <a:p>
-            <a:pPr algn="ctr"/>
-            <a:r>
-              <a:rPr lang="ru-RU" sz="1400" dirty="0"/>
-              <a:t>Пороховые заводы (</a:t>
-            </a:r>
-            <a:r>
-              <a:rPr lang="ru-RU" sz="1400" dirty="0" err="1"/>
-              <a:t>ист</a:t>
-            </a:r>
-            <a:r>
-              <a:rPr lang="ru-RU" sz="1400" dirty="0"/>
-              <a:t> 1940)</a:t>
-            </a:r>
-          </a:p>
-        </p:txBody>
-      </p:sp>
-      <p:cxnSp>
-        <p:nvCxnSpPr>
-          <p:cNvPr id="190" name="Shape 248"/>
-          <p:cNvCxnSpPr>
-            <a:stCxn id="175" idx="2"/>
+            <a:prstDash val="dash"/>
+            <a:tailEnd type="arrow"/>
+          </a:ln>
+        </p:spPr>
+        <p:style>
+          <a:lnRef idx="1">
+            <a:schemeClr val="accent1"/>
+          </a:lnRef>
+          <a:fillRef idx="0">
+            <a:schemeClr val="accent1"/>
+          </a:fillRef>
+          <a:effectRef idx="0">
+            <a:schemeClr val="accent1"/>
+          </a:effectRef>
+          <a:fontRef idx="minor">
+            <a:schemeClr val="tx1"/>
+          </a:fontRef>
+        </p:style>
+      </p:cxnSp>
+      <p:cxnSp>
+        <p:nvCxnSpPr>
+          <p:cNvPr id="206" name="Shape 248"/>
+          <p:cNvCxnSpPr>
+            <a:stCxn id="176" idx="2"/>
             <a:endCxn id="189" idx="0"/>
           </p:cNvCxnSpPr>
           <p:nvPr/>
         </p:nvCxnSpPr>
         <p:spPr>
           <a:xfrm rot="16200000" flipH="1">
-            <a:off x="28696204" y="5745530"/>
-            <a:ext cx="423749" cy="5865061"/>
+            <a:off x="21486016" y="8114777"/>
+            <a:ext cx="423749" cy="1126567"/>
           </a:xfrm>
           <a:prstGeom prst="bentConnector3">
             <a:avLst>
@@ -11182,17 +11223,17 @@
       </p:cxnSp>
       <p:cxnSp>
         <p:nvCxnSpPr>
-          <p:cNvPr id="200" name="Shape 248"/>
-          <p:cNvCxnSpPr>
-            <a:stCxn id="178" idx="2"/>
-            <a:endCxn id="189" idx="0"/>
-          </p:cNvCxnSpPr>
-          <p:nvPr/>
-        </p:nvCxnSpPr>
-        <p:spPr>
-          <a:xfrm rot="16200000" flipH="1">
-            <a:off x="29880828" y="6930154"/>
-            <a:ext cx="423749" cy="3495814"/>
+          <p:cNvPr id="209" name="Shape 248"/>
+          <p:cNvCxnSpPr>
+            <a:stCxn id="226" idx="2"/>
+            <a:endCxn id="276" idx="0"/>
+          </p:cNvCxnSpPr>
+          <p:nvPr/>
+        </p:nvCxnSpPr>
+        <p:spPr>
+          <a:xfrm rot="5400000">
+            <a:off x="19182062" y="9550428"/>
+            <a:ext cx="335316" cy="1176908"/>
           </a:xfrm>
           <a:prstGeom prst="bentConnector3">
             <a:avLst>
@@ -11200,38 +11241,37 @@
             </a:avLst>
           </a:prstGeom>
           <a:ln w="28575">
-            <a:prstDash val="dash"/>
-            <a:tailEnd type="arrow"/>
-          </a:ln>
-        </p:spPr>
-        <p:style>
-          <a:lnRef idx="1">
-            <a:schemeClr val="accent1"/>
-          </a:lnRef>
-          <a:fillRef idx="0">
-            <a:schemeClr val="accent1"/>
-          </a:fillRef>
-          <a:effectRef idx="0">
-            <a:schemeClr val="accent1"/>
-          </a:effectRef>
-          <a:fontRef idx="minor">
-            <a:schemeClr val="tx1"/>
-          </a:fontRef>
-        </p:style>
-      </p:cxnSp>
-      <p:cxnSp>
-        <p:nvCxnSpPr>
-          <p:cNvPr id="206" name="Shape 248"/>
-          <p:cNvCxnSpPr>
-            <a:stCxn id="176" idx="2"/>
-            <a:endCxn id="189" idx="0"/>
+            <a:tailEnd type="arrow"/>
+          </a:ln>
+        </p:spPr>
+        <p:style>
+          <a:lnRef idx="1">
+            <a:schemeClr val="accent1"/>
+          </a:lnRef>
+          <a:fillRef idx="0">
+            <a:schemeClr val="accent1"/>
+          </a:fillRef>
+          <a:effectRef idx="0">
+            <a:schemeClr val="accent1"/>
+          </a:effectRef>
+          <a:fontRef idx="minor">
+            <a:schemeClr val="tx1"/>
+          </a:fontRef>
+        </p:style>
+      </p:cxnSp>
+      <p:cxnSp>
+        <p:nvCxnSpPr>
+          <p:cNvPr id="211" name="Shape 248"/>
+          <p:cNvCxnSpPr>
+            <a:stCxn id="226" idx="2"/>
+            <a:endCxn id="275" idx="0"/>
           </p:cNvCxnSpPr>
           <p:nvPr/>
         </p:nvCxnSpPr>
         <p:spPr>
           <a:xfrm rot="16200000" flipH="1">
-            <a:off x="31065451" y="8114777"/>
-            <a:ext cx="423749" cy="1126567"/>
+            <a:off x="20369440" y="9539957"/>
+            <a:ext cx="333901" cy="1196433"/>
           </a:xfrm>
           <a:prstGeom prst="bentConnector3">
             <a:avLst>
@@ -11239,38 +11279,79 @@
             </a:avLst>
           </a:prstGeom>
           <a:ln w="28575">
-            <a:prstDash val="dash"/>
-            <a:tailEnd type="arrow"/>
-          </a:ln>
-        </p:spPr>
-        <p:style>
-          <a:lnRef idx="1">
-            <a:schemeClr val="accent1"/>
-          </a:lnRef>
-          <a:fillRef idx="0">
-            <a:schemeClr val="accent1"/>
-          </a:fillRef>
-          <a:effectRef idx="0">
-            <a:schemeClr val="accent1"/>
-          </a:effectRef>
-          <a:fontRef idx="minor">
-            <a:schemeClr val="tx1"/>
-          </a:fontRef>
-        </p:style>
-      </p:cxnSp>
-      <p:cxnSp>
-        <p:nvCxnSpPr>
-          <p:cNvPr id="209" name="Shape 248"/>
-          <p:cNvCxnSpPr>
-            <a:stCxn id="226" idx="2"/>
-            <a:endCxn id="276" idx="0"/>
-          </p:cNvCxnSpPr>
-          <p:nvPr/>
-        </p:nvCxnSpPr>
-        <p:spPr>
-          <a:xfrm rot="5400000">
-            <a:off x="28761497" y="9550428"/>
-            <a:ext cx="335316" cy="1176908"/>
+            <a:tailEnd type="arrow"/>
+          </a:ln>
+        </p:spPr>
+        <p:style>
+          <a:lnRef idx="1">
+            <a:schemeClr val="accent1"/>
+          </a:lnRef>
+          <a:fillRef idx="0">
+            <a:schemeClr val="accent1"/>
+          </a:fillRef>
+          <a:effectRef idx="0">
+            <a:schemeClr val="accent1"/>
+          </a:effectRef>
+          <a:fontRef idx="minor">
+            <a:schemeClr val="tx1"/>
+          </a:fontRef>
+        </p:style>
+      </p:cxnSp>
+      <p:sp>
+        <p:nvSpPr>
+          <p:cNvPr id="231" name="Прямоугольник 230"/>
+          <p:cNvSpPr/>
+          <p:nvPr/>
+        </p:nvSpPr>
+        <p:spPr>
+          <a:xfrm>
+            <a:off x="16522777" y="11786491"/>
+            <a:ext cx="2115918" cy="1080000"/>
+          </a:xfrm>
+          <a:prstGeom prst="rect">
+            <a:avLst/>
+          </a:prstGeom>
+          <a:ln w="28575"/>
+        </p:spPr>
+        <p:style>
+          <a:lnRef idx="2">
+            <a:schemeClr val="accent1"/>
+          </a:lnRef>
+          <a:fillRef idx="1">
+            <a:schemeClr val="lt1"/>
+          </a:fillRef>
+          <a:effectRef idx="0">
+            <a:schemeClr val="accent1"/>
+          </a:effectRef>
+          <a:fontRef idx="minor">
+            <a:schemeClr val="dk1"/>
+          </a:fontRef>
+        </p:style>
+        <p:txBody>
+          <a:bodyPr lIns="124733" tIns="62367" rIns="124733" bIns="62367" rtlCol="0" anchor="ctr"/>
+          <a:lstStyle/>
+          <a:p>
+            <a:pPr algn="ctr"/>
+            <a:r>
+              <a:rPr lang="ru-RU" sz="1400" dirty="0"/>
+              <a:t>Организовать генеральный штаб</a:t>
+            </a:r>
+          </a:p>
+        </p:txBody>
+      </p:sp>
+      <p:cxnSp>
+        <p:nvCxnSpPr>
+          <p:cNvPr id="238" name="Shape 248"/>
+          <p:cNvCxnSpPr>
+            <a:stCxn id="242" idx="2"/>
+            <a:endCxn id="231" idx="0"/>
+          </p:cNvCxnSpPr>
+          <p:nvPr/>
+        </p:nvCxnSpPr>
+        <p:spPr>
+          <a:xfrm rot="16200000" flipH="1">
+            <a:off x="16189512" y="10395267"/>
+            <a:ext cx="401366" cy="2381082"/>
           </a:xfrm>
           <a:prstGeom prst="bentConnector3">
             <a:avLst>
@@ -11278,37 +11359,38 @@
             </a:avLst>
           </a:prstGeom>
           <a:ln w="28575">
-            <a:tailEnd type="arrow"/>
-          </a:ln>
-        </p:spPr>
-        <p:style>
-          <a:lnRef idx="1">
-            <a:schemeClr val="accent1"/>
-          </a:lnRef>
-          <a:fillRef idx="0">
-            <a:schemeClr val="accent1"/>
-          </a:fillRef>
-          <a:effectRef idx="0">
-            <a:schemeClr val="accent1"/>
-          </a:effectRef>
-          <a:fontRef idx="minor">
-            <a:schemeClr val="tx1"/>
-          </a:fontRef>
-        </p:style>
-      </p:cxnSp>
-      <p:cxnSp>
-        <p:nvCxnSpPr>
-          <p:cNvPr id="211" name="Shape 248"/>
-          <p:cNvCxnSpPr>
-            <a:stCxn id="226" idx="2"/>
-            <a:endCxn id="275" idx="0"/>
-          </p:cNvCxnSpPr>
-          <p:nvPr/>
-        </p:nvCxnSpPr>
-        <p:spPr>
-          <a:xfrm rot="16200000" flipH="1">
-            <a:off x="29948875" y="9539957"/>
-            <a:ext cx="333901" cy="1196433"/>
+            <a:prstDash val="dash"/>
+            <a:tailEnd type="arrow"/>
+          </a:ln>
+        </p:spPr>
+        <p:style>
+          <a:lnRef idx="1">
+            <a:schemeClr val="accent1"/>
+          </a:lnRef>
+          <a:fillRef idx="0">
+            <a:schemeClr val="accent1"/>
+          </a:fillRef>
+          <a:effectRef idx="0">
+            <a:schemeClr val="accent1"/>
+          </a:effectRef>
+          <a:fontRef idx="minor">
+            <a:schemeClr val="tx1"/>
+          </a:fontRef>
+        </p:style>
+      </p:cxnSp>
+      <p:cxnSp>
+        <p:nvCxnSpPr>
+          <p:cNvPr id="244" name="Shape 248"/>
+          <p:cNvCxnSpPr>
+            <a:stCxn id="276" idx="2"/>
+            <a:endCxn id="231" idx="0"/>
+          </p:cNvCxnSpPr>
+          <p:nvPr/>
+        </p:nvCxnSpPr>
+        <p:spPr>
+          <a:xfrm rot="5400000">
+            <a:off x="17971026" y="10996250"/>
+            <a:ext cx="399951" cy="1180530"/>
           </a:xfrm>
           <a:prstGeom prst="bentConnector3">
             <a:avLst>
@@ -11316,33 +11398,34 @@
             </a:avLst>
           </a:prstGeom>
           <a:ln w="28575">
-            <a:tailEnd type="arrow"/>
-          </a:ln>
-        </p:spPr>
-        <p:style>
-          <a:lnRef idx="1">
-            <a:schemeClr val="accent1"/>
-          </a:lnRef>
-          <a:fillRef idx="0">
-            <a:schemeClr val="accent1"/>
-          </a:fillRef>
-          <a:effectRef idx="0">
-            <a:schemeClr val="accent1"/>
-          </a:effectRef>
-          <a:fontRef idx="minor">
-            <a:schemeClr val="tx1"/>
-          </a:fontRef>
-        </p:style>
-      </p:cxnSp>
-      <p:sp>
-        <p:nvSpPr>
-          <p:cNvPr id="231" name="Прямоугольник 230"/>
+            <a:prstDash val="dash"/>
+            <a:tailEnd type="arrow"/>
+          </a:ln>
+        </p:spPr>
+        <p:style>
+          <a:lnRef idx="1">
+            <a:schemeClr val="accent1"/>
+          </a:lnRef>
+          <a:fillRef idx="0">
+            <a:schemeClr val="accent1"/>
+          </a:fillRef>
+          <a:effectRef idx="0">
+            <a:schemeClr val="accent1"/>
+          </a:effectRef>
+          <a:fontRef idx="minor">
+            <a:schemeClr val="tx1"/>
+          </a:fontRef>
+        </p:style>
+      </p:cxnSp>
+      <p:sp>
+        <p:nvSpPr>
+          <p:cNvPr id="247" name="Прямоугольник 246"/>
           <p:cNvSpPr/>
           <p:nvPr/>
         </p:nvSpPr>
         <p:spPr>
           <a:xfrm>
-            <a:off x="26102212" y="11786491"/>
+            <a:off x="27053922" y="4422938"/>
             <a:ext cx="2115918" cy="1080000"/>
           </a:xfrm>
           <a:prstGeom prst="rect">
@@ -11371,24 +11454,562 @@
             <a:pPr algn="ctr"/>
             <a:r>
               <a:rPr lang="ru-RU" sz="1400" dirty="0"/>
-              <a:t>Организовать генеральный штаб</a:t>
-            </a:r>
-          </a:p>
-        </p:txBody>
-      </p:sp>
-      <p:cxnSp>
-        <p:nvCxnSpPr>
-          <p:cNvPr id="238" name="Shape 248"/>
-          <p:cNvCxnSpPr>
-            <a:stCxn id="242" idx="2"/>
-            <a:endCxn id="231" idx="0"/>
-          </p:cNvCxnSpPr>
-          <p:nvPr/>
-        </p:nvCxnSpPr>
-        <p:spPr>
-          <a:xfrm rot="16200000" flipH="1">
-            <a:off x="25768947" y="10395267"/>
-            <a:ext cx="401366" cy="2381082"/>
+              <a:t>Аккумуляторный завод для Королевского ВМФ</a:t>
+            </a:r>
+          </a:p>
+        </p:txBody>
+      </p:sp>
+      <p:sp>
+        <p:nvSpPr>
+          <p:cNvPr id="249" name="Прямоугольник 248"/>
+          <p:cNvSpPr/>
+          <p:nvPr/>
+        </p:nvSpPr>
+        <p:spPr>
+          <a:xfrm>
+            <a:off x="24711137" y="5825051"/>
+            <a:ext cx="2115918" cy="1080000"/>
+          </a:xfrm>
+          <a:prstGeom prst="rect">
+            <a:avLst/>
+          </a:prstGeom>
+          <a:ln w="28575"/>
+        </p:spPr>
+        <p:style>
+          <a:lnRef idx="2">
+            <a:schemeClr val="accent1"/>
+          </a:lnRef>
+          <a:fillRef idx="1">
+            <a:schemeClr val="lt1"/>
+          </a:fillRef>
+          <a:effectRef idx="0">
+            <a:schemeClr val="accent1"/>
+          </a:effectRef>
+          <a:fontRef idx="minor">
+            <a:schemeClr val="dk1"/>
+          </a:fontRef>
+        </p:style>
+        <p:txBody>
+          <a:bodyPr lIns="124733" tIns="62367" rIns="124733" bIns="62367" rtlCol="0" anchor="ctr"/>
+          <a:lstStyle/>
+          <a:p>
+            <a:pPr algn="ctr"/>
+            <a:r>
+              <a:rPr lang="ru-RU" sz="1400" dirty="0"/>
+              <a:t>Подводные лодки класса </a:t>
+            </a:r>
+            <a:r>
+              <a:rPr lang="ru-RU" sz="1400" dirty="0" err="1"/>
+              <a:t>Матчану</a:t>
+            </a:r>
+            <a:r>
+              <a:rPr lang="ru-RU" sz="1400" dirty="0"/>
+              <a:t> (Май 1936)</a:t>
+            </a:r>
+            <a:endParaRPr lang="ru-RU" sz="400" dirty="0"/>
+          </a:p>
+        </p:txBody>
+      </p:sp>
+      <p:sp>
+        <p:nvSpPr>
+          <p:cNvPr id="250" name="Прямоугольник 249"/>
+          <p:cNvSpPr/>
+          <p:nvPr/>
+        </p:nvSpPr>
+        <p:spPr>
+          <a:xfrm>
+            <a:off x="27053922" y="5814418"/>
+            <a:ext cx="2115918" cy="1080000"/>
+          </a:xfrm>
+          <a:prstGeom prst="rect">
+            <a:avLst/>
+          </a:prstGeom>
+          <a:ln w="28575"/>
+        </p:spPr>
+        <p:style>
+          <a:lnRef idx="2">
+            <a:schemeClr val="accent1"/>
+          </a:lnRef>
+          <a:fillRef idx="1">
+            <a:schemeClr val="lt1"/>
+          </a:fillRef>
+          <a:effectRef idx="0">
+            <a:schemeClr val="accent1"/>
+          </a:effectRef>
+          <a:fontRef idx="minor">
+            <a:schemeClr val="dk1"/>
+          </a:fontRef>
+        </p:style>
+        <p:txBody>
+          <a:bodyPr lIns="124733" tIns="62367" rIns="124733" bIns="62367" rtlCol="0" anchor="ctr"/>
+          <a:lstStyle/>
+          <a:p>
+            <a:pPr algn="ctr"/>
+            <a:r>
+              <a:rPr lang="ru-RU" sz="1400" dirty="0"/>
+              <a:t>Отправить подводников на обучение в Японию</a:t>
+            </a:r>
+          </a:p>
+        </p:txBody>
+      </p:sp>
+      <p:sp>
+        <p:nvSpPr>
+          <p:cNvPr id="252" name="Прямоугольник 251"/>
+          <p:cNvSpPr/>
+          <p:nvPr/>
+        </p:nvSpPr>
+        <p:spPr>
+          <a:xfrm>
+            <a:off x="27053922" y="7386187"/>
+            <a:ext cx="2115918" cy="1080000"/>
+          </a:xfrm>
+          <a:prstGeom prst="rect">
+            <a:avLst/>
+          </a:prstGeom>
+          <a:ln w="28575"/>
+        </p:spPr>
+        <p:style>
+          <a:lnRef idx="2">
+            <a:schemeClr val="accent1"/>
+          </a:lnRef>
+          <a:fillRef idx="1">
+            <a:schemeClr val="lt1"/>
+          </a:fillRef>
+          <a:effectRef idx="0">
+            <a:schemeClr val="accent1"/>
+          </a:effectRef>
+          <a:fontRef idx="minor">
+            <a:schemeClr val="dk1"/>
+          </a:fontRef>
+        </p:style>
+        <p:txBody>
+          <a:bodyPr lIns="124733" tIns="62367" rIns="124733" bIns="62367" rtlCol="0" anchor="ctr"/>
+          <a:lstStyle/>
+          <a:p>
+            <a:pPr algn="ctr"/>
+            <a:r>
+              <a:rPr lang="ru-RU" sz="1400" dirty="0"/>
+              <a:t>Учебные патрули</a:t>
+            </a:r>
+          </a:p>
+        </p:txBody>
+      </p:sp>
+      <p:sp>
+        <p:nvSpPr>
+          <p:cNvPr id="253" name="Прямоугольник 252"/>
+          <p:cNvSpPr/>
+          <p:nvPr/>
+        </p:nvSpPr>
+        <p:spPr>
+          <a:xfrm>
+            <a:off x="29396707" y="5821310"/>
+            <a:ext cx="2115918" cy="1080000"/>
+          </a:xfrm>
+          <a:prstGeom prst="rect">
+            <a:avLst/>
+          </a:prstGeom>
+          <a:ln w="28575"/>
+        </p:spPr>
+        <p:style>
+          <a:lnRef idx="2">
+            <a:schemeClr val="accent1"/>
+          </a:lnRef>
+          <a:fillRef idx="1">
+            <a:schemeClr val="lt1"/>
+          </a:fillRef>
+          <a:effectRef idx="0">
+            <a:schemeClr val="accent1"/>
+          </a:effectRef>
+          <a:fontRef idx="minor">
+            <a:schemeClr val="dk1"/>
+          </a:fontRef>
+        </p:style>
+        <p:txBody>
+          <a:bodyPr lIns="124733" tIns="62367" rIns="124733" bIns="62367" rtlCol="0" anchor="ctr"/>
+          <a:lstStyle/>
+          <a:p>
+            <a:pPr algn="ctr"/>
+            <a:r>
+              <a:rPr lang="ru-RU" sz="1400" dirty="0"/>
+              <a:t>Корабли береговой обороны (линкоры </a:t>
+            </a:r>
+            <a:r>
+              <a:rPr lang="en-US" sz="1400" dirty="0"/>
+              <a:t>HTMS Thonburi</a:t>
+            </a:r>
+            <a:r>
+              <a:rPr lang="ru-RU" sz="1400" dirty="0"/>
+              <a:t>, два было готово к 1938)</a:t>
+            </a:r>
+          </a:p>
+        </p:txBody>
+      </p:sp>
+      <p:sp>
+        <p:nvSpPr>
+          <p:cNvPr id="255" name="Прямоугольник 254"/>
+          <p:cNvSpPr/>
+          <p:nvPr/>
+        </p:nvSpPr>
+        <p:spPr>
+          <a:xfrm>
+            <a:off x="24711136" y="7386187"/>
+            <a:ext cx="2115918" cy="1080000"/>
+          </a:xfrm>
+          <a:prstGeom prst="rect">
+            <a:avLst/>
+          </a:prstGeom>
+          <a:ln w="28575"/>
+        </p:spPr>
+        <p:style>
+          <a:lnRef idx="2">
+            <a:schemeClr val="accent1"/>
+          </a:lnRef>
+          <a:fillRef idx="1">
+            <a:schemeClr val="lt1"/>
+          </a:fillRef>
+          <a:effectRef idx="0">
+            <a:schemeClr val="accent1"/>
+          </a:effectRef>
+          <a:fontRef idx="minor">
+            <a:schemeClr val="dk1"/>
+          </a:fontRef>
+        </p:style>
+        <p:txBody>
+          <a:bodyPr lIns="124733" tIns="62367" rIns="124733" bIns="62367" rtlCol="0" anchor="ctr"/>
+          <a:lstStyle/>
+          <a:p>
+            <a:pPr algn="ctr"/>
+            <a:r>
+              <a:rPr lang="ru-RU" sz="1400" dirty="0"/>
+              <a:t>Военно-морская база </a:t>
+            </a:r>
+            <a:r>
+              <a:rPr lang="ru-RU" sz="1400" dirty="0" err="1"/>
+              <a:t>Саттахип</a:t>
+            </a:r>
+            <a:endParaRPr lang="ru-RU" sz="800" dirty="0"/>
+          </a:p>
+        </p:txBody>
+      </p:sp>
+      <p:sp>
+        <p:nvSpPr>
+          <p:cNvPr id="258" name="Прямоугольник 257"/>
+          <p:cNvSpPr/>
+          <p:nvPr/>
+        </p:nvSpPr>
+        <p:spPr>
+          <a:xfrm>
+            <a:off x="17179773" y="361734"/>
+            <a:ext cx="2115918" cy="1080000"/>
+          </a:xfrm>
+          <a:prstGeom prst="rect">
+            <a:avLst/>
+          </a:prstGeom>
+          <a:ln w="28575"/>
+        </p:spPr>
+        <p:style>
+          <a:lnRef idx="2">
+            <a:schemeClr val="accent1"/>
+          </a:lnRef>
+          <a:fillRef idx="1">
+            <a:schemeClr val="lt1"/>
+          </a:fillRef>
+          <a:effectRef idx="0">
+            <a:schemeClr val="accent1"/>
+          </a:effectRef>
+          <a:fontRef idx="minor">
+            <a:schemeClr val="dk1"/>
+          </a:fontRef>
+        </p:style>
+        <p:txBody>
+          <a:bodyPr lIns="124733" tIns="62367" rIns="124733" bIns="62367" rtlCol="0" anchor="ctr"/>
+          <a:lstStyle/>
+          <a:p>
+            <a:pPr algn="ctr"/>
+            <a:r>
+              <a:rPr lang="en-US" sz="1400" dirty="0"/>
+              <a:t>Sindhu </a:t>
+            </a:r>
+            <a:r>
+              <a:rPr lang="en-US" sz="1400" dirty="0" err="1"/>
+              <a:t>Kamalanavin</a:t>
+            </a:r>
+            <a:r>
+              <a:rPr lang="ru-RU" sz="1400" dirty="0"/>
+              <a:t> – адмирал и министр ВМФ с 1938 по 1951, адмирал </a:t>
+            </a:r>
+            <a:r>
+              <a:rPr lang="en-US" sz="1400" dirty="0"/>
+              <a:t>Phraya </a:t>
+            </a:r>
+            <a:r>
+              <a:rPr lang="en-US" sz="1400" dirty="0" err="1"/>
+              <a:t>Wichanworajak</a:t>
+            </a:r>
+            <a:endParaRPr lang="ru-RU" sz="1400" dirty="0"/>
+          </a:p>
+        </p:txBody>
+      </p:sp>
+      <p:sp>
+        <p:nvSpPr>
+          <p:cNvPr id="259" name="Прямоугольник 258"/>
+          <p:cNvSpPr/>
+          <p:nvPr/>
+        </p:nvSpPr>
+        <p:spPr>
+          <a:xfrm>
+            <a:off x="29396707" y="7386187"/>
+            <a:ext cx="2115918" cy="1080000"/>
+          </a:xfrm>
+          <a:prstGeom prst="rect">
+            <a:avLst/>
+          </a:prstGeom>
+          <a:ln w="28575"/>
+        </p:spPr>
+        <p:style>
+          <a:lnRef idx="2">
+            <a:schemeClr val="accent1"/>
+          </a:lnRef>
+          <a:fillRef idx="1">
+            <a:schemeClr val="lt1"/>
+          </a:fillRef>
+          <a:effectRef idx="0">
+            <a:schemeClr val="accent1"/>
+          </a:effectRef>
+          <a:fontRef idx="minor">
+            <a:schemeClr val="dk1"/>
+          </a:fontRef>
+        </p:style>
+        <p:txBody>
+          <a:bodyPr lIns="124733" tIns="62367" rIns="124733" bIns="62367" rtlCol="0" anchor="ctr"/>
+          <a:lstStyle/>
+          <a:p>
+            <a:pPr algn="ctr"/>
+            <a:r>
+              <a:rPr lang="ru-RU" sz="1400" dirty="0"/>
+              <a:t>Королевская военно-морская верфь</a:t>
+            </a:r>
+          </a:p>
+        </p:txBody>
+      </p:sp>
+      <p:sp>
+        <p:nvSpPr>
+          <p:cNvPr id="261" name="Прямоугольник 260"/>
+          <p:cNvSpPr/>
+          <p:nvPr/>
+        </p:nvSpPr>
+        <p:spPr>
+          <a:xfrm>
+            <a:off x="27053922" y="10301719"/>
+            <a:ext cx="2115918" cy="1080000"/>
+          </a:xfrm>
+          <a:prstGeom prst="rect">
+            <a:avLst/>
+          </a:prstGeom>
+          <a:ln w="28575"/>
+        </p:spPr>
+        <p:style>
+          <a:lnRef idx="2">
+            <a:schemeClr val="accent1"/>
+          </a:lnRef>
+          <a:fillRef idx="1">
+            <a:schemeClr val="lt1"/>
+          </a:fillRef>
+          <a:effectRef idx="0">
+            <a:schemeClr val="accent1"/>
+          </a:effectRef>
+          <a:fontRef idx="minor">
+            <a:schemeClr val="dk1"/>
+          </a:fontRef>
+        </p:style>
+        <p:txBody>
+          <a:bodyPr lIns="124733" tIns="62367" rIns="124733" bIns="62367" rtlCol="0" anchor="ctr"/>
+          <a:lstStyle/>
+          <a:p>
+            <a:pPr algn="ctr"/>
+            <a:r>
+              <a:rPr lang="ru-RU" sz="1400"/>
+              <a:t>Сотрудничество с США для обучения морской пехоты</a:t>
+            </a:r>
+            <a:endParaRPr lang="ru-RU" sz="1400" dirty="0"/>
+          </a:p>
+        </p:txBody>
+      </p:sp>
+      <p:sp>
+        <p:nvSpPr>
+          <p:cNvPr id="262" name="Прямоугольник 261"/>
+          <p:cNvSpPr/>
+          <p:nvPr/>
+        </p:nvSpPr>
+        <p:spPr>
+          <a:xfrm>
+            <a:off x="28232144" y="8893729"/>
+            <a:ext cx="2115918" cy="1080000"/>
+          </a:xfrm>
+          <a:prstGeom prst="rect">
+            <a:avLst/>
+          </a:prstGeom>
+          <a:ln w="28575"/>
+        </p:spPr>
+        <p:style>
+          <a:lnRef idx="2">
+            <a:schemeClr val="accent1"/>
+          </a:lnRef>
+          <a:fillRef idx="1">
+            <a:schemeClr val="lt1"/>
+          </a:fillRef>
+          <a:effectRef idx="0">
+            <a:schemeClr val="accent1"/>
+          </a:effectRef>
+          <a:fontRef idx="minor">
+            <a:schemeClr val="dk1"/>
+          </a:fontRef>
+        </p:style>
+        <p:txBody>
+          <a:bodyPr lIns="124733" tIns="62367" rIns="124733" bIns="62367" rtlCol="0" anchor="ctr"/>
+          <a:lstStyle/>
+          <a:p>
+            <a:pPr algn="ctr"/>
+            <a:r>
+              <a:rPr lang="ru-RU" sz="1400" dirty="0"/>
+              <a:t>Расшить королевский корпус морской пехоты (В 1937)</a:t>
+            </a:r>
+          </a:p>
+        </p:txBody>
+      </p:sp>
+      <p:sp>
+        <p:nvSpPr>
+          <p:cNvPr id="264" name="Прямоугольник 263"/>
+          <p:cNvSpPr/>
+          <p:nvPr/>
+        </p:nvSpPr>
+        <p:spPr>
+          <a:xfrm>
+            <a:off x="29396707" y="10309676"/>
+            <a:ext cx="2115918" cy="1080000"/>
+          </a:xfrm>
+          <a:prstGeom prst="rect">
+            <a:avLst/>
+          </a:prstGeom>
+          <a:ln w="28575"/>
+        </p:spPr>
+        <p:style>
+          <a:lnRef idx="2">
+            <a:schemeClr val="accent1"/>
+          </a:lnRef>
+          <a:fillRef idx="1">
+            <a:schemeClr val="lt1"/>
+          </a:fillRef>
+          <a:effectRef idx="0">
+            <a:schemeClr val="accent1"/>
+          </a:effectRef>
+          <a:fontRef idx="minor">
+            <a:schemeClr val="dk1"/>
+          </a:fontRef>
+        </p:style>
+        <p:txBody>
+          <a:bodyPr lIns="124733" tIns="62367" rIns="124733" bIns="62367" rtlCol="0" anchor="ctr"/>
+          <a:lstStyle/>
+          <a:p>
+            <a:pPr algn="ctr"/>
+            <a:r>
+              <a:rPr lang="ru-RU" sz="1400" dirty="0"/>
+              <a:t>Департамент морской пехоты</a:t>
+            </a:r>
+          </a:p>
+        </p:txBody>
+      </p:sp>
+      <p:sp>
+        <p:nvSpPr>
+          <p:cNvPr id="265" name="Прямоугольник 264"/>
+          <p:cNvSpPr/>
+          <p:nvPr/>
+        </p:nvSpPr>
+        <p:spPr>
+          <a:xfrm>
+            <a:off x="25881455" y="8897133"/>
+            <a:ext cx="2115918" cy="1080000"/>
+          </a:xfrm>
+          <a:prstGeom prst="rect">
+            <a:avLst/>
+          </a:prstGeom>
+          <a:ln w="28575"/>
+        </p:spPr>
+        <p:style>
+          <a:lnRef idx="2">
+            <a:schemeClr val="accent1"/>
+          </a:lnRef>
+          <a:fillRef idx="1">
+            <a:schemeClr val="lt1"/>
+          </a:fillRef>
+          <a:effectRef idx="0">
+            <a:schemeClr val="accent1"/>
+          </a:effectRef>
+          <a:fontRef idx="minor">
+            <a:schemeClr val="dk1"/>
+          </a:fontRef>
+        </p:style>
+        <p:txBody>
+          <a:bodyPr lIns="124733" tIns="62367" rIns="124733" bIns="62367" rtlCol="0" anchor="ctr"/>
+          <a:lstStyle/>
+          <a:p>
+            <a:pPr algn="ctr"/>
+            <a:r>
+              <a:rPr lang="ru-RU" sz="1400" dirty="0"/>
+              <a:t>Королевская военно-воздушная дивизия</a:t>
+            </a:r>
+          </a:p>
+        </p:txBody>
+      </p:sp>
+      <p:cxnSp>
+        <p:nvCxnSpPr>
+          <p:cNvPr id="268" name="Прямая со стрелкой 267"/>
+          <p:cNvCxnSpPr>
+            <a:stCxn id="249" idx="2"/>
+            <a:endCxn id="255" idx="0"/>
+          </p:cNvCxnSpPr>
+          <p:nvPr/>
+        </p:nvCxnSpPr>
+        <p:spPr>
+          <a:xfrm flipH="1">
+            <a:off x="25769095" y="6905051"/>
+            <a:ext cx="1" cy="481136"/>
+          </a:xfrm>
+          <a:prstGeom prst="straightConnector1">
+            <a:avLst/>
+          </a:prstGeom>
+          <a:ln w="28575">
+            <a:tailEnd type="arrow"/>
+          </a:ln>
+        </p:spPr>
+        <p:style>
+          <a:lnRef idx="1">
+            <a:schemeClr val="accent1"/>
+          </a:lnRef>
+          <a:fillRef idx="0">
+            <a:schemeClr val="accent1"/>
+          </a:fillRef>
+          <a:effectRef idx="0">
+            <a:schemeClr val="accent1"/>
+          </a:effectRef>
+          <a:fontRef idx="minor">
+            <a:schemeClr val="tx1"/>
+          </a:fontRef>
+        </p:style>
+      </p:cxnSp>
+      <p:cxnSp>
+        <p:nvCxnSpPr>
+          <p:cNvPr id="270" name="Shape 248"/>
+          <p:cNvCxnSpPr>
+            <a:stCxn id="247" idx="2"/>
+            <a:endCxn id="249" idx="0"/>
+          </p:cNvCxnSpPr>
+          <p:nvPr/>
+        </p:nvCxnSpPr>
+        <p:spPr>
+          <a:xfrm rot="5400000">
+            <a:off x="26779433" y="4492602"/>
+            <a:ext cx="322113" cy="2342785"/>
           </a:xfrm>
           <a:prstGeom prst="bentConnector3">
             <a:avLst>
@@ -11396,38 +12017,37 @@
             </a:avLst>
           </a:prstGeom>
           <a:ln w="28575">
-            <a:prstDash val="dash"/>
-            <a:tailEnd type="arrow"/>
-          </a:ln>
-        </p:spPr>
-        <p:style>
-          <a:lnRef idx="1">
-            <a:schemeClr val="accent1"/>
-          </a:lnRef>
-          <a:fillRef idx="0">
-            <a:schemeClr val="accent1"/>
-          </a:fillRef>
-          <a:effectRef idx="0">
-            <a:schemeClr val="accent1"/>
-          </a:effectRef>
-          <a:fontRef idx="minor">
-            <a:schemeClr val="tx1"/>
-          </a:fontRef>
-        </p:style>
-      </p:cxnSp>
-      <p:cxnSp>
-        <p:nvCxnSpPr>
-          <p:cNvPr id="244" name="Shape 248"/>
-          <p:cNvCxnSpPr>
-            <a:stCxn id="276" idx="2"/>
-            <a:endCxn id="231" idx="0"/>
-          </p:cNvCxnSpPr>
-          <p:nvPr/>
-        </p:nvCxnSpPr>
-        <p:spPr>
-          <a:xfrm rot="5400000">
-            <a:off x="27550461" y="10996250"/>
-            <a:ext cx="399951" cy="1180530"/>
+            <a:tailEnd type="arrow"/>
+          </a:ln>
+        </p:spPr>
+        <p:style>
+          <a:lnRef idx="1">
+            <a:schemeClr val="accent1"/>
+          </a:lnRef>
+          <a:fillRef idx="0">
+            <a:schemeClr val="accent1"/>
+          </a:fillRef>
+          <a:effectRef idx="0">
+            <a:schemeClr val="accent1"/>
+          </a:effectRef>
+          <a:fontRef idx="minor">
+            <a:schemeClr val="tx1"/>
+          </a:fontRef>
+        </p:style>
+      </p:cxnSp>
+      <p:cxnSp>
+        <p:nvCxnSpPr>
+          <p:cNvPr id="271" name="Shape 248"/>
+          <p:cNvCxnSpPr>
+            <a:stCxn id="247" idx="2"/>
+            <a:endCxn id="253" idx="0"/>
+          </p:cNvCxnSpPr>
+          <p:nvPr/>
+        </p:nvCxnSpPr>
+        <p:spPr>
+          <a:xfrm rot="16200000" flipH="1">
+            <a:off x="29124087" y="4490731"/>
+            <a:ext cx="318372" cy="2342785"/>
           </a:xfrm>
           <a:prstGeom prst="bentConnector3">
             <a:avLst>
@@ -11435,618 +12055,37 @@
             </a:avLst>
           </a:prstGeom>
           <a:ln w="28575">
-            <a:prstDash val="dash"/>
-            <a:tailEnd type="arrow"/>
-          </a:ln>
-        </p:spPr>
-        <p:style>
-          <a:lnRef idx="1">
-            <a:schemeClr val="accent1"/>
-          </a:lnRef>
-          <a:fillRef idx="0">
-            <a:schemeClr val="accent1"/>
-          </a:fillRef>
-          <a:effectRef idx="0">
-            <a:schemeClr val="accent1"/>
-          </a:effectRef>
-          <a:fontRef idx="minor">
-            <a:schemeClr val="tx1"/>
-          </a:fontRef>
-        </p:style>
-      </p:cxnSp>
-      <p:sp>
-        <p:nvSpPr>
-          <p:cNvPr id="247" name="Прямоугольник 246"/>
-          <p:cNvSpPr/>
-          <p:nvPr/>
-        </p:nvSpPr>
-        <p:spPr>
-          <a:xfrm>
-            <a:off x="36633357" y="4422938"/>
-            <a:ext cx="2115918" cy="1080000"/>
-          </a:xfrm>
-          <a:prstGeom prst="rect">
-            <a:avLst/>
-          </a:prstGeom>
-          <a:ln w="28575"/>
-        </p:spPr>
-        <p:style>
-          <a:lnRef idx="2">
-            <a:schemeClr val="accent1"/>
-          </a:lnRef>
-          <a:fillRef idx="1">
-            <a:schemeClr val="lt1"/>
-          </a:fillRef>
-          <a:effectRef idx="0">
-            <a:schemeClr val="accent1"/>
-          </a:effectRef>
-          <a:fontRef idx="minor">
-            <a:schemeClr val="dk1"/>
-          </a:fontRef>
-        </p:style>
-        <p:txBody>
-          <a:bodyPr lIns="124733" tIns="62367" rIns="124733" bIns="62367" rtlCol="0" anchor="ctr"/>
-          <a:lstStyle/>
-          <a:p>
-            <a:pPr algn="ctr"/>
-            <a:r>
-              <a:rPr lang="ru-RU" sz="1400" dirty="0"/>
-              <a:t>Аккумуляторный завод для Королевского ВМФ</a:t>
-            </a:r>
-          </a:p>
-        </p:txBody>
-      </p:sp>
-      <p:sp>
-        <p:nvSpPr>
-          <p:cNvPr id="249" name="Прямоугольник 248"/>
-          <p:cNvSpPr/>
-          <p:nvPr/>
-        </p:nvSpPr>
-        <p:spPr>
-          <a:xfrm>
-            <a:off x="34290572" y="5825051"/>
-            <a:ext cx="2115918" cy="1080000"/>
-          </a:xfrm>
-          <a:prstGeom prst="rect">
-            <a:avLst/>
-          </a:prstGeom>
-          <a:ln w="28575"/>
-        </p:spPr>
-        <p:style>
-          <a:lnRef idx="2">
-            <a:schemeClr val="accent1"/>
-          </a:lnRef>
-          <a:fillRef idx="1">
-            <a:schemeClr val="lt1"/>
-          </a:fillRef>
-          <a:effectRef idx="0">
-            <a:schemeClr val="accent1"/>
-          </a:effectRef>
-          <a:fontRef idx="minor">
-            <a:schemeClr val="dk1"/>
-          </a:fontRef>
-        </p:style>
-        <p:txBody>
-          <a:bodyPr lIns="124733" tIns="62367" rIns="124733" bIns="62367" rtlCol="0" anchor="ctr"/>
-          <a:lstStyle/>
-          <a:p>
-            <a:pPr algn="ctr"/>
-            <a:r>
-              <a:rPr lang="ru-RU" sz="1400" dirty="0"/>
-              <a:t>Подводные лодки класса </a:t>
-            </a:r>
-            <a:r>
-              <a:rPr lang="ru-RU" sz="1400" dirty="0" err="1"/>
-              <a:t>Матчану</a:t>
-            </a:r>
-            <a:r>
-              <a:rPr lang="ru-RU" sz="1400" dirty="0"/>
-              <a:t> (Май 1936)</a:t>
-            </a:r>
-            <a:endParaRPr lang="ru-RU" sz="400" dirty="0"/>
-          </a:p>
-        </p:txBody>
-      </p:sp>
-      <p:sp>
-        <p:nvSpPr>
-          <p:cNvPr id="250" name="Прямоугольник 249"/>
-          <p:cNvSpPr/>
-          <p:nvPr/>
-        </p:nvSpPr>
-        <p:spPr>
-          <a:xfrm>
-            <a:off x="36633357" y="5814418"/>
-            <a:ext cx="2115918" cy="1080000"/>
-          </a:xfrm>
-          <a:prstGeom prst="rect">
-            <a:avLst/>
-          </a:prstGeom>
-          <a:ln w="28575"/>
-        </p:spPr>
-        <p:style>
-          <a:lnRef idx="2">
-            <a:schemeClr val="accent1"/>
-          </a:lnRef>
-          <a:fillRef idx="1">
-            <a:schemeClr val="lt1"/>
-          </a:fillRef>
-          <a:effectRef idx="0">
-            <a:schemeClr val="accent1"/>
-          </a:effectRef>
-          <a:fontRef idx="minor">
-            <a:schemeClr val="dk1"/>
-          </a:fontRef>
-        </p:style>
-        <p:txBody>
-          <a:bodyPr lIns="124733" tIns="62367" rIns="124733" bIns="62367" rtlCol="0" anchor="ctr"/>
-          <a:lstStyle/>
-          <a:p>
-            <a:pPr algn="ctr"/>
-            <a:r>
-              <a:rPr lang="ru-RU" sz="1400" dirty="0"/>
-              <a:t>Отправить подводников на обучение в Японию</a:t>
-            </a:r>
-          </a:p>
-        </p:txBody>
-      </p:sp>
-      <p:sp>
-        <p:nvSpPr>
-          <p:cNvPr id="252" name="Прямоугольник 251"/>
-          <p:cNvSpPr/>
-          <p:nvPr/>
-        </p:nvSpPr>
-        <p:spPr>
-          <a:xfrm>
-            <a:off x="36633357" y="7386187"/>
-            <a:ext cx="2115918" cy="1080000"/>
-          </a:xfrm>
-          <a:prstGeom prst="rect">
-            <a:avLst/>
-          </a:prstGeom>
-          <a:ln w="28575"/>
-        </p:spPr>
-        <p:style>
-          <a:lnRef idx="2">
-            <a:schemeClr val="accent1"/>
-          </a:lnRef>
-          <a:fillRef idx="1">
-            <a:schemeClr val="lt1"/>
-          </a:fillRef>
-          <a:effectRef idx="0">
-            <a:schemeClr val="accent1"/>
-          </a:effectRef>
-          <a:fontRef idx="minor">
-            <a:schemeClr val="dk1"/>
-          </a:fontRef>
-        </p:style>
-        <p:txBody>
-          <a:bodyPr lIns="124733" tIns="62367" rIns="124733" bIns="62367" rtlCol="0" anchor="ctr"/>
-          <a:lstStyle/>
-          <a:p>
-            <a:pPr algn="ctr"/>
-            <a:r>
-              <a:rPr lang="ru-RU" sz="1400" dirty="0"/>
-              <a:t>Учебные патрули</a:t>
-            </a:r>
-          </a:p>
-        </p:txBody>
-      </p:sp>
-      <p:sp>
-        <p:nvSpPr>
-          <p:cNvPr id="253" name="Прямоугольник 252"/>
-          <p:cNvSpPr/>
-          <p:nvPr/>
-        </p:nvSpPr>
-        <p:spPr>
-          <a:xfrm>
-            <a:off x="38976142" y="5821310"/>
-            <a:ext cx="2115918" cy="1080000"/>
-          </a:xfrm>
-          <a:prstGeom prst="rect">
-            <a:avLst/>
-          </a:prstGeom>
-          <a:ln w="28575"/>
-        </p:spPr>
-        <p:style>
-          <a:lnRef idx="2">
-            <a:schemeClr val="accent1"/>
-          </a:lnRef>
-          <a:fillRef idx="1">
-            <a:schemeClr val="lt1"/>
-          </a:fillRef>
-          <a:effectRef idx="0">
-            <a:schemeClr val="accent1"/>
-          </a:effectRef>
-          <a:fontRef idx="minor">
-            <a:schemeClr val="dk1"/>
-          </a:fontRef>
-        </p:style>
-        <p:txBody>
-          <a:bodyPr lIns="124733" tIns="62367" rIns="124733" bIns="62367" rtlCol="0" anchor="ctr"/>
-          <a:lstStyle/>
-          <a:p>
-            <a:pPr algn="ctr"/>
-            <a:r>
-              <a:rPr lang="ru-RU" sz="1400" dirty="0"/>
-              <a:t>Корабли береговой обороны (линкоры </a:t>
-            </a:r>
-            <a:r>
-              <a:rPr lang="en-US" sz="1400" dirty="0"/>
-              <a:t>HTMS Thonburi</a:t>
-            </a:r>
-            <a:r>
-              <a:rPr lang="ru-RU" sz="1400" dirty="0"/>
-              <a:t>, два было готово к 1938)</a:t>
-            </a:r>
-          </a:p>
-        </p:txBody>
-      </p:sp>
-      <p:sp>
-        <p:nvSpPr>
-          <p:cNvPr id="255" name="Прямоугольник 254"/>
-          <p:cNvSpPr/>
-          <p:nvPr/>
-        </p:nvSpPr>
-        <p:spPr>
-          <a:xfrm>
-            <a:off x="34290571" y="7386187"/>
-            <a:ext cx="2115918" cy="1080000"/>
-          </a:xfrm>
-          <a:prstGeom prst="rect">
-            <a:avLst/>
-          </a:prstGeom>
-          <a:ln w="28575"/>
-        </p:spPr>
-        <p:style>
-          <a:lnRef idx="2">
-            <a:schemeClr val="accent1"/>
-          </a:lnRef>
-          <a:fillRef idx="1">
-            <a:schemeClr val="lt1"/>
-          </a:fillRef>
-          <a:effectRef idx="0">
-            <a:schemeClr val="accent1"/>
-          </a:effectRef>
-          <a:fontRef idx="minor">
-            <a:schemeClr val="dk1"/>
-          </a:fontRef>
-        </p:style>
-        <p:txBody>
-          <a:bodyPr lIns="124733" tIns="62367" rIns="124733" bIns="62367" rtlCol="0" anchor="ctr"/>
-          <a:lstStyle/>
-          <a:p>
-            <a:pPr algn="ctr"/>
-            <a:r>
-              <a:rPr lang="ru-RU" sz="1400" dirty="0"/>
-              <a:t>Военно-морская база </a:t>
-            </a:r>
-            <a:r>
-              <a:rPr lang="ru-RU" sz="1400" dirty="0" err="1"/>
-              <a:t>Саттахип</a:t>
-            </a:r>
-            <a:endParaRPr lang="ru-RU" sz="800" dirty="0"/>
-          </a:p>
-        </p:txBody>
-      </p:sp>
-      <p:sp>
-        <p:nvSpPr>
-          <p:cNvPr id="258" name="Прямоугольник 257"/>
-          <p:cNvSpPr/>
-          <p:nvPr/>
-        </p:nvSpPr>
-        <p:spPr>
-          <a:xfrm>
-            <a:off x="17179773" y="361734"/>
-            <a:ext cx="2115918" cy="1080000"/>
-          </a:xfrm>
-          <a:prstGeom prst="rect">
-            <a:avLst/>
-          </a:prstGeom>
-          <a:ln w="28575"/>
-        </p:spPr>
-        <p:style>
-          <a:lnRef idx="2">
-            <a:schemeClr val="accent1"/>
-          </a:lnRef>
-          <a:fillRef idx="1">
-            <a:schemeClr val="lt1"/>
-          </a:fillRef>
-          <a:effectRef idx="0">
-            <a:schemeClr val="accent1"/>
-          </a:effectRef>
-          <a:fontRef idx="minor">
-            <a:schemeClr val="dk1"/>
-          </a:fontRef>
-        </p:style>
-        <p:txBody>
-          <a:bodyPr lIns="124733" tIns="62367" rIns="124733" bIns="62367" rtlCol="0" anchor="ctr"/>
-          <a:lstStyle/>
-          <a:p>
-            <a:pPr algn="ctr"/>
-            <a:r>
-              <a:rPr lang="en-US" sz="1400" dirty="0"/>
-              <a:t>Sindhu </a:t>
-            </a:r>
-            <a:r>
-              <a:rPr lang="en-US" sz="1400" dirty="0" err="1"/>
-              <a:t>Kamalanavin</a:t>
-            </a:r>
-            <a:r>
-              <a:rPr lang="ru-RU" sz="1400" dirty="0"/>
-              <a:t> – адмирал и министр ВМФ с 1938 по 1951, адмирал </a:t>
-            </a:r>
-            <a:r>
-              <a:rPr lang="en-US" sz="1400" dirty="0"/>
-              <a:t>Phraya </a:t>
-            </a:r>
-            <a:r>
-              <a:rPr lang="en-US" sz="1400" dirty="0" err="1"/>
-              <a:t>Wichanworajak</a:t>
-            </a:r>
-            <a:endParaRPr lang="ru-RU" sz="1400" dirty="0"/>
-          </a:p>
-        </p:txBody>
-      </p:sp>
-      <p:sp>
-        <p:nvSpPr>
-          <p:cNvPr id="259" name="Прямоугольник 258"/>
-          <p:cNvSpPr/>
-          <p:nvPr/>
-        </p:nvSpPr>
-        <p:spPr>
-          <a:xfrm>
-            <a:off x="38976142" y="7386187"/>
-            <a:ext cx="2115918" cy="1080000"/>
-          </a:xfrm>
-          <a:prstGeom prst="rect">
-            <a:avLst/>
-          </a:prstGeom>
-          <a:ln w="28575"/>
-        </p:spPr>
-        <p:style>
-          <a:lnRef idx="2">
-            <a:schemeClr val="accent1"/>
-          </a:lnRef>
-          <a:fillRef idx="1">
-            <a:schemeClr val="lt1"/>
-          </a:fillRef>
-          <a:effectRef idx="0">
-            <a:schemeClr val="accent1"/>
-          </a:effectRef>
-          <a:fontRef idx="minor">
-            <a:schemeClr val="dk1"/>
-          </a:fontRef>
-        </p:style>
-        <p:txBody>
-          <a:bodyPr lIns="124733" tIns="62367" rIns="124733" bIns="62367" rtlCol="0" anchor="ctr"/>
-          <a:lstStyle/>
-          <a:p>
-            <a:pPr algn="ctr"/>
-            <a:r>
-              <a:rPr lang="ru-RU" sz="1400" dirty="0"/>
-              <a:t>Королевская военно-морская верфь</a:t>
-            </a:r>
-          </a:p>
-        </p:txBody>
-      </p:sp>
-      <p:sp>
-        <p:nvSpPr>
-          <p:cNvPr id="261" name="Прямоугольник 260"/>
-          <p:cNvSpPr/>
-          <p:nvPr/>
-        </p:nvSpPr>
-        <p:spPr>
-          <a:xfrm>
-            <a:off x="36633357" y="10301719"/>
-            <a:ext cx="2115918" cy="1080000"/>
-          </a:xfrm>
-          <a:prstGeom prst="rect">
-            <a:avLst/>
-          </a:prstGeom>
-          <a:ln w="28575"/>
-        </p:spPr>
-        <p:style>
-          <a:lnRef idx="2">
-            <a:schemeClr val="accent1"/>
-          </a:lnRef>
-          <a:fillRef idx="1">
-            <a:schemeClr val="lt1"/>
-          </a:fillRef>
-          <a:effectRef idx="0">
-            <a:schemeClr val="accent1"/>
-          </a:effectRef>
-          <a:fontRef idx="minor">
-            <a:schemeClr val="dk1"/>
-          </a:fontRef>
-        </p:style>
-        <p:txBody>
-          <a:bodyPr lIns="124733" tIns="62367" rIns="124733" bIns="62367" rtlCol="0" anchor="ctr"/>
-          <a:lstStyle/>
-          <a:p>
-            <a:pPr algn="ctr"/>
-            <a:r>
-              <a:rPr lang="ru-RU" sz="1400"/>
-              <a:t>Сотрудничество с США для обучения морской пехоты</a:t>
-            </a:r>
-            <a:endParaRPr lang="ru-RU" sz="1400" dirty="0"/>
-          </a:p>
-        </p:txBody>
-      </p:sp>
-      <p:sp>
-        <p:nvSpPr>
-          <p:cNvPr id="262" name="Прямоугольник 261"/>
-          <p:cNvSpPr/>
-          <p:nvPr/>
-        </p:nvSpPr>
-        <p:spPr>
-          <a:xfrm>
-            <a:off x="37811579" y="8893729"/>
-            <a:ext cx="2115918" cy="1080000"/>
-          </a:xfrm>
-          <a:prstGeom prst="rect">
-            <a:avLst/>
-          </a:prstGeom>
-          <a:ln w="28575"/>
-        </p:spPr>
-        <p:style>
-          <a:lnRef idx="2">
-            <a:schemeClr val="accent1"/>
-          </a:lnRef>
-          <a:fillRef idx="1">
-            <a:schemeClr val="lt1"/>
-          </a:fillRef>
-          <a:effectRef idx="0">
-            <a:schemeClr val="accent1"/>
-          </a:effectRef>
-          <a:fontRef idx="minor">
-            <a:schemeClr val="dk1"/>
-          </a:fontRef>
-        </p:style>
-        <p:txBody>
-          <a:bodyPr lIns="124733" tIns="62367" rIns="124733" bIns="62367" rtlCol="0" anchor="ctr"/>
-          <a:lstStyle/>
-          <a:p>
-            <a:pPr algn="ctr"/>
-            <a:r>
-              <a:rPr lang="ru-RU" sz="1400" dirty="0"/>
-              <a:t>Расшить королевский корпус морской пехоты (В 1937)</a:t>
-            </a:r>
-          </a:p>
-        </p:txBody>
-      </p:sp>
-      <p:sp>
-        <p:nvSpPr>
-          <p:cNvPr id="264" name="Прямоугольник 263"/>
-          <p:cNvSpPr/>
-          <p:nvPr/>
-        </p:nvSpPr>
-        <p:spPr>
-          <a:xfrm>
-            <a:off x="38976142" y="10309676"/>
-            <a:ext cx="2115918" cy="1080000"/>
-          </a:xfrm>
-          <a:prstGeom prst="rect">
-            <a:avLst/>
-          </a:prstGeom>
-          <a:ln w="28575"/>
-        </p:spPr>
-        <p:style>
-          <a:lnRef idx="2">
-            <a:schemeClr val="accent1"/>
-          </a:lnRef>
-          <a:fillRef idx="1">
-            <a:schemeClr val="lt1"/>
-          </a:fillRef>
-          <a:effectRef idx="0">
-            <a:schemeClr val="accent1"/>
-          </a:effectRef>
-          <a:fontRef idx="minor">
-            <a:schemeClr val="dk1"/>
-          </a:fontRef>
-        </p:style>
-        <p:txBody>
-          <a:bodyPr lIns="124733" tIns="62367" rIns="124733" bIns="62367" rtlCol="0" anchor="ctr"/>
-          <a:lstStyle/>
-          <a:p>
-            <a:pPr algn="ctr"/>
-            <a:r>
-              <a:rPr lang="ru-RU" sz="1400" dirty="0"/>
-              <a:t>Департамент морской пехоты</a:t>
-            </a:r>
-          </a:p>
-        </p:txBody>
-      </p:sp>
-      <p:sp>
-        <p:nvSpPr>
-          <p:cNvPr id="265" name="Прямоугольник 264"/>
-          <p:cNvSpPr/>
-          <p:nvPr/>
-        </p:nvSpPr>
-        <p:spPr>
-          <a:xfrm>
-            <a:off x="35460890" y="8897133"/>
-            <a:ext cx="2115918" cy="1080000"/>
-          </a:xfrm>
-          <a:prstGeom prst="rect">
-            <a:avLst/>
-          </a:prstGeom>
-          <a:ln w="28575"/>
-        </p:spPr>
-        <p:style>
-          <a:lnRef idx="2">
-            <a:schemeClr val="accent1"/>
-          </a:lnRef>
-          <a:fillRef idx="1">
-            <a:schemeClr val="lt1"/>
-          </a:fillRef>
-          <a:effectRef idx="0">
-            <a:schemeClr val="accent1"/>
-          </a:effectRef>
-          <a:fontRef idx="minor">
-            <a:schemeClr val="dk1"/>
-          </a:fontRef>
-        </p:style>
-        <p:txBody>
-          <a:bodyPr lIns="124733" tIns="62367" rIns="124733" bIns="62367" rtlCol="0" anchor="ctr"/>
-          <a:lstStyle/>
-          <a:p>
-            <a:pPr algn="ctr"/>
-            <a:r>
-              <a:rPr lang="ru-RU" sz="1400" dirty="0"/>
-              <a:t>Королевская военно-воздушная дивизия</a:t>
-            </a:r>
-          </a:p>
-        </p:txBody>
-      </p:sp>
-      <p:cxnSp>
-        <p:nvCxnSpPr>
-          <p:cNvPr id="268" name="Прямая со стрелкой 267"/>
-          <p:cNvCxnSpPr>
-            <a:stCxn id="249" idx="2"/>
-            <a:endCxn id="255" idx="0"/>
-          </p:cNvCxnSpPr>
-          <p:nvPr/>
-        </p:nvCxnSpPr>
-        <p:spPr>
-          <a:xfrm flipH="1">
-            <a:off x="35348530" y="6905051"/>
-            <a:ext cx="1" cy="481136"/>
-          </a:xfrm>
-          <a:prstGeom prst="straightConnector1">
-            <a:avLst/>
-          </a:prstGeom>
-          <a:ln w="28575">
-            <a:tailEnd type="arrow"/>
-          </a:ln>
-        </p:spPr>
-        <p:style>
-          <a:lnRef idx="1">
-            <a:schemeClr val="accent1"/>
-          </a:lnRef>
-          <a:fillRef idx="0">
-            <a:schemeClr val="accent1"/>
-          </a:fillRef>
-          <a:effectRef idx="0">
-            <a:schemeClr val="accent1"/>
-          </a:effectRef>
-          <a:fontRef idx="minor">
-            <a:schemeClr val="tx1"/>
-          </a:fontRef>
-        </p:style>
-      </p:cxnSp>
-      <p:cxnSp>
-        <p:nvCxnSpPr>
-          <p:cNvPr id="270" name="Shape 248"/>
-          <p:cNvCxnSpPr>
-            <a:stCxn id="247" idx="2"/>
-            <a:endCxn id="249" idx="0"/>
+            <a:tailEnd type="arrow"/>
+          </a:ln>
+        </p:spPr>
+        <p:style>
+          <a:lnRef idx="1">
+            <a:schemeClr val="accent1"/>
+          </a:lnRef>
+          <a:fillRef idx="0">
+            <a:schemeClr val="accent1"/>
+          </a:fillRef>
+          <a:effectRef idx="0">
+            <a:schemeClr val="accent1"/>
+          </a:effectRef>
+          <a:fontRef idx="minor">
+            <a:schemeClr val="tx1"/>
+          </a:fontRef>
+        </p:style>
+      </p:cxnSp>
+      <p:cxnSp>
+        <p:nvCxnSpPr>
+          <p:cNvPr id="274" name="Shape 248"/>
+          <p:cNvCxnSpPr>
+            <a:stCxn id="253" idx="2"/>
+            <a:endCxn id="252" idx="0"/>
           </p:cNvCxnSpPr>
           <p:nvPr/>
         </p:nvCxnSpPr>
         <p:spPr>
           <a:xfrm rot="5400000">
-            <a:off x="36358868" y="4492602"/>
-            <a:ext cx="322113" cy="2342785"/>
+            <a:off x="29040836" y="5972356"/>
+            <a:ext cx="484877" cy="2342785"/>
           </a:xfrm>
           <a:prstGeom prst="bentConnector3">
             <a:avLst>
@@ -12054,37 +12093,38 @@
             </a:avLst>
           </a:prstGeom>
           <a:ln w="28575">
-            <a:tailEnd type="arrow"/>
-          </a:ln>
-        </p:spPr>
-        <p:style>
-          <a:lnRef idx="1">
-            <a:schemeClr val="accent1"/>
-          </a:lnRef>
-          <a:fillRef idx="0">
-            <a:schemeClr val="accent1"/>
-          </a:fillRef>
-          <a:effectRef idx="0">
-            <a:schemeClr val="accent1"/>
-          </a:effectRef>
-          <a:fontRef idx="minor">
-            <a:schemeClr val="tx1"/>
-          </a:fontRef>
-        </p:style>
-      </p:cxnSp>
-      <p:cxnSp>
-        <p:nvCxnSpPr>
-          <p:cNvPr id="271" name="Shape 248"/>
-          <p:cNvCxnSpPr>
-            <a:stCxn id="247" idx="2"/>
-            <a:endCxn id="253" idx="0"/>
+            <a:prstDash val="dash"/>
+            <a:tailEnd type="arrow"/>
+          </a:ln>
+        </p:spPr>
+        <p:style>
+          <a:lnRef idx="1">
+            <a:schemeClr val="accent1"/>
+          </a:lnRef>
+          <a:fillRef idx="0">
+            <a:schemeClr val="accent1"/>
+          </a:fillRef>
+          <a:effectRef idx="0">
+            <a:schemeClr val="accent1"/>
+          </a:effectRef>
+          <a:fontRef idx="minor">
+            <a:schemeClr val="tx1"/>
+          </a:fontRef>
+        </p:style>
+      </p:cxnSp>
+      <p:cxnSp>
+        <p:nvCxnSpPr>
+          <p:cNvPr id="279" name="Shape 248"/>
+          <p:cNvCxnSpPr>
+            <a:stCxn id="249" idx="2"/>
+            <a:endCxn id="252" idx="0"/>
           </p:cNvCxnSpPr>
           <p:nvPr/>
         </p:nvCxnSpPr>
         <p:spPr>
           <a:xfrm rot="16200000" flipH="1">
-            <a:off x="38703522" y="4490731"/>
-            <a:ext cx="318372" cy="2342785"/>
+            <a:off x="26699920" y="5974226"/>
+            <a:ext cx="481136" cy="2342785"/>
           </a:xfrm>
           <a:prstGeom prst="bentConnector3">
             <a:avLst>
@@ -12092,37 +12132,74 @@
             </a:avLst>
           </a:prstGeom>
           <a:ln w="28575">
-            <a:tailEnd type="arrow"/>
-          </a:ln>
-        </p:spPr>
-        <p:style>
-          <a:lnRef idx="1">
-            <a:schemeClr val="accent1"/>
-          </a:lnRef>
-          <a:fillRef idx="0">
-            <a:schemeClr val="accent1"/>
-          </a:fillRef>
-          <a:effectRef idx="0">
-            <a:schemeClr val="accent1"/>
-          </a:effectRef>
-          <a:fontRef idx="minor">
-            <a:schemeClr val="tx1"/>
-          </a:fontRef>
-        </p:style>
-      </p:cxnSp>
-      <p:cxnSp>
-        <p:nvCxnSpPr>
-          <p:cNvPr id="274" name="Shape 248"/>
+            <a:prstDash val="dash"/>
+            <a:tailEnd type="arrow"/>
+          </a:ln>
+        </p:spPr>
+        <p:style>
+          <a:lnRef idx="1">
+            <a:schemeClr val="accent1"/>
+          </a:lnRef>
+          <a:fillRef idx="0">
+            <a:schemeClr val="accent1"/>
+          </a:fillRef>
+          <a:effectRef idx="0">
+            <a:schemeClr val="accent1"/>
+          </a:effectRef>
+          <a:fontRef idx="minor">
+            <a:schemeClr val="tx1"/>
+          </a:fontRef>
+        </p:style>
+      </p:cxnSp>
+      <p:cxnSp>
+        <p:nvCxnSpPr>
+          <p:cNvPr id="280" name="Прямая со стрелкой 279"/>
           <p:cNvCxnSpPr>
             <a:stCxn id="253" idx="2"/>
-            <a:endCxn id="252" idx="0"/>
+            <a:endCxn id="259" idx="0"/>
+          </p:cNvCxnSpPr>
+          <p:nvPr/>
+        </p:nvCxnSpPr>
+        <p:spPr>
+          <a:xfrm>
+            <a:off x="30454666" y="6901310"/>
+            <a:ext cx="0" cy="484877"/>
+          </a:xfrm>
+          <a:prstGeom prst="straightConnector1">
+            <a:avLst/>
+          </a:prstGeom>
+          <a:ln w="28575">
+            <a:tailEnd type="arrow"/>
+          </a:ln>
+        </p:spPr>
+        <p:style>
+          <a:lnRef idx="1">
+            <a:schemeClr val="accent1"/>
+          </a:lnRef>
+          <a:fillRef idx="0">
+            <a:schemeClr val="accent1"/>
+          </a:fillRef>
+          <a:effectRef idx="0">
+            <a:schemeClr val="accent1"/>
+          </a:effectRef>
+          <a:fontRef idx="minor">
+            <a:schemeClr val="tx1"/>
+          </a:fontRef>
+        </p:style>
+      </p:cxnSp>
+      <p:cxnSp>
+        <p:nvCxnSpPr>
+          <p:cNvPr id="282" name="Shape 248"/>
+          <p:cNvCxnSpPr>
+            <a:stCxn id="259" idx="2"/>
+            <a:endCxn id="262" idx="0"/>
           </p:cNvCxnSpPr>
           <p:nvPr/>
         </p:nvCxnSpPr>
         <p:spPr>
           <a:xfrm rot="5400000">
-            <a:off x="38620271" y="5972356"/>
-            <a:ext cx="484877" cy="2342785"/>
+            <a:off x="29658614" y="8097677"/>
+            <a:ext cx="427542" cy="1164563"/>
           </a:xfrm>
           <a:prstGeom prst="bentConnector3">
             <a:avLst>
@@ -12151,17 +12228,17 @@
       </p:cxnSp>
       <p:cxnSp>
         <p:nvCxnSpPr>
-          <p:cNvPr id="279" name="Shape 248"/>
-          <p:cNvCxnSpPr>
-            <a:stCxn id="249" idx="2"/>
-            <a:endCxn id="252" idx="0"/>
+          <p:cNvPr id="283" name="Shape 248"/>
+          <p:cNvCxnSpPr>
+            <a:stCxn id="252" idx="2"/>
+            <a:endCxn id="262" idx="0"/>
           </p:cNvCxnSpPr>
           <p:nvPr/>
         </p:nvCxnSpPr>
         <p:spPr>
           <a:xfrm rot="16200000" flipH="1">
-            <a:off x="36279355" y="5974226"/>
-            <a:ext cx="481136" cy="2342785"/>
+            <a:off x="28487221" y="8090847"/>
+            <a:ext cx="427542" cy="1178222"/>
           </a:xfrm>
           <a:prstGeom prst="bentConnector3">
             <a:avLst>
@@ -12190,53 +12267,17 @@
       </p:cxnSp>
       <p:cxnSp>
         <p:nvCxnSpPr>
-          <p:cNvPr id="280" name="Прямая со стрелкой 279"/>
-          <p:cNvCxnSpPr>
-            <a:stCxn id="253" idx="2"/>
-            <a:endCxn id="259" idx="0"/>
-          </p:cNvCxnSpPr>
-          <p:nvPr/>
-        </p:nvCxnSpPr>
-        <p:spPr>
-          <a:xfrm>
-            <a:off x="40034101" y="6901310"/>
-            <a:ext cx="0" cy="484877"/>
-          </a:xfrm>
-          <a:prstGeom prst="straightConnector1">
-            <a:avLst/>
-          </a:prstGeom>
-          <a:ln w="28575">
-            <a:tailEnd type="arrow"/>
-          </a:ln>
-        </p:spPr>
-        <p:style>
-          <a:lnRef idx="1">
-            <a:schemeClr val="accent1"/>
-          </a:lnRef>
-          <a:fillRef idx="0">
-            <a:schemeClr val="accent1"/>
-          </a:fillRef>
-          <a:effectRef idx="0">
-            <a:schemeClr val="accent1"/>
-          </a:effectRef>
-          <a:fontRef idx="minor">
-            <a:schemeClr val="tx1"/>
-          </a:fontRef>
-        </p:style>
-      </p:cxnSp>
-      <p:cxnSp>
-        <p:nvCxnSpPr>
-          <p:cNvPr id="282" name="Shape 248"/>
-          <p:cNvCxnSpPr>
-            <a:stCxn id="259" idx="2"/>
-            <a:endCxn id="262" idx="0"/>
+          <p:cNvPr id="284" name="Shape 248"/>
+          <p:cNvCxnSpPr>
+            <a:stCxn id="262" idx="2"/>
+            <a:endCxn id="261" idx="0"/>
           </p:cNvCxnSpPr>
           <p:nvPr/>
         </p:nvCxnSpPr>
         <p:spPr>
           <a:xfrm rot="5400000">
-            <a:off x="39238049" y="8097677"/>
-            <a:ext cx="427542" cy="1164563"/>
+            <a:off x="28536997" y="9548613"/>
+            <a:ext cx="327990" cy="1178222"/>
           </a:xfrm>
           <a:prstGeom prst="bentConnector3">
             <a:avLst>
@@ -12244,38 +12285,37 @@
             </a:avLst>
           </a:prstGeom>
           <a:ln w="28575">
-            <a:prstDash val="dash"/>
-            <a:tailEnd type="arrow"/>
-          </a:ln>
-        </p:spPr>
-        <p:style>
-          <a:lnRef idx="1">
-            <a:schemeClr val="accent1"/>
-          </a:lnRef>
-          <a:fillRef idx="0">
-            <a:schemeClr val="accent1"/>
-          </a:fillRef>
-          <a:effectRef idx="0">
-            <a:schemeClr val="accent1"/>
-          </a:effectRef>
-          <a:fontRef idx="minor">
-            <a:schemeClr val="tx1"/>
-          </a:fontRef>
-        </p:style>
-      </p:cxnSp>
-      <p:cxnSp>
-        <p:nvCxnSpPr>
-          <p:cNvPr id="283" name="Shape 248"/>
-          <p:cNvCxnSpPr>
-            <a:stCxn id="252" idx="2"/>
-            <a:endCxn id="262" idx="0"/>
+            <a:tailEnd type="arrow"/>
+          </a:ln>
+        </p:spPr>
+        <p:style>
+          <a:lnRef idx="1">
+            <a:schemeClr val="accent1"/>
+          </a:lnRef>
+          <a:fillRef idx="0">
+            <a:schemeClr val="accent1"/>
+          </a:fillRef>
+          <a:effectRef idx="0">
+            <a:schemeClr val="accent1"/>
+          </a:effectRef>
+          <a:fontRef idx="minor">
+            <a:schemeClr val="tx1"/>
+          </a:fontRef>
+        </p:style>
+      </p:cxnSp>
+      <p:cxnSp>
+        <p:nvCxnSpPr>
+          <p:cNvPr id="285" name="Shape 248"/>
+          <p:cNvCxnSpPr>
+            <a:stCxn id="262" idx="2"/>
+            <a:endCxn id="264" idx="0"/>
           </p:cNvCxnSpPr>
           <p:nvPr/>
         </p:nvCxnSpPr>
         <p:spPr>
           <a:xfrm rot="16200000" flipH="1">
-            <a:off x="38066656" y="8090847"/>
-            <a:ext cx="427542" cy="1178222"/>
+            <a:off x="29704411" y="9559420"/>
+            <a:ext cx="335947" cy="1164563"/>
           </a:xfrm>
           <a:prstGeom prst="bentConnector3">
             <a:avLst>
@@ -12283,83 +12323,6 @@
             </a:avLst>
           </a:prstGeom>
           <a:ln w="28575">
-            <a:prstDash val="dash"/>
-            <a:tailEnd type="arrow"/>
-          </a:ln>
-        </p:spPr>
-        <p:style>
-          <a:lnRef idx="1">
-            <a:schemeClr val="accent1"/>
-          </a:lnRef>
-          <a:fillRef idx="0">
-            <a:schemeClr val="accent1"/>
-          </a:fillRef>
-          <a:effectRef idx="0">
-            <a:schemeClr val="accent1"/>
-          </a:effectRef>
-          <a:fontRef idx="minor">
-            <a:schemeClr val="tx1"/>
-          </a:fontRef>
-        </p:style>
-      </p:cxnSp>
-      <p:cxnSp>
-        <p:nvCxnSpPr>
-          <p:cNvPr id="284" name="Shape 248"/>
-          <p:cNvCxnSpPr>
-            <a:stCxn id="262" idx="2"/>
-            <a:endCxn id="261" idx="0"/>
-          </p:cNvCxnSpPr>
-          <p:nvPr/>
-        </p:nvCxnSpPr>
-        <p:spPr>
-          <a:xfrm rot="5400000">
-            <a:off x="38116432" y="9548613"/>
-            <a:ext cx="327990" cy="1178222"/>
-          </a:xfrm>
-          <a:prstGeom prst="bentConnector3">
-            <a:avLst>
-              <a:gd name="adj1" fmla="val 50000"/>
-            </a:avLst>
-          </a:prstGeom>
-          <a:ln w="28575">
-            <a:tailEnd type="arrow"/>
-          </a:ln>
-        </p:spPr>
-        <p:style>
-          <a:lnRef idx="1">
-            <a:schemeClr val="accent1"/>
-          </a:lnRef>
-          <a:fillRef idx="0">
-            <a:schemeClr val="accent1"/>
-          </a:fillRef>
-          <a:effectRef idx="0">
-            <a:schemeClr val="accent1"/>
-          </a:effectRef>
-          <a:fontRef idx="minor">
-            <a:schemeClr val="tx1"/>
-          </a:fontRef>
-        </p:style>
-      </p:cxnSp>
-      <p:cxnSp>
-        <p:nvCxnSpPr>
-          <p:cNvPr id="285" name="Shape 248"/>
-          <p:cNvCxnSpPr>
-            <a:stCxn id="262" idx="2"/>
-            <a:endCxn id="264" idx="0"/>
-          </p:cNvCxnSpPr>
-          <p:nvPr/>
-        </p:nvCxnSpPr>
-        <p:spPr>
-          <a:xfrm rot="16200000" flipH="1">
-            <a:off x="39283846" y="9559420"/>
-            <a:ext cx="335947" cy="1164563"/>
-          </a:xfrm>
-          <a:prstGeom prst="bentConnector3">
-            <a:avLst>
-              <a:gd name="adj1" fmla="val 50000"/>
-            </a:avLst>
-          </a:prstGeom>
-          <a:ln w="28575">
             <a:tailEnd type="arrow"/>
           </a:ln>
         </p:spPr>
@@ -12389,7 +12352,7 @@
         </p:nvCxnSpPr>
         <p:spPr>
           <a:xfrm>
-            <a:off x="37691316" y="5502938"/>
+            <a:off x="28111881" y="5502938"/>
             <a:ext cx="0" cy="311480"/>
           </a:xfrm>
           <a:prstGeom prst="straightConnector1">
@@ -12422,7 +12385,7 @@
         </p:nvSpPr>
         <p:spPr>
           <a:xfrm>
-            <a:off x="8382133" y="4362319"/>
+            <a:off x="-1197302" y="4362319"/>
             <a:ext cx="2115918" cy="1080000"/>
           </a:xfrm>
           <a:prstGeom prst="rect">
@@ -17188,7 +17151,7 @@
         </p:nvSpPr>
         <p:spPr>
           <a:xfrm>
-            <a:off x="10764364" y="13252218"/>
+            <a:off x="1184929" y="13252218"/>
             <a:ext cx="2115918" cy="1080000"/>
           </a:xfrm>
           <a:prstGeom prst="rect">
@@ -17233,7 +17196,7 @@
         </p:nvCxnSpPr>
         <p:spPr>
           <a:xfrm rot="16200000" flipH="1">
-            <a:off x="9848096" y="11277990"/>
+            <a:off x="268661" y="11277990"/>
             <a:ext cx="390837" cy="3557618"/>
           </a:xfrm>
           <a:prstGeom prst="bentConnector3">
@@ -17268,7 +17231,7 @@
         </p:nvSpPr>
         <p:spPr>
           <a:xfrm>
-            <a:off x="11916222" y="14542994"/>
+            <a:off x="2336787" y="14542994"/>
             <a:ext cx="2115918" cy="1080000"/>
           </a:xfrm>
           <a:prstGeom prst="rect">
@@ -17313,7 +17276,7 @@
         </p:nvCxnSpPr>
         <p:spPr>
           <a:xfrm rot="16200000" flipH="1">
-            <a:off x="12292864" y="13861677"/>
+            <a:off x="2713429" y="13861677"/>
             <a:ext cx="210776" cy="1151858"/>
           </a:xfrm>
           <a:prstGeom prst="bentConnector3">
@@ -23920,7 +23883,7 @@
         </p:nvSpPr>
         <p:spPr>
           <a:xfrm>
-            <a:off x="20701002" y="14154554"/>
+            <a:off x="20656537" y="14637696"/>
             <a:ext cx="2115918" cy="1080000"/>
           </a:xfrm>
           <a:prstGeom prst="rect">
@@ -23965,7 +23928,7 @@
         </p:nvCxnSpPr>
         <p:spPr>
           <a:xfrm rot="5400000">
-            <a:off x="3269486" y="5933618"/>
+            <a:off x="-6309949" y="5933618"/>
             <a:ext cx="491768" cy="2413373"/>
           </a:xfrm>
           <a:prstGeom prst="bentConnector3">
@@ -24004,7 +23967,7 @@
         </p:nvCxnSpPr>
         <p:spPr>
           <a:xfrm rot="16200000" flipH="1">
-            <a:off x="5651016" y="5965459"/>
+            <a:off x="-3928419" y="5965459"/>
             <a:ext cx="496316" cy="2354237"/>
           </a:xfrm>
           <a:prstGeom prst="bentConnector3">
@@ -24043,7 +24006,7 @@
         </p:nvCxnSpPr>
         <p:spPr>
           <a:xfrm rot="16200000" flipH="1">
-            <a:off x="6831547" y="4784929"/>
+            <a:off x="-2747888" y="4784929"/>
             <a:ext cx="484943" cy="4703924"/>
           </a:xfrm>
           <a:prstGeom prst="bentConnector3">
@@ -24082,7 +24045,7 @@
         </p:nvCxnSpPr>
         <p:spPr>
           <a:xfrm rot="5400000">
-            <a:off x="4447093" y="4756629"/>
+            <a:off x="-5132342" y="4756629"/>
             <a:ext cx="491150" cy="4767969"/>
           </a:xfrm>
           <a:prstGeom prst="bentConnector3">
@@ -24121,7 +24084,7 @@
         </p:nvCxnSpPr>
         <p:spPr>
           <a:xfrm rot="5400000">
-            <a:off x="5661741" y="5959903"/>
+            <a:off x="-3917694" y="5959903"/>
             <a:ext cx="479776" cy="2350047"/>
           </a:xfrm>
           <a:prstGeom prst="bentConnector3">
@@ -24160,7 +24123,7 @@
         </p:nvCxnSpPr>
         <p:spPr>
           <a:xfrm rot="16200000" flipH="1">
-            <a:off x="8009154" y="5962536"/>
+            <a:off x="-1570281" y="5962536"/>
             <a:ext cx="484325" cy="2349328"/>
           </a:xfrm>
           <a:prstGeom prst="bentConnector3">
@@ -24199,7 +24162,7 @@
         </p:nvCxnSpPr>
         <p:spPr>
           <a:xfrm>
-            <a:off x="4722056" y="6894420"/>
+            <a:off x="-4857379" y="6894420"/>
             <a:ext cx="4549" cy="480394"/>
           </a:xfrm>
           <a:prstGeom prst="straightConnector1">
@@ -24236,7 +24199,7 @@
         </p:nvCxnSpPr>
         <p:spPr>
           <a:xfrm flipH="1">
-            <a:off x="7076293" y="6895038"/>
+            <a:off x="-2503142" y="6895038"/>
             <a:ext cx="359" cy="495698"/>
           </a:xfrm>
           <a:prstGeom prst="straightConnector1">
@@ -24273,7 +24236,7 @@
         </p:nvCxnSpPr>
         <p:spPr>
           <a:xfrm rot="16200000" flipH="1">
-            <a:off x="13265320" y="6547739"/>
+            <a:off x="3685885" y="6547739"/>
             <a:ext cx="480393" cy="1173754"/>
           </a:xfrm>
           <a:prstGeom prst="bentConnector3">
@@ -24305,6 +24268,7 @@
         <p:nvCxnSpPr>
           <p:cNvPr id="582" name="Shape 248"/>
           <p:cNvCxnSpPr>
+            <a:cxnSpLocks/>
             <a:stCxn id="146" idx="2"/>
             <a:endCxn id="113" idx="0"/>
           </p:cNvCxnSpPr>
@@ -24312,7 +24276,7 @@
         </p:nvCxnSpPr>
         <p:spPr>
           <a:xfrm rot="5400000">
-            <a:off x="14439074" y="6547740"/>
+            <a:off x="4859639" y="6547740"/>
             <a:ext cx="480393" cy="1173753"/>
           </a:xfrm>
           <a:prstGeom prst="bentConnector3">
@@ -24351,7 +24315,7 @@
         </p:nvCxnSpPr>
         <p:spPr>
           <a:xfrm rot="5400000">
-            <a:off x="16783372" y="6544532"/>
+            <a:off x="7203937" y="6544532"/>
             <a:ext cx="480394" cy="1180168"/>
           </a:xfrm>
           <a:prstGeom prst="bentConnector3">
@@ -24390,7 +24354,7 @@
         </p:nvCxnSpPr>
         <p:spPr>
           <a:xfrm rot="16200000" flipH="1">
-            <a:off x="15609619" y="6550946"/>
+            <a:off x="6030184" y="6550946"/>
             <a:ext cx="480393" cy="1167339"/>
           </a:xfrm>
           <a:prstGeom prst="bentConnector3">
@@ -24429,7 +24393,7 @@
         </p:nvCxnSpPr>
         <p:spPr>
           <a:xfrm rot="16200000" flipH="1">
-            <a:off x="16855885" y="9802715"/>
+            <a:off x="7276450" y="9802715"/>
             <a:ext cx="385444" cy="3582108"/>
           </a:xfrm>
           <a:prstGeom prst="bentConnector3">
@@ -24468,7 +24432,7 @@
         </p:nvCxnSpPr>
         <p:spPr>
           <a:xfrm rot="16200000" flipH="1">
-            <a:off x="15682453" y="8629283"/>
+            <a:off x="6103018" y="8629283"/>
             <a:ext cx="393394" cy="5921022"/>
           </a:xfrm>
           <a:prstGeom prst="bentConnector3">
@@ -24504,7 +24468,7 @@
         </p:nvSpPr>
         <p:spPr>
           <a:xfrm>
-            <a:off x="31973036" y="7368617"/>
+            <a:off x="22393601" y="7368617"/>
             <a:ext cx="2115918" cy="1080000"/>
           </a:xfrm>
           <a:prstGeom prst="rect">
@@ -24549,7 +24513,7 @@
         </p:nvCxnSpPr>
         <p:spPr>
           <a:xfrm>
-            <a:off x="33030995" y="8448617"/>
+            <a:off x="23451560" y="8448617"/>
             <a:ext cx="3347" cy="1856507"/>
           </a:xfrm>
           <a:prstGeom prst="straightConnector1">
@@ -25850,7 +25814,7 @@
         </p:nvCxnSpPr>
         <p:spPr>
           <a:xfrm rot="16200000" flipH="1">
-            <a:off x="28144448" y="11882214"/>
+            <a:off x="18565013" y="11882214"/>
             <a:ext cx="398977" cy="2367530"/>
           </a:xfrm>
           <a:prstGeom prst="bentConnector3">
@@ -28298,7 +28262,7 @@
         </p:nvSpPr>
         <p:spPr>
           <a:xfrm>
-            <a:off x="4847540" y="14557620"/>
+            <a:off x="-4731895" y="14557620"/>
             <a:ext cx="2115918" cy="1080000"/>
           </a:xfrm>
           <a:prstGeom prst="rect">
@@ -28348,7 +28312,7 @@
         </p:nvCxnSpPr>
         <p:spPr>
           <a:xfrm flipH="1">
-            <a:off x="5905499" y="14342155"/>
+            <a:off x="-3673936" y="14342155"/>
             <a:ext cx="4009" cy="215465"/>
           </a:xfrm>
           <a:prstGeom prst="straightConnector1">
@@ -28384,7 +28348,7 @@
         </p:nvCxnSpPr>
         <p:spPr>
           <a:xfrm rot="16200000" flipH="1">
-            <a:off x="5713620" y="7761919"/>
+            <a:off x="-3865815" y="7761919"/>
             <a:ext cx="325718" cy="4760693"/>
           </a:xfrm>
           <a:prstGeom prst="bentConnector3">
@@ -28416,6 +28380,7 @@
         <p:nvCxnSpPr>
           <p:cNvPr id="704" name="Shape 248"/>
           <p:cNvCxnSpPr>
+            <a:cxnSpLocks/>
             <a:stCxn id="213" idx="2"/>
             <a:endCxn id="236" idx="0"/>
           </p:cNvCxnSpPr>
@@ -28423,7 +28388,7 @@
         </p:nvCxnSpPr>
         <p:spPr>
           <a:xfrm rot="5400000">
-            <a:off x="8092881" y="10141079"/>
+            <a:off x="-1486554" y="10141079"/>
             <a:ext cx="327992" cy="101"/>
           </a:xfrm>
           <a:prstGeom prst="bentConnector3">
@@ -28462,7 +28427,7 @@
         </p:nvCxnSpPr>
         <p:spPr>
           <a:xfrm flipV="1">
-            <a:off x="6969744" y="10845125"/>
+            <a:off x="-2609691" y="10845125"/>
             <a:ext cx="229123" cy="23"/>
           </a:xfrm>
           <a:prstGeom prst="line">
@@ -28493,6 +28458,7 @@
         <p:nvCxnSpPr>
           <p:cNvPr id="706" name="Прямая со стрелкой 705"/>
           <p:cNvCxnSpPr>
+            <a:cxnSpLocks/>
             <a:stCxn id="131" idx="2"/>
             <a:endCxn id="132" idx="0"/>
           </p:cNvCxnSpPr>
@@ -28500,7 +28466,7 @@
         </p:nvCxnSpPr>
         <p:spPr>
           <a:xfrm>
-            <a:off x="10633811" y="11401047"/>
+            <a:off x="1054376" y="11401047"/>
             <a:ext cx="2275" cy="382585"/>
           </a:xfrm>
           <a:prstGeom prst="straightConnector1">
@@ -28536,7 +28502,7 @@
         </p:nvCxnSpPr>
         <p:spPr>
           <a:xfrm rot="5400000">
-            <a:off x="4527451" y="10399320"/>
+            <a:off x="-5051984" y="10399320"/>
             <a:ext cx="398507" cy="2370162"/>
           </a:xfrm>
           <a:prstGeom prst="bentConnector3">
@@ -28575,7 +28541,7 @@
         </p:nvCxnSpPr>
         <p:spPr>
           <a:xfrm rot="16200000" flipH="1">
-            <a:off x="9218548" y="8078385"/>
+            <a:off x="-360887" y="8078385"/>
             <a:ext cx="393329" cy="7006854"/>
           </a:xfrm>
           <a:prstGeom prst="bentConnector3">
@@ -28607,6 +28573,7 @@
         <p:nvCxnSpPr>
           <p:cNvPr id="709" name="Shape 248"/>
           <p:cNvCxnSpPr>
+            <a:cxnSpLocks/>
             <a:stCxn id="58" idx="2"/>
             <a:endCxn id="95" idx="0"/>
           </p:cNvCxnSpPr>
@@ -28614,7 +28581,7 @@
         </p:nvCxnSpPr>
         <p:spPr>
           <a:xfrm rot="16200000" flipH="1">
-            <a:off x="6890129" y="10406804"/>
+            <a:off x="-2689306" y="10406804"/>
             <a:ext cx="396233" cy="2352920"/>
           </a:xfrm>
           <a:prstGeom prst="bentConnector3">
@@ -28653,7 +28620,7 @@
         </p:nvCxnSpPr>
         <p:spPr>
           <a:xfrm rot="16200000" flipH="1">
-            <a:off x="5714810" y="11582122"/>
+            <a:off x="-3864625" y="11582122"/>
             <a:ext cx="398500" cy="4551"/>
           </a:xfrm>
           <a:prstGeom prst="bentConnector3">
@@ -28692,7 +28659,7 @@
         </p:nvCxnSpPr>
         <p:spPr>
           <a:xfrm rot="5400000">
-            <a:off x="5699960" y="9226789"/>
+            <a:off x="-3879475" y="9226789"/>
             <a:ext cx="398530" cy="4715203"/>
           </a:xfrm>
           <a:prstGeom prst="bentConnector3">
@@ -28731,7 +28698,7 @@
         </p:nvCxnSpPr>
         <p:spPr>
           <a:xfrm rot="5400000">
-            <a:off x="6887320" y="10414141"/>
+            <a:off x="-2692115" y="10414141"/>
             <a:ext cx="398523" cy="2340490"/>
           </a:xfrm>
           <a:prstGeom prst="bentConnector3">
@@ -28763,6 +28730,7 @@
         <p:nvCxnSpPr>
           <p:cNvPr id="713" name="Shape 248"/>
           <p:cNvCxnSpPr>
+            <a:cxnSpLocks/>
             <a:stCxn id="236" idx="2"/>
             <a:endCxn id="95" idx="0"/>
           </p:cNvCxnSpPr>
@@ -28770,7 +28738,7 @@
         </p:nvCxnSpPr>
         <p:spPr>
           <a:xfrm rot="16200000" flipH="1">
-            <a:off x="8062637" y="11579313"/>
+            <a:off x="-1516798" y="11579313"/>
             <a:ext cx="396256" cy="7879"/>
           </a:xfrm>
           <a:prstGeom prst="bentConnector3">
@@ -28802,6 +28770,7 @@
         <p:nvCxnSpPr>
           <p:cNvPr id="714" name="Shape 248"/>
           <p:cNvCxnSpPr>
+            <a:cxnSpLocks/>
             <a:stCxn id="236" idx="2"/>
             <a:endCxn id="126" idx="0"/>
           </p:cNvCxnSpPr>
@@ -28809,7 +28778,7 @@
         </p:nvCxnSpPr>
         <p:spPr>
           <a:xfrm rot="16200000" flipH="1">
-            <a:off x="10391056" y="9250894"/>
+            <a:off x="811621" y="9250894"/>
             <a:ext cx="393352" cy="4661813"/>
           </a:xfrm>
           <a:prstGeom prst="bentConnector3">
@@ -28841,6 +28810,7 @@
         <p:nvCxnSpPr>
           <p:cNvPr id="715" name="Shape 248"/>
           <p:cNvCxnSpPr>
+            <a:cxnSpLocks/>
             <a:stCxn id="236" idx="2"/>
             <a:endCxn id="132" idx="0"/>
           </p:cNvCxnSpPr>
@@ -28848,7 +28818,7 @@
         </p:nvCxnSpPr>
         <p:spPr>
           <a:xfrm rot="16200000" flipH="1">
-            <a:off x="9247203" y="10394748"/>
+            <a:off x="-332232" y="10394748"/>
             <a:ext cx="398507" cy="2379260"/>
           </a:xfrm>
           <a:prstGeom prst="bentConnector3">
@@ -29359,7 +29329,7 @@
         </p:nvCxnSpPr>
         <p:spPr>
           <a:xfrm rot="16200000" flipH="1">
-            <a:off x="35718216" y="8096500"/>
+            <a:off x="26138781" y="8096500"/>
             <a:ext cx="430946" cy="1170319"/>
           </a:xfrm>
           <a:prstGeom prst="bentConnector3">
@@ -29394,7 +29364,7 @@
         </p:nvSpPr>
         <p:spPr>
           <a:xfrm>
-            <a:off x="33146085" y="8892894"/>
+            <a:off x="23566650" y="8892894"/>
             <a:ext cx="2115918" cy="1080000"/>
           </a:xfrm>
           <a:prstGeom prst="rect">
@@ -29439,7 +29409,7 @@
         </p:nvCxnSpPr>
         <p:spPr>
           <a:xfrm rot="16200000" flipH="1">
-            <a:off x="33395381" y="8084230"/>
+            <a:off x="23815946" y="8084230"/>
             <a:ext cx="444277" cy="1173049"/>
           </a:xfrm>
           <a:prstGeom prst="bentConnector3">
@@ -29559,7 +29529,7 @@
         </p:nvSpPr>
         <p:spPr>
           <a:xfrm>
-            <a:off x="30786732" y="11778476"/>
+            <a:off x="21207297" y="11778476"/>
             <a:ext cx="2115918" cy="1080000"/>
           </a:xfrm>
           <a:prstGeom prst="rect">
@@ -29604,7 +29574,7 @@
         </p:nvCxnSpPr>
         <p:spPr>
           <a:xfrm>
-            <a:off x="31840609" y="9969936"/>
+            <a:off x="22261174" y="9969936"/>
             <a:ext cx="4082" cy="1808540"/>
           </a:xfrm>
           <a:prstGeom prst="straightConnector1">
@@ -29640,7 +29610,7 @@
         </p:nvCxnSpPr>
         <p:spPr>
           <a:xfrm rot="16200000" flipH="1">
-            <a:off x="29777524" y="9711309"/>
+            <a:off x="20198089" y="9711309"/>
             <a:ext cx="1807252" cy="2327082"/>
           </a:xfrm>
           <a:prstGeom prst="bentConnector3">
@@ -29983,6 +29953,48 @@
             <a:avLst>
               <a:gd name="adj1" fmla="val 50000"/>
             </a:avLst>
+          </a:prstGeom>
+          <a:ln w="28575">
+            <a:tailEnd type="arrow"/>
+          </a:ln>
+        </p:spPr>
+        <p:style>
+          <a:lnRef idx="1">
+            <a:schemeClr val="accent1"/>
+          </a:lnRef>
+          <a:fillRef idx="0">
+            <a:schemeClr val="accent1"/>
+          </a:fillRef>
+          <a:effectRef idx="0">
+            <a:schemeClr val="accent1"/>
+          </a:effectRef>
+          <a:fontRef idx="minor">
+            <a:schemeClr val="tx1"/>
+          </a:fontRef>
+        </p:style>
+      </p:cxnSp>
+      <p:cxnSp>
+        <p:nvCxnSpPr>
+          <p:cNvPr id="744" name="Shape 248">
+            <a:extLst>
+              <a:ext uri="{FF2B5EF4-FFF2-40B4-BE49-F238E27FC236}">
+                <a16:creationId xmlns:a16="http://schemas.microsoft.com/office/drawing/2014/main" id="{FB15170E-F486-4C7F-B0D1-0502004CD9E3}"/>
+              </a:ext>
+            </a:extLst>
+          </p:cNvPr>
+          <p:cNvCxnSpPr>
+            <a:cxnSpLocks/>
+            <a:endCxn id="233" idx="0"/>
+          </p:cNvCxnSpPr>
+          <p:nvPr/>
+        </p:nvCxnSpPr>
+        <p:spPr>
+          <a:xfrm rot="10800000" flipV="1">
+            <a:off x="9260226" y="10123625"/>
+            <a:ext cx="3742132" cy="1662866"/>
+          </a:xfrm>
+          <a:prstGeom prst="bentConnector2">
+            <a:avLst/>
           </a:prstGeom>
           <a:ln w="28575">
             <a:tailEnd type="arrow"/>

--- a/Наработки/диздоки/Сиам/Сиам.pptx
+++ b/Наработки/диздоки/Сиам/Сиам.pptx
@@ -209,7 +209,7 @@
             <a:fld id="{33E3D7F9-E251-484C-A6FF-FA958879DF69}" type="datetimeFigureOut">
               <a:rPr lang="ru-RU" smtClean="0"/>
               <a:pPr/>
-              <a:t>25.03.2022</a:t>
+              <a:t>27.03.2022</a:t>
             </a:fld>
             <a:endParaRPr lang="ru-RU"/>
           </a:p>
@@ -699,7 +699,7 @@
             <a:fld id="{85A5DE44-605B-4D3B-B2B7-94543DF81A36}" type="datetimeFigureOut">
               <a:rPr lang="ru-RU" smtClean="0"/>
               <a:pPr/>
-              <a:t>25.03.2022</a:t>
+              <a:t>27.03.2022</a:t>
             </a:fld>
             <a:endParaRPr lang="ru-RU"/>
           </a:p>
@@ -871,7 +871,7 @@
             <a:fld id="{85A5DE44-605B-4D3B-B2B7-94543DF81A36}" type="datetimeFigureOut">
               <a:rPr lang="ru-RU" smtClean="0"/>
               <a:pPr/>
-              <a:t>25.03.2022</a:t>
+              <a:t>27.03.2022</a:t>
             </a:fld>
             <a:endParaRPr lang="ru-RU"/>
           </a:p>
@@ -1053,7 +1053,7 @@
             <a:fld id="{85A5DE44-605B-4D3B-B2B7-94543DF81A36}" type="datetimeFigureOut">
               <a:rPr lang="ru-RU" smtClean="0"/>
               <a:pPr/>
-              <a:t>25.03.2022</a:t>
+              <a:t>27.03.2022</a:t>
             </a:fld>
             <a:endParaRPr lang="ru-RU"/>
           </a:p>
@@ -1225,7 +1225,7 @@
             <a:fld id="{85A5DE44-605B-4D3B-B2B7-94543DF81A36}" type="datetimeFigureOut">
               <a:rPr lang="ru-RU" smtClean="0"/>
               <a:pPr/>
-              <a:t>25.03.2022</a:t>
+              <a:t>27.03.2022</a:t>
             </a:fld>
             <a:endParaRPr lang="ru-RU"/>
           </a:p>
@@ -1473,7 +1473,7 @@
             <a:fld id="{85A5DE44-605B-4D3B-B2B7-94543DF81A36}" type="datetimeFigureOut">
               <a:rPr lang="ru-RU" smtClean="0"/>
               <a:pPr/>
-              <a:t>25.03.2022</a:t>
+              <a:t>27.03.2022</a:t>
             </a:fld>
             <a:endParaRPr lang="ru-RU"/>
           </a:p>
@@ -1707,7 +1707,7 @@
             <a:fld id="{85A5DE44-605B-4D3B-B2B7-94543DF81A36}" type="datetimeFigureOut">
               <a:rPr lang="ru-RU" smtClean="0"/>
               <a:pPr/>
-              <a:t>25.03.2022</a:t>
+              <a:t>27.03.2022</a:t>
             </a:fld>
             <a:endParaRPr lang="ru-RU"/>
           </a:p>
@@ -2076,7 +2076,7 @@
             <a:fld id="{85A5DE44-605B-4D3B-B2B7-94543DF81A36}" type="datetimeFigureOut">
               <a:rPr lang="ru-RU" smtClean="0"/>
               <a:pPr/>
-              <a:t>25.03.2022</a:t>
+              <a:t>27.03.2022</a:t>
             </a:fld>
             <a:endParaRPr lang="ru-RU"/>
           </a:p>
@@ -2196,7 +2196,7 @@
             <a:fld id="{85A5DE44-605B-4D3B-B2B7-94543DF81A36}" type="datetimeFigureOut">
               <a:rPr lang="ru-RU" smtClean="0"/>
               <a:pPr/>
-              <a:t>25.03.2022</a:t>
+              <a:t>27.03.2022</a:t>
             </a:fld>
             <a:endParaRPr lang="ru-RU"/>
           </a:p>
@@ -2293,7 +2293,7 @@
             <a:fld id="{85A5DE44-605B-4D3B-B2B7-94543DF81A36}" type="datetimeFigureOut">
               <a:rPr lang="ru-RU" smtClean="0"/>
               <a:pPr/>
-              <a:t>25.03.2022</a:t>
+              <a:t>27.03.2022</a:t>
             </a:fld>
             <a:endParaRPr lang="ru-RU"/>
           </a:p>
@@ -2572,7 +2572,7 @@
             <a:fld id="{85A5DE44-605B-4D3B-B2B7-94543DF81A36}" type="datetimeFigureOut">
               <a:rPr lang="ru-RU" smtClean="0"/>
               <a:pPr/>
-              <a:t>25.03.2022</a:t>
+              <a:t>27.03.2022</a:t>
             </a:fld>
             <a:endParaRPr lang="ru-RU"/>
           </a:p>
@@ -2831,7 +2831,7 @@
             <a:fld id="{85A5DE44-605B-4D3B-B2B7-94543DF81A36}" type="datetimeFigureOut">
               <a:rPr lang="ru-RU" smtClean="0"/>
               <a:pPr/>
-              <a:t>25.03.2022</a:t>
+              <a:t>27.03.2022</a:t>
             </a:fld>
             <a:endParaRPr lang="ru-RU"/>
           </a:p>
@@ -3046,7 +3046,7 @@
             <a:fld id="{85A5DE44-605B-4D3B-B2B7-94543DF81A36}" type="datetimeFigureOut">
               <a:rPr lang="ru-RU" smtClean="0"/>
               <a:pPr/>
-              <a:t>25.03.2022</a:t>
+              <a:t>27.03.2022</a:t>
             </a:fld>
             <a:endParaRPr lang="ru-RU"/>
           </a:p>
@@ -12646,10 +12646,9 @@
           <a:p>
             <a:pPr algn="ctr"/>
             <a:r>
-              <a:rPr lang="ru-RU" sz="1400"/>
+              <a:rPr lang="ru-RU" sz="1400" dirty="0"/>
               <a:t>Провести урбанизацию для тайцев</a:t>
             </a:r>
-            <a:endParaRPr lang="ru-RU" sz="1400" dirty="0"/>
           </a:p>
         </p:txBody>
       </p:sp>
@@ -13492,19 +13491,20 @@
         <p:nvCxnSpPr>
           <p:cNvPr id="330" name="Shape 248"/>
           <p:cNvCxnSpPr>
-            <a:stCxn id="295" idx="2"/>
+            <a:cxnSpLocks/>
+            <a:stCxn id="292" idx="2"/>
             <a:endCxn id="328" idx="0"/>
           </p:cNvCxnSpPr>
           <p:nvPr/>
         </p:nvCxnSpPr>
         <p:spPr>
           <a:xfrm rot="16200000" flipH="1">
-            <a:off x="9242173" y="26370801"/>
-            <a:ext cx="364260" cy="1305817"/>
+            <a:off x="7948401" y="25077029"/>
+            <a:ext cx="1757528" cy="2500094"/>
           </a:xfrm>
           <a:prstGeom prst="bentConnector3">
             <a:avLst>
-              <a:gd name="adj1" fmla="val 50000"/>
+              <a:gd name="adj1" fmla="val 8811"/>
             </a:avLst>
           </a:prstGeom>
           <a:ln w="28575">
@@ -15864,6 +15864,7 @@
         <p:nvCxnSpPr>
           <p:cNvPr id="313" name="Shape 248"/>
           <p:cNvCxnSpPr>
+            <a:cxnSpLocks/>
             <a:stCxn id="256" idx="2"/>
             <a:endCxn id="311" idx="0"/>
           </p:cNvCxnSpPr>
@@ -15902,6 +15903,7 @@
         <p:nvCxnSpPr>
           <p:cNvPr id="314" name="Shape 248"/>
           <p:cNvCxnSpPr>
+            <a:cxnSpLocks/>
             <a:stCxn id="256" idx="2"/>
             <a:endCxn id="289" idx="0"/>
           </p:cNvCxnSpPr>
@@ -18886,7 +18888,7 @@
             <a:pPr algn="ctr"/>
             <a:r>
               <a:rPr lang="ru-RU" sz="1400" dirty="0"/>
-              <a:t>Создание Федерация Государств Юго-Восточной Азии</a:t>
+              <a:t>Создание Федерации Государств Юго-Восточной Азии</a:t>
             </a:r>
           </a:p>
         </p:txBody>
@@ -27770,6 +27772,7 @@
         <p:nvCxnSpPr>
           <p:cNvPr id="687" name="Прямая со стрелкой 686"/>
           <p:cNvCxnSpPr>
+            <a:cxnSpLocks/>
             <a:stCxn id="104" idx="2"/>
             <a:endCxn id="513" idx="0"/>
           </p:cNvCxnSpPr>
@@ -29067,6 +29070,7 @@
         <p:nvCxnSpPr>
           <p:cNvPr id="720" name="Прямая со стрелкой 719"/>
           <p:cNvCxnSpPr>
+            <a:cxnSpLocks/>
             <a:stCxn id="539" idx="2"/>
             <a:endCxn id="719" idx="0"/>
           </p:cNvCxnSpPr>
@@ -29830,7 +29834,7 @@
           </a:xfrm>
           <a:prstGeom prst="bentConnector3">
             <a:avLst>
-              <a:gd name="adj1" fmla="val 50000"/>
+              <a:gd name="adj1" fmla="val 16600"/>
             </a:avLst>
           </a:prstGeom>
           <a:ln w="28575">
@@ -29939,6 +29943,7 @@
         <p:nvCxnSpPr>
           <p:cNvPr id="738" name="Shape 248"/>
           <p:cNvCxnSpPr>
+            <a:cxnSpLocks/>
             <a:stCxn id="717" idx="2"/>
             <a:endCxn id="311" idx="0"/>
           </p:cNvCxnSpPr>
@@ -29995,6 +30000,51 @@
           </a:xfrm>
           <a:prstGeom prst="bentConnector2">
             <a:avLst/>
+          </a:prstGeom>
+          <a:ln w="28575">
+            <a:tailEnd type="arrow"/>
+          </a:ln>
+        </p:spPr>
+        <p:style>
+          <a:lnRef idx="1">
+            <a:schemeClr val="accent1"/>
+          </a:lnRef>
+          <a:fillRef idx="0">
+            <a:schemeClr val="accent1"/>
+          </a:fillRef>
+          <a:effectRef idx="0">
+            <a:schemeClr val="accent1"/>
+          </a:effectRef>
+          <a:fontRef idx="minor">
+            <a:schemeClr val="tx1"/>
+          </a:fontRef>
+        </p:style>
+      </p:cxnSp>
+      <p:cxnSp>
+        <p:nvCxnSpPr>
+          <p:cNvPr id="739" name="Shape 248">
+            <a:extLst>
+              <a:ext uri="{FF2B5EF4-FFF2-40B4-BE49-F238E27FC236}">
+                <a16:creationId xmlns:a16="http://schemas.microsoft.com/office/drawing/2014/main" id="{691A0B96-184C-493D-9F86-82B32F1BBBCB}"/>
+              </a:ext>
+            </a:extLst>
+          </p:cNvPr>
+          <p:cNvCxnSpPr>
+            <a:cxnSpLocks/>
+            <a:stCxn id="256" idx="2"/>
+            <a:endCxn id="273" idx="0"/>
+          </p:cNvCxnSpPr>
+          <p:nvPr/>
+        </p:nvCxnSpPr>
+        <p:spPr>
+          <a:xfrm rot="5400000">
+            <a:off x="6810105" y="20771687"/>
+            <a:ext cx="375034" cy="1163562"/>
+          </a:xfrm>
+          <a:prstGeom prst="bentConnector3">
+            <a:avLst>
+              <a:gd name="adj1" fmla="val 50000"/>
+            </a:avLst>
           </a:prstGeom>
           <a:ln w="28575">
             <a:tailEnd type="arrow"/>

--- a/Наработки/диздоки/Сиам/Сиам.pptx
+++ b/Наработки/диздоки/Сиам/Сиам.pptx
@@ -209,7 +209,7 @@
             <a:fld id="{33E3D7F9-E251-484C-A6FF-FA958879DF69}" type="datetimeFigureOut">
               <a:rPr lang="ru-RU" smtClean="0"/>
               <a:pPr/>
-              <a:t>27.03.2022</a:t>
+              <a:t>31.08.2022</a:t>
             </a:fld>
             <a:endParaRPr lang="ru-RU"/>
           </a:p>
@@ -699,7 +699,7 @@
             <a:fld id="{85A5DE44-605B-4D3B-B2B7-94543DF81A36}" type="datetimeFigureOut">
               <a:rPr lang="ru-RU" smtClean="0"/>
               <a:pPr/>
-              <a:t>27.03.2022</a:t>
+              <a:t>31.08.2022</a:t>
             </a:fld>
             <a:endParaRPr lang="ru-RU"/>
           </a:p>
@@ -871,7 +871,7 @@
             <a:fld id="{85A5DE44-605B-4D3B-B2B7-94543DF81A36}" type="datetimeFigureOut">
               <a:rPr lang="ru-RU" smtClean="0"/>
               <a:pPr/>
-              <a:t>27.03.2022</a:t>
+              <a:t>31.08.2022</a:t>
             </a:fld>
             <a:endParaRPr lang="ru-RU"/>
           </a:p>
@@ -1053,7 +1053,7 @@
             <a:fld id="{85A5DE44-605B-4D3B-B2B7-94543DF81A36}" type="datetimeFigureOut">
               <a:rPr lang="ru-RU" smtClean="0"/>
               <a:pPr/>
-              <a:t>27.03.2022</a:t>
+              <a:t>31.08.2022</a:t>
             </a:fld>
             <a:endParaRPr lang="ru-RU"/>
           </a:p>
@@ -1225,7 +1225,7 @@
             <a:fld id="{85A5DE44-605B-4D3B-B2B7-94543DF81A36}" type="datetimeFigureOut">
               <a:rPr lang="ru-RU" smtClean="0"/>
               <a:pPr/>
-              <a:t>27.03.2022</a:t>
+              <a:t>31.08.2022</a:t>
             </a:fld>
             <a:endParaRPr lang="ru-RU"/>
           </a:p>
@@ -1473,7 +1473,7 @@
             <a:fld id="{85A5DE44-605B-4D3B-B2B7-94543DF81A36}" type="datetimeFigureOut">
               <a:rPr lang="ru-RU" smtClean="0"/>
               <a:pPr/>
-              <a:t>27.03.2022</a:t>
+              <a:t>31.08.2022</a:t>
             </a:fld>
             <a:endParaRPr lang="ru-RU"/>
           </a:p>
@@ -1707,7 +1707,7 @@
             <a:fld id="{85A5DE44-605B-4D3B-B2B7-94543DF81A36}" type="datetimeFigureOut">
               <a:rPr lang="ru-RU" smtClean="0"/>
               <a:pPr/>
-              <a:t>27.03.2022</a:t>
+              <a:t>31.08.2022</a:t>
             </a:fld>
             <a:endParaRPr lang="ru-RU"/>
           </a:p>
@@ -2076,7 +2076,7 @@
             <a:fld id="{85A5DE44-605B-4D3B-B2B7-94543DF81A36}" type="datetimeFigureOut">
               <a:rPr lang="ru-RU" smtClean="0"/>
               <a:pPr/>
-              <a:t>27.03.2022</a:t>
+              <a:t>31.08.2022</a:t>
             </a:fld>
             <a:endParaRPr lang="ru-RU"/>
           </a:p>
@@ -2196,7 +2196,7 @@
             <a:fld id="{85A5DE44-605B-4D3B-B2B7-94543DF81A36}" type="datetimeFigureOut">
               <a:rPr lang="ru-RU" smtClean="0"/>
               <a:pPr/>
-              <a:t>27.03.2022</a:t>
+              <a:t>31.08.2022</a:t>
             </a:fld>
             <a:endParaRPr lang="ru-RU"/>
           </a:p>
@@ -2293,7 +2293,7 @@
             <a:fld id="{85A5DE44-605B-4D3B-B2B7-94543DF81A36}" type="datetimeFigureOut">
               <a:rPr lang="ru-RU" smtClean="0"/>
               <a:pPr/>
-              <a:t>27.03.2022</a:t>
+              <a:t>31.08.2022</a:t>
             </a:fld>
             <a:endParaRPr lang="ru-RU"/>
           </a:p>
@@ -2572,7 +2572,7 @@
             <a:fld id="{85A5DE44-605B-4D3B-B2B7-94543DF81A36}" type="datetimeFigureOut">
               <a:rPr lang="ru-RU" smtClean="0"/>
               <a:pPr/>
-              <a:t>27.03.2022</a:t>
+              <a:t>31.08.2022</a:t>
             </a:fld>
             <a:endParaRPr lang="ru-RU"/>
           </a:p>
@@ -2831,7 +2831,7 @@
             <a:fld id="{85A5DE44-605B-4D3B-B2B7-94543DF81A36}" type="datetimeFigureOut">
               <a:rPr lang="ru-RU" smtClean="0"/>
               <a:pPr/>
-              <a:t>27.03.2022</a:t>
+              <a:t>31.08.2022</a:t>
             </a:fld>
             <a:endParaRPr lang="ru-RU"/>
           </a:p>
@@ -3046,7 +3046,7 @@
             <a:fld id="{85A5DE44-605B-4D3B-B2B7-94543DF81A36}" type="datetimeFigureOut">
               <a:rPr lang="ru-RU" smtClean="0"/>
               <a:pPr/>
-              <a:t>27.03.2022</a:t>
+              <a:t>31.08.2022</a:t>
             </a:fld>
             <a:endParaRPr lang="ru-RU"/>
           </a:p>
@@ -6761,6 +6761,7 @@
         <p:nvCxnSpPr>
           <p:cNvPr id="101" name="Прямая со стрелкой 100"/>
           <p:cNvCxnSpPr>
+            <a:cxnSpLocks/>
             <a:stCxn id="95" idx="2"/>
             <a:endCxn id="99" idx="0"/>
           </p:cNvCxnSpPr>

--- a/Наработки/диздоки/Сиам/Сиам.pptx
+++ b/Наработки/диздоки/Сиам/Сиам.pptx
@@ -209,7 +209,7 @@
             <a:fld id="{33E3D7F9-E251-484C-A6FF-FA958879DF69}" type="datetimeFigureOut">
               <a:rPr lang="ru-RU" smtClean="0"/>
               <a:pPr/>
-              <a:t>31.08.2022</a:t>
+              <a:t>08.09.2022</a:t>
             </a:fld>
             <a:endParaRPr lang="ru-RU"/>
           </a:p>
@@ -699,7 +699,7 @@
             <a:fld id="{85A5DE44-605B-4D3B-B2B7-94543DF81A36}" type="datetimeFigureOut">
               <a:rPr lang="ru-RU" smtClean="0"/>
               <a:pPr/>
-              <a:t>31.08.2022</a:t>
+              <a:t>08.09.2022</a:t>
             </a:fld>
             <a:endParaRPr lang="ru-RU"/>
           </a:p>
@@ -871,7 +871,7 @@
             <a:fld id="{85A5DE44-605B-4D3B-B2B7-94543DF81A36}" type="datetimeFigureOut">
               <a:rPr lang="ru-RU" smtClean="0"/>
               <a:pPr/>
-              <a:t>31.08.2022</a:t>
+              <a:t>08.09.2022</a:t>
             </a:fld>
             <a:endParaRPr lang="ru-RU"/>
           </a:p>
@@ -1053,7 +1053,7 @@
             <a:fld id="{85A5DE44-605B-4D3B-B2B7-94543DF81A36}" type="datetimeFigureOut">
               <a:rPr lang="ru-RU" smtClean="0"/>
               <a:pPr/>
-              <a:t>31.08.2022</a:t>
+              <a:t>08.09.2022</a:t>
             </a:fld>
             <a:endParaRPr lang="ru-RU"/>
           </a:p>
@@ -1225,7 +1225,7 @@
             <a:fld id="{85A5DE44-605B-4D3B-B2B7-94543DF81A36}" type="datetimeFigureOut">
               <a:rPr lang="ru-RU" smtClean="0"/>
               <a:pPr/>
-              <a:t>31.08.2022</a:t>
+              <a:t>08.09.2022</a:t>
             </a:fld>
             <a:endParaRPr lang="ru-RU"/>
           </a:p>
@@ -1473,7 +1473,7 @@
             <a:fld id="{85A5DE44-605B-4D3B-B2B7-94543DF81A36}" type="datetimeFigureOut">
               <a:rPr lang="ru-RU" smtClean="0"/>
               <a:pPr/>
-              <a:t>31.08.2022</a:t>
+              <a:t>08.09.2022</a:t>
             </a:fld>
             <a:endParaRPr lang="ru-RU"/>
           </a:p>
@@ -1707,7 +1707,7 @@
             <a:fld id="{85A5DE44-605B-4D3B-B2B7-94543DF81A36}" type="datetimeFigureOut">
               <a:rPr lang="ru-RU" smtClean="0"/>
               <a:pPr/>
-              <a:t>31.08.2022</a:t>
+              <a:t>08.09.2022</a:t>
             </a:fld>
             <a:endParaRPr lang="ru-RU"/>
           </a:p>
@@ -2076,7 +2076,7 @@
             <a:fld id="{85A5DE44-605B-4D3B-B2B7-94543DF81A36}" type="datetimeFigureOut">
               <a:rPr lang="ru-RU" smtClean="0"/>
               <a:pPr/>
-              <a:t>31.08.2022</a:t>
+              <a:t>08.09.2022</a:t>
             </a:fld>
             <a:endParaRPr lang="ru-RU"/>
           </a:p>
@@ -2196,7 +2196,7 @@
             <a:fld id="{85A5DE44-605B-4D3B-B2B7-94543DF81A36}" type="datetimeFigureOut">
               <a:rPr lang="ru-RU" smtClean="0"/>
               <a:pPr/>
-              <a:t>31.08.2022</a:t>
+              <a:t>08.09.2022</a:t>
             </a:fld>
             <a:endParaRPr lang="ru-RU"/>
           </a:p>
@@ -2293,7 +2293,7 @@
             <a:fld id="{85A5DE44-605B-4D3B-B2B7-94543DF81A36}" type="datetimeFigureOut">
               <a:rPr lang="ru-RU" smtClean="0"/>
               <a:pPr/>
-              <a:t>31.08.2022</a:t>
+              <a:t>08.09.2022</a:t>
             </a:fld>
             <a:endParaRPr lang="ru-RU"/>
           </a:p>
@@ -2572,7 +2572,7 @@
             <a:fld id="{85A5DE44-605B-4D3B-B2B7-94543DF81A36}" type="datetimeFigureOut">
               <a:rPr lang="ru-RU" smtClean="0"/>
               <a:pPr/>
-              <a:t>31.08.2022</a:t>
+              <a:t>08.09.2022</a:t>
             </a:fld>
             <a:endParaRPr lang="ru-RU"/>
           </a:p>
@@ -2831,7 +2831,7 @@
             <a:fld id="{85A5DE44-605B-4D3B-B2B7-94543DF81A36}" type="datetimeFigureOut">
               <a:rPr lang="ru-RU" smtClean="0"/>
               <a:pPr/>
-              <a:t>31.08.2022</a:t>
+              <a:t>08.09.2022</a:t>
             </a:fld>
             <a:endParaRPr lang="ru-RU"/>
           </a:p>
@@ -3046,7 +3046,7 @@
             <a:fld id="{85A5DE44-605B-4D3B-B2B7-94543DF81A36}" type="datetimeFigureOut">
               <a:rPr lang="ru-RU" smtClean="0"/>
               <a:pPr/>
-              <a:t>31.08.2022</a:t>
+              <a:t>08.09.2022</a:t>
             </a:fld>
             <a:endParaRPr lang="ru-RU"/>
           </a:p>
@@ -8994,12 +8994,9 @@
             <a:pPr algn="ctr"/>
             <a:r>
               <a:rPr lang="ru-RU" sz="1400" dirty="0"/>
-              <a:t>Подразделение воздушного усиления </a:t>
-            </a:r>
-            <a:r>
-              <a:rPr lang="ru-RU" sz="400" dirty="0"/>
-              <a:t>(</a:t>
-            </a:r>
+              <a:t>Подразделение воздушного усиления</a:t>
+            </a:r>
+            <a:endParaRPr lang="ru-RU" sz="400" dirty="0"/>
           </a:p>
         </p:txBody>
       </p:sp>

--- a/Наработки/диздоки/Сиам/Сиам.pptx
+++ b/Наработки/диздоки/Сиам/Сиам.pptx
@@ -209,7 +209,7 @@
             <a:fld id="{33E3D7F9-E251-484C-A6FF-FA958879DF69}" type="datetimeFigureOut">
               <a:rPr lang="ru-RU" smtClean="0"/>
               <a:pPr/>
-              <a:t>08.09.2022</a:t>
+              <a:t>04.10.2022</a:t>
             </a:fld>
             <a:endParaRPr lang="ru-RU"/>
           </a:p>
@@ -699,7 +699,7 @@
             <a:fld id="{85A5DE44-605B-4D3B-B2B7-94543DF81A36}" type="datetimeFigureOut">
               <a:rPr lang="ru-RU" smtClean="0"/>
               <a:pPr/>
-              <a:t>08.09.2022</a:t>
+              <a:t>04.10.2022</a:t>
             </a:fld>
             <a:endParaRPr lang="ru-RU"/>
           </a:p>
@@ -871,7 +871,7 @@
             <a:fld id="{85A5DE44-605B-4D3B-B2B7-94543DF81A36}" type="datetimeFigureOut">
               <a:rPr lang="ru-RU" smtClean="0"/>
               <a:pPr/>
-              <a:t>08.09.2022</a:t>
+              <a:t>04.10.2022</a:t>
             </a:fld>
             <a:endParaRPr lang="ru-RU"/>
           </a:p>
@@ -1053,7 +1053,7 @@
             <a:fld id="{85A5DE44-605B-4D3B-B2B7-94543DF81A36}" type="datetimeFigureOut">
               <a:rPr lang="ru-RU" smtClean="0"/>
               <a:pPr/>
-              <a:t>08.09.2022</a:t>
+              <a:t>04.10.2022</a:t>
             </a:fld>
             <a:endParaRPr lang="ru-RU"/>
           </a:p>
@@ -1225,7 +1225,7 @@
             <a:fld id="{85A5DE44-605B-4D3B-B2B7-94543DF81A36}" type="datetimeFigureOut">
               <a:rPr lang="ru-RU" smtClean="0"/>
               <a:pPr/>
-              <a:t>08.09.2022</a:t>
+              <a:t>04.10.2022</a:t>
             </a:fld>
             <a:endParaRPr lang="ru-RU"/>
           </a:p>
@@ -1473,7 +1473,7 @@
             <a:fld id="{85A5DE44-605B-4D3B-B2B7-94543DF81A36}" type="datetimeFigureOut">
               <a:rPr lang="ru-RU" smtClean="0"/>
               <a:pPr/>
-              <a:t>08.09.2022</a:t>
+              <a:t>04.10.2022</a:t>
             </a:fld>
             <a:endParaRPr lang="ru-RU"/>
           </a:p>
@@ -1707,7 +1707,7 @@
             <a:fld id="{85A5DE44-605B-4D3B-B2B7-94543DF81A36}" type="datetimeFigureOut">
               <a:rPr lang="ru-RU" smtClean="0"/>
               <a:pPr/>
-              <a:t>08.09.2022</a:t>
+              <a:t>04.10.2022</a:t>
             </a:fld>
             <a:endParaRPr lang="ru-RU"/>
           </a:p>
@@ -2076,7 +2076,7 @@
             <a:fld id="{85A5DE44-605B-4D3B-B2B7-94543DF81A36}" type="datetimeFigureOut">
               <a:rPr lang="ru-RU" smtClean="0"/>
               <a:pPr/>
-              <a:t>08.09.2022</a:t>
+              <a:t>04.10.2022</a:t>
             </a:fld>
             <a:endParaRPr lang="ru-RU"/>
           </a:p>
@@ -2196,7 +2196,7 @@
             <a:fld id="{85A5DE44-605B-4D3B-B2B7-94543DF81A36}" type="datetimeFigureOut">
               <a:rPr lang="ru-RU" smtClean="0"/>
               <a:pPr/>
-              <a:t>08.09.2022</a:t>
+              <a:t>04.10.2022</a:t>
             </a:fld>
             <a:endParaRPr lang="ru-RU"/>
           </a:p>
@@ -2293,7 +2293,7 @@
             <a:fld id="{85A5DE44-605B-4D3B-B2B7-94543DF81A36}" type="datetimeFigureOut">
               <a:rPr lang="ru-RU" smtClean="0"/>
               <a:pPr/>
-              <a:t>08.09.2022</a:t>
+              <a:t>04.10.2022</a:t>
             </a:fld>
             <a:endParaRPr lang="ru-RU"/>
           </a:p>
@@ -2572,7 +2572,7 @@
             <a:fld id="{85A5DE44-605B-4D3B-B2B7-94543DF81A36}" type="datetimeFigureOut">
               <a:rPr lang="ru-RU" smtClean="0"/>
               <a:pPr/>
-              <a:t>08.09.2022</a:t>
+              <a:t>04.10.2022</a:t>
             </a:fld>
             <a:endParaRPr lang="ru-RU"/>
           </a:p>
@@ -2831,7 +2831,7 @@
             <a:fld id="{85A5DE44-605B-4D3B-B2B7-94543DF81A36}" type="datetimeFigureOut">
               <a:rPr lang="ru-RU" smtClean="0"/>
               <a:pPr/>
-              <a:t>08.09.2022</a:t>
+              <a:t>04.10.2022</a:t>
             </a:fld>
             <a:endParaRPr lang="ru-RU"/>
           </a:p>
@@ -3046,7 +3046,7 @@
             <a:fld id="{85A5DE44-605B-4D3B-B2B7-94543DF81A36}" type="datetimeFigureOut">
               <a:rPr lang="ru-RU" smtClean="0"/>
               <a:pPr/>
-              <a:t>08.09.2022</a:t>
+              <a:t>04.10.2022</a:t>
             </a:fld>
             <a:endParaRPr lang="ru-RU"/>
           </a:p>

--- a/Наработки/диздоки/Сиам/Сиам.pptx
+++ b/Наработки/диздоки/Сиам/Сиам.pptx
@@ -209,7 +209,7 @@
             <a:fld id="{33E3D7F9-E251-484C-A6FF-FA958879DF69}" type="datetimeFigureOut">
               <a:rPr lang="ru-RU" smtClean="0"/>
               <a:pPr/>
-              <a:t>04.10.2022</a:t>
+              <a:t>10.11.2022</a:t>
             </a:fld>
             <a:endParaRPr lang="ru-RU"/>
           </a:p>
@@ -699,7 +699,7 @@
             <a:fld id="{85A5DE44-605B-4D3B-B2B7-94543DF81A36}" type="datetimeFigureOut">
               <a:rPr lang="ru-RU" smtClean="0"/>
               <a:pPr/>
-              <a:t>04.10.2022</a:t>
+              <a:t>10.11.2022</a:t>
             </a:fld>
             <a:endParaRPr lang="ru-RU"/>
           </a:p>
@@ -871,7 +871,7 @@
             <a:fld id="{85A5DE44-605B-4D3B-B2B7-94543DF81A36}" type="datetimeFigureOut">
               <a:rPr lang="ru-RU" smtClean="0"/>
               <a:pPr/>
-              <a:t>04.10.2022</a:t>
+              <a:t>10.11.2022</a:t>
             </a:fld>
             <a:endParaRPr lang="ru-RU"/>
           </a:p>
@@ -1053,7 +1053,7 @@
             <a:fld id="{85A5DE44-605B-4D3B-B2B7-94543DF81A36}" type="datetimeFigureOut">
               <a:rPr lang="ru-RU" smtClean="0"/>
               <a:pPr/>
-              <a:t>04.10.2022</a:t>
+              <a:t>10.11.2022</a:t>
             </a:fld>
             <a:endParaRPr lang="ru-RU"/>
           </a:p>
@@ -1225,7 +1225,7 @@
             <a:fld id="{85A5DE44-605B-4D3B-B2B7-94543DF81A36}" type="datetimeFigureOut">
               <a:rPr lang="ru-RU" smtClean="0"/>
               <a:pPr/>
-              <a:t>04.10.2022</a:t>
+              <a:t>10.11.2022</a:t>
             </a:fld>
             <a:endParaRPr lang="ru-RU"/>
           </a:p>
@@ -1473,7 +1473,7 @@
             <a:fld id="{85A5DE44-605B-4D3B-B2B7-94543DF81A36}" type="datetimeFigureOut">
               <a:rPr lang="ru-RU" smtClean="0"/>
               <a:pPr/>
-              <a:t>04.10.2022</a:t>
+              <a:t>10.11.2022</a:t>
             </a:fld>
             <a:endParaRPr lang="ru-RU"/>
           </a:p>
@@ -1707,7 +1707,7 @@
             <a:fld id="{85A5DE44-605B-4D3B-B2B7-94543DF81A36}" type="datetimeFigureOut">
               <a:rPr lang="ru-RU" smtClean="0"/>
               <a:pPr/>
-              <a:t>04.10.2022</a:t>
+              <a:t>10.11.2022</a:t>
             </a:fld>
             <a:endParaRPr lang="ru-RU"/>
           </a:p>
@@ -2076,7 +2076,7 @@
             <a:fld id="{85A5DE44-605B-4D3B-B2B7-94543DF81A36}" type="datetimeFigureOut">
               <a:rPr lang="ru-RU" smtClean="0"/>
               <a:pPr/>
-              <a:t>04.10.2022</a:t>
+              <a:t>10.11.2022</a:t>
             </a:fld>
             <a:endParaRPr lang="ru-RU"/>
           </a:p>
@@ -2196,7 +2196,7 @@
             <a:fld id="{85A5DE44-605B-4D3B-B2B7-94543DF81A36}" type="datetimeFigureOut">
               <a:rPr lang="ru-RU" smtClean="0"/>
               <a:pPr/>
-              <a:t>04.10.2022</a:t>
+              <a:t>10.11.2022</a:t>
             </a:fld>
             <a:endParaRPr lang="ru-RU"/>
           </a:p>
@@ -2293,7 +2293,7 @@
             <a:fld id="{85A5DE44-605B-4D3B-B2B7-94543DF81A36}" type="datetimeFigureOut">
               <a:rPr lang="ru-RU" smtClean="0"/>
               <a:pPr/>
-              <a:t>04.10.2022</a:t>
+              <a:t>10.11.2022</a:t>
             </a:fld>
             <a:endParaRPr lang="ru-RU"/>
           </a:p>
@@ -2572,7 +2572,7 @@
             <a:fld id="{85A5DE44-605B-4D3B-B2B7-94543DF81A36}" type="datetimeFigureOut">
               <a:rPr lang="ru-RU" smtClean="0"/>
               <a:pPr/>
-              <a:t>04.10.2022</a:t>
+              <a:t>10.11.2022</a:t>
             </a:fld>
             <a:endParaRPr lang="ru-RU"/>
           </a:p>
@@ -2831,7 +2831,7 @@
             <a:fld id="{85A5DE44-605B-4D3B-B2B7-94543DF81A36}" type="datetimeFigureOut">
               <a:rPr lang="ru-RU" smtClean="0"/>
               <a:pPr/>
-              <a:t>04.10.2022</a:t>
+              <a:t>10.11.2022</a:t>
             </a:fld>
             <a:endParaRPr lang="ru-RU"/>
           </a:p>
@@ -3046,7 +3046,7 @@
             <a:fld id="{85A5DE44-605B-4D3B-B2B7-94543DF81A36}" type="datetimeFigureOut">
               <a:rPr lang="ru-RU" smtClean="0"/>
               <a:pPr/>
-              <a:t>04.10.2022</a:t>
+              <a:t>10.11.2022</a:t>
             </a:fld>
             <a:endParaRPr lang="ru-RU"/>
           </a:p>

--- a/Наработки/диздоки/Сиам/Сиам.pptx
+++ b/Наработки/диздоки/Сиам/Сиам.pptx
@@ -7131,6 +7131,11 @@
               <a:rPr lang="ru-RU" sz="900" dirty="0"/>
               <a:t>)</a:t>
             </a:r>
+            <a:r>
+              <a:rPr lang="en-US" sz="900" dirty="0"/>
+              <a:t> -50</a:t>
+            </a:r>
+            <a:endParaRPr lang="ru-RU" sz="900" dirty="0"/>
           </a:p>
         </p:txBody>
       </p:sp>
@@ -7173,6 +7178,14 @@
               <a:rPr lang="ru-RU" sz="1400" dirty="0"/>
               <a:t>Ставка на французские самолёты</a:t>
             </a:r>
+            <a:br>
+              <a:rPr lang="en-US" sz="1400" dirty="0"/>
+            </a:br>
+            <a:r>
+              <a:rPr lang="en-US" sz="1400" dirty="0"/>
+              <a:t>-50</a:t>
+            </a:r>
+            <a:endParaRPr lang="ru-RU" sz="1400" dirty="0"/>
           </a:p>
         </p:txBody>
       </p:sp>
@@ -7215,6 +7228,14 @@
               <a:rPr lang="ru-RU" sz="1400" dirty="0"/>
               <a:t>Ставка на японские самолёты (после 1938)</a:t>
             </a:r>
+            <a:br>
+              <a:rPr lang="en-US" sz="1400" dirty="0"/>
+            </a:br>
+            <a:r>
+              <a:rPr lang="en-US" sz="1400" dirty="0"/>
+              <a:t>-50</a:t>
+            </a:r>
+            <a:endParaRPr lang="ru-RU" sz="1400" dirty="0"/>
           </a:p>
         </p:txBody>
       </p:sp>
@@ -7257,6 +7278,11 @@
               <a:rPr lang="ru-RU" sz="1400" dirty="0"/>
               <a:t>Ставка на американские самолёты</a:t>
             </a:r>
+            <a:r>
+              <a:rPr lang="en-US" sz="1400" dirty="0"/>
+              <a:t> -50</a:t>
+            </a:r>
+            <a:endParaRPr lang="ru-RU" sz="1400" dirty="0"/>
           </a:p>
         </p:txBody>
       </p:sp>
@@ -7388,6 +7414,14 @@
               <a:rPr lang="ru-RU" sz="1400" dirty="0"/>
               <a:t>Противовоздушная оборона авиабаз</a:t>
             </a:r>
+            <a:br>
+              <a:rPr lang="en-US" sz="1400" dirty="0"/>
+            </a:br>
+            <a:r>
+              <a:rPr lang="en-US" sz="1400" dirty="0"/>
+              <a:t>-50</a:t>
+            </a:r>
+            <a:endParaRPr lang="ru-RU" sz="1400" dirty="0"/>
           </a:p>
         </p:txBody>
       </p:sp>
@@ -8807,6 +8841,7 @@
         <p:nvCxnSpPr>
           <p:cNvPr id="216" name="Shape 248"/>
           <p:cNvCxnSpPr>
+            <a:cxnSpLocks/>
             <a:stCxn id="196" idx="2"/>
             <a:endCxn id="203" idx="0"/>
           </p:cNvCxnSpPr>
@@ -9713,6 +9748,14 @@
               <a:rPr lang="ru-RU" sz="1400" dirty="0"/>
               <a:t>Британское вооружение</a:t>
             </a:r>
+            <a:br>
+              <a:rPr lang="en-US" sz="1400" dirty="0"/>
+            </a:br>
+            <a:r>
+              <a:rPr lang="en-US" sz="1400" dirty="0"/>
+              <a:t>-50</a:t>
+            </a:r>
+            <a:endParaRPr lang="ru-RU" sz="1400" dirty="0"/>
           </a:p>
         </p:txBody>
       </p:sp>
@@ -9755,6 +9798,14 @@
               <a:rPr lang="ru-RU" sz="1400" dirty="0"/>
               <a:t>Японское вооружение</a:t>
             </a:r>
+            <a:br>
+              <a:rPr lang="en-US" sz="1400" dirty="0"/>
+            </a:br>
+            <a:r>
+              <a:rPr lang="en-US" sz="1400" dirty="0"/>
+              <a:t>-50</a:t>
+            </a:r>
+            <a:endParaRPr lang="ru-RU" sz="1400" dirty="0"/>
           </a:p>
         </p:txBody>
       </p:sp>
@@ -9800,6 +9851,13 @@
             <a:r>
               <a:rPr lang="en-US" sz="1400" dirty="0"/>
               <a:t>RS model 66</a:t>
+            </a:r>
+            <a:br>
+              <a:rPr lang="en-US" sz="1400" dirty="0"/>
+            </a:br>
+            <a:r>
+              <a:rPr lang="en-US" sz="1400" dirty="0"/>
+              <a:t>-50</a:t>
             </a:r>
             <a:endParaRPr lang="ru-RU" sz="1400" dirty="0"/>
           </a:p>
@@ -10096,6 +10154,14 @@
               <a:rPr lang="ru-RU" sz="1400" dirty="0"/>
               <a:t>Использование британской техники</a:t>
             </a:r>
+            <a:br>
+              <a:rPr lang="en-US" sz="1400" dirty="0"/>
+            </a:br>
+            <a:r>
+              <a:rPr lang="en-US" sz="1400" dirty="0"/>
+              <a:t>-50</a:t>
+            </a:r>
+            <a:endParaRPr lang="ru-RU" sz="1400" dirty="0"/>
           </a:p>
         </p:txBody>
       </p:sp>
@@ -10138,6 +10204,14 @@
               <a:rPr lang="ru-RU" sz="1400" dirty="0"/>
               <a:t>Использование германской техники</a:t>
             </a:r>
+            <a:br>
+              <a:rPr lang="en-US" sz="1400" dirty="0"/>
+            </a:br>
+            <a:r>
+              <a:rPr lang="en-US" sz="1400" dirty="0"/>
+              <a:t>-50</a:t>
+            </a:r>
+            <a:endParaRPr lang="ru-RU" sz="1400" dirty="0"/>
           </a:p>
         </p:txBody>
       </p:sp>
@@ -10218,6 +10292,13 @@
               <a:rPr lang="ru-RU" sz="1400" dirty="0"/>
               <a:t>Увеличить инвестиции в Армию</a:t>
             </a:r>
+            <a:br>
+              <a:rPr lang="ru-RU" sz="1400" dirty="0"/>
+            </a:br>
+            <a:r>
+              <a:rPr lang="ru-RU" sz="1400" dirty="0"/>
+              <a:t>-50</a:t>
+            </a:r>
           </a:p>
         </p:txBody>
       </p:sp>
@@ -10263,6 +10344,13 @@
             <a:r>
               <a:rPr lang="ru-RU" sz="1400" dirty="0" err="1"/>
               <a:t>Чулачомклао</a:t>
+            </a:r>
+            <a:br>
+              <a:rPr lang="en-US" sz="1400" dirty="0"/>
+            </a:br>
+            <a:r>
+              <a:rPr lang="en-US" sz="1400" dirty="0"/>
+              <a:t>-50</a:t>
             </a:r>
             <a:endParaRPr lang="ru-RU" sz="1400" dirty="0"/>
           </a:p>
@@ -11454,6 +11542,13 @@
               <a:rPr lang="ru-RU" sz="1400" dirty="0"/>
               <a:t>Аккумуляторный завод для Королевского ВМФ</a:t>
             </a:r>
+            <a:br>
+              <a:rPr lang="ru-RU" sz="1400" dirty="0"/>
+            </a:br>
+            <a:r>
+              <a:rPr lang="ru-RU" sz="1400" dirty="0"/>
+              <a:t>-50</a:t>
+            </a:r>
           </a:p>
         </p:txBody>
       </p:sp>
@@ -11504,6 +11599,13 @@
               <a:rPr lang="ru-RU" sz="1400" dirty="0"/>
               <a:t> (Май 1936)</a:t>
             </a:r>
+            <a:br>
+              <a:rPr lang="ru-RU" sz="1400" dirty="0"/>
+            </a:br>
+            <a:r>
+              <a:rPr lang="ru-RU" sz="1400" dirty="0"/>
+              <a:t>-50</a:t>
+            </a:r>
             <a:endParaRPr lang="ru-RU" sz="400" dirty="0"/>
           </a:p>
         </p:txBody>
@@ -11637,7 +11739,7 @@
             </a:r>
             <a:r>
               <a:rPr lang="ru-RU" sz="1400" dirty="0"/>
-              <a:t>, два было готово к 1938)</a:t>
+              <a:t>, два было готово к 1938) -50</a:t>
             </a:r>
           </a:p>
         </p:txBody>
@@ -11685,6 +11787,13 @@
               <a:rPr lang="ru-RU" sz="1400" dirty="0" err="1"/>
               <a:t>Саттахип</a:t>
             </a:r>
+            <a:br>
+              <a:rPr lang="en-US" sz="1400" dirty="0"/>
+            </a:br>
+            <a:r>
+              <a:rPr lang="en-US" sz="1400" dirty="0"/>
+              <a:t>-50</a:t>
+            </a:r>
             <a:endParaRPr lang="ru-RU" sz="800" dirty="0"/>
           </a:p>
         </p:txBody>
@@ -11785,7 +11894,7 @@
             <a:pPr algn="ctr"/>
             <a:r>
               <a:rPr lang="ru-RU" sz="1400" dirty="0"/>
-              <a:t>Королевская военно-морская верфь</a:t>
+              <a:t>Королевская военно-морская верфь -50</a:t>
             </a:r>
           </a:p>
         </p:txBody>
@@ -12383,7 +12492,7 @@
         </p:nvSpPr>
         <p:spPr>
           <a:xfrm>
-            <a:off x="-1197302" y="4362319"/>
+            <a:off x="-1077018" y="4358730"/>
             <a:ext cx="2115918" cy="1080000"/>
           </a:xfrm>
           <a:prstGeom prst="rect">
@@ -29239,6 +29348,13 @@
               <a:rPr lang="ru-RU" sz="1400" dirty="0"/>
               <a:t> 1941)</a:t>
             </a:r>
+            <a:br>
+              <a:rPr lang="ru-RU" sz="1400" dirty="0"/>
+            </a:br>
+            <a:r>
+              <a:rPr lang="ru-RU" sz="1400" dirty="0"/>
+              <a:t>-50</a:t>
+            </a:r>
           </a:p>
         </p:txBody>
       </p:sp>
@@ -29987,17 +30103,20 @@
           </p:cNvPr>
           <p:cNvCxnSpPr>
             <a:cxnSpLocks/>
+            <a:stCxn id="196" idx="2"/>
             <a:endCxn id="233" idx="0"/>
           </p:cNvCxnSpPr>
           <p:nvPr/>
         </p:nvCxnSpPr>
         <p:spPr>
-          <a:xfrm rot="10800000" flipV="1">
-            <a:off x="9260226" y="10123625"/>
-            <a:ext cx="3742132" cy="1662866"/>
-          </a:xfrm>
-          <a:prstGeom prst="bentConnector2">
-            <a:avLst/>
+          <a:xfrm rot="5400000">
+            <a:off x="10147459" y="9083992"/>
+            <a:ext cx="1815266" cy="3589732"/>
+          </a:xfrm>
+          <a:prstGeom prst="bentConnector3">
+            <a:avLst>
+              <a:gd name="adj1" fmla="val 9569"/>
+            </a:avLst>
           </a:prstGeom>
           <a:ln w="28575">
             <a:tailEnd type="arrow"/>
@@ -30063,6 +30182,75 @@
           </a:fontRef>
         </p:style>
       </p:cxnSp>
+      <p:sp>
+        <p:nvSpPr>
+          <p:cNvPr id="745" name="Прямоугольник 744">
+            <a:extLst>
+              <a:ext uri="{FF2B5EF4-FFF2-40B4-BE49-F238E27FC236}">
+                <a16:creationId xmlns:a16="http://schemas.microsoft.com/office/drawing/2014/main" id="{782283F1-A11A-4B74-BBED-C7F40269A2A0}"/>
+              </a:ext>
+            </a:extLst>
+          </p:cNvPr>
+          <p:cNvSpPr/>
+          <p:nvPr/>
+        </p:nvSpPr>
+        <p:spPr>
+          <a:xfrm>
+            <a:off x="2397040" y="2168205"/>
+            <a:ext cx="2115918" cy="1080000"/>
+          </a:xfrm>
+          <a:prstGeom prst="rect">
+            <a:avLst/>
+          </a:prstGeom>
+          <a:ln w="28575"/>
+        </p:spPr>
+        <p:style>
+          <a:lnRef idx="2">
+            <a:schemeClr val="accent1"/>
+          </a:lnRef>
+          <a:fillRef idx="1">
+            <a:schemeClr val="lt1"/>
+          </a:fillRef>
+          <a:effectRef idx="0">
+            <a:schemeClr val="accent1"/>
+          </a:effectRef>
+          <a:fontRef idx="minor">
+            <a:schemeClr val="dk1"/>
+          </a:fontRef>
+        </p:style>
+        <p:txBody>
+          <a:bodyPr lIns="124733" tIns="62367" rIns="124733" bIns="62367" rtlCol="0" anchor="ctr"/>
+          <a:lstStyle/>
+          <a:p>
+            <a:pPr algn="ctr"/>
+            <a:r>
+              <a:rPr lang="ru-RU" sz="1400" dirty="0"/>
+              <a:t>-3</a:t>
+            </a:r>
+            <a:r>
+              <a:rPr lang="en-US" sz="1400" dirty="0"/>
+              <a:t>5</a:t>
+            </a:r>
+            <a:r>
+              <a:rPr lang="ru-RU" sz="1400" dirty="0"/>
+              <a:t>0 на </a:t>
+            </a:r>
+            <a:r>
+              <a:rPr lang="ru-RU" sz="1400" dirty="0" err="1"/>
+              <a:t>истор</a:t>
+            </a:r>
+            <a:r>
+              <a:rPr lang="ru-RU" sz="1400" dirty="0"/>
+              <a:t>. </a:t>
+            </a:r>
+            <a:r>
+              <a:rPr lang="ru-RU" sz="1400" dirty="0" err="1"/>
+              <a:t>военку</a:t>
+            </a:r>
+            <a:endParaRPr lang="ru-RU" sz="1400" dirty="0"/>
+          </a:p>
+        </p:txBody>
+      </p:sp>
     </p:spTree>
     <p:extLst>
       <p:ext uri="{BB962C8B-B14F-4D97-AF65-F5344CB8AC3E}">

--- a/Наработки/диздоки/Сиам/Сиам.pptx
+++ b/Наработки/диздоки/Сиам/Сиам.pptx
@@ -209,7 +209,7 @@
             <a:fld id="{33E3D7F9-E251-484C-A6FF-FA958879DF69}" type="datetimeFigureOut">
               <a:rPr lang="ru-RU" smtClean="0"/>
               <a:pPr/>
-              <a:t>10.11.2022</a:t>
+              <a:t>11.11.2022</a:t>
             </a:fld>
             <a:endParaRPr lang="ru-RU"/>
           </a:p>
@@ -699,7 +699,7 @@
             <a:fld id="{85A5DE44-605B-4D3B-B2B7-94543DF81A36}" type="datetimeFigureOut">
               <a:rPr lang="ru-RU" smtClean="0"/>
               <a:pPr/>
-              <a:t>10.11.2022</a:t>
+              <a:t>11.11.2022</a:t>
             </a:fld>
             <a:endParaRPr lang="ru-RU"/>
           </a:p>
@@ -871,7 +871,7 @@
             <a:fld id="{85A5DE44-605B-4D3B-B2B7-94543DF81A36}" type="datetimeFigureOut">
               <a:rPr lang="ru-RU" smtClean="0"/>
               <a:pPr/>
-              <a:t>10.11.2022</a:t>
+              <a:t>11.11.2022</a:t>
             </a:fld>
             <a:endParaRPr lang="ru-RU"/>
           </a:p>
@@ -1053,7 +1053,7 @@
             <a:fld id="{85A5DE44-605B-4D3B-B2B7-94543DF81A36}" type="datetimeFigureOut">
               <a:rPr lang="ru-RU" smtClean="0"/>
               <a:pPr/>
-              <a:t>10.11.2022</a:t>
+              <a:t>11.11.2022</a:t>
             </a:fld>
             <a:endParaRPr lang="ru-RU"/>
           </a:p>
@@ -1225,7 +1225,7 @@
             <a:fld id="{85A5DE44-605B-4D3B-B2B7-94543DF81A36}" type="datetimeFigureOut">
               <a:rPr lang="ru-RU" smtClean="0"/>
               <a:pPr/>
-              <a:t>10.11.2022</a:t>
+              <a:t>11.11.2022</a:t>
             </a:fld>
             <a:endParaRPr lang="ru-RU"/>
           </a:p>
@@ -1473,7 +1473,7 @@
             <a:fld id="{85A5DE44-605B-4D3B-B2B7-94543DF81A36}" type="datetimeFigureOut">
               <a:rPr lang="ru-RU" smtClean="0"/>
               <a:pPr/>
-              <a:t>10.11.2022</a:t>
+              <a:t>11.11.2022</a:t>
             </a:fld>
             <a:endParaRPr lang="ru-RU"/>
           </a:p>
@@ -1707,7 +1707,7 @@
             <a:fld id="{85A5DE44-605B-4D3B-B2B7-94543DF81A36}" type="datetimeFigureOut">
               <a:rPr lang="ru-RU" smtClean="0"/>
               <a:pPr/>
-              <a:t>10.11.2022</a:t>
+              <a:t>11.11.2022</a:t>
             </a:fld>
             <a:endParaRPr lang="ru-RU"/>
           </a:p>
@@ -2076,7 +2076,7 @@
             <a:fld id="{85A5DE44-605B-4D3B-B2B7-94543DF81A36}" type="datetimeFigureOut">
               <a:rPr lang="ru-RU" smtClean="0"/>
               <a:pPr/>
-              <a:t>10.11.2022</a:t>
+              <a:t>11.11.2022</a:t>
             </a:fld>
             <a:endParaRPr lang="ru-RU"/>
           </a:p>
@@ -2196,7 +2196,7 @@
             <a:fld id="{85A5DE44-605B-4D3B-B2B7-94543DF81A36}" type="datetimeFigureOut">
               <a:rPr lang="ru-RU" smtClean="0"/>
               <a:pPr/>
-              <a:t>10.11.2022</a:t>
+              <a:t>11.11.2022</a:t>
             </a:fld>
             <a:endParaRPr lang="ru-RU"/>
           </a:p>
@@ -2293,7 +2293,7 @@
             <a:fld id="{85A5DE44-605B-4D3B-B2B7-94543DF81A36}" type="datetimeFigureOut">
               <a:rPr lang="ru-RU" smtClean="0"/>
               <a:pPr/>
-              <a:t>10.11.2022</a:t>
+              <a:t>11.11.2022</a:t>
             </a:fld>
             <a:endParaRPr lang="ru-RU"/>
           </a:p>
@@ -2572,7 +2572,7 @@
             <a:fld id="{85A5DE44-605B-4D3B-B2B7-94543DF81A36}" type="datetimeFigureOut">
               <a:rPr lang="ru-RU" smtClean="0"/>
               <a:pPr/>
-              <a:t>10.11.2022</a:t>
+              <a:t>11.11.2022</a:t>
             </a:fld>
             <a:endParaRPr lang="ru-RU"/>
           </a:p>
@@ -2831,7 +2831,7 @@
             <a:fld id="{85A5DE44-605B-4D3B-B2B7-94543DF81A36}" type="datetimeFigureOut">
               <a:rPr lang="ru-RU" smtClean="0"/>
               <a:pPr/>
-              <a:t>10.11.2022</a:t>
+              <a:t>11.11.2022</a:t>
             </a:fld>
             <a:endParaRPr lang="ru-RU"/>
           </a:p>
@@ -3046,7 +3046,7 @@
             <a:fld id="{85A5DE44-605B-4D3B-B2B7-94543DF81A36}" type="datetimeFigureOut">
               <a:rPr lang="ru-RU" smtClean="0"/>
               <a:pPr/>
-              <a:t>10.11.2022</a:t>
+              <a:t>11.11.2022</a:t>
             </a:fld>
             <a:endParaRPr lang="ru-RU"/>
           </a:p>
@@ -11185,7 +11185,14 @@
             </a:r>
             <a:r>
               <a:rPr lang="ru-RU" sz="1400" dirty="0"/>
-              <a:t> 1940)</a:t>
+              <a:t> 1940) </a:t>
+            </a:r>
+            <a:br>
+              <a:rPr lang="ru-RU" sz="1400" dirty="0"/>
+            </a:br>
+            <a:r>
+              <a:rPr lang="ru-RU" sz="1400" dirty="0"/>
+              <a:t>-50</a:t>
             </a:r>
           </a:p>
         </p:txBody>
@@ -23992,7 +23999,7 @@
         </p:nvSpPr>
         <p:spPr>
           <a:xfrm>
-            <a:off x="20656537" y="14637696"/>
+            <a:off x="20697670" y="15048804"/>
             <a:ext cx="2115918" cy="1080000"/>
           </a:xfrm>
           <a:prstGeom prst="rect">

--- a/Наработки/диздоки/Сиам/Сиам.pptx
+++ b/Наработки/диздоки/Сиам/Сиам.pptx
@@ -209,7 +209,7 @@
             <a:fld id="{33E3D7F9-E251-484C-A6FF-FA958879DF69}" type="datetimeFigureOut">
               <a:rPr lang="ru-RU" smtClean="0"/>
               <a:pPr/>
-              <a:t>11.11.2022</a:t>
+              <a:t>18.11.2022</a:t>
             </a:fld>
             <a:endParaRPr lang="ru-RU"/>
           </a:p>
@@ -699,7 +699,7 @@
             <a:fld id="{85A5DE44-605B-4D3B-B2B7-94543DF81A36}" type="datetimeFigureOut">
               <a:rPr lang="ru-RU" smtClean="0"/>
               <a:pPr/>
-              <a:t>11.11.2022</a:t>
+              <a:t>18.11.2022</a:t>
             </a:fld>
             <a:endParaRPr lang="ru-RU"/>
           </a:p>
@@ -871,7 +871,7 @@
             <a:fld id="{85A5DE44-605B-4D3B-B2B7-94543DF81A36}" type="datetimeFigureOut">
               <a:rPr lang="ru-RU" smtClean="0"/>
               <a:pPr/>
-              <a:t>11.11.2022</a:t>
+              <a:t>18.11.2022</a:t>
             </a:fld>
             <a:endParaRPr lang="ru-RU"/>
           </a:p>
@@ -1053,7 +1053,7 @@
             <a:fld id="{85A5DE44-605B-4D3B-B2B7-94543DF81A36}" type="datetimeFigureOut">
               <a:rPr lang="ru-RU" smtClean="0"/>
               <a:pPr/>
-              <a:t>11.11.2022</a:t>
+              <a:t>18.11.2022</a:t>
             </a:fld>
             <a:endParaRPr lang="ru-RU"/>
           </a:p>
@@ -1225,7 +1225,7 @@
             <a:fld id="{85A5DE44-605B-4D3B-B2B7-94543DF81A36}" type="datetimeFigureOut">
               <a:rPr lang="ru-RU" smtClean="0"/>
               <a:pPr/>
-              <a:t>11.11.2022</a:t>
+              <a:t>18.11.2022</a:t>
             </a:fld>
             <a:endParaRPr lang="ru-RU"/>
           </a:p>
@@ -1473,7 +1473,7 @@
             <a:fld id="{85A5DE44-605B-4D3B-B2B7-94543DF81A36}" type="datetimeFigureOut">
               <a:rPr lang="ru-RU" smtClean="0"/>
               <a:pPr/>
-              <a:t>11.11.2022</a:t>
+              <a:t>18.11.2022</a:t>
             </a:fld>
             <a:endParaRPr lang="ru-RU"/>
           </a:p>
@@ -1707,7 +1707,7 @@
             <a:fld id="{85A5DE44-605B-4D3B-B2B7-94543DF81A36}" type="datetimeFigureOut">
               <a:rPr lang="ru-RU" smtClean="0"/>
               <a:pPr/>
-              <a:t>11.11.2022</a:t>
+              <a:t>18.11.2022</a:t>
             </a:fld>
             <a:endParaRPr lang="ru-RU"/>
           </a:p>
@@ -2076,7 +2076,7 @@
             <a:fld id="{85A5DE44-605B-4D3B-B2B7-94543DF81A36}" type="datetimeFigureOut">
               <a:rPr lang="ru-RU" smtClean="0"/>
               <a:pPr/>
-              <a:t>11.11.2022</a:t>
+              <a:t>18.11.2022</a:t>
             </a:fld>
             <a:endParaRPr lang="ru-RU"/>
           </a:p>
@@ -2196,7 +2196,7 @@
             <a:fld id="{85A5DE44-605B-4D3B-B2B7-94543DF81A36}" type="datetimeFigureOut">
               <a:rPr lang="ru-RU" smtClean="0"/>
               <a:pPr/>
-              <a:t>11.11.2022</a:t>
+              <a:t>18.11.2022</a:t>
             </a:fld>
             <a:endParaRPr lang="ru-RU"/>
           </a:p>
@@ -2293,7 +2293,7 @@
             <a:fld id="{85A5DE44-605B-4D3B-B2B7-94543DF81A36}" type="datetimeFigureOut">
               <a:rPr lang="ru-RU" smtClean="0"/>
               <a:pPr/>
-              <a:t>11.11.2022</a:t>
+              <a:t>18.11.2022</a:t>
             </a:fld>
             <a:endParaRPr lang="ru-RU"/>
           </a:p>
@@ -2572,7 +2572,7 @@
             <a:fld id="{85A5DE44-605B-4D3B-B2B7-94543DF81A36}" type="datetimeFigureOut">
               <a:rPr lang="ru-RU" smtClean="0"/>
               <a:pPr/>
-              <a:t>11.11.2022</a:t>
+              <a:t>18.11.2022</a:t>
             </a:fld>
             <a:endParaRPr lang="ru-RU"/>
           </a:p>
@@ -2831,7 +2831,7 @@
             <a:fld id="{85A5DE44-605B-4D3B-B2B7-94543DF81A36}" type="datetimeFigureOut">
               <a:rPr lang="ru-RU" smtClean="0"/>
               <a:pPr/>
-              <a:t>11.11.2022</a:t>
+              <a:t>18.11.2022</a:t>
             </a:fld>
             <a:endParaRPr lang="ru-RU"/>
           </a:p>
@@ -3046,7 +3046,7 @@
             <a:fld id="{85A5DE44-605B-4D3B-B2B7-94543DF81A36}" type="datetimeFigureOut">
               <a:rPr lang="ru-RU" smtClean="0"/>
               <a:pPr/>
-              <a:t>11.11.2022</a:t>
+              <a:t>18.11.2022</a:t>
             </a:fld>
             <a:endParaRPr lang="ru-RU"/>
           </a:p>
@@ -28258,15 +28258,16 @@
         <p:nvCxnSpPr>
           <p:cNvPr id="697" name="Shape 248"/>
           <p:cNvCxnSpPr>
-            <a:stCxn id="403" idx="2"/>
+            <a:cxnSpLocks/>
+            <a:stCxn id="140" idx="2"/>
             <a:endCxn id="407" idx="0"/>
           </p:cNvCxnSpPr>
           <p:nvPr/>
         </p:nvCxnSpPr>
         <p:spPr>
           <a:xfrm rot="5400000">
-            <a:off x="22773642" y="20152539"/>
-            <a:ext cx="343182" cy="2307385"/>
+            <a:off x="28537215" y="14379698"/>
+            <a:ext cx="352450" cy="13843799"/>
           </a:xfrm>
           <a:prstGeom prst="bentConnector3">
             <a:avLst>

--- a/Наработки/диздоки/Сиам/Сиам.pptx
+++ b/Наработки/диздоки/Сиам/Сиам.pptx
@@ -209,7 +209,7 @@
             <a:fld id="{33E3D7F9-E251-484C-A6FF-FA958879DF69}" type="datetimeFigureOut">
               <a:rPr lang="ru-RU" smtClean="0"/>
               <a:pPr/>
-              <a:t>18.11.2022</a:t>
+              <a:t>21.11.2022</a:t>
             </a:fld>
             <a:endParaRPr lang="ru-RU"/>
           </a:p>
@@ -699,7 +699,7 @@
             <a:fld id="{85A5DE44-605B-4D3B-B2B7-94543DF81A36}" type="datetimeFigureOut">
               <a:rPr lang="ru-RU" smtClean="0"/>
               <a:pPr/>
-              <a:t>18.11.2022</a:t>
+              <a:t>21.11.2022</a:t>
             </a:fld>
             <a:endParaRPr lang="ru-RU"/>
           </a:p>
@@ -871,7 +871,7 @@
             <a:fld id="{85A5DE44-605B-4D3B-B2B7-94543DF81A36}" type="datetimeFigureOut">
               <a:rPr lang="ru-RU" smtClean="0"/>
               <a:pPr/>
-              <a:t>18.11.2022</a:t>
+              <a:t>21.11.2022</a:t>
             </a:fld>
             <a:endParaRPr lang="ru-RU"/>
           </a:p>
@@ -1053,7 +1053,7 @@
             <a:fld id="{85A5DE44-605B-4D3B-B2B7-94543DF81A36}" type="datetimeFigureOut">
               <a:rPr lang="ru-RU" smtClean="0"/>
               <a:pPr/>
-              <a:t>18.11.2022</a:t>
+              <a:t>21.11.2022</a:t>
             </a:fld>
             <a:endParaRPr lang="ru-RU"/>
           </a:p>
@@ -1225,7 +1225,7 @@
             <a:fld id="{85A5DE44-605B-4D3B-B2B7-94543DF81A36}" type="datetimeFigureOut">
               <a:rPr lang="ru-RU" smtClean="0"/>
               <a:pPr/>
-              <a:t>18.11.2022</a:t>
+              <a:t>21.11.2022</a:t>
             </a:fld>
             <a:endParaRPr lang="ru-RU"/>
           </a:p>
@@ -1473,7 +1473,7 @@
             <a:fld id="{85A5DE44-605B-4D3B-B2B7-94543DF81A36}" type="datetimeFigureOut">
               <a:rPr lang="ru-RU" smtClean="0"/>
               <a:pPr/>
-              <a:t>18.11.2022</a:t>
+              <a:t>21.11.2022</a:t>
             </a:fld>
             <a:endParaRPr lang="ru-RU"/>
           </a:p>
@@ -1707,7 +1707,7 @@
             <a:fld id="{85A5DE44-605B-4D3B-B2B7-94543DF81A36}" type="datetimeFigureOut">
               <a:rPr lang="ru-RU" smtClean="0"/>
               <a:pPr/>
-              <a:t>18.11.2022</a:t>
+              <a:t>21.11.2022</a:t>
             </a:fld>
             <a:endParaRPr lang="ru-RU"/>
           </a:p>
@@ -2076,7 +2076,7 @@
             <a:fld id="{85A5DE44-605B-4D3B-B2B7-94543DF81A36}" type="datetimeFigureOut">
               <a:rPr lang="ru-RU" smtClean="0"/>
               <a:pPr/>
-              <a:t>18.11.2022</a:t>
+              <a:t>21.11.2022</a:t>
             </a:fld>
             <a:endParaRPr lang="ru-RU"/>
           </a:p>
@@ -2196,7 +2196,7 @@
             <a:fld id="{85A5DE44-605B-4D3B-B2B7-94543DF81A36}" type="datetimeFigureOut">
               <a:rPr lang="ru-RU" smtClean="0"/>
               <a:pPr/>
-              <a:t>18.11.2022</a:t>
+              <a:t>21.11.2022</a:t>
             </a:fld>
             <a:endParaRPr lang="ru-RU"/>
           </a:p>
@@ -2293,7 +2293,7 @@
             <a:fld id="{85A5DE44-605B-4D3B-B2B7-94543DF81A36}" type="datetimeFigureOut">
               <a:rPr lang="ru-RU" smtClean="0"/>
               <a:pPr/>
-              <a:t>18.11.2022</a:t>
+              <a:t>21.11.2022</a:t>
             </a:fld>
             <a:endParaRPr lang="ru-RU"/>
           </a:p>
@@ -2572,7 +2572,7 @@
             <a:fld id="{85A5DE44-605B-4D3B-B2B7-94543DF81A36}" type="datetimeFigureOut">
               <a:rPr lang="ru-RU" smtClean="0"/>
               <a:pPr/>
-              <a:t>18.11.2022</a:t>
+              <a:t>21.11.2022</a:t>
             </a:fld>
             <a:endParaRPr lang="ru-RU"/>
           </a:p>
@@ -2831,7 +2831,7 @@
             <a:fld id="{85A5DE44-605B-4D3B-B2B7-94543DF81A36}" type="datetimeFigureOut">
               <a:rPr lang="ru-RU" smtClean="0"/>
               <a:pPr/>
-              <a:t>18.11.2022</a:t>
+              <a:t>21.11.2022</a:t>
             </a:fld>
             <a:endParaRPr lang="ru-RU"/>
           </a:p>
@@ -3046,7 +3046,7 @@
             <a:fld id="{85A5DE44-605B-4D3B-B2B7-94543DF81A36}" type="datetimeFigureOut">
               <a:rPr lang="ru-RU" smtClean="0"/>
               <a:pPr/>
-              <a:t>18.11.2022</a:t>
+              <a:t>21.11.2022</a:t>
             </a:fld>
             <a:endParaRPr lang="ru-RU"/>
           </a:p>

--- a/Наработки/диздоки/Сиам/Сиам.pptx
+++ b/Наработки/диздоки/Сиам/Сиам.pptx
@@ -209,7 +209,7 @@
             <a:fld id="{33E3D7F9-E251-484C-A6FF-FA958879DF69}" type="datetimeFigureOut">
               <a:rPr lang="ru-RU" smtClean="0"/>
               <a:pPr/>
-              <a:t>21.11.2022</a:t>
+              <a:t>22.11.2022</a:t>
             </a:fld>
             <a:endParaRPr lang="ru-RU"/>
           </a:p>
@@ -699,7 +699,7 @@
             <a:fld id="{85A5DE44-605B-4D3B-B2B7-94543DF81A36}" type="datetimeFigureOut">
               <a:rPr lang="ru-RU" smtClean="0"/>
               <a:pPr/>
-              <a:t>21.11.2022</a:t>
+              <a:t>22.11.2022</a:t>
             </a:fld>
             <a:endParaRPr lang="ru-RU"/>
           </a:p>
@@ -871,7 +871,7 @@
             <a:fld id="{85A5DE44-605B-4D3B-B2B7-94543DF81A36}" type="datetimeFigureOut">
               <a:rPr lang="ru-RU" smtClean="0"/>
               <a:pPr/>
-              <a:t>21.11.2022</a:t>
+              <a:t>22.11.2022</a:t>
             </a:fld>
             <a:endParaRPr lang="ru-RU"/>
           </a:p>
@@ -1053,7 +1053,7 @@
             <a:fld id="{85A5DE44-605B-4D3B-B2B7-94543DF81A36}" type="datetimeFigureOut">
               <a:rPr lang="ru-RU" smtClean="0"/>
               <a:pPr/>
-              <a:t>21.11.2022</a:t>
+              <a:t>22.11.2022</a:t>
             </a:fld>
             <a:endParaRPr lang="ru-RU"/>
           </a:p>
@@ -1225,7 +1225,7 @@
             <a:fld id="{85A5DE44-605B-4D3B-B2B7-94543DF81A36}" type="datetimeFigureOut">
               <a:rPr lang="ru-RU" smtClean="0"/>
               <a:pPr/>
-              <a:t>21.11.2022</a:t>
+              <a:t>22.11.2022</a:t>
             </a:fld>
             <a:endParaRPr lang="ru-RU"/>
           </a:p>
@@ -1473,7 +1473,7 @@
             <a:fld id="{85A5DE44-605B-4D3B-B2B7-94543DF81A36}" type="datetimeFigureOut">
               <a:rPr lang="ru-RU" smtClean="0"/>
               <a:pPr/>
-              <a:t>21.11.2022</a:t>
+              <a:t>22.11.2022</a:t>
             </a:fld>
             <a:endParaRPr lang="ru-RU"/>
           </a:p>
@@ -1707,7 +1707,7 @@
             <a:fld id="{85A5DE44-605B-4D3B-B2B7-94543DF81A36}" type="datetimeFigureOut">
               <a:rPr lang="ru-RU" smtClean="0"/>
               <a:pPr/>
-              <a:t>21.11.2022</a:t>
+              <a:t>22.11.2022</a:t>
             </a:fld>
             <a:endParaRPr lang="ru-RU"/>
           </a:p>
@@ -2076,7 +2076,7 @@
             <a:fld id="{85A5DE44-605B-4D3B-B2B7-94543DF81A36}" type="datetimeFigureOut">
               <a:rPr lang="ru-RU" smtClean="0"/>
               <a:pPr/>
-              <a:t>21.11.2022</a:t>
+              <a:t>22.11.2022</a:t>
             </a:fld>
             <a:endParaRPr lang="ru-RU"/>
           </a:p>
@@ -2196,7 +2196,7 @@
             <a:fld id="{85A5DE44-605B-4D3B-B2B7-94543DF81A36}" type="datetimeFigureOut">
               <a:rPr lang="ru-RU" smtClean="0"/>
               <a:pPr/>
-              <a:t>21.11.2022</a:t>
+              <a:t>22.11.2022</a:t>
             </a:fld>
             <a:endParaRPr lang="ru-RU"/>
           </a:p>
@@ -2293,7 +2293,7 @@
             <a:fld id="{85A5DE44-605B-4D3B-B2B7-94543DF81A36}" type="datetimeFigureOut">
               <a:rPr lang="ru-RU" smtClean="0"/>
               <a:pPr/>
-              <a:t>21.11.2022</a:t>
+              <a:t>22.11.2022</a:t>
             </a:fld>
             <a:endParaRPr lang="ru-RU"/>
           </a:p>
@@ -2572,7 +2572,7 @@
             <a:fld id="{85A5DE44-605B-4D3B-B2B7-94543DF81A36}" type="datetimeFigureOut">
               <a:rPr lang="ru-RU" smtClean="0"/>
               <a:pPr/>
-              <a:t>21.11.2022</a:t>
+              <a:t>22.11.2022</a:t>
             </a:fld>
             <a:endParaRPr lang="ru-RU"/>
           </a:p>
@@ -2831,7 +2831,7 @@
             <a:fld id="{85A5DE44-605B-4D3B-B2B7-94543DF81A36}" type="datetimeFigureOut">
               <a:rPr lang="ru-RU" smtClean="0"/>
               <a:pPr/>
-              <a:t>21.11.2022</a:t>
+              <a:t>22.11.2022</a:t>
             </a:fld>
             <a:endParaRPr lang="ru-RU"/>
           </a:p>
@@ -3046,7 +3046,7 @@
             <a:fld id="{85A5DE44-605B-4D3B-B2B7-94543DF81A36}" type="datetimeFigureOut">
               <a:rPr lang="ru-RU" smtClean="0"/>
               <a:pPr/>
-              <a:t>21.11.2022</a:t>
+              <a:t>22.11.2022</a:t>
             </a:fld>
             <a:endParaRPr lang="ru-RU"/>
           </a:p>

--- a/Наработки/диздоки/Сиам/Сиам.pptx
+++ b/Наработки/диздоки/Сиам/Сиам.pptx
@@ -209,7 +209,7 @@
             <a:fld id="{33E3D7F9-E251-484C-A6FF-FA958879DF69}" type="datetimeFigureOut">
               <a:rPr lang="ru-RU" smtClean="0"/>
               <a:pPr/>
-              <a:t>22.11.2022</a:t>
+              <a:t>24.11.2022</a:t>
             </a:fld>
             <a:endParaRPr lang="ru-RU"/>
           </a:p>
@@ -699,7 +699,7 @@
             <a:fld id="{85A5DE44-605B-4D3B-B2B7-94543DF81A36}" type="datetimeFigureOut">
               <a:rPr lang="ru-RU" smtClean="0"/>
               <a:pPr/>
-              <a:t>22.11.2022</a:t>
+              <a:t>24.11.2022</a:t>
             </a:fld>
             <a:endParaRPr lang="ru-RU"/>
           </a:p>
@@ -871,7 +871,7 @@
             <a:fld id="{85A5DE44-605B-4D3B-B2B7-94543DF81A36}" type="datetimeFigureOut">
               <a:rPr lang="ru-RU" smtClean="0"/>
               <a:pPr/>
-              <a:t>22.11.2022</a:t>
+              <a:t>24.11.2022</a:t>
             </a:fld>
             <a:endParaRPr lang="ru-RU"/>
           </a:p>
@@ -1053,7 +1053,7 @@
             <a:fld id="{85A5DE44-605B-4D3B-B2B7-94543DF81A36}" type="datetimeFigureOut">
               <a:rPr lang="ru-RU" smtClean="0"/>
               <a:pPr/>
-              <a:t>22.11.2022</a:t>
+              <a:t>24.11.2022</a:t>
             </a:fld>
             <a:endParaRPr lang="ru-RU"/>
           </a:p>
@@ -1225,7 +1225,7 @@
             <a:fld id="{85A5DE44-605B-4D3B-B2B7-94543DF81A36}" type="datetimeFigureOut">
               <a:rPr lang="ru-RU" smtClean="0"/>
               <a:pPr/>
-              <a:t>22.11.2022</a:t>
+              <a:t>24.11.2022</a:t>
             </a:fld>
             <a:endParaRPr lang="ru-RU"/>
           </a:p>
@@ -1473,7 +1473,7 @@
             <a:fld id="{85A5DE44-605B-4D3B-B2B7-94543DF81A36}" type="datetimeFigureOut">
               <a:rPr lang="ru-RU" smtClean="0"/>
               <a:pPr/>
-              <a:t>22.11.2022</a:t>
+              <a:t>24.11.2022</a:t>
             </a:fld>
             <a:endParaRPr lang="ru-RU"/>
           </a:p>
@@ -1707,7 +1707,7 @@
             <a:fld id="{85A5DE44-605B-4D3B-B2B7-94543DF81A36}" type="datetimeFigureOut">
               <a:rPr lang="ru-RU" smtClean="0"/>
               <a:pPr/>
-              <a:t>22.11.2022</a:t>
+              <a:t>24.11.2022</a:t>
             </a:fld>
             <a:endParaRPr lang="ru-RU"/>
           </a:p>
@@ -2076,7 +2076,7 @@
             <a:fld id="{85A5DE44-605B-4D3B-B2B7-94543DF81A36}" type="datetimeFigureOut">
               <a:rPr lang="ru-RU" smtClean="0"/>
               <a:pPr/>
-              <a:t>22.11.2022</a:t>
+              <a:t>24.11.2022</a:t>
             </a:fld>
             <a:endParaRPr lang="ru-RU"/>
           </a:p>
@@ -2196,7 +2196,7 @@
             <a:fld id="{85A5DE44-605B-4D3B-B2B7-94543DF81A36}" type="datetimeFigureOut">
               <a:rPr lang="ru-RU" smtClean="0"/>
               <a:pPr/>
-              <a:t>22.11.2022</a:t>
+              <a:t>24.11.2022</a:t>
             </a:fld>
             <a:endParaRPr lang="ru-RU"/>
           </a:p>
@@ -2293,7 +2293,7 @@
             <a:fld id="{85A5DE44-605B-4D3B-B2B7-94543DF81A36}" type="datetimeFigureOut">
               <a:rPr lang="ru-RU" smtClean="0"/>
               <a:pPr/>
-              <a:t>22.11.2022</a:t>
+              <a:t>24.11.2022</a:t>
             </a:fld>
             <a:endParaRPr lang="ru-RU"/>
           </a:p>
@@ -2572,7 +2572,7 @@
             <a:fld id="{85A5DE44-605B-4D3B-B2B7-94543DF81A36}" type="datetimeFigureOut">
               <a:rPr lang="ru-RU" smtClean="0"/>
               <a:pPr/>
-              <a:t>22.11.2022</a:t>
+              <a:t>24.11.2022</a:t>
             </a:fld>
             <a:endParaRPr lang="ru-RU"/>
           </a:p>
@@ -2831,7 +2831,7 @@
             <a:fld id="{85A5DE44-605B-4D3B-B2B7-94543DF81A36}" type="datetimeFigureOut">
               <a:rPr lang="ru-RU" smtClean="0"/>
               <a:pPr/>
-              <a:t>22.11.2022</a:t>
+              <a:t>24.11.2022</a:t>
             </a:fld>
             <a:endParaRPr lang="ru-RU"/>
           </a:p>
@@ -3046,7 +3046,7 @@
             <a:fld id="{85A5DE44-605B-4D3B-B2B7-94543DF81A36}" type="datetimeFigureOut">
               <a:rPr lang="ru-RU" smtClean="0"/>
               <a:pPr/>
-              <a:t>22.11.2022</a:t>
+              <a:t>24.11.2022</a:t>
             </a:fld>
             <a:endParaRPr lang="ru-RU"/>
           </a:p>

--- a/Наработки/диздоки/Сиам/Сиам.pptx
+++ b/Наработки/диздоки/Сиам/Сиам.pptx
@@ -209,7 +209,7 @@
             <a:fld id="{33E3D7F9-E251-484C-A6FF-FA958879DF69}" type="datetimeFigureOut">
               <a:rPr lang="ru-RU" smtClean="0"/>
               <a:pPr/>
-              <a:t>24.11.2022</a:t>
+              <a:t>25.11.2022</a:t>
             </a:fld>
             <a:endParaRPr lang="ru-RU"/>
           </a:p>
@@ -699,7 +699,7 @@
             <a:fld id="{85A5DE44-605B-4D3B-B2B7-94543DF81A36}" type="datetimeFigureOut">
               <a:rPr lang="ru-RU" smtClean="0"/>
               <a:pPr/>
-              <a:t>24.11.2022</a:t>
+              <a:t>25.11.2022</a:t>
             </a:fld>
             <a:endParaRPr lang="ru-RU"/>
           </a:p>
@@ -871,7 +871,7 @@
             <a:fld id="{85A5DE44-605B-4D3B-B2B7-94543DF81A36}" type="datetimeFigureOut">
               <a:rPr lang="ru-RU" smtClean="0"/>
               <a:pPr/>
-              <a:t>24.11.2022</a:t>
+              <a:t>25.11.2022</a:t>
             </a:fld>
             <a:endParaRPr lang="ru-RU"/>
           </a:p>
@@ -1053,7 +1053,7 @@
             <a:fld id="{85A5DE44-605B-4D3B-B2B7-94543DF81A36}" type="datetimeFigureOut">
               <a:rPr lang="ru-RU" smtClean="0"/>
               <a:pPr/>
-              <a:t>24.11.2022</a:t>
+              <a:t>25.11.2022</a:t>
             </a:fld>
             <a:endParaRPr lang="ru-RU"/>
           </a:p>
@@ -1225,7 +1225,7 @@
             <a:fld id="{85A5DE44-605B-4D3B-B2B7-94543DF81A36}" type="datetimeFigureOut">
               <a:rPr lang="ru-RU" smtClean="0"/>
               <a:pPr/>
-              <a:t>24.11.2022</a:t>
+              <a:t>25.11.2022</a:t>
             </a:fld>
             <a:endParaRPr lang="ru-RU"/>
           </a:p>
@@ -1473,7 +1473,7 @@
             <a:fld id="{85A5DE44-605B-4D3B-B2B7-94543DF81A36}" type="datetimeFigureOut">
               <a:rPr lang="ru-RU" smtClean="0"/>
               <a:pPr/>
-              <a:t>24.11.2022</a:t>
+              <a:t>25.11.2022</a:t>
             </a:fld>
             <a:endParaRPr lang="ru-RU"/>
           </a:p>
@@ -1707,7 +1707,7 @@
             <a:fld id="{85A5DE44-605B-4D3B-B2B7-94543DF81A36}" type="datetimeFigureOut">
               <a:rPr lang="ru-RU" smtClean="0"/>
               <a:pPr/>
-              <a:t>24.11.2022</a:t>
+              <a:t>25.11.2022</a:t>
             </a:fld>
             <a:endParaRPr lang="ru-RU"/>
           </a:p>
@@ -2076,7 +2076,7 @@
             <a:fld id="{85A5DE44-605B-4D3B-B2B7-94543DF81A36}" type="datetimeFigureOut">
               <a:rPr lang="ru-RU" smtClean="0"/>
               <a:pPr/>
-              <a:t>24.11.2022</a:t>
+              <a:t>25.11.2022</a:t>
             </a:fld>
             <a:endParaRPr lang="ru-RU"/>
           </a:p>
@@ -2196,7 +2196,7 @@
             <a:fld id="{85A5DE44-605B-4D3B-B2B7-94543DF81A36}" type="datetimeFigureOut">
               <a:rPr lang="ru-RU" smtClean="0"/>
               <a:pPr/>
-              <a:t>24.11.2022</a:t>
+              <a:t>25.11.2022</a:t>
             </a:fld>
             <a:endParaRPr lang="ru-RU"/>
           </a:p>
@@ -2293,7 +2293,7 @@
             <a:fld id="{85A5DE44-605B-4D3B-B2B7-94543DF81A36}" type="datetimeFigureOut">
               <a:rPr lang="ru-RU" smtClean="0"/>
               <a:pPr/>
-              <a:t>24.11.2022</a:t>
+              <a:t>25.11.2022</a:t>
             </a:fld>
             <a:endParaRPr lang="ru-RU"/>
           </a:p>
@@ -2572,7 +2572,7 @@
             <a:fld id="{85A5DE44-605B-4D3B-B2B7-94543DF81A36}" type="datetimeFigureOut">
               <a:rPr lang="ru-RU" smtClean="0"/>
               <a:pPr/>
-              <a:t>24.11.2022</a:t>
+              <a:t>25.11.2022</a:t>
             </a:fld>
             <a:endParaRPr lang="ru-RU"/>
           </a:p>
@@ -2831,7 +2831,7 @@
             <a:fld id="{85A5DE44-605B-4D3B-B2B7-94543DF81A36}" type="datetimeFigureOut">
               <a:rPr lang="ru-RU" smtClean="0"/>
               <a:pPr/>
-              <a:t>24.11.2022</a:t>
+              <a:t>25.11.2022</a:t>
             </a:fld>
             <a:endParaRPr lang="ru-RU"/>
           </a:p>
@@ -3046,7 +3046,7 @@
             <a:fld id="{85A5DE44-605B-4D3B-B2B7-94543DF81A36}" type="datetimeFigureOut">
               <a:rPr lang="ru-RU" smtClean="0"/>
               <a:pPr/>
-              <a:t>24.11.2022</a:t>
+              <a:t>25.11.2022</a:t>
             </a:fld>
             <a:endParaRPr lang="ru-RU"/>
           </a:p>

--- a/Наработки/диздоки/Сиам/Сиам.pptx
+++ b/Наработки/диздоки/Сиам/Сиам.pptx
@@ -209,7 +209,7 @@
             <a:fld id="{33E3D7F9-E251-484C-A6FF-FA958879DF69}" type="datetimeFigureOut">
               <a:rPr lang="ru-RU" smtClean="0"/>
               <a:pPr/>
-              <a:t>25.11.2022</a:t>
+              <a:t>22.02.2024</a:t>
             </a:fld>
             <a:endParaRPr lang="ru-RU"/>
           </a:p>
@@ -699,7 +699,7 @@
             <a:fld id="{85A5DE44-605B-4D3B-B2B7-94543DF81A36}" type="datetimeFigureOut">
               <a:rPr lang="ru-RU" smtClean="0"/>
               <a:pPr/>
-              <a:t>25.11.2022</a:t>
+              <a:t>22.02.2024</a:t>
             </a:fld>
             <a:endParaRPr lang="ru-RU"/>
           </a:p>
@@ -871,7 +871,7 @@
             <a:fld id="{85A5DE44-605B-4D3B-B2B7-94543DF81A36}" type="datetimeFigureOut">
               <a:rPr lang="ru-RU" smtClean="0"/>
               <a:pPr/>
-              <a:t>25.11.2022</a:t>
+              <a:t>22.02.2024</a:t>
             </a:fld>
             <a:endParaRPr lang="ru-RU"/>
           </a:p>
@@ -1053,7 +1053,7 @@
             <a:fld id="{85A5DE44-605B-4D3B-B2B7-94543DF81A36}" type="datetimeFigureOut">
               <a:rPr lang="ru-RU" smtClean="0"/>
               <a:pPr/>
-              <a:t>25.11.2022</a:t>
+              <a:t>22.02.2024</a:t>
             </a:fld>
             <a:endParaRPr lang="ru-RU"/>
           </a:p>
@@ -1225,7 +1225,7 @@
             <a:fld id="{85A5DE44-605B-4D3B-B2B7-94543DF81A36}" type="datetimeFigureOut">
               <a:rPr lang="ru-RU" smtClean="0"/>
               <a:pPr/>
-              <a:t>25.11.2022</a:t>
+              <a:t>22.02.2024</a:t>
             </a:fld>
             <a:endParaRPr lang="ru-RU"/>
           </a:p>
@@ -1473,7 +1473,7 @@
             <a:fld id="{85A5DE44-605B-4D3B-B2B7-94543DF81A36}" type="datetimeFigureOut">
               <a:rPr lang="ru-RU" smtClean="0"/>
               <a:pPr/>
-              <a:t>25.11.2022</a:t>
+              <a:t>22.02.2024</a:t>
             </a:fld>
             <a:endParaRPr lang="ru-RU"/>
           </a:p>
@@ -1707,7 +1707,7 @@
             <a:fld id="{85A5DE44-605B-4D3B-B2B7-94543DF81A36}" type="datetimeFigureOut">
               <a:rPr lang="ru-RU" smtClean="0"/>
               <a:pPr/>
-              <a:t>25.11.2022</a:t>
+              <a:t>22.02.2024</a:t>
             </a:fld>
             <a:endParaRPr lang="ru-RU"/>
           </a:p>
@@ -2076,7 +2076,7 @@
             <a:fld id="{85A5DE44-605B-4D3B-B2B7-94543DF81A36}" type="datetimeFigureOut">
               <a:rPr lang="ru-RU" smtClean="0"/>
               <a:pPr/>
-              <a:t>25.11.2022</a:t>
+              <a:t>22.02.2024</a:t>
             </a:fld>
             <a:endParaRPr lang="ru-RU"/>
           </a:p>
@@ -2196,7 +2196,7 @@
             <a:fld id="{85A5DE44-605B-4D3B-B2B7-94543DF81A36}" type="datetimeFigureOut">
               <a:rPr lang="ru-RU" smtClean="0"/>
               <a:pPr/>
-              <a:t>25.11.2022</a:t>
+              <a:t>22.02.2024</a:t>
             </a:fld>
             <a:endParaRPr lang="ru-RU"/>
           </a:p>
@@ -2293,7 +2293,7 @@
             <a:fld id="{85A5DE44-605B-4D3B-B2B7-94543DF81A36}" type="datetimeFigureOut">
               <a:rPr lang="ru-RU" smtClean="0"/>
               <a:pPr/>
-              <a:t>25.11.2022</a:t>
+              <a:t>22.02.2024</a:t>
             </a:fld>
             <a:endParaRPr lang="ru-RU"/>
           </a:p>
@@ -2572,7 +2572,7 @@
             <a:fld id="{85A5DE44-605B-4D3B-B2B7-94543DF81A36}" type="datetimeFigureOut">
               <a:rPr lang="ru-RU" smtClean="0"/>
               <a:pPr/>
-              <a:t>25.11.2022</a:t>
+              <a:t>22.02.2024</a:t>
             </a:fld>
             <a:endParaRPr lang="ru-RU"/>
           </a:p>
@@ -2831,7 +2831,7 @@
             <a:fld id="{85A5DE44-605B-4D3B-B2B7-94543DF81A36}" type="datetimeFigureOut">
               <a:rPr lang="ru-RU" smtClean="0"/>
               <a:pPr/>
-              <a:t>25.11.2022</a:t>
+              <a:t>22.02.2024</a:t>
             </a:fld>
             <a:endParaRPr lang="ru-RU"/>
           </a:p>
@@ -3046,7 +3046,7 @@
             <a:fld id="{85A5DE44-605B-4D3B-B2B7-94543DF81A36}" type="datetimeFigureOut">
               <a:rPr lang="ru-RU" smtClean="0"/>
               <a:pPr/>
-              <a:t>25.11.2022</a:t>
+              <a:t>22.02.2024</a:t>
             </a:fld>
             <a:endParaRPr lang="ru-RU"/>
           </a:p>
@@ -3897,7 +3897,7 @@
             </a:r>
             <a:r>
               <a:rPr lang="ru-RU" sz="1400" dirty="0"/>
-              <a:t> 1936)</a:t>
+              <a:t> 5 ноября1936)</a:t>
             </a:r>
             <a:endParaRPr lang="ru-RU" sz="300" dirty="0"/>
           </a:p>
@@ -4254,8 +4254,29 @@
             <a:pPr algn="ctr"/>
             <a:r>
               <a:rPr lang="ru-RU" sz="1400" dirty="0"/>
-              <a:t>Договор о дружбе с Японией</a:t>
-            </a:r>
+              <a:t>Претендовать на роль империи </a:t>
+            </a:r>
+            <a:r>
+              <a:rPr lang="ru-RU" sz="600" dirty="0"/>
+              <a:t>(Во-вторых, что более существенно, Сиам при правительстве </a:t>
+            </a:r>
+            <a:r>
+              <a:rPr lang="ru-RU" sz="600" dirty="0" err="1"/>
+              <a:t>Пибуна</a:t>
+            </a:r>
+            <a:r>
+              <a:rPr lang="ru-RU" sz="600" dirty="0"/>
+              <a:t> сам стал претендовать на роль империи. 24 июня 1939 г. политически нейтральное название государства — Сиам было изменено на </a:t>
+            </a:r>
+            <a:r>
+              <a:rPr lang="ru-RU" sz="600" dirty="0" err="1"/>
+              <a:t>Мыанг</a:t>
+            </a:r>
+            <a:r>
+              <a:rPr lang="ru-RU" sz="600" dirty="0"/>
+              <a:t> Тай (Государство Таи), в европейских документах — Таиланд.)</a:t>
+            </a:r>
+            <a:endParaRPr lang="ru-RU" sz="6000" dirty="0"/>
           </a:p>
         </p:txBody>
       </p:sp>
@@ -4319,7 +4340,7 @@
         </p:nvSpPr>
         <p:spPr>
           <a:xfrm>
-            <a:off x="44957675" y="22925085"/>
+            <a:off x="42651684" y="22922958"/>
             <a:ext cx="2115918" cy="1080000"/>
           </a:xfrm>
           <a:prstGeom prst="rect">
@@ -4353,8 +4374,13 @@
             <a:pPr algn="ctr"/>
             <a:r>
               <a:rPr lang="ru-RU" sz="1400" dirty="0"/>
-              <a:t>Военное сотрудничество с Японией</a:t>
-            </a:r>
+              <a:t>Партия тайской крови </a:t>
+            </a:r>
+            <a:r>
+              <a:rPr lang="ru-RU" sz="600" dirty="0"/>
+              <a:t>(Уже в 1939 г. в Таиланде была создана специальная организация «Партия тайской крови», которая крикливо агитировала за возвращение Лаоса и Западной Камбоджи под власть тайской монархии. Япония всячески подогревала претензии Таиланда, стремясь прочнее привязать его к странам «оси»..)</a:t>
+            </a:r>
+            <a:endParaRPr lang="ru-RU" sz="1400" dirty="0"/>
           </a:p>
         </p:txBody>
       </p:sp>
@@ -11567,7 +11593,7 @@
         </p:nvSpPr>
         <p:spPr>
           <a:xfrm>
-            <a:off x="24711137" y="5825051"/>
+            <a:off x="28232144" y="5824333"/>
             <a:ext cx="2115918" cy="1080000"/>
           </a:xfrm>
           <a:prstGeom prst="rect">
@@ -11625,7 +11651,7 @@
         </p:nvSpPr>
         <p:spPr>
           <a:xfrm>
-            <a:off x="27053922" y="5814418"/>
+            <a:off x="30656898" y="8898626"/>
             <a:ext cx="2115918" cy="1080000"/>
           </a:xfrm>
           <a:prstGeom prst="rect">
@@ -11709,7 +11735,7 @@
         </p:nvSpPr>
         <p:spPr>
           <a:xfrm>
-            <a:off x="29396707" y="5821310"/>
+            <a:off x="25835723" y="5821309"/>
             <a:ext cx="2115918" cy="1080000"/>
           </a:xfrm>
           <a:prstGeom prst="rect">
@@ -11759,7 +11785,7 @@
         </p:nvSpPr>
         <p:spPr>
           <a:xfrm>
-            <a:off x="24711136" y="7386187"/>
+            <a:off x="29434738" y="7386187"/>
             <a:ext cx="2115918" cy="1080000"/>
           </a:xfrm>
           <a:prstGeom prst="rect">
@@ -11872,7 +11898,7 @@
         </p:nvSpPr>
         <p:spPr>
           <a:xfrm>
-            <a:off x="29396707" y="7386187"/>
+            <a:off x="24723761" y="7386185"/>
             <a:ext cx="2115918" cy="1080000"/>
           </a:xfrm>
           <a:prstGeom prst="rect">
@@ -11914,7 +11940,7 @@
         </p:nvSpPr>
         <p:spPr>
           <a:xfrm>
-            <a:off x="27053922" y="10301719"/>
+            <a:off x="24722047" y="10304551"/>
             <a:ext cx="2115918" cy="1080000"/>
           </a:xfrm>
           <a:prstGeom prst="rect">
@@ -11957,7 +11983,7 @@
         </p:nvSpPr>
         <p:spPr>
           <a:xfrm>
-            <a:off x="28232144" y="8893729"/>
+            <a:off x="25900269" y="8896561"/>
             <a:ext cx="2115918" cy="1080000"/>
           </a:xfrm>
           <a:prstGeom prst="rect">
@@ -11999,7 +12025,7 @@
         </p:nvSpPr>
         <p:spPr>
           <a:xfrm>
-            <a:off x="29396707" y="10309676"/>
+            <a:off x="27064832" y="10312508"/>
             <a:ext cx="2115918" cy="1080000"/>
           </a:xfrm>
           <a:prstGeom prst="rect">
@@ -12041,7 +12067,7 @@
         </p:nvSpPr>
         <p:spPr>
           <a:xfrm>
-            <a:off x="25881455" y="8897133"/>
+            <a:off x="28243054" y="8901978"/>
             <a:ext cx="2115918" cy="1080000"/>
           </a:xfrm>
           <a:prstGeom prst="rect">
@@ -12077,42 +12103,6 @@
       </p:sp>
       <p:cxnSp>
         <p:nvCxnSpPr>
-          <p:cNvPr id="268" name="Прямая со стрелкой 267"/>
-          <p:cNvCxnSpPr>
-            <a:stCxn id="249" idx="2"/>
-            <a:endCxn id="255" idx="0"/>
-          </p:cNvCxnSpPr>
-          <p:nvPr/>
-        </p:nvCxnSpPr>
-        <p:spPr>
-          <a:xfrm flipH="1">
-            <a:off x="25769095" y="6905051"/>
-            <a:ext cx="1" cy="481136"/>
-          </a:xfrm>
-          <a:prstGeom prst="straightConnector1">
-            <a:avLst/>
-          </a:prstGeom>
-          <a:ln w="28575">
-            <a:tailEnd type="arrow"/>
-          </a:ln>
-        </p:spPr>
-        <p:style>
-          <a:lnRef idx="1">
-            <a:schemeClr val="accent1"/>
-          </a:lnRef>
-          <a:fillRef idx="0">
-            <a:schemeClr val="accent1"/>
-          </a:fillRef>
-          <a:effectRef idx="0">
-            <a:schemeClr val="accent1"/>
-          </a:effectRef>
-          <a:fontRef idx="minor">
-            <a:schemeClr val="tx1"/>
-          </a:fontRef>
-        </p:style>
-      </p:cxnSp>
-      <p:cxnSp>
-        <p:nvCxnSpPr>
           <p:cNvPr id="270" name="Shape 248"/>
           <p:cNvCxnSpPr>
             <a:stCxn id="247" idx="2"/>
@@ -12121,9 +12111,9 @@
           <p:nvPr/>
         </p:nvCxnSpPr>
         <p:spPr>
-          <a:xfrm rot="5400000">
-            <a:off x="26779433" y="4492602"/>
-            <a:ext cx="322113" cy="2342785"/>
+          <a:xfrm rot="16200000" flipH="1">
+            <a:off x="28540295" y="5074524"/>
+            <a:ext cx="321395" cy="1178222"/>
           </a:xfrm>
           <a:prstGeom prst="bentConnector3">
             <a:avLst>
@@ -12159,9 +12149,9 @@
           <p:nvPr/>
         </p:nvCxnSpPr>
         <p:spPr>
-          <a:xfrm rot="16200000" flipH="1">
-            <a:off x="29124087" y="4490731"/>
-            <a:ext cx="318372" cy="2342785"/>
+          <a:xfrm rot="5400000">
+            <a:off x="27343597" y="5053024"/>
+            <a:ext cx="318371" cy="1218199"/>
           </a:xfrm>
           <a:prstGeom prst="bentConnector3">
             <a:avLst>
@@ -12197,9 +12187,9 @@
           <p:nvPr/>
         </p:nvCxnSpPr>
         <p:spPr>
-          <a:xfrm rot="5400000">
-            <a:off x="29040836" y="5972356"/>
-            <a:ext cx="484877" cy="2342785"/>
+          <a:xfrm rot="16200000" flipH="1">
+            <a:off x="27260342" y="6534648"/>
+            <a:ext cx="484878" cy="1218199"/>
           </a:xfrm>
           <a:prstGeom prst="bentConnector3">
             <a:avLst>
@@ -12236,9 +12226,9 @@
           <p:nvPr/>
         </p:nvCxnSpPr>
         <p:spPr>
-          <a:xfrm rot="16200000" flipH="1">
-            <a:off x="26699920" y="5974226"/>
-            <a:ext cx="481136" cy="2342785"/>
+          <a:xfrm rot="5400000">
+            <a:off x="28460065" y="6556149"/>
+            <a:ext cx="481854" cy="1178222"/>
           </a:xfrm>
           <a:prstGeom prst="bentConnector3">
             <a:avLst>
@@ -12267,42 +12257,6 @@
       </p:cxnSp>
       <p:cxnSp>
         <p:nvCxnSpPr>
-          <p:cNvPr id="280" name="Прямая со стрелкой 279"/>
-          <p:cNvCxnSpPr>
-            <a:stCxn id="253" idx="2"/>
-            <a:endCxn id="259" idx="0"/>
-          </p:cNvCxnSpPr>
-          <p:nvPr/>
-        </p:nvCxnSpPr>
-        <p:spPr>
-          <a:xfrm>
-            <a:off x="30454666" y="6901310"/>
-            <a:ext cx="0" cy="484877"/>
-          </a:xfrm>
-          <a:prstGeom prst="straightConnector1">
-            <a:avLst/>
-          </a:prstGeom>
-          <a:ln w="28575">
-            <a:tailEnd type="arrow"/>
-          </a:ln>
-        </p:spPr>
-        <p:style>
-          <a:lnRef idx="1">
-            <a:schemeClr val="accent1"/>
-          </a:lnRef>
-          <a:fillRef idx="0">
-            <a:schemeClr val="accent1"/>
-          </a:fillRef>
-          <a:effectRef idx="0">
-            <a:schemeClr val="accent1"/>
-          </a:effectRef>
-          <a:fontRef idx="minor">
-            <a:schemeClr val="tx1"/>
-          </a:fontRef>
-        </p:style>
-      </p:cxnSp>
-      <p:cxnSp>
-        <p:nvCxnSpPr>
           <p:cNvPr id="282" name="Shape 248"/>
           <p:cNvCxnSpPr>
             <a:stCxn id="259" idx="2"/>
@@ -12311,9 +12265,9 @@
           <p:nvPr/>
         </p:nvCxnSpPr>
         <p:spPr>
-          <a:xfrm rot="5400000">
-            <a:off x="29658614" y="8097677"/>
-            <a:ext cx="427542" cy="1164563"/>
+          <a:xfrm rot="16200000" flipH="1">
+            <a:off x="26154786" y="8093119"/>
+            <a:ext cx="430376" cy="1176508"/>
           </a:xfrm>
           <a:prstGeom prst="bentConnector3">
             <a:avLst>
@@ -12350,9 +12304,9 @@
           <p:nvPr/>
         </p:nvCxnSpPr>
         <p:spPr>
-          <a:xfrm rot="16200000" flipH="1">
-            <a:off x="28487221" y="8090847"/>
-            <a:ext cx="427542" cy="1178222"/>
+          <a:xfrm rot="5400000">
+            <a:off x="27319868" y="8104548"/>
+            <a:ext cx="430374" cy="1153653"/>
           </a:xfrm>
           <a:prstGeom prst="bentConnector3">
             <a:avLst>
@@ -12390,7 +12344,7 @@
         </p:nvCxnSpPr>
         <p:spPr>
           <a:xfrm rot="5400000">
-            <a:off x="28536997" y="9548613"/>
+            <a:off x="26205122" y="9551445"/>
             <a:ext cx="327990" cy="1178222"/>
           </a:xfrm>
           <a:prstGeom prst="bentConnector3">
@@ -12428,49 +12382,13 @@
         </p:nvCxnSpPr>
         <p:spPr>
           <a:xfrm rot="16200000" flipH="1">
-            <a:off x="29704411" y="9559420"/>
+            <a:off x="27372536" y="9562252"/>
             <a:ext cx="335947" cy="1164563"/>
           </a:xfrm>
           <a:prstGeom prst="bentConnector3">
             <a:avLst>
               <a:gd name="adj1" fmla="val 50000"/>
             </a:avLst>
-          </a:prstGeom>
-          <a:ln w="28575">
-            <a:tailEnd type="arrow"/>
-          </a:ln>
-        </p:spPr>
-        <p:style>
-          <a:lnRef idx="1">
-            <a:schemeClr val="accent1"/>
-          </a:lnRef>
-          <a:fillRef idx="0">
-            <a:schemeClr val="accent1"/>
-          </a:fillRef>
-          <a:effectRef idx="0">
-            <a:schemeClr val="accent1"/>
-          </a:effectRef>
-          <a:fontRef idx="minor">
-            <a:schemeClr val="tx1"/>
-          </a:fontRef>
-        </p:style>
-      </p:cxnSp>
-      <p:cxnSp>
-        <p:nvCxnSpPr>
-          <p:cNvPr id="286" name="Прямая со стрелкой 285"/>
-          <p:cNvCxnSpPr>
-            <a:stCxn id="247" idx="2"/>
-            <a:endCxn id="250" idx="0"/>
-          </p:cNvCxnSpPr>
-          <p:nvPr/>
-        </p:nvCxnSpPr>
-        <p:spPr>
-          <a:xfrm>
-            <a:off x="28111881" y="5502938"/>
-            <a:ext cx="0" cy="311480"/>
-          </a:xfrm>
-          <a:prstGeom prst="straightConnector1">
-            <a:avLst/>
           </a:prstGeom>
           <a:ln w="28575">
             <a:tailEnd type="arrow"/>
@@ -16590,7 +16508,7 @@
         </p:nvSpPr>
         <p:spPr>
           <a:xfrm>
-            <a:off x="42681200" y="22925085"/>
+            <a:off x="44937673" y="22916654"/>
             <a:ext cx="2115918" cy="1080000"/>
           </a:xfrm>
           <a:prstGeom prst="rect">
@@ -16624,7 +16542,7 @@
             <a:pPr algn="ctr"/>
             <a:r>
               <a:rPr lang="ru-RU" sz="1400" dirty="0"/>
-              <a:t>Отказаться от  сотрудничества с Японией</a:t>
+              <a:t>Отправить миссии доброй воли</a:t>
             </a:r>
           </a:p>
         </p:txBody>
@@ -16637,17 +16555,13 @@
         </p:nvSpPr>
         <p:spPr>
           <a:xfrm>
-            <a:off x="46096323" y="24300946"/>
+            <a:off x="35482800" y="11759519"/>
             <a:ext cx="2115918" cy="1080000"/>
           </a:xfrm>
           <a:prstGeom prst="rect">
             <a:avLst/>
           </a:prstGeom>
-          <a:solidFill>
-            <a:schemeClr val="accent2">
-              <a:lumMod val="75000"/>
-            </a:schemeClr>
-          </a:solidFill>
+          <a:noFill/>
           <a:ln w="28575"/>
         </p:spPr>
         <p:style>
@@ -17427,7 +17341,7 @@
         </p:nvSpPr>
         <p:spPr>
           <a:xfrm>
-            <a:off x="43827124" y="24310865"/>
+            <a:off x="41521765" y="24307626"/>
             <a:ext cx="2115918" cy="1080000"/>
           </a:xfrm>
           <a:prstGeom prst="rect">
@@ -17479,7 +17393,7 @@
         </p:nvSpPr>
         <p:spPr>
           <a:xfrm>
-            <a:off x="41544667" y="24303777"/>
+            <a:off x="43814675" y="24321956"/>
             <a:ext cx="2115918" cy="1080000"/>
           </a:xfrm>
           <a:prstGeom prst="rect">
@@ -17564,57 +17478,16 @@
             <a:pPr algn="ctr"/>
             <a:r>
               <a:rPr lang="ru-RU" sz="1400" dirty="0"/>
-              <a:t>Национальный банк </a:t>
-            </a:r>
-            <a:r>
-              <a:rPr lang="ru-RU" sz="1400" dirty="0" err="1"/>
-              <a:t>Тайланда</a:t>
-            </a:r>
-            <a:r>
-              <a:rPr lang="ru-RU" sz="1400" dirty="0"/>
-              <a:t> (1940)</a:t>
-            </a:r>
-          </a:p>
-        </p:txBody>
-      </p:sp>
-      <p:cxnSp>
-        <p:nvCxnSpPr>
-          <p:cNvPr id="434" name="Прямая соединительная линия 433"/>
-          <p:cNvCxnSpPr>
-            <a:stCxn id="245" idx="1"/>
-            <a:endCxn id="347" idx="3"/>
-          </p:cNvCxnSpPr>
-          <p:nvPr/>
-        </p:nvCxnSpPr>
-        <p:spPr>
-          <a:xfrm flipH="1">
-            <a:off x="44797118" y="23465085"/>
-            <a:ext cx="160557" cy="0"/>
-          </a:xfrm>
-          <a:prstGeom prst="line">
-            <a:avLst/>
-          </a:prstGeom>
-          <a:ln w="38100">
-            <a:solidFill>
-              <a:srgbClr val="FF0000"/>
-            </a:solidFill>
-          </a:ln>
-        </p:spPr>
-        <p:style>
-          <a:lnRef idx="1">
-            <a:schemeClr val="accent2"/>
-          </a:lnRef>
-          <a:fillRef idx="0">
-            <a:schemeClr val="accent2"/>
-          </a:fillRef>
-          <a:effectRef idx="0">
-            <a:schemeClr val="accent2"/>
-          </a:effectRef>
-          <a:fontRef idx="minor">
-            <a:schemeClr val="tx1"/>
-          </a:fontRef>
-        </p:style>
-      </p:cxnSp>
+              <a:t>Национальный банк Тайланда (1940) </a:t>
+            </a:r>
+            <a:r>
+              <a:rPr lang="ru-RU" sz="1100" dirty="0"/>
+              <a:t>(требуется «Национализация неугодных национальных кампаний» )</a:t>
+            </a:r>
+            <a:endParaRPr lang="ru-RU" sz="1400" dirty="0"/>
+          </a:p>
+        </p:txBody>
+      </p:sp>
       <p:sp>
         <p:nvSpPr>
           <p:cNvPr id="438" name="Прямоугольник 437"/>
@@ -17871,9 +17744,9 @@
           <p:nvPr/>
         </p:nvCxnSpPr>
         <p:spPr>
-          <a:xfrm rot="16200000" flipH="1">
-            <a:off x="45280137" y="22189588"/>
-            <a:ext cx="327994" cy="1143000"/>
+          <a:xfrm rot="5400000">
+            <a:off x="44128206" y="22178529"/>
+            <a:ext cx="325867" cy="1162991"/>
           </a:xfrm>
           <a:prstGeom prst="bentConnector3">
             <a:avLst>
@@ -17909,9 +17782,9 @@
           <p:nvPr/>
         </p:nvCxnSpPr>
         <p:spPr>
-          <a:xfrm rot="5400000">
-            <a:off x="44141900" y="22194351"/>
-            <a:ext cx="327994" cy="1133475"/>
+          <a:xfrm rot="16200000" flipH="1">
+            <a:off x="45274352" y="22195373"/>
+            <a:ext cx="319563" cy="1122998"/>
           </a:xfrm>
           <a:prstGeom prst="bentConnector3">
             <a:avLst>
@@ -18015,162 +17888,6 @@
       </p:cxnSp>
       <p:cxnSp>
         <p:nvCxnSpPr>
-          <p:cNvPr id="485" name="Shape 248"/>
-          <p:cNvCxnSpPr>
-            <a:stCxn id="347" idx="2"/>
-            <a:endCxn id="432" idx="0"/>
-          </p:cNvCxnSpPr>
-          <p:nvPr/>
-        </p:nvCxnSpPr>
-        <p:spPr>
-          <a:xfrm rot="5400000">
-            <a:off x="43021547" y="23586165"/>
-            <a:ext cx="298692" cy="1136533"/>
-          </a:xfrm>
-          <a:prstGeom prst="bentConnector3">
-            <a:avLst>
-              <a:gd name="adj1" fmla="val 50000"/>
-            </a:avLst>
-          </a:prstGeom>
-          <a:ln w="28575">
-            <a:prstDash val="dash"/>
-            <a:tailEnd type="arrow"/>
-          </a:ln>
-        </p:spPr>
-        <p:style>
-          <a:lnRef idx="1">
-            <a:schemeClr val="accent1"/>
-          </a:lnRef>
-          <a:fillRef idx="0">
-            <a:schemeClr val="accent1"/>
-          </a:fillRef>
-          <a:effectRef idx="0">
-            <a:schemeClr val="accent1"/>
-          </a:effectRef>
-          <a:fontRef idx="minor">
-            <a:schemeClr val="tx1"/>
-          </a:fontRef>
-        </p:style>
-      </p:cxnSp>
-      <p:cxnSp>
-        <p:nvCxnSpPr>
-          <p:cNvPr id="488" name="Shape 248"/>
-          <p:cNvCxnSpPr>
-            <a:stCxn id="245" idx="2"/>
-            <a:endCxn id="432" idx="0"/>
-          </p:cNvCxnSpPr>
-          <p:nvPr/>
-        </p:nvCxnSpPr>
-        <p:spPr>
-          <a:xfrm rot="5400000">
-            <a:off x="44159784" y="22447927"/>
-            <a:ext cx="298692" cy="3413008"/>
-          </a:xfrm>
-          <a:prstGeom prst="bentConnector3">
-            <a:avLst>
-              <a:gd name="adj1" fmla="val 50000"/>
-            </a:avLst>
-          </a:prstGeom>
-          <a:ln w="28575">
-            <a:prstDash val="dash"/>
-            <a:tailEnd type="arrow"/>
-          </a:ln>
-        </p:spPr>
-        <p:style>
-          <a:lnRef idx="1">
-            <a:schemeClr val="accent1"/>
-          </a:lnRef>
-          <a:fillRef idx="0">
-            <a:schemeClr val="accent1"/>
-          </a:fillRef>
-          <a:effectRef idx="0">
-            <a:schemeClr val="accent1"/>
-          </a:effectRef>
-          <a:fontRef idx="minor">
-            <a:schemeClr val="tx1"/>
-          </a:fontRef>
-        </p:style>
-      </p:cxnSp>
-      <p:cxnSp>
-        <p:nvCxnSpPr>
-          <p:cNvPr id="491" name="Shape 248"/>
-          <p:cNvCxnSpPr>
-            <a:stCxn id="347" idx="2"/>
-            <a:endCxn id="431" idx="0"/>
-          </p:cNvCxnSpPr>
-          <p:nvPr/>
-        </p:nvCxnSpPr>
-        <p:spPr>
-          <a:xfrm rot="16200000" flipH="1">
-            <a:off x="44159231" y="23585013"/>
-            <a:ext cx="305780" cy="1145924"/>
-          </a:xfrm>
-          <a:prstGeom prst="bentConnector3">
-            <a:avLst>
-              <a:gd name="adj1" fmla="val 50000"/>
-            </a:avLst>
-          </a:prstGeom>
-          <a:ln w="28575">
-            <a:prstDash val="dash"/>
-            <a:tailEnd type="arrow"/>
-          </a:ln>
-        </p:spPr>
-        <p:style>
-          <a:lnRef idx="1">
-            <a:schemeClr val="accent1"/>
-          </a:lnRef>
-          <a:fillRef idx="0">
-            <a:schemeClr val="accent1"/>
-          </a:fillRef>
-          <a:effectRef idx="0">
-            <a:schemeClr val="accent1"/>
-          </a:effectRef>
-          <a:fontRef idx="minor">
-            <a:schemeClr val="tx1"/>
-          </a:fontRef>
-        </p:style>
-      </p:cxnSp>
-      <p:cxnSp>
-        <p:nvCxnSpPr>
-          <p:cNvPr id="494" name="Shape 248"/>
-          <p:cNvCxnSpPr>
-            <a:stCxn id="245" idx="2"/>
-            <a:endCxn id="431" idx="0"/>
-          </p:cNvCxnSpPr>
-          <p:nvPr/>
-        </p:nvCxnSpPr>
-        <p:spPr>
-          <a:xfrm rot="5400000">
-            <a:off x="45297469" y="23592700"/>
-            <a:ext cx="305780" cy="1130551"/>
-          </a:xfrm>
-          <a:prstGeom prst="bentConnector3">
-            <a:avLst>
-              <a:gd name="adj1" fmla="val 50000"/>
-            </a:avLst>
-          </a:prstGeom>
-          <a:ln w="28575">
-            <a:prstDash val="dash"/>
-            <a:tailEnd type="arrow"/>
-          </a:ln>
-        </p:spPr>
-        <p:style>
-          <a:lnRef idx="1">
-            <a:schemeClr val="accent1"/>
-          </a:lnRef>
-          <a:fillRef idx="0">
-            <a:schemeClr val="accent1"/>
-          </a:fillRef>
-          <a:effectRef idx="0">
-            <a:schemeClr val="accent1"/>
-          </a:effectRef>
-          <a:fontRef idx="minor">
-            <a:schemeClr val="tx1"/>
-          </a:fontRef>
-        </p:style>
-      </p:cxnSp>
-      <p:cxnSp>
-        <p:nvCxnSpPr>
           <p:cNvPr id="498" name="Прямая со стрелкой 497"/>
           <p:cNvCxnSpPr>
             <a:stCxn id="227" idx="2"/>
@@ -18221,44 +17938,6 @@
           </a:xfrm>
           <a:prstGeom prst="straightConnector1">
             <a:avLst/>
-          </a:prstGeom>
-          <a:ln w="28575">
-            <a:tailEnd type="arrow"/>
-          </a:ln>
-        </p:spPr>
-        <p:style>
-          <a:lnRef idx="1">
-            <a:schemeClr val="accent1"/>
-          </a:lnRef>
-          <a:fillRef idx="0">
-            <a:schemeClr val="accent1"/>
-          </a:fillRef>
-          <a:effectRef idx="0">
-            <a:schemeClr val="accent1"/>
-          </a:effectRef>
-          <a:fontRef idx="minor">
-            <a:schemeClr val="tx1"/>
-          </a:fontRef>
-        </p:style>
-      </p:cxnSp>
-      <p:cxnSp>
-        <p:nvCxnSpPr>
-          <p:cNvPr id="505" name="Shape 248"/>
-          <p:cNvCxnSpPr>
-            <a:stCxn id="245" idx="2"/>
-            <a:endCxn id="348" idx="0"/>
-          </p:cNvCxnSpPr>
-          <p:nvPr/>
-        </p:nvCxnSpPr>
-        <p:spPr>
-          <a:xfrm rot="16200000" flipH="1">
-            <a:off x="46437028" y="23583691"/>
-            <a:ext cx="295861" cy="1138648"/>
-          </a:xfrm>
-          <a:prstGeom prst="bentConnector3">
-            <a:avLst>
-              <a:gd name="adj1" fmla="val 50000"/>
-            </a:avLst>
           </a:prstGeom>
           <a:ln w="28575">
             <a:tailEnd type="arrow"/>
@@ -21297,7 +20976,7 @@
         </p:nvSpPr>
         <p:spPr>
           <a:xfrm>
-            <a:off x="44974656" y="25762464"/>
+            <a:off x="42651684" y="25739990"/>
             <a:ext cx="2115918" cy="1080000"/>
           </a:xfrm>
           <a:prstGeom prst="rect">
@@ -21403,7 +21082,7 @@
         </p:nvSpPr>
         <p:spPr>
           <a:xfrm>
-            <a:off x="47240851" y="25748154"/>
+            <a:off x="48614133" y="24335980"/>
             <a:ext cx="2115918" cy="1080000"/>
           </a:xfrm>
           <a:prstGeom prst="rect">
@@ -21527,82 +21206,6 @@
           </a:fontRef>
         </p:style>
       </p:cxnSp>
-      <p:cxnSp>
-        <p:nvCxnSpPr>
-          <p:cNvPr id="534" name="Shape 248"/>
-          <p:cNvCxnSpPr>
-            <a:stCxn id="347" idx="2"/>
-            <a:endCxn id="506" idx="0"/>
-          </p:cNvCxnSpPr>
-          <p:nvPr/>
-        </p:nvCxnSpPr>
-        <p:spPr>
-          <a:xfrm rot="16200000" flipH="1">
-            <a:off x="44007198" y="23737046"/>
-            <a:ext cx="1757379" cy="2293456"/>
-          </a:xfrm>
-          <a:prstGeom prst="bentConnector3">
-            <a:avLst>
-              <a:gd name="adj1" fmla="val 8780"/>
-            </a:avLst>
-          </a:prstGeom>
-          <a:ln w="28575">
-            <a:prstDash val="dash"/>
-            <a:tailEnd type="arrow"/>
-          </a:ln>
-        </p:spPr>
-        <p:style>
-          <a:lnRef idx="1">
-            <a:schemeClr val="accent1"/>
-          </a:lnRef>
-          <a:fillRef idx="0">
-            <a:schemeClr val="accent1"/>
-          </a:fillRef>
-          <a:effectRef idx="0">
-            <a:schemeClr val="accent1"/>
-          </a:effectRef>
-          <a:fontRef idx="minor">
-            <a:schemeClr val="tx1"/>
-          </a:fontRef>
-        </p:style>
-      </p:cxnSp>
-      <p:cxnSp>
-        <p:nvCxnSpPr>
-          <p:cNvPr id="548" name="Прямая со стрелкой 547"/>
-          <p:cNvCxnSpPr>
-            <a:stCxn id="245" idx="2"/>
-            <a:endCxn id="506" idx="0"/>
-          </p:cNvCxnSpPr>
-          <p:nvPr/>
-        </p:nvCxnSpPr>
-        <p:spPr>
-          <a:xfrm>
-            <a:off x="46015634" y="24005085"/>
-            <a:ext cx="16981" cy="1757379"/>
-          </a:xfrm>
-          <a:prstGeom prst="straightConnector1">
-            <a:avLst/>
-          </a:prstGeom>
-          <a:ln w="28575">
-            <a:prstDash val="dash"/>
-            <a:tailEnd type="arrow"/>
-          </a:ln>
-        </p:spPr>
-        <p:style>
-          <a:lnRef idx="1">
-            <a:schemeClr val="accent1"/>
-          </a:lnRef>
-          <a:fillRef idx="0">
-            <a:schemeClr val="accent1"/>
-          </a:fillRef>
-          <a:effectRef idx="0">
-            <a:schemeClr val="accent1"/>
-          </a:effectRef>
-          <a:fontRef idx="minor">
-            <a:schemeClr val="tx1"/>
-          </a:fontRef>
-        </p:style>
-      </p:cxnSp>
       <p:sp>
         <p:nvSpPr>
           <p:cNvPr id="552" name="Прямоугольник 551"/>
@@ -21611,7 +21214,7 @@
         </p:nvSpPr>
         <p:spPr>
           <a:xfrm>
-            <a:off x="42694594" y="25750588"/>
+            <a:off x="41542063" y="27143704"/>
             <a:ext cx="2115918" cy="1080000"/>
           </a:xfrm>
           <a:prstGeom prst="rect">
@@ -21707,17 +21310,17 @@
       </p:sp>
       <p:cxnSp>
         <p:nvCxnSpPr>
-          <p:cNvPr id="564" name="Shape 248"/>
-          <p:cNvCxnSpPr>
-            <a:stCxn id="552" idx="2"/>
+          <p:cNvPr id="568" name="Shape 248"/>
+          <p:cNvCxnSpPr>
+            <a:stCxn id="506" idx="2"/>
             <a:endCxn id="563" idx="0"/>
           </p:cNvCxnSpPr>
           <p:nvPr/>
         </p:nvCxnSpPr>
         <p:spPr>
           <a:xfrm rot="16200000" flipH="1">
-            <a:off x="44167863" y="26415278"/>
-            <a:ext cx="307433" cy="1138052"/>
+            <a:off x="44141109" y="26388524"/>
+            <a:ext cx="318031" cy="1180962"/>
           </a:xfrm>
           <a:prstGeom prst="bentConnector3">
             <a:avLst>
@@ -21725,120 +21328,6 @@
             </a:avLst>
           </a:prstGeom>
           <a:ln w="28575">
-            <a:tailEnd type="arrow"/>
-          </a:ln>
-        </p:spPr>
-        <p:style>
-          <a:lnRef idx="1">
-            <a:schemeClr val="accent1"/>
-          </a:lnRef>
-          <a:fillRef idx="0">
-            <a:schemeClr val="accent1"/>
-          </a:fillRef>
-          <a:effectRef idx="0">
-            <a:schemeClr val="accent1"/>
-          </a:effectRef>
-          <a:fontRef idx="minor">
-            <a:schemeClr val="tx1"/>
-          </a:fontRef>
-        </p:style>
-      </p:cxnSp>
-      <p:cxnSp>
-        <p:nvCxnSpPr>
-          <p:cNvPr id="568" name="Shape 248"/>
-          <p:cNvCxnSpPr>
-            <a:stCxn id="506" idx="2"/>
-            <a:endCxn id="563" idx="0"/>
-          </p:cNvCxnSpPr>
-          <p:nvPr/>
-        </p:nvCxnSpPr>
-        <p:spPr>
-          <a:xfrm rot="5400000">
-            <a:off x="45313832" y="26419237"/>
-            <a:ext cx="295557" cy="1142010"/>
-          </a:xfrm>
-          <a:prstGeom prst="bentConnector3">
-            <a:avLst>
-              <a:gd name="adj1" fmla="val 50000"/>
-            </a:avLst>
-          </a:prstGeom>
-          <a:ln w="28575">
-            <a:tailEnd type="arrow"/>
-          </a:ln>
-        </p:spPr>
-        <p:style>
-          <a:lnRef idx="1">
-            <a:schemeClr val="accent1"/>
-          </a:lnRef>
-          <a:fillRef idx="0">
-            <a:schemeClr val="accent1"/>
-          </a:fillRef>
-          <a:effectRef idx="0">
-            <a:schemeClr val="accent1"/>
-          </a:effectRef>
-          <a:fontRef idx="minor">
-            <a:schemeClr val="tx1"/>
-          </a:fontRef>
-        </p:style>
-      </p:cxnSp>
-      <p:cxnSp>
-        <p:nvCxnSpPr>
-          <p:cNvPr id="571" name="Shape 248"/>
-          <p:cNvCxnSpPr>
-            <a:stCxn id="245" idx="2"/>
-            <a:endCxn id="552" idx="0"/>
-          </p:cNvCxnSpPr>
-          <p:nvPr/>
-        </p:nvCxnSpPr>
-        <p:spPr>
-          <a:xfrm rot="5400000">
-            <a:off x="44011343" y="23746296"/>
-            <a:ext cx="1745503" cy="2263081"/>
-          </a:xfrm>
-          <a:prstGeom prst="bentConnector3">
-            <a:avLst>
-              <a:gd name="adj1" fmla="val 9180"/>
-            </a:avLst>
-          </a:prstGeom>
-          <a:ln w="28575">
-            <a:prstDash val="dash"/>
-            <a:tailEnd type="arrow"/>
-          </a:ln>
-        </p:spPr>
-        <p:style>
-          <a:lnRef idx="1">
-            <a:schemeClr val="accent1"/>
-          </a:lnRef>
-          <a:fillRef idx="0">
-            <a:schemeClr val="accent1"/>
-          </a:fillRef>
-          <a:effectRef idx="0">
-            <a:schemeClr val="accent1"/>
-          </a:effectRef>
-          <a:fontRef idx="minor">
-            <a:schemeClr val="tx1"/>
-          </a:fontRef>
-        </p:style>
-      </p:cxnSp>
-      <p:cxnSp>
-        <p:nvCxnSpPr>
-          <p:cNvPr id="576" name="Прямая со стрелкой 575"/>
-          <p:cNvCxnSpPr>
-            <a:stCxn id="347" idx="2"/>
-            <a:endCxn id="552" idx="0"/>
-          </p:cNvCxnSpPr>
-          <p:nvPr/>
-        </p:nvCxnSpPr>
-        <p:spPr>
-          <a:xfrm>
-            <a:off x="43739159" y="24005085"/>
-            <a:ext cx="13394" cy="1745503"/>
-          </a:xfrm>
-          <a:prstGeom prst="straightConnector1">
-            <a:avLst/>
-          </a:prstGeom>
-          <a:ln w="28575">
-            <a:prstDash val="dash"/>
             <a:tailEnd type="arrow"/>
           </a:ln>
         </p:spPr>
@@ -27713,6 +27202,7 @@
         <p:nvCxnSpPr>
           <p:cNvPr id="641" name="Shape 248"/>
           <p:cNvCxnSpPr>
+            <a:cxnSpLocks/>
             <a:stCxn id="55" idx="2"/>
             <a:endCxn id="600" idx="0"/>
           </p:cNvCxnSpPr>
@@ -27882,43 +27372,6 @@
           </a:fontRef>
         </p:style>
       </p:cxnSp>
-      <p:cxnSp>
-        <p:nvCxnSpPr>
-          <p:cNvPr id="687" name="Прямая со стрелкой 686"/>
-          <p:cNvCxnSpPr>
-            <a:cxnSpLocks/>
-            <a:stCxn id="104" idx="2"/>
-            <a:endCxn id="513" idx="0"/>
-          </p:cNvCxnSpPr>
-          <p:nvPr/>
-        </p:nvCxnSpPr>
-        <p:spPr>
-          <a:xfrm>
-            <a:off x="48277040" y="24003806"/>
-            <a:ext cx="21770" cy="1744348"/>
-          </a:xfrm>
-          <a:prstGeom prst="straightConnector1">
-            <a:avLst/>
-          </a:prstGeom>
-          <a:ln w="28575">
-            <a:tailEnd type="arrow"/>
-          </a:ln>
-        </p:spPr>
-        <p:style>
-          <a:lnRef idx="1">
-            <a:schemeClr val="accent1"/>
-          </a:lnRef>
-          <a:fillRef idx="0">
-            <a:schemeClr val="accent1"/>
-          </a:fillRef>
-          <a:effectRef idx="0">
-            <a:schemeClr val="accent1"/>
-          </a:effectRef>
-          <a:fontRef idx="minor">
-            <a:schemeClr val="tx1"/>
-          </a:fontRef>
-        </p:style>
-      </p:cxnSp>
       <p:sp>
         <p:nvSpPr>
           <p:cNvPr id="688" name="Прямоугольник 687"/>
@@ -27927,17 +27380,13 @@
         </p:nvSpPr>
         <p:spPr>
           <a:xfrm>
-            <a:off x="48392591" y="24300945"/>
+            <a:off x="33069036" y="11757086"/>
             <a:ext cx="2115918" cy="1080000"/>
           </a:xfrm>
           <a:prstGeom prst="rect">
             <a:avLst/>
           </a:prstGeom>
-          <a:solidFill>
-            <a:schemeClr val="accent2">
-              <a:lumMod val="75000"/>
-            </a:schemeClr>
-          </a:solidFill>
+          <a:noFill/>
           <a:ln w="28575"/>
         </p:spPr>
         <p:style>
@@ -27961,87 +27410,32 @@
             <a:pPr algn="ctr"/>
             <a:r>
               <a:rPr lang="ru-RU" sz="1400" dirty="0"/>
-              <a:t>Тайное сотрудничество с Сери Тай (Свободное тайское движение)</a:t>
-            </a:r>
-          </a:p>
-        </p:txBody>
-      </p:sp>
-      <p:cxnSp>
-        <p:nvCxnSpPr>
-          <p:cNvPr id="689" name="Прямая соединительная линия 688"/>
-          <p:cNvCxnSpPr>
-            <a:stCxn id="688" idx="1"/>
-            <a:endCxn id="348" idx="3"/>
-          </p:cNvCxnSpPr>
-          <p:nvPr/>
-        </p:nvCxnSpPr>
-        <p:spPr>
-          <a:xfrm flipH="1">
-            <a:off x="48212241" y="24840945"/>
-            <a:ext cx="180350" cy="1"/>
-          </a:xfrm>
-          <a:prstGeom prst="line">
-            <a:avLst/>
-          </a:prstGeom>
-          <a:ln w="38100">
-            <a:solidFill>
-              <a:srgbClr val="FF0000"/>
-            </a:solidFill>
-          </a:ln>
-        </p:spPr>
-        <p:style>
-          <a:lnRef idx="1">
-            <a:schemeClr val="accent2"/>
-          </a:lnRef>
-          <a:fillRef idx="0">
-            <a:schemeClr val="accent2"/>
-          </a:fillRef>
-          <a:effectRef idx="0">
-            <a:schemeClr val="accent2"/>
-          </a:effectRef>
-          <a:fontRef idx="minor">
-            <a:schemeClr val="tx1"/>
-          </a:fontRef>
-        </p:style>
-      </p:cxnSp>
-      <p:cxnSp>
-        <p:nvCxnSpPr>
-          <p:cNvPr id="690" name="Shape 248"/>
-          <p:cNvCxnSpPr>
-            <a:stCxn id="245" idx="2"/>
-            <a:endCxn id="688" idx="0"/>
-          </p:cNvCxnSpPr>
-          <p:nvPr/>
-        </p:nvCxnSpPr>
-        <p:spPr>
-          <a:xfrm rot="16200000" flipH="1">
-            <a:off x="47585162" y="22435557"/>
-            <a:ext cx="295860" cy="3434916"/>
-          </a:xfrm>
-          <a:prstGeom prst="bentConnector3">
-            <a:avLst>
-              <a:gd name="adj1" fmla="val 50000"/>
-            </a:avLst>
-          </a:prstGeom>
-          <a:ln w="28575">
-            <a:tailEnd type="arrow"/>
-          </a:ln>
-        </p:spPr>
-        <p:style>
-          <a:lnRef idx="1">
-            <a:schemeClr val="accent1"/>
-          </a:lnRef>
-          <a:fillRef idx="0">
-            <a:schemeClr val="accent1"/>
-          </a:fillRef>
-          <a:effectRef idx="0">
-            <a:schemeClr val="accent1"/>
-          </a:effectRef>
-          <a:fontRef idx="minor">
-            <a:schemeClr val="tx1"/>
-          </a:fontRef>
-        </p:style>
-      </p:cxnSp>
+              <a:t>Тайное сотрудничество с Сери Тай (Свободное тайское движение) </a:t>
+            </a:r>
+            <a:r>
+              <a:rPr lang="ru-RU" sz="200" dirty="0"/>
+              <a:t>(В этом году в Таиланде возникает подпольное антияпонское движение «Свободное Таи». Во главе его встает Приди, который еще в январе 1942 г., будучи регентом королевства, предусмотрительно отказался подписать акт об объявлении войны Англии и США. Представителем «Свободного Таи» в США и посредником между Приди и американской разведкой становится бывший таиландский посол в Вашингтоне Сени </a:t>
+            </a:r>
+            <a:r>
+              <a:rPr lang="ru-RU" sz="200" dirty="0" err="1"/>
+              <a:t>Прамот</a:t>
+            </a:r>
+            <a:r>
+              <a:rPr lang="ru-RU" sz="200" dirty="0"/>
+              <a:t>, не признавший, как и Приди, объявления войны и отказавшийся вернуться на </a:t>
+            </a:r>
+            <a:r>
+              <a:rPr lang="ru-RU" sz="200" dirty="0" err="1"/>
+              <a:t>родину.Американское</a:t>
+            </a:r>
+            <a:r>
+              <a:rPr lang="ru-RU" sz="200" dirty="0"/>
+              <a:t> правительство со своей стороны оказывало движению Приди и Сени всяческую поддержку, официально заявляя, что оно не считает Таиланд воюющей против союзников страной, а рассматривает его как страну оккупированную, которая должна быть освобождена. Тайские студенты, обучавшиеся в США, проходили специальную подготовку в американских разведывательных школах и забрасывались в Таиланд. Вслед за ними в Таиланд стали прибывать и профессиональные американские разведчики, целью которых было поставить под свой контроль руководство движением «Свободное Таи». Воспользовавшись тем, что антияпонские отряды, начавшие возникать на северо-восточных окраинах страны, были очень плохо вооружены, американцы постарались усилить свое влияние щедрой заброской оружия с самолетов. Американское оружие получили около 10 тыс. бойцов антияпонских отрядов, общая численность которых составляла около 50 тыс. человек.)</a:t>
+            </a:r>
+            <a:endParaRPr lang="ru-RU" sz="1400" dirty="0"/>
+          </a:p>
+        </p:txBody>
+      </p:sp>
       <p:sp>
         <p:nvSpPr>
           <p:cNvPr id="691" name="Прямоугольник 690"/>
@@ -29454,9 +28848,9 @@
           <p:nvPr/>
         </p:nvCxnSpPr>
         <p:spPr>
-          <a:xfrm rot="16200000" flipH="1">
-            <a:off x="26138781" y="8096500"/>
-            <a:ext cx="430946" cy="1170319"/>
+          <a:xfrm rot="5400000">
+            <a:off x="29678960" y="8088240"/>
+            <a:ext cx="435791" cy="1191684"/>
           </a:xfrm>
           <a:prstGeom prst="bentConnector3">
             <a:avLst>
@@ -29604,8 +28998,13 @@
             <a:pPr algn="ctr"/>
             <a:r>
               <a:rPr lang="ru-RU" sz="1400" dirty="0"/>
-              <a:t>Строительство нефтеперегонного завода</a:t>
-            </a:r>
+              <a:t>Строительство нефтеперегонного завода </a:t>
+            </a:r>
+            <a:r>
+              <a:rPr lang="ru-RU" sz="600" dirty="0"/>
+              <a:t>(В результате английским нефтяным компаниям пришлось уйти с сиамского рынка. Государство же с помощью Японии построило в 1939—1940 гг. собственный нефтеперегонный завод.)</a:t>
+            </a:r>
+            <a:endParaRPr lang="ru-RU" sz="1400" dirty="0"/>
           </a:p>
         </p:txBody>
       </p:sp>
@@ -30256,6 +29655,2129 @@
               <a:t>военку</a:t>
             </a:r>
             <a:endParaRPr lang="ru-RU" sz="1400" dirty="0"/>
+          </a:p>
+        </p:txBody>
+      </p:sp>
+      <p:sp>
+        <p:nvSpPr>
+          <p:cNvPr id="746" name="Прямоугольник 745">
+            <a:extLst>
+              <a:ext uri="{FF2B5EF4-FFF2-40B4-BE49-F238E27FC236}">
+                <a16:creationId xmlns:a16="http://schemas.microsoft.com/office/drawing/2014/main" id="{191990E1-E4A6-462D-9C27-36AB9004146E}"/>
+              </a:ext>
+            </a:extLst>
+          </p:cNvPr>
+          <p:cNvSpPr/>
+          <p:nvPr/>
+        </p:nvSpPr>
+        <p:spPr>
+          <a:xfrm>
+            <a:off x="13977722" y="17697655"/>
+            <a:ext cx="2115918" cy="1080000"/>
+          </a:xfrm>
+          <a:prstGeom prst="rect">
+            <a:avLst/>
+          </a:prstGeom>
+          <a:solidFill>
+            <a:schemeClr val="accent1">
+              <a:lumMod val="60000"/>
+              <a:lumOff val="40000"/>
+            </a:schemeClr>
+          </a:solidFill>
+          <a:ln w="28575"/>
+        </p:spPr>
+        <p:style>
+          <a:lnRef idx="2">
+            <a:schemeClr val="accent1"/>
+          </a:lnRef>
+          <a:fillRef idx="1">
+            <a:schemeClr val="lt1"/>
+          </a:fillRef>
+          <a:effectRef idx="0">
+            <a:schemeClr val="accent1"/>
+          </a:effectRef>
+          <a:fontRef idx="minor">
+            <a:schemeClr val="dk1"/>
+          </a:fontRef>
+        </p:style>
+        <p:txBody>
+          <a:bodyPr lIns="124733" tIns="62367" rIns="124733" bIns="62367" rtlCol="0" anchor="ctr"/>
+          <a:lstStyle/>
+          <a:p>
+            <a:pPr algn="ctr"/>
+            <a:r>
+              <a:rPr lang="ru-RU" sz="1200" dirty="0"/>
+              <a:t>Он собирался развернуть Народную партию в массовую, стоящую над государственным аппаратом</a:t>
+            </a:r>
+          </a:p>
+        </p:txBody>
+      </p:sp>
+      <p:sp>
+        <p:nvSpPr>
+          <p:cNvPr id="747" name="Прямоугольник 746">
+            <a:extLst>
+              <a:ext uri="{FF2B5EF4-FFF2-40B4-BE49-F238E27FC236}">
+                <a16:creationId xmlns:a16="http://schemas.microsoft.com/office/drawing/2014/main" id="{94EA40D5-5754-42BC-9DDC-72575B698252}"/>
+              </a:ext>
+            </a:extLst>
+          </p:cNvPr>
+          <p:cNvSpPr/>
+          <p:nvPr/>
+        </p:nvSpPr>
+        <p:spPr>
+          <a:xfrm>
+            <a:off x="33074530" y="4346709"/>
+            <a:ext cx="2115918" cy="1080000"/>
+          </a:xfrm>
+          <a:prstGeom prst="rect">
+            <a:avLst/>
+          </a:prstGeom>
+          <a:ln w="28575"/>
+        </p:spPr>
+        <p:style>
+          <a:lnRef idx="2">
+            <a:schemeClr val="accent1"/>
+          </a:lnRef>
+          <a:fillRef idx="1">
+            <a:schemeClr val="lt1"/>
+          </a:fillRef>
+          <a:effectRef idx="0">
+            <a:schemeClr val="accent1"/>
+          </a:effectRef>
+          <a:fontRef idx="minor">
+            <a:schemeClr val="dk1"/>
+          </a:fontRef>
+        </p:style>
+        <p:txBody>
+          <a:bodyPr lIns="124733" tIns="62367" rIns="124733" bIns="62367" rtlCol="0" anchor="ctr"/>
+          <a:lstStyle/>
+          <a:p>
+            <a:pPr algn="ctr"/>
+            <a:r>
+              <a:rPr lang="ru-RU" sz="1400" dirty="0"/>
+              <a:t>Прибытие Японской экономической миссии </a:t>
+            </a:r>
+            <a:r>
+              <a:rPr lang="ru-RU" sz="500" dirty="0"/>
+              <a:t>(Торговля с Японией стала занимать все больший удельный вес во внешней торговле Сиама. Если в 1925 г. японские товары составляли только 3,4% сиамского импорта, то в 1935 г. — 25,6, а в 1936 г. — 28%. В марте 1936 г. в Сиам прибыла японская экономическая миссия. В том же месяце Сиам стал устанавливать таможенные тарифы, не считаясь с прежними договорами, а 5 ноября 1936 г. все неравноправные договоры с западными державами были денонсированы.)</a:t>
+            </a:r>
+            <a:endParaRPr lang="ru-RU" sz="1400" dirty="0"/>
+          </a:p>
+        </p:txBody>
+      </p:sp>
+      <p:sp>
+        <p:nvSpPr>
+          <p:cNvPr id="748" name="Прямоугольник 747">
+            <a:extLst>
+              <a:ext uri="{FF2B5EF4-FFF2-40B4-BE49-F238E27FC236}">
+                <a16:creationId xmlns:a16="http://schemas.microsoft.com/office/drawing/2014/main" id="{3A38126A-AD2E-442E-85AD-27D42FA85350}"/>
+              </a:ext>
+            </a:extLst>
+          </p:cNvPr>
+          <p:cNvSpPr/>
+          <p:nvPr/>
+        </p:nvSpPr>
+        <p:spPr>
+          <a:xfrm>
+            <a:off x="31833510" y="5814417"/>
+            <a:ext cx="2115918" cy="1080000"/>
+          </a:xfrm>
+          <a:prstGeom prst="rect">
+            <a:avLst/>
+          </a:prstGeom>
+          <a:ln w="28575"/>
+        </p:spPr>
+        <p:style>
+          <a:lnRef idx="2">
+            <a:schemeClr val="accent1"/>
+          </a:lnRef>
+          <a:fillRef idx="1">
+            <a:schemeClr val="lt1"/>
+          </a:fillRef>
+          <a:effectRef idx="0">
+            <a:schemeClr val="accent1"/>
+          </a:effectRef>
+          <a:fontRef idx="minor">
+            <a:schemeClr val="dk1"/>
+          </a:fontRef>
+        </p:style>
+        <p:txBody>
+          <a:bodyPr lIns="124733" tIns="62367" rIns="124733" bIns="62367" rtlCol="0" anchor="ctr"/>
+          <a:lstStyle/>
+          <a:p>
+            <a:pPr algn="ctr"/>
+            <a:r>
+              <a:rPr lang="ru-RU" sz="1400" dirty="0"/>
+              <a:t>Офицерская стажировка в Японии </a:t>
+            </a:r>
+            <a:r>
+              <a:rPr lang="ru-RU" sz="700" dirty="0"/>
+              <a:t>(В 1935 г. Приди нанес официальный визит в Японию, где вел переговоры о привлечении японских капиталов в сиамскую промышленность. В том же году в Японию начали направлять для стажировки сиамских офицеров.) </a:t>
+            </a:r>
+            <a:endParaRPr lang="ru-RU" sz="1400" dirty="0"/>
+          </a:p>
+        </p:txBody>
+      </p:sp>
+      <p:sp>
+        <p:nvSpPr>
+          <p:cNvPr id="749" name="Прямоугольник 748">
+            <a:extLst>
+              <a:ext uri="{FF2B5EF4-FFF2-40B4-BE49-F238E27FC236}">
+                <a16:creationId xmlns:a16="http://schemas.microsoft.com/office/drawing/2014/main" id="{DBD88A5F-F69A-412D-AB76-A856B6A597AC}"/>
+              </a:ext>
+            </a:extLst>
+          </p:cNvPr>
+          <p:cNvSpPr/>
+          <p:nvPr/>
+        </p:nvSpPr>
+        <p:spPr>
+          <a:xfrm>
+            <a:off x="34304815" y="5813612"/>
+            <a:ext cx="2115918" cy="1080000"/>
+          </a:xfrm>
+          <a:prstGeom prst="rect">
+            <a:avLst/>
+          </a:prstGeom>
+          <a:ln w="28575"/>
+        </p:spPr>
+        <p:style>
+          <a:lnRef idx="2">
+            <a:schemeClr val="accent1"/>
+          </a:lnRef>
+          <a:fillRef idx="1">
+            <a:schemeClr val="lt1"/>
+          </a:fillRef>
+          <a:effectRef idx="0">
+            <a:schemeClr val="accent1"/>
+          </a:effectRef>
+          <a:fontRef idx="minor">
+            <a:schemeClr val="dk1"/>
+          </a:fontRef>
+        </p:style>
+        <p:txBody>
+          <a:bodyPr lIns="124733" tIns="62367" rIns="124733" bIns="62367" rtlCol="0" anchor="ctr"/>
+          <a:lstStyle/>
+          <a:p>
+            <a:pPr algn="ctr"/>
+            <a:r>
+              <a:rPr lang="ru-RU" sz="1400" dirty="0"/>
+              <a:t>Привлечение японских инвестиций (</a:t>
+            </a:r>
+            <a:r>
+              <a:rPr lang="ru-RU" sz="800" dirty="0"/>
+              <a:t>(В 1935 г. Приди нанес официальный визит в Японию, где вел переговоры о привлечении японских капиталов в сиамскую промышленность. В том же году в Японию начали направлять для стажировки сиамских офицеров.) </a:t>
+            </a:r>
+            <a:r>
+              <a:rPr lang="ru-RU" sz="1400" dirty="0"/>
+              <a:t>)</a:t>
+            </a:r>
+          </a:p>
+        </p:txBody>
+      </p:sp>
+      <p:sp>
+        <p:nvSpPr>
+          <p:cNvPr id="750" name="Прямоугольник 749">
+            <a:extLst>
+              <a:ext uri="{FF2B5EF4-FFF2-40B4-BE49-F238E27FC236}">
+                <a16:creationId xmlns:a16="http://schemas.microsoft.com/office/drawing/2014/main" id="{5C732F8A-C7A7-4651-B9C3-0C464A2C2AEB}"/>
+              </a:ext>
+            </a:extLst>
+          </p:cNvPr>
+          <p:cNvSpPr/>
+          <p:nvPr/>
+        </p:nvSpPr>
+        <p:spPr>
+          <a:xfrm>
+            <a:off x="33072108" y="7386185"/>
+            <a:ext cx="2115918" cy="1080000"/>
+          </a:xfrm>
+          <a:prstGeom prst="rect">
+            <a:avLst/>
+          </a:prstGeom>
+          <a:ln w="28575"/>
+        </p:spPr>
+        <p:style>
+          <a:lnRef idx="2">
+            <a:schemeClr val="accent1"/>
+          </a:lnRef>
+          <a:fillRef idx="1">
+            <a:schemeClr val="lt1"/>
+          </a:fillRef>
+          <a:effectRef idx="0">
+            <a:schemeClr val="accent1"/>
+          </a:effectRef>
+          <a:fontRef idx="minor">
+            <a:schemeClr val="dk1"/>
+          </a:fontRef>
+        </p:style>
+        <p:txBody>
+          <a:bodyPr lIns="124733" tIns="62367" rIns="124733" bIns="62367" rtlCol="0" anchor="ctr"/>
+          <a:lstStyle/>
+          <a:p>
+            <a:pPr algn="ctr"/>
+            <a:r>
+              <a:rPr lang="ru-RU" sz="1400" dirty="0"/>
+              <a:t>Заключить торговый договор с Японией (март 1938) </a:t>
+            </a:r>
+            <a:r>
+              <a:rPr lang="ru-RU" sz="400" dirty="0"/>
+              <a:t>(С Японией же в марте 1938 г. был заключен особый договор о торговле, предоставлявший японцам в Сиаме привилегии, которыми не пользовались другие иностранцы. Японцы получили право покупать и арендовать здания, предприятия, склады, создавать благотворительные учреждения. Уже в 1937 г. в Сиаме проживало около тысячи японцев, главным образом представителей разных фирм)</a:t>
+            </a:r>
+            <a:endParaRPr lang="ru-RU" sz="1400" dirty="0"/>
+          </a:p>
+        </p:txBody>
+      </p:sp>
+      <p:sp>
+        <p:nvSpPr>
+          <p:cNvPr id="751" name="Прямоугольник 750">
+            <a:extLst>
+              <a:ext uri="{FF2B5EF4-FFF2-40B4-BE49-F238E27FC236}">
+                <a16:creationId xmlns:a16="http://schemas.microsoft.com/office/drawing/2014/main" id="{09611410-13BF-40C7-89DF-A1BCE9F8BC26}"/>
+              </a:ext>
+            </a:extLst>
+          </p:cNvPr>
+          <p:cNvSpPr/>
+          <p:nvPr/>
+        </p:nvSpPr>
+        <p:spPr>
+          <a:xfrm>
+            <a:off x="33069036" y="8878974"/>
+            <a:ext cx="2115918" cy="1080000"/>
+          </a:xfrm>
+          <a:prstGeom prst="rect">
+            <a:avLst/>
+          </a:prstGeom>
+          <a:noFill/>
+          <a:ln w="28575"/>
+        </p:spPr>
+        <p:style>
+          <a:lnRef idx="2">
+            <a:schemeClr val="accent1"/>
+          </a:lnRef>
+          <a:fillRef idx="1">
+            <a:schemeClr val="lt1"/>
+          </a:fillRef>
+          <a:effectRef idx="0">
+            <a:schemeClr val="accent1"/>
+          </a:effectRef>
+          <a:fontRef idx="minor">
+            <a:schemeClr val="dk1"/>
+          </a:fontRef>
+        </p:style>
+        <p:txBody>
+          <a:bodyPr lIns="124733" tIns="62367" rIns="124733" bIns="62367" rtlCol="0" anchor="ctr"/>
+          <a:lstStyle/>
+          <a:p>
+            <a:pPr algn="ctr"/>
+            <a:r>
+              <a:rPr lang="ru-RU" sz="1400" dirty="0"/>
+              <a:t>Договор о дружбе с Японией (июнь 1940)</a:t>
+            </a:r>
+          </a:p>
+        </p:txBody>
+      </p:sp>
+      <p:sp>
+        <p:nvSpPr>
+          <p:cNvPr id="752" name="Прямоугольник 751">
+            <a:extLst>
+              <a:ext uri="{FF2B5EF4-FFF2-40B4-BE49-F238E27FC236}">
+                <a16:creationId xmlns:a16="http://schemas.microsoft.com/office/drawing/2014/main" id="{C3AFD517-8ED3-4195-BA5D-3A111C71A0C1}"/>
+              </a:ext>
+            </a:extLst>
+          </p:cNvPr>
+          <p:cNvSpPr/>
+          <p:nvPr/>
+        </p:nvSpPr>
+        <p:spPr>
+          <a:xfrm>
+            <a:off x="34304815" y="10301555"/>
+            <a:ext cx="2115918" cy="1080000"/>
+          </a:xfrm>
+          <a:prstGeom prst="rect">
+            <a:avLst/>
+          </a:prstGeom>
+          <a:noFill/>
+          <a:ln w="28575"/>
+        </p:spPr>
+        <p:style>
+          <a:lnRef idx="2">
+            <a:schemeClr val="accent1"/>
+          </a:lnRef>
+          <a:fillRef idx="1">
+            <a:schemeClr val="lt1"/>
+          </a:fillRef>
+          <a:effectRef idx="0">
+            <a:schemeClr val="accent1"/>
+          </a:effectRef>
+          <a:fontRef idx="minor">
+            <a:schemeClr val="dk1"/>
+          </a:fontRef>
+        </p:style>
+        <p:txBody>
+          <a:bodyPr lIns="124733" tIns="62367" rIns="124733" bIns="62367" rtlCol="0" anchor="ctr"/>
+          <a:lstStyle/>
+          <a:p>
+            <a:pPr algn="ctr"/>
+            <a:r>
+              <a:rPr lang="ru-RU" sz="1400" dirty="0"/>
+              <a:t>Военное сотрудничество с Японией</a:t>
+            </a:r>
+          </a:p>
+        </p:txBody>
+      </p:sp>
+      <p:sp>
+        <p:nvSpPr>
+          <p:cNvPr id="753" name="Прямоугольник 752">
+            <a:extLst>
+              <a:ext uri="{FF2B5EF4-FFF2-40B4-BE49-F238E27FC236}">
+                <a16:creationId xmlns:a16="http://schemas.microsoft.com/office/drawing/2014/main" id="{1785EF1B-B367-48F3-AA40-EA8FD857BE08}"/>
+              </a:ext>
+            </a:extLst>
+          </p:cNvPr>
+          <p:cNvSpPr/>
+          <p:nvPr/>
+        </p:nvSpPr>
+        <p:spPr>
+          <a:xfrm>
+            <a:off x="31808846" y="10298713"/>
+            <a:ext cx="2115918" cy="1080000"/>
+          </a:xfrm>
+          <a:prstGeom prst="rect">
+            <a:avLst/>
+          </a:prstGeom>
+          <a:noFill/>
+          <a:ln w="28575"/>
+        </p:spPr>
+        <p:style>
+          <a:lnRef idx="2">
+            <a:schemeClr val="accent1"/>
+          </a:lnRef>
+          <a:fillRef idx="1">
+            <a:schemeClr val="lt1"/>
+          </a:fillRef>
+          <a:effectRef idx="0">
+            <a:schemeClr val="accent1"/>
+          </a:effectRef>
+          <a:fontRef idx="minor">
+            <a:schemeClr val="dk1"/>
+          </a:fontRef>
+        </p:style>
+        <p:txBody>
+          <a:bodyPr lIns="124733" tIns="62367" rIns="124733" bIns="62367" rtlCol="0" anchor="ctr"/>
+          <a:lstStyle/>
+          <a:p>
+            <a:pPr algn="ctr"/>
+            <a:r>
+              <a:rPr lang="ru-RU" sz="1400" dirty="0"/>
+              <a:t>Отказаться от  сотрудничества с Японией</a:t>
+            </a:r>
+          </a:p>
+        </p:txBody>
+      </p:sp>
+      <p:cxnSp>
+        <p:nvCxnSpPr>
+          <p:cNvPr id="754" name="Прямая соединительная линия 753">
+            <a:extLst>
+              <a:ext uri="{FF2B5EF4-FFF2-40B4-BE49-F238E27FC236}">
+                <a16:creationId xmlns:a16="http://schemas.microsoft.com/office/drawing/2014/main" id="{FF8E0B12-CEA6-460E-8E6B-C71E1CD80D2D}"/>
+              </a:ext>
+            </a:extLst>
+          </p:cNvPr>
+          <p:cNvCxnSpPr>
+            <a:cxnSpLocks/>
+            <a:stCxn id="752" idx="1"/>
+            <a:endCxn id="753" idx="3"/>
+          </p:cNvCxnSpPr>
+          <p:nvPr/>
+        </p:nvCxnSpPr>
+        <p:spPr>
+          <a:xfrm flipH="1" flipV="1">
+            <a:off x="33924764" y="10838713"/>
+            <a:ext cx="380051" cy="2842"/>
+          </a:xfrm>
+          <a:prstGeom prst="line">
+            <a:avLst/>
+          </a:prstGeom>
+          <a:ln w="38100">
+            <a:solidFill>
+              <a:srgbClr val="FF0000"/>
+            </a:solidFill>
+          </a:ln>
+        </p:spPr>
+        <p:style>
+          <a:lnRef idx="1">
+            <a:schemeClr val="accent2"/>
+          </a:lnRef>
+          <a:fillRef idx="0">
+            <a:schemeClr val="accent2"/>
+          </a:fillRef>
+          <a:effectRef idx="0">
+            <a:schemeClr val="accent2"/>
+          </a:effectRef>
+          <a:fontRef idx="minor">
+            <a:schemeClr val="tx1"/>
+          </a:fontRef>
+        </p:style>
+      </p:cxnSp>
+      <p:cxnSp>
+        <p:nvCxnSpPr>
+          <p:cNvPr id="755" name="Shape 248">
+            <a:extLst>
+              <a:ext uri="{FF2B5EF4-FFF2-40B4-BE49-F238E27FC236}">
+                <a16:creationId xmlns:a16="http://schemas.microsoft.com/office/drawing/2014/main" id="{276A418A-7C9E-426B-878E-373ACF63DD7A}"/>
+              </a:ext>
+            </a:extLst>
+          </p:cNvPr>
+          <p:cNvCxnSpPr>
+            <a:cxnSpLocks/>
+            <a:stCxn id="747" idx="2"/>
+            <a:endCxn id="748" idx="0"/>
+          </p:cNvCxnSpPr>
+          <p:nvPr/>
+        </p:nvCxnSpPr>
+        <p:spPr>
+          <a:xfrm rot="5400000">
+            <a:off x="33318125" y="5000053"/>
+            <a:ext cx="387708" cy="1241020"/>
+          </a:xfrm>
+          <a:prstGeom prst="bentConnector3">
+            <a:avLst>
+              <a:gd name="adj1" fmla="val 50000"/>
+            </a:avLst>
+          </a:prstGeom>
+          <a:ln w="28575">
+            <a:tailEnd type="arrow"/>
+          </a:ln>
+        </p:spPr>
+        <p:style>
+          <a:lnRef idx="1">
+            <a:schemeClr val="accent1"/>
+          </a:lnRef>
+          <a:fillRef idx="0">
+            <a:schemeClr val="accent1"/>
+          </a:fillRef>
+          <a:effectRef idx="0">
+            <a:schemeClr val="accent1"/>
+          </a:effectRef>
+          <a:fontRef idx="minor">
+            <a:schemeClr val="tx1"/>
+          </a:fontRef>
+        </p:style>
+      </p:cxnSp>
+      <p:cxnSp>
+        <p:nvCxnSpPr>
+          <p:cNvPr id="756" name="Shape 248">
+            <a:extLst>
+              <a:ext uri="{FF2B5EF4-FFF2-40B4-BE49-F238E27FC236}">
+                <a16:creationId xmlns:a16="http://schemas.microsoft.com/office/drawing/2014/main" id="{FB3DF68A-2423-4B0B-9D02-193937BBCF3C}"/>
+              </a:ext>
+            </a:extLst>
+          </p:cNvPr>
+          <p:cNvCxnSpPr>
+            <a:cxnSpLocks/>
+            <a:stCxn id="747" idx="2"/>
+            <a:endCxn id="749" idx="0"/>
+          </p:cNvCxnSpPr>
+          <p:nvPr/>
+        </p:nvCxnSpPr>
+        <p:spPr>
+          <a:xfrm rot="16200000" flipH="1">
+            <a:off x="34554180" y="5005017"/>
+            <a:ext cx="386903" cy="1230285"/>
+          </a:xfrm>
+          <a:prstGeom prst="bentConnector3">
+            <a:avLst>
+              <a:gd name="adj1" fmla="val 50000"/>
+            </a:avLst>
+          </a:prstGeom>
+          <a:ln w="28575">
+            <a:tailEnd type="arrow"/>
+          </a:ln>
+        </p:spPr>
+        <p:style>
+          <a:lnRef idx="1">
+            <a:schemeClr val="accent1"/>
+          </a:lnRef>
+          <a:fillRef idx="0">
+            <a:schemeClr val="accent1"/>
+          </a:fillRef>
+          <a:effectRef idx="0">
+            <a:schemeClr val="accent1"/>
+          </a:effectRef>
+          <a:fontRef idx="minor">
+            <a:schemeClr val="tx1"/>
+          </a:fontRef>
+        </p:style>
+      </p:cxnSp>
+      <p:cxnSp>
+        <p:nvCxnSpPr>
+          <p:cNvPr id="757" name="Shape 248">
+            <a:extLst>
+              <a:ext uri="{FF2B5EF4-FFF2-40B4-BE49-F238E27FC236}">
+                <a16:creationId xmlns:a16="http://schemas.microsoft.com/office/drawing/2014/main" id="{54AD4BDA-81F0-4B34-B0C0-FE9DFC2DAAAF}"/>
+              </a:ext>
+            </a:extLst>
+          </p:cNvPr>
+          <p:cNvCxnSpPr>
+            <a:cxnSpLocks/>
+            <a:stCxn id="748" idx="2"/>
+            <a:endCxn id="750" idx="0"/>
+          </p:cNvCxnSpPr>
+          <p:nvPr/>
+        </p:nvCxnSpPr>
+        <p:spPr>
+          <a:xfrm rot="16200000" flipH="1">
+            <a:off x="33264884" y="6521002"/>
+            <a:ext cx="491768" cy="1238598"/>
+          </a:xfrm>
+          <a:prstGeom prst="bentConnector3">
+            <a:avLst>
+              <a:gd name="adj1" fmla="val 50000"/>
+            </a:avLst>
+          </a:prstGeom>
+          <a:ln w="28575">
+            <a:tailEnd type="arrow"/>
+          </a:ln>
+        </p:spPr>
+        <p:style>
+          <a:lnRef idx="1">
+            <a:schemeClr val="accent1"/>
+          </a:lnRef>
+          <a:fillRef idx="0">
+            <a:schemeClr val="accent1"/>
+          </a:fillRef>
+          <a:effectRef idx="0">
+            <a:schemeClr val="accent1"/>
+          </a:effectRef>
+          <a:fontRef idx="minor">
+            <a:schemeClr val="tx1"/>
+          </a:fontRef>
+        </p:style>
+      </p:cxnSp>
+      <p:cxnSp>
+        <p:nvCxnSpPr>
+          <p:cNvPr id="758" name="Shape 248">
+            <a:extLst>
+              <a:ext uri="{FF2B5EF4-FFF2-40B4-BE49-F238E27FC236}">
+                <a16:creationId xmlns:a16="http://schemas.microsoft.com/office/drawing/2014/main" id="{EED0B3BC-A5D9-4F4C-8D9F-16E7E766156C}"/>
+              </a:ext>
+            </a:extLst>
+          </p:cNvPr>
+          <p:cNvCxnSpPr>
+            <a:cxnSpLocks/>
+            <a:stCxn id="749" idx="2"/>
+            <a:endCxn id="750" idx="0"/>
+          </p:cNvCxnSpPr>
+          <p:nvPr/>
+        </p:nvCxnSpPr>
+        <p:spPr>
+          <a:xfrm rot="5400000">
+            <a:off x="34500135" y="6523545"/>
+            <a:ext cx="492573" cy="1232707"/>
+          </a:xfrm>
+          <a:prstGeom prst="bentConnector3">
+            <a:avLst>
+              <a:gd name="adj1" fmla="val 50000"/>
+            </a:avLst>
+          </a:prstGeom>
+          <a:ln w="28575">
+            <a:tailEnd type="arrow"/>
+          </a:ln>
+        </p:spPr>
+        <p:style>
+          <a:lnRef idx="1">
+            <a:schemeClr val="accent1"/>
+          </a:lnRef>
+          <a:fillRef idx="0">
+            <a:schemeClr val="accent1"/>
+          </a:fillRef>
+          <a:effectRef idx="0">
+            <a:schemeClr val="accent1"/>
+          </a:effectRef>
+          <a:fontRef idx="minor">
+            <a:schemeClr val="tx1"/>
+          </a:fontRef>
+        </p:style>
+      </p:cxnSp>
+      <p:cxnSp>
+        <p:nvCxnSpPr>
+          <p:cNvPr id="759" name="Прямая со стрелкой 758">
+            <a:extLst>
+              <a:ext uri="{FF2B5EF4-FFF2-40B4-BE49-F238E27FC236}">
+                <a16:creationId xmlns:a16="http://schemas.microsoft.com/office/drawing/2014/main" id="{F8E13292-3475-4505-98D3-875BEFE08904}"/>
+              </a:ext>
+            </a:extLst>
+          </p:cNvPr>
+          <p:cNvCxnSpPr>
+            <a:cxnSpLocks/>
+            <a:stCxn id="750" idx="2"/>
+            <a:endCxn id="751" idx="0"/>
+          </p:cNvCxnSpPr>
+          <p:nvPr/>
+        </p:nvCxnSpPr>
+        <p:spPr>
+          <a:xfrm flipH="1">
+            <a:off x="34126995" y="8466185"/>
+            <a:ext cx="3072" cy="412789"/>
+          </a:xfrm>
+          <a:prstGeom prst="straightConnector1">
+            <a:avLst/>
+          </a:prstGeom>
+          <a:ln w="28575">
+            <a:tailEnd type="arrow"/>
+          </a:ln>
+        </p:spPr>
+        <p:style>
+          <a:lnRef idx="1">
+            <a:schemeClr val="accent1"/>
+          </a:lnRef>
+          <a:fillRef idx="0">
+            <a:schemeClr val="accent1"/>
+          </a:fillRef>
+          <a:effectRef idx="0">
+            <a:schemeClr val="accent1"/>
+          </a:effectRef>
+          <a:fontRef idx="minor">
+            <a:schemeClr val="tx1"/>
+          </a:fontRef>
+        </p:style>
+      </p:cxnSp>
+      <p:cxnSp>
+        <p:nvCxnSpPr>
+          <p:cNvPr id="760" name="Shape 248">
+            <a:extLst>
+              <a:ext uri="{FF2B5EF4-FFF2-40B4-BE49-F238E27FC236}">
+                <a16:creationId xmlns:a16="http://schemas.microsoft.com/office/drawing/2014/main" id="{84BDE1B7-A144-45ED-9CCA-66714EB8F249}"/>
+              </a:ext>
+            </a:extLst>
+          </p:cNvPr>
+          <p:cNvCxnSpPr>
+            <a:cxnSpLocks/>
+            <a:stCxn id="751" idx="2"/>
+            <a:endCxn id="753" idx="0"/>
+          </p:cNvCxnSpPr>
+          <p:nvPr/>
+        </p:nvCxnSpPr>
+        <p:spPr>
+          <a:xfrm rot="5400000">
+            <a:off x="33327031" y="9498748"/>
+            <a:ext cx="339739" cy="1260190"/>
+          </a:xfrm>
+          <a:prstGeom prst="bentConnector3">
+            <a:avLst>
+              <a:gd name="adj1" fmla="val 50000"/>
+            </a:avLst>
+          </a:prstGeom>
+          <a:ln w="28575">
+            <a:tailEnd type="arrow"/>
+          </a:ln>
+        </p:spPr>
+        <p:style>
+          <a:lnRef idx="1">
+            <a:schemeClr val="accent1"/>
+          </a:lnRef>
+          <a:fillRef idx="0">
+            <a:schemeClr val="accent1"/>
+          </a:fillRef>
+          <a:effectRef idx="0">
+            <a:schemeClr val="accent1"/>
+          </a:effectRef>
+          <a:fontRef idx="minor">
+            <a:schemeClr val="tx1"/>
+          </a:fontRef>
+        </p:style>
+      </p:cxnSp>
+      <p:cxnSp>
+        <p:nvCxnSpPr>
+          <p:cNvPr id="761" name="Shape 248">
+            <a:extLst>
+              <a:ext uri="{FF2B5EF4-FFF2-40B4-BE49-F238E27FC236}">
+                <a16:creationId xmlns:a16="http://schemas.microsoft.com/office/drawing/2014/main" id="{9BD66B5D-2C82-4ADB-A2A0-1E68D25CD45C}"/>
+              </a:ext>
+            </a:extLst>
+          </p:cNvPr>
+          <p:cNvCxnSpPr>
+            <a:cxnSpLocks/>
+            <a:stCxn id="751" idx="2"/>
+            <a:endCxn id="752" idx="0"/>
+          </p:cNvCxnSpPr>
+          <p:nvPr/>
+        </p:nvCxnSpPr>
+        <p:spPr>
+          <a:xfrm rot="16200000" flipH="1">
+            <a:off x="34573594" y="9512374"/>
+            <a:ext cx="342581" cy="1235779"/>
+          </a:xfrm>
+          <a:prstGeom prst="bentConnector3">
+            <a:avLst>
+              <a:gd name="adj1" fmla="val 50000"/>
+            </a:avLst>
+          </a:prstGeom>
+          <a:ln w="28575">
+            <a:tailEnd type="arrow"/>
+          </a:ln>
+        </p:spPr>
+        <p:style>
+          <a:lnRef idx="1">
+            <a:schemeClr val="accent1"/>
+          </a:lnRef>
+          <a:fillRef idx="0">
+            <a:schemeClr val="accent1"/>
+          </a:fillRef>
+          <a:effectRef idx="0">
+            <a:schemeClr val="accent1"/>
+          </a:effectRef>
+          <a:fontRef idx="minor">
+            <a:schemeClr val="tx1"/>
+          </a:fontRef>
+        </p:style>
+      </p:cxnSp>
+      <p:cxnSp>
+        <p:nvCxnSpPr>
+          <p:cNvPr id="762" name="Shape 248">
+            <a:extLst>
+              <a:ext uri="{FF2B5EF4-FFF2-40B4-BE49-F238E27FC236}">
+                <a16:creationId xmlns:a16="http://schemas.microsoft.com/office/drawing/2014/main" id="{EB45BCDB-F60D-4CB5-8AFD-F3539231B624}"/>
+              </a:ext>
+            </a:extLst>
+          </p:cNvPr>
+          <p:cNvCxnSpPr>
+            <a:cxnSpLocks/>
+            <a:stCxn id="253" idx="2"/>
+            <a:endCxn id="259" idx="0"/>
+          </p:cNvCxnSpPr>
+          <p:nvPr/>
+        </p:nvCxnSpPr>
+        <p:spPr>
+          <a:xfrm rot="5400000">
+            <a:off x="26095263" y="6587766"/>
+            <a:ext cx="484876" cy="1111962"/>
+          </a:xfrm>
+          <a:prstGeom prst="bentConnector3">
+            <a:avLst>
+              <a:gd name="adj1" fmla="val 50000"/>
+            </a:avLst>
+          </a:prstGeom>
+          <a:ln w="28575">
+            <a:tailEnd type="arrow"/>
+          </a:ln>
+        </p:spPr>
+        <p:style>
+          <a:lnRef idx="1">
+            <a:schemeClr val="accent1"/>
+          </a:lnRef>
+          <a:fillRef idx="0">
+            <a:schemeClr val="accent1"/>
+          </a:fillRef>
+          <a:effectRef idx="0">
+            <a:schemeClr val="accent1"/>
+          </a:effectRef>
+          <a:fontRef idx="minor">
+            <a:schemeClr val="tx1"/>
+          </a:fontRef>
+        </p:style>
+      </p:cxnSp>
+      <p:cxnSp>
+        <p:nvCxnSpPr>
+          <p:cNvPr id="763" name="Shape 248">
+            <a:extLst>
+              <a:ext uri="{FF2B5EF4-FFF2-40B4-BE49-F238E27FC236}">
+                <a16:creationId xmlns:a16="http://schemas.microsoft.com/office/drawing/2014/main" id="{60F54405-F423-4C0F-A77A-14CAE232EC7E}"/>
+              </a:ext>
+            </a:extLst>
+          </p:cNvPr>
+          <p:cNvCxnSpPr>
+            <a:cxnSpLocks/>
+            <a:stCxn id="249" idx="2"/>
+            <a:endCxn id="255" idx="0"/>
+          </p:cNvCxnSpPr>
+          <p:nvPr/>
+        </p:nvCxnSpPr>
+        <p:spPr>
+          <a:xfrm rot="16200000" flipH="1">
+            <a:off x="29650473" y="6543963"/>
+            <a:ext cx="481854" cy="1202594"/>
+          </a:xfrm>
+          <a:prstGeom prst="bentConnector3">
+            <a:avLst>
+              <a:gd name="adj1" fmla="val 50000"/>
+            </a:avLst>
+          </a:prstGeom>
+          <a:ln w="28575">
+            <a:tailEnd type="arrow"/>
+          </a:ln>
+        </p:spPr>
+        <p:style>
+          <a:lnRef idx="1">
+            <a:schemeClr val="accent1"/>
+          </a:lnRef>
+          <a:fillRef idx="0">
+            <a:schemeClr val="accent1"/>
+          </a:fillRef>
+          <a:effectRef idx="0">
+            <a:schemeClr val="accent1"/>
+          </a:effectRef>
+          <a:fontRef idx="minor">
+            <a:schemeClr val="tx1"/>
+          </a:fontRef>
+        </p:style>
+      </p:cxnSp>
+      <p:cxnSp>
+        <p:nvCxnSpPr>
+          <p:cNvPr id="764" name="Shape 248">
+            <a:extLst>
+              <a:ext uri="{FF2B5EF4-FFF2-40B4-BE49-F238E27FC236}">
+                <a16:creationId xmlns:a16="http://schemas.microsoft.com/office/drawing/2014/main" id="{F97C9FD3-6464-4595-AF58-E2B3CB7FDC26}"/>
+              </a:ext>
+            </a:extLst>
+          </p:cNvPr>
+          <p:cNvCxnSpPr>
+            <a:cxnSpLocks/>
+            <a:stCxn id="249" idx="2"/>
+            <a:endCxn id="250" idx="0"/>
+          </p:cNvCxnSpPr>
+          <p:nvPr/>
+        </p:nvCxnSpPr>
+        <p:spPr>
+          <a:xfrm rot="16200000" flipH="1">
+            <a:off x="29505334" y="6689102"/>
+            <a:ext cx="1994293" cy="2424754"/>
+          </a:xfrm>
+          <a:prstGeom prst="bentConnector3">
+            <a:avLst>
+              <a:gd name="adj1" fmla="val 12361"/>
+            </a:avLst>
+          </a:prstGeom>
+          <a:ln w="28575">
+            <a:tailEnd type="arrow"/>
+          </a:ln>
+        </p:spPr>
+        <p:style>
+          <a:lnRef idx="1">
+            <a:schemeClr val="accent1"/>
+          </a:lnRef>
+          <a:fillRef idx="0">
+            <a:schemeClr val="accent1"/>
+          </a:fillRef>
+          <a:effectRef idx="0">
+            <a:schemeClr val="accent1"/>
+          </a:effectRef>
+          <a:fontRef idx="minor">
+            <a:schemeClr val="tx1"/>
+          </a:fontRef>
+        </p:style>
+      </p:cxnSp>
+      <p:cxnSp>
+        <p:nvCxnSpPr>
+          <p:cNvPr id="765" name="Shape 248">
+            <a:extLst>
+              <a:ext uri="{FF2B5EF4-FFF2-40B4-BE49-F238E27FC236}">
+                <a16:creationId xmlns:a16="http://schemas.microsoft.com/office/drawing/2014/main" id="{C4730C97-870A-4FDD-9595-619A13808291}"/>
+              </a:ext>
+            </a:extLst>
+          </p:cNvPr>
+          <p:cNvCxnSpPr>
+            <a:cxnSpLocks/>
+            <a:stCxn id="748" idx="2"/>
+            <a:endCxn id="250" idx="0"/>
+          </p:cNvCxnSpPr>
+          <p:nvPr/>
+        </p:nvCxnSpPr>
+        <p:spPr>
+          <a:xfrm rot="5400000">
+            <a:off x="31301059" y="7308215"/>
+            <a:ext cx="2004209" cy="1176612"/>
+          </a:xfrm>
+          <a:prstGeom prst="bentConnector3">
+            <a:avLst>
+              <a:gd name="adj1" fmla="val 11866"/>
+            </a:avLst>
+          </a:prstGeom>
+          <a:ln w="28575">
+            <a:tailEnd type="arrow"/>
+          </a:ln>
+        </p:spPr>
+        <p:style>
+          <a:lnRef idx="1">
+            <a:schemeClr val="accent1"/>
+          </a:lnRef>
+          <a:fillRef idx="0">
+            <a:schemeClr val="accent1"/>
+          </a:fillRef>
+          <a:effectRef idx="0">
+            <a:schemeClr val="accent1"/>
+          </a:effectRef>
+          <a:fontRef idx="minor">
+            <a:schemeClr val="tx1"/>
+          </a:fontRef>
+        </p:style>
+      </p:cxnSp>
+      <p:cxnSp>
+        <p:nvCxnSpPr>
+          <p:cNvPr id="767" name="Shape 248">
+            <a:extLst>
+              <a:ext uri="{FF2B5EF4-FFF2-40B4-BE49-F238E27FC236}">
+                <a16:creationId xmlns:a16="http://schemas.microsoft.com/office/drawing/2014/main" id="{178F926C-0AA2-4833-8DA9-72105E641147}"/>
+              </a:ext>
+            </a:extLst>
+          </p:cNvPr>
+          <p:cNvCxnSpPr>
+            <a:cxnSpLocks/>
+            <a:stCxn id="245" idx="2"/>
+            <a:endCxn id="431" idx="0"/>
+          </p:cNvCxnSpPr>
+          <p:nvPr/>
+        </p:nvCxnSpPr>
+        <p:spPr>
+          <a:xfrm rot="5400000">
+            <a:off x="42992350" y="23590333"/>
+            <a:ext cx="304668" cy="1129919"/>
+          </a:xfrm>
+          <a:prstGeom prst="bentConnector3">
+            <a:avLst>
+              <a:gd name="adj1" fmla="val 50000"/>
+            </a:avLst>
+          </a:prstGeom>
+          <a:ln w="28575">
+            <a:tailEnd type="arrow"/>
+          </a:ln>
+        </p:spPr>
+        <p:style>
+          <a:lnRef idx="1">
+            <a:schemeClr val="accent1"/>
+          </a:lnRef>
+          <a:fillRef idx="0">
+            <a:schemeClr val="accent1"/>
+          </a:fillRef>
+          <a:effectRef idx="0">
+            <a:schemeClr val="accent1"/>
+          </a:effectRef>
+          <a:fontRef idx="minor">
+            <a:schemeClr val="tx1"/>
+          </a:fontRef>
+        </p:style>
+      </p:cxnSp>
+      <p:cxnSp>
+        <p:nvCxnSpPr>
+          <p:cNvPr id="768" name="Прямая со стрелкой 767">
+            <a:extLst>
+              <a:ext uri="{FF2B5EF4-FFF2-40B4-BE49-F238E27FC236}">
+                <a16:creationId xmlns:a16="http://schemas.microsoft.com/office/drawing/2014/main" id="{9B46A9FC-B068-4F3D-BAD9-3AC361FB08D7}"/>
+              </a:ext>
+            </a:extLst>
+          </p:cNvPr>
+          <p:cNvCxnSpPr>
+            <a:cxnSpLocks/>
+            <a:stCxn id="245" idx="2"/>
+            <a:endCxn id="506" idx="0"/>
+          </p:cNvCxnSpPr>
+          <p:nvPr/>
+        </p:nvCxnSpPr>
+        <p:spPr>
+          <a:xfrm>
+            <a:off x="43709643" y="24002958"/>
+            <a:ext cx="0" cy="1737032"/>
+          </a:xfrm>
+          <a:prstGeom prst="straightConnector1">
+            <a:avLst/>
+          </a:prstGeom>
+          <a:ln w="28575">
+            <a:tailEnd type="arrow"/>
+          </a:ln>
+        </p:spPr>
+        <p:style>
+          <a:lnRef idx="1">
+            <a:schemeClr val="accent1"/>
+          </a:lnRef>
+          <a:fillRef idx="0">
+            <a:schemeClr val="accent1"/>
+          </a:fillRef>
+          <a:effectRef idx="0">
+            <a:schemeClr val="accent1"/>
+          </a:effectRef>
+          <a:fontRef idx="minor">
+            <a:schemeClr val="tx1"/>
+          </a:fontRef>
+        </p:style>
+      </p:cxnSp>
+      <p:cxnSp>
+        <p:nvCxnSpPr>
+          <p:cNvPr id="770" name="Shape 248">
+            <a:extLst>
+              <a:ext uri="{FF2B5EF4-FFF2-40B4-BE49-F238E27FC236}">
+                <a16:creationId xmlns:a16="http://schemas.microsoft.com/office/drawing/2014/main" id="{7653DF92-6DBE-48F2-94F9-2A2AB41C1408}"/>
+              </a:ext>
+            </a:extLst>
+          </p:cNvPr>
+          <p:cNvCxnSpPr>
+            <a:cxnSpLocks/>
+            <a:stCxn id="20" idx="2"/>
+            <a:endCxn id="245" idx="0"/>
+          </p:cNvCxnSpPr>
+          <p:nvPr/>
+        </p:nvCxnSpPr>
+        <p:spPr>
+          <a:xfrm rot="16200000" flipH="1">
+            <a:off x="42985033" y="22198347"/>
+            <a:ext cx="325867" cy="1123353"/>
+          </a:xfrm>
+          <a:prstGeom prst="bentConnector3">
+            <a:avLst>
+              <a:gd name="adj1" fmla="val 50000"/>
+            </a:avLst>
+          </a:prstGeom>
+          <a:ln w="28575">
+            <a:tailEnd type="arrow"/>
+          </a:ln>
+        </p:spPr>
+        <p:style>
+          <a:lnRef idx="1">
+            <a:schemeClr val="accent1"/>
+          </a:lnRef>
+          <a:fillRef idx="0">
+            <a:schemeClr val="accent1"/>
+          </a:fillRef>
+          <a:effectRef idx="0">
+            <a:schemeClr val="accent1"/>
+          </a:effectRef>
+          <a:fontRef idx="minor">
+            <a:schemeClr val="tx1"/>
+          </a:fontRef>
+        </p:style>
+      </p:cxnSp>
+      <p:cxnSp>
+        <p:nvCxnSpPr>
+          <p:cNvPr id="771" name="Прямая соединительная линия 770">
+            <a:extLst>
+              <a:ext uri="{FF2B5EF4-FFF2-40B4-BE49-F238E27FC236}">
+                <a16:creationId xmlns:a16="http://schemas.microsoft.com/office/drawing/2014/main" id="{A72AAB66-B00A-4193-8840-55821FFCCB3D}"/>
+              </a:ext>
+            </a:extLst>
+          </p:cNvPr>
+          <p:cNvCxnSpPr>
+            <a:cxnSpLocks/>
+            <a:stCxn id="347" idx="1"/>
+            <a:endCxn id="245" idx="3"/>
+          </p:cNvCxnSpPr>
+          <p:nvPr/>
+        </p:nvCxnSpPr>
+        <p:spPr>
+          <a:xfrm flipH="1">
+            <a:off x="44767602" y="23456654"/>
+            <a:ext cx="170071" cy="6304"/>
+          </a:xfrm>
+          <a:prstGeom prst="line">
+            <a:avLst/>
+          </a:prstGeom>
+          <a:ln w="38100">
+            <a:solidFill>
+              <a:srgbClr val="FF0000"/>
+            </a:solidFill>
+          </a:ln>
+        </p:spPr>
+        <p:style>
+          <a:lnRef idx="1">
+            <a:schemeClr val="accent2"/>
+          </a:lnRef>
+          <a:fillRef idx="0">
+            <a:schemeClr val="accent2"/>
+          </a:fillRef>
+          <a:effectRef idx="0">
+            <a:schemeClr val="accent2"/>
+          </a:effectRef>
+          <a:fontRef idx="minor">
+            <a:schemeClr val="tx1"/>
+          </a:fontRef>
+        </p:style>
+      </p:cxnSp>
+      <p:cxnSp>
+        <p:nvCxnSpPr>
+          <p:cNvPr id="772" name="Shape 248">
+            <a:extLst>
+              <a:ext uri="{FF2B5EF4-FFF2-40B4-BE49-F238E27FC236}">
+                <a16:creationId xmlns:a16="http://schemas.microsoft.com/office/drawing/2014/main" id="{A747ACE0-ECAB-4064-8CD6-602BC60C4020}"/>
+              </a:ext>
+            </a:extLst>
+          </p:cNvPr>
+          <p:cNvCxnSpPr>
+            <a:cxnSpLocks/>
+            <a:stCxn id="104" idx="2"/>
+            <a:endCxn id="513" idx="0"/>
+          </p:cNvCxnSpPr>
+          <p:nvPr/>
+        </p:nvCxnSpPr>
+        <p:spPr>
+          <a:xfrm rot="16200000" flipH="1">
+            <a:off x="48808479" y="23472367"/>
+            <a:ext cx="332174" cy="1395052"/>
+          </a:xfrm>
+          <a:prstGeom prst="bentConnector3">
+            <a:avLst>
+              <a:gd name="adj1" fmla="val 50000"/>
+            </a:avLst>
+          </a:prstGeom>
+          <a:ln w="28575">
+            <a:tailEnd type="arrow"/>
+          </a:ln>
+        </p:spPr>
+        <p:style>
+          <a:lnRef idx="1">
+            <a:schemeClr val="accent1"/>
+          </a:lnRef>
+          <a:fillRef idx="0">
+            <a:schemeClr val="accent1"/>
+          </a:fillRef>
+          <a:effectRef idx="0">
+            <a:schemeClr val="accent1"/>
+          </a:effectRef>
+          <a:fontRef idx="minor">
+            <a:schemeClr val="tx1"/>
+          </a:fontRef>
+        </p:style>
+      </p:cxnSp>
+      <p:cxnSp>
+        <p:nvCxnSpPr>
+          <p:cNvPr id="773" name="Shape 248">
+            <a:extLst>
+              <a:ext uri="{FF2B5EF4-FFF2-40B4-BE49-F238E27FC236}">
+                <a16:creationId xmlns:a16="http://schemas.microsoft.com/office/drawing/2014/main" id="{B1715B12-4101-4EB4-B147-7BDB1E132371}"/>
+              </a:ext>
+            </a:extLst>
+          </p:cNvPr>
+          <p:cNvCxnSpPr>
+            <a:cxnSpLocks/>
+            <a:stCxn id="347" idx="2"/>
+            <a:endCxn id="432" idx="0"/>
+          </p:cNvCxnSpPr>
+          <p:nvPr/>
+        </p:nvCxnSpPr>
+        <p:spPr>
+          <a:xfrm rot="5400000">
+            <a:off x="45271482" y="23597806"/>
+            <a:ext cx="325302" cy="1122998"/>
+          </a:xfrm>
+          <a:prstGeom prst="bentConnector3">
+            <a:avLst>
+              <a:gd name="adj1" fmla="val 50000"/>
+            </a:avLst>
+          </a:prstGeom>
+          <a:ln w="28575">
+            <a:prstDash val="dash"/>
+            <a:tailEnd type="arrow"/>
+          </a:ln>
+        </p:spPr>
+        <p:style>
+          <a:lnRef idx="1">
+            <a:schemeClr val="accent1"/>
+          </a:lnRef>
+          <a:fillRef idx="0">
+            <a:schemeClr val="accent1"/>
+          </a:fillRef>
+          <a:effectRef idx="0">
+            <a:schemeClr val="accent1"/>
+          </a:effectRef>
+          <a:fontRef idx="minor">
+            <a:schemeClr val="tx1"/>
+          </a:fontRef>
+        </p:style>
+      </p:cxnSp>
+      <p:cxnSp>
+        <p:nvCxnSpPr>
+          <p:cNvPr id="774" name="Shape 248">
+            <a:extLst>
+              <a:ext uri="{FF2B5EF4-FFF2-40B4-BE49-F238E27FC236}">
+                <a16:creationId xmlns:a16="http://schemas.microsoft.com/office/drawing/2014/main" id="{56084623-795F-40B7-ACAE-6042F2EF09D1}"/>
+              </a:ext>
+            </a:extLst>
+          </p:cNvPr>
+          <p:cNvCxnSpPr>
+            <a:cxnSpLocks/>
+            <a:stCxn id="245" idx="2"/>
+            <a:endCxn id="432" idx="0"/>
+          </p:cNvCxnSpPr>
+          <p:nvPr/>
+        </p:nvCxnSpPr>
+        <p:spPr>
+          <a:xfrm rot="16200000" flipH="1">
+            <a:off x="44131639" y="23580961"/>
+            <a:ext cx="318998" cy="1162991"/>
+          </a:xfrm>
+          <a:prstGeom prst="bentConnector3">
+            <a:avLst>
+              <a:gd name="adj1" fmla="val 50000"/>
+            </a:avLst>
+          </a:prstGeom>
+          <a:ln w="28575">
+            <a:prstDash val="dash"/>
+            <a:tailEnd type="arrow"/>
+          </a:ln>
+        </p:spPr>
+        <p:style>
+          <a:lnRef idx="1">
+            <a:schemeClr val="accent1"/>
+          </a:lnRef>
+          <a:fillRef idx="0">
+            <a:schemeClr val="accent1"/>
+          </a:fillRef>
+          <a:effectRef idx="0">
+            <a:schemeClr val="accent1"/>
+          </a:effectRef>
+          <a:fontRef idx="minor">
+            <a:schemeClr val="tx1"/>
+          </a:fontRef>
+        </p:style>
+      </p:cxnSp>
+      <p:sp>
+        <p:nvSpPr>
+          <p:cNvPr id="775" name="Прямоугольник 774">
+            <a:extLst>
+              <a:ext uri="{FF2B5EF4-FFF2-40B4-BE49-F238E27FC236}">
+                <a16:creationId xmlns:a16="http://schemas.microsoft.com/office/drawing/2014/main" id="{1CD8B0A0-42ED-4593-9D1A-73260633EFCC}"/>
+              </a:ext>
+            </a:extLst>
+          </p:cNvPr>
+          <p:cNvSpPr/>
+          <p:nvPr/>
+        </p:nvSpPr>
+        <p:spPr>
+          <a:xfrm>
+            <a:off x="44942182" y="25749433"/>
+            <a:ext cx="2115918" cy="1080000"/>
+          </a:xfrm>
+          <a:prstGeom prst="rect">
+            <a:avLst/>
+          </a:prstGeom>
+          <a:solidFill>
+            <a:schemeClr val="accent2">
+              <a:lumMod val="75000"/>
+            </a:schemeClr>
+          </a:solidFill>
+          <a:ln w="28575"/>
+        </p:spPr>
+        <p:style>
+          <a:lnRef idx="2">
+            <a:schemeClr val="accent1"/>
+          </a:lnRef>
+          <a:fillRef idx="1">
+            <a:schemeClr val="lt1"/>
+          </a:fillRef>
+          <a:effectRef idx="0">
+            <a:schemeClr val="accent1"/>
+          </a:effectRef>
+          <a:fontRef idx="minor">
+            <a:schemeClr val="dk1"/>
+          </a:fontRef>
+        </p:style>
+        <p:txBody>
+          <a:bodyPr lIns="124733" tIns="62367" rIns="124733" bIns="62367" rtlCol="0" anchor="ctr"/>
+          <a:lstStyle/>
+          <a:p>
+            <a:pPr algn="ctr"/>
+            <a:r>
+              <a:rPr lang="ru-RU" sz="1400" dirty="0"/>
+              <a:t>Гарантии для Индокитая</a:t>
+            </a:r>
+            <a:r>
+              <a:rPr lang="ru-RU" sz="500" dirty="0"/>
+              <a:t>(В Японию была направлена «миссия доброй воли», но ее глава </a:t>
+            </a:r>
+            <a:r>
+              <a:rPr lang="ru-RU" sz="500" dirty="0" err="1"/>
+              <a:t>Луанг</a:t>
+            </a:r>
+            <a:r>
+              <a:rPr lang="ru-RU" sz="500" dirty="0"/>
+              <a:t> Промети, остановившись по пути в Сайгоне, 4 сентября предложил генерал-губернатору Французского Индокитая Деку заключить военный союз против Японии в обмен на уступку правобережья Меконга в Лаосе.)</a:t>
+            </a:r>
+            <a:endParaRPr lang="ru-RU" sz="1400" dirty="0"/>
+          </a:p>
+        </p:txBody>
+      </p:sp>
+      <p:sp>
+        <p:nvSpPr>
+          <p:cNvPr id="776" name="Прямоугольник 775">
+            <a:extLst>
+              <a:ext uri="{FF2B5EF4-FFF2-40B4-BE49-F238E27FC236}">
+                <a16:creationId xmlns:a16="http://schemas.microsoft.com/office/drawing/2014/main" id="{7ABDA195-CB48-4385-A923-492CF4B5E565}"/>
+              </a:ext>
+            </a:extLst>
+          </p:cNvPr>
+          <p:cNvSpPr/>
+          <p:nvPr/>
+        </p:nvSpPr>
+        <p:spPr>
+          <a:xfrm>
+            <a:off x="47219081" y="25749433"/>
+            <a:ext cx="2115918" cy="1080000"/>
+          </a:xfrm>
+          <a:prstGeom prst="rect">
+            <a:avLst/>
+          </a:prstGeom>
+          <a:solidFill>
+            <a:schemeClr val="accent2">
+              <a:lumMod val="75000"/>
+            </a:schemeClr>
+          </a:solidFill>
+          <a:ln w="28575"/>
+        </p:spPr>
+        <p:style>
+          <a:lnRef idx="2">
+            <a:schemeClr val="accent1"/>
+          </a:lnRef>
+          <a:fillRef idx="1">
+            <a:schemeClr val="lt1"/>
+          </a:fillRef>
+          <a:effectRef idx="0">
+            <a:schemeClr val="accent1"/>
+          </a:effectRef>
+          <a:fontRef idx="minor">
+            <a:schemeClr val="dk1"/>
+          </a:fontRef>
+        </p:style>
+        <p:txBody>
+          <a:bodyPr lIns="124733" tIns="62367" rIns="124733" bIns="62367" rtlCol="0" anchor="ctr"/>
+          <a:lstStyle/>
+          <a:p>
+            <a:pPr algn="ctr"/>
+            <a:r>
+              <a:rPr lang="ru-RU" sz="1400" dirty="0"/>
+              <a:t>Признать СССР </a:t>
+            </a:r>
+            <a:r>
+              <a:rPr lang="ru-RU" sz="700" dirty="0"/>
+              <a:t>(Тогда же таиландское правительство поднимает вопрос о признании Советского Союза и начинает соответствующие переговоры (12 марта 1941 г. устанавливаются дипломатические отношения между СССР и Таиландом))</a:t>
+            </a:r>
+            <a:endParaRPr lang="ru-RU" sz="1400" dirty="0"/>
+          </a:p>
+        </p:txBody>
+      </p:sp>
+      <p:sp>
+        <p:nvSpPr>
+          <p:cNvPr id="777" name="Прямоугольник 776">
+            <a:extLst>
+              <a:ext uri="{FF2B5EF4-FFF2-40B4-BE49-F238E27FC236}">
+                <a16:creationId xmlns:a16="http://schemas.microsoft.com/office/drawing/2014/main" id="{F291EB9B-6767-41FB-9BA2-316F8C78737B}"/>
+              </a:ext>
+            </a:extLst>
+          </p:cNvPr>
+          <p:cNvSpPr/>
+          <p:nvPr/>
+        </p:nvSpPr>
+        <p:spPr>
+          <a:xfrm>
+            <a:off x="46095415" y="24331474"/>
+            <a:ext cx="2115918" cy="1080000"/>
+          </a:xfrm>
+          <a:prstGeom prst="rect">
+            <a:avLst/>
+          </a:prstGeom>
+          <a:solidFill>
+            <a:schemeClr val="accent2">
+              <a:lumMod val="75000"/>
+            </a:schemeClr>
+          </a:solidFill>
+          <a:ln w="28575"/>
+        </p:spPr>
+        <p:style>
+          <a:lnRef idx="2">
+            <a:schemeClr val="accent1"/>
+          </a:lnRef>
+          <a:fillRef idx="1">
+            <a:schemeClr val="lt1"/>
+          </a:fillRef>
+          <a:effectRef idx="0">
+            <a:schemeClr val="accent1"/>
+          </a:effectRef>
+          <a:fontRef idx="minor">
+            <a:schemeClr val="dk1"/>
+          </a:fontRef>
+        </p:style>
+        <p:txBody>
+          <a:bodyPr lIns="124733" tIns="62367" rIns="124733" bIns="62367" rtlCol="0" anchor="ctr"/>
+          <a:lstStyle/>
+          <a:p>
+            <a:pPr algn="ctr"/>
+            <a:r>
+              <a:rPr lang="ru-RU" sz="1400" dirty="0"/>
+              <a:t>Закупка бомбардировщиков в США </a:t>
+            </a:r>
+            <a:r>
+              <a:rPr lang="ru-RU" sz="600" dirty="0"/>
+              <a:t>(Летом 1940 г. Таиланд завязывает переговоры с США. В ходе этих переговоров была достигнута договоренность о покупке 250 тяжелых американских бомбардировщиков для таиландской армии.)</a:t>
+            </a:r>
+            <a:endParaRPr lang="ru-RU" sz="1400" dirty="0"/>
+          </a:p>
+        </p:txBody>
+      </p:sp>
+      <p:cxnSp>
+        <p:nvCxnSpPr>
+          <p:cNvPr id="779" name="Shape 248">
+            <a:extLst>
+              <a:ext uri="{FF2B5EF4-FFF2-40B4-BE49-F238E27FC236}">
+                <a16:creationId xmlns:a16="http://schemas.microsoft.com/office/drawing/2014/main" id="{BAE58143-5E66-46B3-950C-A0DC68C5C872}"/>
+              </a:ext>
+            </a:extLst>
+          </p:cNvPr>
+          <p:cNvCxnSpPr>
+            <a:cxnSpLocks/>
+            <a:stCxn id="506" idx="2"/>
+            <a:endCxn id="552" idx="0"/>
+          </p:cNvCxnSpPr>
+          <p:nvPr/>
+        </p:nvCxnSpPr>
+        <p:spPr>
+          <a:xfrm rot="5400000">
+            <a:off x="42992976" y="26427037"/>
+            <a:ext cx="323714" cy="1109621"/>
+          </a:xfrm>
+          <a:prstGeom prst="bentConnector3">
+            <a:avLst>
+              <a:gd name="adj1" fmla="val 50000"/>
+            </a:avLst>
+          </a:prstGeom>
+          <a:ln w="28575">
+            <a:tailEnd type="arrow"/>
+          </a:ln>
+        </p:spPr>
+        <p:style>
+          <a:lnRef idx="1">
+            <a:schemeClr val="accent1"/>
+          </a:lnRef>
+          <a:fillRef idx="0">
+            <a:schemeClr val="accent1"/>
+          </a:fillRef>
+          <a:effectRef idx="0">
+            <a:schemeClr val="accent1"/>
+          </a:effectRef>
+          <a:fontRef idx="minor">
+            <a:schemeClr val="tx1"/>
+          </a:fontRef>
+        </p:style>
+      </p:cxnSp>
+      <p:cxnSp>
+        <p:nvCxnSpPr>
+          <p:cNvPr id="780" name="Shape 248">
+            <a:extLst>
+              <a:ext uri="{FF2B5EF4-FFF2-40B4-BE49-F238E27FC236}">
+                <a16:creationId xmlns:a16="http://schemas.microsoft.com/office/drawing/2014/main" id="{191C664C-4DDF-4A2F-A7FE-0005F29E9439}"/>
+              </a:ext>
+            </a:extLst>
+          </p:cNvPr>
+          <p:cNvCxnSpPr>
+            <a:cxnSpLocks/>
+            <a:stCxn id="347" idx="2"/>
+            <a:endCxn id="777" idx="0"/>
+          </p:cNvCxnSpPr>
+          <p:nvPr/>
+        </p:nvCxnSpPr>
+        <p:spPr>
+          <a:xfrm rot="16200000" flipH="1">
+            <a:off x="46407093" y="23585193"/>
+            <a:ext cx="334820" cy="1157742"/>
+          </a:xfrm>
+          <a:prstGeom prst="bentConnector3">
+            <a:avLst>
+              <a:gd name="adj1" fmla="val 50000"/>
+            </a:avLst>
+          </a:prstGeom>
+          <a:ln w="28575">
+            <a:tailEnd type="arrow"/>
+          </a:ln>
+        </p:spPr>
+        <p:style>
+          <a:lnRef idx="1">
+            <a:schemeClr val="accent1"/>
+          </a:lnRef>
+          <a:fillRef idx="0">
+            <a:schemeClr val="accent1"/>
+          </a:fillRef>
+          <a:effectRef idx="0">
+            <a:schemeClr val="accent1"/>
+          </a:effectRef>
+          <a:fontRef idx="minor">
+            <a:schemeClr val="tx1"/>
+          </a:fontRef>
+        </p:style>
+      </p:cxnSp>
+      <p:cxnSp>
+        <p:nvCxnSpPr>
+          <p:cNvPr id="781" name="Shape 248">
+            <a:extLst>
+              <a:ext uri="{FF2B5EF4-FFF2-40B4-BE49-F238E27FC236}">
+                <a16:creationId xmlns:a16="http://schemas.microsoft.com/office/drawing/2014/main" id="{2A66DC40-5BEB-4DCB-9FD1-3A977293FD08}"/>
+              </a:ext>
+            </a:extLst>
+          </p:cNvPr>
+          <p:cNvCxnSpPr>
+            <a:cxnSpLocks/>
+            <a:stCxn id="777" idx="2"/>
+            <a:endCxn id="776" idx="0"/>
+          </p:cNvCxnSpPr>
+          <p:nvPr/>
+        </p:nvCxnSpPr>
+        <p:spPr>
+          <a:xfrm rot="16200000" flipH="1">
+            <a:off x="47546228" y="25018620"/>
+            <a:ext cx="337959" cy="1123666"/>
+          </a:xfrm>
+          <a:prstGeom prst="bentConnector3">
+            <a:avLst>
+              <a:gd name="adj1" fmla="val 50000"/>
+            </a:avLst>
+          </a:prstGeom>
+          <a:ln w="28575">
+            <a:tailEnd type="arrow"/>
+          </a:ln>
+        </p:spPr>
+        <p:style>
+          <a:lnRef idx="1">
+            <a:schemeClr val="accent1"/>
+          </a:lnRef>
+          <a:fillRef idx="0">
+            <a:schemeClr val="accent1"/>
+          </a:fillRef>
+          <a:effectRef idx="0">
+            <a:schemeClr val="accent1"/>
+          </a:effectRef>
+          <a:fontRef idx="minor">
+            <a:schemeClr val="tx1"/>
+          </a:fontRef>
+        </p:style>
+      </p:cxnSp>
+      <p:cxnSp>
+        <p:nvCxnSpPr>
+          <p:cNvPr id="782" name="Shape 248">
+            <a:extLst>
+              <a:ext uri="{FF2B5EF4-FFF2-40B4-BE49-F238E27FC236}">
+                <a16:creationId xmlns:a16="http://schemas.microsoft.com/office/drawing/2014/main" id="{B7E9A27E-E448-417C-975C-DF7DCAB21B60}"/>
+              </a:ext>
+            </a:extLst>
+          </p:cNvPr>
+          <p:cNvCxnSpPr>
+            <a:cxnSpLocks/>
+            <a:stCxn id="347" idx="2"/>
+            <a:endCxn id="775" idx="0"/>
+          </p:cNvCxnSpPr>
+          <p:nvPr/>
+        </p:nvCxnSpPr>
+        <p:spPr>
+          <a:xfrm rot="16200000" flipH="1">
+            <a:off x="45121497" y="24870788"/>
+            <a:ext cx="1752779" cy="4509"/>
+          </a:xfrm>
+          <a:prstGeom prst="bentConnector3">
+            <a:avLst>
+              <a:gd name="adj1" fmla="val 50000"/>
+            </a:avLst>
+          </a:prstGeom>
+          <a:ln w="28575">
+            <a:tailEnd type="arrow"/>
+          </a:ln>
+        </p:spPr>
+        <p:style>
+          <a:lnRef idx="1">
+            <a:schemeClr val="accent1"/>
+          </a:lnRef>
+          <a:fillRef idx="0">
+            <a:schemeClr val="accent1"/>
+          </a:fillRef>
+          <a:effectRef idx="0">
+            <a:schemeClr val="accent1"/>
+          </a:effectRef>
+          <a:fontRef idx="minor">
+            <a:schemeClr val="tx1"/>
+          </a:fontRef>
+        </p:style>
+      </p:cxnSp>
+      <p:sp>
+        <p:nvSpPr>
+          <p:cNvPr id="783" name="Прямоугольник 782">
+            <a:extLst>
+              <a:ext uri="{FF2B5EF4-FFF2-40B4-BE49-F238E27FC236}">
+                <a16:creationId xmlns:a16="http://schemas.microsoft.com/office/drawing/2014/main" id="{7DD4D9FB-D915-4945-AAAE-656557DCFDEF}"/>
+              </a:ext>
+            </a:extLst>
+          </p:cNvPr>
+          <p:cNvSpPr/>
+          <p:nvPr/>
+        </p:nvSpPr>
+        <p:spPr>
+          <a:xfrm>
+            <a:off x="46093756" y="27138021"/>
+            <a:ext cx="2115918" cy="1080000"/>
+          </a:xfrm>
+          <a:prstGeom prst="rect">
+            <a:avLst/>
+          </a:prstGeom>
+          <a:solidFill>
+            <a:schemeClr val="accent2">
+              <a:lumMod val="75000"/>
+            </a:schemeClr>
+          </a:solidFill>
+          <a:ln w="28575"/>
+        </p:spPr>
+        <p:style>
+          <a:lnRef idx="2">
+            <a:schemeClr val="accent1"/>
+          </a:lnRef>
+          <a:fillRef idx="1">
+            <a:schemeClr val="lt1"/>
+          </a:fillRef>
+          <a:effectRef idx="0">
+            <a:schemeClr val="accent1"/>
+          </a:effectRef>
+          <a:fontRef idx="minor">
+            <a:schemeClr val="dk1"/>
+          </a:fontRef>
+        </p:style>
+        <p:txBody>
+          <a:bodyPr lIns="124733" tIns="62367" rIns="124733" bIns="62367" rtlCol="0" anchor="ctr"/>
+          <a:lstStyle/>
+          <a:p>
+            <a:pPr algn="ctr"/>
+            <a:r>
+              <a:rPr lang="ru-RU" sz="1400" dirty="0"/>
+              <a:t>Примкнуть к Союзникам</a:t>
+            </a:r>
+          </a:p>
+        </p:txBody>
+      </p:sp>
+      <p:cxnSp>
+        <p:nvCxnSpPr>
+          <p:cNvPr id="784" name="Прямая со стрелкой 783">
+            <a:extLst>
+              <a:ext uri="{FF2B5EF4-FFF2-40B4-BE49-F238E27FC236}">
+                <a16:creationId xmlns:a16="http://schemas.microsoft.com/office/drawing/2014/main" id="{D27EAD29-052A-4683-8E49-EE2265869866}"/>
+              </a:ext>
+            </a:extLst>
+          </p:cNvPr>
+          <p:cNvCxnSpPr>
+            <a:cxnSpLocks/>
+            <a:stCxn id="777" idx="2"/>
+            <a:endCxn id="783" idx="0"/>
+          </p:cNvCxnSpPr>
+          <p:nvPr/>
+        </p:nvCxnSpPr>
+        <p:spPr>
+          <a:xfrm flipH="1">
+            <a:off x="47151715" y="25411474"/>
+            <a:ext cx="1659" cy="1726547"/>
+          </a:xfrm>
+          <a:prstGeom prst="straightConnector1">
+            <a:avLst/>
+          </a:prstGeom>
+          <a:ln w="28575">
+            <a:tailEnd type="arrow"/>
+          </a:ln>
+        </p:spPr>
+        <p:style>
+          <a:lnRef idx="1">
+            <a:schemeClr val="accent1"/>
+          </a:lnRef>
+          <a:fillRef idx="0">
+            <a:schemeClr val="accent1"/>
+          </a:fillRef>
+          <a:effectRef idx="0">
+            <a:schemeClr val="accent1"/>
+          </a:effectRef>
+          <a:fontRef idx="minor">
+            <a:schemeClr val="tx1"/>
+          </a:fontRef>
+        </p:style>
+      </p:cxnSp>
+      <p:sp>
+        <p:nvSpPr>
+          <p:cNvPr id="786" name="Прямоугольник 785">
+            <a:extLst>
+              <a:ext uri="{FF2B5EF4-FFF2-40B4-BE49-F238E27FC236}">
+                <a16:creationId xmlns:a16="http://schemas.microsoft.com/office/drawing/2014/main" id="{723871E6-9276-4C32-AA24-A2D2CC2A0E45}"/>
+              </a:ext>
+            </a:extLst>
+          </p:cNvPr>
+          <p:cNvSpPr/>
+          <p:nvPr/>
+        </p:nvSpPr>
+        <p:spPr>
+          <a:xfrm>
+            <a:off x="35400912" y="8904673"/>
+            <a:ext cx="2115918" cy="1080000"/>
+          </a:xfrm>
+          <a:prstGeom prst="rect">
+            <a:avLst/>
+          </a:prstGeom>
+          <a:ln w="28575"/>
+        </p:spPr>
+        <p:style>
+          <a:lnRef idx="2">
+            <a:schemeClr val="accent1"/>
+          </a:lnRef>
+          <a:fillRef idx="1">
+            <a:schemeClr val="lt1"/>
+          </a:fillRef>
+          <a:effectRef idx="0">
+            <a:schemeClr val="accent1"/>
+          </a:effectRef>
+          <a:fontRef idx="minor">
+            <a:schemeClr val="dk1"/>
+          </a:fontRef>
+        </p:style>
+        <p:txBody>
+          <a:bodyPr lIns="124733" tIns="62367" rIns="124733" bIns="62367" rtlCol="0" anchor="ctr"/>
+          <a:lstStyle/>
+          <a:p>
+            <a:pPr algn="ctr"/>
+            <a:r>
+              <a:rPr lang="ru-RU" sz="300" dirty="0"/>
+              <a:t>Но с конца 1943 г. экономическое положение страны стало быстро ухудшаться. Японцы в первые годы оккупации поддерживали импорт в Таиланд необходимых промышленных товаров на достаточно высоком уровне и даже предоставили Таиланду в июне 1942 г. заем в 200 млн. иен для закупки этих товаров. Но к осени 1943 г. в связи с военными трудностями производство гражданской продукции в Японии упало. Ввоз ряда товаров в Таиланд </a:t>
+            </a:r>
+            <a:r>
+              <a:rPr lang="ru-RU" sz="300" dirty="0" err="1"/>
+              <a:t>сократился.В</a:t>
+            </a:r>
+            <a:r>
+              <a:rPr lang="ru-RU" sz="300" dirty="0"/>
+              <a:t> то же время Япония имела собственные большие запасы риса, олова и каучука, награбленные в других странах, и была заинтересована только в покупке в Таиланде хлопка, которого там в эти годы производилось мало. К концу войны в Таиланде скопилось 1,5 млн. т непроданного риса. Из-за отсутствия сбыта стало падать производство олова. Если в 1941 г. было произведено 15,8 тыс. т олова, то в 1942 г. — 7,8 тыс., а в 1945 г. — 1,77 тыс. т. Резко упало к 1945 г. производство </a:t>
+            </a:r>
+            <a:r>
+              <a:rPr lang="ru-RU" sz="300" dirty="0" err="1"/>
+              <a:t>каучука.То</a:t>
+            </a:r>
+            <a:r>
+              <a:rPr lang="ru-RU" sz="300" dirty="0"/>
+              <a:t> обстоятельство, что Япония почти ничего не покупала у Таиланда, а за свой импорт брала с него втридорога (используя положение монопольного импортера и навязанное Таиланду в апреле 1942 г. соглашение, по которому 1 бат приравнивался к 1 иене, что повело к значительной девальвации бата), а также ряд других причин привели к инфляции. Всего с декабря 1941 по декабрь 1945 г. количество бумажных денег в обращении возросло почти в 10 раз — с 236 млн. до 2103 млн. </a:t>
+            </a:r>
+            <a:r>
+              <a:rPr lang="ru-RU" sz="300" dirty="0" err="1"/>
+              <a:t>бат.Экономическая</a:t>
+            </a:r>
+            <a:r>
+              <a:rPr lang="ru-RU" sz="300" dirty="0"/>
+              <a:t> разруха усугублялась тяготами, вызванными присутствием в стране японских войск. Одно их содержание обходилось в немалую сумму. Военные расходы Таиланда за 1941—1945 гг. возросли с 36 до 51% госбюджета, а расходы на просвещение упали с 10 до 5%. Очень дорого обошлась Таиланду предпринятая японцами в 1942—1943 гг. прокладка стратегической железной дороги к бирманской границе. Сотни тысяч таиландцев были согнаны в непроходимые джунгли и в горы на строительство этой дороги, 150 тыс. из них погибло от болотной лихорадки и дизентерии (все население Таиланда составляло около 15 млн.).</a:t>
+            </a:r>
+          </a:p>
+        </p:txBody>
+      </p:sp>
+      <p:sp>
+        <p:nvSpPr>
+          <p:cNvPr id="787" name="Прямоугольник 786">
+            <a:extLst>
+              <a:ext uri="{FF2B5EF4-FFF2-40B4-BE49-F238E27FC236}">
+                <a16:creationId xmlns:a16="http://schemas.microsoft.com/office/drawing/2014/main" id="{255FE3CF-AFEC-4310-BD53-03D54EF28BF1}"/>
+              </a:ext>
+            </a:extLst>
+          </p:cNvPr>
+          <p:cNvSpPr/>
+          <p:nvPr/>
+        </p:nvSpPr>
+        <p:spPr>
+          <a:xfrm>
+            <a:off x="31808846" y="13168033"/>
+            <a:ext cx="2115918" cy="1080000"/>
+          </a:xfrm>
+          <a:prstGeom prst="rect">
+            <a:avLst/>
+          </a:prstGeom>
+          <a:noFill/>
+          <a:ln w="28575"/>
+        </p:spPr>
+        <p:style>
+          <a:lnRef idx="2">
+            <a:schemeClr val="accent1"/>
+          </a:lnRef>
+          <a:fillRef idx="1">
+            <a:schemeClr val="lt1"/>
+          </a:fillRef>
+          <a:effectRef idx="0">
+            <a:schemeClr val="accent1"/>
+          </a:effectRef>
+          <a:fontRef idx="minor">
+            <a:schemeClr val="dk1"/>
+          </a:fontRef>
+        </p:style>
+        <p:txBody>
+          <a:bodyPr lIns="124733" tIns="62367" rIns="124733" bIns="62367" rtlCol="0" anchor="ctr"/>
+          <a:lstStyle/>
+          <a:p>
+            <a:pPr algn="ctr"/>
+            <a:r>
+              <a:rPr lang="ru-RU" sz="1400" dirty="0"/>
+              <a:t>Уменьшить товарооборот с Японией</a:t>
+            </a:r>
+          </a:p>
+        </p:txBody>
+      </p:sp>
+      <p:cxnSp>
+        <p:nvCxnSpPr>
+          <p:cNvPr id="788" name="Shape 248">
+            <a:extLst>
+              <a:ext uri="{FF2B5EF4-FFF2-40B4-BE49-F238E27FC236}">
+                <a16:creationId xmlns:a16="http://schemas.microsoft.com/office/drawing/2014/main" id="{12B02037-9585-4739-9A8C-8F9A25879679}"/>
+              </a:ext>
+            </a:extLst>
+          </p:cNvPr>
+          <p:cNvCxnSpPr>
+            <a:cxnSpLocks/>
+            <a:stCxn id="752" idx="2"/>
+            <a:endCxn id="688" idx="0"/>
+          </p:cNvCxnSpPr>
+          <p:nvPr/>
+        </p:nvCxnSpPr>
+        <p:spPr>
+          <a:xfrm rot="5400000">
+            <a:off x="34557120" y="10951431"/>
+            <a:ext cx="375531" cy="1235779"/>
+          </a:xfrm>
+          <a:prstGeom prst="bentConnector3">
+            <a:avLst>
+              <a:gd name="adj1" fmla="val 50000"/>
+            </a:avLst>
+          </a:prstGeom>
+          <a:ln w="28575">
+            <a:tailEnd type="arrow"/>
+          </a:ln>
+        </p:spPr>
+        <p:style>
+          <a:lnRef idx="1">
+            <a:schemeClr val="accent1"/>
+          </a:lnRef>
+          <a:fillRef idx="0">
+            <a:schemeClr val="accent1"/>
+          </a:fillRef>
+          <a:effectRef idx="0">
+            <a:schemeClr val="accent1"/>
+          </a:effectRef>
+          <a:fontRef idx="minor">
+            <a:schemeClr val="tx1"/>
+          </a:fontRef>
+        </p:style>
+      </p:cxnSp>
+      <p:cxnSp>
+        <p:nvCxnSpPr>
+          <p:cNvPr id="789" name="Shape 248">
+            <a:extLst>
+              <a:ext uri="{FF2B5EF4-FFF2-40B4-BE49-F238E27FC236}">
+                <a16:creationId xmlns:a16="http://schemas.microsoft.com/office/drawing/2014/main" id="{7BF289DD-7A99-4B8F-A2E6-42456FFB11E3}"/>
+              </a:ext>
+            </a:extLst>
+          </p:cNvPr>
+          <p:cNvCxnSpPr>
+            <a:cxnSpLocks/>
+            <a:stCxn id="752" idx="2"/>
+            <a:endCxn id="348" idx="0"/>
+          </p:cNvCxnSpPr>
+          <p:nvPr/>
+        </p:nvCxnSpPr>
+        <p:spPr>
+          <a:xfrm rot="16200000" flipH="1">
+            <a:off x="35762784" y="10981544"/>
+            <a:ext cx="377964" cy="1177985"/>
+          </a:xfrm>
+          <a:prstGeom prst="bentConnector3">
+            <a:avLst>
+              <a:gd name="adj1" fmla="val 50000"/>
+            </a:avLst>
+          </a:prstGeom>
+          <a:ln w="28575">
+            <a:tailEnd type="arrow"/>
+          </a:ln>
+        </p:spPr>
+        <p:style>
+          <a:lnRef idx="1">
+            <a:schemeClr val="accent1"/>
+          </a:lnRef>
+          <a:fillRef idx="0">
+            <a:schemeClr val="accent1"/>
+          </a:fillRef>
+          <a:effectRef idx="0">
+            <a:schemeClr val="accent1"/>
+          </a:effectRef>
+          <a:fontRef idx="minor">
+            <a:schemeClr val="tx1"/>
+          </a:fontRef>
+        </p:style>
+      </p:cxnSp>
+      <p:cxnSp>
+        <p:nvCxnSpPr>
+          <p:cNvPr id="790" name="Прямая соединительная линия 789">
+            <a:extLst>
+              <a:ext uri="{FF2B5EF4-FFF2-40B4-BE49-F238E27FC236}">
+                <a16:creationId xmlns:a16="http://schemas.microsoft.com/office/drawing/2014/main" id="{ABC502D5-231F-497D-8DEB-3448A0395D43}"/>
+              </a:ext>
+            </a:extLst>
+          </p:cNvPr>
+          <p:cNvCxnSpPr>
+            <a:cxnSpLocks/>
+            <a:stCxn id="348" idx="1"/>
+            <a:endCxn id="688" idx="3"/>
+          </p:cNvCxnSpPr>
+          <p:nvPr/>
+        </p:nvCxnSpPr>
+        <p:spPr>
+          <a:xfrm flipH="1" flipV="1">
+            <a:off x="35184954" y="12297086"/>
+            <a:ext cx="297846" cy="2433"/>
+          </a:xfrm>
+          <a:prstGeom prst="line">
+            <a:avLst/>
+          </a:prstGeom>
+          <a:ln w="38100">
+            <a:solidFill>
+              <a:srgbClr val="FF0000"/>
+            </a:solidFill>
+          </a:ln>
+        </p:spPr>
+        <p:style>
+          <a:lnRef idx="1">
+            <a:schemeClr val="accent2"/>
+          </a:lnRef>
+          <a:fillRef idx="0">
+            <a:schemeClr val="accent2"/>
+          </a:fillRef>
+          <a:effectRef idx="0">
+            <a:schemeClr val="accent2"/>
+          </a:effectRef>
+          <a:fontRef idx="minor">
+            <a:schemeClr val="tx1"/>
+          </a:fontRef>
+        </p:style>
+      </p:cxnSp>
+      <p:cxnSp>
+        <p:nvCxnSpPr>
+          <p:cNvPr id="792" name="Shape 248">
+            <a:extLst>
+              <a:ext uri="{FF2B5EF4-FFF2-40B4-BE49-F238E27FC236}">
+                <a16:creationId xmlns:a16="http://schemas.microsoft.com/office/drawing/2014/main" id="{1FB08D58-9BD8-4DEA-80D7-59FE46806120}"/>
+              </a:ext>
+            </a:extLst>
+          </p:cNvPr>
+          <p:cNvCxnSpPr>
+            <a:cxnSpLocks/>
+            <a:stCxn id="688" idx="2"/>
+            <a:endCxn id="787" idx="0"/>
+          </p:cNvCxnSpPr>
+          <p:nvPr/>
+        </p:nvCxnSpPr>
+        <p:spPr>
+          <a:xfrm rot="5400000">
+            <a:off x="33331427" y="12372464"/>
+            <a:ext cx="330947" cy="1260190"/>
+          </a:xfrm>
+          <a:prstGeom prst="bentConnector3">
+            <a:avLst>
+              <a:gd name="adj1" fmla="val 50000"/>
+            </a:avLst>
+          </a:prstGeom>
+          <a:ln w="28575">
+            <a:prstDash val="dash"/>
+            <a:tailEnd type="arrow"/>
+          </a:ln>
+        </p:spPr>
+        <p:style>
+          <a:lnRef idx="1">
+            <a:schemeClr val="accent1"/>
+          </a:lnRef>
+          <a:fillRef idx="0">
+            <a:schemeClr val="accent1"/>
+          </a:fillRef>
+          <a:effectRef idx="0">
+            <a:schemeClr val="accent1"/>
+          </a:effectRef>
+          <a:fontRef idx="minor">
+            <a:schemeClr val="tx1"/>
+          </a:fontRef>
+        </p:style>
+      </p:cxnSp>
+      <p:cxnSp>
+        <p:nvCxnSpPr>
+          <p:cNvPr id="793" name="Shape 248">
+            <a:extLst>
+              <a:ext uri="{FF2B5EF4-FFF2-40B4-BE49-F238E27FC236}">
+                <a16:creationId xmlns:a16="http://schemas.microsoft.com/office/drawing/2014/main" id="{EBF6FA3A-5B22-4B72-8A5E-A4502CF3E068}"/>
+              </a:ext>
+            </a:extLst>
+          </p:cNvPr>
+          <p:cNvCxnSpPr>
+            <a:cxnSpLocks/>
+            <a:stCxn id="753" idx="2"/>
+            <a:endCxn id="787" idx="0"/>
+          </p:cNvCxnSpPr>
+          <p:nvPr/>
+        </p:nvCxnSpPr>
+        <p:spPr>
+          <a:xfrm rot="5400000">
+            <a:off x="31972145" y="12273373"/>
+            <a:ext cx="1789320" cy="12700"/>
+          </a:xfrm>
+          <a:prstGeom prst="bentConnector3">
+            <a:avLst>
+              <a:gd name="adj1" fmla="val 50000"/>
+            </a:avLst>
+          </a:prstGeom>
+          <a:ln w="28575">
+            <a:prstDash val="dash"/>
+            <a:tailEnd type="arrow"/>
+          </a:ln>
+        </p:spPr>
+        <p:style>
+          <a:lnRef idx="1">
+            <a:schemeClr val="accent1"/>
+          </a:lnRef>
+          <a:fillRef idx="0">
+            <a:schemeClr val="accent1"/>
+          </a:fillRef>
+          <a:effectRef idx="0">
+            <a:schemeClr val="accent1"/>
+          </a:effectRef>
+          <a:fontRef idx="minor">
+            <a:schemeClr val="tx1"/>
+          </a:fontRef>
+        </p:style>
+      </p:cxnSp>
+      <p:sp>
+        <p:nvSpPr>
+          <p:cNvPr id="794" name="Прямоугольник 793">
+            <a:extLst>
+              <a:ext uri="{FF2B5EF4-FFF2-40B4-BE49-F238E27FC236}">
+                <a16:creationId xmlns:a16="http://schemas.microsoft.com/office/drawing/2014/main" id="{1743BA9C-3DF0-478A-ABA2-06BFF0089589}"/>
+              </a:ext>
+            </a:extLst>
+          </p:cNvPr>
+          <p:cNvSpPr/>
+          <p:nvPr/>
+        </p:nvSpPr>
+        <p:spPr>
+          <a:xfrm>
+            <a:off x="37813051" y="8904673"/>
+            <a:ext cx="2115918" cy="1080000"/>
+          </a:xfrm>
+          <a:prstGeom prst="rect">
+            <a:avLst/>
+          </a:prstGeom>
+          <a:ln w="28575"/>
+        </p:spPr>
+        <p:style>
+          <a:lnRef idx="2">
+            <a:schemeClr val="accent1"/>
+          </a:lnRef>
+          <a:fillRef idx="1">
+            <a:schemeClr val="lt1"/>
+          </a:fillRef>
+          <a:effectRef idx="0">
+            <a:schemeClr val="accent1"/>
+          </a:effectRef>
+          <a:fontRef idx="minor">
+            <a:schemeClr val="dk1"/>
+          </a:fontRef>
+        </p:style>
+        <p:txBody>
+          <a:bodyPr lIns="124733" tIns="62367" rIns="124733" bIns="62367" rtlCol="0" anchor="ctr"/>
+          <a:lstStyle/>
+          <a:p>
+            <a:pPr algn="ctr"/>
+            <a:r>
+              <a:rPr lang="ru-RU" sz="600" dirty="0"/>
+              <a:t>В довершение всего в годы войны на Таиланд обрушились стихийные бедствия. В 1942 г. в результате сильного наводнения погиб урожай на 30% посевных площадей центра страны. В результате эпизоотии упало поголовье буйволов: с 6,3 млн. голов в 1941 г. до 3,9 млн. голов в конце 1945 г. Была подорвана основная тягловая сила крестьянского хозяйства (тракторы в это время в Таиланде считались на десятки). Крестьянам зачастую нечего было есть, тогда как склады крупных торговцев ломились от непроданного риса.</a:t>
+            </a:r>
           </a:p>
         </p:txBody>
       </p:sp>

--- a/Наработки/диздоки/Сиам/Сиам.pptx
+++ b/Наработки/диздоки/Сиам/Сиам.pptx
@@ -209,7 +209,7 @@
             <a:fld id="{33E3D7F9-E251-484C-A6FF-FA958879DF69}" type="datetimeFigureOut">
               <a:rPr lang="ru-RU" smtClean="0"/>
               <a:pPr/>
-              <a:t>22.02.2024</a:t>
+              <a:t>15.04.2024</a:t>
             </a:fld>
             <a:endParaRPr lang="ru-RU"/>
           </a:p>
@@ -699,7 +699,7 @@
             <a:fld id="{85A5DE44-605B-4D3B-B2B7-94543DF81A36}" type="datetimeFigureOut">
               <a:rPr lang="ru-RU" smtClean="0"/>
               <a:pPr/>
-              <a:t>22.02.2024</a:t>
+              <a:t>15.04.2024</a:t>
             </a:fld>
             <a:endParaRPr lang="ru-RU"/>
           </a:p>
@@ -871,7 +871,7 @@
             <a:fld id="{85A5DE44-605B-4D3B-B2B7-94543DF81A36}" type="datetimeFigureOut">
               <a:rPr lang="ru-RU" smtClean="0"/>
               <a:pPr/>
-              <a:t>22.02.2024</a:t>
+              <a:t>15.04.2024</a:t>
             </a:fld>
             <a:endParaRPr lang="ru-RU"/>
           </a:p>
@@ -1053,7 +1053,7 @@
             <a:fld id="{85A5DE44-605B-4D3B-B2B7-94543DF81A36}" type="datetimeFigureOut">
               <a:rPr lang="ru-RU" smtClean="0"/>
               <a:pPr/>
-              <a:t>22.02.2024</a:t>
+              <a:t>15.04.2024</a:t>
             </a:fld>
             <a:endParaRPr lang="ru-RU"/>
           </a:p>
@@ -1225,7 +1225,7 @@
             <a:fld id="{85A5DE44-605B-4D3B-B2B7-94543DF81A36}" type="datetimeFigureOut">
               <a:rPr lang="ru-RU" smtClean="0"/>
               <a:pPr/>
-              <a:t>22.02.2024</a:t>
+              <a:t>15.04.2024</a:t>
             </a:fld>
             <a:endParaRPr lang="ru-RU"/>
           </a:p>
@@ -1473,7 +1473,7 @@
             <a:fld id="{85A5DE44-605B-4D3B-B2B7-94543DF81A36}" type="datetimeFigureOut">
               <a:rPr lang="ru-RU" smtClean="0"/>
               <a:pPr/>
-              <a:t>22.02.2024</a:t>
+              <a:t>15.04.2024</a:t>
             </a:fld>
             <a:endParaRPr lang="ru-RU"/>
           </a:p>
@@ -1707,7 +1707,7 @@
             <a:fld id="{85A5DE44-605B-4D3B-B2B7-94543DF81A36}" type="datetimeFigureOut">
               <a:rPr lang="ru-RU" smtClean="0"/>
               <a:pPr/>
-              <a:t>22.02.2024</a:t>
+              <a:t>15.04.2024</a:t>
             </a:fld>
             <a:endParaRPr lang="ru-RU"/>
           </a:p>
@@ -2076,7 +2076,7 @@
             <a:fld id="{85A5DE44-605B-4D3B-B2B7-94543DF81A36}" type="datetimeFigureOut">
               <a:rPr lang="ru-RU" smtClean="0"/>
               <a:pPr/>
-              <a:t>22.02.2024</a:t>
+              <a:t>15.04.2024</a:t>
             </a:fld>
             <a:endParaRPr lang="ru-RU"/>
           </a:p>
@@ -2196,7 +2196,7 @@
             <a:fld id="{85A5DE44-605B-4D3B-B2B7-94543DF81A36}" type="datetimeFigureOut">
               <a:rPr lang="ru-RU" smtClean="0"/>
               <a:pPr/>
-              <a:t>22.02.2024</a:t>
+              <a:t>15.04.2024</a:t>
             </a:fld>
             <a:endParaRPr lang="ru-RU"/>
           </a:p>
@@ -2293,7 +2293,7 @@
             <a:fld id="{85A5DE44-605B-4D3B-B2B7-94543DF81A36}" type="datetimeFigureOut">
               <a:rPr lang="ru-RU" smtClean="0"/>
               <a:pPr/>
-              <a:t>22.02.2024</a:t>
+              <a:t>15.04.2024</a:t>
             </a:fld>
             <a:endParaRPr lang="ru-RU"/>
           </a:p>
@@ -2572,7 +2572,7 @@
             <a:fld id="{85A5DE44-605B-4D3B-B2B7-94543DF81A36}" type="datetimeFigureOut">
               <a:rPr lang="ru-RU" smtClean="0"/>
               <a:pPr/>
-              <a:t>22.02.2024</a:t>
+              <a:t>15.04.2024</a:t>
             </a:fld>
             <a:endParaRPr lang="ru-RU"/>
           </a:p>
@@ -2831,7 +2831,7 @@
             <a:fld id="{85A5DE44-605B-4D3B-B2B7-94543DF81A36}" type="datetimeFigureOut">
               <a:rPr lang="ru-RU" smtClean="0"/>
               <a:pPr/>
-              <a:t>22.02.2024</a:t>
+              <a:t>15.04.2024</a:t>
             </a:fld>
             <a:endParaRPr lang="ru-RU"/>
           </a:p>
@@ -3046,7 +3046,7 @@
             <a:fld id="{85A5DE44-605B-4D3B-B2B7-94543DF81A36}" type="datetimeFigureOut">
               <a:rPr lang="ru-RU" smtClean="0"/>
               <a:pPr/>
-              <a:t>22.02.2024</a:t>
+              <a:t>15.04.2024</a:t>
             </a:fld>
             <a:endParaRPr lang="ru-RU"/>
           </a:p>
@@ -29755,13 +29755,8 @@
             <a:pPr algn="ctr"/>
             <a:r>
               <a:rPr lang="ru-RU" sz="1400" dirty="0"/>
-              <a:t>Прибытие Японской экономической миссии </a:t>
-            </a:r>
-            <a:r>
-              <a:rPr lang="ru-RU" sz="500" dirty="0"/>
-              <a:t>(Торговля с Японией стала занимать все больший удельный вес во внешней торговле Сиама. Если в 1925 г. японские товары составляли только 3,4% сиамского импорта, то в 1935 г. — 25,6, а в 1936 г. — 28%. В марте 1936 г. в Сиам прибыла японская экономическая миссия. В том же месяце Сиам стал устанавливать таможенные тарифы, не считаясь с прежними договорами, а 5 ноября 1936 г. все неравноправные договоры с западными державами были денонсированы.)</a:t>
-            </a:r>
-            <a:endParaRPr lang="ru-RU" sz="1400" dirty="0"/>
+              <a:t>Прибытие Японской экономической миссии</a:t>
+            </a:r>
           </a:p>
         </p:txBody>
       </p:sp>
@@ -29779,7 +29774,7 @@
         </p:nvSpPr>
         <p:spPr>
           <a:xfrm>
-            <a:off x="31833510" y="5814417"/>
+            <a:off x="31833510" y="5823126"/>
             <a:ext cx="2115918" cy="1080000"/>
           </a:xfrm>
           <a:prstGeom prst="rect">
@@ -30137,8 +30132,8 @@
         </p:nvCxnSpPr>
         <p:spPr>
           <a:xfrm rot="5400000">
-            <a:off x="33318125" y="5000053"/>
-            <a:ext cx="387708" cy="1241020"/>
+            <a:off x="33313771" y="5004407"/>
+            <a:ext cx="396417" cy="1241020"/>
           </a:xfrm>
           <a:prstGeom prst="bentConnector3">
             <a:avLst>
@@ -30227,8 +30222,8 @@
         </p:nvCxnSpPr>
         <p:spPr>
           <a:xfrm rot="16200000" flipH="1">
-            <a:off x="33264884" y="6521002"/>
-            <a:ext cx="491768" cy="1238598"/>
+            <a:off x="33269239" y="6525356"/>
+            <a:ext cx="483059" cy="1238598"/>
           </a:xfrm>
           <a:prstGeom prst="bentConnector3">
             <a:avLst>
@@ -30585,12 +30580,12 @@
         </p:nvCxnSpPr>
         <p:spPr>
           <a:xfrm rot="5400000">
-            <a:off x="31301059" y="7308215"/>
-            <a:ext cx="2004209" cy="1176612"/>
+            <a:off x="31305413" y="7312570"/>
+            <a:ext cx="1995500" cy="1176612"/>
           </a:xfrm>
           <a:prstGeom prst="bentConnector3">
             <a:avLst>
-              <a:gd name="adj1" fmla="val 11866"/>
+              <a:gd name="adj1" fmla="val 12032"/>
             </a:avLst>
           </a:prstGeom>
           <a:ln w="28575">

--- a/Наработки/диздоки/Сиам/Сиам.pptx
+++ b/Наработки/диздоки/Сиам/Сиам.pptx
@@ -209,7 +209,7 @@
             <a:fld id="{33E3D7F9-E251-484C-A6FF-FA958879DF69}" type="datetimeFigureOut">
               <a:rPr lang="ru-RU" smtClean="0"/>
               <a:pPr/>
-              <a:t>15.04.2024</a:t>
+              <a:t>19.04.2024</a:t>
             </a:fld>
             <a:endParaRPr lang="ru-RU"/>
           </a:p>
@@ -699,7 +699,7 @@
             <a:fld id="{85A5DE44-605B-4D3B-B2B7-94543DF81A36}" type="datetimeFigureOut">
               <a:rPr lang="ru-RU" smtClean="0"/>
               <a:pPr/>
-              <a:t>15.04.2024</a:t>
+              <a:t>19.04.2024</a:t>
             </a:fld>
             <a:endParaRPr lang="ru-RU"/>
           </a:p>
@@ -871,7 +871,7 @@
             <a:fld id="{85A5DE44-605B-4D3B-B2B7-94543DF81A36}" type="datetimeFigureOut">
               <a:rPr lang="ru-RU" smtClean="0"/>
               <a:pPr/>
-              <a:t>15.04.2024</a:t>
+              <a:t>19.04.2024</a:t>
             </a:fld>
             <a:endParaRPr lang="ru-RU"/>
           </a:p>
@@ -1053,7 +1053,7 @@
             <a:fld id="{85A5DE44-605B-4D3B-B2B7-94543DF81A36}" type="datetimeFigureOut">
               <a:rPr lang="ru-RU" smtClean="0"/>
               <a:pPr/>
-              <a:t>15.04.2024</a:t>
+              <a:t>19.04.2024</a:t>
             </a:fld>
             <a:endParaRPr lang="ru-RU"/>
           </a:p>
@@ -1225,7 +1225,7 @@
             <a:fld id="{85A5DE44-605B-4D3B-B2B7-94543DF81A36}" type="datetimeFigureOut">
               <a:rPr lang="ru-RU" smtClean="0"/>
               <a:pPr/>
-              <a:t>15.04.2024</a:t>
+              <a:t>19.04.2024</a:t>
             </a:fld>
             <a:endParaRPr lang="ru-RU"/>
           </a:p>
@@ -1473,7 +1473,7 @@
             <a:fld id="{85A5DE44-605B-4D3B-B2B7-94543DF81A36}" type="datetimeFigureOut">
               <a:rPr lang="ru-RU" smtClean="0"/>
               <a:pPr/>
-              <a:t>15.04.2024</a:t>
+              <a:t>19.04.2024</a:t>
             </a:fld>
             <a:endParaRPr lang="ru-RU"/>
           </a:p>
@@ -1707,7 +1707,7 @@
             <a:fld id="{85A5DE44-605B-4D3B-B2B7-94543DF81A36}" type="datetimeFigureOut">
               <a:rPr lang="ru-RU" smtClean="0"/>
               <a:pPr/>
-              <a:t>15.04.2024</a:t>
+              <a:t>19.04.2024</a:t>
             </a:fld>
             <a:endParaRPr lang="ru-RU"/>
           </a:p>
@@ -2076,7 +2076,7 @@
             <a:fld id="{85A5DE44-605B-4D3B-B2B7-94543DF81A36}" type="datetimeFigureOut">
               <a:rPr lang="ru-RU" smtClean="0"/>
               <a:pPr/>
-              <a:t>15.04.2024</a:t>
+              <a:t>19.04.2024</a:t>
             </a:fld>
             <a:endParaRPr lang="ru-RU"/>
           </a:p>
@@ -2196,7 +2196,7 @@
             <a:fld id="{85A5DE44-605B-4D3B-B2B7-94543DF81A36}" type="datetimeFigureOut">
               <a:rPr lang="ru-RU" smtClean="0"/>
               <a:pPr/>
-              <a:t>15.04.2024</a:t>
+              <a:t>19.04.2024</a:t>
             </a:fld>
             <a:endParaRPr lang="ru-RU"/>
           </a:p>
@@ -2293,7 +2293,7 @@
             <a:fld id="{85A5DE44-605B-4D3B-B2B7-94543DF81A36}" type="datetimeFigureOut">
               <a:rPr lang="ru-RU" smtClean="0"/>
               <a:pPr/>
-              <a:t>15.04.2024</a:t>
+              <a:t>19.04.2024</a:t>
             </a:fld>
             <a:endParaRPr lang="ru-RU"/>
           </a:p>
@@ -2572,7 +2572,7 @@
             <a:fld id="{85A5DE44-605B-4D3B-B2B7-94543DF81A36}" type="datetimeFigureOut">
               <a:rPr lang="ru-RU" smtClean="0"/>
               <a:pPr/>
-              <a:t>15.04.2024</a:t>
+              <a:t>19.04.2024</a:t>
             </a:fld>
             <a:endParaRPr lang="ru-RU"/>
           </a:p>
@@ -2831,7 +2831,7 @@
             <a:fld id="{85A5DE44-605B-4D3B-B2B7-94543DF81A36}" type="datetimeFigureOut">
               <a:rPr lang="ru-RU" smtClean="0"/>
               <a:pPr/>
-              <a:t>15.04.2024</a:t>
+              <a:t>19.04.2024</a:t>
             </a:fld>
             <a:endParaRPr lang="ru-RU"/>
           </a:p>
@@ -3046,7 +3046,7 @@
             <a:fld id="{85A5DE44-605B-4D3B-B2B7-94543DF81A36}" type="datetimeFigureOut">
               <a:rPr lang="ru-RU" smtClean="0"/>
               <a:pPr/>
-              <a:t>15.04.2024</a:t>
+              <a:t>19.04.2024</a:t>
             </a:fld>
             <a:endParaRPr lang="ru-RU"/>
           </a:p>
@@ -4254,27 +4254,7 @@
             <a:pPr algn="ctr"/>
             <a:r>
               <a:rPr lang="ru-RU" sz="1400" dirty="0"/>
-              <a:t>Претендовать на роль империи </a:t>
-            </a:r>
-            <a:r>
-              <a:rPr lang="ru-RU" sz="600" dirty="0"/>
-              <a:t>(Во-вторых, что более существенно, Сиам при правительстве </a:t>
-            </a:r>
-            <a:r>
-              <a:rPr lang="ru-RU" sz="600" dirty="0" err="1"/>
-              <a:t>Пибуна</a:t>
-            </a:r>
-            <a:r>
-              <a:rPr lang="ru-RU" sz="600" dirty="0"/>
-              <a:t> сам стал претендовать на роль империи. 24 июня 1939 г. политически нейтральное название государства — Сиам было изменено на </a:t>
-            </a:r>
-            <a:r>
-              <a:rPr lang="ru-RU" sz="600" dirty="0" err="1"/>
-              <a:t>Мыанг</a:t>
-            </a:r>
-            <a:r>
-              <a:rPr lang="ru-RU" sz="600" dirty="0"/>
-              <a:t> Тай (Государство Таи), в европейских документах — Таиланд.)</a:t>
+              <a:t>Претендовать на роль империи</a:t>
             </a:r>
             <a:endParaRPr lang="ru-RU" sz="6000" dirty="0"/>
           </a:p>
@@ -4374,13 +4354,8 @@
             <a:pPr algn="ctr"/>
             <a:r>
               <a:rPr lang="ru-RU" sz="1400" dirty="0"/>
-              <a:t>Партия тайской крови </a:t>
-            </a:r>
-            <a:r>
-              <a:rPr lang="ru-RU" sz="600" dirty="0"/>
-              <a:t>(Уже в 1939 г. в Таиланде была создана специальная организация «Партия тайской крови», которая крикливо агитировала за возвращение Лаоса и Западной Камбоджи под власть тайской монархии. Япония всячески подогревала претензии Таиланда, стремясь прочнее привязать его к странам «оси»..)</a:t>
-            </a:r>
-            <a:endParaRPr lang="ru-RU" sz="1400" dirty="0"/>
+              <a:t>Партия тайской крови</a:t>
+            </a:r>
           </a:p>
         </p:txBody>
       </p:sp>
@@ -13176,6 +13151,7 @@
         <p:nvCxnSpPr>
           <p:cNvPr id="301" name="Прямая соединительная линия 300"/>
           <p:cNvCxnSpPr>
+            <a:cxnSpLocks/>
             <a:stCxn id="299" idx="3"/>
             <a:endCxn id="292" idx="1"/>
           </p:cNvCxnSpPr>
@@ -13250,6 +13226,7 @@
         <p:nvCxnSpPr>
           <p:cNvPr id="305" name="Прямая соединительная линия 304"/>
           <p:cNvCxnSpPr>
+            <a:cxnSpLocks/>
             <a:stCxn id="292" idx="3"/>
             <a:endCxn id="288" idx="1"/>
           </p:cNvCxnSpPr>
@@ -16585,7 +16562,7 @@
             <a:pPr algn="ctr"/>
             <a:r>
               <a:rPr lang="ru-RU" sz="1400" dirty="0"/>
-              <a:t>Уничтожить Сери Тай (Свободное тайское движение)</a:t>
+              <a:t>Уничтожение Сери Тай</a:t>
             </a:r>
           </a:p>
         </p:txBody>
@@ -17379,7 +17356,7 @@
             </a:r>
             <a:r>
               <a:rPr lang="ru-RU" sz="1100" dirty="0"/>
-              <a:t>(претензии на земли Лаоса и Камбоджи, перед вторжением будет пограничный конфликт) (Октябрь 1940)</a:t>
+              <a:t>(Октябрь 1940)</a:t>
             </a:r>
             <a:endParaRPr lang="ru-RU" sz="1400" dirty="0"/>
           </a:p>
@@ -17427,7 +17404,7 @@
             <a:pPr algn="ctr"/>
             <a:r>
               <a:rPr lang="ru-RU" sz="1400" dirty="0" err="1"/>
-              <a:t>Тайфикация</a:t>
+              <a:t>Тайификация</a:t>
             </a:r>
             <a:r>
               <a:rPr lang="ru-RU" sz="1400" dirty="0"/>
@@ -17478,13 +17455,8 @@
             <a:pPr algn="ctr"/>
             <a:r>
               <a:rPr lang="ru-RU" sz="1400" dirty="0"/>
-              <a:t>Национальный банк Тайланда (1940) </a:t>
-            </a:r>
-            <a:r>
-              <a:rPr lang="ru-RU" sz="1100" dirty="0"/>
-              <a:t>(требуется «Национализация неугодных национальных кампаний» )</a:t>
-            </a:r>
-            <a:endParaRPr lang="ru-RU" sz="1400" dirty="0"/>
+              <a:t>Национальный банк Тайланда (1940)</a:t>
+            </a:r>
           </a:p>
         </p:txBody>
       </p:sp>
@@ -27410,29 +27382,8 @@
             <a:pPr algn="ctr"/>
             <a:r>
               <a:rPr lang="ru-RU" sz="1400" dirty="0"/>
-              <a:t>Тайное сотрудничество с Сери Тай (Свободное тайское движение) </a:t>
-            </a:r>
-            <a:r>
-              <a:rPr lang="ru-RU" sz="200" dirty="0"/>
-              <a:t>(В этом году в Таиланде возникает подпольное антияпонское движение «Свободное Таи». Во главе его встает Приди, который еще в январе 1942 г., будучи регентом королевства, предусмотрительно отказался подписать акт об объявлении войны Англии и США. Представителем «Свободного Таи» в США и посредником между Приди и американской разведкой становится бывший таиландский посол в Вашингтоне Сени </a:t>
-            </a:r>
-            <a:r>
-              <a:rPr lang="ru-RU" sz="200" dirty="0" err="1"/>
-              <a:t>Прамот</a:t>
-            </a:r>
-            <a:r>
-              <a:rPr lang="ru-RU" sz="200" dirty="0"/>
-              <a:t>, не признавший, как и Приди, объявления войны и отказавшийся вернуться на </a:t>
-            </a:r>
-            <a:r>
-              <a:rPr lang="ru-RU" sz="200" dirty="0" err="1"/>
-              <a:t>родину.Американское</a:t>
-            </a:r>
-            <a:r>
-              <a:rPr lang="ru-RU" sz="200" dirty="0"/>
-              <a:t> правительство со своей стороны оказывало движению Приди и Сени всяческую поддержку, официально заявляя, что оно не считает Таиланд воюющей против союзников страной, а рассматривает его как страну оккупированную, которая должна быть освобождена. Тайские студенты, обучавшиеся в США, проходили специальную подготовку в американских разведывательных школах и забрасывались в Таиланд. Вслед за ними в Таиланд стали прибывать и профессиональные американские разведчики, целью которых было поставить под свой контроль руководство движением «Свободное Таи». Воспользовавшись тем, что антияпонские отряды, начавшие возникать на северо-восточных окраинах страны, были очень плохо вооружены, американцы постарались усилить свое влияние щедрой заброской оружия с самолетов. Американское оружие получили около 10 тыс. бойцов антияпонских отрядов, общая численность которых составляла около 50 тыс. человек.)</a:t>
-            </a:r>
-            <a:endParaRPr lang="ru-RU" sz="1400" dirty="0"/>
+              <a:t>Тайное сотрудничество с Сери Тай</a:t>
+            </a:r>
           </a:p>
         </p:txBody>
       </p:sp>
@@ -29001,8 +28952,16 @@
               <a:t>Строительство нефтеперегонного завода </a:t>
             </a:r>
             <a:r>
-              <a:rPr lang="ru-RU" sz="600" dirty="0"/>
-              <a:t>(В результате английским нефтяным компаниям пришлось уйти с сиамского рынка. Государство же с помощью Японии построило в 1939—1940 гг. собственный нефтеперегонный завод.)</a:t>
+              <a:rPr lang="ru-RU" sz="900" dirty="0"/>
+              <a:t>(1939—1940 </a:t>
+            </a:r>
+            <a:r>
+              <a:rPr lang="ru-RU" sz="900" dirty="0" err="1"/>
+              <a:t>гг</a:t>
+            </a:r>
+            <a:r>
+              <a:rPr lang="ru-RU" sz="900" dirty="0"/>
+              <a:t>)</a:t>
             </a:r>
             <a:endParaRPr lang="ru-RU" sz="1400" dirty="0"/>
           </a:p>
@@ -29355,7 +29314,7 @@
           </a:xfrm>
           <a:prstGeom prst="bentConnector3">
             <a:avLst>
-              <a:gd name="adj1" fmla="val 16600"/>
+              <a:gd name="adj1" fmla="val 50776"/>
             </a:avLst>
           </a:prstGeom>
           <a:ln w="28575">
@@ -29803,13 +29762,8 @@
             <a:pPr algn="ctr"/>
             <a:r>
               <a:rPr lang="ru-RU" sz="1400" dirty="0"/>
-              <a:t>Офицерская стажировка в Японии </a:t>
-            </a:r>
-            <a:r>
-              <a:rPr lang="ru-RU" sz="700" dirty="0"/>
-              <a:t>(В 1935 г. Приди нанес официальный визит в Японию, где вел переговоры о привлечении японских капиталов в сиамскую промышленность. В том же году в Японию начали направлять для стажировки сиамских офицеров.) </a:t>
-            </a:r>
-            <a:endParaRPr lang="ru-RU" sz="1400" dirty="0"/>
+              <a:t>Офицерская стажировка в Японии</a:t>
+            </a:r>
           </a:p>
         </p:txBody>
       </p:sp>
@@ -29856,15 +29810,7 @@
             <a:pPr algn="ctr"/>
             <a:r>
               <a:rPr lang="ru-RU" sz="1400" dirty="0"/>
-              <a:t>Привлечение японских инвестиций (</a:t>
-            </a:r>
-            <a:r>
-              <a:rPr lang="ru-RU" sz="800" dirty="0"/>
-              <a:t>(В 1935 г. Приди нанес официальный визит в Японию, где вел переговоры о привлечении японских капиталов в сиамскую промышленность. В том же году в Японию начали направлять для стажировки сиамских офицеров.) </a:t>
-            </a:r>
-            <a:r>
-              <a:rPr lang="ru-RU" sz="1400" dirty="0"/>
-              <a:t>)</a:t>
+              <a:t>Привлечение японских инвестиций</a:t>
             </a:r>
           </a:p>
         </p:txBody>
@@ -29912,13 +29858,8 @@
             <a:pPr algn="ctr"/>
             <a:r>
               <a:rPr lang="ru-RU" sz="1400" dirty="0"/>
-              <a:t>Заключить торговый договор с Японией (март 1938) </a:t>
-            </a:r>
-            <a:r>
-              <a:rPr lang="ru-RU" sz="400" dirty="0"/>
-              <a:t>(С Японией же в марте 1938 г. был заключен особый договор о торговле, предоставлявший японцам в Сиаме привилегии, которыми не пользовались другие иностранцы. Японцы получили право покупать и арендовать здания, предприятия, склады, создавать благотворительные учреждения. Уже в 1937 г. в Сиаме проживало около тысячи японцев, главным образом представителей разных фирм)</a:t>
-            </a:r>
-            <a:endParaRPr lang="ru-RU" sz="1400" dirty="0"/>
+              <a:t>Заключить торговый договор с Японией (март 1938)</a:t>
+            </a:r>
           </a:p>
         </p:txBody>
       </p:sp>
@@ -30830,98 +30771,6 @@
           </a:fontRef>
         </p:style>
       </p:cxnSp>
-      <p:cxnSp>
-        <p:nvCxnSpPr>
-          <p:cNvPr id="773" name="Shape 248">
-            <a:extLst>
-              <a:ext uri="{FF2B5EF4-FFF2-40B4-BE49-F238E27FC236}">
-                <a16:creationId xmlns:a16="http://schemas.microsoft.com/office/drawing/2014/main" id="{B1715B12-4101-4EB4-B147-7BDB1E132371}"/>
-              </a:ext>
-            </a:extLst>
-          </p:cNvPr>
-          <p:cNvCxnSpPr>
-            <a:cxnSpLocks/>
-            <a:stCxn id="347" idx="2"/>
-            <a:endCxn id="432" idx="0"/>
-          </p:cNvCxnSpPr>
-          <p:nvPr/>
-        </p:nvCxnSpPr>
-        <p:spPr>
-          <a:xfrm rot="5400000">
-            <a:off x="45271482" y="23597806"/>
-            <a:ext cx="325302" cy="1122998"/>
-          </a:xfrm>
-          <a:prstGeom prst="bentConnector3">
-            <a:avLst>
-              <a:gd name="adj1" fmla="val 50000"/>
-            </a:avLst>
-          </a:prstGeom>
-          <a:ln w="28575">
-            <a:prstDash val="dash"/>
-            <a:tailEnd type="arrow"/>
-          </a:ln>
-        </p:spPr>
-        <p:style>
-          <a:lnRef idx="1">
-            <a:schemeClr val="accent1"/>
-          </a:lnRef>
-          <a:fillRef idx="0">
-            <a:schemeClr val="accent1"/>
-          </a:fillRef>
-          <a:effectRef idx="0">
-            <a:schemeClr val="accent1"/>
-          </a:effectRef>
-          <a:fontRef idx="minor">
-            <a:schemeClr val="tx1"/>
-          </a:fontRef>
-        </p:style>
-      </p:cxnSp>
-      <p:cxnSp>
-        <p:nvCxnSpPr>
-          <p:cNvPr id="774" name="Shape 248">
-            <a:extLst>
-              <a:ext uri="{FF2B5EF4-FFF2-40B4-BE49-F238E27FC236}">
-                <a16:creationId xmlns:a16="http://schemas.microsoft.com/office/drawing/2014/main" id="{56084623-795F-40B7-ACAE-6042F2EF09D1}"/>
-              </a:ext>
-            </a:extLst>
-          </p:cNvPr>
-          <p:cNvCxnSpPr>
-            <a:cxnSpLocks/>
-            <a:stCxn id="245" idx="2"/>
-            <a:endCxn id="432" idx="0"/>
-          </p:cNvCxnSpPr>
-          <p:nvPr/>
-        </p:nvCxnSpPr>
-        <p:spPr>
-          <a:xfrm rot="16200000" flipH="1">
-            <a:off x="44131639" y="23580961"/>
-            <a:ext cx="318998" cy="1162991"/>
-          </a:xfrm>
-          <a:prstGeom prst="bentConnector3">
-            <a:avLst>
-              <a:gd name="adj1" fmla="val 50000"/>
-            </a:avLst>
-          </a:prstGeom>
-          <a:ln w="28575">
-            <a:prstDash val="dash"/>
-            <a:tailEnd type="arrow"/>
-          </a:ln>
-        </p:spPr>
-        <p:style>
-          <a:lnRef idx="1">
-            <a:schemeClr val="accent1"/>
-          </a:lnRef>
-          <a:fillRef idx="0">
-            <a:schemeClr val="accent1"/>
-          </a:fillRef>
-          <a:effectRef idx="0">
-            <a:schemeClr val="accent1"/>
-          </a:effectRef>
-          <a:fontRef idx="minor">
-            <a:schemeClr val="tx1"/>
-          </a:fontRef>
-        </p:style>
-      </p:cxnSp>
       <p:sp>
         <p:nvSpPr>
           <p:cNvPr id="775" name="Прямоугольник 774">
@@ -30972,19 +30821,6 @@
               <a:rPr lang="ru-RU" sz="1400" dirty="0"/>
               <a:t>Гарантии для Индокитая</a:t>
             </a:r>
-            <a:r>
-              <a:rPr lang="ru-RU" sz="500" dirty="0"/>
-              <a:t>(В Японию была направлена «миссия доброй воли», но ее глава </a:t>
-            </a:r>
-            <a:r>
-              <a:rPr lang="ru-RU" sz="500" dirty="0" err="1"/>
-              <a:t>Луанг</a:t>
-            </a:r>
-            <a:r>
-              <a:rPr lang="ru-RU" sz="500" dirty="0"/>
-              <a:t> Промети, остановившись по пути в Сайгоне, 4 сентября предложил генерал-губернатору Французского Индокитая Деку заключить военный союз против Японии в обмен на уступку правобережья Меконга в Лаосе.)</a:t>
-            </a:r>
-            <a:endParaRPr lang="ru-RU" sz="1400" dirty="0"/>
           </a:p>
         </p:txBody>
       </p:sp>
@@ -31036,13 +30872,8 @@
             <a:pPr algn="ctr"/>
             <a:r>
               <a:rPr lang="ru-RU" sz="1400" dirty="0"/>
-              <a:t>Признать СССР </a:t>
-            </a:r>
-            <a:r>
-              <a:rPr lang="ru-RU" sz="700" dirty="0"/>
-              <a:t>(Тогда же таиландское правительство поднимает вопрос о признании Советского Союза и начинает соответствующие переговоры (12 марта 1941 г. устанавливаются дипломатические отношения между СССР и Таиландом))</a:t>
-            </a:r>
-            <a:endParaRPr lang="ru-RU" sz="1400" dirty="0"/>
+              <a:t>Признать СССР</a:t>
+            </a:r>
           </a:p>
         </p:txBody>
       </p:sp>
@@ -31094,13 +30925,8 @@
             <a:pPr algn="ctr"/>
             <a:r>
               <a:rPr lang="ru-RU" sz="1400" dirty="0"/>
-              <a:t>Закупка бомбардировщиков в США </a:t>
-            </a:r>
-            <a:r>
-              <a:rPr lang="ru-RU" sz="600" dirty="0"/>
-              <a:t>(Летом 1940 г. Таиланд завязывает переговоры с США. В ходе этих переговоров была достигнута договоренность о покупке 250 тяжелых американских бомбардировщиков для таиландской армии.)</a:t>
-            </a:r>
-            <a:endParaRPr lang="ru-RU" sz="1400" dirty="0"/>
+              <a:t>Закупка современного вооружения в США</a:t>
+            </a:r>
           </a:p>
         </p:txBody>
       </p:sp>
@@ -31382,78 +31208,6 @@
       </p:cxnSp>
       <p:sp>
         <p:nvSpPr>
-          <p:cNvPr id="786" name="Прямоугольник 785">
-            <a:extLst>
-              <a:ext uri="{FF2B5EF4-FFF2-40B4-BE49-F238E27FC236}">
-                <a16:creationId xmlns:a16="http://schemas.microsoft.com/office/drawing/2014/main" id="{723871E6-9276-4C32-AA24-A2D2CC2A0E45}"/>
-              </a:ext>
-            </a:extLst>
-          </p:cNvPr>
-          <p:cNvSpPr/>
-          <p:nvPr/>
-        </p:nvSpPr>
-        <p:spPr>
-          <a:xfrm>
-            <a:off x="35400912" y="8904673"/>
-            <a:ext cx="2115918" cy="1080000"/>
-          </a:xfrm>
-          <a:prstGeom prst="rect">
-            <a:avLst/>
-          </a:prstGeom>
-          <a:ln w="28575"/>
-        </p:spPr>
-        <p:style>
-          <a:lnRef idx="2">
-            <a:schemeClr val="accent1"/>
-          </a:lnRef>
-          <a:fillRef idx="1">
-            <a:schemeClr val="lt1"/>
-          </a:fillRef>
-          <a:effectRef idx="0">
-            <a:schemeClr val="accent1"/>
-          </a:effectRef>
-          <a:fontRef idx="minor">
-            <a:schemeClr val="dk1"/>
-          </a:fontRef>
-        </p:style>
-        <p:txBody>
-          <a:bodyPr lIns="124733" tIns="62367" rIns="124733" bIns="62367" rtlCol="0" anchor="ctr"/>
-          <a:lstStyle/>
-          <a:p>
-            <a:pPr algn="ctr"/>
-            <a:r>
-              <a:rPr lang="ru-RU" sz="300" dirty="0"/>
-              <a:t>Но с конца 1943 г. экономическое положение страны стало быстро ухудшаться. Японцы в первые годы оккупации поддерживали импорт в Таиланд необходимых промышленных товаров на достаточно высоком уровне и даже предоставили Таиланду в июне 1942 г. заем в 200 млн. иен для закупки этих товаров. Но к осени 1943 г. в связи с военными трудностями производство гражданской продукции в Японии упало. Ввоз ряда товаров в Таиланд </a:t>
-            </a:r>
-            <a:r>
-              <a:rPr lang="ru-RU" sz="300" dirty="0" err="1"/>
-              <a:t>сократился.В</a:t>
-            </a:r>
-            <a:r>
-              <a:rPr lang="ru-RU" sz="300" dirty="0"/>
-              <a:t> то же время Япония имела собственные большие запасы риса, олова и каучука, награбленные в других странах, и была заинтересована только в покупке в Таиланде хлопка, которого там в эти годы производилось мало. К концу войны в Таиланде скопилось 1,5 млн. т непроданного риса. Из-за отсутствия сбыта стало падать производство олова. Если в 1941 г. было произведено 15,8 тыс. т олова, то в 1942 г. — 7,8 тыс., а в 1945 г. — 1,77 тыс. т. Резко упало к 1945 г. производство </a:t>
-            </a:r>
-            <a:r>
-              <a:rPr lang="ru-RU" sz="300" dirty="0" err="1"/>
-              <a:t>каучука.То</a:t>
-            </a:r>
-            <a:r>
-              <a:rPr lang="ru-RU" sz="300" dirty="0"/>
-              <a:t> обстоятельство, что Япония почти ничего не покупала у Таиланда, а за свой импорт брала с него втридорога (используя положение монопольного импортера и навязанное Таиланду в апреле 1942 г. соглашение, по которому 1 бат приравнивался к 1 иене, что повело к значительной девальвации бата), а также ряд других причин привели к инфляции. Всего с декабря 1941 по декабрь 1945 г. количество бумажных денег в обращении возросло почти в 10 раз — с 236 млн. до 2103 млн. </a:t>
-            </a:r>
-            <a:r>
-              <a:rPr lang="ru-RU" sz="300" dirty="0" err="1"/>
-              <a:t>бат.Экономическая</a:t>
-            </a:r>
-            <a:r>
-              <a:rPr lang="ru-RU" sz="300" dirty="0"/>
-              <a:t> разруха усугублялась тяготами, вызванными присутствием в стране японских войск. Одно их содержание обходилось в немалую сумму. Военные расходы Таиланда за 1941—1945 гг. возросли с 36 до 51% госбюджета, а расходы на просвещение упали с 10 до 5%. Очень дорого обошлась Таиланду предпринятая японцами в 1942—1943 гг. прокладка стратегической железной дороги к бирманской границе. Сотни тысяч таиландцев были согнаны в непроходимые джунгли и в горы на строительство этой дороги, 150 тыс. из них погибло от болотной лихорадки и дизентерии (все население Таиланда составляло около 15 млн.).</a:t>
-            </a:r>
-          </a:p>
-        </p:txBody>
-      </p:sp>
-      <p:sp>
-        <p:nvSpPr>
           <p:cNvPr id="787" name="Прямоугольник 786">
             <a:extLst>
               <a:ext uri="{FF2B5EF4-FFF2-40B4-BE49-F238E27FC236}">
@@ -31730,10 +31484,10 @@
       </p:cxnSp>
       <p:sp>
         <p:nvSpPr>
-          <p:cNvPr id="794" name="Прямоугольник 793">
+          <p:cNvPr id="687" name="Прямоугольник 686">
             <a:extLst>
               <a:ext uri="{FF2B5EF4-FFF2-40B4-BE49-F238E27FC236}">
-                <a16:creationId xmlns:a16="http://schemas.microsoft.com/office/drawing/2014/main" id="{1743BA9C-3DF0-478A-ABA2-06BFF0089589}"/>
+                <a16:creationId xmlns:a16="http://schemas.microsoft.com/office/drawing/2014/main" id="{3E914E11-7705-4968-BEA9-4E28B0C1EDEE}"/>
               </a:ext>
             </a:extLst>
           </p:cNvPr>
@@ -31742,12 +31496,13 @@
         </p:nvSpPr>
         <p:spPr>
           <a:xfrm>
-            <a:off x="37813051" y="8904673"/>
+            <a:off x="35482800" y="13168033"/>
             <a:ext cx="2115918" cy="1080000"/>
           </a:xfrm>
           <a:prstGeom prst="rect">
             <a:avLst/>
           </a:prstGeom>
+          <a:noFill/>
           <a:ln w="28575"/>
         </p:spPr>
         <p:style>
@@ -31770,12 +31525,100 @@
           <a:p>
             <a:pPr algn="ctr"/>
             <a:r>
-              <a:rPr lang="ru-RU" sz="600" dirty="0"/>
-              <a:t>В довершение всего в годы войны на Таиланд обрушились стихийные бедствия. В 1942 г. в результате сильного наводнения погиб урожай на 30% посевных площадей центра страны. В результате эпизоотии упало поголовье буйволов: с 6,3 млн. голов в 1941 г. до 3,9 млн. голов в конце 1945 г. Была подорвана основная тягловая сила крестьянского хозяйства (тракторы в это время в Таиланде считались на десятки). Крестьянам зачастую нечего было есть, тогда как склады крупных торговцев ломились от непроданного риса.</a:t>
-            </a:r>
-          </a:p>
-        </p:txBody>
-      </p:sp>
+              <a:rPr lang="ru-RU" sz="1400" dirty="0"/>
+              <a:t>Перенять научные достижения Японии</a:t>
+            </a:r>
+          </a:p>
+        </p:txBody>
+      </p:sp>
+      <p:cxnSp>
+        <p:nvCxnSpPr>
+          <p:cNvPr id="689" name="Прямая со стрелкой 688">
+            <a:extLst>
+              <a:ext uri="{FF2B5EF4-FFF2-40B4-BE49-F238E27FC236}">
+                <a16:creationId xmlns:a16="http://schemas.microsoft.com/office/drawing/2014/main" id="{6814B4C0-3BEE-493C-ADA7-3F6957F7D3D3}"/>
+              </a:ext>
+            </a:extLst>
+          </p:cNvPr>
+          <p:cNvCxnSpPr>
+            <a:cxnSpLocks/>
+            <a:stCxn id="348" idx="2"/>
+            <a:endCxn id="687" idx="0"/>
+          </p:cNvCxnSpPr>
+          <p:nvPr/>
+        </p:nvCxnSpPr>
+        <p:spPr>
+          <a:xfrm>
+            <a:off x="36540759" y="12839519"/>
+            <a:ext cx="0" cy="328514"/>
+          </a:xfrm>
+          <a:prstGeom prst="straightConnector1">
+            <a:avLst/>
+          </a:prstGeom>
+          <a:ln w="28575">
+            <a:tailEnd type="arrow"/>
+          </a:ln>
+        </p:spPr>
+        <p:style>
+          <a:lnRef idx="1">
+            <a:schemeClr val="accent1"/>
+          </a:lnRef>
+          <a:fillRef idx="0">
+            <a:schemeClr val="accent1"/>
+          </a:fillRef>
+          <a:effectRef idx="0">
+            <a:schemeClr val="accent1"/>
+          </a:effectRef>
+          <a:fontRef idx="minor">
+            <a:schemeClr val="tx1"/>
+          </a:fontRef>
+        </p:style>
+      </p:cxnSp>
+      <p:cxnSp>
+        <p:nvCxnSpPr>
+          <p:cNvPr id="690" name="Shape 248">
+            <a:extLst>
+              <a:ext uri="{FF2B5EF4-FFF2-40B4-BE49-F238E27FC236}">
+                <a16:creationId xmlns:a16="http://schemas.microsoft.com/office/drawing/2014/main" id="{A30FC44F-09A1-4BCE-A1A7-EC1D7EF0CD06}"/>
+              </a:ext>
+            </a:extLst>
+          </p:cNvPr>
+          <p:cNvCxnSpPr>
+            <a:cxnSpLocks/>
+            <a:stCxn id="245" idx="2"/>
+            <a:endCxn id="432" idx="0"/>
+          </p:cNvCxnSpPr>
+          <p:nvPr/>
+        </p:nvCxnSpPr>
+        <p:spPr>
+          <a:xfrm rot="16200000" flipH="1">
+            <a:off x="44131639" y="23580961"/>
+            <a:ext cx="318998" cy="1162991"/>
+          </a:xfrm>
+          <a:prstGeom prst="bentConnector3">
+            <a:avLst>
+              <a:gd name="adj1" fmla="val 50000"/>
+            </a:avLst>
+          </a:prstGeom>
+          <a:ln w="28575">
+            <a:tailEnd type="arrow"/>
+          </a:ln>
+        </p:spPr>
+        <p:style>
+          <a:lnRef idx="1">
+            <a:schemeClr val="accent1"/>
+          </a:lnRef>
+          <a:fillRef idx="0">
+            <a:schemeClr val="accent1"/>
+          </a:fillRef>
+          <a:effectRef idx="0">
+            <a:schemeClr val="accent1"/>
+          </a:effectRef>
+          <a:fontRef idx="minor">
+            <a:schemeClr val="tx1"/>
+          </a:fontRef>
+        </p:style>
+      </p:cxnSp>
     </p:spTree>
     <p:extLst>
       <p:ext uri="{BB962C8B-B14F-4D97-AF65-F5344CB8AC3E}">

--- a/Наработки/диздоки/Сиам/Сиам.pptx
+++ b/Наработки/диздоки/Сиам/Сиам.pptx
@@ -209,7 +209,7 @@
             <a:fld id="{33E3D7F9-E251-484C-A6FF-FA958879DF69}" type="datetimeFigureOut">
               <a:rPr lang="ru-RU" smtClean="0"/>
               <a:pPr/>
-              <a:t>19.04.2024</a:t>
+              <a:t>03.05.2024</a:t>
             </a:fld>
             <a:endParaRPr lang="ru-RU"/>
           </a:p>
@@ -699,7 +699,7 @@
             <a:fld id="{85A5DE44-605B-4D3B-B2B7-94543DF81A36}" type="datetimeFigureOut">
               <a:rPr lang="ru-RU" smtClean="0"/>
               <a:pPr/>
-              <a:t>19.04.2024</a:t>
+              <a:t>03.05.2024</a:t>
             </a:fld>
             <a:endParaRPr lang="ru-RU"/>
           </a:p>
@@ -871,7 +871,7 @@
             <a:fld id="{85A5DE44-605B-4D3B-B2B7-94543DF81A36}" type="datetimeFigureOut">
               <a:rPr lang="ru-RU" smtClean="0"/>
               <a:pPr/>
-              <a:t>19.04.2024</a:t>
+              <a:t>03.05.2024</a:t>
             </a:fld>
             <a:endParaRPr lang="ru-RU"/>
           </a:p>
@@ -1053,7 +1053,7 @@
             <a:fld id="{85A5DE44-605B-4D3B-B2B7-94543DF81A36}" type="datetimeFigureOut">
               <a:rPr lang="ru-RU" smtClean="0"/>
               <a:pPr/>
-              <a:t>19.04.2024</a:t>
+              <a:t>03.05.2024</a:t>
             </a:fld>
             <a:endParaRPr lang="ru-RU"/>
           </a:p>
@@ -1225,7 +1225,7 @@
             <a:fld id="{85A5DE44-605B-4D3B-B2B7-94543DF81A36}" type="datetimeFigureOut">
               <a:rPr lang="ru-RU" smtClean="0"/>
               <a:pPr/>
-              <a:t>19.04.2024</a:t>
+              <a:t>03.05.2024</a:t>
             </a:fld>
             <a:endParaRPr lang="ru-RU"/>
           </a:p>
@@ -1473,7 +1473,7 @@
             <a:fld id="{85A5DE44-605B-4D3B-B2B7-94543DF81A36}" type="datetimeFigureOut">
               <a:rPr lang="ru-RU" smtClean="0"/>
               <a:pPr/>
-              <a:t>19.04.2024</a:t>
+              <a:t>03.05.2024</a:t>
             </a:fld>
             <a:endParaRPr lang="ru-RU"/>
           </a:p>
@@ -1707,7 +1707,7 @@
             <a:fld id="{85A5DE44-605B-4D3B-B2B7-94543DF81A36}" type="datetimeFigureOut">
               <a:rPr lang="ru-RU" smtClean="0"/>
               <a:pPr/>
-              <a:t>19.04.2024</a:t>
+              <a:t>03.05.2024</a:t>
             </a:fld>
             <a:endParaRPr lang="ru-RU"/>
           </a:p>
@@ -2076,7 +2076,7 @@
             <a:fld id="{85A5DE44-605B-4D3B-B2B7-94543DF81A36}" type="datetimeFigureOut">
               <a:rPr lang="ru-RU" smtClean="0"/>
               <a:pPr/>
-              <a:t>19.04.2024</a:t>
+              <a:t>03.05.2024</a:t>
             </a:fld>
             <a:endParaRPr lang="ru-RU"/>
           </a:p>
@@ -2196,7 +2196,7 @@
             <a:fld id="{85A5DE44-605B-4D3B-B2B7-94543DF81A36}" type="datetimeFigureOut">
               <a:rPr lang="ru-RU" smtClean="0"/>
               <a:pPr/>
-              <a:t>19.04.2024</a:t>
+              <a:t>03.05.2024</a:t>
             </a:fld>
             <a:endParaRPr lang="ru-RU"/>
           </a:p>
@@ -2293,7 +2293,7 @@
             <a:fld id="{85A5DE44-605B-4D3B-B2B7-94543DF81A36}" type="datetimeFigureOut">
               <a:rPr lang="ru-RU" smtClean="0"/>
               <a:pPr/>
-              <a:t>19.04.2024</a:t>
+              <a:t>03.05.2024</a:t>
             </a:fld>
             <a:endParaRPr lang="ru-RU"/>
           </a:p>
@@ -2572,7 +2572,7 @@
             <a:fld id="{85A5DE44-605B-4D3B-B2B7-94543DF81A36}" type="datetimeFigureOut">
               <a:rPr lang="ru-RU" smtClean="0"/>
               <a:pPr/>
-              <a:t>19.04.2024</a:t>
+              <a:t>03.05.2024</a:t>
             </a:fld>
             <a:endParaRPr lang="ru-RU"/>
           </a:p>
@@ -2831,7 +2831,7 @@
             <a:fld id="{85A5DE44-605B-4D3B-B2B7-94543DF81A36}" type="datetimeFigureOut">
               <a:rPr lang="ru-RU" smtClean="0"/>
               <a:pPr/>
-              <a:t>19.04.2024</a:t>
+              <a:t>03.05.2024</a:t>
             </a:fld>
             <a:endParaRPr lang="ru-RU"/>
           </a:p>
@@ -3046,7 +3046,7 @@
             <a:fld id="{85A5DE44-605B-4D3B-B2B7-94543DF81A36}" type="datetimeFigureOut">
               <a:rPr lang="ru-RU" smtClean="0"/>
               <a:pPr/>
-              <a:t>19.04.2024</a:t>
+              <a:t>03.05.2024</a:t>
             </a:fld>
             <a:endParaRPr lang="ru-RU"/>
           </a:p>
@@ -4054,15 +4054,7 @@
             <a:pPr algn="ctr"/>
             <a:r>
               <a:rPr lang="ru-RU" sz="1400" dirty="0"/>
-              <a:t>«Третий путь» (Народная Партия, </a:t>
-            </a:r>
-            <a:r>
-              <a:rPr lang="ru-RU" sz="1400" dirty="0" err="1"/>
-              <a:t>подъидеология</a:t>
-            </a:r>
-            <a:r>
-              <a:rPr lang="ru-RU" sz="1400" dirty="0"/>
-              <a:t> социал-демократия)</a:t>
+              <a:t>«Третий путь»</a:t>
             </a:r>
           </a:p>
         </p:txBody>
@@ -7070,71 +7062,7 @@
             <a:pPr algn="ctr"/>
             <a:r>
               <a:rPr lang="ru-RU" sz="1400" dirty="0"/>
-              <a:t>Создание королевских ВВС </a:t>
-            </a:r>
-            <a:r>
-              <a:rPr lang="ru-RU" sz="900" dirty="0"/>
-              <a:t>(В апреле 1937 года выделена в отдельный вид вооружённых сил) (ВВС министр 1 </a:t>
-            </a:r>
-            <a:r>
-              <a:rPr lang="en-US" sz="900" dirty="0" err="1"/>
-              <a:t>Munee</a:t>
-            </a:r>
-            <a:r>
-              <a:rPr lang="en-US" sz="900" dirty="0"/>
-              <a:t> </a:t>
-            </a:r>
-            <a:r>
-              <a:rPr lang="en-US" sz="900" dirty="0" err="1"/>
-              <a:t>Mahasanthana</a:t>
-            </a:r>
-            <a:r>
-              <a:rPr lang="en-US" sz="900" dirty="0"/>
-              <a:t> </a:t>
-            </a:r>
-            <a:r>
-              <a:rPr lang="en-US" sz="900" dirty="0" err="1"/>
-              <a:t>Vejayantarungsarit</a:t>
-            </a:r>
-            <a:r>
-              <a:rPr lang="ru-RU" sz="900" dirty="0"/>
-              <a:t>, ВВС министр 2 </a:t>
-            </a:r>
-            <a:r>
-              <a:rPr lang="en-US" sz="900" dirty="0" err="1"/>
-              <a:t>Luang</a:t>
-            </a:r>
-            <a:r>
-              <a:rPr lang="en-US" sz="900" dirty="0"/>
-              <a:t> </a:t>
-            </a:r>
-            <a:r>
-              <a:rPr lang="en-US" sz="900" dirty="0" err="1"/>
-              <a:t>Atuegtevadej</a:t>
-            </a:r>
-            <a:r>
-              <a:rPr lang="ru-RU" sz="900" dirty="0"/>
-              <a:t> министр 3 </a:t>
-            </a:r>
-            <a:r>
-              <a:rPr lang="en-US" sz="900" dirty="0" err="1"/>
-              <a:t>Luang</a:t>
-            </a:r>
-            <a:r>
-              <a:rPr lang="en-US" sz="900" dirty="0"/>
-              <a:t> </a:t>
-            </a:r>
-            <a:r>
-              <a:rPr lang="en-US" sz="900" dirty="0" err="1"/>
-              <a:t>Tevaritpanluek</a:t>
-            </a:r>
-            <a:r>
-              <a:rPr lang="ru-RU" sz="900" dirty="0"/>
-              <a:t>)</a:t>
-            </a:r>
-            <a:r>
-              <a:rPr lang="en-US" sz="900" dirty="0"/>
-              <a:t> -50</a:t>
+              <a:t>Создание королевских ВВС</a:t>
             </a:r>
             <a:endParaRPr lang="ru-RU" sz="900" dirty="0"/>
           </a:p>
@@ -12789,7 +12717,7 @@
             <a:pPr algn="ctr"/>
             <a:r>
               <a:rPr lang="ru-RU" sz="1400" dirty="0"/>
-              <a:t>Социалистический союз восточных азиатских республик</a:t>
+              <a:t>Советский союз восточных азиатских республик</a:t>
             </a:r>
           </a:p>
         </p:txBody>
@@ -13149,45 +13077,6 @@
       </p:cxnSp>
       <p:cxnSp>
         <p:nvCxnSpPr>
-          <p:cNvPr id="301" name="Прямая соединительная линия 300"/>
-          <p:cNvCxnSpPr>
-            <a:cxnSpLocks/>
-            <a:stCxn id="299" idx="3"/>
-            <a:endCxn id="292" idx="1"/>
-          </p:cNvCxnSpPr>
-          <p:nvPr/>
-        </p:nvCxnSpPr>
-        <p:spPr>
-          <a:xfrm flipV="1">
-            <a:off x="2592267" y="24908312"/>
-            <a:ext cx="3926892" cy="4"/>
-          </a:xfrm>
-          <a:prstGeom prst="line">
-            <a:avLst/>
-          </a:prstGeom>
-          <a:ln w="38100">
-            <a:solidFill>
-              <a:srgbClr val="FF0000"/>
-            </a:solidFill>
-          </a:ln>
-        </p:spPr>
-        <p:style>
-          <a:lnRef idx="1">
-            <a:schemeClr val="accent2"/>
-          </a:lnRef>
-          <a:fillRef idx="0">
-            <a:schemeClr val="accent2"/>
-          </a:fillRef>
-          <a:effectRef idx="0">
-            <a:schemeClr val="accent2"/>
-          </a:effectRef>
-          <a:fontRef idx="minor">
-            <a:schemeClr val="tx1"/>
-          </a:fontRef>
-        </p:style>
-      </p:cxnSp>
-      <p:cxnSp>
-        <p:nvCxnSpPr>
           <p:cNvPr id="302" name="Прямая со стрелкой 301"/>
           <p:cNvCxnSpPr>
             <a:stCxn id="292" idx="2"/>
@@ -13216,45 +13105,6 @@
           </a:fillRef>
           <a:effectRef idx="0">
             <a:schemeClr val="accent1"/>
-          </a:effectRef>
-          <a:fontRef idx="minor">
-            <a:schemeClr val="tx1"/>
-          </a:fontRef>
-        </p:style>
-      </p:cxnSp>
-      <p:cxnSp>
-        <p:nvCxnSpPr>
-          <p:cNvPr id="305" name="Прямая соединительная линия 304"/>
-          <p:cNvCxnSpPr>
-            <a:cxnSpLocks/>
-            <a:stCxn id="292" idx="3"/>
-            <a:endCxn id="288" idx="1"/>
-          </p:cNvCxnSpPr>
-          <p:nvPr/>
-        </p:nvCxnSpPr>
-        <p:spPr>
-          <a:xfrm>
-            <a:off x="8635077" y="24908312"/>
-            <a:ext cx="2779899" cy="1979"/>
-          </a:xfrm>
-          <a:prstGeom prst="line">
-            <a:avLst/>
-          </a:prstGeom>
-          <a:ln w="38100">
-            <a:solidFill>
-              <a:srgbClr val="FF0000"/>
-            </a:solidFill>
-          </a:ln>
-        </p:spPr>
-        <p:style>
-          <a:lnRef idx="1">
-            <a:schemeClr val="accent2"/>
-          </a:lnRef>
-          <a:fillRef idx="0">
-            <a:schemeClr val="accent2"/>
-          </a:fillRef>
-          <a:effectRef idx="0">
-            <a:schemeClr val="accent2"/>
           </a:effectRef>
           <a:fontRef idx="minor">
             <a:schemeClr val="tx1"/>
@@ -19706,31 +19556,7 @@
             <a:pPr algn="ctr"/>
             <a:r>
               <a:rPr lang="ru-RU" sz="1400" dirty="0"/>
-              <a:t>Вернуть военные посты принцам (</a:t>
-            </a:r>
-            <a:r>
-              <a:rPr lang="th-TH" sz="1400" dirty="0"/>
-              <a:t>พระวรวงศ์เธอ พระองค์เจ้าบวรเดช</a:t>
-            </a:r>
-            <a:r>
-              <a:rPr lang="ru-RU" sz="1400" dirty="0"/>
-              <a:t>, </a:t>
-            </a:r>
-            <a:r>
-              <a:rPr lang="en-US" sz="1400" dirty="0" err="1"/>
-              <a:t>Narisara</a:t>
-            </a:r>
-            <a:r>
-              <a:rPr lang="en-US" sz="1400" dirty="0"/>
-              <a:t> </a:t>
-            </a:r>
-            <a:r>
-              <a:rPr lang="en-US" sz="1400" dirty="0" err="1"/>
-              <a:t>Nuwattiwong</a:t>
-            </a:r>
-            <a:r>
-              <a:rPr lang="ru-RU" sz="1400" dirty="0"/>
-              <a:t>)</a:t>
+              <a:t>Вернуть военные посты принцам</a:t>
             </a:r>
           </a:p>
         </p:txBody>
